--- a/prop_letter.pptx
+++ b/prop_letter.pptx
@@ -5,17 +5,18 @@
     <p:sldMasterId id="2147483648" r:id="rId1"/>
   </p:sldMasterIdLst>
   <p:notesMasterIdLst>
-    <p:notesMasterId r:id="rId7"/>
+    <p:notesMasterId r:id="rId8"/>
   </p:notesMasterIdLst>
   <p:handoutMasterIdLst>
-    <p:handoutMasterId r:id="rId8"/>
+    <p:handoutMasterId r:id="rId9"/>
   </p:handoutMasterIdLst>
   <p:sldIdLst>
     <p:sldId id="256" r:id="rId2"/>
-    <p:sldId id="261" r:id="rId3"/>
-    <p:sldId id="257" r:id="rId4"/>
-    <p:sldId id="259" r:id="rId5"/>
-    <p:sldId id="260" r:id="rId6"/>
+    <p:sldId id="262" r:id="rId3"/>
+    <p:sldId id="261" r:id="rId4"/>
+    <p:sldId id="257" r:id="rId5"/>
+    <p:sldId id="259" r:id="rId6"/>
+    <p:sldId id="260" r:id="rId7"/>
   </p:sldIdLst>
   <p:sldSz cx="12192000" cy="6858000"/>
   <p:notesSz cx="6858000" cy="9144000"/>
@@ -115,6 +116,28 @@
     </a:lvl9pPr>
   </p:defaultTextStyle>
   <p:extLst>
+    <p:ext uri="{521415D9-36F7-43E2-AB2F-B90AF26B5E84}">
+      <p14:sectionLst xmlns:p14="http://schemas.microsoft.com/office/powerpoint/2010/main">
+        <p14:section name="Title" id="{1E12A82F-F0E3-4461-BE5B-707C8CA2F141}">
+          <p14:sldIdLst>
+            <p14:sldId id="256"/>
+          </p14:sldIdLst>
+        </p14:section>
+        <p14:section name="Interval-Valued Quantum Probabilities" id="{B11F37AE-DE06-4D02-9F44-498792825247}">
+          <p14:sldIdLst>
+            <p14:sldId id="262"/>
+            <p14:sldId id="261"/>
+          </p14:sldIdLst>
+        </p14:section>
+        <p14:section name="Kochen-Specker Theorem" id="{267E8203-33DC-4F7A-9CD7-887DDB8FDDB2}">
+          <p14:sldIdLst>
+            <p14:sldId id="257"/>
+            <p14:sldId id="259"/>
+            <p14:sldId id="260"/>
+          </p14:sldIdLst>
+        </p14:section>
+      </p14:sectionLst>
+    </p:ext>
     <p:ext uri="{EFAFB233-063F-42B5-8137-9DF3F51BA10A}">
       <p15:sldGuideLst xmlns:p15="http://schemas.microsoft.com/office/powerpoint/2012/main"/>
     </p:ext>
@@ -204,7 +227,7 @@
           <a:p>
             <a:fld id="{FE3023B1-3AFF-46C4-97DC-7BEE883CD9D8}" type="datetimeFigureOut">
               <a:rPr lang="en-US" smtClean="0"/>
-              <a:t>6/26/2017</a:t>
+              <a:t>6/30/2017</a:t>
             </a:fld>
             <a:endParaRPr lang="en-US"/>
           </a:p>
@@ -369,7 +392,7 @@
           <a:p>
             <a:fld id="{384BE3C3-7DB8-44EE-9555-F40C087B77CA}" type="datetimeFigureOut">
               <a:rPr lang="en-US" smtClean="0"/>
-              <a:t>6/26/2017</a:t>
+              <a:t>6/30/2017</a:t>
             </a:fld>
             <a:endParaRPr lang="en-US"/>
           </a:p>
@@ -811,7 +834,7 @@
           <a:p>
             <a:fld id="{553141C9-E3AF-4773-84E5-4C6860670B56}" type="slidenum">
               <a:rPr lang="en-US" smtClean="0"/>
-              <a:t>2</a:t>
+              <a:t>3</a:t>
             </a:fld>
             <a:endParaRPr lang="en-US"/>
           </a:p>
@@ -895,7 +918,7 @@
           <a:p>
             <a:fld id="{553141C9-E3AF-4773-84E5-4C6860670B56}" type="slidenum">
               <a:rPr lang="en-US" smtClean="0"/>
-              <a:t>3</a:t>
+              <a:t>4</a:t>
             </a:fld>
             <a:endParaRPr lang="en-US"/>
           </a:p>
@@ -979,7 +1002,7 @@
           <a:p>
             <a:fld id="{553141C9-E3AF-4773-84E5-4C6860670B56}" type="slidenum">
               <a:rPr lang="en-US" smtClean="0"/>
-              <a:t>4</a:t>
+              <a:t>5</a:t>
             </a:fld>
             <a:endParaRPr lang="en-US"/>
           </a:p>
@@ -1063,7 +1086,7 @@
           <a:p>
             <a:fld id="{553141C9-E3AF-4773-84E5-4C6860670B56}" type="slidenum">
               <a:rPr lang="en-US" smtClean="0"/>
-              <a:t>5</a:t>
+              <a:t>6</a:t>
             </a:fld>
             <a:endParaRPr lang="en-US"/>
           </a:p>
@@ -1213,7 +1236,7 @@
           <a:p>
             <a:fld id="{D1C3BEE1-3E90-49E5-9A2E-FAD1B5091927}" type="datetimeFigureOut">
               <a:rPr lang="en-US" smtClean="0"/>
-              <a:t>6/26/2017</a:t>
+              <a:t>6/30/2017</a:t>
             </a:fld>
             <a:endParaRPr lang="en-US"/>
           </a:p>
@@ -1383,7 +1406,7 @@
           <a:p>
             <a:fld id="{D1C3BEE1-3E90-49E5-9A2E-FAD1B5091927}" type="datetimeFigureOut">
               <a:rPr lang="en-US" smtClean="0"/>
-              <a:t>6/26/2017</a:t>
+              <a:t>6/30/2017</a:t>
             </a:fld>
             <a:endParaRPr lang="en-US"/>
           </a:p>
@@ -1563,7 +1586,7 @@
           <a:p>
             <a:fld id="{D1C3BEE1-3E90-49E5-9A2E-FAD1B5091927}" type="datetimeFigureOut">
               <a:rPr lang="en-US" smtClean="0"/>
-              <a:t>6/26/2017</a:t>
+              <a:t>6/30/2017</a:t>
             </a:fld>
             <a:endParaRPr lang="en-US"/>
           </a:p>
@@ -1733,7 +1756,7 @@
           <a:p>
             <a:fld id="{D1C3BEE1-3E90-49E5-9A2E-FAD1B5091927}" type="datetimeFigureOut">
               <a:rPr lang="en-US" smtClean="0"/>
-              <a:t>6/26/2017</a:t>
+              <a:t>6/30/2017</a:t>
             </a:fld>
             <a:endParaRPr lang="en-US"/>
           </a:p>
@@ -1979,7 +2002,7 @@
           <a:p>
             <a:fld id="{D1C3BEE1-3E90-49E5-9A2E-FAD1B5091927}" type="datetimeFigureOut">
               <a:rPr lang="en-US" smtClean="0"/>
-              <a:t>6/26/2017</a:t>
+              <a:t>6/30/2017</a:t>
             </a:fld>
             <a:endParaRPr lang="en-US"/>
           </a:p>
@@ -2211,7 +2234,7 @@
           <a:p>
             <a:fld id="{D1C3BEE1-3E90-49E5-9A2E-FAD1B5091927}" type="datetimeFigureOut">
               <a:rPr lang="en-US" smtClean="0"/>
-              <a:t>6/26/2017</a:t>
+              <a:t>6/30/2017</a:t>
             </a:fld>
             <a:endParaRPr lang="en-US"/>
           </a:p>
@@ -2578,7 +2601,7 @@
           <a:p>
             <a:fld id="{D1C3BEE1-3E90-49E5-9A2E-FAD1B5091927}" type="datetimeFigureOut">
               <a:rPr lang="en-US" smtClean="0"/>
-              <a:t>6/26/2017</a:t>
+              <a:t>6/30/2017</a:t>
             </a:fld>
             <a:endParaRPr lang="en-US"/>
           </a:p>
@@ -2696,7 +2719,7 @@
           <a:p>
             <a:fld id="{D1C3BEE1-3E90-49E5-9A2E-FAD1B5091927}" type="datetimeFigureOut">
               <a:rPr lang="en-US" smtClean="0"/>
-              <a:t>6/26/2017</a:t>
+              <a:t>6/30/2017</a:t>
             </a:fld>
             <a:endParaRPr lang="en-US"/>
           </a:p>
@@ -2791,7 +2814,7 @@
           <a:p>
             <a:fld id="{D1C3BEE1-3E90-49E5-9A2E-FAD1B5091927}" type="datetimeFigureOut">
               <a:rPr lang="en-US" smtClean="0"/>
-              <a:t>6/26/2017</a:t>
+              <a:t>6/30/2017</a:t>
             </a:fld>
             <a:endParaRPr lang="en-US"/>
           </a:p>
@@ -3068,7 +3091,7 @@
           <a:p>
             <a:fld id="{D1C3BEE1-3E90-49E5-9A2E-FAD1B5091927}" type="datetimeFigureOut">
               <a:rPr lang="en-US" smtClean="0"/>
-              <a:t>6/26/2017</a:t>
+              <a:t>6/30/2017</a:t>
             </a:fld>
             <a:endParaRPr lang="en-US"/>
           </a:p>
@@ -3321,7 +3344,7 @@
           <a:p>
             <a:fld id="{D1C3BEE1-3E90-49E5-9A2E-FAD1B5091927}" type="datetimeFigureOut">
               <a:rPr lang="en-US" smtClean="0"/>
-              <a:t>6/26/2017</a:t>
+              <a:t>6/30/2017</a:t>
             </a:fld>
             <a:endParaRPr lang="en-US"/>
           </a:p>
@@ -3534,7 +3557,7 @@
           <a:p>
             <a:fld id="{D1C3BEE1-3E90-49E5-9A2E-FAD1B5091927}" type="datetimeFigureOut">
               <a:rPr lang="en-US" smtClean="0"/>
-              <a:t>6/26/2017</a:t>
+              <a:t>6/30/2017</a:t>
             </a:fld>
             <a:endParaRPr lang="en-US"/>
           </a:p>
@@ -3951,12 +3974,18 @@
         </p:nvSpPr>
         <p:spPr/>
         <p:txBody>
-          <a:bodyPr/>
+          <a:bodyPr>
+            <a:normAutofit/>
+          </a:bodyPr>
           <a:lstStyle/>
           <a:p>
+            <a:r>
+              <a:rPr lang="en-US" dirty="0"/>
+              <a:t>Interval-Valued Quantum </a:t>
+            </a:r>
             <a:r>
               <a:rPr lang="en-US" dirty="0" smtClean="0"/>
-              <a:t>Kochen-Specker Theorem in QIVPM</a:t>
+              <a:t>Probabilities</a:t>
             </a:r>
             <a:endParaRPr lang="en-US" dirty="0"/>
           </a:p>
@@ -3977,7 +4006,11 @@
           <a:bodyPr/>
           <a:lstStyle/>
           <a:p>
-            <a:endParaRPr lang="en-US"/>
+            <a:r>
+              <a:rPr lang="en-US" dirty="0"/>
+              <a:t>Contextuality and the Born Rule</a:t>
+            </a:r>
+            <a:endParaRPr lang="en-US" dirty="0"/>
           </a:p>
         </p:txBody>
       </p:sp>
@@ -4002,6 +4035,994 @@
 </file>
 
 <file path=ppt/slides/slide2.xml><?xml version="1.0" encoding="utf-8"?>
+<p:sld xmlns:a="http://schemas.openxmlformats.org/drawingml/2006/main" xmlns:r="http://schemas.openxmlformats.org/officeDocument/2006/relationships" xmlns:p="http://schemas.openxmlformats.org/presentationml/2006/main">
+  <p:cSld>
+    <p:spTree>
+      <p:nvGrpSpPr>
+        <p:cNvPr id="1" name=""/>
+        <p:cNvGrpSpPr/>
+        <p:nvPr/>
+      </p:nvGrpSpPr>
+      <p:grpSpPr>
+        <a:xfrm>
+          <a:off x="0" y="0"/>
+          <a:ext cx="0" cy="0"/>
+          <a:chOff x="0" y="0"/>
+          <a:chExt cx="0" cy="0"/>
+        </a:xfrm>
+      </p:grpSpPr>
+      <p:sp>
+        <p:nvSpPr>
+          <p:cNvPr id="2" name="Title 1"/>
+          <p:cNvSpPr>
+            <a:spLocks noGrp="1"/>
+          </p:cNvSpPr>
+          <p:nvPr>
+            <p:ph type="title"/>
+          </p:nvPr>
+        </p:nvSpPr>
+        <p:spPr/>
+        <p:txBody>
+          <a:bodyPr/>
+          <a:lstStyle/>
+          <a:p>
+            <a:r>
+              <a:rPr lang="en-US" dirty="0" smtClean="0"/>
+              <a:t>Probability Models</a:t>
+            </a:r>
+            <a:endParaRPr lang="en-US" dirty="0"/>
+          </a:p>
+        </p:txBody>
+      </p:sp>
+      <mc:AlternateContent xmlns:mc="http://schemas.openxmlformats.org/markup-compatibility/2006">
+        <mc:Choice xmlns:a14="http://schemas.microsoft.com/office/drawing/2010/main" Requires="a14">
+          <p:graphicFrame>
+            <p:nvGraphicFramePr>
+              <p:cNvPr id="4" name="Content Placeholder 3"/>
+              <p:cNvGraphicFramePr>
+                <a:graphicFrameLocks noGrp="1"/>
+              </p:cNvGraphicFramePr>
+              <p:nvPr>
+                <p:ph idx="1"/>
+                <p:extLst>
+                  <p:ext uri="{D42A27DB-BD31-4B8C-83A1-F6EECF244321}">
+                    <p14:modId xmlns:p14="http://schemas.microsoft.com/office/powerpoint/2010/main" val="2198624936"/>
+                  </p:ext>
+                </p:extLst>
+              </p:nvPr>
+            </p:nvGraphicFramePr>
+            <p:xfrm>
+              <a:off x="838200" y="1825625"/>
+              <a:ext cx="10515600" cy="2565400"/>
+            </p:xfrm>
+            <a:graphic>
+              <a:graphicData uri="http://schemas.openxmlformats.org/drawingml/2006/table">
+                <a:tbl>
+                  <a:tblPr firstRow="1" bandRow="1">
+                    <a:tableStyleId>{5C22544A-7EE6-4342-B048-85BDC9FD1C3A}</a:tableStyleId>
+                  </a:tblPr>
+                  <a:tblGrid>
+                    <a:gridCol w="3505200"/>
+                    <a:gridCol w="3505200"/>
+                    <a:gridCol w="3505200"/>
+                  </a:tblGrid>
+                  <a:tr h="370840">
+                    <a:tc>
+                      <a:txBody>
+                        <a:bodyPr/>
+                        <a:lstStyle/>
+                        <a:p>
+                          <a:pPr algn="ctr"/>
+                          <a:endParaRPr lang="en-US" dirty="0"/>
+                        </a:p>
+                      </a:txBody>
+                      <a:tcPr anchor="ctr"/>
+                    </a:tc>
+                    <a:tc>
+                      <a:txBody>
+                        <a:bodyPr/>
+                        <a:lstStyle/>
+                        <a:p>
+                          <a:pPr algn="ctr"/>
+                          <a:r>
+                            <a:rPr lang="en-US" dirty="0" smtClean="0"/>
+                            <a:t>Classical</a:t>
+                          </a:r>
+                          <a:endParaRPr lang="en-US" dirty="0"/>
+                        </a:p>
+                      </a:txBody>
+                      <a:tcPr anchor="ctr"/>
+                    </a:tc>
+                    <a:tc>
+                      <a:txBody>
+                        <a:bodyPr/>
+                        <a:lstStyle/>
+                        <a:p>
+                          <a:pPr algn="ctr"/>
+                          <a:r>
+                            <a:rPr lang="en-US" dirty="0" smtClean="0"/>
+                            <a:t>Quantum</a:t>
+                          </a:r>
+                          <a:endParaRPr lang="en-US" dirty="0"/>
+                        </a:p>
+                      </a:txBody>
+                      <a:tcPr anchor="ctr"/>
+                    </a:tc>
+                  </a:tr>
+                  <a:tr h="370840">
+                    <a:tc>
+                      <a:txBody>
+                        <a:bodyPr/>
+                        <a:lstStyle/>
+                        <a:p>
+                          <a:pPr algn="ctr"/>
+                          <a:endParaRPr lang="en-US" dirty="0"/>
+                        </a:p>
+                      </a:txBody>
+                      <a:tcPr anchor="ctr"/>
+                    </a:tc>
+                    <a:tc>
+                      <a:txBody>
+                        <a:bodyPr/>
+                        <a:lstStyle/>
+                        <a:p>
+                          <a:pPr algn="ctr"/>
+                          <a:r>
+                            <a:rPr lang="en-US" dirty="0" smtClean="0"/>
+                            <a:t>Sample Space: Set </a:t>
+                          </a:r>
+                          <a14:m>
+                            <m:oMath xmlns:m="http://schemas.openxmlformats.org/officeDocument/2006/math">
+                              <m:r>
+                                <m:rPr>
+                                  <m:sty m:val="p"/>
+                                </m:rPr>
+                                <a:rPr lang="el-GR" i="1" smtClean="0">
+                                  <a:latin typeface="Cambria Math" panose="02040503050406030204" pitchFamily="18" charset="0"/>
+                                  <a:ea typeface="Cambria Math" panose="02040503050406030204" pitchFamily="18" charset="0"/>
+                                </a:rPr>
+                                <m:t>Ω</m:t>
+                              </m:r>
+                            </m:oMath>
+                          </a14:m>
+                          <a:endParaRPr lang="en-US" dirty="0" smtClean="0"/>
+                        </a:p>
+                        <a:p>
+                          <a:pPr marL="0" marR="0" lvl="0" indent="0" algn="ctr" defTabSz="914400" rtl="0" eaLnBrk="1" fontAlgn="auto" latinLnBrk="0" hangingPunct="1">
+                            <a:lnSpc>
+                              <a:spcPct val="100000"/>
+                            </a:lnSpc>
+                            <a:spcBef>
+                              <a:spcPts val="0"/>
+                            </a:spcBef>
+                            <a:spcAft>
+                              <a:spcPts val="0"/>
+                            </a:spcAft>
+                            <a:buClrTx/>
+                            <a:buSzTx/>
+                            <a:buFontTx/>
+                            <a:buNone/>
+                            <a:tabLst/>
+                            <a:defRPr/>
+                          </a:pPr>
+                          <a:r>
+                            <a:rPr lang="en-US" dirty="0" smtClean="0"/>
+                            <a:t>Event Space: Power Set </a:t>
+                          </a:r>
+                          <a14:m>
+                            <m:oMath xmlns:m="http://schemas.openxmlformats.org/officeDocument/2006/math">
+                              <m:r>
+                                <a:rPr lang="en-US" b="0" i="1" smtClean="0">
+                                  <a:latin typeface="Cambria Math" panose="02040503050406030204" pitchFamily="18" charset="0"/>
+                                  <a:ea typeface="Cambria Math" panose="02040503050406030204" pitchFamily="18" charset="0"/>
+                                </a:rPr>
+                                <m:t>ℰ</m:t>
+                              </m:r>
+                              <m:r>
+                                <a:rPr lang="en-US" b="0" i="0" smtClean="0">
+                                  <a:latin typeface="Cambria Math" panose="02040503050406030204" pitchFamily="18" charset="0"/>
+                                  <a:ea typeface="Cambria Math" panose="02040503050406030204" pitchFamily="18" charset="0"/>
+                                </a:rPr>
+                                <m:t>=</m:t>
+                              </m:r>
+                              <m:sSup>
+                                <m:sSupPr>
+                                  <m:ctrlPr>
+                                    <a:rPr lang="en-US" b="0" i="1" smtClean="0">
+                                      <a:latin typeface="Cambria Math" panose="02040503050406030204" pitchFamily="18" charset="0"/>
+                                      <a:ea typeface="Cambria Math" panose="02040503050406030204" pitchFamily="18" charset="0"/>
+                                    </a:rPr>
+                                  </m:ctrlPr>
+                                </m:sSupPr>
+                                <m:e>
+                                  <m:r>
+                                    <a:rPr lang="en-US" b="0" i="0" smtClean="0">
+                                      <a:latin typeface="Cambria Math" panose="02040503050406030204" pitchFamily="18" charset="0"/>
+                                      <a:ea typeface="Cambria Math" panose="02040503050406030204" pitchFamily="18" charset="0"/>
+                                    </a:rPr>
+                                    <m:t>2</m:t>
+                                  </m:r>
+                                </m:e>
+                                <m:sup>
+                                  <m:r>
+                                    <m:rPr>
+                                      <m:sty m:val="p"/>
+                                    </m:rPr>
+                                    <a:rPr lang="el-GR" i="1" smtClean="0">
+                                      <a:latin typeface="Cambria Math" panose="02040503050406030204" pitchFamily="18" charset="0"/>
+                                      <a:ea typeface="Cambria Math" panose="02040503050406030204" pitchFamily="18" charset="0"/>
+                                    </a:rPr>
+                                    <m:t>Ω</m:t>
+                                  </m:r>
+                                </m:sup>
+                              </m:sSup>
+                            </m:oMath>
+                          </a14:m>
+                          <a:endParaRPr lang="en-US" dirty="0"/>
+                        </a:p>
+                      </a:txBody>
+                      <a:tcPr anchor="ctr"/>
+                    </a:tc>
+                    <a:tc>
+                      <a:txBody>
+                        <a:bodyPr/>
+                        <a:lstStyle/>
+                        <a:p>
+                          <a:pPr algn="ctr"/>
+                          <a:r>
+                            <a:rPr lang="en-US" dirty="0" smtClean="0"/>
+                            <a:t>Hilbert Space </a:t>
+                          </a:r>
+                          <a14:m>
+                            <m:oMath xmlns:m="http://schemas.openxmlformats.org/officeDocument/2006/math">
+                              <m:r>
+                                <a:rPr lang="el-GR" i="1" smtClean="0">
+                                  <a:latin typeface="Cambria Math" panose="02040503050406030204" pitchFamily="18" charset="0"/>
+                                  <a:ea typeface="Cambria Math" panose="02040503050406030204" pitchFamily="18" charset="0"/>
+                                </a:rPr>
+                                <m:t>ℋ</m:t>
+                              </m:r>
+                            </m:oMath>
+                          </a14:m>
+                          <a:endParaRPr lang="en-US" dirty="0" smtClean="0"/>
+                        </a:p>
+                        <a:p>
+                          <a:pPr marL="0" marR="0" lvl="0" indent="0" algn="ctr" defTabSz="914400" rtl="0" eaLnBrk="1" fontAlgn="auto" latinLnBrk="0" hangingPunct="1">
+                            <a:lnSpc>
+                              <a:spcPct val="100000"/>
+                            </a:lnSpc>
+                            <a:spcBef>
+                              <a:spcPts val="0"/>
+                            </a:spcBef>
+                            <a:spcAft>
+                              <a:spcPts val="0"/>
+                            </a:spcAft>
+                            <a:buClrTx/>
+                            <a:buSzTx/>
+                            <a:buFontTx/>
+                            <a:buNone/>
+                            <a:tabLst/>
+                            <a:defRPr/>
+                          </a:pPr>
+                          <a:r>
+                            <a:rPr lang="en-US" dirty="0" smtClean="0"/>
+                            <a:t>Event Space: </a:t>
+                          </a:r>
+                          <a14:m>
+                            <m:oMath xmlns:m="http://schemas.openxmlformats.org/officeDocument/2006/math">
+                              <m:r>
+                                <a:rPr lang="en-US" b="0" i="1" smtClean="0">
+                                  <a:latin typeface="Cambria Math" panose="02040503050406030204" pitchFamily="18" charset="0"/>
+                                  <a:ea typeface="Cambria Math" panose="02040503050406030204" pitchFamily="18" charset="0"/>
+                                </a:rPr>
+                                <m:t>ℰ</m:t>
+                              </m:r>
+                              <m:r>
+                                <a:rPr lang="en-US" b="0" i="1" smtClean="0">
+                                  <a:latin typeface="Cambria Math" panose="02040503050406030204" pitchFamily="18" charset="0"/>
+                                  <a:ea typeface="Cambria Math" panose="02040503050406030204" pitchFamily="18" charset="0"/>
+                                </a:rPr>
+                                <m:t>=</m:t>
+                              </m:r>
+                              <m:d>
+                                <m:dPr>
+                                  <m:begChr m:val="{"/>
+                                  <m:endChr m:val="}"/>
+                                  <m:ctrlPr>
+                                    <a:rPr lang="en-US" b="0" i="1" smtClean="0">
+                                      <a:latin typeface="Cambria Math" panose="02040503050406030204" pitchFamily="18" charset="0"/>
+                                      <a:ea typeface="Cambria Math" panose="02040503050406030204" pitchFamily="18" charset="0"/>
+                                    </a:rPr>
+                                  </m:ctrlPr>
+                                </m:dPr>
+                                <m:e>
+                                  <m:r>
+                                    <m:rPr>
+                                      <m:nor/>
+                                    </m:rPr>
+                                    <a:rPr lang="en-US" b="0" i="0" smtClean="0">
+                                      <a:latin typeface="Cambria Math" panose="02040503050406030204" pitchFamily="18" charset="0"/>
+                                      <a:ea typeface="Cambria Math" panose="02040503050406030204" pitchFamily="18" charset="0"/>
+                                    </a:rPr>
+                                    <m:t>all</m:t>
+                                  </m:r>
+                                  <m:r>
+                                    <m:rPr>
+                                      <m:nor/>
+                                    </m:rPr>
+                                    <a:rPr lang="en-US" b="0" i="0" smtClean="0">
+                                      <a:latin typeface="Cambria Math" panose="02040503050406030204" pitchFamily="18" charset="0"/>
+                                      <a:ea typeface="Cambria Math" panose="02040503050406030204" pitchFamily="18" charset="0"/>
+                                    </a:rPr>
+                                    <m:t> </m:t>
+                                  </m:r>
+                                  <m:r>
+                                    <m:rPr>
+                                      <m:nor/>
+                                    </m:rPr>
+                                    <a:rPr lang="en-US" b="0" i="0" smtClean="0">
+                                      <a:latin typeface="Cambria Math" panose="02040503050406030204" pitchFamily="18" charset="0"/>
+                                      <a:ea typeface="Cambria Math" panose="02040503050406030204" pitchFamily="18" charset="0"/>
+                                    </a:rPr>
+                                    <m:t>projectors</m:t>
+                                  </m:r>
+                                  <m:r>
+                                    <m:rPr>
+                                      <m:nor/>
+                                    </m:rPr>
+                                    <a:rPr lang="en-US" b="0" i="0" smtClean="0">
+                                      <a:latin typeface="Cambria Math" panose="02040503050406030204" pitchFamily="18" charset="0"/>
+                                      <a:ea typeface="Cambria Math" panose="02040503050406030204" pitchFamily="18" charset="0"/>
+                                    </a:rPr>
+                                    <m:t> </m:t>
+                                  </m:r>
+                                  <m:r>
+                                    <m:rPr>
+                                      <m:nor/>
+                                    </m:rPr>
+                                    <a:rPr lang="en-US" b="0" i="0" smtClean="0">
+                                      <a:latin typeface="Cambria Math" panose="02040503050406030204" pitchFamily="18" charset="0"/>
+                                      <a:ea typeface="Cambria Math" panose="02040503050406030204" pitchFamily="18" charset="0"/>
+                                    </a:rPr>
+                                    <m:t>on</m:t>
+                                  </m:r>
+                                  <m:r>
+                                    <m:rPr>
+                                      <m:nor/>
+                                    </m:rPr>
+                                    <a:rPr lang="en-US" b="0" i="0" smtClean="0">
+                                      <a:latin typeface="Cambria Math" panose="02040503050406030204" pitchFamily="18" charset="0"/>
+                                      <a:ea typeface="Cambria Math" panose="02040503050406030204" pitchFamily="18" charset="0"/>
+                                    </a:rPr>
+                                    <m:t> </m:t>
+                                  </m:r>
+                                  <m:r>
+                                    <m:rPr>
+                                      <m:nor/>
+                                    </m:rPr>
+                                    <a:rPr lang="en-US" smtClean="0">
+                                      <a:effectLst/>
+                                    </a:rPr>
+                                    <m:t>a</m:t>
+                                  </m:r>
+                                  <m:r>
+                                    <m:rPr>
+                                      <m:nor/>
+                                    </m:rPr>
+                                    <a:rPr lang="en-US" smtClean="0">
+                                      <a:effectLst/>
+                                    </a:rPr>
+                                    <m:t> </m:t>
+                                  </m:r>
+                                  <m:r>
+                                    <m:rPr>
+                                      <m:nor/>
+                                    </m:rPr>
+                                    <a:rPr lang="en-US" smtClean="0">
+                                      <a:effectLst/>
+                                    </a:rPr>
+                                    <m:t>linear</m:t>
+                                  </m:r>
+                                  <m:r>
+                                    <m:rPr>
+                                      <m:nor/>
+                                    </m:rPr>
+                                    <a:rPr lang="en-US" smtClean="0">
+                                      <a:effectLst/>
+                                    </a:rPr>
+                                    <m:t> </m:t>
+                                  </m:r>
+                                  <m:r>
+                                    <m:rPr>
+                                      <m:nor/>
+                                    </m:rPr>
+                                    <a:rPr lang="en-US" smtClean="0">
+                                      <a:effectLst/>
+                                    </a:rPr>
+                                    <m:t>subspace</m:t>
+                                  </m:r>
+                                  <m:r>
+                                    <m:rPr>
+                                      <m:nor/>
+                                    </m:rPr>
+                                    <a:rPr lang="en-US" smtClean="0">
+                                      <a:effectLst/>
+                                    </a:rPr>
+                                    <m:t> </m:t>
+                                  </m:r>
+                                  <m:r>
+                                    <m:rPr>
+                                      <m:nor/>
+                                    </m:rPr>
+                                    <a:rPr lang="en-US" smtClean="0">
+                                      <a:effectLst/>
+                                    </a:rPr>
+                                    <m:t>of</m:t>
+                                  </m:r>
+                                  <m:r>
+                                    <m:rPr>
+                                      <m:nor/>
+                                    </m:rPr>
+                                    <a:rPr lang="en-US" b="0" i="0" smtClean="0">
+                                      <a:effectLst/>
+                                    </a:rPr>
+                                    <m:t> </m:t>
+                                  </m:r>
+                                  <m:r>
+                                    <a:rPr lang="el-GR" i="1" smtClean="0">
+                                      <a:latin typeface="Cambria Math" panose="02040503050406030204" pitchFamily="18" charset="0"/>
+                                      <a:ea typeface="Cambria Math" panose="02040503050406030204" pitchFamily="18" charset="0"/>
+                                    </a:rPr>
+                                    <m:t>ℋ</m:t>
+                                  </m:r>
+                                </m:e>
+                              </m:d>
+                            </m:oMath>
+                          </a14:m>
+                          <a:endParaRPr lang="en-US" dirty="0"/>
+                        </a:p>
+                      </a:txBody>
+                      <a:tcPr anchor="ctr"/>
+                    </a:tc>
+                  </a:tr>
+                  <a:tr h="370840">
+                    <a:tc>
+                      <a:txBody>
+                        <a:bodyPr/>
+                        <a:lstStyle/>
+                        <a:p>
+                          <a:pPr algn="ctr"/>
+                          <a:r>
+                            <a:rPr lang="en-US" dirty="0" smtClean="0"/>
+                            <a:t>Real-valued</a:t>
+                          </a:r>
+                        </a:p>
+                        <a:p>
+                          <a:pPr algn="ctr"/>
+                          <a14:m>
+                            <m:oMathPara xmlns:m="http://schemas.openxmlformats.org/officeDocument/2006/math">
+                              <m:oMathParaPr>
+                                <m:jc m:val="centerGroup"/>
+                              </m:oMathParaPr>
+                              <m:oMath xmlns:m="http://schemas.openxmlformats.org/officeDocument/2006/math">
+                                <m:d>
+                                  <m:dPr>
+                                    <m:begChr m:val="["/>
+                                    <m:endChr m:val="]"/>
+                                    <m:ctrlPr>
+                                      <a:rPr lang="en-US" b="0" i="1" smtClean="0">
+                                        <a:latin typeface="Cambria Math" panose="02040503050406030204" pitchFamily="18" charset="0"/>
+                                        <a:ea typeface="Cambria Math" panose="02040503050406030204" pitchFamily="18" charset="0"/>
+                                      </a:rPr>
+                                    </m:ctrlPr>
+                                  </m:dPr>
+                                  <m:e>
+                                    <m:r>
+                                      <a:rPr lang="en-US" b="0" i="1" smtClean="0">
+                                        <a:latin typeface="Cambria Math" panose="02040503050406030204" pitchFamily="18" charset="0"/>
+                                        <a:ea typeface="Cambria Math" panose="02040503050406030204" pitchFamily="18" charset="0"/>
+                                      </a:rPr>
+                                      <m:t>0,1</m:t>
+                                    </m:r>
+                                  </m:e>
+                                </m:d>
+                              </m:oMath>
+                            </m:oMathPara>
+                          </a14:m>
+                          <a:endParaRPr lang="en-US" dirty="0"/>
+                        </a:p>
+                      </a:txBody>
+                      <a:tcPr anchor="ctr"/>
+                    </a:tc>
+                    <a:tc>
+                      <a:txBody>
+                        <a:bodyPr/>
+                        <a:lstStyle/>
+                        <a:p>
+                          <a:pPr algn="ctr"/>
+                          <a14:m>
+                            <m:oMathPara xmlns:m="http://schemas.openxmlformats.org/officeDocument/2006/math">
+                              <m:oMathParaPr>
+                                <m:jc m:val="centerGroup"/>
+                              </m:oMathParaPr>
+                              <m:oMath xmlns:m="http://schemas.openxmlformats.org/officeDocument/2006/math">
+                                <m:r>
+                                  <a:rPr lang="en-US" b="0" i="1" smtClean="0">
+                                    <a:latin typeface="Cambria Math" panose="02040503050406030204" pitchFamily="18" charset="0"/>
+                                  </a:rPr>
+                                  <m:t>𝜇</m:t>
+                                </m:r>
+                                <m:r>
+                                  <a:rPr lang="en-US" b="0" i="1" smtClean="0">
+                                    <a:latin typeface="Cambria Math" panose="02040503050406030204" pitchFamily="18" charset="0"/>
+                                  </a:rPr>
+                                  <m:t>:</m:t>
+                                </m:r>
+                                <m:r>
+                                  <a:rPr lang="en-US" b="0" i="1" smtClean="0">
+                                    <a:latin typeface="Cambria Math" panose="02040503050406030204" pitchFamily="18" charset="0"/>
+                                    <a:ea typeface="Cambria Math" panose="02040503050406030204" pitchFamily="18" charset="0"/>
+                                  </a:rPr>
+                                  <m:t>ℰ</m:t>
+                                </m:r>
+                                <m:r>
+                                  <a:rPr lang="en-US" b="0" i="0" smtClean="0">
+                                    <a:latin typeface="Cambria Math" panose="02040503050406030204" pitchFamily="18" charset="0"/>
+                                    <a:ea typeface="Cambria Math" panose="02040503050406030204" pitchFamily="18" charset="0"/>
+                                  </a:rPr>
+                                  <m:t>→</m:t>
+                                </m:r>
+                                <m:d>
+                                  <m:dPr>
+                                    <m:begChr m:val="["/>
+                                    <m:endChr m:val="]"/>
+                                    <m:ctrlPr>
+                                      <a:rPr lang="en-US" b="0" i="0" smtClean="0">
+                                        <a:latin typeface="Cambria Math" panose="02040503050406030204" pitchFamily="18" charset="0"/>
+                                        <a:ea typeface="Cambria Math" panose="02040503050406030204" pitchFamily="18" charset="0"/>
+                                      </a:rPr>
+                                    </m:ctrlPr>
+                                  </m:dPr>
+                                  <m:e>
+                                    <m:r>
+                                      <a:rPr lang="en-US" b="0" i="1" smtClean="0">
+                                        <a:latin typeface="Cambria Math" panose="02040503050406030204" pitchFamily="18" charset="0"/>
+                                        <a:ea typeface="Cambria Math" panose="02040503050406030204" pitchFamily="18" charset="0"/>
+                                      </a:rPr>
+                                      <m:t>0,1</m:t>
+                                    </m:r>
+                                  </m:e>
+                                </m:d>
+                              </m:oMath>
+                            </m:oMathPara>
+                          </a14:m>
+                          <a:endParaRPr lang="en-US" dirty="0"/>
+                        </a:p>
+                      </a:txBody>
+                      <a:tcPr anchor="ctr"/>
+                    </a:tc>
+                    <a:tc>
+                      <a:txBody>
+                        <a:bodyPr/>
+                        <a:lstStyle/>
+                        <a:p>
+                          <a:pPr algn="ctr"/>
+                          <a:endParaRPr lang="en-US" dirty="0"/>
+                        </a:p>
+                      </a:txBody>
+                      <a:tcPr anchor="ctr"/>
+                    </a:tc>
+                  </a:tr>
+                  <a:tr h="370840">
+                    <a:tc>
+                      <a:txBody>
+                        <a:bodyPr/>
+                        <a:lstStyle/>
+                        <a:p>
+                          <a:pPr marL="0" marR="0" lvl="0" indent="0" algn="ctr" defTabSz="914400" rtl="0" eaLnBrk="1" fontAlgn="auto" latinLnBrk="0" hangingPunct="1">
+                            <a:lnSpc>
+                              <a:spcPct val="100000"/>
+                            </a:lnSpc>
+                            <a:spcBef>
+                              <a:spcPts val="0"/>
+                            </a:spcBef>
+                            <a:spcAft>
+                              <a:spcPts val="0"/>
+                            </a:spcAft>
+                            <a:buClrTx/>
+                            <a:buSzTx/>
+                            <a:buFontTx/>
+                            <a:buNone/>
+                            <a:tabLst/>
+                            <a:defRPr/>
+                          </a:pPr>
+                          <a:r>
+                            <a:rPr lang="en-US" dirty="0" smtClean="0"/>
+                            <a:t>Interval-valued</a:t>
+                          </a:r>
+                        </a:p>
+                        <a:p>
+                          <a:pPr marL="0" marR="0" lvl="0" indent="0" algn="ctr" defTabSz="914400" rtl="0" eaLnBrk="1" fontAlgn="auto" latinLnBrk="0" hangingPunct="1">
+                            <a:lnSpc>
+                              <a:spcPct val="100000"/>
+                            </a:lnSpc>
+                            <a:spcBef>
+                              <a:spcPts val="0"/>
+                            </a:spcBef>
+                            <a:spcAft>
+                              <a:spcPts val="0"/>
+                            </a:spcAft>
+                            <a:buClrTx/>
+                            <a:buSzTx/>
+                            <a:buFontTx/>
+                            <a:buNone/>
+                            <a:tabLst/>
+                            <a:defRPr/>
+                          </a:pPr>
+                          <a14:m>
+                            <m:oMathPara xmlns:m="http://schemas.openxmlformats.org/officeDocument/2006/math">
+                              <m:oMathParaPr>
+                                <m:jc m:val="centerGroup"/>
+                              </m:oMathParaPr>
+                              <m:oMath xmlns:m="http://schemas.openxmlformats.org/officeDocument/2006/math">
+                                <m:r>
+                                  <m:rPr>
+                                    <m:nor/>
+                                  </m:rPr>
+                                  <a:rPr lang="en-US" dirty="0" smtClean="0">
+                                    <a:latin typeface="XITS Math" panose="02000503000000000000" pitchFamily="50" charset="0"/>
+                                    <a:ea typeface="XITS Math" panose="02000503000000000000" pitchFamily="50" charset="0"/>
+                                    <a:cs typeface="XITS Math" panose="02000503000000000000" pitchFamily="50" charset="0"/>
+                                  </a:rPr>
+                                  <m:t>ℐ</m:t>
+                                </m:r>
+                                <m:r>
+                                  <a:rPr lang="en-US" b="0" i="1" smtClean="0">
+                                    <a:latin typeface="Cambria Math" panose="02040503050406030204" pitchFamily="18" charset="0"/>
+                                    <a:ea typeface="Cambria Math" panose="02040503050406030204" pitchFamily="18" charset="0"/>
+                                  </a:rPr>
+                                  <m:t>=</m:t>
+                                </m:r>
+                              </m:oMath>
+                            </m:oMathPara>
+                          </a14:m>
+                          <a:endParaRPr lang="en-US" dirty="0"/>
+                        </a:p>
+                      </a:txBody>
+                      <a:tcPr anchor="ctr"/>
+                    </a:tc>
+                    <a:tc>
+                      <a:txBody>
+                        <a:bodyPr/>
+                        <a:lstStyle/>
+                        <a:p>
+                          <a:pPr marL="0" marR="0" lvl="0" indent="0" algn="ctr" defTabSz="914400" rtl="0" eaLnBrk="1" fontAlgn="auto" latinLnBrk="0" hangingPunct="1">
+                            <a:lnSpc>
+                              <a:spcPct val="100000"/>
+                            </a:lnSpc>
+                            <a:spcBef>
+                              <a:spcPts val="0"/>
+                            </a:spcBef>
+                            <a:spcAft>
+                              <a:spcPts val="0"/>
+                            </a:spcAft>
+                            <a:buClrTx/>
+                            <a:buSzTx/>
+                            <a:buFontTx/>
+                            <a:buNone/>
+                            <a:tabLst/>
+                            <a:defRPr/>
+                          </a:pPr>
+                          <a14:m>
+                            <m:oMathPara xmlns:m="http://schemas.openxmlformats.org/officeDocument/2006/math">
+                              <m:oMathParaPr>
+                                <m:jc m:val="centerGroup"/>
+                              </m:oMathParaPr>
+                              <m:oMath xmlns:m="http://schemas.openxmlformats.org/officeDocument/2006/math">
+                                <m:r>
+                                  <a:rPr lang="en-US" b="0" i="1" smtClean="0">
+                                    <a:latin typeface="Cambria Math" panose="02040503050406030204" pitchFamily="18" charset="0"/>
+                                  </a:rPr>
+                                  <m:t>𝜇</m:t>
+                                </m:r>
+                                <m:r>
+                                  <a:rPr lang="en-US" b="0" i="1" smtClean="0">
+                                    <a:latin typeface="Cambria Math" panose="02040503050406030204" pitchFamily="18" charset="0"/>
+                                  </a:rPr>
+                                  <m:t>:</m:t>
+                                </m:r>
+                                <m:r>
+                                  <a:rPr lang="en-US" b="0" i="1" smtClean="0">
+                                    <a:latin typeface="Cambria Math" panose="02040503050406030204" pitchFamily="18" charset="0"/>
+                                    <a:ea typeface="Cambria Math" panose="02040503050406030204" pitchFamily="18" charset="0"/>
+                                  </a:rPr>
+                                  <m:t>ℰ</m:t>
+                                </m:r>
+                                <m:r>
+                                  <a:rPr lang="en-US" b="0" i="0" smtClean="0">
+                                    <a:latin typeface="Cambria Math" panose="02040503050406030204" pitchFamily="18" charset="0"/>
+                                    <a:ea typeface="Cambria Math" panose="02040503050406030204" pitchFamily="18" charset="0"/>
+                                  </a:rPr>
+                                  <m:t>→</m:t>
+                                </m:r>
+                                <m:r>
+                                  <m:rPr>
+                                    <m:nor/>
+                                  </m:rPr>
+                                  <a:rPr lang="en-US" dirty="0" smtClean="0">
+                                    <a:latin typeface="XITS Math" panose="02000503000000000000" pitchFamily="50" charset="0"/>
+                                    <a:ea typeface="XITS Math" panose="02000503000000000000" pitchFamily="50" charset="0"/>
+                                    <a:cs typeface="XITS Math" panose="02000503000000000000" pitchFamily="50" charset="0"/>
+                                  </a:rPr>
+                                  <m:t>ℐ</m:t>
+                                </m:r>
+                              </m:oMath>
+                            </m:oMathPara>
+                          </a14:m>
+                          <a:endParaRPr lang="en-US" dirty="0"/>
+                        </a:p>
+                      </a:txBody>
+                      <a:tcPr anchor="ctr"/>
+                    </a:tc>
+                    <a:tc>
+                      <a:txBody>
+                        <a:bodyPr/>
+                        <a:lstStyle/>
+                        <a:p>
+                          <a:pPr algn="ctr"/>
+                          <a:endParaRPr lang="en-US" dirty="0"/>
+                        </a:p>
+                      </a:txBody>
+                      <a:tcPr anchor="ctr"/>
+                    </a:tc>
+                  </a:tr>
+                </a:tbl>
+              </a:graphicData>
+            </a:graphic>
+          </p:graphicFrame>
+        </mc:Choice>
+        <mc:Fallback>
+          <p:graphicFrame>
+            <p:nvGraphicFramePr>
+              <p:cNvPr id="4" name="Content Placeholder 3"/>
+              <p:cNvGraphicFramePr>
+                <a:graphicFrameLocks noGrp="1"/>
+              </p:cNvGraphicFramePr>
+              <p:nvPr>
+                <p:ph idx="1"/>
+                <p:extLst>
+                  <p:ext uri="{D42A27DB-BD31-4B8C-83A1-F6EECF244321}">
+                    <p14:modId xmlns:p14="http://schemas.microsoft.com/office/powerpoint/2010/main" val="2198624936"/>
+                  </p:ext>
+                </p:extLst>
+              </p:nvPr>
+            </p:nvGraphicFramePr>
+            <p:xfrm>
+              <a:off x="838200" y="1825625"/>
+              <a:ext cx="10515600" cy="2565400"/>
+            </p:xfrm>
+            <a:graphic>
+              <a:graphicData uri="http://schemas.openxmlformats.org/drawingml/2006/table">
+                <a:tbl>
+                  <a:tblPr firstRow="1" bandRow="1">
+                    <a:tableStyleId>{5C22544A-7EE6-4342-B048-85BDC9FD1C3A}</a:tableStyleId>
+                  </a:tblPr>
+                  <a:tblGrid>
+                    <a:gridCol w="3505200"/>
+                    <a:gridCol w="3505200"/>
+                    <a:gridCol w="3505200"/>
+                  </a:tblGrid>
+                  <a:tr h="370840">
+                    <a:tc>
+                      <a:txBody>
+                        <a:bodyPr/>
+                        <a:lstStyle/>
+                        <a:p>
+                          <a:pPr algn="ctr"/>
+                          <a:endParaRPr lang="en-US" dirty="0"/>
+                        </a:p>
+                      </a:txBody>
+                      <a:tcPr anchor="ctr"/>
+                    </a:tc>
+                    <a:tc>
+                      <a:txBody>
+                        <a:bodyPr/>
+                        <a:lstStyle/>
+                        <a:p>
+                          <a:pPr algn="ctr"/>
+                          <a:r>
+                            <a:rPr lang="en-US" dirty="0" smtClean="0"/>
+                            <a:t>Classical</a:t>
+                          </a:r>
+                          <a:endParaRPr lang="en-US" dirty="0"/>
+                        </a:p>
+                      </a:txBody>
+                      <a:tcPr anchor="ctr"/>
+                    </a:tc>
+                    <a:tc>
+                      <a:txBody>
+                        <a:bodyPr/>
+                        <a:lstStyle/>
+                        <a:p>
+                          <a:pPr algn="ctr"/>
+                          <a:r>
+                            <a:rPr lang="en-US" dirty="0" smtClean="0"/>
+                            <a:t>Quantum</a:t>
+                          </a:r>
+                          <a:endParaRPr lang="en-US" dirty="0"/>
+                        </a:p>
+                      </a:txBody>
+                      <a:tcPr anchor="ctr"/>
+                    </a:tc>
+                  </a:tr>
+                  <a:tr h="914400">
+                    <a:tc>
+                      <a:txBody>
+                        <a:bodyPr/>
+                        <a:lstStyle/>
+                        <a:p>
+                          <a:pPr algn="ctr"/>
+                          <a:endParaRPr lang="en-US" dirty="0"/>
+                        </a:p>
+                      </a:txBody>
+                      <a:tcPr anchor="ctr"/>
+                    </a:tc>
+                    <a:tc>
+                      <a:txBody>
+                        <a:bodyPr/>
+                        <a:lstStyle/>
+                        <a:p>
+                          <a:endParaRPr lang="en-US"/>
+                        </a:p>
+                      </a:txBody>
+                      <a:tcPr anchor="ctr">
+                        <a:blipFill rotWithShape="0">
+                          <a:blip r:embed="rId2"/>
+                          <a:stretch>
+                            <a:fillRect l="-100000" t="-44000" r="-100521" b="-142000"/>
+                          </a:stretch>
+                        </a:blipFill>
+                      </a:tcPr>
+                    </a:tc>
+                    <a:tc>
+                      <a:txBody>
+                        <a:bodyPr/>
+                        <a:lstStyle/>
+                        <a:p>
+                          <a:endParaRPr lang="en-US"/>
+                        </a:p>
+                      </a:txBody>
+                      <a:tcPr anchor="ctr">
+                        <a:blipFill rotWithShape="0">
+                          <a:blip r:embed="rId2"/>
+                          <a:stretch>
+                            <a:fillRect l="-200348" t="-44000" r="-696" b="-142000"/>
+                          </a:stretch>
+                        </a:blipFill>
+                      </a:tcPr>
+                    </a:tc>
+                  </a:tr>
+                  <a:tr h="640080">
+                    <a:tc>
+                      <a:txBody>
+                        <a:bodyPr/>
+                        <a:lstStyle/>
+                        <a:p>
+                          <a:endParaRPr lang="en-US"/>
+                        </a:p>
+                      </a:txBody>
+                      <a:tcPr anchor="ctr">
+                        <a:blipFill rotWithShape="0">
+                          <a:blip r:embed="rId2"/>
+                          <a:stretch>
+                            <a:fillRect l="-174" t="-203774" r="-200870" b="-100943"/>
+                          </a:stretch>
+                        </a:blipFill>
+                      </a:tcPr>
+                    </a:tc>
+                    <a:tc>
+                      <a:txBody>
+                        <a:bodyPr/>
+                        <a:lstStyle/>
+                        <a:p>
+                          <a:endParaRPr lang="en-US"/>
+                        </a:p>
+                      </a:txBody>
+                      <a:tcPr anchor="ctr">
+                        <a:blipFill rotWithShape="0">
+                          <a:blip r:embed="rId2"/>
+                          <a:stretch>
+                            <a:fillRect l="-100000" t="-203774" r="-100521" b="-100943"/>
+                          </a:stretch>
+                        </a:blipFill>
+                      </a:tcPr>
+                    </a:tc>
+                    <a:tc>
+                      <a:txBody>
+                        <a:bodyPr/>
+                        <a:lstStyle/>
+                        <a:p>
+                          <a:pPr algn="ctr"/>
+                          <a:endParaRPr lang="en-US" dirty="0"/>
+                        </a:p>
+                      </a:txBody>
+                      <a:tcPr anchor="ctr"/>
+                    </a:tc>
+                  </a:tr>
+                  <a:tr h="640080">
+                    <a:tc>
+                      <a:txBody>
+                        <a:bodyPr/>
+                        <a:lstStyle/>
+                        <a:p>
+                          <a:endParaRPr lang="en-US"/>
+                        </a:p>
+                      </a:txBody>
+                      <a:tcPr anchor="ctr">
+                        <a:blipFill rotWithShape="0">
+                          <a:blip r:embed="rId2"/>
+                          <a:stretch>
+                            <a:fillRect l="-174" t="-306667" r="-200870" b="-1905"/>
+                          </a:stretch>
+                        </a:blipFill>
+                      </a:tcPr>
+                    </a:tc>
+                    <a:tc>
+                      <a:txBody>
+                        <a:bodyPr/>
+                        <a:lstStyle/>
+                        <a:p>
+                          <a:endParaRPr lang="en-US"/>
+                        </a:p>
+                      </a:txBody>
+                      <a:tcPr anchor="ctr">
+                        <a:blipFill rotWithShape="0">
+                          <a:blip r:embed="rId2"/>
+                          <a:stretch>
+                            <a:fillRect l="-100000" t="-306667" r="-100521" b="-1905"/>
+                          </a:stretch>
+                        </a:blipFill>
+                      </a:tcPr>
+                    </a:tc>
+                    <a:tc>
+                      <a:txBody>
+                        <a:bodyPr/>
+                        <a:lstStyle/>
+                        <a:p>
+                          <a:pPr algn="ctr"/>
+                          <a:endParaRPr lang="en-US" dirty="0"/>
+                        </a:p>
+                      </a:txBody>
+                      <a:tcPr anchor="ctr"/>
+                    </a:tc>
+                  </a:tr>
+                </a:tbl>
+              </a:graphicData>
+            </a:graphic>
+          </p:graphicFrame>
+        </mc:Fallback>
+      </mc:AlternateContent>
+    </p:spTree>
+    <p:extLst>
+      <p:ext uri="{BB962C8B-B14F-4D97-AF65-F5344CB8AC3E}">
+        <p14:creationId xmlns:p14="http://schemas.microsoft.com/office/powerpoint/2010/main" val="3541224134"/>
+      </p:ext>
+    </p:extLst>
+  </p:cSld>
+  <p:clrMapOvr>
+    <a:masterClrMapping/>
+  </p:clrMapOvr>
+  <p:timing>
+    <p:tnLst>
+      <p:par>
+        <p:cTn id="1" dur="indefinite" restart="never" nodeType="tmRoot"/>
+      </p:par>
+    </p:tnLst>
+  </p:timing>
+</p:sld>
+</file>
+
+<file path=ppt/slides/slide3.xml><?xml version="1.0" encoding="utf-8"?>
 <p:sld xmlns:a="http://schemas.openxmlformats.org/drawingml/2006/main" xmlns:r="http://schemas.openxmlformats.org/officeDocument/2006/relationships" xmlns:p="http://schemas.openxmlformats.org/presentationml/2006/main">
   <p:cSld>
     <p:spTree>
@@ -4118,23 +5139,11 @@
                       </a:rPr>
                       <m:t>ℐ</m:t>
                     </m:r>
-                    <m:r>
-                      <a:rPr lang="en-US" i="1" dirty="0">
-                        <a:latin typeface="XITS Math" panose="02000503000000000000" pitchFamily="50" charset="0"/>
-                        <a:ea typeface="XITS Math" panose="02000503000000000000" pitchFamily="50" charset="0"/>
-                        <a:cs typeface="XITS Math" panose="02000503000000000000" pitchFamily="50" charset="0"/>
-                      </a:rPr>
-                      <m:t> </m:t>
-                    </m:r>
                   </m:oMath>
                 </a14:m>
                 <a:r>
                   <a:rPr lang="en-US" dirty="0" smtClean="0"/>
-                  <a:t> be a set of intervals, a </a:t>
-                </a:r>
-                <a:r>
-                  <a:rPr lang="en-US" dirty="0" smtClean="0"/>
-                  <a:t>QIVPM</a:t>
+                  <a:t> be a set of intervals, a QIVPM</a:t>
                 </a:r>
                 <a:r>
                   <a:rPr lang="en-US" dirty="0"/>
@@ -5503,7 +6512,7 @@
 </p:sld>
 </file>
 
-<file path=ppt/slides/slide3.xml><?xml version="1.0" encoding="utf-8"?>
+<file path=ppt/slides/slide4.xml><?xml version="1.0" encoding="utf-8"?>
 <p:sld xmlns:a="http://schemas.openxmlformats.org/drawingml/2006/main" xmlns:r="http://schemas.openxmlformats.org/officeDocument/2006/relationships" xmlns:p="http://schemas.openxmlformats.org/presentationml/2006/main">
   <p:cSld>
     <p:spTree>
@@ -6466,7 +7475,7 @@
 </p:sld>
 </file>
 
-<file path=ppt/slides/slide4.xml><?xml version="1.0" encoding="utf-8"?>
+<file path=ppt/slides/slide5.xml><?xml version="1.0" encoding="utf-8"?>
 <p:sld xmlns:a="http://schemas.openxmlformats.org/drawingml/2006/main" xmlns:r="http://schemas.openxmlformats.org/officeDocument/2006/relationships" xmlns:p="http://schemas.openxmlformats.org/presentationml/2006/main">
   <p:cSld>
     <p:spTree>
@@ -6517,8 +7526,8 @@
           </a:p>
         </p:txBody>
       </p:sp>
-      <mc:AlternateContent xmlns:mc="http://schemas.openxmlformats.org/markup-compatibility/2006">
-        <mc:Choice xmlns:a14="http://schemas.microsoft.com/office/drawing/2010/main" Requires="a14">
+      <mc:AlternateContent xmlns:mc="http://schemas.openxmlformats.org/markup-compatibility/2006" xmlns:a14="http://schemas.microsoft.com/office/drawing/2010/main">
+        <mc:Choice Requires="a14">
           <p:sp>
             <p:nvSpPr>
               <p:cNvPr id="3" name="Content Placeholder 2"/>
@@ -6607,7 +7616,6 @@
                   <a:rPr lang="en-US" b="1" dirty="0" smtClean="0"/>
                   <a:t>Proof by Contradiction!</a:t>
                 </a:r>
-                <a:endParaRPr lang="en-US" b="1" dirty="0" smtClean="0"/>
               </a:p>
               <a:p>
                 <a:r>
@@ -7558,7 +8566,7 @@
             </p:txBody>
           </p:sp>
         </mc:Choice>
-        <mc:Fallback>
+        <mc:Fallback xmlns="">
           <p:sp>
             <p:nvSpPr>
               <p:cNvPr id="3" name="Content Placeholder 2"/>
@@ -7616,7 +8624,7 @@
 </p:sld>
 </file>
 
-<file path=ppt/slides/slide5.xml><?xml version="1.0" encoding="utf-8"?>
+<file path=ppt/slides/slide6.xml><?xml version="1.0" encoding="utf-8"?>
 <p:sld xmlns:a="http://schemas.openxmlformats.org/drawingml/2006/main" xmlns:r="http://schemas.openxmlformats.org/officeDocument/2006/relationships" xmlns:p="http://schemas.openxmlformats.org/presentationml/2006/main">
   <p:cSld>
     <p:spTree>

--- a/prop_letter.pptx
+++ b/prop_letter.pptx
@@ -5,18 +5,19 @@
     <p:sldMasterId id="2147483648" r:id="rId1"/>
   </p:sldMasterIdLst>
   <p:notesMasterIdLst>
-    <p:notesMasterId r:id="rId8"/>
+    <p:notesMasterId r:id="rId9"/>
   </p:notesMasterIdLst>
   <p:handoutMasterIdLst>
-    <p:handoutMasterId r:id="rId9"/>
+    <p:handoutMasterId r:id="rId10"/>
   </p:handoutMasterIdLst>
   <p:sldIdLst>
     <p:sldId id="256" r:id="rId2"/>
     <p:sldId id="262" r:id="rId3"/>
-    <p:sldId id="261" r:id="rId4"/>
-    <p:sldId id="257" r:id="rId5"/>
-    <p:sldId id="259" r:id="rId6"/>
-    <p:sldId id="260" r:id="rId7"/>
+    <p:sldId id="263" r:id="rId4"/>
+    <p:sldId id="261" r:id="rId5"/>
+    <p:sldId id="257" r:id="rId6"/>
+    <p:sldId id="259" r:id="rId7"/>
+    <p:sldId id="260" r:id="rId8"/>
   </p:sldIdLst>
   <p:sldSz cx="12192000" cy="6858000"/>
   <p:notesSz cx="6858000" cy="9144000"/>
@@ -126,6 +127,7 @@
         <p14:section name="Interval-Valued Quantum Probabilities" id="{B11F37AE-DE06-4D02-9F44-498792825247}">
           <p14:sldIdLst>
             <p14:sldId id="262"/>
+            <p14:sldId id="263"/>
             <p14:sldId id="261"/>
           </p14:sldIdLst>
         </p14:section>
@@ -834,7 +836,7 @@
           <a:p>
             <a:fld id="{553141C9-E3AF-4773-84E5-4C6860670B56}" type="slidenum">
               <a:rPr lang="en-US" smtClean="0"/>
-              <a:t>3</a:t>
+              <a:t>4</a:t>
             </a:fld>
             <a:endParaRPr lang="en-US"/>
           </a:p>
@@ -918,7 +920,7 @@
           <a:p>
             <a:fld id="{553141C9-E3AF-4773-84E5-4C6860670B56}" type="slidenum">
               <a:rPr lang="en-US" smtClean="0"/>
-              <a:t>4</a:t>
+              <a:t>5</a:t>
             </a:fld>
             <a:endParaRPr lang="en-US"/>
           </a:p>
@@ -1002,7 +1004,7 @@
           <a:p>
             <a:fld id="{553141C9-E3AF-4773-84E5-4C6860670B56}" type="slidenum">
               <a:rPr lang="en-US" smtClean="0"/>
-              <a:t>5</a:t>
+              <a:t>6</a:t>
             </a:fld>
             <a:endParaRPr lang="en-US"/>
           </a:p>
@@ -1086,7 +1088,7 @@
           <a:p>
             <a:fld id="{553141C9-E3AF-4773-84E5-4C6860670B56}" type="slidenum">
               <a:rPr lang="en-US" smtClean="0"/>
-              <a:t>6</a:t>
+              <a:t>7</a:t>
             </a:fld>
             <a:endParaRPr lang="en-US"/>
           </a:p>
@@ -4010,7 +4012,6 @@
               <a:rPr lang="en-US" dirty="0"/>
               <a:t>Contextuality and the Born Rule</a:t>
             </a:r>
-            <a:endParaRPr lang="en-US" dirty="0"/>
           </a:p>
         </p:txBody>
       </p:sp>
@@ -4068,7 +4069,11 @@
           <a:p>
             <a:r>
               <a:rPr lang="en-US" dirty="0" smtClean="0"/>
-              <a:t>Probability Models</a:t>
+              <a:t>Probability </a:t>
+            </a:r>
+            <a:r>
+              <a:rPr lang="en-US" dirty="0" smtClean="0"/>
+              <a:t>Models (Big Picture)</a:t>
             </a:r>
             <a:endParaRPr lang="en-US" dirty="0"/>
           </a:p>
@@ -4086,14 +4091,14 @@
                 <p:ph idx="1"/>
                 <p:extLst>
                   <p:ext uri="{D42A27DB-BD31-4B8C-83A1-F6EECF244321}">
-                    <p14:modId xmlns:p14="http://schemas.microsoft.com/office/powerpoint/2010/main" val="2198624936"/>
+                    <p14:modId xmlns:p14="http://schemas.microsoft.com/office/powerpoint/2010/main" val="1752340204"/>
                   </p:ext>
                 </p:extLst>
               </p:nvPr>
             </p:nvGraphicFramePr>
             <p:xfrm>
               <a:off x="838200" y="1825625"/>
-              <a:ext cx="10515600" cy="2565400"/>
+              <a:ext cx="10515600" cy="3662680"/>
             </p:xfrm>
             <a:graphic>
               <a:graphicData uri="http://schemas.openxmlformats.org/drawingml/2006/table">
@@ -4229,6 +4234,9 @@
                                 <m:sSupPr>
                                   <m:ctrlPr>
                                     <a:rPr lang="en-US" b="0" i="1" smtClean="0">
+                                      <a:solidFill>
+                                        <a:srgbClr val="FF0000"/>
+                                      </a:solidFill>
                                       <a:latin typeface="Cambria Math" panose="02040503050406030204" pitchFamily="18" charset="0"/>
                                       <a:ea typeface="Cambria Math" panose="02040503050406030204" pitchFamily="18" charset="0"/>
                                     </a:rPr>
@@ -4237,6 +4245,9 @@
                                 <m:e>
                                   <m:r>
                                     <a:rPr lang="en-US" b="0" i="0" smtClean="0">
+                                      <a:solidFill>
+                                        <a:srgbClr val="FF0000"/>
+                                      </a:solidFill>
                                       <a:latin typeface="Cambria Math" panose="02040503050406030204" pitchFamily="18" charset="0"/>
                                       <a:ea typeface="Cambria Math" panose="02040503050406030204" pitchFamily="18" charset="0"/>
                                     </a:rPr>
@@ -4249,6 +4260,9 @@
                                       <m:sty m:val="p"/>
                                     </m:rPr>
                                     <a:rPr lang="el-GR" i="1" smtClean="0">
+                                      <a:solidFill>
+                                        <a:srgbClr val="FF0000"/>
+                                      </a:solidFill>
                                       <a:latin typeface="Cambria Math" panose="02040503050406030204" pitchFamily="18" charset="0"/>
                                       <a:ea typeface="Cambria Math" panose="02040503050406030204" pitchFamily="18" charset="0"/>
                                     </a:rPr>
@@ -4330,6 +4344,9 @@
                                   <m:endChr m:val="}"/>
                                   <m:ctrlPr>
                                     <a:rPr lang="en-US" b="0" i="1" smtClean="0">
+                                      <a:solidFill>
+                                        <a:srgbClr val="FF0000"/>
+                                      </a:solidFill>
                                       <a:latin typeface="Cambria Math" panose="02040503050406030204" pitchFamily="18" charset="0"/>
                                       <a:ea typeface="Cambria Math" panose="02040503050406030204" pitchFamily="18" charset="0"/>
                                     </a:rPr>
@@ -4341,6 +4358,9 @@
                                       <m:nor/>
                                     </m:rPr>
                                     <a:rPr lang="en-US" b="0" i="0" smtClean="0">
+                                      <a:solidFill>
+                                        <a:srgbClr val="FF0000"/>
+                                      </a:solidFill>
                                       <a:latin typeface="Cambria Math" panose="02040503050406030204" pitchFamily="18" charset="0"/>
                                       <a:ea typeface="Cambria Math" panose="02040503050406030204" pitchFamily="18" charset="0"/>
                                     </a:rPr>
@@ -4351,6 +4371,9 @@
                                       <m:nor/>
                                     </m:rPr>
                                     <a:rPr lang="en-US" b="0" i="0" smtClean="0">
+                                      <a:solidFill>
+                                        <a:srgbClr val="FF0000"/>
+                                      </a:solidFill>
                                       <a:latin typeface="Cambria Math" panose="02040503050406030204" pitchFamily="18" charset="0"/>
                                       <a:ea typeface="Cambria Math" panose="02040503050406030204" pitchFamily="18" charset="0"/>
                                     </a:rPr>
@@ -4361,6 +4384,9 @@
                                       <m:nor/>
                                     </m:rPr>
                                     <a:rPr lang="en-US" b="0" i="0" smtClean="0">
+                                      <a:solidFill>
+                                        <a:srgbClr val="FF0000"/>
+                                      </a:solidFill>
                                       <a:latin typeface="Cambria Math" panose="02040503050406030204" pitchFamily="18" charset="0"/>
                                       <a:ea typeface="Cambria Math" panose="02040503050406030204" pitchFamily="18" charset="0"/>
                                     </a:rPr>
@@ -4371,6 +4397,9 @@
                                       <m:nor/>
                                     </m:rPr>
                                     <a:rPr lang="en-US" b="0" i="0" smtClean="0">
+                                      <a:solidFill>
+                                        <a:srgbClr val="FF0000"/>
+                                      </a:solidFill>
                                       <a:latin typeface="Cambria Math" panose="02040503050406030204" pitchFamily="18" charset="0"/>
                                       <a:ea typeface="Cambria Math" panose="02040503050406030204" pitchFamily="18" charset="0"/>
                                     </a:rPr>
@@ -4381,6 +4410,9 @@
                                       <m:nor/>
                                     </m:rPr>
                                     <a:rPr lang="en-US" b="0" i="0" smtClean="0">
+                                      <a:solidFill>
+                                        <a:srgbClr val="FF0000"/>
+                                      </a:solidFill>
                                       <a:latin typeface="Cambria Math" panose="02040503050406030204" pitchFamily="18" charset="0"/>
                                       <a:ea typeface="Cambria Math" panose="02040503050406030204" pitchFamily="18" charset="0"/>
                                     </a:rPr>
@@ -4391,6 +4423,9 @@
                                       <m:nor/>
                                     </m:rPr>
                                     <a:rPr lang="en-US" b="0" i="0" smtClean="0">
+                                      <a:solidFill>
+                                        <a:srgbClr val="FF0000"/>
+                                      </a:solidFill>
                                       <a:latin typeface="Cambria Math" panose="02040503050406030204" pitchFamily="18" charset="0"/>
                                       <a:ea typeface="Cambria Math" panose="02040503050406030204" pitchFamily="18" charset="0"/>
                                     </a:rPr>
@@ -4401,6 +4436,9 @@
                                       <m:nor/>
                                     </m:rPr>
                                     <a:rPr lang="en-US" smtClean="0">
+                                      <a:solidFill>
+                                        <a:srgbClr val="FF0000"/>
+                                      </a:solidFill>
                                       <a:effectLst/>
                                     </a:rPr>
                                     <m:t>a</m:t>
@@ -4410,6 +4448,9 @@
                                       <m:nor/>
                                     </m:rPr>
                                     <a:rPr lang="en-US" smtClean="0">
+                                      <a:solidFill>
+                                        <a:srgbClr val="FF0000"/>
+                                      </a:solidFill>
                                       <a:effectLst/>
                                     </a:rPr>
                                     <m:t> </m:t>
@@ -4419,6 +4460,9 @@
                                       <m:nor/>
                                     </m:rPr>
                                     <a:rPr lang="en-US" smtClean="0">
+                                      <a:solidFill>
+                                        <a:srgbClr val="FF0000"/>
+                                      </a:solidFill>
                                       <a:effectLst/>
                                     </a:rPr>
                                     <m:t>linear</m:t>
@@ -4428,6 +4472,9 @@
                                       <m:nor/>
                                     </m:rPr>
                                     <a:rPr lang="en-US" smtClean="0">
+                                      <a:solidFill>
+                                        <a:srgbClr val="FF0000"/>
+                                      </a:solidFill>
                                       <a:effectLst/>
                                     </a:rPr>
                                     <m:t> </m:t>
@@ -4437,6 +4484,9 @@
                                       <m:nor/>
                                     </m:rPr>
                                     <a:rPr lang="en-US" smtClean="0">
+                                      <a:solidFill>
+                                        <a:srgbClr val="FF0000"/>
+                                      </a:solidFill>
                                       <a:effectLst/>
                                     </a:rPr>
                                     <m:t>subspace</m:t>
@@ -4446,6 +4496,9 @@
                                       <m:nor/>
                                     </m:rPr>
                                     <a:rPr lang="en-US" smtClean="0">
+                                      <a:solidFill>
+                                        <a:srgbClr val="FF0000"/>
+                                      </a:solidFill>
                                       <a:effectLst/>
                                     </a:rPr>
                                     <m:t> </m:t>
@@ -4455,6 +4508,9 @@
                                       <m:nor/>
                                     </m:rPr>
                                     <a:rPr lang="en-US" smtClean="0">
+                                      <a:solidFill>
+                                        <a:srgbClr val="FF0000"/>
+                                      </a:solidFill>
                                       <a:effectLst/>
                                     </a:rPr>
                                     <m:t>of</m:t>
@@ -4464,12 +4520,18 @@
                                       <m:nor/>
                                     </m:rPr>
                                     <a:rPr lang="en-US" b="0" i="0" smtClean="0">
+                                      <a:solidFill>
+                                        <a:srgbClr val="FF0000"/>
+                                      </a:solidFill>
                                       <a:effectLst/>
                                     </a:rPr>
                                     <m:t> </m:t>
                                   </m:r>
                                   <m:r>
                                     <a:rPr lang="el-GR" i="1" smtClean="0">
+                                      <a:solidFill>
+                                        <a:srgbClr val="FF0000"/>
+                                      </a:solidFill>
                                       <a:latin typeface="Cambria Math" panose="02040503050406030204" pitchFamily="18" charset="0"/>
                                       <a:ea typeface="Cambria Math" panose="02040503050406030204" pitchFamily="18" charset="0"/>
                                     </a:rPr>
@@ -4494,6 +4556,14 @@
                           <a:pPr algn="ctr"/>
                           <a:r>
                             <a:rPr lang="en-US" dirty="0" smtClean="0"/>
+                            <a:t>Infinitely</a:t>
+                          </a:r>
+                          <a:r>
+                            <a:rPr lang="en-US" baseline="0" dirty="0" smtClean="0"/>
+                            <a:t> Precise </a:t>
+                          </a:r>
+                          <a:r>
+                            <a:rPr lang="en-US" dirty="0" smtClean="0"/>
                             <a:t>Real-valued</a:t>
                           </a:r>
                         </a:p>
@@ -4511,6 +4581,9 @@
                                     <m:endChr m:val="]"/>
                                     <m:ctrlPr>
                                       <a:rPr lang="en-US" b="0" i="1" smtClean="0">
+                                        <a:solidFill>
+                                          <a:schemeClr val="accent2"/>
+                                        </a:solidFill>
                                         <a:latin typeface="Cambria Math" panose="02040503050406030204" pitchFamily="18" charset="0"/>
                                         <a:ea typeface="Cambria Math" panose="02040503050406030204" pitchFamily="18" charset="0"/>
                                       </a:rPr>
@@ -4519,6 +4592,9 @@
                                   <m:e>
                                     <m:r>
                                       <a:rPr lang="en-US" b="0" i="1" smtClean="0">
+                                        <a:solidFill>
+                                          <a:schemeClr val="accent2"/>
+                                        </a:solidFill>
                                         <a:latin typeface="Cambria Math" panose="02040503050406030204" pitchFamily="18" charset="0"/>
                                         <a:ea typeface="Cambria Math" panose="02040503050406030204" pitchFamily="18" charset="0"/>
                                       </a:rPr>
@@ -4577,7 +4653,10 @@
                                     <m:begChr m:val="["/>
                                     <m:endChr m:val="]"/>
                                     <m:ctrlPr>
-                                      <a:rPr lang="en-US" b="0" i="0" smtClean="0">
+                                      <a:rPr lang="en-US" b="0" i="1" smtClean="0">
+                                        <a:solidFill>
+                                          <a:schemeClr val="accent2"/>
+                                        </a:solidFill>
                                         <a:latin typeface="Cambria Math" panose="02040503050406030204" pitchFamily="18" charset="0"/>
                                         <a:ea typeface="Cambria Math" panose="02040503050406030204" pitchFamily="18" charset="0"/>
                                       </a:rPr>
@@ -4586,6 +4665,9 @@
                                   <m:e>
                                     <m:r>
                                       <a:rPr lang="en-US" b="0" i="1" smtClean="0">
+                                        <a:solidFill>
+                                          <a:schemeClr val="accent2"/>
+                                        </a:solidFill>
                                         <a:latin typeface="Cambria Math" panose="02040503050406030204" pitchFamily="18" charset="0"/>
                                         <a:ea typeface="Cambria Math" panose="02040503050406030204" pitchFamily="18" charset="0"/>
                                       </a:rPr>
@@ -4594,7 +4676,273 @@
                                   </m:e>
                                 </m:d>
                               </m:oMath>
+                              <m:oMath xmlns:m="http://schemas.openxmlformats.org/officeDocument/2006/math">
+                                <m:r>
+                                  <a:rPr lang="en-US" b="0" i="1" smtClean="0">
+                                    <a:latin typeface="Cambria Math" panose="02040503050406030204" pitchFamily="18" charset="0"/>
+                                  </a:rPr>
+                                  <m:t>𝜇</m:t>
+                                </m:r>
+                                <m:d>
+                                  <m:dPr>
+                                    <m:ctrlPr>
+                                      <a:rPr lang="en-US" b="0" i="1" smtClean="0">
+                                        <a:latin typeface="Cambria Math" panose="02040503050406030204" pitchFamily="18" charset="0"/>
+                                      </a:rPr>
+                                    </m:ctrlPr>
+                                  </m:dPr>
+                                  <m:e>
+                                    <m:sSub>
+                                      <m:sSubPr>
+                                        <m:ctrlPr>
+                                          <a:rPr lang="en-US" b="0" i="1" smtClean="0">
+                                            <a:latin typeface="Cambria Math" panose="02040503050406030204" pitchFamily="18" charset="0"/>
+                                          </a:rPr>
+                                        </m:ctrlPr>
+                                      </m:sSubPr>
+                                      <m:e>
+                                        <m:r>
+                                          <a:rPr lang="en-US" b="0" i="1" smtClean="0">
+                                            <a:latin typeface="Cambria Math" panose="02040503050406030204" pitchFamily="18" charset="0"/>
+                                          </a:rPr>
+                                          <m:t>𝐸</m:t>
+                                        </m:r>
+                                      </m:e>
+                                      <m:sub>
+                                        <m:r>
+                                          <a:rPr lang="en-US" b="0" i="1" smtClean="0">
+                                            <a:latin typeface="Cambria Math" panose="02040503050406030204" pitchFamily="18" charset="0"/>
+                                          </a:rPr>
+                                          <m:t>0</m:t>
+                                        </m:r>
+                                      </m:sub>
+                                    </m:sSub>
+                                    <m:r>
+                                      <a:rPr lang="en-US" b="0" i="1" smtClean="0">
+                                        <a:solidFill>
+                                          <a:srgbClr val="FF0000"/>
+                                        </a:solidFill>
+                                        <a:latin typeface="Cambria Math" panose="02040503050406030204" pitchFamily="18" charset="0"/>
+                                      </a:rPr>
+                                      <m:t>∪</m:t>
+                                    </m:r>
+                                    <m:sSub>
+                                      <m:sSubPr>
+                                        <m:ctrlPr>
+                                          <a:rPr lang="en-US" b="0" i="1" smtClean="0">
+                                            <a:latin typeface="Cambria Math" panose="02040503050406030204" pitchFamily="18" charset="0"/>
+                                          </a:rPr>
+                                        </m:ctrlPr>
+                                      </m:sSubPr>
+                                      <m:e>
+                                        <m:r>
+                                          <a:rPr lang="en-US" b="0" i="1" smtClean="0">
+                                            <a:latin typeface="Cambria Math" panose="02040503050406030204" pitchFamily="18" charset="0"/>
+                                          </a:rPr>
+                                          <m:t>𝐸</m:t>
+                                        </m:r>
+                                      </m:e>
+                                      <m:sub>
+                                        <m:r>
+                                          <a:rPr lang="en-US" b="0" i="1" smtClean="0">
+                                            <a:latin typeface="Cambria Math" panose="02040503050406030204" pitchFamily="18" charset="0"/>
+                                          </a:rPr>
+                                          <m:t>1</m:t>
+                                        </m:r>
+                                      </m:sub>
+                                    </m:sSub>
+                                  </m:e>
+                                </m:d>
+                                <m:r>
+                                  <a:rPr lang="en-US" b="0" i="1" smtClean="0">
+                                    <a:solidFill>
+                                      <a:schemeClr val="accent2"/>
+                                    </a:solidFill>
+                                    <a:latin typeface="Cambria Math" panose="02040503050406030204" pitchFamily="18" charset="0"/>
+                                  </a:rPr>
+                                  <m:t>=</m:t>
+                                </m:r>
+                                <m:r>
+                                  <a:rPr lang="en-US" b="0" i="1" smtClean="0">
+                                    <a:latin typeface="Cambria Math" panose="02040503050406030204" pitchFamily="18" charset="0"/>
+                                  </a:rPr>
+                                  <m:t>𝜇</m:t>
+                                </m:r>
+                                <m:d>
+                                  <m:dPr>
+                                    <m:ctrlPr>
+                                      <a:rPr lang="en-US" b="0" i="1" smtClean="0">
+                                        <a:latin typeface="Cambria Math" panose="02040503050406030204" pitchFamily="18" charset="0"/>
+                                      </a:rPr>
+                                    </m:ctrlPr>
+                                  </m:dPr>
+                                  <m:e>
+                                    <m:sSub>
+                                      <m:sSubPr>
+                                        <m:ctrlPr>
+                                          <a:rPr lang="en-US" b="0" i="1" smtClean="0">
+                                            <a:latin typeface="Cambria Math" panose="02040503050406030204" pitchFamily="18" charset="0"/>
+                                          </a:rPr>
+                                        </m:ctrlPr>
+                                      </m:sSubPr>
+                                      <m:e>
+                                        <m:r>
+                                          <a:rPr lang="en-US" b="0" i="1" smtClean="0">
+                                            <a:latin typeface="Cambria Math" panose="02040503050406030204" pitchFamily="18" charset="0"/>
+                                          </a:rPr>
+                                          <m:t>𝐸</m:t>
+                                        </m:r>
+                                      </m:e>
+                                      <m:sub>
+                                        <m:r>
+                                          <a:rPr lang="en-US" b="0" i="1" smtClean="0">
+                                            <a:latin typeface="Cambria Math" panose="02040503050406030204" pitchFamily="18" charset="0"/>
+                                          </a:rPr>
+                                          <m:t>0</m:t>
+                                        </m:r>
+                                      </m:sub>
+                                    </m:sSub>
+                                  </m:e>
+                                </m:d>
+                                <m:r>
+                                  <a:rPr lang="en-US" b="0" i="1" smtClean="0">
+                                    <a:latin typeface="Cambria Math" panose="02040503050406030204" pitchFamily="18" charset="0"/>
+                                  </a:rPr>
+                                  <m:t>+</m:t>
+                                </m:r>
+                                <m:r>
+                                  <a:rPr lang="en-US" b="0" i="1" smtClean="0">
+                                    <a:latin typeface="Cambria Math" panose="02040503050406030204" pitchFamily="18" charset="0"/>
+                                  </a:rPr>
+                                  <m:t>𝜇</m:t>
+                                </m:r>
+                                <m:d>
+                                  <m:dPr>
+                                    <m:ctrlPr>
+                                      <a:rPr lang="en-US" b="0" i="1" smtClean="0">
+                                        <a:latin typeface="Cambria Math" panose="02040503050406030204" pitchFamily="18" charset="0"/>
+                                      </a:rPr>
+                                    </m:ctrlPr>
+                                  </m:dPr>
+                                  <m:e>
+                                    <m:sSub>
+                                      <m:sSubPr>
+                                        <m:ctrlPr>
+                                          <a:rPr lang="en-US" b="0" i="1" smtClean="0">
+                                            <a:latin typeface="Cambria Math" panose="02040503050406030204" pitchFamily="18" charset="0"/>
+                                          </a:rPr>
+                                        </m:ctrlPr>
+                                      </m:sSubPr>
+                                      <m:e>
+                                        <m:r>
+                                          <a:rPr lang="en-US" b="0" i="1" smtClean="0">
+                                            <a:latin typeface="Cambria Math" panose="02040503050406030204" pitchFamily="18" charset="0"/>
+                                          </a:rPr>
+                                          <m:t>𝐸</m:t>
+                                        </m:r>
+                                      </m:e>
+                                      <m:sub>
+                                        <m:r>
+                                          <a:rPr lang="en-US" b="0" i="1" smtClean="0">
+                                            <a:latin typeface="Cambria Math" panose="02040503050406030204" pitchFamily="18" charset="0"/>
+                                          </a:rPr>
+                                          <m:t>1</m:t>
+                                        </m:r>
+                                      </m:sub>
+                                    </m:sSub>
+                                  </m:e>
+                                </m:d>
+                              </m:oMath>
                             </m:oMathPara>
+                          </a14:m>
+                          <a:r>
+                            <a:rPr lang="en-US" dirty="0" smtClean="0"/>
+                            <a:t/>
+                          </a:r>
+                          <a:br>
+                            <a:rPr lang="en-US" dirty="0" smtClean="0"/>
+                          </a:br>
+                          <a:r>
+                            <a:rPr lang="en-US" dirty="0" smtClean="0"/>
+                            <a:t>for</a:t>
+                          </a:r>
+                          <a:r>
+                            <a:rPr lang="en-US" baseline="0" dirty="0" smtClean="0"/>
+                            <a:t> </a:t>
+                          </a:r>
+                          <a:r>
+                            <a:rPr lang="en-US" baseline="0" dirty="0" smtClean="0">
+                              <a:solidFill>
+                                <a:srgbClr val="FF0000"/>
+                              </a:solidFill>
+                            </a:rPr>
+                            <a:t>disjoint</a:t>
+                          </a:r>
+                          <a:r>
+                            <a:rPr lang="en-US" baseline="0" dirty="0" smtClean="0"/>
+                            <a:t> events </a:t>
+                          </a:r>
+                          <a14:m>
+                            <m:oMath xmlns:m="http://schemas.openxmlformats.org/officeDocument/2006/math">
+                              <m:sSub>
+                                <m:sSubPr>
+                                  <m:ctrlPr>
+                                    <a:rPr lang="en-US" b="0" i="1" baseline="0" smtClean="0">
+                                      <a:latin typeface="Cambria Math" panose="02040503050406030204" pitchFamily="18" charset="0"/>
+                                    </a:rPr>
+                                  </m:ctrlPr>
+                                </m:sSubPr>
+                                <m:e>
+                                  <m:r>
+                                    <a:rPr lang="en-US" b="0" i="1" baseline="0" smtClean="0">
+                                      <a:latin typeface="Cambria Math" panose="02040503050406030204" pitchFamily="18" charset="0"/>
+                                    </a:rPr>
+                                    <m:t>𝐸</m:t>
+                                  </m:r>
+                                </m:e>
+                                <m:sub>
+                                  <m:r>
+                                    <a:rPr lang="en-US" b="0" i="1" baseline="0" smtClean="0">
+                                      <a:latin typeface="Cambria Math" panose="02040503050406030204" pitchFamily="18" charset="0"/>
+                                    </a:rPr>
+                                    <m:t>0</m:t>
+                                  </m:r>
+                                </m:sub>
+                              </m:sSub>
+                            </m:oMath>
+                          </a14:m>
+                          <a:r>
+                            <a:rPr lang="en-US" dirty="0" smtClean="0"/>
+                            <a:t> and </a:t>
+                          </a:r>
+                          <a14:m>
+                            <m:oMath xmlns:m="http://schemas.openxmlformats.org/officeDocument/2006/math">
+                              <m:sSub>
+                                <m:sSubPr>
+                                  <m:ctrlPr>
+                                    <a:rPr lang="en-US" b="0" i="1" baseline="0" smtClean="0">
+                                      <a:latin typeface="Cambria Math" panose="02040503050406030204" pitchFamily="18" charset="0"/>
+                                    </a:rPr>
+                                  </m:ctrlPr>
+                                </m:sSubPr>
+                                <m:e>
+                                  <m:r>
+                                    <a:rPr lang="en-US" b="0" i="1" baseline="0" smtClean="0">
+                                      <a:latin typeface="Cambria Math" panose="02040503050406030204" pitchFamily="18" charset="0"/>
+                                    </a:rPr>
+                                    <m:t>𝐸</m:t>
+                                  </m:r>
+                                </m:e>
+                                <m:sub>
+                                  <m:r>
+                                    <a:rPr lang="en-US" b="0" i="1" baseline="0" smtClean="0">
+                                      <a:latin typeface="Cambria Math" panose="02040503050406030204" pitchFamily="18" charset="0"/>
+                                    </a:rPr>
+                                    <m:t>1</m:t>
+                                  </m:r>
+                                </m:sub>
+                              </m:sSub>
+                            </m:oMath>
                           </a14:m>
                           <a:endParaRPr lang="en-US" dirty="0"/>
                         </a:p>
@@ -4607,6 +4955,416 @@
                         <a:lstStyle/>
                         <a:p>
                           <a:pPr algn="ctr"/>
+                          <a14:m>
+                            <m:oMathPara xmlns:m="http://schemas.openxmlformats.org/officeDocument/2006/math">
+                              <m:oMathParaPr>
+                                <m:jc m:val="centerGroup"/>
+                              </m:oMathParaPr>
+                              <m:oMath xmlns:m="http://schemas.openxmlformats.org/officeDocument/2006/math">
+                                <m:r>
+                                  <a:rPr lang="en-US" b="0" i="1" smtClean="0">
+                                    <a:latin typeface="Cambria Math" panose="02040503050406030204" pitchFamily="18" charset="0"/>
+                                  </a:rPr>
+                                  <m:t>𝜇</m:t>
+                                </m:r>
+                                <m:r>
+                                  <a:rPr lang="en-US" b="0" i="1" smtClean="0">
+                                    <a:latin typeface="Cambria Math" panose="02040503050406030204" pitchFamily="18" charset="0"/>
+                                  </a:rPr>
+                                  <m:t>:</m:t>
+                                </m:r>
+                                <m:r>
+                                  <a:rPr lang="en-US" b="0" i="1" smtClean="0">
+                                    <a:latin typeface="Cambria Math" panose="02040503050406030204" pitchFamily="18" charset="0"/>
+                                    <a:ea typeface="Cambria Math" panose="02040503050406030204" pitchFamily="18" charset="0"/>
+                                  </a:rPr>
+                                  <m:t>ℰ</m:t>
+                                </m:r>
+                                <m:r>
+                                  <a:rPr lang="en-US" b="0" i="0" smtClean="0">
+                                    <a:latin typeface="Cambria Math" panose="02040503050406030204" pitchFamily="18" charset="0"/>
+                                    <a:ea typeface="Cambria Math" panose="02040503050406030204" pitchFamily="18" charset="0"/>
+                                  </a:rPr>
+                                  <m:t>→</m:t>
+                                </m:r>
+                                <m:d>
+                                  <m:dPr>
+                                    <m:begChr m:val="["/>
+                                    <m:endChr m:val="]"/>
+                                    <m:ctrlPr>
+                                      <a:rPr lang="en-US" b="0" i="1" smtClean="0">
+                                        <a:solidFill>
+                                          <a:schemeClr val="accent2"/>
+                                        </a:solidFill>
+                                        <a:latin typeface="Cambria Math" panose="02040503050406030204" pitchFamily="18" charset="0"/>
+                                        <a:ea typeface="Cambria Math" panose="02040503050406030204" pitchFamily="18" charset="0"/>
+                                      </a:rPr>
+                                    </m:ctrlPr>
+                                  </m:dPr>
+                                  <m:e>
+                                    <m:r>
+                                      <a:rPr lang="en-US" b="0" i="1" smtClean="0">
+                                        <a:solidFill>
+                                          <a:schemeClr val="accent2"/>
+                                        </a:solidFill>
+                                        <a:latin typeface="Cambria Math" panose="02040503050406030204" pitchFamily="18" charset="0"/>
+                                        <a:ea typeface="Cambria Math" panose="02040503050406030204" pitchFamily="18" charset="0"/>
+                                      </a:rPr>
+                                      <m:t>0,1</m:t>
+                                    </m:r>
+                                  </m:e>
+                                </m:d>
+                              </m:oMath>
+                              <m:oMath xmlns:m="http://schemas.openxmlformats.org/officeDocument/2006/math">
+                                <m:r>
+                                  <a:rPr lang="en-US" b="0" i="1" smtClean="0">
+                                    <a:latin typeface="Cambria Math" panose="02040503050406030204" pitchFamily="18" charset="0"/>
+                                  </a:rPr>
+                                  <m:t>𝜇</m:t>
+                                </m:r>
+                                <m:d>
+                                  <m:dPr>
+                                    <m:ctrlPr>
+                                      <a:rPr lang="en-US" b="0" i="1" smtClean="0">
+                                        <a:latin typeface="Cambria Math" panose="02040503050406030204" pitchFamily="18" charset="0"/>
+                                      </a:rPr>
+                                    </m:ctrlPr>
+                                  </m:dPr>
+                                  <m:e>
+                                    <m:sSub>
+                                      <m:sSubPr>
+                                        <m:ctrlPr>
+                                          <a:rPr lang="en-US" b="0" i="1" smtClean="0">
+                                            <a:latin typeface="Cambria Math" panose="02040503050406030204" pitchFamily="18" charset="0"/>
+                                          </a:rPr>
+                                        </m:ctrlPr>
+                                      </m:sSubPr>
+                                      <m:e>
+                                        <m:r>
+                                          <a:rPr lang="en-US" b="0" i="1" smtClean="0">
+                                            <a:latin typeface="Cambria Math" panose="02040503050406030204" pitchFamily="18" charset="0"/>
+                                          </a:rPr>
+                                          <m:t>𝑃</m:t>
+                                        </m:r>
+                                      </m:e>
+                                      <m:sub>
+                                        <m:r>
+                                          <a:rPr lang="en-US" b="0" i="1" smtClean="0">
+                                            <a:latin typeface="Cambria Math" panose="02040503050406030204" pitchFamily="18" charset="0"/>
+                                          </a:rPr>
+                                          <m:t>0</m:t>
+                                        </m:r>
+                                      </m:sub>
+                                    </m:sSub>
+                                    <m:r>
+                                      <a:rPr lang="en-US" b="0" i="1" smtClean="0">
+                                        <a:solidFill>
+                                          <a:srgbClr val="FF0000"/>
+                                        </a:solidFill>
+                                        <a:latin typeface="Cambria Math" panose="02040503050406030204" pitchFamily="18" charset="0"/>
+                                      </a:rPr>
+                                      <m:t>+</m:t>
+                                    </m:r>
+                                    <m:sSub>
+                                      <m:sSubPr>
+                                        <m:ctrlPr>
+                                          <a:rPr lang="en-US" b="0" i="1" smtClean="0">
+                                            <a:latin typeface="Cambria Math" panose="02040503050406030204" pitchFamily="18" charset="0"/>
+                                          </a:rPr>
+                                        </m:ctrlPr>
+                                      </m:sSubPr>
+                                      <m:e>
+                                        <m:r>
+                                          <a:rPr lang="en-US" b="0" i="1" smtClean="0">
+                                            <a:latin typeface="Cambria Math" panose="02040503050406030204" pitchFamily="18" charset="0"/>
+                                          </a:rPr>
+                                          <m:t>𝑃</m:t>
+                                        </m:r>
+                                      </m:e>
+                                      <m:sub>
+                                        <m:r>
+                                          <a:rPr lang="en-US" b="0" i="1" smtClean="0">
+                                            <a:latin typeface="Cambria Math" panose="02040503050406030204" pitchFamily="18" charset="0"/>
+                                          </a:rPr>
+                                          <m:t>1</m:t>
+                                        </m:r>
+                                      </m:sub>
+                                    </m:sSub>
+                                  </m:e>
+                                </m:d>
+                                <m:r>
+                                  <a:rPr lang="en-US" b="0" i="1" smtClean="0">
+                                    <a:solidFill>
+                                      <a:schemeClr val="accent2"/>
+                                    </a:solidFill>
+                                    <a:latin typeface="Cambria Math" panose="02040503050406030204" pitchFamily="18" charset="0"/>
+                                  </a:rPr>
+                                  <m:t>=</m:t>
+                                </m:r>
+                                <m:r>
+                                  <a:rPr lang="en-US" b="0" i="1" smtClean="0">
+                                    <a:latin typeface="Cambria Math" panose="02040503050406030204" pitchFamily="18" charset="0"/>
+                                  </a:rPr>
+                                  <m:t>𝜇</m:t>
+                                </m:r>
+                                <m:d>
+                                  <m:dPr>
+                                    <m:ctrlPr>
+                                      <a:rPr lang="en-US" b="0" i="1" smtClean="0">
+                                        <a:latin typeface="Cambria Math" panose="02040503050406030204" pitchFamily="18" charset="0"/>
+                                      </a:rPr>
+                                    </m:ctrlPr>
+                                  </m:dPr>
+                                  <m:e>
+                                    <m:sSub>
+                                      <m:sSubPr>
+                                        <m:ctrlPr>
+                                          <a:rPr lang="en-US" b="0" i="1" smtClean="0">
+                                            <a:latin typeface="Cambria Math" panose="02040503050406030204" pitchFamily="18" charset="0"/>
+                                          </a:rPr>
+                                        </m:ctrlPr>
+                                      </m:sSubPr>
+                                      <m:e>
+                                        <m:r>
+                                          <a:rPr lang="en-US" b="0" i="1" smtClean="0">
+                                            <a:latin typeface="Cambria Math" panose="02040503050406030204" pitchFamily="18" charset="0"/>
+                                          </a:rPr>
+                                          <m:t>𝑃</m:t>
+                                        </m:r>
+                                      </m:e>
+                                      <m:sub>
+                                        <m:r>
+                                          <a:rPr lang="en-US" b="0" i="1" smtClean="0">
+                                            <a:latin typeface="Cambria Math" panose="02040503050406030204" pitchFamily="18" charset="0"/>
+                                          </a:rPr>
+                                          <m:t>0</m:t>
+                                        </m:r>
+                                      </m:sub>
+                                    </m:sSub>
+                                  </m:e>
+                                </m:d>
+                                <m:r>
+                                  <a:rPr lang="en-US" b="0" i="1" smtClean="0">
+                                    <a:latin typeface="Cambria Math" panose="02040503050406030204" pitchFamily="18" charset="0"/>
+                                  </a:rPr>
+                                  <m:t>+</m:t>
+                                </m:r>
+                                <m:r>
+                                  <a:rPr lang="en-US" b="0" i="1" smtClean="0">
+                                    <a:latin typeface="Cambria Math" panose="02040503050406030204" pitchFamily="18" charset="0"/>
+                                  </a:rPr>
+                                  <m:t>𝜇</m:t>
+                                </m:r>
+                                <m:d>
+                                  <m:dPr>
+                                    <m:ctrlPr>
+                                      <a:rPr lang="en-US" b="0" i="1" smtClean="0">
+                                        <a:latin typeface="Cambria Math" panose="02040503050406030204" pitchFamily="18" charset="0"/>
+                                      </a:rPr>
+                                    </m:ctrlPr>
+                                  </m:dPr>
+                                  <m:e>
+                                    <m:sSub>
+                                      <m:sSubPr>
+                                        <m:ctrlPr>
+                                          <a:rPr lang="en-US" b="0" i="1" smtClean="0">
+                                            <a:latin typeface="Cambria Math" panose="02040503050406030204" pitchFamily="18" charset="0"/>
+                                          </a:rPr>
+                                        </m:ctrlPr>
+                                      </m:sSubPr>
+                                      <m:e>
+                                        <m:r>
+                                          <a:rPr lang="en-US" b="0" i="1" smtClean="0">
+                                            <a:latin typeface="Cambria Math" panose="02040503050406030204" pitchFamily="18" charset="0"/>
+                                          </a:rPr>
+                                          <m:t>𝑃</m:t>
+                                        </m:r>
+                                      </m:e>
+                                      <m:sub>
+                                        <m:r>
+                                          <a:rPr lang="en-US" b="0" i="1" smtClean="0">
+                                            <a:latin typeface="Cambria Math" panose="02040503050406030204" pitchFamily="18" charset="0"/>
+                                          </a:rPr>
+                                          <m:t>1</m:t>
+                                        </m:r>
+                                      </m:sub>
+                                    </m:sSub>
+                                  </m:e>
+                                </m:d>
+                              </m:oMath>
+                            </m:oMathPara>
+                          </a14:m>
+                          <a:r>
+                            <a:rPr lang="en-US" dirty="0" smtClean="0"/>
+                            <a:t/>
+                          </a:r>
+                          <a:br>
+                            <a:rPr lang="en-US" dirty="0" smtClean="0"/>
+                          </a:br>
+                          <a:r>
+                            <a:rPr lang="en-US" dirty="0" smtClean="0"/>
+                            <a:t>for </a:t>
+                          </a:r>
+                          <a:r>
+                            <a:rPr lang="en-US" i="0" dirty="0" smtClean="0">
+                              <a:solidFill>
+                                <a:srgbClr val="FF0000"/>
+                              </a:solidFill>
+                            </a:rPr>
+                            <a:t>orthogonal</a:t>
+                          </a:r>
+                          <a:r>
+                            <a:rPr lang="en-US" dirty="0" smtClean="0">
+                              <a:solidFill>
+                                <a:srgbClr val="FF0000"/>
+                              </a:solidFill>
+                            </a:rPr>
+                            <a:t> </a:t>
+                          </a:r>
+                          <a:r>
+                            <a:rPr lang="en-US" dirty="0" smtClean="0"/>
+                            <a:t>projectors</a:t>
+                          </a:r>
+                          <a:r>
+                            <a:rPr lang="en-US" dirty="0"/>
+                            <a:t> </a:t>
+                          </a:r>
+                          <a14:m>
+                            <m:oMath xmlns:m="http://schemas.openxmlformats.org/officeDocument/2006/math">
+                              <m:sSub>
+                                <m:sSubPr>
+                                  <m:ctrlPr>
+                                    <a:rPr lang="en-US" b="0" i="1" smtClean="0">
+                                      <a:latin typeface="Cambria Math" panose="02040503050406030204" pitchFamily="18" charset="0"/>
+                                    </a:rPr>
+                                  </m:ctrlPr>
+                                </m:sSubPr>
+                                <m:e>
+                                  <m:r>
+                                    <a:rPr lang="en-US" i="1">
+                                      <a:latin typeface="Cambria Math" panose="02040503050406030204" pitchFamily="18" charset="0"/>
+                                    </a:rPr>
+                                    <m:t>𝑃</m:t>
+                                  </m:r>
+                                </m:e>
+                                <m:sub>
+                                  <m:r>
+                                    <a:rPr lang="en-US" b="0" i="1" smtClean="0">
+                                      <a:latin typeface="Cambria Math" panose="02040503050406030204" pitchFamily="18" charset="0"/>
+                                    </a:rPr>
+                                    <m:t>0</m:t>
+                                  </m:r>
+                                </m:sub>
+                              </m:sSub>
+                            </m:oMath>
+                          </a14:m>
+                          <a:r>
+                            <a:rPr lang="en-US" dirty="0" smtClean="0"/>
+                            <a:t> and </a:t>
+                          </a:r>
+                          <a14:m>
+                            <m:oMath xmlns:m="http://schemas.openxmlformats.org/officeDocument/2006/math">
+                              <m:sSub>
+                                <m:sSubPr>
+                                  <m:ctrlPr>
+                                    <a:rPr lang="en-US" i="1">
+                                      <a:latin typeface="Cambria Math" panose="02040503050406030204" pitchFamily="18" charset="0"/>
+                                    </a:rPr>
+                                  </m:ctrlPr>
+                                </m:sSubPr>
+                                <m:e>
+                                  <m:r>
+                                    <a:rPr lang="en-US" i="1">
+                                      <a:latin typeface="Cambria Math" panose="02040503050406030204" pitchFamily="18" charset="0"/>
+                                    </a:rPr>
+                                    <m:t>𝑃</m:t>
+                                  </m:r>
+                                </m:e>
+                                <m:sub>
+                                  <m:r>
+                                    <a:rPr lang="en-US" b="0" i="1" smtClean="0">
+                                      <a:latin typeface="Cambria Math" panose="02040503050406030204" pitchFamily="18" charset="0"/>
+                                    </a:rPr>
+                                    <m:t>1</m:t>
+                                  </m:r>
+                                </m:sub>
+                              </m:sSub>
+                            </m:oMath>
+                          </a14:m>
+                          <a:r>
+                            <a:rPr lang="en-US" dirty="0" smtClean="0"/>
+                            <a:t> (</a:t>
+                          </a:r>
+                          <a14:m>
+                            <m:oMath xmlns:m="http://schemas.openxmlformats.org/officeDocument/2006/math">
+                              <m:sSub>
+                                <m:sSubPr>
+                                  <m:ctrlPr>
+                                    <a:rPr lang="en-US" i="1">
+                                      <a:latin typeface="Cambria Math" panose="02040503050406030204" pitchFamily="18" charset="0"/>
+                                    </a:rPr>
+                                  </m:ctrlPr>
+                                </m:sSubPr>
+                                <m:e>
+                                  <m:r>
+                                    <a:rPr lang="en-US" i="1">
+                                      <a:latin typeface="Cambria Math" panose="02040503050406030204" pitchFamily="18" charset="0"/>
+                                    </a:rPr>
+                                    <m:t>𝑃</m:t>
+                                  </m:r>
+                                </m:e>
+                                <m:sub>
+                                  <m:r>
+                                    <a:rPr lang="en-US" i="1">
+                                      <a:latin typeface="Cambria Math" panose="02040503050406030204" pitchFamily="18" charset="0"/>
+                                    </a:rPr>
+                                    <m:t>0</m:t>
+                                  </m:r>
+                                </m:sub>
+                              </m:sSub>
+                              <m:sSub>
+                                <m:sSubPr>
+                                  <m:ctrlPr>
+                                    <a:rPr lang="en-US" i="1">
+                                      <a:latin typeface="Cambria Math" panose="02040503050406030204" pitchFamily="18" charset="0"/>
+                                    </a:rPr>
+                                  </m:ctrlPr>
+                                </m:sSubPr>
+                                <m:e>
+                                  <m:r>
+                                    <a:rPr lang="en-US" i="1">
+                                      <a:latin typeface="Cambria Math" panose="02040503050406030204" pitchFamily="18" charset="0"/>
+                                    </a:rPr>
+                                    <m:t>𝑃</m:t>
+                                  </m:r>
+                                </m:e>
+                                <m:sub>
+                                  <m:r>
+                                    <a:rPr lang="en-US" i="1">
+                                      <a:latin typeface="Cambria Math" panose="02040503050406030204" pitchFamily="18" charset="0"/>
+                                    </a:rPr>
+                                    <m:t>1</m:t>
+                                  </m:r>
+                                </m:sub>
+                              </m:sSub>
+                              <m:r>
+                                <a:rPr lang="en-US" b="0" i="1" smtClean="0">
+                                  <a:latin typeface="Cambria Math" panose="02040503050406030204" pitchFamily="18" charset="0"/>
+                                </a:rPr>
+                                <m:t>=</m:t>
+                              </m:r>
+                              <m:r>
+                                <a:rPr lang="en-US" i="1">
+                                  <a:latin typeface="Cambria Math" panose="02040503050406030204" pitchFamily="18" charset="0"/>
+                                </a:rPr>
+                                <m:t>𝟘</m:t>
+                              </m:r>
+                            </m:oMath>
+                          </a14:m>
+                          <a:r>
+                            <a:rPr lang="en-US" dirty="0" smtClean="0"/>
+                            <a:t>)</a:t>
+                          </a:r>
                           <a:endParaRPr lang="en-US" dirty="0"/>
                         </a:p>
                       </a:txBody>
@@ -4638,6 +5396,14 @@
                           </a:pPr>
                           <a:r>
                             <a:rPr lang="en-US" dirty="0" smtClean="0"/>
+                            <a:t>Finite</a:t>
+                          </a:r>
+                          <a:r>
+                            <a:rPr lang="en-US" baseline="0" dirty="0" smtClean="0"/>
+                            <a:t>-Precision </a:t>
+                          </a:r>
+                          <a:r>
+                            <a:rPr lang="en-US" dirty="0" smtClean="0"/>
                             <a:t>Interval-valued</a:t>
                           </a:r>
                         </a:p>
@@ -4665,26 +5431,560 @@
                                 <m:jc m:val="centerGroup"/>
                               </m:oMathParaPr>
                               <m:oMath xmlns:m="http://schemas.openxmlformats.org/officeDocument/2006/math">
+                                <m:d>
+                                  <m:dPr>
+                                    <m:begChr m:val=""/>
+                                    <m:endChr m:val=""/>
+                                    <m:ctrlPr>
+                                      <a:rPr lang="en-US" b="0" i="1" smtClean="0">
+                                        <a:solidFill>
+                                          <a:schemeClr val="accent2"/>
+                                        </a:solidFill>
+                                        <a:latin typeface="Cambria Math" panose="02040503050406030204" pitchFamily="18" charset="0"/>
+                                        <a:ea typeface="Cambria Math" panose="02040503050406030204" pitchFamily="18" charset="0"/>
+                                        <a:cs typeface="XITS Math" panose="02000503000000000000" pitchFamily="50" charset="0"/>
+                                      </a:rPr>
+                                    </m:ctrlPr>
+                                  </m:dPr>
+                                  <m:e>
+                                    <m:r>
+                                      <a:rPr lang="en-US" b="0" i="1" smtClean="0">
+                                        <a:solidFill>
+                                          <a:schemeClr val="accent2"/>
+                                        </a:solidFill>
+                                        <a:latin typeface="XITS Math" panose="02000503000000000000" pitchFamily="50" charset="0"/>
+                                        <a:ea typeface="XITS Math" panose="02000503000000000000" pitchFamily="50" charset="0"/>
+                                        <a:cs typeface="XITS Math" panose="02000503000000000000" pitchFamily="50" charset="0"/>
+                                      </a:rPr>
+                                      <m:t>ℐ</m:t>
+                                    </m:r>
+                                  </m:e>
+                                </m:d>
+                                <m:r>
+                                  <a:rPr lang="en-US" b="0" i="1" smtClean="0">
+                                    <a:solidFill>
+                                      <a:schemeClr val="accent2"/>
+                                    </a:solidFill>
+                                    <a:latin typeface="Cambria Math" panose="02040503050406030204" pitchFamily="18" charset="0"/>
+                                    <a:ea typeface="Cambria Math" panose="02040503050406030204" pitchFamily="18" charset="0"/>
+                                  </a:rPr>
+                                  <m:t>=</m:t>
+                                </m:r>
+                                <m:d>
+                                  <m:dPr>
+                                    <m:begChr m:val="{"/>
+                                    <m:endChr m:val="}"/>
+                                    <m:ctrlPr>
+                                      <a:rPr lang="en-US" b="0" i="1" smtClean="0">
+                                        <a:solidFill>
+                                          <a:schemeClr val="accent2"/>
+                                        </a:solidFill>
+                                        <a:latin typeface="Cambria Math" panose="02040503050406030204" pitchFamily="18" charset="0"/>
+                                        <a:ea typeface="Cambria Math" panose="02040503050406030204" pitchFamily="18" charset="0"/>
+                                      </a:rPr>
+                                    </m:ctrlPr>
+                                  </m:dPr>
+                                  <m:e>
+                                    <m:d>
+                                      <m:dPr>
+                                        <m:begChr m:val="["/>
+                                        <m:endChr m:val="]"/>
+                                        <m:ctrlPr>
+                                          <a:rPr lang="en-US" b="0" i="1" smtClean="0">
+                                            <a:solidFill>
+                                              <a:schemeClr val="accent2"/>
+                                            </a:solidFill>
+                                            <a:latin typeface="Cambria Math" panose="02040503050406030204" pitchFamily="18" charset="0"/>
+                                            <a:ea typeface="Cambria Math" panose="02040503050406030204" pitchFamily="18" charset="0"/>
+                                          </a:rPr>
+                                        </m:ctrlPr>
+                                      </m:dPr>
+                                      <m:e>
+                                        <m:sSub>
+                                          <m:sSubPr>
+                                            <m:ctrlPr>
+                                              <a:rPr lang="en-US" b="0" i="1" smtClean="0">
+                                                <a:solidFill>
+                                                  <a:schemeClr val="accent2"/>
+                                                </a:solidFill>
+                                                <a:latin typeface="Cambria Math" panose="02040503050406030204" pitchFamily="18" charset="0"/>
+                                                <a:ea typeface="Cambria Math" panose="02040503050406030204" pitchFamily="18" charset="0"/>
+                                              </a:rPr>
+                                            </m:ctrlPr>
+                                          </m:sSubPr>
+                                          <m:e>
+                                            <m:r>
+                                              <a:rPr lang="en-US" b="0" i="1" smtClean="0">
+                                                <a:solidFill>
+                                                  <a:schemeClr val="accent2"/>
+                                                </a:solidFill>
+                                                <a:latin typeface="Cambria Math" panose="02040503050406030204" pitchFamily="18" charset="0"/>
+                                                <a:ea typeface="Cambria Math" panose="02040503050406030204" pitchFamily="18" charset="0"/>
+                                              </a:rPr>
+                                              <m:t>𝑟</m:t>
+                                            </m:r>
+                                          </m:e>
+                                          <m:sub>
+                                            <m:r>
+                                              <a:rPr lang="en-US" b="0" i="1" smtClean="0">
+                                                <a:solidFill>
+                                                  <a:schemeClr val="accent2"/>
+                                                </a:solidFill>
+                                                <a:latin typeface="Cambria Math" panose="02040503050406030204" pitchFamily="18" charset="0"/>
+                                                <a:ea typeface="Cambria Math" panose="02040503050406030204" pitchFamily="18" charset="0"/>
+                                              </a:rPr>
+                                              <m:t>𝑖</m:t>
+                                            </m:r>
+                                          </m:sub>
+                                        </m:sSub>
+                                        <m:r>
+                                          <a:rPr lang="en-US" b="0" i="1" smtClean="0">
+                                            <a:solidFill>
+                                              <a:schemeClr val="accent2"/>
+                                            </a:solidFill>
+                                            <a:latin typeface="Cambria Math" panose="02040503050406030204" pitchFamily="18" charset="0"/>
+                                            <a:ea typeface="Cambria Math" panose="02040503050406030204" pitchFamily="18" charset="0"/>
+                                          </a:rPr>
+                                          <m:t>,</m:t>
+                                        </m:r>
+                                        <m:sSub>
+                                          <m:sSubPr>
+                                            <m:ctrlPr>
+                                              <a:rPr lang="en-US" b="0" i="1" smtClean="0">
+                                                <a:solidFill>
+                                                  <a:schemeClr val="accent2"/>
+                                                </a:solidFill>
+                                                <a:latin typeface="Cambria Math" panose="02040503050406030204" pitchFamily="18" charset="0"/>
+                                                <a:ea typeface="Cambria Math" panose="02040503050406030204" pitchFamily="18" charset="0"/>
+                                              </a:rPr>
+                                            </m:ctrlPr>
+                                          </m:sSubPr>
+                                          <m:e>
+                                            <m:r>
+                                              <a:rPr lang="en-US" b="0" i="1" smtClean="0">
+                                                <a:solidFill>
+                                                  <a:schemeClr val="accent2"/>
+                                                </a:solidFill>
+                                                <a:latin typeface="Cambria Math" panose="02040503050406030204" pitchFamily="18" charset="0"/>
+                                                <a:ea typeface="Cambria Math" panose="02040503050406030204" pitchFamily="18" charset="0"/>
+                                              </a:rPr>
+                                              <m:t>ℓ</m:t>
+                                            </m:r>
+                                          </m:e>
+                                          <m:sub>
+                                            <m:r>
+                                              <a:rPr lang="en-US" b="0" i="1" smtClean="0">
+                                                <a:solidFill>
+                                                  <a:schemeClr val="accent2"/>
+                                                </a:solidFill>
+                                                <a:latin typeface="Cambria Math" panose="02040503050406030204" pitchFamily="18" charset="0"/>
+                                                <a:ea typeface="Cambria Math" panose="02040503050406030204" pitchFamily="18" charset="0"/>
+                                              </a:rPr>
+                                              <m:t>𝑖</m:t>
+                                            </m:r>
+                                          </m:sub>
+                                        </m:sSub>
+                                      </m:e>
+                                    </m:d>
+                                    <m:r>
+                                      <a:rPr lang="en-US" b="0" i="1" smtClean="0">
+                                        <a:solidFill>
+                                          <a:schemeClr val="accent2"/>
+                                        </a:solidFill>
+                                        <a:latin typeface="Cambria Math" panose="02040503050406030204" pitchFamily="18" charset="0"/>
+                                        <a:ea typeface="Cambria Math" panose="02040503050406030204" pitchFamily="18" charset="0"/>
+                                      </a:rPr>
+                                      <m:t>⊆</m:t>
+                                    </m:r>
+                                    <m:d>
+                                      <m:dPr>
+                                        <m:begChr m:val="["/>
+                                        <m:endChr m:val="]"/>
+                                        <m:ctrlPr>
+                                          <a:rPr lang="en-US" b="0" i="1" smtClean="0">
+                                            <a:solidFill>
+                                              <a:schemeClr val="accent2"/>
+                                            </a:solidFill>
+                                            <a:latin typeface="Cambria Math" panose="02040503050406030204" pitchFamily="18" charset="0"/>
+                                            <a:ea typeface="Cambria Math" panose="02040503050406030204" pitchFamily="18" charset="0"/>
+                                          </a:rPr>
+                                        </m:ctrlPr>
+                                      </m:dPr>
+                                      <m:e>
+                                        <m:r>
+                                          <a:rPr lang="en-US" b="0" i="1" smtClean="0">
+                                            <a:solidFill>
+                                              <a:schemeClr val="accent2"/>
+                                            </a:solidFill>
+                                            <a:latin typeface="Cambria Math" panose="02040503050406030204" pitchFamily="18" charset="0"/>
+                                            <a:ea typeface="Cambria Math" panose="02040503050406030204" pitchFamily="18" charset="0"/>
+                                          </a:rPr>
+                                          <m:t>0,1</m:t>
+                                        </m:r>
+                                      </m:e>
+                                    </m:d>
+                                  </m:e>
+                                </m:d>
+                              </m:oMath>
+                            </m:oMathPara>
+                          </a14:m>
+                          <a:endParaRPr lang="en-US" dirty="0">
+                            <a:solidFill>
+                              <a:schemeClr val="accent2"/>
+                            </a:solidFill>
+                          </a:endParaRPr>
+                        </a:p>
+                      </a:txBody>
+                      <a:tcPr anchor="ctr"/>
+                    </a:tc>
+                    <a:tc>
+                      <a:txBody>
+                        <a:bodyPr/>
+                        <a:lstStyle/>
+                        <a:p>
+                          <a:pPr marL="0" marR="0" lvl="0" indent="0" algn="ctr" defTabSz="914400" rtl="0" eaLnBrk="1" fontAlgn="auto" latinLnBrk="0" hangingPunct="1">
+                            <a:lnSpc>
+                              <a:spcPct val="100000"/>
+                            </a:lnSpc>
+                            <a:spcBef>
+                              <a:spcPts val="0"/>
+                            </a:spcBef>
+                            <a:spcAft>
+                              <a:spcPts val="0"/>
+                            </a:spcAft>
+                            <a:buClrTx/>
+                            <a:buSzTx/>
+                            <a:buFontTx/>
+                            <a:buNone/>
+                            <a:tabLst/>
+                            <a:defRPr/>
+                          </a:pPr>
+                          <a14:m>
+                            <m:oMathPara xmlns:m="http://schemas.openxmlformats.org/officeDocument/2006/math">
+                              <m:oMathParaPr>
+                                <m:jc m:val="centerGroup"/>
+                              </m:oMathParaPr>
+                              <m:oMath xmlns:m="http://schemas.openxmlformats.org/officeDocument/2006/math">
+                                <m:acc>
+                                  <m:accPr>
+                                    <m:chr m:val="̅"/>
+                                    <m:ctrlPr>
+                                      <a:rPr lang="en-US" b="0" i="1" smtClean="0">
+                                        <a:latin typeface="Cambria Math" panose="02040503050406030204" pitchFamily="18" charset="0"/>
+                                      </a:rPr>
+                                    </m:ctrlPr>
+                                  </m:accPr>
+                                  <m:e>
+                                    <m:r>
+                                      <a:rPr lang="en-US" b="0" i="1" smtClean="0">
+                                        <a:latin typeface="Cambria Math" panose="02040503050406030204" pitchFamily="18" charset="0"/>
+                                      </a:rPr>
+                                      <m:t>𝜇</m:t>
+                                    </m:r>
+                                  </m:e>
+                                </m:acc>
+                                <m:r>
+                                  <a:rPr lang="en-US" b="0" i="1" smtClean="0">
+                                    <a:latin typeface="Cambria Math" panose="02040503050406030204" pitchFamily="18" charset="0"/>
+                                  </a:rPr>
+                                  <m:t>:</m:t>
+                                </m:r>
+                                <m:r>
+                                  <a:rPr lang="en-US" b="0" i="1" smtClean="0">
+                                    <a:latin typeface="Cambria Math" panose="02040503050406030204" pitchFamily="18" charset="0"/>
+                                    <a:ea typeface="Cambria Math" panose="02040503050406030204" pitchFamily="18" charset="0"/>
+                                  </a:rPr>
+                                  <m:t>ℰ</m:t>
+                                </m:r>
+                                <m:r>
+                                  <a:rPr lang="en-US" b="0" i="0" smtClean="0">
+                                    <a:latin typeface="Cambria Math" panose="02040503050406030204" pitchFamily="18" charset="0"/>
+                                    <a:ea typeface="Cambria Math" panose="02040503050406030204" pitchFamily="18" charset="0"/>
+                                  </a:rPr>
+                                  <m:t>→</m:t>
+                                </m:r>
                                 <m:r>
                                   <m:rPr>
                                     <m:nor/>
                                   </m:rPr>
                                   <a:rPr lang="en-US" dirty="0" smtClean="0">
+                                    <a:solidFill>
+                                      <a:schemeClr val="accent2"/>
+                                    </a:solidFill>
                                     <a:latin typeface="XITS Math" panose="02000503000000000000" pitchFamily="50" charset="0"/>
                                     <a:ea typeface="XITS Math" panose="02000503000000000000" pitchFamily="50" charset="0"/>
                                     <a:cs typeface="XITS Math" panose="02000503000000000000" pitchFamily="50" charset="0"/>
                                   </a:rPr>
                                   <m:t>ℐ</m:t>
                                 </m:r>
+                              </m:oMath>
+                              <m:oMath xmlns:m="http://schemas.openxmlformats.org/officeDocument/2006/math">
                                 <m:r>
                                   <a:rPr lang="en-US" b="0" i="1" smtClean="0">
                                     <a:latin typeface="Cambria Math" panose="02040503050406030204" pitchFamily="18" charset="0"/>
-                                    <a:ea typeface="Cambria Math" panose="02040503050406030204" pitchFamily="18" charset="0"/>
                                   </a:rPr>
-                                  <m:t>=</m:t>
+                                  <m:t>𝜇</m:t>
                                 </m:r>
+                                <m:d>
+                                  <m:dPr>
+                                    <m:ctrlPr>
+                                      <a:rPr lang="en-US" b="0" i="1" smtClean="0">
+                                        <a:latin typeface="Cambria Math" panose="02040503050406030204" pitchFamily="18" charset="0"/>
+                                      </a:rPr>
+                                    </m:ctrlPr>
+                                  </m:dPr>
+                                  <m:e>
+                                    <m:sSub>
+                                      <m:sSubPr>
+                                        <m:ctrlPr>
+                                          <a:rPr lang="en-US" b="0" i="1" smtClean="0">
+                                            <a:latin typeface="Cambria Math" panose="02040503050406030204" pitchFamily="18" charset="0"/>
+                                          </a:rPr>
+                                        </m:ctrlPr>
+                                      </m:sSubPr>
+                                      <m:e>
+                                        <m:r>
+                                          <a:rPr lang="en-US" b="0" i="1" smtClean="0">
+                                            <a:latin typeface="Cambria Math" panose="02040503050406030204" pitchFamily="18" charset="0"/>
+                                          </a:rPr>
+                                          <m:t>𝐸</m:t>
+                                        </m:r>
+                                      </m:e>
+                                      <m:sub>
+                                        <m:r>
+                                          <a:rPr lang="en-US" b="0" i="1" smtClean="0">
+                                            <a:latin typeface="Cambria Math" panose="02040503050406030204" pitchFamily="18" charset="0"/>
+                                          </a:rPr>
+                                          <m:t>0</m:t>
+                                        </m:r>
+                                      </m:sub>
+                                    </m:sSub>
+                                    <m:r>
+                                      <a:rPr lang="en-US" b="0" i="1" smtClean="0">
+                                        <a:solidFill>
+                                          <a:srgbClr val="FF0000"/>
+                                        </a:solidFill>
+                                        <a:latin typeface="Cambria Math" panose="02040503050406030204" pitchFamily="18" charset="0"/>
+                                      </a:rPr>
+                                      <m:t>∪</m:t>
+                                    </m:r>
+                                    <m:sSub>
+                                      <m:sSubPr>
+                                        <m:ctrlPr>
+                                          <a:rPr lang="en-US" b="0" i="1" smtClean="0">
+                                            <a:latin typeface="Cambria Math" panose="02040503050406030204" pitchFamily="18" charset="0"/>
+                                          </a:rPr>
+                                        </m:ctrlPr>
+                                      </m:sSubPr>
+                                      <m:e>
+                                        <m:r>
+                                          <a:rPr lang="en-US" b="0" i="1" smtClean="0">
+                                            <a:latin typeface="Cambria Math" panose="02040503050406030204" pitchFamily="18" charset="0"/>
+                                          </a:rPr>
+                                          <m:t>𝐸</m:t>
+                                        </m:r>
+                                      </m:e>
+                                      <m:sub>
+                                        <m:r>
+                                          <a:rPr lang="en-US" b="0" i="1" smtClean="0">
+                                            <a:latin typeface="Cambria Math" panose="02040503050406030204" pitchFamily="18" charset="0"/>
+                                          </a:rPr>
+                                          <m:t>1</m:t>
+                                        </m:r>
+                                      </m:sub>
+                                    </m:sSub>
+                                  </m:e>
+                                </m:d>
+                                <m:r>
+                                  <a:rPr lang="en-US" b="0" i="1" smtClean="0">
+                                    <a:solidFill>
+                                      <a:schemeClr val="accent2"/>
+                                    </a:solidFill>
+                                    <a:latin typeface="Cambria Math" panose="02040503050406030204" pitchFamily="18" charset="0"/>
+                                  </a:rPr>
+                                  <m:t>⊆</m:t>
+                                </m:r>
+                                <m:r>
+                                  <a:rPr lang="en-US" b="0" i="1" smtClean="0">
+                                    <a:latin typeface="Cambria Math" panose="02040503050406030204" pitchFamily="18" charset="0"/>
+                                  </a:rPr>
+                                  <m:t>𝜇</m:t>
+                                </m:r>
+                                <m:d>
+                                  <m:dPr>
+                                    <m:ctrlPr>
+                                      <a:rPr lang="en-US" b="0" i="1" smtClean="0">
+                                        <a:latin typeface="Cambria Math" panose="02040503050406030204" pitchFamily="18" charset="0"/>
+                                      </a:rPr>
+                                    </m:ctrlPr>
+                                  </m:dPr>
+                                  <m:e>
+                                    <m:sSub>
+                                      <m:sSubPr>
+                                        <m:ctrlPr>
+                                          <a:rPr lang="en-US" b="0" i="1" smtClean="0">
+                                            <a:latin typeface="Cambria Math" panose="02040503050406030204" pitchFamily="18" charset="0"/>
+                                          </a:rPr>
+                                        </m:ctrlPr>
+                                      </m:sSubPr>
+                                      <m:e>
+                                        <m:r>
+                                          <a:rPr lang="en-US" b="0" i="1" smtClean="0">
+                                            <a:latin typeface="Cambria Math" panose="02040503050406030204" pitchFamily="18" charset="0"/>
+                                          </a:rPr>
+                                          <m:t>𝐸</m:t>
+                                        </m:r>
+                                      </m:e>
+                                      <m:sub>
+                                        <m:r>
+                                          <a:rPr lang="en-US" b="0" i="1" smtClean="0">
+                                            <a:latin typeface="Cambria Math" panose="02040503050406030204" pitchFamily="18" charset="0"/>
+                                          </a:rPr>
+                                          <m:t>0</m:t>
+                                        </m:r>
+                                      </m:sub>
+                                    </m:sSub>
+                                  </m:e>
+                                </m:d>
+                                <m:r>
+                                  <a:rPr lang="en-US" b="0" i="1" smtClean="0">
+                                    <a:latin typeface="Cambria Math" panose="02040503050406030204" pitchFamily="18" charset="0"/>
+                                  </a:rPr>
+                                  <m:t>+</m:t>
+                                </m:r>
+                                <m:r>
+                                  <a:rPr lang="en-US" b="0" i="1" smtClean="0">
+                                    <a:latin typeface="Cambria Math" panose="02040503050406030204" pitchFamily="18" charset="0"/>
+                                  </a:rPr>
+                                  <m:t>𝜇</m:t>
+                                </m:r>
+                                <m:d>
+                                  <m:dPr>
+                                    <m:ctrlPr>
+                                      <a:rPr lang="en-US" b="0" i="1" smtClean="0">
+                                        <a:latin typeface="Cambria Math" panose="02040503050406030204" pitchFamily="18" charset="0"/>
+                                      </a:rPr>
+                                    </m:ctrlPr>
+                                  </m:dPr>
+                                  <m:e>
+                                    <m:sSub>
+                                      <m:sSubPr>
+                                        <m:ctrlPr>
+                                          <a:rPr lang="en-US" b="0" i="1" smtClean="0">
+                                            <a:latin typeface="Cambria Math" panose="02040503050406030204" pitchFamily="18" charset="0"/>
+                                          </a:rPr>
+                                        </m:ctrlPr>
+                                      </m:sSubPr>
+                                      <m:e>
+                                        <m:r>
+                                          <a:rPr lang="en-US" b="0" i="1" smtClean="0">
+                                            <a:latin typeface="Cambria Math" panose="02040503050406030204" pitchFamily="18" charset="0"/>
+                                          </a:rPr>
+                                          <m:t>𝐸</m:t>
+                                        </m:r>
+                                      </m:e>
+                                      <m:sub>
+                                        <m:r>
+                                          <a:rPr lang="en-US" b="0" i="1" smtClean="0">
+                                            <a:latin typeface="Cambria Math" panose="02040503050406030204" pitchFamily="18" charset="0"/>
+                                          </a:rPr>
+                                          <m:t>1</m:t>
+                                        </m:r>
+                                      </m:sub>
+                                    </m:sSub>
+                                  </m:e>
+                                </m:d>
                               </m:oMath>
                             </m:oMathPara>
+                          </a14:m>
+                          <a:r>
+                            <a:rPr lang="en-US" dirty="0" smtClean="0"/>
+                            <a:t/>
+                          </a:r>
+                          <a:br>
+                            <a:rPr lang="en-US" dirty="0" smtClean="0"/>
+                          </a:br>
+                          <a:r>
+                            <a:rPr lang="en-US" dirty="0" smtClean="0"/>
+                            <a:t>for</a:t>
+                          </a:r>
+                          <a:r>
+                            <a:rPr lang="en-US" baseline="0" dirty="0" smtClean="0"/>
+                            <a:t> </a:t>
+                          </a:r>
+                          <a:r>
+                            <a:rPr lang="en-US" baseline="0" dirty="0" smtClean="0">
+                              <a:solidFill>
+                                <a:srgbClr val="FF0000"/>
+                              </a:solidFill>
+                            </a:rPr>
+                            <a:t>disjoint</a:t>
+                          </a:r>
+                          <a:r>
+                            <a:rPr lang="en-US" baseline="0" dirty="0" smtClean="0"/>
+                            <a:t> events </a:t>
+                          </a:r>
+                          <a14:m>
+                            <m:oMath xmlns:m="http://schemas.openxmlformats.org/officeDocument/2006/math">
+                              <m:sSub>
+                                <m:sSubPr>
+                                  <m:ctrlPr>
+                                    <a:rPr lang="en-US" b="0" i="1" baseline="0" smtClean="0">
+                                      <a:latin typeface="Cambria Math" panose="02040503050406030204" pitchFamily="18" charset="0"/>
+                                    </a:rPr>
+                                  </m:ctrlPr>
+                                </m:sSubPr>
+                                <m:e>
+                                  <m:r>
+                                    <a:rPr lang="en-US" b="0" i="1" baseline="0" smtClean="0">
+                                      <a:latin typeface="Cambria Math" panose="02040503050406030204" pitchFamily="18" charset="0"/>
+                                    </a:rPr>
+                                    <m:t>𝐸</m:t>
+                                  </m:r>
+                                </m:e>
+                                <m:sub>
+                                  <m:r>
+                                    <a:rPr lang="en-US" b="0" i="1" baseline="0" smtClean="0">
+                                      <a:latin typeface="Cambria Math" panose="02040503050406030204" pitchFamily="18" charset="0"/>
+                                    </a:rPr>
+                                    <m:t>0</m:t>
+                                  </m:r>
+                                </m:sub>
+                              </m:sSub>
+                            </m:oMath>
+                          </a14:m>
+                          <a:r>
+                            <a:rPr lang="en-US" dirty="0" smtClean="0"/>
+                            <a:t> and </a:t>
+                          </a:r>
+                          <a14:m>
+                            <m:oMath xmlns:m="http://schemas.openxmlformats.org/officeDocument/2006/math">
+                              <m:sSub>
+                                <m:sSubPr>
+                                  <m:ctrlPr>
+                                    <a:rPr lang="en-US" b="0" i="1" baseline="0" smtClean="0">
+                                      <a:latin typeface="Cambria Math" panose="02040503050406030204" pitchFamily="18" charset="0"/>
+                                    </a:rPr>
+                                  </m:ctrlPr>
+                                </m:sSubPr>
+                                <m:e>
+                                  <m:r>
+                                    <a:rPr lang="en-US" b="0" i="1" baseline="0" smtClean="0">
+                                      <a:latin typeface="Cambria Math" panose="02040503050406030204" pitchFamily="18" charset="0"/>
+                                    </a:rPr>
+                                    <m:t>𝐸</m:t>
+                                  </m:r>
+                                </m:e>
+                                <m:sub>
+                                  <m:r>
+                                    <a:rPr lang="en-US" b="0" i="1" baseline="0" smtClean="0">
+                                      <a:latin typeface="Cambria Math" panose="02040503050406030204" pitchFamily="18" charset="0"/>
+                                    </a:rPr>
+                                    <m:t>1</m:t>
+                                  </m:r>
+                                </m:sub>
+                              </m:sSub>
+                            </m:oMath>
                           </a14:m>
                           <a:endParaRPr lang="en-US" dirty="0"/>
                         </a:p>
@@ -4719,12 +6019,24 @@
                                 <m:jc m:val="centerGroup"/>
                               </m:oMathParaPr>
                               <m:oMath xmlns:m="http://schemas.openxmlformats.org/officeDocument/2006/math">
-                                <m:r>
-                                  <a:rPr lang="en-US" b="0" i="1" smtClean="0">
-                                    <a:latin typeface="Cambria Math" panose="02040503050406030204" pitchFamily="18" charset="0"/>
-                                  </a:rPr>
-                                  <m:t>𝜇</m:t>
-                                </m:r>
+                                <m:acc>
+                                  <m:accPr>
+                                    <m:chr m:val="̅"/>
+                                    <m:ctrlPr>
+                                      <a:rPr lang="en-US" b="0" i="1" smtClean="0">
+                                        <a:latin typeface="Cambria Math" panose="02040503050406030204" pitchFamily="18" charset="0"/>
+                                      </a:rPr>
+                                    </m:ctrlPr>
+                                  </m:accPr>
+                                  <m:e>
+                                    <m:r>
+                                      <a:rPr lang="en-US" b="0" i="1" smtClean="0">
+                                        <a:latin typeface="Cambria Math" panose="02040503050406030204" pitchFamily="18" charset="0"/>
+                                      </a:rPr>
+                                      <m:t>𝜇</m:t>
+                                    </m:r>
+                                  </m:e>
+                                </m:acc>
                                 <m:r>
                                   <a:rPr lang="en-US" b="0" i="1" smtClean="0">
                                     <a:latin typeface="Cambria Math" panose="02040503050406030204" pitchFamily="18" charset="0"/>
@@ -4750,6 +6062,9 @@
                                     <m:nor/>
                                   </m:rPr>
                                   <a:rPr lang="en-US" dirty="0" smtClean="0">
+                                    <a:solidFill>
+                                      <a:schemeClr val="accent2"/>
+                                    </a:solidFill>
                                     <a:latin typeface="XITS Math" panose="02000503000000000000" pitchFamily="50" charset="0"/>
                                     <a:ea typeface="XITS Math" panose="02000503000000000000" pitchFamily="50" charset="0"/>
                                     <a:cs typeface="XITS Math" panose="02000503000000000000" pitchFamily="50" charset="0"/>
@@ -4757,19 +6072,356 @@
                                   <m:t>ℐ</m:t>
                                 </m:r>
                               </m:oMath>
+                              <m:oMath xmlns:m="http://schemas.openxmlformats.org/officeDocument/2006/math">
+                                <m:r>
+                                  <a:rPr lang="en-US" b="0" i="1" smtClean="0">
+                                    <a:latin typeface="Cambria Math" panose="02040503050406030204" pitchFamily="18" charset="0"/>
+                                  </a:rPr>
+                                  <m:t>𝜇</m:t>
+                                </m:r>
+                                <m:d>
+                                  <m:dPr>
+                                    <m:ctrlPr>
+                                      <a:rPr lang="en-US" b="0" i="1" smtClean="0">
+                                        <a:latin typeface="Cambria Math" panose="02040503050406030204" pitchFamily="18" charset="0"/>
+                                      </a:rPr>
+                                    </m:ctrlPr>
+                                  </m:dPr>
+                                  <m:e>
+                                    <m:sSub>
+                                      <m:sSubPr>
+                                        <m:ctrlPr>
+                                          <a:rPr lang="en-US" b="0" i="1" smtClean="0">
+                                            <a:latin typeface="Cambria Math" panose="02040503050406030204" pitchFamily="18" charset="0"/>
+                                          </a:rPr>
+                                        </m:ctrlPr>
+                                      </m:sSubPr>
+                                      <m:e>
+                                        <m:r>
+                                          <a:rPr lang="en-US" b="0" i="1" smtClean="0">
+                                            <a:latin typeface="Cambria Math" panose="02040503050406030204" pitchFamily="18" charset="0"/>
+                                          </a:rPr>
+                                          <m:t>𝑃</m:t>
+                                        </m:r>
+                                      </m:e>
+                                      <m:sub>
+                                        <m:r>
+                                          <a:rPr lang="en-US" b="0" i="1" smtClean="0">
+                                            <a:latin typeface="Cambria Math" panose="02040503050406030204" pitchFamily="18" charset="0"/>
+                                          </a:rPr>
+                                          <m:t>0</m:t>
+                                        </m:r>
+                                      </m:sub>
+                                    </m:sSub>
+                                    <m:r>
+                                      <a:rPr lang="en-US" b="0" i="1" smtClean="0">
+                                        <a:solidFill>
+                                          <a:srgbClr val="FF0000"/>
+                                        </a:solidFill>
+                                        <a:latin typeface="Cambria Math" panose="02040503050406030204" pitchFamily="18" charset="0"/>
+                                      </a:rPr>
+                                      <m:t>+</m:t>
+                                    </m:r>
+                                    <m:sSub>
+                                      <m:sSubPr>
+                                        <m:ctrlPr>
+                                          <a:rPr lang="en-US" b="0" i="1" smtClean="0">
+                                            <a:latin typeface="Cambria Math" panose="02040503050406030204" pitchFamily="18" charset="0"/>
+                                          </a:rPr>
+                                        </m:ctrlPr>
+                                      </m:sSubPr>
+                                      <m:e>
+                                        <m:r>
+                                          <a:rPr lang="en-US" b="0" i="1" smtClean="0">
+                                            <a:latin typeface="Cambria Math" panose="02040503050406030204" pitchFamily="18" charset="0"/>
+                                          </a:rPr>
+                                          <m:t>𝑃</m:t>
+                                        </m:r>
+                                      </m:e>
+                                      <m:sub>
+                                        <m:r>
+                                          <a:rPr lang="en-US" b="0" i="1" smtClean="0">
+                                            <a:latin typeface="Cambria Math" panose="02040503050406030204" pitchFamily="18" charset="0"/>
+                                          </a:rPr>
+                                          <m:t>1</m:t>
+                                        </m:r>
+                                      </m:sub>
+                                    </m:sSub>
+                                  </m:e>
+                                </m:d>
+                                <m:r>
+                                  <a:rPr lang="en-US" b="0" i="1" smtClean="0">
+                                    <a:solidFill>
+                                      <a:schemeClr val="accent2"/>
+                                    </a:solidFill>
+                                    <a:latin typeface="Cambria Math" panose="02040503050406030204" pitchFamily="18" charset="0"/>
+                                  </a:rPr>
+                                  <m:t>⊆</m:t>
+                                </m:r>
+                                <m:r>
+                                  <a:rPr lang="en-US" b="0" i="1" smtClean="0">
+                                    <a:latin typeface="Cambria Math" panose="02040503050406030204" pitchFamily="18" charset="0"/>
+                                  </a:rPr>
+                                  <m:t>𝜇</m:t>
+                                </m:r>
+                                <m:d>
+                                  <m:dPr>
+                                    <m:ctrlPr>
+                                      <a:rPr lang="en-US" b="0" i="1" smtClean="0">
+                                        <a:latin typeface="Cambria Math" panose="02040503050406030204" pitchFamily="18" charset="0"/>
+                                      </a:rPr>
+                                    </m:ctrlPr>
+                                  </m:dPr>
+                                  <m:e>
+                                    <m:sSub>
+                                      <m:sSubPr>
+                                        <m:ctrlPr>
+                                          <a:rPr lang="en-US" b="0" i="1" smtClean="0">
+                                            <a:latin typeface="Cambria Math" panose="02040503050406030204" pitchFamily="18" charset="0"/>
+                                          </a:rPr>
+                                        </m:ctrlPr>
+                                      </m:sSubPr>
+                                      <m:e>
+                                        <m:r>
+                                          <a:rPr lang="en-US" b="0" i="1" smtClean="0">
+                                            <a:latin typeface="Cambria Math" panose="02040503050406030204" pitchFamily="18" charset="0"/>
+                                          </a:rPr>
+                                          <m:t>𝑃</m:t>
+                                        </m:r>
+                                      </m:e>
+                                      <m:sub>
+                                        <m:r>
+                                          <a:rPr lang="en-US" b="0" i="1" smtClean="0">
+                                            <a:latin typeface="Cambria Math" panose="02040503050406030204" pitchFamily="18" charset="0"/>
+                                          </a:rPr>
+                                          <m:t>0</m:t>
+                                        </m:r>
+                                      </m:sub>
+                                    </m:sSub>
+                                  </m:e>
+                                </m:d>
+                                <m:r>
+                                  <a:rPr lang="en-US" b="0" i="1" smtClean="0">
+                                    <a:latin typeface="Cambria Math" panose="02040503050406030204" pitchFamily="18" charset="0"/>
+                                  </a:rPr>
+                                  <m:t>+</m:t>
+                                </m:r>
+                                <m:r>
+                                  <a:rPr lang="en-US" b="0" i="1" smtClean="0">
+                                    <a:latin typeface="Cambria Math" panose="02040503050406030204" pitchFamily="18" charset="0"/>
+                                  </a:rPr>
+                                  <m:t>𝜇</m:t>
+                                </m:r>
+                                <m:d>
+                                  <m:dPr>
+                                    <m:ctrlPr>
+                                      <a:rPr lang="en-US" b="0" i="1" smtClean="0">
+                                        <a:latin typeface="Cambria Math" panose="02040503050406030204" pitchFamily="18" charset="0"/>
+                                      </a:rPr>
+                                    </m:ctrlPr>
+                                  </m:dPr>
+                                  <m:e>
+                                    <m:sSub>
+                                      <m:sSubPr>
+                                        <m:ctrlPr>
+                                          <a:rPr lang="en-US" b="0" i="1" smtClean="0">
+                                            <a:latin typeface="Cambria Math" panose="02040503050406030204" pitchFamily="18" charset="0"/>
+                                          </a:rPr>
+                                        </m:ctrlPr>
+                                      </m:sSubPr>
+                                      <m:e>
+                                        <m:r>
+                                          <a:rPr lang="en-US" b="0" i="1" smtClean="0">
+                                            <a:latin typeface="Cambria Math" panose="02040503050406030204" pitchFamily="18" charset="0"/>
+                                          </a:rPr>
+                                          <m:t>𝑃</m:t>
+                                        </m:r>
+                                      </m:e>
+                                      <m:sub>
+                                        <m:r>
+                                          <a:rPr lang="en-US" b="0" i="1" smtClean="0">
+                                            <a:latin typeface="Cambria Math" panose="02040503050406030204" pitchFamily="18" charset="0"/>
+                                          </a:rPr>
+                                          <m:t>1</m:t>
+                                        </m:r>
+                                      </m:sub>
+                                    </m:sSub>
+                                  </m:e>
+                                </m:d>
+                              </m:oMath>
                             </m:oMathPara>
                           </a14:m>
-                          <a:endParaRPr lang="en-US" dirty="0"/>
-                        </a:p>
-                      </a:txBody>
-                      <a:tcPr anchor="ctr"/>
-                    </a:tc>
-                    <a:tc>
-                      <a:txBody>
-                        <a:bodyPr/>
-                        <a:lstStyle/>
-                        <a:p>
-                          <a:pPr algn="ctr"/>
+                          <a:r>
+                            <a:rPr lang="en-US" dirty="0" smtClean="0"/>
+                            <a:t/>
+                          </a:r>
+                          <a:br>
+                            <a:rPr lang="en-US" dirty="0" smtClean="0"/>
+                          </a:br>
+                          <a:r>
+                            <a:rPr lang="en-US" dirty="0" smtClean="0"/>
+                            <a:t>for </a:t>
+                          </a:r>
+                          <a:r>
+                            <a:rPr lang="en-US" i="0" dirty="0" smtClean="0">
+                              <a:solidFill>
+                                <a:srgbClr val="FF0000"/>
+                              </a:solidFill>
+                            </a:rPr>
+                            <a:t>orthogonal</a:t>
+                          </a:r>
+                          <a:r>
+                            <a:rPr lang="en-US" dirty="0" smtClean="0">
+                              <a:solidFill>
+                                <a:srgbClr val="FF0000"/>
+                              </a:solidFill>
+                            </a:rPr>
+                            <a:t> </a:t>
+                          </a:r>
+                          <a:r>
+                            <a:rPr lang="en-US" dirty="0" smtClean="0"/>
+                            <a:t>projectors</a:t>
+                          </a:r>
+                          <a:r>
+                            <a:rPr lang="en-US" dirty="0"/>
+                            <a:t> </a:t>
+                          </a:r>
+                          <a14:m>
+                            <m:oMath xmlns:m="http://schemas.openxmlformats.org/officeDocument/2006/math">
+                              <m:sSub>
+                                <m:sSubPr>
+                                  <m:ctrlPr>
+                                    <a:rPr lang="en-US" b="0" i="1" smtClean="0">
+                                      <a:latin typeface="Cambria Math" panose="02040503050406030204" pitchFamily="18" charset="0"/>
+                                    </a:rPr>
+                                  </m:ctrlPr>
+                                </m:sSubPr>
+                                <m:e>
+                                  <m:r>
+                                    <a:rPr lang="en-US" i="1">
+                                      <a:latin typeface="Cambria Math" panose="02040503050406030204" pitchFamily="18" charset="0"/>
+                                    </a:rPr>
+                                    <m:t>𝑃</m:t>
+                                  </m:r>
+                                </m:e>
+                                <m:sub>
+                                  <m:r>
+                                    <a:rPr lang="en-US" b="0" i="1" smtClean="0">
+                                      <a:latin typeface="Cambria Math" panose="02040503050406030204" pitchFamily="18" charset="0"/>
+                                    </a:rPr>
+                                    <m:t>0</m:t>
+                                  </m:r>
+                                </m:sub>
+                              </m:sSub>
+                            </m:oMath>
+                          </a14:m>
+                          <a:r>
+                            <a:rPr lang="en-US" dirty="0" smtClean="0"/>
+                            <a:t> and </a:t>
+                          </a:r>
+                          <a14:m>
+                            <m:oMath xmlns:m="http://schemas.openxmlformats.org/officeDocument/2006/math">
+                              <m:sSub>
+                                <m:sSubPr>
+                                  <m:ctrlPr>
+                                    <a:rPr lang="en-US" i="1">
+                                      <a:latin typeface="Cambria Math" panose="02040503050406030204" pitchFamily="18" charset="0"/>
+                                    </a:rPr>
+                                  </m:ctrlPr>
+                                </m:sSubPr>
+                                <m:e>
+                                  <m:r>
+                                    <a:rPr lang="en-US" i="1">
+                                      <a:latin typeface="Cambria Math" panose="02040503050406030204" pitchFamily="18" charset="0"/>
+                                    </a:rPr>
+                                    <m:t>𝑃</m:t>
+                                  </m:r>
+                                </m:e>
+                                <m:sub>
+                                  <m:r>
+                                    <a:rPr lang="en-US" b="0" i="1" smtClean="0">
+                                      <a:latin typeface="Cambria Math" panose="02040503050406030204" pitchFamily="18" charset="0"/>
+                                    </a:rPr>
+                                    <m:t>1</m:t>
+                                  </m:r>
+                                </m:sub>
+                              </m:sSub>
+                            </m:oMath>
+                          </a14:m>
+                          <a:r>
+                            <a:rPr lang="en-US" dirty="0" smtClean="0"/>
+                            <a:t> (</a:t>
+                          </a:r>
+                          <a14:m>
+                            <m:oMath xmlns:m="http://schemas.openxmlformats.org/officeDocument/2006/math">
+                              <m:sSub>
+                                <m:sSubPr>
+                                  <m:ctrlPr>
+                                    <a:rPr lang="en-US" i="1">
+                                      <a:latin typeface="Cambria Math" panose="02040503050406030204" pitchFamily="18" charset="0"/>
+                                    </a:rPr>
+                                  </m:ctrlPr>
+                                </m:sSubPr>
+                                <m:e>
+                                  <m:r>
+                                    <a:rPr lang="en-US" i="1">
+                                      <a:latin typeface="Cambria Math" panose="02040503050406030204" pitchFamily="18" charset="0"/>
+                                    </a:rPr>
+                                    <m:t>𝑃</m:t>
+                                  </m:r>
+                                </m:e>
+                                <m:sub>
+                                  <m:r>
+                                    <a:rPr lang="en-US" i="1">
+                                      <a:latin typeface="Cambria Math" panose="02040503050406030204" pitchFamily="18" charset="0"/>
+                                    </a:rPr>
+                                    <m:t>0</m:t>
+                                  </m:r>
+                                </m:sub>
+                              </m:sSub>
+                              <m:sSub>
+                                <m:sSubPr>
+                                  <m:ctrlPr>
+                                    <a:rPr lang="en-US" i="1">
+                                      <a:latin typeface="Cambria Math" panose="02040503050406030204" pitchFamily="18" charset="0"/>
+                                    </a:rPr>
+                                  </m:ctrlPr>
+                                </m:sSubPr>
+                                <m:e>
+                                  <m:r>
+                                    <a:rPr lang="en-US" i="1">
+                                      <a:latin typeface="Cambria Math" panose="02040503050406030204" pitchFamily="18" charset="0"/>
+                                    </a:rPr>
+                                    <m:t>𝑃</m:t>
+                                  </m:r>
+                                </m:e>
+                                <m:sub>
+                                  <m:r>
+                                    <a:rPr lang="en-US" i="1">
+                                      <a:latin typeface="Cambria Math" panose="02040503050406030204" pitchFamily="18" charset="0"/>
+                                    </a:rPr>
+                                    <m:t>1</m:t>
+                                  </m:r>
+                                </m:sub>
+                              </m:sSub>
+                              <m:r>
+                                <a:rPr lang="en-US" b="0" i="1" smtClean="0">
+                                  <a:latin typeface="Cambria Math" panose="02040503050406030204" pitchFamily="18" charset="0"/>
+                                </a:rPr>
+                                <m:t>=</m:t>
+                              </m:r>
+                              <m:r>
+                                <a:rPr lang="en-US" i="1">
+                                  <a:latin typeface="Cambria Math" panose="02040503050406030204" pitchFamily="18" charset="0"/>
+                                </a:rPr>
+                                <m:t>𝟘</m:t>
+                              </m:r>
+                            </m:oMath>
+                          </a14:m>
+                          <a:r>
+                            <a:rPr lang="en-US" dirty="0" smtClean="0"/>
+                            <a:t>)</a:t>
+                          </a:r>
                           <a:endParaRPr lang="en-US" dirty="0"/>
                         </a:p>
                       </a:txBody>
@@ -4792,14 +6444,14 @@
                 <p:ph idx="1"/>
                 <p:extLst>
                   <p:ext uri="{D42A27DB-BD31-4B8C-83A1-F6EECF244321}">
-                    <p14:modId xmlns:p14="http://schemas.microsoft.com/office/powerpoint/2010/main" val="2198624936"/>
+                    <p14:modId xmlns:p14="http://schemas.microsoft.com/office/powerpoint/2010/main" val="1752340204"/>
                   </p:ext>
                 </p:extLst>
               </p:nvPr>
             </p:nvGraphicFramePr>
             <p:xfrm>
               <a:off x="838200" y="1825625"/>
-              <a:ext cx="10515600" cy="2565400"/>
+              <a:ext cx="10515600" cy="3662680"/>
             </p:xfrm>
             <a:graphic>
               <a:graphicData uri="http://schemas.openxmlformats.org/drawingml/2006/table">
@@ -4879,7 +6531,7 @@
                         <a:blipFill rotWithShape="0">
                           <a:blip r:embed="rId2"/>
                           <a:stretch>
-                            <a:fillRect l="-100000" t="-44000" r="-100521" b="-142000"/>
+                            <a:fillRect l="-100000" t="-44000" r="-100521" b="-270667"/>
                           </a:stretch>
                         </a:blipFill>
                       </a:tcPr>
@@ -4896,13 +6548,13 @@
                         <a:blipFill rotWithShape="0">
                           <a:blip r:embed="rId2"/>
                           <a:stretch>
-                            <a:fillRect l="-200348" t="-44000" r="-696" b="-142000"/>
+                            <a:fillRect l="-200348" t="-44000" r="-696" b="-270667"/>
                           </a:stretch>
                         </a:blipFill>
                       </a:tcPr>
                     </a:tc>
                   </a:tr>
-                  <a:tr h="640080">
+                  <a:tr h="1188720">
                     <a:tc>
                       <a:txBody>
                         <a:bodyPr/>
@@ -4915,7 +6567,7 @@
                         <a:blipFill rotWithShape="0">
                           <a:blip r:embed="rId2"/>
                           <a:stretch>
-                            <a:fillRect l="-174" t="-203774" r="-200870" b="-100943"/>
+                            <a:fillRect l="-174" t="-110204" r="-200870" b="-107143"/>
                           </a:stretch>
                         </a:blipFill>
                       </a:tcPr>
@@ -4932,37 +6584,7 @@
                         <a:blipFill rotWithShape="0">
                           <a:blip r:embed="rId2"/>
                           <a:stretch>
-                            <a:fillRect l="-100000" t="-203774" r="-100521" b="-100943"/>
-                          </a:stretch>
-                        </a:blipFill>
-                      </a:tcPr>
-                    </a:tc>
-                    <a:tc>
-                      <a:txBody>
-                        <a:bodyPr/>
-                        <a:lstStyle/>
-                        <a:p>
-                          <a:pPr algn="ctr"/>
-                          <a:endParaRPr lang="en-US" dirty="0"/>
-                        </a:p>
-                      </a:txBody>
-                      <a:tcPr anchor="ctr"/>
-                    </a:tc>
-                  </a:tr>
-                  <a:tr h="640080">
-                    <a:tc>
-                      <a:txBody>
-                        <a:bodyPr/>
-                        <a:lstStyle/>
-                        <a:p>
-                          <a:endParaRPr lang="en-US"/>
-                        </a:p>
-                      </a:txBody>
-                      <a:tcPr anchor="ctr">
-                        <a:blipFill rotWithShape="0">
-                          <a:blip r:embed="rId2"/>
-                          <a:stretch>
-                            <a:fillRect l="-174" t="-306667" r="-200870" b="-1905"/>
+                            <a:fillRect l="-100000" t="-110204" r="-100521" b="-107143"/>
                           </a:stretch>
                         </a:blipFill>
                       </a:tcPr>
@@ -4979,7 +6601,26 @@
                         <a:blipFill rotWithShape="0">
                           <a:blip r:embed="rId2"/>
                           <a:stretch>
-                            <a:fillRect l="-100000" t="-306667" r="-100521" b="-1905"/>
+                            <a:fillRect l="-200348" t="-110204" r="-696" b="-107143"/>
+                          </a:stretch>
+                        </a:blipFill>
+                      </a:tcPr>
+                    </a:tc>
+                  </a:tr>
+                  <a:tr h="1188720">
+                    <a:tc>
+                      <a:txBody>
+                        <a:bodyPr/>
+                        <a:lstStyle/>
+                        <a:p>
+                          <a:endParaRPr lang="en-US"/>
+                        </a:p>
+                      </a:txBody>
+                      <a:tcPr anchor="ctr">
+                        <a:blipFill rotWithShape="0">
+                          <a:blip r:embed="rId2"/>
+                          <a:stretch>
+                            <a:fillRect l="-174" t="-211282" r="-200870" b="-7692"/>
                           </a:stretch>
                         </a:blipFill>
                       </a:tcPr>
@@ -4989,11 +6630,34 @@
                         <a:bodyPr/>
                         <a:lstStyle/>
                         <a:p>
-                          <a:pPr algn="ctr"/>
-                          <a:endParaRPr lang="en-US" dirty="0"/>
+                          <a:endParaRPr lang="en-US"/>
                         </a:p>
                       </a:txBody>
-                      <a:tcPr anchor="ctr"/>
+                      <a:tcPr anchor="ctr">
+                        <a:blipFill rotWithShape="0">
+                          <a:blip r:embed="rId2"/>
+                          <a:stretch>
+                            <a:fillRect l="-100000" t="-211282" r="-100521" b="-7692"/>
+                          </a:stretch>
+                        </a:blipFill>
+                      </a:tcPr>
+                    </a:tc>
+                    <a:tc>
+                      <a:txBody>
+                        <a:bodyPr/>
+                        <a:lstStyle/>
+                        <a:p>
+                          <a:endParaRPr lang="en-US"/>
+                        </a:p>
+                      </a:txBody>
+                      <a:tcPr anchor="ctr">
+                        <a:blipFill rotWithShape="0">
+                          <a:blip r:embed="rId2"/>
+                          <a:stretch>
+                            <a:fillRect l="-200348" t="-211282" r="-696" b="-7692"/>
+                          </a:stretch>
+                        </a:blipFill>
+                      </a:tcPr>
                     </a:tc>
                   </a:tr>
                 </a:tbl>
@@ -5056,7 +6720,62 @@
           <a:p>
             <a:r>
               <a:rPr lang="en-US" dirty="0" smtClean="0"/>
-              <a:t>Quantum Interval-Valued Probability Measure (QIVPM)</a:t>
+              <a:t>From </a:t>
+            </a:r>
+            <a:r>
+              <a:rPr lang="en-US" dirty="0" smtClean="0">
+                <a:solidFill>
+                  <a:srgbClr val="FF0000"/>
+                </a:solidFill>
+              </a:rPr>
+              <a:t>Classical</a:t>
+            </a:r>
+            <a:r>
+              <a:rPr lang="en-US" dirty="0" smtClean="0"/>
+              <a:t> to </a:t>
+            </a:r>
+            <a:r>
+              <a:rPr lang="en-US" dirty="0" smtClean="0">
+                <a:solidFill>
+                  <a:srgbClr val="FF0000"/>
+                </a:solidFill>
+              </a:rPr>
+              <a:t>Quantum</a:t>
+            </a:r>
+            <a:endParaRPr lang="en-US" dirty="0">
+              <a:solidFill>
+                <a:srgbClr val="FF0000"/>
+              </a:solidFill>
+            </a:endParaRPr>
+          </a:p>
+        </p:txBody>
+      </p:sp>
+      <p:sp>
+        <p:nvSpPr>
+          <p:cNvPr id="3" name="Text Placeholder 2"/>
+          <p:cNvSpPr>
+            <a:spLocks noGrp="1"/>
+          </p:cNvSpPr>
+          <p:nvPr>
+            <p:ph type="body" idx="1"/>
+          </p:nvPr>
+        </p:nvSpPr>
+        <p:spPr/>
+        <p:txBody>
+          <a:bodyPr/>
+          <a:lstStyle/>
+          <a:p>
+            <a:r>
+              <a:rPr lang="en-US" dirty="0" smtClean="0">
+                <a:solidFill>
+                  <a:srgbClr val="FF0000"/>
+                </a:solidFill>
+              </a:rPr>
+              <a:t>Classical</a:t>
+            </a:r>
+            <a:r>
+              <a:rPr lang="en-US" dirty="0" smtClean="0"/>
+              <a:t> Real-Valued Probability Measure</a:t>
             </a:r>
             <a:endParaRPr lang="en-US" dirty="0"/>
           </a:p>
@@ -5064,6 +6783,1880 @@
       </p:sp>
       <mc:AlternateContent xmlns:mc="http://schemas.openxmlformats.org/markup-compatibility/2006">
         <mc:Choice xmlns:a14="http://schemas.microsoft.com/office/drawing/2010/main" Requires="a14">
+          <p:sp>
+            <p:nvSpPr>
+              <p:cNvPr id="4" name="Content Placeholder 3"/>
+              <p:cNvSpPr>
+                <a:spLocks noGrp="1"/>
+              </p:cNvSpPr>
+              <p:nvPr>
+                <p:ph sz="half" idx="2"/>
+              </p:nvPr>
+            </p:nvSpPr>
+            <p:spPr/>
+            <p:txBody>
+              <a:bodyPr>
+                <a:normAutofit fontScale="92500" lnSpcReduction="10000"/>
+              </a:bodyPr>
+              <a:lstStyle/>
+              <a:p>
+                <a14:m>
+                  <m:oMath xmlns:m="http://schemas.openxmlformats.org/officeDocument/2006/math">
+                    <m:r>
+                      <a:rPr lang="en-US" i="1" smtClean="0">
+                        <a:latin typeface="Cambria Math" panose="02040503050406030204" pitchFamily="18" charset="0"/>
+                        <a:ea typeface="Cambria Math" panose="02040503050406030204" pitchFamily="18" charset="0"/>
+                      </a:rPr>
+                      <m:t>ℰ</m:t>
+                    </m:r>
+                    <m:r>
+                      <a:rPr lang="en-US">
+                        <a:latin typeface="Cambria Math" panose="02040503050406030204" pitchFamily="18" charset="0"/>
+                        <a:ea typeface="Cambria Math" panose="02040503050406030204" pitchFamily="18" charset="0"/>
+                      </a:rPr>
+                      <m:t>=</m:t>
+                    </m:r>
+                    <m:sSup>
+                      <m:sSupPr>
+                        <m:ctrlPr>
+                          <a:rPr lang="en-US" i="1">
+                            <a:solidFill>
+                              <a:srgbClr val="FF0000"/>
+                            </a:solidFill>
+                            <a:latin typeface="Cambria Math" panose="02040503050406030204" pitchFamily="18" charset="0"/>
+                            <a:ea typeface="Cambria Math" panose="02040503050406030204" pitchFamily="18" charset="0"/>
+                          </a:rPr>
+                        </m:ctrlPr>
+                      </m:sSupPr>
+                      <m:e>
+                        <m:r>
+                          <a:rPr lang="en-US">
+                            <a:solidFill>
+                              <a:srgbClr val="FF0000"/>
+                            </a:solidFill>
+                            <a:latin typeface="Cambria Math" panose="02040503050406030204" pitchFamily="18" charset="0"/>
+                            <a:ea typeface="Cambria Math" panose="02040503050406030204" pitchFamily="18" charset="0"/>
+                          </a:rPr>
+                          <m:t>2</m:t>
+                        </m:r>
+                      </m:e>
+                      <m:sup>
+                        <m:r>
+                          <m:rPr>
+                            <m:sty m:val="p"/>
+                          </m:rPr>
+                          <a:rPr lang="el-GR" i="1">
+                            <a:solidFill>
+                              <a:srgbClr val="FF0000"/>
+                            </a:solidFill>
+                            <a:latin typeface="Cambria Math" panose="02040503050406030204" pitchFamily="18" charset="0"/>
+                            <a:ea typeface="Cambria Math" panose="02040503050406030204" pitchFamily="18" charset="0"/>
+                          </a:rPr>
+                          <m:t>Ω</m:t>
+                        </m:r>
+                      </m:sup>
+                    </m:sSup>
+                  </m:oMath>
+                </a14:m>
+                <a:endParaRPr lang="en-US" dirty="0" smtClean="0"/>
+              </a:p>
+              <a:p>
+                <a14:m>
+                  <m:oMath xmlns:m="http://schemas.openxmlformats.org/officeDocument/2006/math">
+                    <m:r>
+                      <a:rPr lang="en-US" i="1">
+                        <a:latin typeface="Cambria Math" panose="02040503050406030204" pitchFamily="18" charset="0"/>
+                      </a:rPr>
+                      <m:t>𝜇</m:t>
+                    </m:r>
+                    <m:r>
+                      <a:rPr lang="en-US" i="1">
+                        <a:latin typeface="Cambria Math" panose="02040503050406030204" pitchFamily="18" charset="0"/>
+                      </a:rPr>
+                      <m:t>:</m:t>
+                    </m:r>
+                    <m:r>
+                      <a:rPr lang="en-US" i="1">
+                        <a:latin typeface="Cambria Math" panose="02040503050406030204" pitchFamily="18" charset="0"/>
+                        <a:ea typeface="Cambria Math" panose="02040503050406030204" pitchFamily="18" charset="0"/>
+                      </a:rPr>
+                      <m:t>ℰ</m:t>
+                    </m:r>
+                    <m:r>
+                      <a:rPr lang="en-US">
+                        <a:latin typeface="Cambria Math" panose="02040503050406030204" pitchFamily="18" charset="0"/>
+                        <a:ea typeface="Cambria Math" panose="02040503050406030204" pitchFamily="18" charset="0"/>
+                      </a:rPr>
+                      <m:t>→</m:t>
+                    </m:r>
+                    <m:d>
+                      <m:dPr>
+                        <m:begChr m:val="["/>
+                        <m:endChr m:val="]"/>
+                        <m:ctrlPr>
+                          <a:rPr lang="en-US" i="1" smtClean="0">
+                            <a:solidFill>
+                              <a:schemeClr val="tx1"/>
+                            </a:solidFill>
+                            <a:latin typeface="Cambria Math" panose="02040503050406030204" pitchFamily="18" charset="0"/>
+                            <a:ea typeface="Cambria Math" panose="02040503050406030204" pitchFamily="18" charset="0"/>
+                          </a:rPr>
+                        </m:ctrlPr>
+                      </m:dPr>
+                      <m:e>
+                        <m:r>
+                          <a:rPr lang="en-US" i="1">
+                            <a:solidFill>
+                              <a:schemeClr val="tx1"/>
+                            </a:solidFill>
+                            <a:latin typeface="Cambria Math" panose="02040503050406030204" pitchFamily="18" charset="0"/>
+                            <a:ea typeface="Cambria Math" panose="02040503050406030204" pitchFamily="18" charset="0"/>
+                          </a:rPr>
+                          <m:t>0,1</m:t>
+                        </m:r>
+                      </m:e>
+                    </m:d>
+                  </m:oMath>
+                </a14:m>
+                <a:endParaRPr lang="en-US" i="1" dirty="0" smtClean="0">
+                  <a:solidFill>
+                    <a:schemeClr val="accent2"/>
+                  </a:solidFill>
+                  <a:latin typeface="Cambria Math" panose="02040503050406030204" pitchFamily="18" charset="0"/>
+                  <a:ea typeface="Cambria Math" panose="02040503050406030204" pitchFamily="18" charset="0"/>
+                </a:endParaRPr>
+              </a:p>
+              <a:p>
+                <a14:m>
+                  <m:oMath xmlns:m="http://schemas.openxmlformats.org/officeDocument/2006/math">
+                    <m:r>
+                      <a:rPr lang="en-US" i="1">
+                        <a:latin typeface="Cambria Math" panose="02040503050406030204" pitchFamily="18" charset="0"/>
+                      </a:rPr>
+                      <m:t>𝜇</m:t>
+                    </m:r>
+                    <m:d>
+                      <m:dPr>
+                        <m:ctrlPr>
+                          <a:rPr lang="en-US" i="1">
+                            <a:latin typeface="Cambria Math" panose="02040503050406030204" pitchFamily="18" charset="0"/>
+                          </a:rPr>
+                        </m:ctrlPr>
+                      </m:dPr>
+                      <m:e>
+                        <m:r>
+                          <a:rPr lang="en-US" i="1" smtClean="0">
+                            <a:solidFill>
+                              <a:srgbClr val="FF0000"/>
+                            </a:solidFill>
+                            <a:latin typeface="Cambria Math" panose="02040503050406030204" pitchFamily="18" charset="0"/>
+                            <a:ea typeface="Cambria Math" panose="02040503050406030204" pitchFamily="18" charset="0"/>
+                          </a:rPr>
+                          <m:t>∅</m:t>
+                        </m:r>
+                      </m:e>
+                    </m:d>
+                    <m:r>
+                      <a:rPr lang="en-US" i="1">
+                        <a:latin typeface="Cambria Math" panose="02040503050406030204" pitchFamily="18" charset="0"/>
+                      </a:rPr>
+                      <m:t>=</m:t>
+                    </m:r>
+                    <m:r>
+                      <a:rPr lang="en-US" i="1">
+                        <a:latin typeface="Cambria Math" panose="02040503050406030204" pitchFamily="18" charset="0"/>
+                      </a:rPr>
+                      <m:t>0</m:t>
+                    </m:r>
+                  </m:oMath>
+                </a14:m>
+                <a:r>
+                  <a:rPr lang="en-US" dirty="0"/>
+                  <a:t>.</a:t>
+                </a:r>
+                <a:endParaRPr lang="en-US" dirty="0"/>
+              </a:p>
+              <a:p>
+                <a14:m>
+                  <m:oMath xmlns:m="http://schemas.openxmlformats.org/officeDocument/2006/math">
+                    <m:r>
+                      <a:rPr lang="en-US" i="1">
+                        <a:latin typeface="Cambria Math" panose="02040503050406030204" pitchFamily="18" charset="0"/>
+                      </a:rPr>
+                      <m:t>𝜇</m:t>
+                    </m:r>
+                    <m:d>
+                      <m:dPr>
+                        <m:ctrlPr>
+                          <a:rPr lang="en-US" i="1">
+                            <a:latin typeface="Cambria Math" panose="02040503050406030204" pitchFamily="18" charset="0"/>
+                          </a:rPr>
+                        </m:ctrlPr>
+                      </m:dPr>
+                      <m:e>
+                        <m:r>
+                          <m:rPr>
+                            <m:sty m:val="p"/>
+                          </m:rPr>
+                          <a:rPr lang="el-GR" i="1">
+                            <a:solidFill>
+                              <a:srgbClr val="FF0000"/>
+                            </a:solidFill>
+                            <a:latin typeface="Cambria Math" panose="02040503050406030204" pitchFamily="18" charset="0"/>
+                            <a:ea typeface="Cambria Math" panose="02040503050406030204" pitchFamily="18" charset="0"/>
+                          </a:rPr>
+                          <m:t>Ω</m:t>
+                        </m:r>
+                      </m:e>
+                    </m:d>
+                    <m:r>
+                      <a:rPr lang="en-US" i="1">
+                        <a:latin typeface="Cambria Math" panose="02040503050406030204" pitchFamily="18" charset="0"/>
+                      </a:rPr>
+                      <m:t>=</m:t>
+                    </m:r>
+                    <m:r>
+                      <a:rPr lang="en-US" i="1">
+                        <a:latin typeface="Cambria Math" panose="02040503050406030204" pitchFamily="18" charset="0"/>
+                      </a:rPr>
+                      <m:t>1</m:t>
+                    </m:r>
+                  </m:oMath>
+                </a14:m>
+                <a:r>
+                  <a:rPr lang="en-US" dirty="0"/>
+                  <a:t>.</a:t>
+                </a:r>
+                <a:endParaRPr lang="en-US" dirty="0"/>
+              </a:p>
+              <a:p>
+                <a:r>
+                  <a:rPr lang="en-US" dirty="0"/>
+                  <a:t>For any </a:t>
+                </a:r>
+                <a:r>
+                  <a:rPr lang="en-US" dirty="0" smtClean="0"/>
+                  <a:t>event</a:t>
+                </a:r>
+                <a:r>
+                  <a:rPr lang="en-US" dirty="0"/>
+                  <a:t> </a:t>
+                </a:r>
+                <a14:m>
+                  <m:oMath xmlns:m="http://schemas.openxmlformats.org/officeDocument/2006/math">
+                    <m:r>
+                      <a:rPr lang="en-US" b="0" i="1" smtClean="0">
+                        <a:latin typeface="Cambria Math" panose="02040503050406030204" pitchFamily="18" charset="0"/>
+                      </a:rPr>
+                      <m:t>𝐸</m:t>
+                    </m:r>
+                  </m:oMath>
+                </a14:m>
+                <a:r>
+                  <a:rPr lang="en-US" dirty="0"/>
+                  <a:t>,</a:t>
+                </a:r>
+                <a:r>
+                  <a:rPr lang="en-US" dirty="0" smtClean="0"/>
+                  <a:t> </a:t>
+                </a:r>
+                <a:br>
+                  <a:rPr lang="en-US" dirty="0" smtClean="0"/>
+                </a:br>
+                <a14:m>
+                  <m:oMath xmlns:m="http://schemas.openxmlformats.org/officeDocument/2006/math">
+                    <m:r>
+                      <a:rPr lang="en-US" i="1">
+                        <a:latin typeface="Cambria Math" panose="02040503050406030204" pitchFamily="18" charset="0"/>
+                      </a:rPr>
+                      <m:t>𝜇</m:t>
+                    </m:r>
+                    <m:d>
+                      <m:dPr>
+                        <m:ctrlPr>
+                          <a:rPr lang="en-US" i="1">
+                            <a:latin typeface="Cambria Math" panose="02040503050406030204" pitchFamily="18" charset="0"/>
+                          </a:rPr>
+                        </m:ctrlPr>
+                      </m:dPr>
+                      <m:e>
+                        <m:r>
+                          <m:rPr>
+                            <m:sty m:val="p"/>
+                          </m:rPr>
+                          <a:rPr lang="el-GR" i="1" smtClean="0">
+                            <a:solidFill>
+                              <a:srgbClr val="FF0000"/>
+                            </a:solidFill>
+                            <a:latin typeface="Cambria Math" panose="02040503050406030204" pitchFamily="18" charset="0"/>
+                            <a:ea typeface="Cambria Math" panose="02040503050406030204" pitchFamily="18" charset="0"/>
+                          </a:rPr>
+                          <m:t>Ω</m:t>
+                        </m:r>
+                        <m:r>
+                          <a:rPr lang="en-US" b="0" i="1" smtClean="0">
+                            <a:solidFill>
+                              <a:srgbClr val="FF0000"/>
+                            </a:solidFill>
+                            <a:latin typeface="Cambria Math" panose="02040503050406030204" pitchFamily="18" charset="0"/>
+                          </a:rPr>
+                          <m:t>\</m:t>
+                        </m:r>
+                        <m:r>
+                          <a:rPr lang="en-US" b="0" i="1" smtClean="0">
+                            <a:latin typeface="Cambria Math" panose="02040503050406030204" pitchFamily="18" charset="0"/>
+                          </a:rPr>
+                          <m:t>𝐸</m:t>
+                        </m:r>
+                      </m:e>
+                    </m:d>
+                    <m:r>
+                      <a:rPr lang="en-US" i="1">
+                        <a:latin typeface="Cambria Math" panose="02040503050406030204" pitchFamily="18" charset="0"/>
+                      </a:rPr>
+                      <m:t>=</m:t>
+                    </m:r>
+                    <m:r>
+                      <a:rPr lang="en-US" i="1">
+                        <a:latin typeface="Cambria Math" panose="02040503050406030204" pitchFamily="18" charset="0"/>
+                      </a:rPr>
+                      <m:t>1</m:t>
+                    </m:r>
+                    <m:r>
+                      <a:rPr lang="en-US" i="1">
+                        <a:latin typeface="Cambria Math" panose="02040503050406030204" pitchFamily="18" charset="0"/>
+                      </a:rPr>
+                      <m:t>−</m:t>
+                    </m:r>
+                    <m:r>
+                      <a:rPr lang="en-US" i="1">
+                        <a:latin typeface="Cambria Math" panose="02040503050406030204" pitchFamily="18" charset="0"/>
+                      </a:rPr>
+                      <m:t>𝜇</m:t>
+                    </m:r>
+                    <m:d>
+                      <m:dPr>
+                        <m:ctrlPr>
+                          <a:rPr lang="en-US" i="1">
+                            <a:latin typeface="Cambria Math" panose="02040503050406030204" pitchFamily="18" charset="0"/>
+                          </a:rPr>
+                        </m:ctrlPr>
+                      </m:dPr>
+                      <m:e>
+                        <m:r>
+                          <a:rPr lang="en-US" b="0" i="1" smtClean="0">
+                            <a:latin typeface="Cambria Math" panose="02040503050406030204" pitchFamily="18" charset="0"/>
+                          </a:rPr>
+                          <m:t>𝐸</m:t>
+                        </m:r>
+                      </m:e>
+                    </m:d>
+                    <m:r>
+                      <a:rPr lang="en-US" b="0" i="1" smtClean="0">
+                        <a:latin typeface="Cambria Math" panose="02040503050406030204" pitchFamily="18" charset="0"/>
+                      </a:rPr>
+                      <m:t> .</m:t>
+                    </m:r>
+                  </m:oMath>
+                </a14:m>
+                <a:endParaRPr lang="en-US" dirty="0"/>
+              </a:p>
+              <a:p>
+                <a:r>
+                  <a:rPr lang="en-US" dirty="0" smtClean="0"/>
+                  <a:t>For </a:t>
+                </a:r>
+                <a:r>
+                  <a:rPr lang="en-US" dirty="0">
+                    <a:solidFill>
+                      <a:srgbClr val="FF0000"/>
+                    </a:solidFill>
+                  </a:rPr>
+                  <a:t>disjoint</a:t>
+                </a:r>
+                <a:r>
+                  <a:rPr lang="en-US" dirty="0"/>
+                  <a:t> events </a:t>
+                </a:r>
+                <a14:m>
+                  <m:oMath xmlns:m="http://schemas.openxmlformats.org/officeDocument/2006/math">
+                    <m:sSub>
+                      <m:sSubPr>
+                        <m:ctrlPr>
+                          <a:rPr lang="en-US" i="1">
+                            <a:latin typeface="Cambria Math" panose="02040503050406030204" pitchFamily="18" charset="0"/>
+                          </a:rPr>
+                        </m:ctrlPr>
+                      </m:sSubPr>
+                      <m:e>
+                        <m:r>
+                          <a:rPr lang="en-US" i="1">
+                            <a:latin typeface="Cambria Math" panose="02040503050406030204" pitchFamily="18" charset="0"/>
+                          </a:rPr>
+                          <m:t>𝐸</m:t>
+                        </m:r>
+                      </m:e>
+                      <m:sub>
+                        <m:r>
+                          <a:rPr lang="en-US" i="1">
+                            <a:latin typeface="Cambria Math" panose="02040503050406030204" pitchFamily="18" charset="0"/>
+                          </a:rPr>
+                          <m:t>0</m:t>
+                        </m:r>
+                      </m:sub>
+                    </m:sSub>
+                  </m:oMath>
+                </a14:m>
+                <a:r>
+                  <a:rPr lang="en-US" dirty="0"/>
+                  <a:t> and </a:t>
+                </a:r>
+                <a14:m>
+                  <m:oMath xmlns:m="http://schemas.openxmlformats.org/officeDocument/2006/math">
+                    <m:sSub>
+                      <m:sSubPr>
+                        <m:ctrlPr>
+                          <a:rPr lang="en-US" i="1">
+                            <a:latin typeface="Cambria Math" panose="02040503050406030204" pitchFamily="18" charset="0"/>
+                          </a:rPr>
+                        </m:ctrlPr>
+                      </m:sSubPr>
+                      <m:e>
+                        <m:r>
+                          <a:rPr lang="en-US" i="1">
+                            <a:latin typeface="Cambria Math" panose="02040503050406030204" pitchFamily="18" charset="0"/>
+                          </a:rPr>
+                          <m:t>𝐸</m:t>
+                        </m:r>
+                      </m:e>
+                      <m:sub>
+                        <m:r>
+                          <a:rPr lang="en-US" i="1">
+                            <a:latin typeface="Cambria Math" panose="02040503050406030204" pitchFamily="18" charset="0"/>
+                          </a:rPr>
+                          <m:t>1</m:t>
+                        </m:r>
+                      </m:sub>
+                    </m:sSub>
+                  </m:oMath>
+                </a14:m>
+                <a:r>
+                  <a:rPr lang="en-US" dirty="0" smtClean="0"/>
+                  <a:t> (</a:t>
+                </a:r>
+                <a14:m>
+                  <m:oMath xmlns:m="http://schemas.openxmlformats.org/officeDocument/2006/math">
+                    <m:sSub>
+                      <m:sSubPr>
+                        <m:ctrlPr>
+                          <a:rPr lang="en-US" i="1" smtClean="0">
+                            <a:solidFill>
+                              <a:srgbClr val="FF0000"/>
+                            </a:solidFill>
+                            <a:latin typeface="Cambria Math" panose="02040503050406030204" pitchFamily="18" charset="0"/>
+                          </a:rPr>
+                        </m:ctrlPr>
+                      </m:sSubPr>
+                      <m:e>
+                        <m:r>
+                          <a:rPr lang="en-US" i="1">
+                            <a:solidFill>
+                              <a:srgbClr val="FF0000"/>
+                            </a:solidFill>
+                            <a:latin typeface="Cambria Math" panose="02040503050406030204" pitchFamily="18" charset="0"/>
+                          </a:rPr>
+                          <m:t>𝐸</m:t>
+                        </m:r>
+                      </m:e>
+                      <m:sub>
+                        <m:r>
+                          <a:rPr lang="en-US" i="1">
+                            <a:solidFill>
+                              <a:srgbClr val="FF0000"/>
+                            </a:solidFill>
+                            <a:latin typeface="Cambria Math" panose="02040503050406030204" pitchFamily="18" charset="0"/>
+                          </a:rPr>
+                          <m:t>0</m:t>
+                        </m:r>
+                      </m:sub>
+                    </m:sSub>
+                    <m:r>
+                      <a:rPr lang="en-US" b="0" i="1" smtClean="0">
+                        <a:solidFill>
+                          <a:srgbClr val="FF0000"/>
+                        </a:solidFill>
+                        <a:latin typeface="Cambria Math" panose="02040503050406030204" pitchFamily="18" charset="0"/>
+                      </a:rPr>
+                      <m:t>∩</m:t>
+                    </m:r>
+                    <m:sSub>
+                      <m:sSubPr>
+                        <m:ctrlPr>
+                          <a:rPr lang="en-US" i="1">
+                            <a:solidFill>
+                              <a:srgbClr val="FF0000"/>
+                            </a:solidFill>
+                            <a:latin typeface="Cambria Math" panose="02040503050406030204" pitchFamily="18" charset="0"/>
+                          </a:rPr>
+                        </m:ctrlPr>
+                      </m:sSubPr>
+                      <m:e>
+                        <m:r>
+                          <a:rPr lang="en-US" i="1">
+                            <a:solidFill>
+                              <a:srgbClr val="FF0000"/>
+                            </a:solidFill>
+                            <a:latin typeface="Cambria Math" panose="02040503050406030204" pitchFamily="18" charset="0"/>
+                          </a:rPr>
+                          <m:t>𝐸</m:t>
+                        </m:r>
+                      </m:e>
+                      <m:sub>
+                        <m:r>
+                          <a:rPr lang="en-US" b="0" i="1" smtClean="0">
+                            <a:solidFill>
+                              <a:srgbClr val="FF0000"/>
+                            </a:solidFill>
+                            <a:latin typeface="Cambria Math" panose="02040503050406030204" pitchFamily="18" charset="0"/>
+                          </a:rPr>
+                          <m:t>1</m:t>
+                        </m:r>
+                      </m:sub>
+                    </m:sSub>
+                    <m:r>
+                      <a:rPr lang="en-US" b="0" i="1" smtClean="0">
+                        <a:solidFill>
+                          <a:srgbClr val="FF0000"/>
+                        </a:solidFill>
+                        <a:latin typeface="Cambria Math" panose="02040503050406030204" pitchFamily="18" charset="0"/>
+                      </a:rPr>
+                      <m:t>=</m:t>
+                    </m:r>
+                    <m:r>
+                      <a:rPr lang="en-US" i="1">
+                        <a:solidFill>
+                          <a:srgbClr val="FF0000"/>
+                        </a:solidFill>
+                        <a:latin typeface="Cambria Math" panose="02040503050406030204" pitchFamily="18" charset="0"/>
+                        <a:ea typeface="Cambria Math" panose="02040503050406030204" pitchFamily="18" charset="0"/>
+                      </a:rPr>
+                      <m:t>∅</m:t>
+                    </m:r>
+                  </m:oMath>
+                </a14:m>
+                <a:r>
+                  <a:rPr lang="en-US" dirty="0" smtClean="0"/>
+                  <a:t>), </a:t>
+                </a:r>
+                <a:br>
+                  <a:rPr lang="en-US" dirty="0" smtClean="0"/>
+                </a:br>
+                <a14:m>
+                  <m:oMath xmlns:m="http://schemas.openxmlformats.org/officeDocument/2006/math">
+                    <m:r>
+                      <a:rPr lang="en-US" i="1">
+                        <a:latin typeface="Cambria Math" panose="02040503050406030204" pitchFamily="18" charset="0"/>
+                      </a:rPr>
+                      <m:t>𝜇</m:t>
+                    </m:r>
+                    <m:d>
+                      <m:dPr>
+                        <m:ctrlPr>
+                          <a:rPr lang="en-US" i="1">
+                            <a:latin typeface="Cambria Math" panose="02040503050406030204" pitchFamily="18" charset="0"/>
+                          </a:rPr>
+                        </m:ctrlPr>
+                      </m:dPr>
+                      <m:e>
+                        <m:sSub>
+                          <m:sSubPr>
+                            <m:ctrlPr>
+                              <a:rPr lang="en-US" i="1">
+                                <a:latin typeface="Cambria Math" panose="02040503050406030204" pitchFamily="18" charset="0"/>
+                              </a:rPr>
+                            </m:ctrlPr>
+                          </m:sSubPr>
+                          <m:e>
+                            <m:r>
+                              <a:rPr lang="en-US" i="1">
+                                <a:latin typeface="Cambria Math" panose="02040503050406030204" pitchFamily="18" charset="0"/>
+                              </a:rPr>
+                              <m:t>𝐸</m:t>
+                            </m:r>
+                          </m:e>
+                          <m:sub>
+                            <m:r>
+                              <a:rPr lang="en-US" i="1">
+                                <a:latin typeface="Cambria Math" panose="02040503050406030204" pitchFamily="18" charset="0"/>
+                              </a:rPr>
+                              <m:t>0</m:t>
+                            </m:r>
+                          </m:sub>
+                        </m:sSub>
+                        <m:r>
+                          <a:rPr lang="en-US" i="1">
+                            <a:solidFill>
+                              <a:srgbClr val="FF0000"/>
+                            </a:solidFill>
+                            <a:latin typeface="Cambria Math" panose="02040503050406030204" pitchFamily="18" charset="0"/>
+                          </a:rPr>
+                          <m:t>∪</m:t>
+                        </m:r>
+                        <m:sSub>
+                          <m:sSubPr>
+                            <m:ctrlPr>
+                              <a:rPr lang="en-US" i="1">
+                                <a:latin typeface="Cambria Math" panose="02040503050406030204" pitchFamily="18" charset="0"/>
+                              </a:rPr>
+                            </m:ctrlPr>
+                          </m:sSubPr>
+                          <m:e>
+                            <m:r>
+                              <a:rPr lang="en-US" i="1">
+                                <a:latin typeface="Cambria Math" panose="02040503050406030204" pitchFamily="18" charset="0"/>
+                              </a:rPr>
+                              <m:t>𝐸</m:t>
+                            </m:r>
+                          </m:e>
+                          <m:sub>
+                            <m:r>
+                              <a:rPr lang="en-US" i="1">
+                                <a:latin typeface="Cambria Math" panose="02040503050406030204" pitchFamily="18" charset="0"/>
+                              </a:rPr>
+                              <m:t>1</m:t>
+                            </m:r>
+                          </m:sub>
+                        </m:sSub>
+                      </m:e>
+                    </m:d>
+                    <m:r>
+                      <a:rPr lang="en-US" i="1" smtClean="0">
+                        <a:solidFill>
+                          <a:schemeClr val="tx1"/>
+                        </a:solidFill>
+                        <a:latin typeface="Cambria Math" panose="02040503050406030204" pitchFamily="18" charset="0"/>
+                      </a:rPr>
+                      <m:t>=</m:t>
+                    </m:r>
+                    <m:r>
+                      <a:rPr lang="en-US" i="1">
+                        <a:latin typeface="Cambria Math" panose="02040503050406030204" pitchFamily="18" charset="0"/>
+                      </a:rPr>
+                      <m:t>𝜇</m:t>
+                    </m:r>
+                    <m:d>
+                      <m:dPr>
+                        <m:ctrlPr>
+                          <a:rPr lang="en-US" i="1">
+                            <a:latin typeface="Cambria Math" panose="02040503050406030204" pitchFamily="18" charset="0"/>
+                          </a:rPr>
+                        </m:ctrlPr>
+                      </m:dPr>
+                      <m:e>
+                        <m:sSub>
+                          <m:sSubPr>
+                            <m:ctrlPr>
+                              <a:rPr lang="en-US" i="1">
+                                <a:latin typeface="Cambria Math" panose="02040503050406030204" pitchFamily="18" charset="0"/>
+                              </a:rPr>
+                            </m:ctrlPr>
+                          </m:sSubPr>
+                          <m:e>
+                            <m:r>
+                              <a:rPr lang="en-US" i="1">
+                                <a:latin typeface="Cambria Math" panose="02040503050406030204" pitchFamily="18" charset="0"/>
+                              </a:rPr>
+                              <m:t>𝐸</m:t>
+                            </m:r>
+                          </m:e>
+                          <m:sub>
+                            <m:r>
+                              <a:rPr lang="en-US" i="1">
+                                <a:latin typeface="Cambria Math" panose="02040503050406030204" pitchFamily="18" charset="0"/>
+                              </a:rPr>
+                              <m:t>0</m:t>
+                            </m:r>
+                          </m:sub>
+                        </m:sSub>
+                      </m:e>
+                    </m:d>
+                    <m:r>
+                      <a:rPr lang="en-US" i="1">
+                        <a:latin typeface="Cambria Math" panose="02040503050406030204" pitchFamily="18" charset="0"/>
+                      </a:rPr>
+                      <m:t>+</m:t>
+                    </m:r>
+                    <m:r>
+                      <a:rPr lang="en-US" i="1">
+                        <a:latin typeface="Cambria Math" panose="02040503050406030204" pitchFamily="18" charset="0"/>
+                      </a:rPr>
+                      <m:t>𝜇</m:t>
+                    </m:r>
+                    <m:d>
+                      <m:dPr>
+                        <m:ctrlPr>
+                          <a:rPr lang="en-US" i="1">
+                            <a:latin typeface="Cambria Math" panose="02040503050406030204" pitchFamily="18" charset="0"/>
+                          </a:rPr>
+                        </m:ctrlPr>
+                      </m:dPr>
+                      <m:e>
+                        <m:sSub>
+                          <m:sSubPr>
+                            <m:ctrlPr>
+                              <a:rPr lang="en-US" i="1">
+                                <a:latin typeface="Cambria Math" panose="02040503050406030204" pitchFamily="18" charset="0"/>
+                              </a:rPr>
+                            </m:ctrlPr>
+                          </m:sSubPr>
+                          <m:e>
+                            <m:r>
+                              <a:rPr lang="en-US" i="1">
+                                <a:latin typeface="Cambria Math" panose="02040503050406030204" pitchFamily="18" charset="0"/>
+                              </a:rPr>
+                              <m:t>𝐸</m:t>
+                            </m:r>
+                          </m:e>
+                          <m:sub>
+                            <m:r>
+                              <a:rPr lang="en-US" i="1">
+                                <a:latin typeface="Cambria Math" panose="02040503050406030204" pitchFamily="18" charset="0"/>
+                              </a:rPr>
+                              <m:t>1</m:t>
+                            </m:r>
+                          </m:sub>
+                        </m:sSub>
+                      </m:e>
+                    </m:d>
+                    <m:r>
+                      <a:rPr lang="en-US" b="0" i="1" smtClean="0">
+                        <a:latin typeface="Cambria Math" panose="02040503050406030204" pitchFamily="18" charset="0"/>
+                      </a:rPr>
+                      <m:t> .</m:t>
+                    </m:r>
+                  </m:oMath>
+                </a14:m>
+                <a:endParaRPr lang="en-US" dirty="0"/>
+              </a:p>
+              <a:p>
+                <a:endParaRPr lang="en-US" dirty="0"/>
+              </a:p>
+            </p:txBody>
+          </p:sp>
+        </mc:Choice>
+        <mc:Fallback>
+          <p:sp>
+            <p:nvSpPr>
+              <p:cNvPr id="4" name="Content Placeholder 3"/>
+              <p:cNvSpPr>
+                <a:spLocks noGrp="1" noRot="1" noChangeAspect="1" noMove="1" noResize="1" noEditPoints="1" noAdjustHandles="1" noChangeArrowheads="1" noChangeShapeType="1" noTextEdit="1"/>
+              </p:cNvSpPr>
+              <p:nvPr>
+                <p:ph sz="half" idx="2"/>
+              </p:nvPr>
+            </p:nvSpPr>
+            <p:spPr>
+              <a:blipFill rotWithShape="0">
+                <a:blip r:embed="rId2"/>
+                <a:stretch>
+                  <a:fillRect l="-1891" b="-1159"/>
+                </a:stretch>
+              </a:blipFill>
+            </p:spPr>
+            <p:txBody>
+              <a:bodyPr/>
+              <a:lstStyle/>
+              <a:p>
+                <a:r>
+                  <a:rPr lang="en-US">
+                    <a:noFill/>
+                  </a:rPr>
+                  <a:t> </a:t>
+                </a:r>
+              </a:p>
+            </p:txBody>
+          </p:sp>
+        </mc:Fallback>
+      </mc:AlternateContent>
+      <p:sp>
+        <p:nvSpPr>
+          <p:cNvPr id="5" name="Text Placeholder 4"/>
+          <p:cNvSpPr>
+            <a:spLocks noGrp="1"/>
+          </p:cNvSpPr>
+          <p:nvPr>
+            <p:ph type="body" sz="quarter" idx="3"/>
+          </p:nvPr>
+        </p:nvSpPr>
+        <p:spPr/>
+        <p:txBody>
+          <a:bodyPr/>
+          <a:lstStyle/>
+          <a:p>
+            <a:r>
+              <a:rPr lang="en-US" dirty="0" smtClean="0">
+                <a:solidFill>
+                  <a:srgbClr val="FF0000"/>
+                </a:solidFill>
+              </a:rPr>
+              <a:t>Quantum</a:t>
+            </a:r>
+            <a:r>
+              <a:rPr lang="en-US" dirty="0" smtClean="0"/>
+              <a:t> </a:t>
+            </a:r>
+            <a:r>
+              <a:rPr lang="en-US" dirty="0"/>
+              <a:t>Real-Valued </a:t>
+            </a:r>
+            <a:r>
+              <a:rPr lang="en-US" dirty="0" smtClean="0"/>
+              <a:t>Probability Measure</a:t>
+            </a:r>
+            <a:endParaRPr lang="en-US" dirty="0"/>
+          </a:p>
+        </p:txBody>
+      </p:sp>
+      <mc:AlternateContent xmlns:mc="http://schemas.openxmlformats.org/markup-compatibility/2006">
+        <mc:Choice xmlns:a14="http://schemas.microsoft.com/office/drawing/2010/main" Requires="a14">
+          <p:sp>
+            <p:nvSpPr>
+              <p:cNvPr id="6" name="Content Placeholder 5"/>
+              <p:cNvSpPr>
+                <a:spLocks noGrp="1"/>
+              </p:cNvSpPr>
+              <p:nvPr>
+                <p:ph sz="quarter" idx="4"/>
+              </p:nvPr>
+            </p:nvSpPr>
+            <p:spPr/>
+            <p:txBody>
+              <a:bodyPr>
+                <a:normAutofit fontScale="77500" lnSpcReduction="20000"/>
+              </a:bodyPr>
+              <a:lstStyle/>
+              <a:p>
+                <a14:m>
+                  <m:oMath xmlns:m="http://schemas.openxmlformats.org/officeDocument/2006/math">
+                    <m:r>
+                      <a:rPr lang="en-US" i="1" smtClean="0">
+                        <a:latin typeface="Cambria Math" panose="02040503050406030204" pitchFamily="18" charset="0"/>
+                        <a:ea typeface="Cambria Math" panose="02040503050406030204" pitchFamily="18" charset="0"/>
+                      </a:rPr>
+                      <m:t>ℰ</m:t>
+                    </m:r>
+                    <m:r>
+                      <a:rPr lang="en-US" i="1" smtClean="0">
+                        <a:latin typeface="Cambria Math" panose="02040503050406030204" pitchFamily="18" charset="0"/>
+                        <a:ea typeface="Cambria Math" panose="02040503050406030204" pitchFamily="18" charset="0"/>
+                      </a:rPr>
+                      <m:t>={</m:t>
+                    </m:r>
+                    <m:r>
+                      <m:rPr>
+                        <m:nor/>
+                      </m:rPr>
+                      <a:rPr lang="en-US">
+                        <a:solidFill>
+                          <a:srgbClr val="FF0000"/>
+                        </a:solidFill>
+                        <a:latin typeface="Cambria Math" panose="02040503050406030204" pitchFamily="18" charset="0"/>
+                        <a:ea typeface="Cambria Math" panose="02040503050406030204" pitchFamily="18" charset="0"/>
+                      </a:rPr>
+                      <m:t>all</m:t>
+                    </m:r>
+                    <m:r>
+                      <m:rPr>
+                        <m:nor/>
+                      </m:rPr>
+                      <a:rPr lang="en-US">
+                        <a:solidFill>
+                          <a:srgbClr val="FF0000"/>
+                        </a:solidFill>
+                        <a:latin typeface="Cambria Math" panose="02040503050406030204" pitchFamily="18" charset="0"/>
+                        <a:ea typeface="Cambria Math" panose="02040503050406030204" pitchFamily="18" charset="0"/>
+                      </a:rPr>
+                      <m:t> </m:t>
+                    </m:r>
+                    <m:r>
+                      <m:rPr>
+                        <m:nor/>
+                      </m:rPr>
+                      <a:rPr lang="en-US">
+                        <a:solidFill>
+                          <a:srgbClr val="FF0000"/>
+                        </a:solidFill>
+                        <a:latin typeface="Cambria Math" panose="02040503050406030204" pitchFamily="18" charset="0"/>
+                        <a:ea typeface="Cambria Math" panose="02040503050406030204" pitchFamily="18" charset="0"/>
+                      </a:rPr>
+                      <m:t>projectors</m:t>
+                    </m:r>
+                    <m:r>
+                      <m:rPr>
+                        <m:nor/>
+                      </m:rPr>
+                      <a:rPr lang="en-US">
+                        <a:solidFill>
+                          <a:srgbClr val="FF0000"/>
+                        </a:solidFill>
+                        <a:latin typeface="Cambria Math" panose="02040503050406030204" pitchFamily="18" charset="0"/>
+                        <a:ea typeface="Cambria Math" panose="02040503050406030204" pitchFamily="18" charset="0"/>
+                      </a:rPr>
+                      <m:t> </m:t>
+                    </m:r>
+                    <m:r>
+                      <m:rPr>
+                        <m:nor/>
+                      </m:rPr>
+                      <a:rPr lang="en-US">
+                        <a:solidFill>
+                          <a:srgbClr val="FF0000"/>
+                        </a:solidFill>
+                        <a:latin typeface="Cambria Math" panose="02040503050406030204" pitchFamily="18" charset="0"/>
+                        <a:ea typeface="Cambria Math" panose="02040503050406030204" pitchFamily="18" charset="0"/>
+                      </a:rPr>
+                      <m:t>on</m:t>
+                    </m:r>
+                    <m:r>
+                      <m:rPr>
+                        <m:nor/>
+                      </m:rPr>
+                      <a:rPr lang="en-US">
+                        <a:solidFill>
+                          <a:srgbClr val="FF0000"/>
+                        </a:solidFill>
+                        <a:latin typeface="Cambria Math" panose="02040503050406030204" pitchFamily="18" charset="0"/>
+                        <a:ea typeface="Cambria Math" panose="02040503050406030204" pitchFamily="18" charset="0"/>
+                      </a:rPr>
+                      <m:t> </m:t>
+                    </m:r>
+                    <m:r>
+                      <m:rPr>
+                        <m:nor/>
+                      </m:rPr>
+                      <a:rPr lang="en-US">
+                        <a:solidFill>
+                          <a:srgbClr val="FF0000"/>
+                        </a:solidFill>
+                      </a:rPr>
+                      <m:t>a</m:t>
+                    </m:r>
+                    <m:r>
+                      <m:rPr>
+                        <m:nor/>
+                      </m:rPr>
+                      <a:rPr lang="en-US">
+                        <a:solidFill>
+                          <a:srgbClr val="FF0000"/>
+                        </a:solidFill>
+                      </a:rPr>
+                      <m:t> </m:t>
+                    </m:r>
+                    <m:r>
+                      <m:rPr>
+                        <m:nor/>
+                      </m:rPr>
+                      <a:rPr lang="en-US">
+                        <a:solidFill>
+                          <a:srgbClr val="FF0000"/>
+                        </a:solidFill>
+                      </a:rPr>
+                      <m:t>linear</m:t>
+                    </m:r>
+                    <m:r>
+                      <m:rPr>
+                        <m:nor/>
+                      </m:rPr>
+                      <a:rPr lang="en-US">
+                        <a:solidFill>
+                          <a:srgbClr val="FF0000"/>
+                        </a:solidFill>
+                      </a:rPr>
+                      <m:t> </m:t>
+                    </m:r>
+                    <m:r>
+                      <m:rPr>
+                        <m:nor/>
+                      </m:rPr>
+                      <a:rPr lang="en-US">
+                        <a:solidFill>
+                          <a:srgbClr val="FF0000"/>
+                        </a:solidFill>
+                      </a:rPr>
+                      <m:t>subspace</m:t>
+                    </m:r>
+                    <m:r>
+                      <m:rPr>
+                        <m:nor/>
+                      </m:rPr>
+                      <a:rPr lang="en-US">
+                        <a:solidFill>
+                          <a:srgbClr val="FF0000"/>
+                        </a:solidFill>
+                      </a:rPr>
+                      <m:t> </m:t>
+                    </m:r>
+                    <m:r>
+                      <m:rPr>
+                        <m:nor/>
+                      </m:rPr>
+                      <a:rPr lang="en-US">
+                        <a:solidFill>
+                          <a:srgbClr val="FF0000"/>
+                        </a:solidFill>
+                      </a:rPr>
+                      <m:t>of</m:t>
+                    </m:r>
+                    <m:r>
+                      <m:rPr>
+                        <m:nor/>
+                      </m:rPr>
+                      <a:rPr lang="en-US">
+                        <a:solidFill>
+                          <a:srgbClr val="FF0000"/>
+                        </a:solidFill>
+                      </a:rPr>
+                      <m:t> </m:t>
+                    </m:r>
+                    <m:r>
+                      <a:rPr lang="el-GR" i="1">
+                        <a:solidFill>
+                          <a:srgbClr val="FF0000"/>
+                        </a:solidFill>
+                        <a:latin typeface="Cambria Math" panose="02040503050406030204" pitchFamily="18" charset="0"/>
+                        <a:ea typeface="Cambria Math" panose="02040503050406030204" pitchFamily="18" charset="0"/>
+                      </a:rPr>
+                      <m:t>ℋ</m:t>
+                    </m:r>
+                    <m:r>
+                      <a:rPr lang="el-GR" i="1">
+                        <a:solidFill>
+                          <a:srgbClr val="FF0000"/>
+                        </a:solidFill>
+                        <a:latin typeface="Cambria Math" panose="02040503050406030204" pitchFamily="18" charset="0"/>
+                        <a:ea typeface="Cambria Math" panose="02040503050406030204" pitchFamily="18" charset="0"/>
+                      </a:rPr>
+                      <m:t>}</m:t>
+                    </m:r>
+                  </m:oMath>
+                </a14:m>
+                <a:endParaRPr lang="en-US" dirty="0"/>
+              </a:p>
+              <a:p>
+                <a14:m>
+                  <m:oMath xmlns:m="http://schemas.openxmlformats.org/officeDocument/2006/math">
+                    <m:r>
+                      <a:rPr lang="en-US" i="1">
+                        <a:latin typeface="Cambria Math" panose="02040503050406030204" pitchFamily="18" charset="0"/>
+                      </a:rPr>
+                      <m:t>𝜇</m:t>
+                    </m:r>
+                    <m:r>
+                      <a:rPr lang="en-US" i="1">
+                        <a:latin typeface="Cambria Math" panose="02040503050406030204" pitchFamily="18" charset="0"/>
+                      </a:rPr>
+                      <m:t>:</m:t>
+                    </m:r>
+                    <m:r>
+                      <a:rPr lang="en-US" i="1">
+                        <a:latin typeface="Cambria Math" panose="02040503050406030204" pitchFamily="18" charset="0"/>
+                        <a:ea typeface="Cambria Math" panose="02040503050406030204" pitchFamily="18" charset="0"/>
+                      </a:rPr>
+                      <m:t>ℰ</m:t>
+                    </m:r>
+                    <m:r>
+                      <a:rPr lang="en-US">
+                        <a:latin typeface="Cambria Math" panose="02040503050406030204" pitchFamily="18" charset="0"/>
+                        <a:ea typeface="Cambria Math" panose="02040503050406030204" pitchFamily="18" charset="0"/>
+                      </a:rPr>
+                      <m:t>→</m:t>
+                    </m:r>
+                    <m:d>
+                      <m:dPr>
+                        <m:begChr m:val="["/>
+                        <m:endChr m:val="]"/>
+                        <m:ctrlPr>
+                          <a:rPr lang="en-US" i="1" smtClean="0">
+                            <a:solidFill>
+                              <a:schemeClr val="tx1"/>
+                            </a:solidFill>
+                            <a:latin typeface="Cambria Math" panose="02040503050406030204" pitchFamily="18" charset="0"/>
+                            <a:ea typeface="Cambria Math" panose="02040503050406030204" pitchFamily="18" charset="0"/>
+                          </a:rPr>
+                        </m:ctrlPr>
+                      </m:dPr>
+                      <m:e>
+                        <m:r>
+                          <a:rPr lang="en-US" i="1">
+                            <a:solidFill>
+                              <a:schemeClr val="tx1"/>
+                            </a:solidFill>
+                            <a:latin typeface="Cambria Math" panose="02040503050406030204" pitchFamily="18" charset="0"/>
+                            <a:ea typeface="Cambria Math" panose="02040503050406030204" pitchFamily="18" charset="0"/>
+                          </a:rPr>
+                          <m:t>0,1</m:t>
+                        </m:r>
+                      </m:e>
+                    </m:d>
+                  </m:oMath>
+                </a14:m>
+                <a:endParaRPr lang="en-US" i="1" dirty="0" smtClean="0">
+                  <a:solidFill>
+                    <a:schemeClr val="accent2"/>
+                  </a:solidFill>
+                  <a:latin typeface="Cambria Math" panose="02040503050406030204" pitchFamily="18" charset="0"/>
+                  <a:ea typeface="Cambria Math" panose="02040503050406030204" pitchFamily="18" charset="0"/>
+                </a:endParaRPr>
+              </a:p>
+              <a:p>
+                <a14:m>
+                  <m:oMath xmlns:m="http://schemas.openxmlformats.org/officeDocument/2006/math">
+                    <m:r>
+                      <a:rPr lang="en-US" i="1">
+                        <a:latin typeface="Cambria Math" panose="02040503050406030204" pitchFamily="18" charset="0"/>
+                      </a:rPr>
+                      <m:t>𝜇</m:t>
+                    </m:r>
+                    <m:d>
+                      <m:dPr>
+                        <m:ctrlPr>
+                          <a:rPr lang="en-US" i="1">
+                            <a:latin typeface="Cambria Math" panose="02040503050406030204" pitchFamily="18" charset="0"/>
+                          </a:rPr>
+                        </m:ctrlPr>
+                      </m:dPr>
+                      <m:e>
+                        <m:r>
+                          <a:rPr lang="en-US" i="1" smtClean="0">
+                            <a:solidFill>
+                              <a:srgbClr val="FF0000"/>
+                            </a:solidFill>
+                            <a:latin typeface="Cambria Math" panose="02040503050406030204" pitchFamily="18" charset="0"/>
+                          </a:rPr>
+                          <m:t>𝟘</m:t>
+                        </m:r>
+                      </m:e>
+                    </m:d>
+                    <m:r>
+                      <a:rPr lang="en-US" i="1">
+                        <a:latin typeface="Cambria Math" panose="02040503050406030204" pitchFamily="18" charset="0"/>
+                      </a:rPr>
+                      <m:t>=</m:t>
+                    </m:r>
+                    <m:r>
+                      <a:rPr lang="en-US" b="0" i="1" smtClean="0">
+                        <a:latin typeface="Cambria Math" panose="02040503050406030204" pitchFamily="18" charset="0"/>
+                      </a:rPr>
+                      <m:t>0</m:t>
+                    </m:r>
+                  </m:oMath>
+                </a14:m>
+                <a:r>
+                  <a:rPr lang="en-US" dirty="0"/>
+                  <a:t>, </a:t>
+                </a:r>
+                <a:r>
+                  <a:rPr lang="en-US" dirty="0"/>
+                  <a:t>where </a:t>
+                </a:r>
+                <a14:m>
+                  <m:oMath xmlns:m="http://schemas.openxmlformats.org/officeDocument/2006/math">
+                    <m:r>
+                      <a:rPr lang="en-US" i="1" smtClean="0">
+                        <a:solidFill>
+                          <a:srgbClr val="FF0000"/>
+                        </a:solidFill>
+                        <a:latin typeface="Cambria Math" panose="02040503050406030204" pitchFamily="18" charset="0"/>
+                      </a:rPr>
+                      <m:t>𝟘</m:t>
+                    </m:r>
+                  </m:oMath>
+                </a14:m>
+                <a:r>
+                  <a:rPr lang="en-US" dirty="0"/>
+                  <a:t> is the zero </a:t>
+                </a:r>
+                <a:r>
+                  <a:rPr lang="en-US" dirty="0" smtClean="0"/>
+                  <a:t>projector.</a:t>
+                </a:r>
+                <a:endParaRPr lang="en-US" dirty="0"/>
+              </a:p>
+              <a:p>
+                <a14:m>
+                  <m:oMath xmlns:m="http://schemas.openxmlformats.org/officeDocument/2006/math">
+                    <m:r>
+                      <a:rPr lang="en-US" i="1">
+                        <a:latin typeface="Cambria Math" panose="02040503050406030204" pitchFamily="18" charset="0"/>
+                      </a:rPr>
+                      <m:t>𝜇</m:t>
+                    </m:r>
+                    <m:d>
+                      <m:dPr>
+                        <m:ctrlPr>
+                          <a:rPr lang="en-US" i="1">
+                            <a:latin typeface="Cambria Math" panose="02040503050406030204" pitchFamily="18" charset="0"/>
+                          </a:rPr>
+                        </m:ctrlPr>
+                      </m:dPr>
+                      <m:e>
+                        <m:r>
+                          <a:rPr lang="en-US" i="1" smtClean="0">
+                            <a:solidFill>
+                              <a:srgbClr val="FF0000"/>
+                            </a:solidFill>
+                            <a:latin typeface="Cambria Math" panose="02040503050406030204" pitchFamily="18" charset="0"/>
+                          </a:rPr>
+                          <m:t>𝟙</m:t>
+                        </m:r>
+                      </m:e>
+                    </m:d>
+                    <m:r>
+                      <a:rPr lang="en-US" i="1">
+                        <a:latin typeface="Cambria Math" panose="02040503050406030204" pitchFamily="18" charset="0"/>
+                      </a:rPr>
+                      <m:t>=</m:t>
+                    </m:r>
+                    <m:r>
+                      <a:rPr lang="en-US" b="0" i="1" smtClean="0">
+                        <a:latin typeface="Cambria Math" panose="02040503050406030204" pitchFamily="18" charset="0"/>
+                      </a:rPr>
+                      <m:t>1</m:t>
+                    </m:r>
+                  </m:oMath>
+                </a14:m>
+                <a:r>
+                  <a:rPr lang="en-US" dirty="0"/>
+                  <a:t>, where </a:t>
+                </a:r>
+                <a14:m>
+                  <m:oMath xmlns:m="http://schemas.openxmlformats.org/officeDocument/2006/math">
+                    <m:r>
+                      <a:rPr lang="en-US" i="1" smtClean="0">
+                        <a:solidFill>
+                          <a:srgbClr val="FF0000"/>
+                        </a:solidFill>
+                        <a:latin typeface="Cambria Math" panose="02040503050406030204" pitchFamily="18" charset="0"/>
+                      </a:rPr>
+                      <m:t>𝟙</m:t>
+                    </m:r>
+                  </m:oMath>
+                </a14:m>
+                <a:r>
+                  <a:rPr lang="en-US" dirty="0"/>
+                  <a:t> is the identity </a:t>
+                </a:r>
+                <a:r>
+                  <a:rPr lang="en-US" dirty="0"/>
+                  <a:t>projector</a:t>
+                </a:r>
+                <a:r>
+                  <a:rPr lang="en-US" dirty="0" smtClean="0"/>
+                  <a:t>.</a:t>
+                </a:r>
+                <a:endParaRPr lang="en-US" dirty="0"/>
+              </a:p>
+              <a:p>
+                <a:r>
+                  <a:rPr lang="en-US" dirty="0"/>
+                  <a:t>For </a:t>
+                </a:r>
+                <a:r>
+                  <a:rPr lang="en-US" dirty="0"/>
+                  <a:t>any projector </a:t>
+                </a:r>
+                <a14:m>
+                  <m:oMath xmlns:m="http://schemas.openxmlformats.org/officeDocument/2006/math">
+                    <m:r>
+                      <a:rPr lang="en-US" i="1">
+                        <a:latin typeface="Cambria Math" panose="02040503050406030204" pitchFamily="18" charset="0"/>
+                      </a:rPr>
+                      <m:t>𝑃</m:t>
+                    </m:r>
+                  </m:oMath>
+                </a14:m>
+                <a:r>
+                  <a:rPr lang="en-US" dirty="0" smtClean="0"/>
+                  <a:t>,</a:t>
+                </a:r>
+                <a:r>
+                  <a:rPr lang="en-US" i="1" dirty="0" smtClean="0">
+                    <a:latin typeface="Cambria Math" panose="02040503050406030204" pitchFamily="18" charset="0"/>
+                  </a:rPr>
+                  <a:t/>
+                </a:r>
+                <a:br>
+                  <a:rPr lang="en-US" i="1" dirty="0" smtClean="0">
+                    <a:latin typeface="Cambria Math" panose="02040503050406030204" pitchFamily="18" charset="0"/>
+                  </a:rPr>
+                </a:br>
+                <a14:m>
+                  <m:oMath xmlns:m="http://schemas.openxmlformats.org/officeDocument/2006/math">
+                    <m:r>
+                      <a:rPr lang="en-US" i="1">
+                        <a:latin typeface="Cambria Math" panose="02040503050406030204" pitchFamily="18" charset="0"/>
+                      </a:rPr>
+                      <m:t>𝜇</m:t>
+                    </m:r>
+                    <m:d>
+                      <m:dPr>
+                        <m:ctrlPr>
+                          <a:rPr lang="en-US" i="1">
+                            <a:latin typeface="Cambria Math" panose="02040503050406030204" pitchFamily="18" charset="0"/>
+                          </a:rPr>
+                        </m:ctrlPr>
+                      </m:dPr>
+                      <m:e>
+                        <m:r>
+                          <a:rPr lang="en-US" i="1" smtClean="0">
+                            <a:solidFill>
+                              <a:srgbClr val="FF0000"/>
+                            </a:solidFill>
+                            <a:latin typeface="Cambria Math" panose="02040503050406030204" pitchFamily="18" charset="0"/>
+                          </a:rPr>
+                          <m:t>𝟙</m:t>
+                        </m:r>
+                        <m:r>
+                          <a:rPr lang="en-US" i="1">
+                            <a:solidFill>
+                              <a:srgbClr val="FF0000"/>
+                            </a:solidFill>
+                            <a:latin typeface="Cambria Math" panose="02040503050406030204" pitchFamily="18" charset="0"/>
+                          </a:rPr>
+                          <m:t>−</m:t>
+                        </m:r>
+                        <m:r>
+                          <a:rPr lang="en-US" i="1">
+                            <a:latin typeface="Cambria Math" panose="02040503050406030204" pitchFamily="18" charset="0"/>
+                          </a:rPr>
+                          <m:t>𝑃</m:t>
+                        </m:r>
+                      </m:e>
+                    </m:d>
+                    <m:r>
+                      <a:rPr lang="en-US" i="1">
+                        <a:latin typeface="Cambria Math" panose="02040503050406030204" pitchFamily="18" charset="0"/>
+                      </a:rPr>
+                      <m:t>=</m:t>
+                    </m:r>
+                    <m:r>
+                      <a:rPr lang="en-US" b="0" i="1" smtClean="0">
+                        <a:latin typeface="Cambria Math" panose="02040503050406030204" pitchFamily="18" charset="0"/>
+                      </a:rPr>
+                      <m:t>1</m:t>
+                    </m:r>
+                    <m:r>
+                      <a:rPr lang="en-US" i="1">
+                        <a:latin typeface="Cambria Math" panose="02040503050406030204" pitchFamily="18" charset="0"/>
+                      </a:rPr>
+                      <m:t>−</m:t>
+                    </m:r>
+                    <m:r>
+                      <a:rPr lang="en-US" i="1">
+                        <a:latin typeface="Cambria Math" panose="02040503050406030204" pitchFamily="18" charset="0"/>
+                      </a:rPr>
+                      <m:t>𝜇</m:t>
+                    </m:r>
+                    <m:d>
+                      <m:dPr>
+                        <m:ctrlPr>
+                          <a:rPr lang="en-US" i="1">
+                            <a:latin typeface="Cambria Math" panose="02040503050406030204" pitchFamily="18" charset="0"/>
+                          </a:rPr>
+                        </m:ctrlPr>
+                      </m:dPr>
+                      <m:e>
+                        <m:r>
+                          <a:rPr lang="en-US" i="1">
+                            <a:latin typeface="Cambria Math" panose="02040503050406030204" pitchFamily="18" charset="0"/>
+                          </a:rPr>
+                          <m:t>𝑃</m:t>
+                        </m:r>
+                      </m:e>
+                    </m:d>
+                    <m:r>
+                      <a:rPr lang="en-US" b="0" i="1" smtClean="0">
+                        <a:latin typeface="Cambria Math" panose="02040503050406030204" pitchFamily="18" charset="0"/>
+                      </a:rPr>
+                      <m:t> .</m:t>
+                    </m:r>
+                  </m:oMath>
+                </a14:m>
+                <a:endParaRPr lang="en-US" dirty="0"/>
+              </a:p>
+              <a:p>
+                <a:r>
+                  <a:rPr lang="en-US" dirty="0" smtClean="0"/>
+                  <a:t>For </a:t>
+                </a:r>
+                <a:r>
+                  <a:rPr lang="en-US" dirty="0">
+                    <a:solidFill>
+                      <a:srgbClr val="FF0000"/>
+                    </a:solidFill>
+                  </a:rPr>
+                  <a:t>orthogonal </a:t>
+                </a:r>
+                <a:r>
+                  <a:rPr lang="en-US" dirty="0"/>
+                  <a:t>projectors </a:t>
+                </a:r>
+                <a14:m>
+                  <m:oMath xmlns:m="http://schemas.openxmlformats.org/officeDocument/2006/math">
+                    <m:sSub>
+                      <m:sSubPr>
+                        <m:ctrlPr>
+                          <a:rPr lang="en-US" i="1">
+                            <a:latin typeface="Cambria Math" panose="02040503050406030204" pitchFamily="18" charset="0"/>
+                          </a:rPr>
+                        </m:ctrlPr>
+                      </m:sSubPr>
+                      <m:e>
+                        <m:r>
+                          <a:rPr lang="en-US" i="1">
+                            <a:latin typeface="Cambria Math" panose="02040503050406030204" pitchFamily="18" charset="0"/>
+                          </a:rPr>
+                          <m:t>𝑃</m:t>
+                        </m:r>
+                      </m:e>
+                      <m:sub>
+                        <m:r>
+                          <a:rPr lang="en-US" i="1">
+                            <a:latin typeface="Cambria Math" panose="02040503050406030204" pitchFamily="18" charset="0"/>
+                          </a:rPr>
+                          <m:t>0</m:t>
+                        </m:r>
+                      </m:sub>
+                    </m:sSub>
+                  </m:oMath>
+                </a14:m>
+                <a:r>
+                  <a:rPr lang="en-US" dirty="0"/>
+                  <a:t> and </a:t>
+                </a:r>
+                <a14:m>
+                  <m:oMath xmlns:m="http://schemas.openxmlformats.org/officeDocument/2006/math">
+                    <m:sSub>
+                      <m:sSubPr>
+                        <m:ctrlPr>
+                          <a:rPr lang="en-US" i="1">
+                            <a:latin typeface="Cambria Math" panose="02040503050406030204" pitchFamily="18" charset="0"/>
+                          </a:rPr>
+                        </m:ctrlPr>
+                      </m:sSubPr>
+                      <m:e>
+                        <m:r>
+                          <a:rPr lang="en-US" i="1">
+                            <a:latin typeface="Cambria Math" panose="02040503050406030204" pitchFamily="18" charset="0"/>
+                          </a:rPr>
+                          <m:t>𝑃</m:t>
+                        </m:r>
+                      </m:e>
+                      <m:sub>
+                        <m:r>
+                          <a:rPr lang="en-US" i="1">
+                            <a:latin typeface="Cambria Math" panose="02040503050406030204" pitchFamily="18" charset="0"/>
+                          </a:rPr>
+                          <m:t>1</m:t>
+                        </m:r>
+                      </m:sub>
+                    </m:sSub>
+                  </m:oMath>
+                </a14:m>
+                <a:r>
+                  <a:rPr lang="en-US" dirty="0"/>
+                  <a:t> (</a:t>
+                </a:r>
+                <a14:m>
+                  <m:oMath xmlns:m="http://schemas.openxmlformats.org/officeDocument/2006/math">
+                    <m:sSub>
+                      <m:sSubPr>
+                        <m:ctrlPr>
+                          <a:rPr lang="en-US" i="1" smtClean="0">
+                            <a:solidFill>
+                              <a:srgbClr val="FF0000"/>
+                            </a:solidFill>
+                            <a:latin typeface="Cambria Math" panose="02040503050406030204" pitchFamily="18" charset="0"/>
+                          </a:rPr>
+                        </m:ctrlPr>
+                      </m:sSubPr>
+                      <m:e>
+                        <m:r>
+                          <a:rPr lang="en-US" i="1">
+                            <a:solidFill>
+                              <a:srgbClr val="FF0000"/>
+                            </a:solidFill>
+                            <a:latin typeface="Cambria Math" panose="02040503050406030204" pitchFamily="18" charset="0"/>
+                          </a:rPr>
+                          <m:t>𝑃</m:t>
+                        </m:r>
+                      </m:e>
+                      <m:sub>
+                        <m:r>
+                          <a:rPr lang="en-US" i="1">
+                            <a:solidFill>
+                              <a:srgbClr val="FF0000"/>
+                            </a:solidFill>
+                            <a:latin typeface="Cambria Math" panose="02040503050406030204" pitchFamily="18" charset="0"/>
+                          </a:rPr>
+                          <m:t>0</m:t>
+                        </m:r>
+                      </m:sub>
+                    </m:sSub>
+                    <m:sSub>
+                      <m:sSubPr>
+                        <m:ctrlPr>
+                          <a:rPr lang="en-US" i="1">
+                            <a:solidFill>
+                              <a:srgbClr val="FF0000"/>
+                            </a:solidFill>
+                            <a:latin typeface="Cambria Math" panose="02040503050406030204" pitchFamily="18" charset="0"/>
+                          </a:rPr>
+                        </m:ctrlPr>
+                      </m:sSubPr>
+                      <m:e>
+                        <m:r>
+                          <a:rPr lang="en-US" i="1">
+                            <a:solidFill>
+                              <a:srgbClr val="FF0000"/>
+                            </a:solidFill>
+                            <a:latin typeface="Cambria Math" panose="02040503050406030204" pitchFamily="18" charset="0"/>
+                          </a:rPr>
+                          <m:t>𝑃</m:t>
+                        </m:r>
+                      </m:e>
+                      <m:sub>
+                        <m:r>
+                          <a:rPr lang="en-US" i="1">
+                            <a:solidFill>
+                              <a:srgbClr val="FF0000"/>
+                            </a:solidFill>
+                            <a:latin typeface="Cambria Math" panose="02040503050406030204" pitchFamily="18" charset="0"/>
+                          </a:rPr>
+                          <m:t>1</m:t>
+                        </m:r>
+                      </m:sub>
+                    </m:sSub>
+                    <m:r>
+                      <a:rPr lang="en-US" i="1">
+                        <a:solidFill>
+                          <a:srgbClr val="FF0000"/>
+                        </a:solidFill>
+                        <a:latin typeface="Cambria Math" panose="02040503050406030204" pitchFamily="18" charset="0"/>
+                      </a:rPr>
+                      <m:t>=</m:t>
+                    </m:r>
+                    <m:r>
+                      <a:rPr lang="en-US" i="1">
+                        <a:solidFill>
+                          <a:srgbClr val="FF0000"/>
+                        </a:solidFill>
+                        <a:latin typeface="Cambria Math" panose="02040503050406030204" pitchFamily="18" charset="0"/>
+                      </a:rPr>
+                      <m:t>𝟘</m:t>
+                    </m:r>
+                  </m:oMath>
+                </a14:m>
+                <a:r>
+                  <a:rPr lang="en-US" dirty="0" smtClean="0"/>
+                  <a:t>), </a:t>
+                </a:r>
+                <a:br>
+                  <a:rPr lang="en-US" dirty="0" smtClean="0"/>
+                </a:br>
+                <a14:m>
+                  <m:oMath xmlns:m="http://schemas.openxmlformats.org/officeDocument/2006/math">
+                    <m:r>
+                      <a:rPr lang="en-US" i="1">
+                        <a:latin typeface="Cambria Math" panose="02040503050406030204" pitchFamily="18" charset="0"/>
+                      </a:rPr>
+                      <m:t>𝜇</m:t>
+                    </m:r>
+                    <m:d>
+                      <m:dPr>
+                        <m:ctrlPr>
+                          <a:rPr lang="en-US" i="1">
+                            <a:latin typeface="Cambria Math" panose="02040503050406030204" pitchFamily="18" charset="0"/>
+                          </a:rPr>
+                        </m:ctrlPr>
+                      </m:dPr>
+                      <m:e>
+                        <m:sSub>
+                          <m:sSubPr>
+                            <m:ctrlPr>
+                              <a:rPr lang="en-US" i="1">
+                                <a:latin typeface="Cambria Math" panose="02040503050406030204" pitchFamily="18" charset="0"/>
+                              </a:rPr>
+                            </m:ctrlPr>
+                          </m:sSubPr>
+                          <m:e>
+                            <m:r>
+                              <a:rPr lang="en-US" i="1">
+                                <a:latin typeface="Cambria Math" panose="02040503050406030204" pitchFamily="18" charset="0"/>
+                              </a:rPr>
+                              <m:t>𝑃</m:t>
+                            </m:r>
+                          </m:e>
+                          <m:sub>
+                            <m:r>
+                              <a:rPr lang="en-US" i="1">
+                                <a:latin typeface="Cambria Math" panose="02040503050406030204" pitchFamily="18" charset="0"/>
+                              </a:rPr>
+                              <m:t>0</m:t>
+                            </m:r>
+                          </m:sub>
+                        </m:sSub>
+                        <m:r>
+                          <a:rPr lang="en-US" i="1">
+                            <a:solidFill>
+                              <a:srgbClr val="FF0000"/>
+                            </a:solidFill>
+                            <a:latin typeface="Cambria Math" panose="02040503050406030204" pitchFamily="18" charset="0"/>
+                          </a:rPr>
+                          <m:t>+</m:t>
+                        </m:r>
+                        <m:sSub>
+                          <m:sSubPr>
+                            <m:ctrlPr>
+                              <a:rPr lang="en-US" i="1">
+                                <a:latin typeface="Cambria Math" panose="02040503050406030204" pitchFamily="18" charset="0"/>
+                              </a:rPr>
+                            </m:ctrlPr>
+                          </m:sSubPr>
+                          <m:e>
+                            <m:r>
+                              <a:rPr lang="en-US" i="1">
+                                <a:latin typeface="Cambria Math" panose="02040503050406030204" pitchFamily="18" charset="0"/>
+                              </a:rPr>
+                              <m:t>𝑃</m:t>
+                            </m:r>
+                          </m:e>
+                          <m:sub>
+                            <m:r>
+                              <a:rPr lang="en-US" i="1">
+                                <a:latin typeface="Cambria Math" panose="02040503050406030204" pitchFamily="18" charset="0"/>
+                              </a:rPr>
+                              <m:t>1</m:t>
+                            </m:r>
+                          </m:sub>
+                        </m:sSub>
+                      </m:e>
+                    </m:d>
+                    <m:r>
+                      <a:rPr lang="en-US" i="1" smtClean="0">
+                        <a:solidFill>
+                          <a:schemeClr val="tx1"/>
+                        </a:solidFill>
+                        <a:latin typeface="Cambria Math" panose="02040503050406030204" pitchFamily="18" charset="0"/>
+                      </a:rPr>
+                      <m:t>=</m:t>
+                    </m:r>
+                    <m:r>
+                      <a:rPr lang="en-US" i="1">
+                        <a:latin typeface="Cambria Math" panose="02040503050406030204" pitchFamily="18" charset="0"/>
+                      </a:rPr>
+                      <m:t>𝜇</m:t>
+                    </m:r>
+                    <m:d>
+                      <m:dPr>
+                        <m:ctrlPr>
+                          <a:rPr lang="en-US" i="1">
+                            <a:latin typeface="Cambria Math" panose="02040503050406030204" pitchFamily="18" charset="0"/>
+                          </a:rPr>
+                        </m:ctrlPr>
+                      </m:dPr>
+                      <m:e>
+                        <m:sSub>
+                          <m:sSubPr>
+                            <m:ctrlPr>
+                              <a:rPr lang="en-US" i="1">
+                                <a:latin typeface="Cambria Math" panose="02040503050406030204" pitchFamily="18" charset="0"/>
+                              </a:rPr>
+                            </m:ctrlPr>
+                          </m:sSubPr>
+                          <m:e>
+                            <m:r>
+                              <a:rPr lang="en-US" i="1">
+                                <a:latin typeface="Cambria Math" panose="02040503050406030204" pitchFamily="18" charset="0"/>
+                              </a:rPr>
+                              <m:t>𝑃</m:t>
+                            </m:r>
+                          </m:e>
+                          <m:sub>
+                            <m:r>
+                              <a:rPr lang="en-US" i="1">
+                                <a:latin typeface="Cambria Math" panose="02040503050406030204" pitchFamily="18" charset="0"/>
+                              </a:rPr>
+                              <m:t>0</m:t>
+                            </m:r>
+                          </m:sub>
+                        </m:sSub>
+                      </m:e>
+                    </m:d>
+                    <m:r>
+                      <a:rPr lang="en-US" i="1">
+                        <a:latin typeface="Cambria Math" panose="02040503050406030204" pitchFamily="18" charset="0"/>
+                      </a:rPr>
+                      <m:t>+</m:t>
+                    </m:r>
+                    <m:r>
+                      <a:rPr lang="en-US" i="1">
+                        <a:latin typeface="Cambria Math" panose="02040503050406030204" pitchFamily="18" charset="0"/>
+                      </a:rPr>
+                      <m:t>𝜇</m:t>
+                    </m:r>
+                    <m:d>
+                      <m:dPr>
+                        <m:ctrlPr>
+                          <a:rPr lang="en-US" i="1">
+                            <a:latin typeface="Cambria Math" panose="02040503050406030204" pitchFamily="18" charset="0"/>
+                          </a:rPr>
+                        </m:ctrlPr>
+                      </m:dPr>
+                      <m:e>
+                        <m:sSub>
+                          <m:sSubPr>
+                            <m:ctrlPr>
+                              <a:rPr lang="en-US" i="1">
+                                <a:latin typeface="Cambria Math" panose="02040503050406030204" pitchFamily="18" charset="0"/>
+                              </a:rPr>
+                            </m:ctrlPr>
+                          </m:sSubPr>
+                          <m:e>
+                            <m:r>
+                              <a:rPr lang="en-US" i="1">
+                                <a:latin typeface="Cambria Math" panose="02040503050406030204" pitchFamily="18" charset="0"/>
+                              </a:rPr>
+                              <m:t>𝑃</m:t>
+                            </m:r>
+                          </m:e>
+                          <m:sub>
+                            <m:r>
+                              <a:rPr lang="en-US" i="1">
+                                <a:latin typeface="Cambria Math" panose="02040503050406030204" pitchFamily="18" charset="0"/>
+                              </a:rPr>
+                              <m:t>1</m:t>
+                            </m:r>
+                          </m:sub>
+                        </m:sSub>
+                      </m:e>
+                    </m:d>
+                    <m:r>
+                      <a:rPr lang="en-US" b="0" i="1" smtClean="0">
+                        <a:latin typeface="Cambria Math" panose="02040503050406030204" pitchFamily="18" charset="0"/>
+                      </a:rPr>
+                      <m:t> .</m:t>
+                    </m:r>
+                  </m:oMath>
+                </a14:m>
+                <a:r>
+                  <a:rPr lang="en-US" dirty="0"/>
+                  <a:t/>
+                </a:r>
+                <a:br>
+                  <a:rPr lang="en-US" dirty="0"/>
+                </a:br>
+                <a:endParaRPr lang="en-US" dirty="0"/>
+              </a:p>
+            </p:txBody>
+          </p:sp>
+        </mc:Choice>
+        <mc:Fallback>
+          <p:sp>
+            <p:nvSpPr>
+              <p:cNvPr id="6" name="Content Placeholder 5"/>
+              <p:cNvSpPr>
+                <a:spLocks noGrp="1" noRot="1" noChangeAspect="1" noMove="1" noResize="1" noEditPoints="1" noAdjustHandles="1" noChangeArrowheads="1" noChangeShapeType="1" noTextEdit="1"/>
+              </p:cNvSpPr>
+              <p:nvPr>
+                <p:ph sz="quarter" idx="4"/>
+              </p:nvPr>
+            </p:nvSpPr>
+            <p:spPr>
+              <a:blipFill rotWithShape="0">
+                <a:blip r:embed="rId3"/>
+                <a:stretch>
+                  <a:fillRect l="-1412" t="-1656"/>
+                </a:stretch>
+              </a:blipFill>
+            </p:spPr>
+            <p:txBody>
+              <a:bodyPr/>
+              <a:lstStyle/>
+              <a:p>
+                <a:r>
+                  <a:rPr lang="en-US">
+                    <a:noFill/>
+                  </a:rPr>
+                  <a:t> </a:t>
+                </a:r>
+              </a:p>
+            </p:txBody>
+          </p:sp>
+        </mc:Fallback>
+      </mc:AlternateContent>
+    </p:spTree>
+    <p:extLst>
+      <p:ext uri="{BB962C8B-B14F-4D97-AF65-F5344CB8AC3E}">
+        <p14:creationId xmlns:p14="http://schemas.microsoft.com/office/powerpoint/2010/main" val="2008046755"/>
+      </p:ext>
+    </p:extLst>
+  </p:cSld>
+  <p:clrMapOvr>
+    <a:masterClrMapping/>
+  </p:clrMapOvr>
+  <p:timing>
+    <p:tnLst>
+      <p:par>
+        <p:cTn id="1" dur="indefinite" restart="never" nodeType="tmRoot"/>
+      </p:par>
+    </p:tnLst>
+  </p:timing>
+</p:sld>
+</file>
+
+<file path=ppt/slides/slide4.xml><?xml version="1.0" encoding="utf-8"?>
+<p:sld xmlns:a="http://schemas.openxmlformats.org/drawingml/2006/main" xmlns:r="http://schemas.openxmlformats.org/officeDocument/2006/relationships" xmlns:p="http://schemas.openxmlformats.org/presentationml/2006/main">
+  <p:cSld>
+    <p:spTree>
+      <p:nvGrpSpPr>
+        <p:cNvPr id="1" name=""/>
+        <p:cNvGrpSpPr/>
+        <p:nvPr/>
+      </p:nvGrpSpPr>
+      <p:grpSpPr>
+        <a:xfrm>
+          <a:off x="0" y="0"/>
+          <a:ext cx="0" cy="0"/>
+          <a:chOff x="0" y="0"/>
+          <a:chExt cx="0" cy="0"/>
+        </a:xfrm>
+      </p:grpSpPr>
+      <p:sp>
+        <p:nvSpPr>
+          <p:cNvPr id="2" name="Title 1"/>
+          <p:cNvSpPr>
+            <a:spLocks noGrp="1"/>
+          </p:cNvSpPr>
+          <p:nvPr>
+            <p:ph type="title"/>
+          </p:nvPr>
+        </p:nvSpPr>
+        <p:spPr/>
+        <p:txBody>
+          <a:bodyPr/>
+          <a:lstStyle/>
+          <a:p>
+            <a:r>
+              <a:rPr lang="en-US" dirty="0" smtClean="0"/>
+              <a:t>Quantum Interval-Valued Probability Measure (QIVPM)</a:t>
+            </a:r>
+            <a:endParaRPr lang="en-US" dirty="0"/>
+          </a:p>
+        </p:txBody>
+      </p:sp>
+      <mc:AlternateContent xmlns:mc="http://schemas.openxmlformats.org/markup-compatibility/2006" xmlns:a14="http://schemas.microsoft.com/office/drawing/2010/main">
+        <mc:Choice Requires="a14">
           <p:sp>
             <p:nvSpPr>
               <p:cNvPr id="3" name="Content Placeholder 2"/>
@@ -6458,7 +10051,7 @@
             </p:txBody>
           </p:sp>
         </mc:Choice>
-        <mc:Fallback>
+        <mc:Fallback xmlns="">
           <p:sp>
             <p:nvSpPr>
               <p:cNvPr id="3" name="Content Placeholder 2"/>
@@ -6512,7 +10105,7 @@
 </p:sld>
 </file>
 
-<file path=ppt/slides/slide4.xml><?xml version="1.0" encoding="utf-8"?>
+<file path=ppt/slides/slide5.xml><?xml version="1.0" encoding="utf-8"?>
 <p:sld xmlns:a="http://schemas.openxmlformats.org/drawingml/2006/main" xmlns:r="http://schemas.openxmlformats.org/officeDocument/2006/relationships" xmlns:p="http://schemas.openxmlformats.org/presentationml/2006/main">
   <p:cSld>
     <p:spTree>
@@ -7475,7 +11068,7 @@
 </p:sld>
 </file>
 
-<file path=ppt/slides/slide5.xml><?xml version="1.0" encoding="utf-8"?>
+<file path=ppt/slides/slide6.xml><?xml version="1.0" encoding="utf-8"?>
 <p:sld xmlns:a="http://schemas.openxmlformats.org/drawingml/2006/main" xmlns:r="http://schemas.openxmlformats.org/officeDocument/2006/relationships" xmlns:p="http://schemas.openxmlformats.org/presentationml/2006/main">
   <p:cSld>
     <p:spTree>
@@ -8624,7 +12217,7 @@
 </p:sld>
 </file>
 
-<file path=ppt/slides/slide6.xml><?xml version="1.0" encoding="utf-8"?>
+<file path=ppt/slides/slide7.xml><?xml version="1.0" encoding="utf-8"?>
 <p:sld xmlns:a="http://schemas.openxmlformats.org/drawingml/2006/main" xmlns:r="http://schemas.openxmlformats.org/officeDocument/2006/relationships" xmlns:p="http://schemas.openxmlformats.org/presentationml/2006/main">
   <p:cSld>
     <p:spTree>

--- a/prop_letter.pptx
+++ b/prop_letter.pptx
@@ -5,10 +5,10 @@
     <p:sldMasterId id="2147483648" r:id="rId1"/>
   </p:sldMasterIdLst>
   <p:notesMasterIdLst>
-    <p:notesMasterId r:id="rId15"/>
+    <p:notesMasterId r:id="rId17"/>
   </p:notesMasterIdLst>
   <p:handoutMasterIdLst>
-    <p:handoutMasterId r:id="rId16"/>
+    <p:handoutMasterId r:id="rId18"/>
   </p:handoutMasterIdLst>
   <p:sldIdLst>
     <p:sldId id="256" r:id="rId2"/>
@@ -21,9 +21,11 @@
     <p:sldId id="271" r:id="rId9"/>
     <p:sldId id="261" r:id="rId10"/>
     <p:sldId id="272" r:id="rId11"/>
-    <p:sldId id="257" r:id="rId12"/>
-    <p:sldId id="259" r:id="rId13"/>
-    <p:sldId id="260" r:id="rId14"/>
+    <p:sldId id="273" r:id="rId12"/>
+    <p:sldId id="274" r:id="rId13"/>
+    <p:sldId id="275" r:id="rId14"/>
+    <p:sldId id="259" r:id="rId15"/>
+    <p:sldId id="260" r:id="rId16"/>
   </p:sldIdLst>
   <p:sldSz cx="12192000" cy="6858000"/>
   <p:notesSz cx="6858000" cy="9144000"/>
@@ -145,7 +147,9 @@
         </p14:section>
         <p14:section name="Kochen-Specker Theorem" id="{267E8203-33DC-4F7A-9CD7-887DDB8FDDB2}">
           <p14:sldIdLst>
-            <p14:sldId id="257"/>
+            <p14:sldId id="273"/>
+            <p14:sldId id="274"/>
+            <p14:sldId id="275"/>
             <p14:sldId id="259"/>
             <p14:sldId id="260"/>
           </p14:sldIdLst>
@@ -932,7 +936,7 @@
           <a:p>
             <a:fld id="{553141C9-E3AF-4773-84E5-4C6860670B56}" type="slidenum">
               <a:rPr lang="en-US" smtClean="0"/>
-              <a:t>11</a:t>
+              <a:t>14</a:t>
             </a:fld>
             <a:endParaRPr lang="en-US"/>
           </a:p>
@@ -941,7 +945,7 @@
     </p:spTree>
     <p:extLst>
       <p:ext uri="{BB962C8B-B14F-4D97-AF65-F5344CB8AC3E}">
-        <p14:creationId xmlns:p14="http://schemas.microsoft.com/office/powerpoint/2010/main" val="3691090386"/>
+        <p14:creationId xmlns:p14="http://schemas.microsoft.com/office/powerpoint/2010/main" val="4134836130"/>
       </p:ext>
     </p:extLst>
   </p:cSld>
@@ -1016,91 +1020,7 @@
           <a:p>
             <a:fld id="{553141C9-E3AF-4773-84E5-4C6860670B56}" type="slidenum">
               <a:rPr lang="en-US" smtClean="0"/>
-              <a:t>12</a:t>
-            </a:fld>
-            <a:endParaRPr lang="en-US"/>
-          </a:p>
-        </p:txBody>
-      </p:sp>
-    </p:spTree>
-    <p:extLst>
-      <p:ext uri="{BB962C8B-B14F-4D97-AF65-F5344CB8AC3E}">
-        <p14:creationId xmlns:p14="http://schemas.microsoft.com/office/powerpoint/2010/main" val="4134836130"/>
-      </p:ext>
-    </p:extLst>
-  </p:cSld>
-  <p:clrMapOvr>
-    <a:masterClrMapping/>
-  </p:clrMapOvr>
-</p:notes>
-</file>
-
-<file path=ppt/notesSlides/notesSlide5.xml><?xml version="1.0" encoding="utf-8"?>
-<p:notes xmlns:a="http://schemas.openxmlformats.org/drawingml/2006/main" xmlns:r="http://schemas.openxmlformats.org/officeDocument/2006/relationships" xmlns:p="http://schemas.openxmlformats.org/presentationml/2006/main">
-  <p:cSld>
-    <p:spTree>
-      <p:nvGrpSpPr>
-        <p:cNvPr id="1" name=""/>
-        <p:cNvGrpSpPr/>
-        <p:nvPr/>
-      </p:nvGrpSpPr>
-      <p:grpSpPr>
-        <a:xfrm>
-          <a:off x="0" y="0"/>
-          <a:ext cx="0" cy="0"/>
-          <a:chOff x="0" y="0"/>
-          <a:chExt cx="0" cy="0"/>
-        </a:xfrm>
-      </p:grpSpPr>
-      <p:sp>
-        <p:nvSpPr>
-          <p:cNvPr id="2" name="Slide Image Placeholder 1"/>
-          <p:cNvSpPr>
-            <a:spLocks noGrp="1" noRot="1" noChangeAspect="1"/>
-          </p:cNvSpPr>
-          <p:nvPr>
-            <p:ph type="sldImg"/>
-          </p:nvPr>
-        </p:nvSpPr>
-        <p:spPr/>
-      </p:sp>
-      <p:sp>
-        <p:nvSpPr>
-          <p:cNvPr id="3" name="Notes Placeholder 2"/>
-          <p:cNvSpPr>
-            <a:spLocks noGrp="1"/>
-          </p:cNvSpPr>
-          <p:nvPr>
-            <p:ph type="body" idx="1"/>
-          </p:nvPr>
-        </p:nvSpPr>
-        <p:spPr/>
-        <p:txBody>
-          <a:bodyPr/>
-          <a:lstStyle/>
-          <a:p>
-            <a:endParaRPr lang="en-US" dirty="0"/>
-          </a:p>
-        </p:txBody>
-      </p:sp>
-      <p:sp>
-        <p:nvSpPr>
-          <p:cNvPr id="4" name="Slide Number Placeholder 3"/>
-          <p:cNvSpPr>
-            <a:spLocks noGrp="1"/>
-          </p:cNvSpPr>
-          <p:nvPr>
-            <p:ph type="sldNum" sz="quarter" idx="10"/>
-          </p:nvPr>
-        </p:nvSpPr>
-        <p:spPr/>
-        <p:txBody>
-          <a:bodyPr/>
-          <a:lstStyle/>
-          <a:p>
-            <a:fld id="{553141C9-E3AF-4773-84E5-4C6860670B56}" type="slidenum">
-              <a:rPr lang="en-US" smtClean="0"/>
-              <a:t>13</a:t>
+              <a:t>15</a:t>
             </a:fld>
             <a:endParaRPr lang="en-US"/>
           </a:p>
@@ -4110,7 +4030,15 @@
           <a:p>
             <a:r>
               <a:rPr lang="en-US" dirty="0" smtClean="0"/>
-              <a:t>Does a convex QIVPM has a nonempty core and a expectation value?</a:t>
+              <a:t>Does a convex QIVPM </a:t>
+            </a:r>
+            <a:r>
+              <a:rPr lang="en-US" dirty="0" smtClean="0"/>
+              <a:t>have </a:t>
+            </a:r>
+            <a:r>
+              <a:rPr lang="en-US" dirty="0" smtClean="0"/>
+              <a:t>a nonempty core and a expectation value?</a:t>
             </a:r>
           </a:p>
           <a:p>
@@ -4136,6 +4064,13 @@
               <a:rPr lang="en-US" dirty="0" smtClean="0"/>
               <a:t>?</a:t>
             </a:r>
+          </a:p>
+          <a:p>
+            <a:r>
+              <a:rPr lang="en-US" dirty="0" smtClean="0"/>
+              <a:t>Can we recover QRVPM and CIVPM as a special case of QIVPM?</a:t>
+            </a:r>
+            <a:endParaRPr lang="en-US" dirty="0" smtClean="0"/>
           </a:p>
           <a:p>
             <a:r>
@@ -4198,15 +4133,103 @@
           <a:lstStyle/>
           <a:p>
             <a:r>
+              <a:rPr lang="en-US" dirty="0"/>
+              <a:t>Kochen-Specker Theorem</a:t>
+            </a:r>
+            <a:br>
+              <a:rPr lang="en-US" dirty="0"/>
+            </a:br>
+            <a:r>
+              <a:rPr lang="en-US" dirty="0"/>
+              <a:t>with Finite Precision Measurement</a:t>
+            </a:r>
+          </a:p>
+        </p:txBody>
+      </p:sp>
+      <p:sp>
+        <p:nvSpPr>
+          <p:cNvPr id="3" name="Text Placeholder 2"/>
+          <p:cNvSpPr>
+            <a:spLocks noGrp="1"/>
+          </p:cNvSpPr>
+          <p:nvPr>
+            <p:ph type="body" idx="1"/>
+          </p:nvPr>
+        </p:nvSpPr>
+        <p:spPr/>
+        <p:txBody>
+          <a:bodyPr/>
+          <a:lstStyle/>
+          <a:p>
+            <a:r>
               <a:rPr lang="en-US" dirty="0" smtClean="0"/>
-              <a:t>Kochen-Specker Theorem</a:t>
+              <a:t>Yes, the Kochen-Specker Theorem still works even consider finite precision measurement modelled by QIVPM.</a:t>
             </a:r>
             <a:endParaRPr lang="en-US" dirty="0"/>
           </a:p>
         </p:txBody>
       </p:sp>
-      <mc:AlternateContent xmlns:mc="http://schemas.openxmlformats.org/markup-compatibility/2006" xmlns:a14="http://schemas.microsoft.com/office/drawing/2010/main">
-        <mc:Choice Requires="a14">
+    </p:spTree>
+    <p:extLst>
+      <p:ext uri="{BB962C8B-B14F-4D97-AF65-F5344CB8AC3E}">
+        <p14:creationId xmlns:p14="http://schemas.microsoft.com/office/powerpoint/2010/main" val="881549114"/>
+      </p:ext>
+    </p:extLst>
+  </p:cSld>
+  <p:clrMapOvr>
+    <a:masterClrMapping/>
+  </p:clrMapOvr>
+  <p:timing>
+    <p:tnLst>
+      <p:par>
+        <p:cTn id="1" dur="indefinite" restart="never" nodeType="tmRoot"/>
+      </p:par>
+    </p:tnLst>
+  </p:timing>
+</p:sld>
+</file>
+
+<file path=ppt/slides/slide12.xml><?xml version="1.0" encoding="utf-8"?>
+<p:sld xmlns:a="http://schemas.openxmlformats.org/drawingml/2006/main" xmlns:r="http://schemas.openxmlformats.org/officeDocument/2006/relationships" xmlns:p="http://schemas.openxmlformats.org/presentationml/2006/main">
+  <p:cSld>
+    <p:spTree>
+      <p:nvGrpSpPr>
+        <p:cNvPr id="1" name=""/>
+        <p:cNvGrpSpPr/>
+        <p:nvPr/>
+      </p:nvGrpSpPr>
+      <p:grpSpPr>
+        <a:xfrm>
+          <a:off x="0" y="0"/>
+          <a:ext cx="0" cy="0"/>
+          <a:chOff x="0" y="0"/>
+          <a:chExt cx="0" cy="0"/>
+        </a:xfrm>
+      </p:grpSpPr>
+      <p:sp>
+        <p:nvSpPr>
+          <p:cNvPr id="2" name="Title 1"/>
+          <p:cNvSpPr>
+            <a:spLocks noGrp="1"/>
+          </p:cNvSpPr>
+          <p:nvPr>
+            <p:ph type="title"/>
+          </p:nvPr>
+        </p:nvSpPr>
+        <p:spPr/>
+        <p:txBody>
+          <a:bodyPr/>
+          <a:lstStyle/>
+          <a:p>
+            <a:r>
+              <a:rPr lang="en-US" dirty="0"/>
+              <a:t>Kochen-Specker Theorem</a:t>
+            </a:r>
+          </a:p>
+        </p:txBody>
+      </p:sp>
+      <mc:AlternateContent xmlns:mc="http://schemas.openxmlformats.org/markup-compatibility/2006">
+        <mc:Choice xmlns:a14="http://schemas.microsoft.com/office/drawing/2010/main" Requires="a14">
           <p:sp>
             <p:nvSpPr>
               <p:cNvPr id="3" name="Content Placeholder 2"/>
@@ -4217,15 +4240,19 @@
                 <p:ph idx="1"/>
               </p:nvPr>
             </p:nvSpPr>
-            <p:spPr>
-              <a:xfrm>
-                <a:off x="838200" y="1825625"/>
-                <a:ext cx="10515600" cy="588391"/>
-              </a:xfrm>
-            </p:spPr>
+            <p:spPr/>
             <p:txBody>
-              <a:bodyPr/>
+              <a:bodyPr>
+                <a:normAutofit fontScale="92500" lnSpcReduction="10000"/>
+              </a:bodyPr>
               <a:lstStyle/>
+              <a:p>
+                <a:r>
+                  <a:rPr lang="en-US" dirty="0" smtClean="0"/>
+                  <a:t>Since the Kochen-Specker theorem claims quantum theory cannot be simulated by a non-contextual hidden variable theory, it is essentially the same as:</a:t>
+                </a:r>
+                <a:endParaRPr lang="en-US" dirty="0"/>
+              </a:p>
               <a:p>
                 <a:pPr marL="0" indent="0">
                   <a:buNone/>
@@ -4236,17 +4263,15 @@
                 </a:r>
                 <a:r>
                   <a:rPr lang="en-US" dirty="0"/>
-                  <a:t> There </a:t>
+                  <a:t> </a:t>
                 </a:r>
                 <a:r>
-                  <a:rPr lang="en-US" dirty="0" smtClean="0"/>
-                  <a:t>is no </a:t>
+                  <a:rPr lang="en-US" dirty="0"/>
+                  <a:t>There </a:t>
                 </a:r>
                 <a:r>
-                  <a:rPr lang="en-US" dirty="0" smtClean="0">
-                    <a:effectLst/>
-                  </a:rPr>
-                  <a:t>cryptodeterministic QIVPM</a:t>
+                  <a:rPr lang="en-US" dirty="0"/>
+                  <a:t>is no QIVPM</a:t>
                 </a:r>
                 <a:r>
                   <a:rPr lang="en-US" dirty="0"/>
@@ -4257,7 +4282,7 @@
                     <m:sSup>
                       <m:sSupPr>
                         <m:ctrlPr>
-                          <a:rPr lang="en-US" b="0" i="1" smtClean="0">
+                          <a:rPr lang="en-US" i="1">
                             <a:latin typeface="Cambria Math" panose="02040503050406030204" pitchFamily="18" charset="0"/>
                           </a:rPr>
                         </m:ctrlPr>
@@ -4287,7 +4312,7 @@
                           <m:rPr>
                             <m:nor/>
                           </m:rPr>
-                          <a:rPr lang="en-US" b="0" i="0" smtClean="0">
+                          <a:rPr lang="en-US">
                             <a:latin typeface="Cambria Math" panose="02040503050406030204" pitchFamily="18" charset="0"/>
                           </a:rPr>
                           <m:t>D</m:t>
@@ -4295,20 +4320,20 @@
                       </m:sup>
                     </m:sSup>
                     <m:r>
-                      <a:rPr lang="en-US" b="0" i="1" smtClean="0">
+                      <a:rPr lang="en-US" i="1">
                         <a:latin typeface="Cambria Math" panose="02040503050406030204" pitchFamily="18" charset="0"/>
                       </a:rPr>
                       <m:t>:</m:t>
                     </m:r>
                     <m:r>
-                      <a:rPr lang="en-US" b="0" i="1" smtClean="0">
+                      <a:rPr lang="en-US" i="1">
                         <a:latin typeface="Cambria Math" panose="02040503050406030204" pitchFamily="18" charset="0"/>
                         <a:ea typeface="Cambria Math" panose="02040503050406030204" pitchFamily="18" charset="0"/>
                       </a:rPr>
                       <m:t>ℰ</m:t>
                     </m:r>
                     <m:r>
-                      <a:rPr lang="en-US" b="0" i="1" smtClean="0">
+                      <a:rPr lang="en-US" i="1">
                         <a:latin typeface="Cambria Math" panose="02040503050406030204" pitchFamily="18" charset="0"/>
                         <a:ea typeface="Cambria Math" panose="02040503050406030204" pitchFamily="18" charset="0"/>
                       </a:rPr>
@@ -4319,7 +4344,7 @@
                         <m:begChr m:val="{"/>
                         <m:endChr m:val="}"/>
                         <m:ctrlPr>
-                          <a:rPr lang="en-US" b="0" i="1" smtClean="0">
+                          <a:rPr lang="en-US" i="1">
                             <a:latin typeface="Cambria Math" panose="02040503050406030204" pitchFamily="18" charset="0"/>
                             <a:ea typeface="Cambria Math" panose="02040503050406030204" pitchFamily="18" charset="0"/>
                           </a:rPr>
@@ -4346,7 +4371,81 @@
                           </m:e>
                         </m:d>
                         <m:r>
-                          <a:rPr lang="en-US" b="0" i="1" smtClean="0">
+                          <a:rPr lang="en-US" i="1">
+                            <a:latin typeface="Cambria Math" panose="02040503050406030204" pitchFamily="18" charset="0"/>
+                            <a:ea typeface="Cambria Math" panose="02040503050406030204" pitchFamily="18" charset="0"/>
+                          </a:rPr>
+                          <m:t>,</m:t>
+                        </m:r>
+                        <m:d>
+                          <m:dPr>
+                            <m:begChr m:val="["/>
+                            <m:endChr m:val="]"/>
+                            <m:ctrlPr>
+                              <a:rPr lang="en-US" i="1">
+                                <a:latin typeface="Cambria Math" panose="02040503050406030204" pitchFamily="18" charset="0"/>
+                              </a:rPr>
+                            </m:ctrlPr>
+                          </m:dPr>
+                          <m:e>
+                            <m:r>
+                              <a:rPr lang="en-US" i="1">
+                                <a:latin typeface="Cambria Math" panose="02040503050406030204" pitchFamily="18" charset="0"/>
+                              </a:rPr>
+                              <m:t>1,1</m:t>
+                            </m:r>
+                          </m:e>
+                        </m:d>
+                      </m:e>
+                    </m:d>
+                  </m:oMath>
+                </a14:m>
+                <a:r>
+                  <a:rPr lang="en-US" dirty="0"/>
+                  <a:t>.</a:t>
+                </a:r>
+                <a:endParaRPr lang="en-US" dirty="0"/>
+              </a:p>
+              <a:p>
+                <a:r>
+                  <a:rPr lang="en-US" dirty="0" smtClean="0"/>
+                  <a:t>The intervals </a:t>
+                </a:r>
+                <a14:m>
+                  <m:oMath xmlns:m="http://schemas.openxmlformats.org/officeDocument/2006/math">
+                    <m:d>
+                      <m:dPr>
+                        <m:begChr m:val="{"/>
+                        <m:endChr m:val="}"/>
+                        <m:ctrlPr>
+                          <a:rPr lang="en-US" i="1">
+                            <a:latin typeface="Cambria Math" panose="02040503050406030204" pitchFamily="18" charset="0"/>
+                            <a:ea typeface="Cambria Math" panose="02040503050406030204" pitchFamily="18" charset="0"/>
+                          </a:rPr>
+                        </m:ctrlPr>
+                      </m:dPr>
+                      <m:e>
+                        <m:d>
+                          <m:dPr>
+                            <m:begChr m:val="["/>
+                            <m:endChr m:val="]"/>
+                            <m:ctrlPr>
+                              <a:rPr lang="en-US" i="1">
+                                <a:latin typeface="Cambria Math" panose="02040503050406030204" pitchFamily="18" charset="0"/>
+                              </a:rPr>
+                            </m:ctrlPr>
+                          </m:dPr>
+                          <m:e>
+                            <m:r>
+                              <a:rPr lang="en-US" i="1">
+                                <a:latin typeface="Cambria Math" panose="02040503050406030204" pitchFamily="18" charset="0"/>
+                              </a:rPr>
+                              <m:t>0,0</m:t>
+                            </m:r>
+                          </m:e>
+                        </m:d>
+                        <m:r>
+                          <a:rPr lang="en-US" i="1">
                             <a:latin typeface="Cambria Math" panose="02040503050406030204" pitchFamily="18" charset="0"/>
                             <a:ea typeface="Cambria Math" panose="02040503050406030204" pitchFamily="18" charset="0"/>
                           </a:rPr>
@@ -4377,18 +4476,793 @@
                 </a14:m>
                 <a:r>
                   <a:rPr lang="en-US" dirty="0" smtClean="0"/>
-                  <a:t>.</a:t>
+                  <a:t> means the </a:t>
                 </a:r>
-                <a:endParaRPr lang="en-US" dirty="0"/>
+                <a:r>
+                  <a:rPr lang="en-US" dirty="0"/>
+                  <a:t>hidden variable </a:t>
+                </a:r>
+                <a:r>
+                  <a:rPr lang="en-US" dirty="0" smtClean="0"/>
+                  <a:t>theory is deterministic.</a:t>
+                </a:r>
+              </a:p>
+              <a:p>
+                <a:r>
+                  <a:rPr lang="en-US" dirty="0" smtClean="0"/>
+                  <a:t>The definition of QIVPM, especially </a:t>
+                </a:r>
               </a:p>
               <a:p>
                 <a:pPr lvl="1"/>
+                <a:r>
+                  <a:rPr lang="en-US" dirty="0" smtClean="0"/>
+                  <a:t>mapping every projectors to a value and</a:t>
+                </a:r>
+              </a:p>
+              <a:p>
+                <a:pPr lvl="1"/>
+                <a14:m>
+                  <m:oMath xmlns:m="http://schemas.openxmlformats.org/officeDocument/2006/math">
+                    <m:acc>
+                      <m:accPr>
+                        <m:chr m:val="̅"/>
+                        <m:ctrlPr>
+                          <a:rPr lang="en-US" i="1">
+                            <a:latin typeface="Cambria Math" panose="02040503050406030204" pitchFamily="18" charset="0"/>
+                          </a:rPr>
+                        </m:ctrlPr>
+                      </m:accPr>
+                      <m:e>
+                        <m:r>
+                          <a:rPr lang="en-US" i="1">
+                            <a:latin typeface="Cambria Math" panose="02040503050406030204" pitchFamily="18" charset="0"/>
+                          </a:rPr>
+                          <m:t>𝜇</m:t>
+                        </m:r>
+                      </m:e>
+                    </m:acc>
+                    <m:d>
+                      <m:dPr>
+                        <m:ctrlPr>
+                          <a:rPr lang="en-US" i="1">
+                            <a:latin typeface="Cambria Math" panose="02040503050406030204" pitchFamily="18" charset="0"/>
+                          </a:rPr>
+                        </m:ctrlPr>
+                      </m:dPr>
+                      <m:e>
+                        <m:sSub>
+                          <m:sSubPr>
+                            <m:ctrlPr>
+                              <a:rPr lang="en-US" i="1">
+                                <a:latin typeface="Cambria Math" panose="02040503050406030204" pitchFamily="18" charset="0"/>
+                              </a:rPr>
+                            </m:ctrlPr>
+                          </m:sSubPr>
+                          <m:e>
+                            <m:r>
+                              <a:rPr lang="en-US" i="1">
+                                <a:latin typeface="Cambria Math" panose="02040503050406030204" pitchFamily="18" charset="0"/>
+                              </a:rPr>
+                              <m:t>𝑃</m:t>
+                            </m:r>
+                          </m:e>
+                          <m:sub>
+                            <m:r>
+                              <a:rPr lang="en-US" i="1">
+                                <a:latin typeface="Cambria Math" panose="02040503050406030204" pitchFamily="18" charset="0"/>
+                              </a:rPr>
+                              <m:t>0</m:t>
+                            </m:r>
+                          </m:sub>
+                        </m:sSub>
+                        <m:r>
+                          <a:rPr lang="en-US" i="1">
+                            <a:solidFill>
+                              <a:srgbClr val="FF0000"/>
+                            </a:solidFill>
+                            <a:latin typeface="Cambria Math" panose="02040503050406030204" pitchFamily="18" charset="0"/>
+                          </a:rPr>
+                          <m:t>+</m:t>
+                        </m:r>
+                        <m:sSub>
+                          <m:sSubPr>
+                            <m:ctrlPr>
+                              <a:rPr lang="en-US" i="1">
+                                <a:latin typeface="Cambria Math" panose="02040503050406030204" pitchFamily="18" charset="0"/>
+                              </a:rPr>
+                            </m:ctrlPr>
+                          </m:sSubPr>
+                          <m:e>
+                            <m:r>
+                              <a:rPr lang="en-US" i="1">
+                                <a:latin typeface="Cambria Math" panose="02040503050406030204" pitchFamily="18" charset="0"/>
+                              </a:rPr>
+                              <m:t>𝑃</m:t>
+                            </m:r>
+                          </m:e>
+                          <m:sub>
+                            <m:r>
+                              <a:rPr lang="en-US" i="1">
+                                <a:latin typeface="Cambria Math" panose="02040503050406030204" pitchFamily="18" charset="0"/>
+                              </a:rPr>
+                              <m:t>1</m:t>
+                            </m:r>
+                          </m:sub>
+                        </m:sSub>
+                      </m:e>
+                    </m:d>
+                    <m:r>
+                      <a:rPr lang="en-US" i="1">
+                        <a:solidFill>
+                          <a:schemeClr val="accent2"/>
+                        </a:solidFill>
+                        <a:latin typeface="Cambria Math" panose="02040503050406030204" pitchFamily="18" charset="0"/>
+                      </a:rPr>
+                      <m:t>⊆</m:t>
+                    </m:r>
+                    <m:acc>
+                      <m:accPr>
+                        <m:chr m:val="̅"/>
+                        <m:ctrlPr>
+                          <a:rPr lang="en-US" i="1">
+                            <a:latin typeface="Cambria Math" panose="02040503050406030204" pitchFamily="18" charset="0"/>
+                          </a:rPr>
+                        </m:ctrlPr>
+                      </m:accPr>
+                      <m:e>
+                        <m:r>
+                          <a:rPr lang="en-US" i="1">
+                            <a:latin typeface="Cambria Math" panose="02040503050406030204" pitchFamily="18" charset="0"/>
+                          </a:rPr>
+                          <m:t>𝜇</m:t>
+                        </m:r>
+                      </m:e>
+                    </m:acc>
+                    <m:d>
+                      <m:dPr>
+                        <m:ctrlPr>
+                          <a:rPr lang="en-US" i="1">
+                            <a:latin typeface="Cambria Math" panose="02040503050406030204" pitchFamily="18" charset="0"/>
+                          </a:rPr>
+                        </m:ctrlPr>
+                      </m:dPr>
+                      <m:e>
+                        <m:sSub>
+                          <m:sSubPr>
+                            <m:ctrlPr>
+                              <a:rPr lang="en-US" i="1">
+                                <a:latin typeface="Cambria Math" panose="02040503050406030204" pitchFamily="18" charset="0"/>
+                              </a:rPr>
+                            </m:ctrlPr>
+                          </m:sSubPr>
+                          <m:e>
+                            <m:r>
+                              <a:rPr lang="en-US" i="1">
+                                <a:latin typeface="Cambria Math" panose="02040503050406030204" pitchFamily="18" charset="0"/>
+                              </a:rPr>
+                              <m:t>𝑃</m:t>
+                            </m:r>
+                          </m:e>
+                          <m:sub>
+                            <m:r>
+                              <a:rPr lang="en-US" i="1">
+                                <a:latin typeface="Cambria Math" panose="02040503050406030204" pitchFamily="18" charset="0"/>
+                              </a:rPr>
+                              <m:t>0</m:t>
+                            </m:r>
+                          </m:sub>
+                        </m:sSub>
+                      </m:e>
+                    </m:d>
+                    <m:r>
+                      <a:rPr lang="en-US" i="1">
+                        <a:solidFill>
+                          <a:schemeClr val="accent2"/>
+                        </a:solidFill>
+                        <a:latin typeface="Cambria Math" panose="02040503050406030204" pitchFamily="18" charset="0"/>
+                      </a:rPr>
+                      <m:t>+</m:t>
+                    </m:r>
+                    <m:acc>
+                      <m:accPr>
+                        <m:chr m:val="̅"/>
+                        <m:ctrlPr>
+                          <a:rPr lang="en-US" i="1">
+                            <a:latin typeface="Cambria Math" panose="02040503050406030204" pitchFamily="18" charset="0"/>
+                          </a:rPr>
+                        </m:ctrlPr>
+                      </m:accPr>
+                      <m:e>
+                        <m:r>
+                          <a:rPr lang="en-US" i="1">
+                            <a:latin typeface="Cambria Math" panose="02040503050406030204" pitchFamily="18" charset="0"/>
+                          </a:rPr>
+                          <m:t>𝜇</m:t>
+                        </m:r>
+                      </m:e>
+                    </m:acc>
+                    <m:d>
+                      <m:dPr>
+                        <m:ctrlPr>
+                          <a:rPr lang="en-US" i="1">
+                            <a:latin typeface="Cambria Math" panose="02040503050406030204" pitchFamily="18" charset="0"/>
+                          </a:rPr>
+                        </m:ctrlPr>
+                      </m:dPr>
+                      <m:e>
+                        <m:sSub>
+                          <m:sSubPr>
+                            <m:ctrlPr>
+                              <a:rPr lang="en-US" i="1">
+                                <a:latin typeface="Cambria Math" panose="02040503050406030204" pitchFamily="18" charset="0"/>
+                              </a:rPr>
+                            </m:ctrlPr>
+                          </m:sSubPr>
+                          <m:e>
+                            <m:r>
+                              <a:rPr lang="en-US" i="1">
+                                <a:latin typeface="Cambria Math" panose="02040503050406030204" pitchFamily="18" charset="0"/>
+                              </a:rPr>
+                              <m:t>𝑃</m:t>
+                            </m:r>
+                          </m:e>
+                          <m:sub>
+                            <m:r>
+                              <a:rPr lang="en-US" i="1">
+                                <a:latin typeface="Cambria Math" panose="02040503050406030204" pitchFamily="18" charset="0"/>
+                              </a:rPr>
+                              <m:t>1</m:t>
+                            </m:r>
+                          </m:sub>
+                        </m:sSub>
+                      </m:e>
+                    </m:d>
+                  </m:oMath>
+                </a14:m>
+                <a:r>
+                  <a:rPr lang="en-US" dirty="0" smtClean="0"/>
+                  <a:t>,</a:t>
+                </a:r>
+              </a:p>
+              <a:p>
+                <a:pPr>
+                  <a:buFont typeface="Calibri" panose="020F0502020204030204" pitchFamily="34" charset="0"/>
+                  <a:buChar char="‖"/>
+                </a:pPr>
+                <a:r>
+                  <a:rPr lang="en-US" dirty="0" smtClean="0"/>
+                  <a:t>means non-contextuality since it requires the measurement results is independent of the measurement basis.</a:t>
+                </a:r>
+              </a:p>
+              <a:p>
                 <a:endParaRPr lang="en-US" dirty="0"/>
               </a:p>
             </p:txBody>
           </p:sp>
         </mc:Choice>
-        <mc:Fallback xmlns="">
+        <mc:Fallback>
+          <p:sp>
+            <p:nvSpPr>
+              <p:cNvPr id="3" name="Content Placeholder 2"/>
+              <p:cNvSpPr>
+                <a:spLocks noGrp="1" noRot="1" noChangeAspect="1" noMove="1" noResize="1" noEditPoints="1" noAdjustHandles="1" noChangeArrowheads="1" noChangeShapeType="1" noTextEdit="1"/>
+              </p:cNvSpPr>
+              <p:nvPr>
+                <p:ph idx="1"/>
+              </p:nvPr>
+            </p:nvSpPr>
+            <p:spPr>
+              <a:blipFill rotWithShape="0">
+                <a:blip r:embed="rId2"/>
+                <a:stretch>
+                  <a:fillRect l="-1101" t="-2801" b="-420"/>
+                </a:stretch>
+              </a:blipFill>
+            </p:spPr>
+            <p:txBody>
+              <a:bodyPr/>
+              <a:lstStyle/>
+              <a:p>
+                <a:r>
+                  <a:rPr lang="en-US">
+                    <a:noFill/>
+                  </a:rPr>
+                  <a:t> </a:t>
+                </a:r>
+              </a:p>
+            </p:txBody>
+          </p:sp>
+        </mc:Fallback>
+      </mc:AlternateContent>
+    </p:spTree>
+    <p:extLst>
+      <p:ext uri="{BB962C8B-B14F-4D97-AF65-F5344CB8AC3E}">
+        <p14:creationId xmlns:p14="http://schemas.microsoft.com/office/powerpoint/2010/main" val="4249772335"/>
+      </p:ext>
+    </p:extLst>
+  </p:cSld>
+  <p:clrMapOvr>
+    <a:masterClrMapping/>
+  </p:clrMapOvr>
+  <p:timing>
+    <p:tnLst>
+      <p:par>
+        <p:cTn id="1" dur="indefinite" restart="never" nodeType="tmRoot"/>
+      </p:par>
+    </p:tnLst>
+  </p:timing>
+</p:sld>
+</file>
+
+<file path=ppt/slides/slide13.xml><?xml version="1.0" encoding="utf-8"?>
+<p:sld xmlns:a="http://schemas.openxmlformats.org/drawingml/2006/main" xmlns:r="http://schemas.openxmlformats.org/officeDocument/2006/relationships" xmlns:p="http://schemas.openxmlformats.org/presentationml/2006/main">
+  <p:cSld>
+    <p:spTree>
+      <p:nvGrpSpPr>
+        <p:cNvPr id="1" name=""/>
+        <p:cNvGrpSpPr/>
+        <p:nvPr/>
+      </p:nvGrpSpPr>
+      <p:grpSpPr>
+        <a:xfrm>
+          <a:off x="0" y="0"/>
+          <a:ext cx="0" cy="0"/>
+          <a:chOff x="0" y="0"/>
+          <a:chExt cx="0" cy="0"/>
+        </a:xfrm>
+      </p:grpSpPr>
+      <p:sp>
+        <p:nvSpPr>
+          <p:cNvPr id="2" name="Title 1"/>
+          <p:cNvSpPr>
+            <a:spLocks noGrp="1"/>
+          </p:cNvSpPr>
+          <p:nvPr>
+            <p:ph type="title"/>
+          </p:nvPr>
+        </p:nvSpPr>
+        <p:spPr/>
+        <p:txBody>
+          <a:bodyPr/>
+          <a:lstStyle/>
+          <a:p>
+            <a:r>
+              <a:rPr lang="en-US" dirty="0"/>
+              <a:t>Finite Precision </a:t>
+            </a:r>
+            <a:r>
+              <a:rPr lang="en-US" dirty="0" smtClean="0"/>
+              <a:t>Measurement</a:t>
+            </a:r>
+            <a:endParaRPr lang="en-US" dirty="0"/>
+          </a:p>
+        </p:txBody>
+      </p:sp>
+      <mc:AlternateContent xmlns:mc="http://schemas.openxmlformats.org/markup-compatibility/2006">
+        <mc:Choice xmlns:a14="http://schemas.microsoft.com/office/drawing/2010/main" Requires="a14">
+          <p:sp>
+            <p:nvSpPr>
+              <p:cNvPr id="3" name="Content Placeholder 2"/>
+              <p:cNvSpPr>
+                <a:spLocks noGrp="1"/>
+              </p:cNvSpPr>
+              <p:nvPr>
+                <p:ph idx="1"/>
+              </p:nvPr>
+            </p:nvSpPr>
+            <p:spPr>
+              <a:xfrm>
+                <a:off x="838200" y="1825625"/>
+                <a:ext cx="10515600" cy="1587276"/>
+              </a:xfrm>
+            </p:spPr>
+            <p:txBody>
+              <a:bodyPr/>
+              <a:lstStyle/>
+              <a:p>
+                <a:r>
+                  <a:rPr lang="en-US" dirty="0"/>
+                  <a:t>Relax </a:t>
+                </a:r>
+                <a14:m>
+                  <m:oMath xmlns:m="http://schemas.openxmlformats.org/officeDocument/2006/math">
+                    <m:d>
+                      <m:dPr>
+                        <m:begChr m:val="{"/>
+                        <m:endChr m:val="}"/>
+                        <m:ctrlPr>
+                          <a:rPr lang="en-US" i="1">
+                            <a:latin typeface="Cambria Math" panose="02040503050406030204" pitchFamily="18" charset="0"/>
+                            <a:ea typeface="Cambria Math" panose="02040503050406030204" pitchFamily="18" charset="0"/>
+                          </a:rPr>
+                        </m:ctrlPr>
+                      </m:dPr>
+                      <m:e>
+                        <m:d>
+                          <m:dPr>
+                            <m:begChr m:val="["/>
+                            <m:endChr m:val="]"/>
+                            <m:ctrlPr>
+                              <a:rPr lang="en-US" i="1">
+                                <a:latin typeface="Cambria Math" panose="02040503050406030204" pitchFamily="18" charset="0"/>
+                              </a:rPr>
+                            </m:ctrlPr>
+                          </m:dPr>
+                          <m:e>
+                            <m:r>
+                              <a:rPr lang="en-US" i="1">
+                                <a:latin typeface="Cambria Math" panose="02040503050406030204" pitchFamily="18" charset="0"/>
+                              </a:rPr>
+                              <m:t>0,0</m:t>
+                            </m:r>
+                          </m:e>
+                        </m:d>
+                        <m:r>
+                          <a:rPr lang="en-US" i="1">
+                            <a:latin typeface="Cambria Math" panose="02040503050406030204" pitchFamily="18" charset="0"/>
+                            <a:ea typeface="Cambria Math" panose="02040503050406030204" pitchFamily="18" charset="0"/>
+                          </a:rPr>
+                          <m:t>,</m:t>
+                        </m:r>
+                        <m:d>
+                          <m:dPr>
+                            <m:begChr m:val="["/>
+                            <m:endChr m:val="]"/>
+                            <m:ctrlPr>
+                              <a:rPr lang="en-US" i="1">
+                                <a:latin typeface="Cambria Math" panose="02040503050406030204" pitchFamily="18" charset="0"/>
+                              </a:rPr>
+                            </m:ctrlPr>
+                          </m:dPr>
+                          <m:e>
+                            <m:r>
+                              <a:rPr lang="en-US" i="1">
+                                <a:latin typeface="Cambria Math" panose="02040503050406030204" pitchFamily="18" charset="0"/>
+                              </a:rPr>
+                              <m:t>1,1</m:t>
+                            </m:r>
+                          </m:e>
+                        </m:d>
+                      </m:e>
+                    </m:d>
+                  </m:oMath>
+                </a14:m>
+                <a:r>
+                  <a:rPr lang="en-US" dirty="0"/>
+                  <a:t> to a set of intervals</a:t>
+                </a:r>
+                <a:r>
+                  <a:rPr lang="en-US" dirty="0"/>
+                  <a:t> </a:t>
+                </a:r>
+                <a14:m>
+                  <m:oMath xmlns:m="http://schemas.openxmlformats.org/officeDocument/2006/math">
+                    <m:r>
+                      <m:rPr>
+                        <m:nor/>
+                      </m:rPr>
+                      <a:rPr lang="en-US" dirty="0">
+                        <a:latin typeface="XITS Math" panose="02000503000000000000" pitchFamily="50" charset="0"/>
+                        <a:ea typeface="XITS Math" panose="02000503000000000000" pitchFamily="50" charset="0"/>
+                        <a:cs typeface="XITS Math" panose="02000503000000000000" pitchFamily="50" charset="0"/>
+                      </a:rPr>
+                      <m:t>ℐ</m:t>
+                    </m:r>
+                  </m:oMath>
+                </a14:m>
+                <a:r>
+                  <a:rPr lang="en-US" dirty="0"/>
+                  <a:t> close to </a:t>
+                </a:r>
+                <a14:m>
+                  <m:oMath xmlns:m="http://schemas.openxmlformats.org/officeDocument/2006/math">
+                    <m:d>
+                      <m:dPr>
+                        <m:begChr m:val="{"/>
+                        <m:endChr m:val="}"/>
+                        <m:ctrlPr>
+                          <a:rPr lang="en-US" i="1">
+                            <a:latin typeface="Cambria Math" panose="02040503050406030204" pitchFamily="18" charset="0"/>
+                            <a:ea typeface="Cambria Math" panose="02040503050406030204" pitchFamily="18" charset="0"/>
+                          </a:rPr>
+                        </m:ctrlPr>
+                      </m:dPr>
+                      <m:e>
+                        <m:d>
+                          <m:dPr>
+                            <m:begChr m:val="["/>
+                            <m:endChr m:val="]"/>
+                            <m:ctrlPr>
+                              <a:rPr lang="en-US" i="1">
+                                <a:latin typeface="Cambria Math" panose="02040503050406030204" pitchFamily="18" charset="0"/>
+                              </a:rPr>
+                            </m:ctrlPr>
+                          </m:dPr>
+                          <m:e>
+                            <m:r>
+                              <a:rPr lang="en-US" i="1">
+                                <a:latin typeface="Cambria Math" panose="02040503050406030204" pitchFamily="18" charset="0"/>
+                              </a:rPr>
+                              <m:t>0,0</m:t>
+                            </m:r>
+                          </m:e>
+                        </m:d>
+                        <m:r>
+                          <a:rPr lang="en-US" i="1">
+                            <a:latin typeface="Cambria Math" panose="02040503050406030204" pitchFamily="18" charset="0"/>
+                            <a:ea typeface="Cambria Math" panose="02040503050406030204" pitchFamily="18" charset="0"/>
+                          </a:rPr>
+                          <m:t>,</m:t>
+                        </m:r>
+                        <m:d>
+                          <m:dPr>
+                            <m:begChr m:val="["/>
+                            <m:endChr m:val="]"/>
+                            <m:ctrlPr>
+                              <a:rPr lang="en-US" i="1">
+                                <a:latin typeface="Cambria Math" panose="02040503050406030204" pitchFamily="18" charset="0"/>
+                              </a:rPr>
+                            </m:ctrlPr>
+                          </m:dPr>
+                          <m:e>
+                            <m:r>
+                              <a:rPr lang="en-US" i="1">
+                                <a:latin typeface="Cambria Math" panose="02040503050406030204" pitchFamily="18" charset="0"/>
+                              </a:rPr>
+                              <m:t>1,1</m:t>
+                            </m:r>
+                          </m:e>
+                        </m:d>
+                      </m:e>
+                    </m:d>
+                  </m:oMath>
+                </a14:m>
+                <a:r>
+                  <a:rPr lang="en-US" dirty="0"/>
+                  <a:t>, i.e., given </a:t>
+                </a:r>
+                <a:r>
+                  <a:rPr lang="en-US" dirty="0"/>
+                  <a:t>a small </a:t>
+                </a:r>
+                <a14:m>
+                  <m:oMath xmlns:m="http://schemas.openxmlformats.org/officeDocument/2006/math">
+                    <m:r>
+                      <a:rPr lang="en-US" i="1">
+                        <a:latin typeface="Cambria Math" panose="02040503050406030204" pitchFamily="18" charset="0"/>
+                      </a:rPr>
+                      <m:t>𝛿</m:t>
+                    </m:r>
+                    <m:r>
+                      <a:rPr lang="en-US" i="1">
+                        <a:latin typeface="Cambria Math" panose="02040503050406030204" pitchFamily="18" charset="0"/>
+                      </a:rPr>
+                      <m:t>≥0</m:t>
+                    </m:r>
+                  </m:oMath>
+                </a14:m>
+                <a:r>
+                  <a:rPr lang="en-US" dirty="0"/>
+                  <a:t>, we </a:t>
+                </a:r>
+                <a:r>
+                  <a:rPr lang="en-US" dirty="0"/>
+                  <a:t>want for any projector </a:t>
+                </a:r>
+                <a14:m>
+                  <m:oMath xmlns:m="http://schemas.openxmlformats.org/officeDocument/2006/math">
+                    <m:r>
+                      <a:rPr lang="en-US" i="1">
+                        <a:latin typeface="Cambria Math" panose="02040503050406030204" pitchFamily="18" charset="0"/>
+                      </a:rPr>
+                      <m:t>𝑃</m:t>
+                    </m:r>
+                  </m:oMath>
+                </a14:m>
+                <a:r>
+                  <a:rPr lang="en-US" dirty="0"/>
+                  <a:t>, </a:t>
+                </a:r>
+                <a:r>
+                  <a:rPr lang="en-US" dirty="0"/>
+                  <a:t/>
+                </a:r>
+                <a:br>
+                  <a:rPr lang="en-US" dirty="0"/>
+                </a:br>
+                <a14:m>
+                  <m:oMath xmlns:m="http://schemas.openxmlformats.org/officeDocument/2006/math">
+                    <m:r>
+                      <m:rPr>
+                        <m:nor/>
+                      </m:rPr>
+                      <a:rPr lang="en-US" dirty="0"/>
+                      <m:t>either</m:t>
+                    </m:r>
+                    <m:r>
+                      <a:rPr lang="en-US" i="1" dirty="0">
+                        <a:latin typeface="Cambria Math" panose="02040503050406030204" pitchFamily="18" charset="0"/>
+                      </a:rPr>
+                      <m:t> </m:t>
+                    </m:r>
+                    <m:acc>
+                      <m:accPr>
+                        <m:chr m:val="̅"/>
+                        <m:ctrlPr>
+                          <a:rPr lang="en-US" i="1">
+                            <a:latin typeface="Cambria Math" panose="02040503050406030204" pitchFamily="18" charset="0"/>
+                          </a:rPr>
+                        </m:ctrlPr>
+                      </m:accPr>
+                      <m:e>
+                        <m:r>
+                          <a:rPr lang="en-US" i="1">
+                            <a:latin typeface="Cambria Math" panose="02040503050406030204" pitchFamily="18" charset="0"/>
+                          </a:rPr>
+                          <m:t>𝜇</m:t>
+                        </m:r>
+                      </m:e>
+                    </m:acc>
+                    <m:d>
+                      <m:dPr>
+                        <m:ctrlPr>
+                          <a:rPr lang="en-US" i="1">
+                            <a:latin typeface="Cambria Math" panose="02040503050406030204" pitchFamily="18" charset="0"/>
+                          </a:rPr>
+                        </m:ctrlPr>
+                      </m:dPr>
+                      <m:e>
+                        <m:r>
+                          <a:rPr lang="en-US" i="1">
+                            <a:latin typeface="Cambria Math" panose="02040503050406030204" pitchFamily="18" charset="0"/>
+                          </a:rPr>
+                          <m:t>𝑃</m:t>
+                        </m:r>
+                      </m:e>
+                    </m:d>
+                    <m:r>
+                      <a:rPr lang="en-US" i="1">
+                        <a:latin typeface="Cambria Math" panose="02040503050406030204" pitchFamily="18" charset="0"/>
+                      </a:rPr>
+                      <m:t>⊆</m:t>
+                    </m:r>
+                    <m:d>
+                      <m:dPr>
+                        <m:begChr m:val="["/>
+                        <m:endChr m:val="]"/>
+                        <m:ctrlPr>
+                          <a:rPr lang="en-US" i="1">
+                            <a:latin typeface="Cambria Math" panose="02040503050406030204" pitchFamily="18" charset="0"/>
+                          </a:rPr>
+                        </m:ctrlPr>
+                      </m:dPr>
+                      <m:e>
+                        <m:r>
+                          <a:rPr lang="en-US" i="1">
+                            <a:latin typeface="Cambria Math" panose="02040503050406030204" pitchFamily="18" charset="0"/>
+                          </a:rPr>
+                          <m:t>0,</m:t>
+                        </m:r>
+                        <m:r>
+                          <a:rPr lang="en-US" i="1">
+                            <a:latin typeface="Cambria Math" panose="02040503050406030204" pitchFamily="18" charset="0"/>
+                          </a:rPr>
+                          <m:t>𝛿</m:t>
+                        </m:r>
+                      </m:e>
+                    </m:d>
+                    <m:r>
+                      <m:rPr>
+                        <m:nor/>
+                      </m:rPr>
+                      <a:rPr lang="en-US">
+                        <a:latin typeface="Cambria Math" panose="02040503050406030204" pitchFamily="18" charset="0"/>
+                      </a:rPr>
+                      <m:t> </m:t>
+                    </m:r>
+                    <m:r>
+                      <m:rPr>
+                        <m:nor/>
+                      </m:rPr>
+                      <a:rPr lang="en-US" dirty="0"/>
+                      <m:t>or</m:t>
+                    </m:r>
+                    <m:r>
+                      <a:rPr lang="en-US" i="1" dirty="0">
+                        <a:latin typeface="Cambria Math" panose="02040503050406030204" pitchFamily="18" charset="0"/>
+                      </a:rPr>
+                      <m:t> </m:t>
+                    </m:r>
+                    <m:acc>
+                      <m:accPr>
+                        <m:chr m:val="̅"/>
+                        <m:ctrlPr>
+                          <a:rPr lang="en-US" i="1">
+                            <a:latin typeface="Cambria Math" panose="02040503050406030204" pitchFamily="18" charset="0"/>
+                          </a:rPr>
+                        </m:ctrlPr>
+                      </m:accPr>
+                      <m:e>
+                        <m:r>
+                          <a:rPr lang="en-US" i="1">
+                            <a:latin typeface="Cambria Math" panose="02040503050406030204" pitchFamily="18" charset="0"/>
+                          </a:rPr>
+                          <m:t>𝜇</m:t>
+                        </m:r>
+                      </m:e>
+                    </m:acc>
+                    <m:d>
+                      <m:dPr>
+                        <m:ctrlPr>
+                          <a:rPr lang="en-US" i="1">
+                            <a:latin typeface="Cambria Math" panose="02040503050406030204" pitchFamily="18" charset="0"/>
+                          </a:rPr>
+                        </m:ctrlPr>
+                      </m:dPr>
+                      <m:e>
+                        <m:r>
+                          <a:rPr lang="en-US" i="1">
+                            <a:latin typeface="Cambria Math" panose="02040503050406030204" pitchFamily="18" charset="0"/>
+                          </a:rPr>
+                          <m:t>𝑃</m:t>
+                        </m:r>
+                      </m:e>
+                    </m:d>
+                    <m:r>
+                      <a:rPr lang="en-US" i="1">
+                        <a:latin typeface="Cambria Math" panose="02040503050406030204" pitchFamily="18" charset="0"/>
+                      </a:rPr>
+                      <m:t>⊆</m:t>
+                    </m:r>
+                    <m:d>
+                      <m:dPr>
+                        <m:begChr m:val="["/>
+                        <m:endChr m:val="]"/>
+                        <m:ctrlPr>
+                          <a:rPr lang="en-US" i="1">
+                            <a:latin typeface="Cambria Math" panose="02040503050406030204" pitchFamily="18" charset="0"/>
+                          </a:rPr>
+                        </m:ctrlPr>
+                      </m:dPr>
+                      <m:e>
+                        <m:r>
+                          <a:rPr lang="en-US" i="1">
+                            <a:latin typeface="Cambria Math" panose="02040503050406030204" pitchFamily="18" charset="0"/>
+                          </a:rPr>
+                          <m:t>1−</m:t>
+                        </m:r>
+                        <m:r>
+                          <a:rPr lang="en-US" i="1">
+                            <a:latin typeface="Cambria Math" panose="02040503050406030204" pitchFamily="18" charset="0"/>
+                          </a:rPr>
+                          <m:t>𝛿</m:t>
+                        </m:r>
+                        <m:r>
+                          <a:rPr lang="en-US" i="1">
+                            <a:latin typeface="Cambria Math" panose="02040503050406030204" pitchFamily="18" charset="0"/>
+                          </a:rPr>
+                          <m:t>,1</m:t>
+                        </m:r>
+                      </m:e>
+                    </m:d>
+                    <m:r>
+                      <a:rPr lang="en-US" i="1">
+                        <a:latin typeface="Cambria Math" panose="02040503050406030204" pitchFamily="18" charset="0"/>
+                      </a:rPr>
+                      <m:t> .</m:t>
+                    </m:r>
+                  </m:oMath>
+                </a14:m>
+                <a:endParaRPr lang="en-US" dirty="0"/>
+              </a:p>
+              <a:p>
+                <a:endParaRPr lang="en-US" dirty="0"/>
+              </a:p>
+            </p:txBody>
+          </p:sp>
+        </mc:Choice>
+        <mc:Fallback>
           <p:sp>
             <p:nvSpPr>
               <p:cNvPr id="3" name="Content Placeholder 2"/>
@@ -4402,12 +5276,12 @@
             <p:spPr>
               <a:xfrm>
                 <a:off x="838200" y="1825625"/>
-                <a:ext cx="10515600" cy="588391"/>
+                <a:ext cx="10515600" cy="1587276"/>
               </a:xfrm>
               <a:blipFill rotWithShape="0">
-                <a:blip r:embed="rId3"/>
+                <a:blip r:embed="rId2"/>
                 <a:stretch>
-                  <a:fillRect l="-1217" t="-5155" r="-1159" b="-21649"/>
+                  <a:fillRect l="-1043" t="-6130"/>
                 </a:stretch>
               </a:blipFill>
             </p:spPr>
@@ -4436,7 +5310,7 @@
         </p:nvSpPr>
         <p:spPr>
           <a:xfrm>
-            <a:off x="838200" y="2986405"/>
+            <a:off x="838200" y="3412901"/>
             <a:ext cx="10515600" cy="1325563"/>
           </a:xfrm>
           <a:prstGeom prst="rect">
@@ -4468,15 +5342,21 @@
           </a:lstStyle>
           <a:p>
             <a:r>
-              <a:rPr lang="en-US" smtClean="0"/>
-              <a:t>Finite Precision Measurement</a:t>
+              <a:rPr lang="en-US" dirty="0"/>
+              <a:t>Kochen-Specker Theorem</a:t>
             </a:r>
-            <a:endParaRPr lang="en-US" dirty="0"/>
+            <a:br>
+              <a:rPr lang="en-US" dirty="0"/>
+            </a:br>
+            <a:r>
+              <a:rPr lang="en-US" dirty="0"/>
+              <a:t>with Finite Precision Measurement</a:t>
+            </a:r>
           </a:p>
         </p:txBody>
       </p:sp>
-      <mc:AlternateContent xmlns:mc="http://schemas.openxmlformats.org/markup-compatibility/2006" xmlns:a14="http://schemas.microsoft.com/office/drawing/2010/main">
-        <mc:Choice Requires="a14">
+      <mc:AlternateContent xmlns:mc="http://schemas.openxmlformats.org/markup-compatibility/2006">
+        <mc:Choice xmlns:a14="http://schemas.microsoft.com/office/drawing/2010/main" Requires="a14">
           <p:sp>
             <p:nvSpPr>
               <p:cNvPr id="5" name="Content Placeholder 2"/>
@@ -4487,8 +5367,8 @@
             </p:nvSpPr>
             <p:spPr>
               <a:xfrm>
-                <a:off x="838200" y="4446905"/>
-                <a:ext cx="10515600" cy="1405255"/>
+                <a:off x="838200" y="4873401"/>
+                <a:ext cx="10515600" cy="1587276"/>
               </a:xfrm>
               <a:prstGeom prst="rect">
                 <a:avLst/>
@@ -4663,178 +5543,42 @@
                 </a:lvl9pPr>
               </a:lstStyle>
               <a:p>
+                <a:pPr marL="0" indent="0">
+                  <a:buNone/>
+                </a:pPr>
                 <a:r>
-                  <a:rPr lang="en-US" dirty="0" smtClean="0"/>
-                  <a:t>Relax </a:t>
+                  <a:rPr lang="en-US" b="1" dirty="0"/>
+                  <a:t>Theorem</a:t>
+                </a:r>
+                <a:r>
+                  <a:rPr lang="en-US" dirty="0"/>
+                  <a:t> There is no </a:t>
                 </a:r>
                 <a14:m>
                   <m:oMath xmlns:m="http://schemas.openxmlformats.org/officeDocument/2006/math">
-                    <m:d>
-                      <m:dPr>
-                        <m:begChr m:val="{"/>
-                        <m:endChr m:val="}"/>
+                    <m:acc>
+                      <m:accPr>
+                        <m:chr m:val="̅"/>
                         <m:ctrlPr>
                           <a:rPr lang="en-US" i="1">
                             <a:latin typeface="Cambria Math" panose="02040503050406030204" pitchFamily="18" charset="0"/>
-                            <a:ea typeface="Cambria Math" panose="02040503050406030204" pitchFamily="18" charset="0"/>
                           </a:rPr>
                         </m:ctrlPr>
-                      </m:dPr>
+                      </m:accPr>
                       <m:e>
-                        <m:d>
-                          <m:dPr>
-                            <m:begChr m:val="["/>
-                            <m:endChr m:val="]"/>
-                            <m:ctrlPr>
-                              <a:rPr lang="en-US" i="1">
-                                <a:latin typeface="Cambria Math" panose="02040503050406030204" pitchFamily="18" charset="0"/>
-                              </a:rPr>
-                            </m:ctrlPr>
-                          </m:dPr>
-                          <m:e>
-                            <m:r>
-                              <a:rPr lang="en-US" i="1">
-                                <a:latin typeface="Cambria Math" panose="02040503050406030204" pitchFamily="18" charset="0"/>
-                              </a:rPr>
-                              <m:t>0,0</m:t>
-                            </m:r>
-                          </m:e>
-                        </m:d>
                         <m:r>
                           <a:rPr lang="en-US" i="1">
                             <a:latin typeface="Cambria Math" panose="02040503050406030204" pitchFamily="18" charset="0"/>
-                            <a:ea typeface="Cambria Math" panose="02040503050406030204" pitchFamily="18" charset="0"/>
-                          </a:rPr>
-                          <m:t>,</m:t>
+                          </a:rPr>
+                          <m:t>𝜇</m:t>
                         </m:r>
-                        <m:d>
-                          <m:dPr>
-                            <m:begChr m:val="["/>
-                            <m:endChr m:val="]"/>
-                            <m:ctrlPr>
-                              <a:rPr lang="en-US" i="1">
-                                <a:latin typeface="Cambria Math" panose="02040503050406030204" pitchFamily="18" charset="0"/>
-                              </a:rPr>
-                            </m:ctrlPr>
-                          </m:dPr>
-                          <m:e>
-                            <m:r>
-                              <a:rPr lang="en-US" i="1">
-                                <a:latin typeface="Cambria Math" panose="02040503050406030204" pitchFamily="18" charset="0"/>
-                              </a:rPr>
-                              <m:t>1,1</m:t>
-                            </m:r>
-                          </m:e>
-                        </m:d>
                       </m:e>
-                    </m:d>
+                    </m:acc>
                   </m:oMath>
                 </a14:m>
                 <a:r>
-                  <a:rPr lang="en-US" dirty="0" smtClean="0"/>
-                  <a:t> to a set of intervals</a:t>
-                </a:r>
-                <a:r>
                   <a:rPr lang="en-US" dirty="0"/>
-                  <a:t> </a:t>
-                </a:r>
-                <a14:m>
-                  <m:oMath xmlns:m="http://schemas.openxmlformats.org/officeDocument/2006/math">
-                    <m:r>
-                      <m:rPr>
-                        <m:nor/>
-                      </m:rPr>
-                      <a:rPr lang="en-US" dirty="0">
-                        <a:latin typeface="XITS Math" panose="02000503000000000000" pitchFamily="50" charset="0"/>
-                        <a:ea typeface="XITS Math" panose="02000503000000000000" pitchFamily="50" charset="0"/>
-                        <a:cs typeface="XITS Math" panose="02000503000000000000" pitchFamily="50" charset="0"/>
-                      </a:rPr>
-                      <m:t>ℐ</m:t>
-                    </m:r>
-                  </m:oMath>
-                </a14:m>
-                <a:r>
-                  <a:rPr lang="en-US" dirty="0" smtClean="0"/>
-                  <a:t> </a:t>
-                </a:r>
-                <a:r>
-                  <a:rPr lang="en-US" dirty="0"/>
-                  <a:t>closed </a:t>
-                </a:r>
-                <a:r>
-                  <a:rPr lang="en-US" dirty="0" smtClean="0"/>
-                  <a:t>to </a:t>
-                </a:r>
-                <a14:m>
-                  <m:oMath xmlns:m="http://schemas.openxmlformats.org/officeDocument/2006/math">
-                    <m:d>
-                      <m:dPr>
-                        <m:begChr m:val="{"/>
-                        <m:endChr m:val="}"/>
-                        <m:ctrlPr>
-                          <a:rPr lang="en-US" i="1">
-                            <a:latin typeface="Cambria Math" panose="02040503050406030204" pitchFamily="18" charset="0"/>
-                            <a:ea typeface="Cambria Math" panose="02040503050406030204" pitchFamily="18" charset="0"/>
-                          </a:rPr>
-                        </m:ctrlPr>
-                      </m:dPr>
-                      <m:e>
-                        <m:d>
-                          <m:dPr>
-                            <m:begChr m:val="["/>
-                            <m:endChr m:val="]"/>
-                            <m:ctrlPr>
-                              <a:rPr lang="en-US" i="1">
-                                <a:latin typeface="Cambria Math" panose="02040503050406030204" pitchFamily="18" charset="0"/>
-                              </a:rPr>
-                            </m:ctrlPr>
-                          </m:dPr>
-                          <m:e>
-                            <m:r>
-                              <a:rPr lang="en-US" i="1">
-                                <a:latin typeface="Cambria Math" panose="02040503050406030204" pitchFamily="18" charset="0"/>
-                              </a:rPr>
-                              <m:t>0,0</m:t>
-                            </m:r>
-                          </m:e>
-                        </m:d>
-                        <m:r>
-                          <a:rPr lang="en-US" i="1">
-                            <a:latin typeface="Cambria Math" panose="02040503050406030204" pitchFamily="18" charset="0"/>
-                            <a:ea typeface="Cambria Math" panose="02040503050406030204" pitchFamily="18" charset="0"/>
-                          </a:rPr>
-                          <m:t>,</m:t>
-                        </m:r>
-                        <m:d>
-                          <m:dPr>
-                            <m:begChr m:val="["/>
-                            <m:endChr m:val="]"/>
-                            <m:ctrlPr>
-                              <a:rPr lang="en-US" i="1">
-                                <a:latin typeface="Cambria Math" panose="02040503050406030204" pitchFamily="18" charset="0"/>
-                              </a:rPr>
-                            </m:ctrlPr>
-                          </m:dPr>
-                          <m:e>
-                            <m:r>
-                              <a:rPr lang="en-US" i="1">
-                                <a:latin typeface="Cambria Math" panose="02040503050406030204" pitchFamily="18" charset="0"/>
-                              </a:rPr>
-                              <m:t>1,1</m:t>
-                            </m:r>
-                          </m:e>
-                        </m:d>
-                      </m:e>
-                    </m:d>
-                  </m:oMath>
-                </a14:m>
-                <a:r>
-                  <a:rPr lang="en-US" dirty="0" smtClean="0"/>
-                  <a:t>, i.e., given </a:t>
-                </a:r>
-                <a:r>
-                  <a:rPr lang="en-US" dirty="0"/>
-                  <a:t>a small </a:t>
+                  <a:t> when </a:t>
                 </a:r>
                 <a14:m>
                   <m:oMath xmlns:m="http://schemas.openxmlformats.org/officeDocument/2006/math">
@@ -4848,228 +5592,22 @@
                       <a:rPr lang="en-US" i="1">
                         <a:latin typeface="Cambria Math" panose="02040503050406030204" pitchFamily="18" charset="0"/>
                       </a:rPr>
-                      <m:t>≥0</m:t>
+                      <m:t>&lt;1/3</m:t>
                     </m:r>
                   </m:oMath>
                 </a14:m>
                 <a:r>
                   <a:rPr lang="en-US" dirty="0"/>
-                  <a:t>, we </a:t>
+                  <a:t>.</a:t>
                 </a:r>
-                <a:r>
-                  <a:rPr lang="en-US" dirty="0" smtClean="0"/>
-                  <a:t>want for any projector </a:t>
-                </a:r>
-                <a14:m>
-                  <m:oMath xmlns:m="http://schemas.openxmlformats.org/officeDocument/2006/math">
-                    <m:r>
-                      <a:rPr lang="en-US" i="1">
-                        <a:latin typeface="Cambria Math" panose="02040503050406030204" pitchFamily="18" charset="0"/>
-                      </a:rPr>
-                      <m:t>𝑃</m:t>
-                    </m:r>
-                  </m:oMath>
-                </a14:m>
-                <a:r>
-                  <a:rPr lang="en-US" dirty="0" smtClean="0"/>
-                  <a:t>, </a:t>
-                </a:r>
-                <a:r>
-                  <a:rPr lang="en-US" dirty="0"/>
-                  <a:t/>
-                </a:r>
-                <a:br>
-                  <a:rPr lang="en-US" dirty="0"/>
-                </a:br>
-                <a14:m>
-                  <m:oMath xmlns:m="http://schemas.openxmlformats.org/officeDocument/2006/math">
-                    <m:r>
-                      <m:rPr>
-                        <m:nor/>
-                      </m:rPr>
-                      <a:rPr lang="en-US" dirty="0"/>
-                      <m:t>either</m:t>
-                    </m:r>
-                    <m:r>
-                      <a:rPr lang="en-US" i="1" dirty="0">
-                        <a:latin typeface="Cambria Math" panose="02040503050406030204" pitchFamily="18" charset="0"/>
-                      </a:rPr>
-                      <m:t> </m:t>
-                    </m:r>
-                    <m:acc>
-                      <m:accPr>
-                        <m:chr m:val="̅"/>
-                        <m:ctrlPr>
-                          <a:rPr lang="en-US" i="1">
-                            <a:latin typeface="Cambria Math" panose="02040503050406030204" pitchFamily="18" charset="0"/>
-                          </a:rPr>
-                        </m:ctrlPr>
-                      </m:accPr>
-                      <m:e>
-                        <m:r>
-                          <a:rPr lang="en-US" i="1">
-                            <a:latin typeface="Cambria Math" panose="02040503050406030204" pitchFamily="18" charset="0"/>
-                          </a:rPr>
-                          <m:t>𝜇</m:t>
-                        </m:r>
-                      </m:e>
-                    </m:acc>
-                    <m:d>
-                      <m:dPr>
-                        <m:ctrlPr>
-                          <a:rPr lang="en-US" i="1">
-                            <a:latin typeface="Cambria Math" panose="02040503050406030204" pitchFamily="18" charset="0"/>
-                          </a:rPr>
-                        </m:ctrlPr>
-                      </m:dPr>
-                      <m:e>
-                        <m:r>
-                          <a:rPr lang="en-US" i="1">
-                            <a:latin typeface="Cambria Math" panose="02040503050406030204" pitchFamily="18" charset="0"/>
-                          </a:rPr>
-                          <m:t>𝑃</m:t>
-                        </m:r>
-                      </m:e>
-                    </m:d>
-                    <m:r>
-                      <a:rPr lang="en-US" i="1">
-                        <a:latin typeface="Cambria Math" panose="02040503050406030204" pitchFamily="18" charset="0"/>
-                      </a:rPr>
-                      <m:t>⊆</m:t>
-                    </m:r>
-                    <m:d>
-                      <m:dPr>
-                        <m:begChr m:val="["/>
-                        <m:endChr m:val="]"/>
-                        <m:ctrlPr>
-                          <a:rPr lang="en-US" i="1">
-                            <a:latin typeface="Cambria Math" panose="02040503050406030204" pitchFamily="18" charset="0"/>
-                          </a:rPr>
-                        </m:ctrlPr>
-                      </m:dPr>
-                      <m:e>
-                        <m:r>
-                          <a:rPr lang="en-US" i="1">
-                            <a:latin typeface="Cambria Math" panose="02040503050406030204" pitchFamily="18" charset="0"/>
-                          </a:rPr>
-                          <m:t>0,</m:t>
-                        </m:r>
-                        <m:r>
-                          <a:rPr lang="en-US" i="1">
-                            <a:latin typeface="Cambria Math" panose="02040503050406030204" pitchFamily="18" charset="0"/>
-                          </a:rPr>
-                          <m:t>𝛿</m:t>
-                        </m:r>
-                      </m:e>
-                    </m:d>
-                    <m:r>
-                      <m:rPr>
-                        <m:nor/>
-                      </m:rPr>
-                      <a:rPr lang="en-US">
-                        <a:latin typeface="Cambria Math" panose="02040503050406030204" pitchFamily="18" charset="0"/>
-                      </a:rPr>
-                      <m:t> </m:t>
-                    </m:r>
-                    <m:r>
-                      <m:rPr>
-                        <m:nor/>
-                      </m:rPr>
-                      <a:rPr lang="en-US" dirty="0"/>
-                      <m:t>or</m:t>
-                    </m:r>
-                    <m:r>
-                      <a:rPr lang="en-US" i="1" dirty="0">
-                        <a:latin typeface="Cambria Math" panose="02040503050406030204" pitchFamily="18" charset="0"/>
-                      </a:rPr>
-                      <m:t> </m:t>
-                    </m:r>
-                    <m:acc>
-                      <m:accPr>
-                        <m:chr m:val="̅"/>
-                        <m:ctrlPr>
-                          <a:rPr lang="en-US" i="1">
-                            <a:latin typeface="Cambria Math" panose="02040503050406030204" pitchFamily="18" charset="0"/>
-                          </a:rPr>
-                        </m:ctrlPr>
-                      </m:accPr>
-                      <m:e>
-                        <m:r>
-                          <a:rPr lang="en-US" i="1">
-                            <a:latin typeface="Cambria Math" panose="02040503050406030204" pitchFamily="18" charset="0"/>
-                          </a:rPr>
-                          <m:t>𝜇</m:t>
-                        </m:r>
-                      </m:e>
-                    </m:acc>
-                    <m:d>
-                      <m:dPr>
-                        <m:ctrlPr>
-                          <a:rPr lang="en-US" i="1">
-                            <a:latin typeface="Cambria Math" panose="02040503050406030204" pitchFamily="18" charset="0"/>
-                          </a:rPr>
-                        </m:ctrlPr>
-                      </m:dPr>
-                      <m:e>
-                        <m:r>
-                          <a:rPr lang="en-US" i="1">
-                            <a:latin typeface="Cambria Math" panose="02040503050406030204" pitchFamily="18" charset="0"/>
-                          </a:rPr>
-                          <m:t>𝑃</m:t>
-                        </m:r>
-                      </m:e>
-                    </m:d>
-                    <m:r>
-                      <a:rPr lang="en-US" i="1">
-                        <a:latin typeface="Cambria Math" panose="02040503050406030204" pitchFamily="18" charset="0"/>
-                      </a:rPr>
-                      <m:t>⊆</m:t>
-                    </m:r>
-                    <m:d>
-                      <m:dPr>
-                        <m:begChr m:val="["/>
-                        <m:endChr m:val="]"/>
-                        <m:ctrlPr>
-                          <a:rPr lang="en-US" i="1">
-                            <a:latin typeface="Cambria Math" panose="02040503050406030204" pitchFamily="18" charset="0"/>
-                          </a:rPr>
-                        </m:ctrlPr>
-                      </m:dPr>
-                      <m:e>
-                        <m:r>
-                          <a:rPr lang="en-US" i="1">
-                            <a:latin typeface="Cambria Math" panose="02040503050406030204" pitchFamily="18" charset="0"/>
-                          </a:rPr>
-                          <m:t>1−</m:t>
-                        </m:r>
-                        <m:r>
-                          <a:rPr lang="en-US" i="1">
-                            <a:latin typeface="Cambria Math" panose="02040503050406030204" pitchFamily="18" charset="0"/>
-                          </a:rPr>
-                          <m:t>𝛿</m:t>
-                        </m:r>
-                        <m:r>
-                          <a:rPr lang="en-US" i="1">
-                            <a:latin typeface="Cambria Math" panose="02040503050406030204" pitchFamily="18" charset="0"/>
-                          </a:rPr>
-                          <m:t>,1</m:t>
-                        </m:r>
-                      </m:e>
-                    </m:d>
-                    <m:r>
-                      <a:rPr lang="en-US" i="1" smtClean="0">
-                        <a:latin typeface="Cambria Math" panose="02040503050406030204" pitchFamily="18" charset="0"/>
-                      </a:rPr>
-                      <m:t> .</m:t>
-                    </m:r>
-                  </m:oMath>
-                </a14:m>
-                <a:endParaRPr lang="en-US" dirty="0" smtClean="0"/>
+              </a:p>
+              <a:p>
+                <a:endParaRPr lang="en-US" dirty="0"/>
               </a:p>
             </p:txBody>
           </p:sp>
         </mc:Choice>
-        <mc:Fallback xmlns="">
+        <mc:Fallback>
           <p:sp>
             <p:nvSpPr>
               <p:cNvPr id="5" name="Content Placeholder 2"/>
@@ -5080,16 +5618,16 @@
             </p:nvSpPr>
             <p:spPr>
               <a:xfrm>
-                <a:off x="838200" y="4446905"/>
-                <a:ext cx="10515600" cy="1405255"/>
+                <a:off x="838200" y="4873401"/>
+                <a:ext cx="10515600" cy="1587276"/>
               </a:xfrm>
               <a:prstGeom prst="rect">
                 <a:avLst/>
               </a:prstGeom>
               <a:blipFill rotWithShape="0">
-                <a:blip r:embed="rId4"/>
+                <a:blip r:embed="rId3"/>
                 <a:stretch>
-                  <a:fillRect l="-1043" t="-6926"/>
+                  <a:fillRect l="-1217" t="-6130"/>
                 </a:stretch>
               </a:blipFill>
             </p:spPr>
@@ -5111,7 +5649,7 @@
     </p:spTree>
     <p:extLst>
       <p:ext uri="{BB962C8B-B14F-4D97-AF65-F5344CB8AC3E}">
-        <p14:creationId xmlns:p14="http://schemas.microsoft.com/office/powerpoint/2010/main" val="1365564733"/>
+        <p14:creationId xmlns:p14="http://schemas.microsoft.com/office/powerpoint/2010/main" val="1088294491"/>
       </p:ext>
     </p:extLst>
   </p:cSld>
@@ -5128,7 +5666,7 @@
 </p:sld>
 </file>
 
-<file path=ppt/slides/slide12.xml><?xml version="1.0" encoding="utf-8"?>
+<file path=ppt/slides/slide14.xml><?xml version="1.0" encoding="utf-8"?>
 <p:sld xmlns:a="http://schemas.openxmlformats.org/drawingml/2006/main" xmlns:r="http://schemas.openxmlformats.org/officeDocument/2006/relationships" xmlns:p="http://schemas.openxmlformats.org/presentationml/2006/main">
   <p:cSld>
     <p:spTree>
@@ -5179,8 +5717,8 @@
           </a:p>
         </p:txBody>
       </p:sp>
-      <mc:AlternateContent xmlns:mc="http://schemas.openxmlformats.org/markup-compatibility/2006" xmlns:a14="http://schemas.microsoft.com/office/drawing/2010/main">
-        <mc:Choice Requires="a14">
+      <mc:AlternateContent xmlns:mc="http://schemas.openxmlformats.org/markup-compatibility/2006">
+        <mc:Choice xmlns:a14="http://schemas.microsoft.com/office/drawing/2010/main" Requires="a14">
           <p:sp>
             <p:nvSpPr>
               <p:cNvPr id="3" name="Content Placeholder 2"/>
@@ -5208,66 +5746,11 @@
                 </a:pPr>
                 <a:r>
                   <a:rPr lang="en-US" b="1" dirty="0" smtClean="0"/>
-                  <a:t>Theorem</a:t>
+                  <a:t>Proof </a:t>
                 </a:r>
                 <a:r>
-                  <a:rPr lang="en-US" dirty="0" smtClean="0"/>
-                  <a:t> There is no </a:t>
-                </a:r>
-                <a14:m>
-                  <m:oMath xmlns:m="http://schemas.openxmlformats.org/officeDocument/2006/math">
-                    <m:acc>
-                      <m:accPr>
-                        <m:chr m:val="̅"/>
-                        <m:ctrlPr>
-                          <a:rPr lang="en-US" i="1">
-                            <a:latin typeface="Cambria Math" panose="02040503050406030204" pitchFamily="18" charset="0"/>
-                          </a:rPr>
-                        </m:ctrlPr>
-                      </m:accPr>
-                      <m:e>
-                        <m:r>
-                          <a:rPr lang="en-US" i="1">
-                            <a:latin typeface="Cambria Math" panose="02040503050406030204" pitchFamily="18" charset="0"/>
-                          </a:rPr>
-                          <m:t>𝜇</m:t>
-                        </m:r>
-                      </m:e>
-                    </m:acc>
-                  </m:oMath>
-                </a14:m>
-                <a:r>
-                  <a:rPr lang="en-US" dirty="0" smtClean="0"/>
-                  <a:t> when </a:t>
-                </a:r>
-                <a14:m>
-                  <m:oMath xmlns:m="http://schemas.openxmlformats.org/officeDocument/2006/math">
-                    <m:r>
-                      <a:rPr lang="en-US" i="1">
-                        <a:latin typeface="Cambria Math" panose="02040503050406030204" pitchFamily="18" charset="0"/>
-                      </a:rPr>
-                      <m:t>𝛿</m:t>
-                    </m:r>
-                    <m:r>
-                      <a:rPr lang="en-US" b="0" i="1" smtClean="0">
-                        <a:latin typeface="Cambria Math" panose="02040503050406030204" pitchFamily="18" charset="0"/>
-                      </a:rPr>
-                      <m:t>&lt;1/3</m:t>
-                    </m:r>
-                  </m:oMath>
-                </a14:m>
-                <a:r>
-                  <a:rPr lang="en-US" dirty="0" smtClean="0"/>
-                  <a:t>.</a:t>
-                </a:r>
-              </a:p>
-              <a:p>
-                <a:pPr marL="0" indent="0">
-                  <a:buNone/>
-                </a:pPr>
-                <a:r>
                   <a:rPr lang="en-US" b="1" dirty="0" smtClean="0"/>
-                  <a:t>Proof by Contradiction!</a:t>
+                  <a:t>by Contradiction!</a:t>
                 </a:r>
               </a:p>
               <a:p>
@@ -6219,7 +6702,7 @@
             </p:txBody>
           </p:sp>
         </mc:Choice>
-        <mc:Fallback xmlns="">
+        <mc:Fallback>
           <p:sp>
             <p:nvSpPr>
               <p:cNvPr id="3" name="Content Placeholder 2"/>
@@ -6277,7 +6760,7 @@
 </p:sld>
 </file>
 
-<file path=ppt/slides/slide13.xml><?xml version="1.0" encoding="utf-8"?>
+<file path=ppt/slides/slide15.xml><?xml version="1.0" encoding="utf-8"?>
 <p:sld xmlns:a="http://schemas.openxmlformats.org/drawingml/2006/main" xmlns:r="http://schemas.openxmlformats.org/officeDocument/2006/relationships" xmlns:p="http://schemas.openxmlformats.org/presentationml/2006/main">
   <p:cSld>
     <p:spTree>
@@ -11995,7 +12478,6 @@
               <a:rPr lang="en-US" dirty="0"/>
               <a:t>Measure (CRVPM)</a:t>
             </a:r>
-            <a:endParaRPr lang="en-US" dirty="0"/>
           </a:p>
         </p:txBody>
       </p:sp>
@@ -14587,8 +15069,8 @@
           </a:p>
         </p:txBody>
       </p:sp>
-      <mc:AlternateContent xmlns:mc="http://schemas.openxmlformats.org/markup-compatibility/2006">
-        <mc:Choice xmlns:a14="http://schemas.microsoft.com/office/drawing/2010/main" Requires="a14">
+      <mc:AlternateContent xmlns:mc="http://schemas.openxmlformats.org/markup-compatibility/2006" xmlns:a14="http://schemas.microsoft.com/office/drawing/2010/main">
+        <mc:Choice Requires="a14">
           <p:graphicFrame>
             <p:nvGraphicFramePr>
               <p:cNvPr id="4" name="Content Placeholder 3"/>
@@ -14655,13 +15137,8 @@
                           </a:r>
                           <a:r>
                             <a:rPr lang="en-US" sz="2200" dirty="0" smtClean="0"/>
-                            <a:t>-Valued Probability </a:t>
+                            <a:t>-Valued Probability Measure (CRVPM)</a:t>
                           </a:r>
-                          <a:r>
-                            <a:rPr lang="en-US" sz="2200" dirty="0" smtClean="0"/>
-                            <a:t>Measure (CRVPM)</a:t>
-                          </a:r>
-                          <a:endParaRPr lang="en-US" sz="2200" dirty="0" smtClean="0"/>
                         </a:p>
                       </a:txBody>
                       <a:tcPr/>
@@ -14702,13 +15179,8 @@
                           </a:r>
                           <a:r>
                             <a:rPr lang="en-US" sz="2200" dirty="0" smtClean="0"/>
-                            <a:t>-Valued Probability </a:t>
+                            <a:t>-Valued Probability Measure (CIVPM)</a:t>
                           </a:r>
-                          <a:r>
-                            <a:rPr lang="en-US" sz="2200" dirty="0" smtClean="0"/>
-                            <a:t>Measure (CIVPM)</a:t>
-                          </a:r>
-                          <a:endParaRPr lang="en-US" sz="2200" dirty="0" smtClean="0"/>
                         </a:p>
                       </a:txBody>
                       <a:tcPr/>
@@ -16749,7 +17221,7 @@
             </a:graphic>
           </p:graphicFrame>
         </mc:Choice>
-        <mc:Fallback>
+        <mc:Fallback xmlns="">
           <p:graphicFrame>
             <p:nvGraphicFramePr>
               <p:cNvPr id="4" name="Content Placeholder 3"/>
@@ -17013,8 +17485,8 @@
           </a:p>
         </p:txBody>
       </p:sp>
-      <mc:AlternateContent xmlns:mc="http://schemas.openxmlformats.org/markup-compatibility/2006">
-        <mc:Choice xmlns:a14="http://schemas.microsoft.com/office/drawing/2010/main" Requires="a14">
+      <mc:AlternateContent xmlns:mc="http://schemas.openxmlformats.org/markup-compatibility/2006" xmlns:a14="http://schemas.microsoft.com/office/drawing/2010/main">
+        <mc:Choice Requires="a14">
           <p:sp>
             <p:nvSpPr>
               <p:cNvPr id="3" name="Content Placeholder 2"/>
@@ -17656,11 +18128,7 @@
                 </a:r>
                 <a:r>
                   <a:rPr lang="en-US" dirty="0"/>
-                  <a:t>convex CIVPM</a:t>
-                </a:r>
-                <a:r>
-                  <a:rPr lang="en-US" dirty="0"/>
-                  <a:t> </a:t>
+                  <a:t>convex CIVPM </a:t>
                 </a:r>
                 <a14:m>
                   <m:oMath xmlns:m="http://schemas.openxmlformats.org/officeDocument/2006/math">
@@ -18174,7 +18642,7 @@
             </p:txBody>
           </p:sp>
         </mc:Choice>
-        <mc:Fallback>
+        <mc:Fallback xmlns="">
           <p:sp>
             <p:nvSpPr>
               <p:cNvPr id="3" name="Content Placeholder 2"/>
@@ -18317,7 +18785,11 @@
             </a:r>
             <a:r>
               <a:rPr lang="en-US" dirty="0" smtClean="0"/>
-              <a:t> Real-Valued Probability Measure</a:t>
+              <a:t> Real-Valued Probability </a:t>
+            </a:r>
+            <a:r>
+              <a:rPr lang="en-US" dirty="0" smtClean="0"/>
+              <a:t>Measure (CRVPM)</a:t>
             </a:r>
             <a:endParaRPr lang="en-US" dirty="0"/>
           </a:p>
@@ -19311,7 +19783,19 @@
             </a:r>
             <a:r>
               <a:rPr lang="en-US" dirty="0" smtClean="0"/>
-              <a:t>Probability Measure</a:t>
+              <a:t>Probability </a:t>
+            </a:r>
+            <a:r>
+              <a:rPr lang="en-US" dirty="0"/>
+              <a:t>Measure </a:t>
+            </a:r>
+            <a:r>
+              <a:rPr lang="en-US" dirty="0" smtClean="0"/>
+              <a:t>(QRVPM</a:t>
+            </a:r>
+            <a:r>
+              <a:rPr lang="en-US" dirty="0"/>
+              <a:t>)</a:t>
             </a:r>
             <a:endParaRPr lang="en-US" dirty="0"/>
           </a:p>
@@ -20446,18 +20930,14 @@
           <a:p>
             <a:r>
               <a:rPr lang="en-US" dirty="0" smtClean="0"/>
-              <a:t>Gleason’s </a:t>
-            </a:r>
-            <a:r>
-              <a:rPr lang="en-US" dirty="0" smtClean="0"/>
-              <a:t>Theorem and the Born Rule</a:t>
+              <a:t>Gleason’s Theorem and the Born Rule</a:t>
             </a:r>
             <a:endParaRPr lang="en-US" dirty="0"/>
           </a:p>
         </p:txBody>
       </p:sp>
-      <mc:AlternateContent xmlns:mc="http://schemas.openxmlformats.org/markup-compatibility/2006" xmlns:a14="http://schemas.microsoft.com/office/drawing/2010/main">
-        <mc:Choice Requires="a14">
+      <mc:AlternateContent xmlns:mc="http://schemas.openxmlformats.org/markup-compatibility/2006">
+        <mc:Choice xmlns:a14="http://schemas.microsoft.com/office/drawing/2010/main" Requires="a14">
           <p:sp>
             <p:nvSpPr>
               <p:cNvPr id="3" name="Content Placeholder 2"/>
@@ -20475,7 +20955,15 @@
               <a:p>
                 <a:r>
                   <a:rPr lang="en-US" dirty="0" smtClean="0"/>
-                  <a:t>Why we haven’t heard about quantum real-valued probability measure (QRVPM) before?</a:t>
+                  <a:t>Why we haven’t heard about </a:t>
+                </a:r>
+                <a:r>
+                  <a:rPr lang="en-US" dirty="0" smtClean="0"/>
+                  <a:t>QRVPMs </a:t>
+                </a:r>
+                <a:r>
+                  <a:rPr lang="en-US" dirty="0" smtClean="0"/>
+                  <a:t>before?</a:t>
                 </a:r>
               </a:p>
               <a:p>
@@ -20492,7 +20980,11 @@
                 </a:r>
                 <a:r>
                   <a:rPr lang="en-US" dirty="0" smtClean="0"/>
-                  <a:t>When dimension</a:t>
+                  <a:t>(Gleason’s) When </a:t>
+                </a:r>
+                <a:r>
+                  <a:rPr lang="en-US" dirty="0" smtClean="0"/>
+                  <a:t>dimension</a:t>
                 </a:r>
                 <a:r>
                   <a:rPr lang="en-US" dirty="0"/>
@@ -21013,7 +21505,7 @@
             </p:txBody>
           </p:sp>
         </mc:Choice>
-        <mc:Fallback xmlns="">
+        <mc:Fallback>
           <p:sp>
             <p:nvSpPr>
               <p:cNvPr id="3" name="Content Placeholder 2"/>
@@ -23934,7 +24426,19 @@
             </a:r>
             <a:r>
               <a:rPr lang="en-US" dirty="0" smtClean="0"/>
-              <a:t> Interval-Valued Probability Measure (QIVPM)</a:t>
+              <a:t> </a:t>
+            </a:r>
+            <a:r>
+              <a:rPr lang="en-US" dirty="0" smtClean="0">
+                <a:solidFill>
+                  <a:schemeClr val="accent2"/>
+                </a:solidFill>
+              </a:rPr>
+              <a:t>Interval</a:t>
+            </a:r>
+            <a:r>
+              <a:rPr lang="en-US" dirty="0" smtClean="0"/>
+              <a:t>-Valued Probability Measure (QIVPM)</a:t>
             </a:r>
             <a:endParaRPr lang="en-US" dirty="0"/>
           </a:p>
@@ -24112,7 +24616,6 @@
                   <a:rPr lang="en-US" dirty="0" smtClean="0"/>
                   <a:t>.</a:t>
                 </a:r>
-                <a:endParaRPr lang="en-US" dirty="0" smtClean="0"/>
               </a:p>
               <a:p>
                 <a14:m>
@@ -24192,7 +24695,6 @@
                   <a:rPr lang="en-US" dirty="0" smtClean="0"/>
                   <a:t>.</a:t>
                 </a:r>
-                <a:endParaRPr lang="en-US" dirty="0" smtClean="0"/>
               </a:p>
               <a:p>
                 <a:r>
@@ -24217,10 +24719,6 @@
                   <a:rPr lang="en-US" dirty="0" smtClean="0"/>
                   <a:t>,</a:t>
                 </a:r>
-                <a:r>
-                  <a:rPr lang="en-US" dirty="0" smtClean="0"/>
-                  <a:t/>
-                </a:r>
                 <a:br>
                   <a:rPr lang="en-US" dirty="0" smtClean="0"/>
                 </a:br>
@@ -24374,12 +24872,8 @@
                   <a:t>any </a:t>
                 </a:r>
                 <a:r>
-                  <a:rPr lang="en-US" i="1" dirty="0" smtClean="0"/>
-                  <a:t>orthogonal</a:t>
-                </a:r>
-                <a:r>
                   <a:rPr lang="en-US" dirty="0" smtClean="0"/>
-                  <a:t> projectors</a:t>
+                  <a:t>orthogonal projectors</a:t>
                 </a:r>
                 <a:r>
                   <a:rPr lang="en-US" dirty="0"/>

--- a/prop_letter.pptx
+++ b/prop_letter.pptx
@@ -806,6 +806,90 @@
           <a:bodyPr/>
           <a:lstStyle/>
           <a:p>
+            <a:endParaRPr lang="en-US" dirty="0"/>
+          </a:p>
+        </p:txBody>
+      </p:sp>
+      <p:sp>
+        <p:nvSpPr>
+          <p:cNvPr id="4" name="Slide Number Placeholder 3"/>
+          <p:cNvSpPr>
+            <a:spLocks noGrp="1"/>
+          </p:cNvSpPr>
+          <p:nvPr>
+            <p:ph type="sldNum" sz="quarter" idx="10"/>
+          </p:nvPr>
+        </p:nvSpPr>
+        <p:spPr/>
+        <p:txBody>
+          <a:bodyPr/>
+          <a:lstStyle/>
+          <a:p>
+            <a:fld id="{553141C9-E3AF-4773-84E5-4C6860670B56}" type="slidenum">
+              <a:rPr lang="en-US" smtClean="0"/>
+              <a:t>4</a:t>
+            </a:fld>
+            <a:endParaRPr lang="en-US"/>
+          </a:p>
+        </p:txBody>
+      </p:sp>
+    </p:spTree>
+    <p:extLst>
+      <p:ext uri="{BB962C8B-B14F-4D97-AF65-F5344CB8AC3E}">
+        <p14:creationId xmlns:p14="http://schemas.microsoft.com/office/powerpoint/2010/main" val="3089995406"/>
+      </p:ext>
+    </p:extLst>
+  </p:cSld>
+  <p:clrMapOvr>
+    <a:masterClrMapping/>
+  </p:clrMapOvr>
+</p:notes>
+</file>
+
+<file path=ppt/notesSlides/notesSlide3.xml><?xml version="1.0" encoding="utf-8"?>
+<p:notes xmlns:a="http://schemas.openxmlformats.org/drawingml/2006/main" xmlns:r="http://schemas.openxmlformats.org/officeDocument/2006/relationships" xmlns:p="http://schemas.openxmlformats.org/presentationml/2006/main">
+  <p:cSld>
+    <p:spTree>
+      <p:nvGrpSpPr>
+        <p:cNvPr id="1" name=""/>
+        <p:cNvGrpSpPr/>
+        <p:nvPr/>
+      </p:nvGrpSpPr>
+      <p:grpSpPr>
+        <a:xfrm>
+          <a:off x="0" y="0"/>
+          <a:ext cx="0" cy="0"/>
+          <a:chOff x="0" y="0"/>
+          <a:chExt cx="0" cy="0"/>
+        </a:xfrm>
+      </p:grpSpPr>
+      <p:sp>
+        <p:nvSpPr>
+          <p:cNvPr id="2" name="Slide Image Placeholder 1"/>
+          <p:cNvSpPr>
+            <a:spLocks noGrp="1" noRot="1" noChangeAspect="1"/>
+          </p:cNvSpPr>
+          <p:nvPr>
+            <p:ph type="sldImg"/>
+          </p:nvPr>
+        </p:nvSpPr>
+        <p:spPr/>
+      </p:sp>
+      <p:sp>
+        <p:nvSpPr>
+          <p:cNvPr id="3" name="Notes Placeholder 2"/>
+          <p:cNvSpPr>
+            <a:spLocks noGrp="1"/>
+          </p:cNvSpPr>
+          <p:nvPr>
+            <p:ph type="body" idx="1"/>
+          </p:nvPr>
+        </p:nvSpPr>
+        <p:spPr/>
+        <p:txBody>
+          <a:bodyPr/>
+          <a:lstStyle/>
+          <a:p>
             <a:r>
               <a:rPr lang="en-US" dirty="0" smtClean="0"/>
               <a:t>XITS font is required</a:t>
@@ -871,7 +955,7 @@
 </p:notes>
 </file>
 
-<file path=ppt/notesSlides/notesSlide3.xml><?xml version="1.0" encoding="utf-8"?>
+<file path=ppt/notesSlides/notesSlide4.xml><?xml version="1.0" encoding="utf-8"?>
 <p:notes xmlns:a="http://schemas.openxmlformats.org/drawingml/2006/main" xmlns:r="http://schemas.openxmlformats.org/officeDocument/2006/relationships" xmlns:p="http://schemas.openxmlformats.org/presentationml/2006/main">
   <p:cSld>
     <p:spTree>
@@ -955,7 +1039,7 @@
 </p:notes>
 </file>
 
-<file path=ppt/notesSlides/notesSlide4.xml><?xml version="1.0" encoding="utf-8"?>
+<file path=ppt/notesSlides/notesSlide5.xml><?xml version="1.0" encoding="utf-8"?>
 <p:notes xmlns:a="http://schemas.openxmlformats.org/drawingml/2006/main" xmlns:r="http://schemas.openxmlformats.org/officeDocument/2006/relationships" xmlns:p="http://schemas.openxmlformats.org/presentationml/2006/main">
   <p:cSld>
     <p:spTree>
@@ -4024,28 +4108,86 @@
           <a:p>
             <a:r>
               <a:rPr lang="en-US" dirty="0" smtClean="0"/>
-              <a:t>Can we define convexity and core for QIVPMs?</a:t>
+              <a:t>Can we define convexity and core for </a:t>
+            </a:r>
+            <a:r>
+              <a:rPr lang="en-US" dirty="0">
+                <a:solidFill>
+                  <a:srgbClr val="FF0000"/>
+                </a:solidFill>
+              </a:rPr>
+              <a:t>Q</a:t>
+            </a:r>
+            <a:r>
+              <a:rPr lang="en-US" dirty="0">
+                <a:solidFill>
+                  <a:schemeClr val="accent2"/>
+                </a:solidFill>
+              </a:rPr>
+              <a:t>I</a:t>
+            </a:r>
+            <a:r>
+              <a:rPr lang="en-US" dirty="0"/>
+              <a:t>VPM?</a:t>
+            </a:r>
+            <a:endParaRPr lang="en-US" dirty="0" smtClean="0"/>
+          </a:p>
+          <a:p>
+            <a:r>
+              <a:rPr lang="en-US" dirty="0" smtClean="0"/>
+              <a:t>Does a convex </a:t>
+            </a:r>
+            <a:r>
+              <a:rPr lang="en-US" dirty="0">
+                <a:solidFill>
+                  <a:srgbClr val="FF0000"/>
+                </a:solidFill>
+              </a:rPr>
+              <a:t>Q</a:t>
+            </a:r>
+            <a:r>
+              <a:rPr lang="en-US" dirty="0">
+                <a:solidFill>
+                  <a:schemeClr val="accent2"/>
+                </a:solidFill>
+              </a:rPr>
+              <a:t>I</a:t>
+            </a:r>
+            <a:r>
+              <a:rPr lang="en-US" dirty="0"/>
+              <a:t>VPM </a:t>
+            </a:r>
+            <a:r>
+              <a:rPr lang="en-US" dirty="0" smtClean="0"/>
+              <a:t>have a nonempty core and a expectation value?</a:t>
             </a:r>
           </a:p>
           <a:p>
             <a:r>
               <a:rPr lang="en-US" dirty="0" smtClean="0"/>
-              <a:t>Does a convex QIVPM </a:t>
+              <a:t>Can we define a Born rule for </a:t>
             </a:r>
             <a:r>
-              <a:rPr lang="en-US" dirty="0" smtClean="0"/>
-              <a:t>have </a:t>
+              <a:rPr lang="en-US" dirty="0">
+                <a:solidFill>
+                  <a:srgbClr val="FF0000"/>
+                </a:solidFill>
+              </a:rPr>
+              <a:t>Q</a:t>
             </a:r>
             <a:r>
-              <a:rPr lang="en-US" dirty="0" smtClean="0"/>
-              <a:t>a nonempty core and a expectation value?</a:t>
+              <a:rPr lang="en-US" dirty="0">
+                <a:solidFill>
+                  <a:schemeClr val="accent2"/>
+                </a:solidFill>
+              </a:rPr>
+              <a:t>I</a:t>
             </a:r>
-          </a:p>
-          <a:p>
             <a:r>
-              <a:rPr lang="en-US" dirty="0" smtClean="0"/>
-              <a:t>Can we define a Born rule for QIVPM?</a:t>
+              <a:rPr lang="en-US" dirty="0"/>
+              <a:t>VPM?</a:t>
             </a:r>
+            <a:endParaRPr lang="en-US" dirty="0" smtClean="0"/>
           </a:p>
           <a:p>
             <a:r>
@@ -4057,26 +4199,120 @@
               <a:t>for </a:t>
             </a:r>
             <a:r>
-              <a:rPr lang="en-US" dirty="0"/>
-              <a:t>QIVPM</a:t>
+              <a:rPr lang="en-US" dirty="0">
+                <a:solidFill>
+                  <a:srgbClr val="FF0000"/>
+                </a:solidFill>
+              </a:rPr>
+              <a:t>Q</a:t>
             </a:r>
             <a:r>
-              <a:rPr lang="en-US" dirty="0" smtClean="0"/>
-              <a:t>?</a:t>
+              <a:rPr lang="en-US" dirty="0">
+                <a:solidFill>
+                  <a:schemeClr val="accent2"/>
+                </a:solidFill>
+              </a:rPr>
+              <a:t>I</a:t>
             </a:r>
-          </a:p>
-          <a:p>
             <a:r>
-              <a:rPr lang="en-US" dirty="0" smtClean="0"/>
-              <a:t>Can we recover QRVPM and CIVPM as a special case of QIVPM?</a:t>
+              <a:rPr lang="en-US" dirty="0"/>
+              <a:t>VPM?</a:t>
             </a:r>
             <a:endParaRPr lang="en-US" dirty="0" smtClean="0"/>
           </a:p>
           <a:p>
             <a:r>
               <a:rPr lang="en-US" dirty="0" smtClean="0"/>
-              <a:t>Since there is a tension between finite precision measurement and contextuality, can we have a Kochen-Specker theorem for QIVPM?</a:t>
+              <a:t>Can we recover </a:t>
             </a:r>
+            <a:r>
+              <a:rPr lang="en-US" dirty="0" smtClean="0">
+                <a:solidFill>
+                  <a:srgbClr val="FF0000"/>
+                </a:solidFill>
+              </a:rPr>
+              <a:t>Q</a:t>
+            </a:r>
+            <a:r>
+              <a:rPr lang="en-US" dirty="0" smtClean="0">
+                <a:solidFill>
+                  <a:schemeClr val="accent2"/>
+                </a:solidFill>
+              </a:rPr>
+              <a:t>R</a:t>
+            </a:r>
+            <a:r>
+              <a:rPr lang="en-US" dirty="0" smtClean="0"/>
+              <a:t>VPM and </a:t>
+            </a:r>
+            <a:r>
+              <a:rPr lang="en-US" dirty="0" smtClean="0">
+                <a:solidFill>
+                  <a:srgbClr val="FF0000"/>
+                </a:solidFill>
+              </a:rPr>
+              <a:t>C</a:t>
+            </a:r>
+            <a:r>
+              <a:rPr lang="en-US" dirty="0" smtClean="0">
+                <a:solidFill>
+                  <a:schemeClr val="accent2"/>
+                </a:solidFill>
+              </a:rPr>
+              <a:t>I</a:t>
+            </a:r>
+            <a:r>
+              <a:rPr lang="en-US" dirty="0" smtClean="0"/>
+              <a:t>VPM as a special case of </a:t>
+            </a:r>
+            <a:r>
+              <a:rPr lang="en-US" dirty="0">
+                <a:solidFill>
+                  <a:srgbClr val="FF0000"/>
+                </a:solidFill>
+              </a:rPr>
+              <a:t>Q</a:t>
+            </a:r>
+            <a:r>
+              <a:rPr lang="en-US" dirty="0">
+                <a:solidFill>
+                  <a:schemeClr val="accent2"/>
+                </a:solidFill>
+              </a:rPr>
+              <a:t>I</a:t>
+            </a:r>
+            <a:r>
+              <a:rPr lang="en-US" dirty="0"/>
+              <a:t>VPM?</a:t>
+            </a:r>
+            <a:endParaRPr lang="en-US" dirty="0" smtClean="0"/>
+          </a:p>
+          <a:p>
+            <a:r>
+              <a:rPr lang="en-US" dirty="0" smtClean="0"/>
+              <a:t>Since there is a tension between finite precision measurement and contextuality, can we have a Kochen-Specker theorem for </a:t>
+            </a:r>
+            <a:r>
+              <a:rPr lang="en-US" dirty="0">
+                <a:solidFill>
+                  <a:srgbClr val="FF0000"/>
+                </a:solidFill>
+              </a:rPr>
+              <a:t>Q</a:t>
+            </a:r>
+            <a:r>
+              <a:rPr lang="en-US" dirty="0">
+                <a:solidFill>
+                  <a:schemeClr val="accent2"/>
+                </a:solidFill>
+              </a:rPr>
+              <a:t>I</a:t>
+            </a:r>
+            <a:r>
+              <a:rPr lang="en-US" dirty="0"/>
+              <a:t>VPM?</a:t>
+            </a:r>
+            <a:endParaRPr lang="en-US" dirty="0" smtClean="0"/>
           </a:p>
         </p:txBody>
       </p:sp>
@@ -4243,13 +4479,21 @@
             <p:spPr/>
             <p:txBody>
               <a:bodyPr>
-                <a:normAutofit fontScale="92500" lnSpcReduction="10000"/>
+                <a:normAutofit/>
               </a:bodyPr>
               <a:lstStyle/>
               <a:p>
                 <a:r>
                   <a:rPr lang="en-US" dirty="0" smtClean="0"/>
-                  <a:t>Since the Kochen-Specker theorem claims quantum theory cannot be simulated by a non-contextual hidden variable theory, it is essentially the same as:</a:t>
+                  <a:t>The </a:t>
+                </a:r>
+                <a:r>
+                  <a:rPr lang="en-US" dirty="0" smtClean="0"/>
+                  <a:t>Kochen-Specker theorem claims quantum theory cannot be simulated by a non-contextual hidden variable theory, </a:t>
+                </a:r>
+                <a:r>
+                  <a:rPr lang="en-US" dirty="0" smtClean="0"/>
+                  <a:t>i.e., </a:t>
                 </a:r>
                 <a:endParaRPr lang="en-US" dirty="0"/>
               </a:p>
@@ -4263,19 +4507,7 @@
                 </a:r>
                 <a:r>
                   <a:rPr lang="en-US" dirty="0"/>
-                  <a:t> </a:t>
-                </a:r>
-                <a:r>
-                  <a:rPr lang="en-US" dirty="0"/>
-                  <a:t>There </a:t>
-                </a:r>
-                <a:r>
-                  <a:rPr lang="en-US" dirty="0"/>
-                  <a:t>is no QIVPM</a:t>
-                </a:r>
-                <a:r>
-                  <a:rPr lang="en-US" dirty="0"/>
-                  <a:t> </a:t>
+                  <a:t> There is no QIVPM </a:t>
                 </a:r>
                 <a14:m>
                   <m:oMath xmlns:m="http://schemas.openxmlformats.org/officeDocument/2006/math">
@@ -4404,13 +4636,8 @@
                   <a:rPr lang="en-US" dirty="0"/>
                   <a:t>.</a:t>
                 </a:r>
-                <a:endParaRPr lang="en-US" dirty="0"/>
               </a:p>
               <a:p>
-                <a:r>
-                  <a:rPr lang="en-US" dirty="0" smtClean="0"/>
-                  <a:t>The intervals </a:t>
-                </a:r>
                 <a14:m>
                   <m:oMath xmlns:m="http://schemas.openxmlformats.org/officeDocument/2006/math">
                     <m:d>
@@ -4756,7 +4983,7 @@
               <a:blipFill rotWithShape="0">
                 <a:blip r:embed="rId2"/>
                 <a:stretch>
-                  <a:fillRect l="-1101" t="-2801" b="-420"/>
+                  <a:fillRect l="-1217" t="-2241" r="-580"/>
                 </a:stretch>
               </a:blipFill>
             </p:spPr>
@@ -4839,8 +5066,8 @@
           </a:p>
         </p:txBody>
       </p:sp>
-      <mc:AlternateContent xmlns:mc="http://schemas.openxmlformats.org/markup-compatibility/2006">
-        <mc:Choice xmlns:a14="http://schemas.microsoft.com/office/drawing/2010/main" Requires="a14">
+      <mc:AlternateContent xmlns:mc="http://schemas.openxmlformats.org/markup-compatibility/2006" xmlns:a14="http://schemas.microsoft.com/office/drawing/2010/main">
+        <mc:Choice Requires="a14">
           <p:sp>
             <p:nvSpPr>
               <p:cNvPr id="3" name="Content Placeholder 2"/>
@@ -4930,11 +5157,7 @@
                 </a14:m>
                 <a:r>
                   <a:rPr lang="en-US" dirty="0"/>
-                  <a:t> to a set of intervals</a:t>
-                </a:r>
-                <a:r>
-                  <a:rPr lang="en-US" dirty="0"/>
-                  <a:t> </a:t>
+                  <a:t> to a set of intervals </a:t>
                 </a:r>
                 <a14:m>
                   <m:oMath xmlns:m="http://schemas.openxmlformats.org/officeDocument/2006/math">
@@ -5020,11 +5243,7 @@
                 </a14:m>
                 <a:r>
                   <a:rPr lang="en-US" dirty="0"/>
-                  <a:t>, i.e., given </a:t>
-                </a:r>
-                <a:r>
-                  <a:rPr lang="en-US" dirty="0"/>
-                  <a:t>a small </a:t>
+                  <a:t>, i.e., given a small </a:t>
                 </a:r>
                 <a14:m>
                   <m:oMath xmlns:m="http://schemas.openxmlformats.org/officeDocument/2006/math">
@@ -5044,11 +5263,7 @@
                 </a14:m>
                 <a:r>
                   <a:rPr lang="en-US" dirty="0"/>
-                  <a:t>, we </a:t>
-                </a:r>
-                <a:r>
-                  <a:rPr lang="en-US" dirty="0"/>
-                  <a:t>want for any projector </a:t>
+                  <a:t>, we want for any projector </a:t>
                 </a:r>
                 <a14:m>
                   <m:oMath xmlns:m="http://schemas.openxmlformats.org/officeDocument/2006/math">
@@ -5063,10 +5278,6 @@
                 <a:r>
                   <a:rPr lang="en-US" dirty="0"/>
                   <a:t>, </a:t>
-                </a:r>
-                <a:r>
-                  <a:rPr lang="en-US" dirty="0"/>
-                  <a:t/>
                 </a:r>
                 <a:br>
                   <a:rPr lang="en-US" dirty="0"/>
@@ -5262,7 +5473,7 @@
             </p:txBody>
           </p:sp>
         </mc:Choice>
-        <mc:Fallback>
+        <mc:Fallback xmlns="">
           <p:sp>
             <p:nvSpPr>
               <p:cNvPr id="3" name="Content Placeholder 2"/>
@@ -5717,8 +5928,8 @@
           </a:p>
         </p:txBody>
       </p:sp>
-      <mc:AlternateContent xmlns:mc="http://schemas.openxmlformats.org/markup-compatibility/2006">
-        <mc:Choice xmlns:a14="http://schemas.microsoft.com/office/drawing/2010/main" Requires="a14">
+      <mc:AlternateContent xmlns:mc="http://schemas.openxmlformats.org/markup-compatibility/2006" xmlns:a14="http://schemas.microsoft.com/office/drawing/2010/main">
+        <mc:Choice Requires="a14">
           <p:sp>
             <p:nvSpPr>
               <p:cNvPr id="3" name="Content Placeholder 2"/>
@@ -5746,11 +5957,7 @@
                 </a:pPr>
                 <a:r>
                   <a:rPr lang="en-US" b="1" dirty="0" smtClean="0"/>
-                  <a:t>Proof </a:t>
-                </a:r>
-                <a:r>
-                  <a:rPr lang="en-US" b="1" dirty="0" smtClean="0"/>
-                  <a:t>by Contradiction!</a:t>
+                  <a:t>Proof by Contradiction!</a:t>
                 </a:r>
               </a:p>
               <a:p>
@@ -6702,7 +6909,7 @@
             </p:txBody>
           </p:sp>
         </mc:Choice>
-        <mc:Fallback>
+        <mc:Fallback xmlns="">
           <p:sp>
             <p:nvSpPr>
               <p:cNvPr id="3" name="Content Placeholder 2"/>
@@ -12476,7 +12683,19 @@
             </a:r>
             <a:r>
               <a:rPr lang="en-US" dirty="0"/>
-              <a:t>Measure (CRVPM)</a:t>
+              <a:t>Measure (C</a:t>
+            </a:r>
+            <a:r>
+              <a:rPr lang="en-US" dirty="0">
+                <a:solidFill>
+                  <a:schemeClr val="accent2"/>
+                </a:solidFill>
+              </a:rPr>
+              <a:t>R</a:t>
+            </a:r>
+            <a:r>
+              <a:rPr lang="en-US" dirty="0"/>
+              <a:t>VPM)</a:t>
             </a:r>
           </a:p>
         </p:txBody>
@@ -13370,7 +13589,19 @@
             </a:r>
             <a:r>
               <a:rPr lang="en-US" dirty="0" smtClean="0"/>
-              <a:t>Measure (CIVPM)</a:t>
+              <a:t>Measure (C</a:t>
+            </a:r>
+            <a:r>
+              <a:rPr lang="en-US" dirty="0" smtClean="0">
+                <a:solidFill>
+                  <a:schemeClr val="accent2"/>
+                </a:solidFill>
+              </a:rPr>
+              <a:t>I</a:t>
+            </a:r>
+            <a:r>
+              <a:rPr lang="en-US" dirty="0" smtClean="0"/>
+              <a:t>VPM)</a:t>
             </a:r>
             <a:endParaRPr lang="en-US" dirty="0"/>
           </a:p>
@@ -15069,8 +15300,8 @@
           </a:p>
         </p:txBody>
       </p:sp>
-      <mc:AlternateContent xmlns:mc="http://schemas.openxmlformats.org/markup-compatibility/2006" xmlns:a14="http://schemas.microsoft.com/office/drawing/2010/main">
-        <mc:Choice Requires="a14">
+      <mc:AlternateContent xmlns:mc="http://schemas.openxmlformats.org/markup-compatibility/2006">
+        <mc:Choice xmlns:a14="http://schemas.microsoft.com/office/drawing/2010/main" Requires="a14">
           <p:graphicFrame>
             <p:nvGraphicFramePr>
               <p:cNvPr id="4" name="Content Placeholder 3"/>
@@ -15081,14 +15312,14 @@
                 <p:ph idx="1"/>
                 <p:extLst>
                   <p:ext uri="{D42A27DB-BD31-4B8C-83A1-F6EECF244321}">
-                    <p14:modId xmlns:p14="http://schemas.microsoft.com/office/powerpoint/2010/main" val="95226574"/>
+                    <p14:modId xmlns:p14="http://schemas.microsoft.com/office/powerpoint/2010/main" val="3870195092"/>
                   </p:ext>
                 </p:extLst>
               </p:nvPr>
             </p:nvGraphicFramePr>
             <p:xfrm>
               <a:off x="838200" y="1825625"/>
-              <a:ext cx="10515600" cy="3954653"/>
+              <a:ext cx="10515600" cy="4320413"/>
             </p:xfrm>
             <a:graphic>
               <a:graphicData uri="http://schemas.openxmlformats.org/drawingml/2006/table">
@@ -15137,7 +15368,19 @@
                           </a:r>
                           <a:r>
                             <a:rPr lang="en-US" sz="2200" dirty="0" smtClean="0"/>
-                            <a:t>-Valued Probability Measure (CRVPM)</a:t>
+                            <a:t>-Valued Probability Measure (C</a:t>
+                          </a:r>
+                          <a:r>
+                            <a:rPr lang="en-US" sz="2200" dirty="0" smtClean="0">
+                              <a:solidFill>
+                                <a:schemeClr val="accent2"/>
+                              </a:solidFill>
+                            </a:rPr>
+                            <a:t>R</a:t>
+                          </a:r>
+                          <a:r>
+                            <a:rPr lang="en-US" sz="2200" dirty="0" smtClean="0"/>
+                            <a:t>VPM)</a:t>
                           </a:r>
                         </a:p>
                       </a:txBody>
@@ -15179,7 +15422,19 @@
                           </a:r>
                           <a:r>
                             <a:rPr lang="en-US" sz="2200" dirty="0" smtClean="0"/>
-                            <a:t>-Valued Probability Measure (CIVPM)</a:t>
+                            <a:t>-Valued Probability Measure (C</a:t>
+                          </a:r>
+                          <a:r>
+                            <a:rPr lang="en-US" sz="2200" dirty="0" smtClean="0">
+                              <a:solidFill>
+                                <a:schemeClr val="accent2"/>
+                              </a:solidFill>
+                            </a:rPr>
+                            <a:t>I</a:t>
+                          </a:r>
+                          <a:r>
+                            <a:rPr lang="en-US" sz="2200" dirty="0" smtClean="0"/>
+                            <a:t>VPM)</a:t>
                           </a:r>
                         </a:p>
                       </a:txBody>
@@ -15322,7 +15577,123 @@
                                 <a:schemeClr val="tx1"/>
                               </a:solidFill>
                             </a:rPr>
-                            <a:t>, </a:t>
+                            <a:t> (</a:t>
+                          </a:r>
+                          <a14:m>
+                            <m:oMath xmlns:m="http://schemas.openxmlformats.org/officeDocument/2006/math">
+                              <m:sSub>
+                                <m:sSubPr>
+                                  <m:ctrlPr>
+                                    <a:rPr lang="en-US" sz="2200" i="1" smtClean="0">
+                                      <a:solidFill>
+                                        <a:schemeClr val="tx1"/>
+                                      </a:solidFill>
+                                      <a:latin typeface="Cambria Math" panose="02040503050406030204" pitchFamily="18" charset="0"/>
+                                    </a:rPr>
+                                  </m:ctrlPr>
+                                </m:sSubPr>
+                                <m:e>
+                                  <m:r>
+                                    <a:rPr lang="en-US" sz="2200" i="1">
+                                      <a:solidFill>
+                                        <a:schemeClr val="tx1"/>
+                                      </a:solidFill>
+                                      <a:latin typeface="Cambria Math" panose="02040503050406030204" pitchFamily="18" charset="0"/>
+                                    </a:rPr>
+                                    <m:t>𝐸</m:t>
+                                  </m:r>
+                                </m:e>
+                                <m:sub>
+                                  <m:r>
+                                    <a:rPr lang="en-US" sz="2200" i="1">
+                                      <a:solidFill>
+                                        <a:schemeClr val="tx1"/>
+                                      </a:solidFill>
+                                      <a:latin typeface="Cambria Math" panose="02040503050406030204" pitchFamily="18" charset="0"/>
+                                    </a:rPr>
+                                    <m:t>0</m:t>
+                                  </m:r>
+                                </m:sub>
+                              </m:sSub>
+                              <m:r>
+                                <a:rPr lang="en-US" sz="2200" b="0" i="1" smtClean="0">
+                                  <a:solidFill>
+                                    <a:schemeClr val="tx1"/>
+                                  </a:solidFill>
+                                  <a:latin typeface="Cambria Math" panose="02040503050406030204" pitchFamily="18" charset="0"/>
+                                </a:rPr>
+                                <m:t>∩</m:t>
+                              </m:r>
+                              <m:sSub>
+                                <m:sSubPr>
+                                  <m:ctrlPr>
+                                    <a:rPr lang="en-US" sz="2200" i="1">
+                                      <a:solidFill>
+                                        <a:schemeClr val="tx1"/>
+                                      </a:solidFill>
+                                      <a:latin typeface="Cambria Math" panose="02040503050406030204" pitchFamily="18" charset="0"/>
+                                    </a:rPr>
+                                  </m:ctrlPr>
+                                </m:sSubPr>
+                                <m:e>
+                                  <m:r>
+                                    <a:rPr lang="en-US" sz="2200" i="1">
+                                      <a:solidFill>
+                                        <a:schemeClr val="tx1"/>
+                                      </a:solidFill>
+                                      <a:latin typeface="Cambria Math" panose="02040503050406030204" pitchFamily="18" charset="0"/>
+                                    </a:rPr>
+                                    <m:t>𝐸</m:t>
+                                  </m:r>
+                                </m:e>
+                                <m:sub>
+                                  <m:r>
+                                    <a:rPr lang="en-US" sz="2200" i="1">
+                                      <a:solidFill>
+                                        <a:schemeClr val="tx1"/>
+                                      </a:solidFill>
+                                      <a:latin typeface="Cambria Math" panose="02040503050406030204" pitchFamily="18" charset="0"/>
+                                    </a:rPr>
+                                    <m:t>1</m:t>
+                                  </m:r>
+                                </m:sub>
+                              </m:sSub>
+                              <m:r>
+                                <a:rPr lang="en-US" sz="2200" b="0" i="1" smtClean="0">
+                                  <a:solidFill>
+                                    <a:schemeClr val="tx1"/>
+                                  </a:solidFill>
+                                  <a:latin typeface="Cambria Math" panose="02040503050406030204" pitchFamily="18" charset="0"/>
+                                </a:rPr>
+                                <m:t>=</m:t>
+                              </m:r>
+                              <m:r>
+                                <a:rPr lang="en-US" sz="2200" b="0" i="1" smtClean="0">
+                                  <a:solidFill>
+                                    <a:schemeClr val="tx1"/>
+                                  </a:solidFill>
+                                  <a:latin typeface="Cambria Math" panose="02040503050406030204" pitchFamily="18" charset="0"/>
+                                  <a:ea typeface="Cambria Math" panose="02040503050406030204" pitchFamily="18" charset="0"/>
+                                </a:rPr>
+                                <m:t>∅</m:t>
+                              </m:r>
+                            </m:oMath>
+                          </a14:m>
+                          <a:r>
+                            <a:rPr lang="en-US" sz="2200" dirty="0" smtClean="0">
+                              <a:solidFill>
+                                <a:schemeClr val="tx1"/>
+                              </a:solidFill>
+                            </a:rPr>
+                            <a:t>), </a:t>
+                          </a:r>
+                          <a:r>
+                            <a:rPr lang="en-US" sz="2200" dirty="0" smtClean="0">
+                              <a:solidFill>
+                                <a:schemeClr val="tx1"/>
+                              </a:solidFill>
+                            </a:rPr>
+                            <a:t/>
                           </a:r>
                           <a:br>
                             <a:rPr lang="en-US" sz="2200" dirty="0" smtClean="0">
@@ -15612,7 +15983,10 @@
                             <a:buSzTx/>
                             <a:buFontTx/>
                             <a:buNone/>
-                            <a:tabLst/>
+                            <a:tabLst>
+                              <a:tab pos="2743200" algn="ctr"/>
+                              <a:tab pos="5035550" algn="r"/>
+                            </a:tabLst>
                             <a:defRPr/>
                           </a:pPr>
                           <a:r>
@@ -15638,6 +16012,10 @@
                           <a:br>
                             <a:rPr lang="en-US" sz="2200" dirty="0" smtClean="0"/>
                           </a:br>
+                          <a:r>
+                            <a:rPr lang="en-US" sz="2400" dirty="0" smtClean="0"/>
+                            <a:t>	</a:t>
+                          </a:r>
                           <a14:m>
                             <m:oMath xmlns:m="http://schemas.openxmlformats.org/officeDocument/2006/math">
                               <m:bar>
@@ -15853,6 +16231,10 @@
                           <a:r>
                             <a:rPr lang="en-US" sz="2200" dirty="0" smtClean="0"/>
                             <a:t>?</a:t>
+                          </a:r>
+                          <a:r>
+                            <a:rPr lang="en-US" sz="2400" dirty="0" smtClean="0"/>
+                            <a:t> 	(1)</a:t>
                           </a:r>
                           <a:r>
                             <a:rPr lang="en-US" sz="2200" dirty="0"/>
@@ -16161,37 +16543,14 @@
                           <a:pPr/>
                           <a:r>
                             <a:rPr lang="en-US" sz="2200" dirty="0" smtClean="0"/>
-                            <a:t>Include-Exclude</a:t>
-                          </a:r>
-                          <a:r>
-                            <a:rPr lang="en-US" sz="2200" baseline="0" dirty="0" smtClean="0"/>
-                            <a:t> Principle:</a:t>
-                          </a:r>
-                          <a:br>
-                            <a:rPr lang="en-US" sz="2200" baseline="0" dirty="0" smtClean="0"/>
-                          </a:br>
-                          <a:r>
-                            <a:rPr lang="en-US" sz="2200" dirty="0" smtClean="0">
-                              <a:solidFill>
-                                <a:schemeClr val="tx1"/>
-                              </a:solidFill>
-                            </a:rPr>
-                            <a:t>For any </a:t>
-                          </a:r>
-                          <a:r>
-                            <a:rPr lang="en-US" sz="2200" dirty="0">
-                              <a:solidFill>
-                                <a:schemeClr val="tx1"/>
-                              </a:solidFill>
-                            </a:rPr>
-                            <a:t>events </a:t>
+                            <a:t>Additivity can be extended for </a:t>
                           </a:r>
                           <a14:m>
                             <m:oMath xmlns:m="http://schemas.openxmlformats.org/officeDocument/2006/math">
                               <m:sSub>
                                 <m:sSubPr>
                                   <m:ctrlPr>
-                                    <a:rPr lang="en-US" sz="2200" i="1">
+                                    <a:rPr lang="en-US" sz="2200" i="1" smtClean="0">
                                       <a:solidFill>
                                         <a:schemeClr val="tx1"/>
                                       </a:solidFill>
@@ -16222,18 +16581,15 @@
                                   </m:r>
                                 </m:sub>
                               </m:sSub>
-                            </m:oMath>
-                          </a14:m>
-                          <a:r>
-                            <a:rPr lang="en-US" sz="2200" dirty="0">
-                              <a:solidFill>
-                                <a:schemeClr val="tx1"/>
-                              </a:solidFill>
-                            </a:rPr>
-                            <a:t> and </a:t>
-                          </a:r>
-                          <a14:m>
-                            <m:oMath xmlns:m="http://schemas.openxmlformats.org/officeDocument/2006/math">
+                              <m:r>
+                                <a:rPr lang="en-US" sz="2200" b="0" i="1" smtClean="0">
+                                  <a:solidFill>
+                                    <a:schemeClr val="tx1"/>
+                                  </a:solidFill>
+                                  <a:latin typeface="Cambria Math" panose="02040503050406030204" pitchFamily="18" charset="0"/>
+                                </a:rPr>
+                                <m:t>∩</m:t>
+                              </m:r>
                               <m:sSub>
                                 <m:sSubPr>
                                   <m:ctrlPr>
@@ -16268,19 +16624,50 @@
                                   </m:r>
                                 </m:sub>
                               </m:sSub>
+                              <m:r>
+                                <a:rPr lang="en-US" sz="2200" b="0" i="1" smtClean="0">
+                                  <a:solidFill>
+                                    <a:schemeClr val="tx1"/>
+                                  </a:solidFill>
+                                  <a:latin typeface="Cambria Math" panose="02040503050406030204" pitchFamily="18" charset="0"/>
+                                </a:rPr>
+                                <m:t>≠</m:t>
+                              </m:r>
+                              <m:r>
+                                <a:rPr lang="en-US" sz="2200" b="0" i="1" smtClean="0">
+                                  <a:solidFill>
+                                    <a:schemeClr val="tx1"/>
+                                  </a:solidFill>
+                                  <a:latin typeface="Cambria Math" panose="02040503050406030204" pitchFamily="18" charset="0"/>
+                                  <a:ea typeface="Cambria Math" panose="02040503050406030204" pitchFamily="18" charset="0"/>
+                                </a:rPr>
+                                <m:t>∅</m:t>
+                              </m:r>
                             </m:oMath>
                           </a14:m>
                           <a:r>
+                            <a:rPr lang="en-US" sz="2200" dirty="0" smtClean="0"/>
+                            <a:t>, and get the </a:t>
+                          </a:r>
+                          <a:r>
                             <a:rPr lang="en-US" sz="2200" dirty="0" smtClean="0">
                               <a:solidFill>
-                                <a:schemeClr val="tx1"/>
+                                <a:schemeClr val="accent2"/>
                               </a:solidFill>
                             </a:rPr>
-                            <a:t>, </a:t>
+                            <a:t>inclusion-exclusion</a:t>
+                          </a:r>
+                          <a:r>
+                            <a:rPr lang="en-US" sz="2200" baseline="0" dirty="0" smtClean="0">
+                              <a:solidFill>
+                                <a:schemeClr val="accent2"/>
+                              </a:solidFill>
+                            </a:rPr>
+                            <a:t> principle</a:t>
                           </a:r>
                           <a:r>
                             <a:rPr lang="en-US" sz="2200" baseline="0" dirty="0" smtClean="0"/>
-                            <a:t/>
+                            <a:t>:</a:t>
                           </a:r>
                           <a:br>
                             <a:rPr lang="en-US" sz="2200" baseline="0" dirty="0" smtClean="0"/>
@@ -16632,36 +17019,23 @@
                                     </m:sSub>
                                   </m:e>
                                 </m:d>
-                                <m:r>
-                                  <a:rPr lang="en-US" sz="2200" b="0" i="1" smtClean="0">
-                                    <a:solidFill>
-                                      <a:schemeClr val="tx1"/>
-                                    </a:solidFill>
-                                    <a:latin typeface="Cambria Math" panose="02040503050406030204" pitchFamily="18" charset="0"/>
-                                  </a:rPr>
-                                  <m:t> .</m:t>
-                                </m:r>
                               </m:oMath>
                             </m:oMathPara>
                           </a14:m>
-                          <a:endParaRPr lang="en-US" sz="2200" dirty="0"/>
-                        </a:p>
-                      </a:txBody>
-                      <a:tcPr/>
-                    </a:tc>
-                    <a:tc>
-                      <a:txBody>
-                        <a:bodyPr/>
-                        <a:lstStyle/>
-                        <a:p>
-                          <a:pPr/>
+                          <a:r>
+                            <a:rPr lang="en-US" sz="2200" dirty="0" smtClean="0"/>
+                            <a:t/>
+                          </a:r>
+                          <a:br>
+                            <a:rPr lang="en-US" sz="2200" dirty="0" smtClean="0"/>
+                          </a:br>
                           <a:r>
                             <a:rPr lang="en-US" sz="2200" dirty="0" smtClean="0">
                               <a:solidFill>
                                 <a:schemeClr val="tx1"/>
                               </a:solidFill>
                             </a:rPr>
-                            <a:t>If for any </a:t>
+                            <a:t>for any </a:t>
                           </a:r>
                           <a:r>
                             <a:rPr lang="en-US" sz="2200" dirty="0">
@@ -16756,12 +17130,147 @@
                             </m:oMath>
                           </a14:m>
                           <a:r>
-                            <a:rPr lang="en-US" sz="2200" dirty="0" smtClean="0">
+                            <a:rPr lang="en-US" sz="2200" dirty="0" smtClean="0"/>
+                            <a:t>.</a:t>
+                          </a:r>
+                          <a:endParaRPr lang="en-US" sz="2200" dirty="0"/>
+                        </a:p>
+                      </a:txBody>
+                      <a:tcPr/>
+                    </a:tc>
+                    <a:tc>
+                      <a:txBody>
+                        <a:bodyPr/>
+                        <a:lstStyle/>
+                        <a:p>
+                          <a:pPr/>
+                          <a:r>
+                            <a:rPr lang="en-US" sz="2200" dirty="0" smtClean="0"/>
+                            <a:t>(1) can be extended for </a:t>
+                          </a:r>
+                          <a14:m>
+                            <m:oMath xmlns:m="http://schemas.openxmlformats.org/officeDocument/2006/math">
+                              <m:sSub>
+                                <m:sSubPr>
+                                  <m:ctrlPr>
+                                    <a:rPr lang="en-US" sz="2200" i="1" smtClean="0">
+                                      <a:solidFill>
+                                        <a:schemeClr val="tx1"/>
+                                      </a:solidFill>
+                                      <a:latin typeface="Cambria Math" panose="02040503050406030204" pitchFamily="18" charset="0"/>
+                                    </a:rPr>
+                                  </m:ctrlPr>
+                                </m:sSubPr>
+                                <m:e>
+                                  <m:r>
+                                    <a:rPr lang="en-US" sz="2200" i="1">
+                                      <a:solidFill>
+                                        <a:schemeClr val="tx1"/>
+                                      </a:solidFill>
+                                      <a:latin typeface="Cambria Math" panose="02040503050406030204" pitchFamily="18" charset="0"/>
+                                    </a:rPr>
+                                    <m:t>𝐸</m:t>
+                                  </m:r>
+                                </m:e>
+                                <m:sub>
+                                  <m:r>
+                                    <a:rPr lang="en-US" sz="2200" i="1">
+                                      <a:solidFill>
+                                        <a:schemeClr val="tx1"/>
+                                      </a:solidFill>
+                                      <a:latin typeface="Cambria Math" panose="02040503050406030204" pitchFamily="18" charset="0"/>
+                                    </a:rPr>
+                                    <m:t>0</m:t>
+                                  </m:r>
+                                </m:sub>
+                              </m:sSub>
+                              <m:r>
+                                <a:rPr lang="en-US" sz="2200" b="0" i="1" smtClean="0">
+                                  <a:solidFill>
+                                    <a:schemeClr val="tx1"/>
+                                  </a:solidFill>
+                                  <a:latin typeface="Cambria Math" panose="02040503050406030204" pitchFamily="18" charset="0"/>
+                                </a:rPr>
+                                <m:t>∩</m:t>
+                              </m:r>
+                              <m:sSub>
+                                <m:sSubPr>
+                                  <m:ctrlPr>
+                                    <a:rPr lang="en-US" sz="2200" i="1">
+                                      <a:solidFill>
+                                        <a:schemeClr val="tx1"/>
+                                      </a:solidFill>
+                                      <a:latin typeface="Cambria Math" panose="02040503050406030204" pitchFamily="18" charset="0"/>
+                                    </a:rPr>
+                                  </m:ctrlPr>
+                                </m:sSubPr>
+                                <m:e>
+                                  <m:r>
+                                    <a:rPr lang="en-US" sz="2200" i="1">
+                                      <a:solidFill>
+                                        <a:schemeClr val="tx1"/>
+                                      </a:solidFill>
+                                      <a:latin typeface="Cambria Math" panose="02040503050406030204" pitchFamily="18" charset="0"/>
+                                    </a:rPr>
+                                    <m:t>𝐸</m:t>
+                                  </m:r>
+                                </m:e>
+                                <m:sub>
+                                  <m:r>
+                                    <a:rPr lang="en-US" sz="2200" i="1">
+                                      <a:solidFill>
+                                        <a:schemeClr val="tx1"/>
+                                      </a:solidFill>
+                                      <a:latin typeface="Cambria Math" panose="02040503050406030204" pitchFamily="18" charset="0"/>
+                                    </a:rPr>
+                                    <m:t>1</m:t>
+                                  </m:r>
+                                </m:sub>
+                              </m:sSub>
+                              <m:r>
+                                <a:rPr lang="en-US" sz="2200" b="0" i="1" smtClean="0">
+                                  <a:solidFill>
+                                    <a:schemeClr val="tx1"/>
+                                  </a:solidFill>
+                                  <a:latin typeface="Cambria Math" panose="02040503050406030204" pitchFamily="18" charset="0"/>
+                                </a:rPr>
+                                <m:t>≠</m:t>
+                              </m:r>
+                              <m:r>
+                                <a:rPr lang="en-US" sz="2200" b="0" i="1" smtClean="0">
+                                  <a:solidFill>
+                                    <a:schemeClr val="tx1"/>
+                                  </a:solidFill>
+                                  <a:latin typeface="Cambria Math" panose="02040503050406030204" pitchFamily="18" charset="0"/>
+                                  <a:ea typeface="Cambria Math" panose="02040503050406030204" pitchFamily="18" charset="0"/>
+                                </a:rPr>
+                                <m:t>∅</m:t>
+                              </m:r>
+                            </m:oMath>
+                          </a14:m>
+                          <a:r>
+                            <a:rPr lang="en-US" sz="2200" baseline="0" dirty="0" smtClean="0"/>
+                            <a:t>. This gives the </a:t>
+                          </a:r>
+                          <a:r>
+                            <a:rPr lang="en-US" sz="2200" i="1" baseline="0" dirty="0" smtClean="0">
+                              <a:solidFill>
+                                <a:schemeClr val="accent2"/>
+                              </a:solidFill>
+                            </a:rPr>
+                            <a:t>convexity</a:t>
+                          </a:r>
+                          <a:r>
+                            <a:rPr lang="en-US" sz="2200" baseline="0" dirty="0" smtClean="0"/>
+                            <a:t> </a:t>
+                          </a:r>
+                          <a:r>
+                            <a:rPr lang="en-US" sz="2200" baseline="0" dirty="0" smtClean="0">
                               <a:solidFill>
                                 <a:schemeClr val="tx1"/>
                               </a:solidFill>
                             </a:rPr>
-                            <a:t>, </a:t>
+                            <a:t>condition:</a:t>
                           </a:r>
                           <a:r>
                             <a:rPr lang="en-US" sz="2200" baseline="0" dirty="0" smtClean="0"/>
@@ -17153,15 +17662,6 @@
                                     </m:sSub>
                                   </m:e>
                                 </m:d>
-                                <m:r>
-                                  <a:rPr lang="en-US" sz="2200" b="0" i="1" smtClean="0">
-                                    <a:solidFill>
-                                      <a:schemeClr val="tx1"/>
-                                    </a:solidFill>
-                                    <a:latin typeface="Cambria Math" panose="02040503050406030204" pitchFamily="18" charset="0"/>
-                                  </a:rPr>
-                                  <m:t> ,</m:t>
-                                </m:r>
                               </m:oMath>
                             </m:oMathPara>
                           </a14:m>
@@ -17172,42 +17672,112 @@
                           <a:br>
                             <a:rPr lang="en-US" sz="2200" dirty="0" smtClean="0"/>
                           </a:br>
+                          <a:r>
+                            <a:rPr lang="en-US" sz="2200" dirty="0" smtClean="0">
+                              <a:solidFill>
+                                <a:schemeClr val="tx1"/>
+                              </a:solidFill>
+                            </a:rPr>
+                            <a:t>for any </a:t>
+                          </a:r>
+                          <a:r>
+                            <a:rPr lang="en-US" sz="2200" dirty="0">
+                              <a:solidFill>
+                                <a:schemeClr val="tx1"/>
+                              </a:solidFill>
+                            </a:rPr>
+                            <a:t>events </a:t>
+                          </a:r>
                           <a14:m>
                             <m:oMath xmlns:m="http://schemas.openxmlformats.org/officeDocument/2006/math">
-                              <m:bar>
-                                <m:barPr>
-                                  <m:pos m:val="top"/>
+                              <m:sSub>
+                                <m:sSubPr>
                                   <m:ctrlPr>
-                                    <a:rPr lang="en-US" sz="2200" i="1" smtClean="0">
+                                    <a:rPr lang="en-US" sz="2200" i="1">
+                                      <a:solidFill>
+                                        <a:schemeClr val="tx1"/>
+                                      </a:solidFill>
                                       <a:latin typeface="Cambria Math" panose="02040503050406030204" pitchFamily="18" charset="0"/>
                                     </a:rPr>
                                   </m:ctrlPr>
-                                </m:barPr>
+                                </m:sSubPr>
                                 <m:e>
                                   <m:r>
                                     <a:rPr lang="en-US" sz="2200" i="1">
+                                      <a:solidFill>
+                                        <a:schemeClr val="tx1"/>
+                                      </a:solidFill>
                                       <a:latin typeface="Cambria Math" panose="02040503050406030204" pitchFamily="18" charset="0"/>
                                     </a:rPr>
-                                    <m:t>𝜇</m:t>
+                                    <m:t>𝐸</m:t>
                                   </m:r>
                                 </m:e>
-                              </m:bar>
+                                <m:sub>
+                                  <m:r>
+                                    <a:rPr lang="en-US" sz="2200" i="1">
+                                      <a:solidFill>
+                                        <a:schemeClr val="tx1"/>
+                                      </a:solidFill>
+                                      <a:latin typeface="Cambria Math" panose="02040503050406030204" pitchFamily="18" charset="0"/>
+                                    </a:rPr>
+                                    <m:t>0</m:t>
+                                  </m:r>
+                                </m:sub>
+                              </m:sSub>
                             </m:oMath>
                           </a14:m>
                           <a:r>
-                            <a:rPr lang="en-US" sz="2200" dirty="0" smtClean="0"/>
-                            <a:t> is</a:t>
+                            <a:rPr lang="en-US" sz="2200" dirty="0">
+                              <a:solidFill>
+                                <a:schemeClr val="tx1"/>
+                              </a:solidFill>
+                            </a:rPr>
+                            <a:t> and </a:t>
                           </a:r>
+                          <a14:m>
+                            <m:oMath xmlns:m="http://schemas.openxmlformats.org/officeDocument/2006/math">
+                              <m:sSub>
+                                <m:sSubPr>
+                                  <m:ctrlPr>
+                                    <a:rPr lang="en-US" sz="2200" i="1">
+                                      <a:solidFill>
+                                        <a:schemeClr val="tx1"/>
+                                      </a:solidFill>
+                                      <a:latin typeface="Cambria Math" panose="02040503050406030204" pitchFamily="18" charset="0"/>
+                                    </a:rPr>
+                                  </m:ctrlPr>
+                                </m:sSubPr>
+                                <m:e>
+                                  <m:r>
+                                    <a:rPr lang="en-US" sz="2200" i="1">
+                                      <a:solidFill>
+                                        <a:schemeClr val="tx1"/>
+                                      </a:solidFill>
+                                      <a:latin typeface="Cambria Math" panose="02040503050406030204" pitchFamily="18" charset="0"/>
+                                    </a:rPr>
+                                    <m:t>𝐸</m:t>
+                                  </m:r>
+                                </m:e>
+                                <m:sub>
+                                  <m:r>
+                                    <a:rPr lang="en-US" sz="2200" i="1">
+                                      <a:solidFill>
+                                        <a:schemeClr val="tx1"/>
+                                      </a:solidFill>
+                                      <a:latin typeface="Cambria Math" panose="02040503050406030204" pitchFamily="18" charset="0"/>
+                                    </a:rPr>
+                                    <m:t>1</m:t>
+                                  </m:r>
+                                </m:sub>
+                              </m:sSub>
+                            </m:oMath>
+                          </a14:m>
                           <a:r>
-                            <a:rPr lang="en-US" sz="2200" baseline="0" dirty="0" smtClean="0"/>
-                            <a:t> called </a:t>
-                          </a:r>
-                          <a:r>
-                            <a:rPr lang="en-US" sz="2200" i="1" baseline="0" dirty="0" smtClean="0"/>
-                            <a:t>convex</a:t>
-                          </a:r>
-                          <a:r>
-                            <a:rPr lang="en-US" sz="2200" baseline="0" dirty="0" smtClean="0"/>
+                            <a:rPr lang="en-US" sz="2200" dirty="0" smtClean="0">
+                              <a:solidFill>
+                                <a:schemeClr val="tx1"/>
+                              </a:solidFill>
+                            </a:rPr>
                             <a:t>.</a:t>
                           </a:r>
                           <a:endParaRPr lang="en-US" sz="2200" dirty="0"/>
@@ -17221,7 +17791,7 @@
             </a:graphic>
           </p:graphicFrame>
         </mc:Choice>
-        <mc:Fallback xmlns="">
+        <mc:Fallback>
           <p:graphicFrame>
             <p:nvGraphicFramePr>
               <p:cNvPr id="4" name="Content Placeholder 3"/>
@@ -17232,14 +17802,14 @@
                 <p:ph idx="1"/>
                 <p:extLst>
                   <p:ext uri="{D42A27DB-BD31-4B8C-83A1-F6EECF244321}">
-                    <p14:modId xmlns:p14="http://schemas.microsoft.com/office/powerpoint/2010/main" val="95226574"/>
+                    <p14:modId xmlns:p14="http://schemas.microsoft.com/office/powerpoint/2010/main" val="3870195092"/>
                   </p:ext>
                 </p:extLst>
               </p:nvPr>
             </p:nvGraphicFramePr>
             <p:xfrm>
               <a:off x="838200" y="1825625"/>
-              <a:ext cx="10515600" cy="3954653"/>
+              <a:ext cx="10515600" cy="4320413"/>
             </p:xfrm>
             <a:graphic>
               <a:graphicData uri="http://schemas.openxmlformats.org/drawingml/2006/table">
@@ -17288,13 +17858,20 @@
                           </a:r>
                           <a:r>
                             <a:rPr lang="en-US" sz="2200" dirty="0" smtClean="0"/>
-                            <a:t>-Valued Probability </a:t>
+                            <a:t>-Valued Probability Measure (C</a:t>
+                          </a:r>
+                          <a:r>
+                            <a:rPr lang="en-US" sz="2200" dirty="0" smtClean="0">
+                              <a:solidFill>
+                                <a:schemeClr val="accent2"/>
+                              </a:solidFill>
+                            </a:rPr>
+                            <a:t>R</a:t>
                           </a:r>
                           <a:r>
                             <a:rPr lang="en-US" sz="2200" dirty="0" smtClean="0"/>
-                            <a:t>Measure (CRVPM)</a:t>
+                            <a:t>VPM)</a:t>
                           </a:r>
-                          <a:endParaRPr lang="en-US" sz="2200" dirty="0" smtClean="0"/>
                         </a:p>
                       </a:txBody>
                       <a:tcPr/>
@@ -17335,19 +17912,26 @@
                           </a:r>
                           <a:r>
                             <a:rPr lang="en-US" sz="2200" dirty="0" smtClean="0"/>
-                            <a:t>-Valued Probability </a:t>
+                            <a:t>-Valued Probability Measure (C</a:t>
+                          </a:r>
+                          <a:r>
+                            <a:rPr lang="en-US" sz="2200" dirty="0" smtClean="0">
+                              <a:solidFill>
+                                <a:schemeClr val="accent2"/>
+                              </a:solidFill>
+                            </a:rPr>
+                            <a:t>I</a:t>
                           </a:r>
                           <a:r>
                             <a:rPr lang="en-US" sz="2200" dirty="0" smtClean="0"/>
-                            <a:t>Measure (CIVPM)</a:t>
+                            <a:t>VPM)</a:t>
                           </a:r>
-                          <a:endParaRPr lang="en-US" sz="2200" dirty="0" smtClean="0"/>
                         </a:p>
                       </a:txBody>
                       <a:tcPr/>
                     </a:tc>
                   </a:tr>
-                  <a:tr h="2095373">
+                  <a:tr h="2125853">
                     <a:tc>
                       <a:txBody>
                         <a:bodyPr/>
@@ -17358,9 +17942,9 @@
                       </a:txBody>
                       <a:tcPr>
                         <a:blipFill rotWithShape="0">
-                          <a:blip r:embed="rId2"/>
+                          <a:blip r:embed="rId3"/>
                           <a:stretch>
-                            <a:fillRect l="-116" t="-37971" r="-100463" b="-57971"/>
+                            <a:fillRect l="-116" t="-37429" r="-100463" b="-72857"/>
                           </a:stretch>
                         </a:blipFill>
                       </a:tcPr>
@@ -17375,15 +17959,15 @@
                       </a:txBody>
                       <a:tcPr>
                         <a:blipFill rotWithShape="0">
-                          <a:blip r:embed="rId2"/>
+                          <a:blip r:embed="rId3"/>
                           <a:stretch>
-                            <a:fillRect l="-100116" t="-37971" r="-463" b="-57971"/>
+                            <a:fillRect l="-100116" t="-37429" r="-463" b="-72857"/>
                           </a:stretch>
                         </a:blipFill>
                       </a:tcPr>
                     </a:tc>
                   </a:tr>
-                  <a:tr h="1097280">
+                  <a:tr h="1432560">
                     <a:tc>
                       <a:txBody>
                         <a:bodyPr/>
@@ -17394,9 +17978,9 @@
                       </a:txBody>
                       <a:tcPr>
                         <a:blipFill rotWithShape="0">
-                          <a:blip r:embed="rId2"/>
+                          <a:blip r:embed="rId3"/>
                           <a:stretch>
-                            <a:fillRect l="-116" t="-264444" r="-100463" b="-11111"/>
+                            <a:fillRect l="-116" t="-204681" r="-100463" b="-8511"/>
                           </a:stretch>
                         </a:blipFill>
                       </a:tcPr>
@@ -17411,9 +17995,9 @@
                       </a:txBody>
                       <a:tcPr>
                         <a:blipFill rotWithShape="0">
-                          <a:blip r:embed="rId2"/>
+                          <a:blip r:embed="rId3"/>
                           <a:stretch>
-                            <a:fillRect l="-100116" t="-264444" r="-463" b="-11111"/>
+                            <a:fillRect l="-100116" t="-204681" r="-463" b="-8511"/>
                           </a:stretch>
                         </a:blipFill>
                       </a:tcPr>
@@ -17485,8 +18069,8 @@
           </a:p>
         </p:txBody>
       </p:sp>
-      <mc:AlternateContent xmlns:mc="http://schemas.openxmlformats.org/markup-compatibility/2006" xmlns:a14="http://schemas.microsoft.com/office/drawing/2010/main">
-        <mc:Choice Requires="a14">
+      <mc:AlternateContent xmlns:mc="http://schemas.openxmlformats.org/markup-compatibility/2006">
+        <mc:Choice xmlns:a14="http://schemas.microsoft.com/office/drawing/2010/main" Requires="a14">
           <p:sp>
             <p:nvSpPr>
               <p:cNvPr id="3" name="Content Placeholder 2"/>
@@ -17702,7 +18286,11 @@
                   <a:t> is called in the </a:t>
                 </a:r>
                 <a:r>
-                  <a:rPr lang="en-US" i="1" dirty="0" smtClean="0"/>
+                  <a:rPr lang="en-US" i="1" dirty="0" smtClean="0">
+                    <a:solidFill>
+                      <a:schemeClr val="accent2"/>
+                    </a:solidFill>
+                  </a:rPr>
                   <a:t>core</a:t>
                 </a:r>
                 <a:r>
@@ -17738,7 +18326,10 @@
                 <a14:m>
                   <m:oMath xmlns:m="http://schemas.openxmlformats.org/officeDocument/2006/math">
                     <m:r>
-                      <a:rPr lang="en-US" i="1">
+                      <a:rPr lang="en-US" i="1" smtClean="0">
+                        <a:solidFill>
+                          <a:schemeClr val="accent2"/>
+                        </a:solidFill>
                         <a:latin typeface="Cambria Math" panose="02040503050406030204" pitchFamily="18" charset="0"/>
                       </a:rPr>
                       <m:t>𝜇</m:t>
@@ -17747,6 +18338,9 @@
                       <m:dPr>
                         <m:ctrlPr>
                           <a:rPr lang="en-US" b="0" i="1" smtClean="0">
+                            <a:solidFill>
+                              <a:schemeClr val="accent2"/>
+                            </a:solidFill>
                             <a:latin typeface="Cambria Math" panose="02040503050406030204" pitchFamily="18" charset="0"/>
                           </a:rPr>
                         </m:ctrlPr>
@@ -17754,6 +18348,9 @@
                       <m:e>
                         <m:r>
                           <a:rPr lang="en-US" b="0" i="1" smtClean="0">
+                            <a:solidFill>
+                              <a:schemeClr val="accent2"/>
+                            </a:solidFill>
                             <a:latin typeface="Cambria Math" panose="02040503050406030204" pitchFamily="18" charset="0"/>
                           </a:rPr>
                           <m:t>𝐸</m:t>
@@ -17762,6 +18359,9 @@
                     </m:d>
                     <m:r>
                       <a:rPr lang="en-US" b="0" i="1" smtClean="0">
+                        <a:solidFill>
+                          <a:schemeClr val="accent2"/>
+                        </a:solidFill>
                         <a:latin typeface="Cambria Math" panose="02040503050406030204" pitchFamily="18" charset="0"/>
                       </a:rPr>
                       <m:t>∈</m:t>
@@ -17771,6 +18371,9 @@
                         <m:pos m:val="top"/>
                         <m:ctrlPr>
                           <a:rPr lang="en-US" i="1">
+                            <a:solidFill>
+                              <a:schemeClr val="accent2"/>
+                            </a:solidFill>
                             <a:latin typeface="Cambria Math" panose="02040503050406030204" pitchFamily="18" charset="0"/>
                           </a:rPr>
                         </m:ctrlPr>
@@ -17778,6 +18381,9 @@
                       <m:e>
                         <m:r>
                           <a:rPr lang="en-US" i="1">
+                            <a:solidFill>
+                              <a:schemeClr val="accent2"/>
+                            </a:solidFill>
                             <a:latin typeface="Cambria Math" panose="02040503050406030204" pitchFamily="18" charset="0"/>
                           </a:rPr>
                           <m:t>𝜇</m:t>
@@ -17788,6 +18394,9 @@
                       <m:dPr>
                         <m:ctrlPr>
                           <a:rPr lang="en-US" i="1">
+                            <a:solidFill>
+                              <a:schemeClr val="accent2"/>
+                            </a:solidFill>
                             <a:latin typeface="Cambria Math" panose="02040503050406030204" pitchFamily="18" charset="0"/>
                           </a:rPr>
                         </m:ctrlPr>
@@ -17795,6 +18404,9 @@
                       <m:e>
                         <m:r>
                           <a:rPr lang="en-US" b="0" i="1" smtClean="0">
+                            <a:solidFill>
+                              <a:schemeClr val="accent2"/>
+                            </a:solidFill>
                             <a:latin typeface="Cambria Math" panose="02040503050406030204" pitchFamily="18" charset="0"/>
                           </a:rPr>
                           <m:t>𝐸</m:t>
@@ -17804,13 +18416,20 @@
                   </m:oMath>
                 </a14:m>
                 <a:r>
-                  <a:rPr lang="en-US" dirty="0" smtClean="0"/>
+                  <a:rPr lang="en-US" dirty="0" smtClean="0">
+                    <a:solidFill>
+                      <a:schemeClr val="accent2"/>
+                    </a:solidFill>
+                  </a:rPr>
                   <a:t> for all </a:t>
                 </a:r>
                 <a14:m>
                   <m:oMath xmlns:m="http://schemas.openxmlformats.org/officeDocument/2006/math">
                     <m:r>
                       <a:rPr lang="en-US" i="1">
+                        <a:solidFill>
+                          <a:schemeClr val="accent2"/>
+                        </a:solidFill>
                         <a:latin typeface="Cambria Math" panose="02040503050406030204" pitchFamily="18" charset="0"/>
                       </a:rPr>
                       <m:t>𝐸</m:t>
@@ -17861,13 +18480,19 @@
                 <a14:m>
                   <m:oMath xmlns:m="http://schemas.openxmlformats.org/officeDocument/2006/math">
                     <m:r>
-                      <a:rPr lang="en-US" i="1">
+                      <a:rPr lang="en-US" i="1" smtClean="0">
+                        <a:solidFill>
+                          <a:schemeClr val="accent2"/>
+                        </a:solidFill>
                         <a:latin typeface="Cambria Math" panose="02040503050406030204" pitchFamily="18" charset="0"/>
                       </a:rPr>
                       <m:t>𝜇</m:t>
                     </m:r>
                     <m:r>
                       <a:rPr lang="en-US" b="0" i="1" smtClean="0">
+                        <a:solidFill>
+                          <a:schemeClr val="accent2"/>
+                        </a:solidFill>
                         <a:latin typeface="Cambria Math" panose="02040503050406030204" pitchFamily="18" charset="0"/>
                       </a:rPr>
                       <m:t>∈</m:t>
@@ -17877,6 +18502,9 @@
                         <m:nor/>
                       </m:rPr>
                       <a:rPr lang="en-US" b="0" i="0" smtClean="0">
+                        <a:solidFill>
+                          <a:schemeClr val="accent2"/>
+                        </a:solidFill>
                         <a:latin typeface="Cambria Math" panose="02040503050406030204" pitchFamily="18" charset="0"/>
                       </a:rPr>
                       <m:t>core</m:t>
@@ -17885,6 +18513,9 @@
                       <m:dPr>
                         <m:ctrlPr>
                           <a:rPr lang="en-US" b="0" i="1" smtClean="0">
+                            <a:solidFill>
+                              <a:schemeClr val="accent2"/>
+                            </a:solidFill>
                             <a:latin typeface="Cambria Math" panose="02040503050406030204" pitchFamily="18" charset="0"/>
                           </a:rPr>
                         </m:ctrlPr>
@@ -17895,6 +18526,9 @@
                             <m:pos m:val="top"/>
                             <m:ctrlPr>
                               <a:rPr lang="en-US" i="1">
+                                <a:solidFill>
+                                  <a:schemeClr val="accent2"/>
+                                </a:solidFill>
                                 <a:latin typeface="Cambria Math" panose="02040503050406030204" pitchFamily="18" charset="0"/>
                               </a:rPr>
                             </m:ctrlPr>
@@ -17902,6 +18536,9 @@
                           <m:e>
                             <m:r>
                               <a:rPr lang="en-US" i="1">
+                                <a:solidFill>
+                                  <a:schemeClr val="accent2"/>
+                                </a:solidFill>
                                 <a:latin typeface="Cambria Math" panose="02040503050406030204" pitchFamily="18" charset="0"/>
                               </a:rPr>
                               <m:t>𝜇</m:t>
@@ -17930,7 +18567,31 @@
                 </a:r>
                 <a:r>
                   <a:rPr lang="en-US" dirty="0" smtClean="0"/>
-                  <a:t> (Shapley) Every convex CIVPM has a non-empty core.</a:t>
+                  <a:t> (Shapley) Every </a:t>
+                </a:r>
+                <a:r>
+                  <a:rPr lang="en-US" dirty="0" smtClean="0">
+                    <a:solidFill>
+                      <a:schemeClr val="accent2"/>
+                    </a:solidFill>
+                  </a:rPr>
+                  <a:t>convex</a:t>
+                </a:r>
+                <a:r>
+                  <a:rPr lang="en-US" dirty="0" smtClean="0"/>
+                  <a:t> CIVPM has a </a:t>
+                </a:r>
+                <a:r>
+                  <a:rPr lang="en-US" dirty="0" smtClean="0">
+                    <a:solidFill>
+                      <a:schemeClr val="accent2"/>
+                    </a:solidFill>
+                  </a:rPr>
+                  <a:t>non-empty core</a:t>
+                </a:r>
+                <a:r>
+                  <a:rPr lang="en-US" dirty="0" smtClean="0"/>
+                  <a:t>.</a:t>
                 </a:r>
               </a:p>
               <a:p>
@@ -18042,7 +18703,19 @@
                 </a:r>
                 <a:r>
                   <a:rPr lang="en-US" dirty="0" smtClean="0"/>
-                  <a:t> or expectation value on both end-points</a:t>
+                  <a:t> or </a:t>
+                </a:r>
+                <a:r>
+                  <a:rPr lang="en-US" i="1" dirty="0" smtClean="0">
+                    <a:solidFill>
+                      <a:schemeClr val="accent2"/>
+                    </a:solidFill>
+                  </a:rPr>
+                  <a:t>expectation value</a:t>
+                </a:r>
+                <a:r>
+                  <a:rPr lang="en-US" dirty="0" smtClean="0"/>
+                  <a:t> on both end-points</a:t>
                 </a:r>
                 <a:r>
                   <a:rPr lang="en-US" dirty="0"/>
@@ -18086,7 +18759,10 @@
                       <m:barPr>
                         <m:pos m:val="top"/>
                         <m:ctrlPr>
-                          <a:rPr lang="en-US" i="1">
+                          <a:rPr lang="en-US" i="1" smtClean="0">
+                            <a:solidFill>
+                              <a:schemeClr val="accent2"/>
+                            </a:solidFill>
                             <a:latin typeface="Cambria Math" panose="02040503050406030204" pitchFamily="18" charset="0"/>
                           </a:rPr>
                         </m:ctrlPr>
@@ -18094,6 +18770,9 @@
                       <m:e>
                         <m:r>
                           <a:rPr lang="en-US" i="1">
+                            <a:solidFill>
+                              <a:schemeClr val="accent2"/>
+                            </a:solidFill>
                             <a:latin typeface="Cambria Math" panose="02040503050406030204" pitchFamily="18" charset="0"/>
                           </a:rPr>
                           <m:t>𝜇</m:t>
@@ -18127,8 +18806,12 @@
                   <a:t>For every </a:t>
                 </a:r>
                 <a:r>
+                  <a:rPr lang="en-US" dirty="0" smtClean="0"/>
+                  <a:t>CIVPM</a:t>
+                </a:r>
+                <a:r>
                   <a:rPr lang="en-US" dirty="0"/>
-                  <a:t>convex CIVPM </a:t>
+                  <a:t> </a:t>
                 </a:r>
                 <a14:m>
                   <m:oMath xmlns:m="http://schemas.openxmlformats.org/officeDocument/2006/math">
@@ -18299,7 +18982,19 @@
                 </a14:m>
                 <a:r>
                   <a:rPr lang="en-US" dirty="0" smtClean="0"/>
-                  <a:t> is convex if and only if</a:t>
+                  <a:t> is </a:t>
+                </a:r>
+                <a:r>
+                  <a:rPr lang="en-US" dirty="0" smtClean="0">
+                    <a:solidFill>
+                      <a:schemeClr val="accent2"/>
+                    </a:solidFill>
+                  </a:rPr>
+                  <a:t>convex</a:t>
+                </a:r>
+                <a:r>
+                  <a:rPr lang="en-US" dirty="0" smtClean="0"/>
+                  <a:t> if and only if</a:t>
                 </a:r>
                 <a:br>
                   <a:rPr lang="en-US" dirty="0" smtClean="0"/>
@@ -18342,7 +19037,10 @@
                         <m:barPr>
                           <m:pos m:val="top"/>
                           <m:ctrlPr>
-                            <a:rPr lang="en-US" i="1">
+                            <a:rPr lang="en-US" i="1" smtClean="0">
+                              <a:solidFill>
+                                <a:schemeClr val="accent2"/>
+                              </a:solidFill>
                               <a:latin typeface="Cambria Math" panose="02040503050406030204" pitchFamily="18" charset="0"/>
                             </a:rPr>
                           </m:ctrlPr>
@@ -18350,6 +19048,9 @@
                         <m:e>
                           <m:r>
                             <a:rPr lang="en-US" i="1">
+                              <a:solidFill>
+                                <a:schemeClr val="accent2"/>
+                              </a:solidFill>
                               <a:latin typeface="Cambria Math" panose="02040503050406030204" pitchFamily="18" charset="0"/>
                             </a:rPr>
                             <m:t>𝜇</m:t>
@@ -18403,13 +19104,19 @@
                                 </m:e>
                                 <m:lim>
                                   <m:r>
-                                    <a:rPr lang="en-US" i="1">
+                                    <a:rPr lang="en-US" i="1" smtClean="0">
+                                      <a:solidFill>
+                                        <a:schemeClr val="accent2"/>
+                                      </a:solidFill>
                                       <a:latin typeface="Cambria Math" panose="02040503050406030204" pitchFamily="18" charset="0"/>
                                     </a:rPr>
                                     <m:t>𝜇</m:t>
                                   </m:r>
                                   <m:r>
-                                    <a:rPr lang="en-US" i="1">
+                                    <a:rPr lang="en-US" i="1" smtClean="0">
+                                      <a:solidFill>
+                                        <a:schemeClr val="accent2"/>
+                                      </a:solidFill>
                                       <a:latin typeface="Cambria Math" panose="02040503050406030204" pitchFamily="18" charset="0"/>
                                     </a:rPr>
                                     <m:t>∈</m:t>
@@ -18419,6 +19126,9 @@
                                       <m:nor/>
                                     </m:rPr>
                                     <a:rPr lang="en-US">
+                                      <a:solidFill>
+                                        <a:schemeClr val="accent2"/>
+                                      </a:solidFill>
                                       <a:latin typeface="Cambria Math" panose="02040503050406030204" pitchFamily="18" charset="0"/>
                                     </a:rPr>
                                     <m:t>core</m:t>
@@ -18427,6 +19137,9 @@
                                     <m:dPr>
                                       <m:ctrlPr>
                                         <a:rPr lang="en-US" i="1">
+                                          <a:solidFill>
+                                            <a:schemeClr val="accent2"/>
+                                          </a:solidFill>
                                           <a:latin typeface="Cambria Math" panose="02040503050406030204" pitchFamily="18" charset="0"/>
                                         </a:rPr>
                                       </m:ctrlPr>
@@ -18437,6 +19150,9 @@
                                           <m:pos m:val="top"/>
                                           <m:ctrlPr>
                                             <a:rPr lang="en-US" i="1">
+                                              <a:solidFill>
+                                                <a:schemeClr val="accent2"/>
+                                              </a:solidFill>
                                               <a:latin typeface="Cambria Math" panose="02040503050406030204" pitchFamily="18" charset="0"/>
                                             </a:rPr>
                                           </m:ctrlPr>
@@ -18444,6 +19160,9 @@
                                         <m:e>
                                           <m:r>
                                             <a:rPr lang="en-US" i="1">
+                                              <a:solidFill>
+                                                <a:schemeClr val="accent2"/>
+                                              </a:solidFill>
                                               <a:latin typeface="Cambria Math" panose="02040503050406030204" pitchFamily="18" charset="0"/>
                                             </a:rPr>
                                             <m:t>𝜇</m:t>
@@ -18485,7 +19204,10 @@
                                 <m:t>ⅆ</m:t>
                               </m:r>
                               <m:r>
-                                <a:rPr lang="en-US" i="1">
+                                <a:rPr lang="en-US" i="1" smtClean="0">
+                                  <a:solidFill>
+                                    <a:schemeClr val="accent2"/>
+                                  </a:solidFill>
                                   <a:latin typeface="Cambria Math" panose="02040503050406030204" pitchFamily="18" charset="0"/>
                                 </a:rPr>
                                 <m:t>𝜇</m:t>
@@ -18537,13 +19259,19 @@
                                 </m:e>
                                 <m:lim>
                                   <m:r>
-                                    <a:rPr lang="en-US" i="1">
+                                    <a:rPr lang="en-US" i="1" smtClean="0">
+                                      <a:solidFill>
+                                        <a:schemeClr val="accent2"/>
+                                      </a:solidFill>
                                       <a:latin typeface="Cambria Math" panose="02040503050406030204" pitchFamily="18" charset="0"/>
                                     </a:rPr>
                                     <m:t>𝜇</m:t>
                                   </m:r>
                                   <m:r>
-                                    <a:rPr lang="en-US" i="1">
+                                    <a:rPr lang="en-US" i="1" smtClean="0">
+                                      <a:solidFill>
+                                        <a:schemeClr val="accent2"/>
+                                      </a:solidFill>
                                       <a:latin typeface="Cambria Math" panose="02040503050406030204" pitchFamily="18" charset="0"/>
                                     </a:rPr>
                                     <m:t>∈</m:t>
@@ -18553,6 +19281,9 @@
                                       <m:nor/>
                                     </m:rPr>
                                     <a:rPr lang="en-US">
+                                      <a:solidFill>
+                                        <a:schemeClr val="accent2"/>
+                                      </a:solidFill>
                                       <a:latin typeface="Cambria Math" panose="02040503050406030204" pitchFamily="18" charset="0"/>
                                     </a:rPr>
                                     <m:t>core</m:t>
@@ -18561,6 +19292,9 @@
                                     <m:dPr>
                                       <m:ctrlPr>
                                         <a:rPr lang="en-US" i="1">
+                                          <a:solidFill>
+                                            <a:schemeClr val="accent2"/>
+                                          </a:solidFill>
                                           <a:latin typeface="Cambria Math" panose="02040503050406030204" pitchFamily="18" charset="0"/>
                                         </a:rPr>
                                       </m:ctrlPr>
@@ -18571,6 +19305,9 @@
                                           <m:pos m:val="top"/>
                                           <m:ctrlPr>
                                             <a:rPr lang="en-US" i="1">
+                                              <a:solidFill>
+                                                <a:schemeClr val="accent2"/>
+                                              </a:solidFill>
                                               <a:latin typeface="Cambria Math" panose="02040503050406030204" pitchFamily="18" charset="0"/>
                                             </a:rPr>
                                           </m:ctrlPr>
@@ -18578,6 +19315,9 @@
                                         <m:e>
                                           <m:r>
                                             <a:rPr lang="en-US" i="1">
+                                              <a:solidFill>
+                                                <a:schemeClr val="accent2"/>
+                                              </a:solidFill>
                                               <a:latin typeface="Cambria Math" panose="02040503050406030204" pitchFamily="18" charset="0"/>
                                             </a:rPr>
                                             <m:t>𝜇</m:t>
@@ -18619,7 +19359,10 @@
                                 <m:t>ⅆ</m:t>
                               </m:r>
                               <m:r>
-                                <a:rPr lang="en-US" i="1">
+                                <a:rPr lang="en-US" i="1" smtClean="0">
+                                  <a:solidFill>
+                                    <a:schemeClr val="accent2"/>
+                                  </a:solidFill>
                                   <a:latin typeface="Cambria Math" panose="02040503050406030204" pitchFamily="18" charset="0"/>
                                 </a:rPr>
                                 <m:t>𝜇</m:t>
@@ -18642,7 +19385,7 @@
             </p:txBody>
           </p:sp>
         </mc:Choice>
-        <mc:Fallback xmlns="">
+        <mc:Fallback>
           <p:sp>
             <p:nvSpPr>
               <p:cNvPr id="3" name="Content Placeholder 2"/>
@@ -18785,11 +19528,19 @@
             </a:r>
             <a:r>
               <a:rPr lang="en-US" dirty="0" smtClean="0"/>
-              <a:t> Real-Valued Probability </a:t>
+              <a:t> Real-Valued Probability Measure (</a:t>
+            </a:r>
+            <a:r>
+              <a:rPr lang="en-US" dirty="0" smtClean="0">
+                <a:solidFill>
+                  <a:srgbClr val="FF0000"/>
+                </a:solidFill>
+              </a:rPr>
+              <a:t>C</a:t>
             </a:r>
             <a:r>
               <a:rPr lang="en-US" dirty="0" smtClean="0"/>
-              <a:t>Measure (CRVPM)</a:t>
+              <a:t>RVPM)</a:t>
             </a:r>
             <a:endParaRPr lang="en-US" dirty="0"/>
           </a:p>
@@ -19791,13 +20542,24 @@
             </a:r>
             <a:r>
               <a:rPr lang="en-US" dirty="0" smtClean="0"/>
-              <a:t>(QRVPM</a:t>
+              <a:t>(</a:t>
+            </a:r>
+            <a:r>
+              <a:rPr lang="en-US" dirty="0" smtClean="0">
+                <a:solidFill>
+                  <a:srgbClr val="FF0000"/>
+                </a:solidFill>
+              </a:rPr>
+              <a:t>Q</a:t>
+            </a:r>
+            <a:r>
+              <a:rPr lang="en-US" dirty="0" smtClean="0"/>
+              <a:t>RVPM</a:t>
             </a:r>
             <a:r>
               <a:rPr lang="en-US" dirty="0"/>
               <a:t>)</a:t>
             </a:r>
-            <a:endParaRPr lang="en-US" dirty="0"/>
           </a:p>
         </p:txBody>
       </p:sp>
@@ -20958,12 +21720,16 @@
                   <a:t>Why we haven’t heard about </a:t>
                 </a:r>
                 <a:r>
-                  <a:rPr lang="en-US" dirty="0" smtClean="0"/>
-                  <a:t>QRVPMs </a:t>
+                  <a:rPr lang="en-US" dirty="0" smtClean="0">
+                    <a:solidFill>
+                      <a:srgbClr val="FF0000"/>
+                    </a:solidFill>
+                  </a:rPr>
+                  <a:t>Q</a:t>
                 </a:r>
                 <a:r>
                   <a:rPr lang="en-US" dirty="0" smtClean="0"/>
-                  <a:t>before?</a:t>
+                  <a:t>RVPMs before?</a:t>
                 </a:r>
               </a:p>
               <a:p>
@@ -20980,11 +21746,7 @@
                 </a:r>
                 <a:r>
                   <a:rPr lang="en-US" dirty="0" smtClean="0"/>
-                  <a:t>(Gleason’s) When </a:t>
-                </a:r>
-                <a:r>
-                  <a:rPr lang="en-US" dirty="0" smtClean="0"/>
-                  <a:t>dimension</a:t>
+                  <a:t>(Gleason’s) When dimension</a:t>
                 </a:r>
                 <a:r>
                   <a:rPr lang="en-US" dirty="0"/>
@@ -21008,7 +21770,19 @@
                 </a14:m>
                 <a:r>
                   <a:rPr lang="en-US" dirty="0" smtClean="0"/>
-                  <a:t>, given a QRVPM</a:t>
+                  <a:t>, given a </a:t>
+                </a:r>
+                <a:r>
+                  <a:rPr lang="en-US" dirty="0" smtClean="0">
+                    <a:solidFill>
+                      <a:srgbClr val="FF0000"/>
+                    </a:solidFill>
+                  </a:rPr>
+                  <a:t>Q</a:t>
+                </a:r>
+                <a:r>
+                  <a:rPr lang="en-US" dirty="0" smtClean="0"/>
+                  <a:t>RVPM</a:t>
                 </a:r>
                 <a:r>
                   <a:rPr lang="en-US" dirty="0"/>
@@ -21210,7 +21984,11 @@
                   <a:t> is called the </a:t>
                 </a:r>
                 <a:r>
-                  <a:rPr lang="en-US" i="1" dirty="0" smtClean="0"/>
+                  <a:rPr lang="en-US" i="1" dirty="0" smtClean="0">
+                    <a:solidFill>
+                      <a:srgbClr val="FF0000"/>
+                    </a:solidFill>
+                  </a:rPr>
                   <a:t>Born rule</a:t>
                 </a:r>
                 <a:r>
@@ -24438,14 +25216,34 @@
             </a:r>
             <a:r>
               <a:rPr lang="en-US" dirty="0" smtClean="0"/>
-              <a:t>-Valued Probability Measure (QIVPM)</a:t>
+              <a:t>-Valued Probability Measure (</a:t>
+            </a:r>
+            <a:r>
+              <a:rPr lang="en-US" dirty="0" smtClean="0">
+                <a:solidFill>
+                  <a:srgbClr val="FF0000"/>
+                </a:solidFill>
+              </a:rPr>
+              <a:t>Q</a:t>
+            </a:r>
+            <a:r>
+              <a:rPr lang="en-US" dirty="0" smtClean="0">
+                <a:solidFill>
+                  <a:schemeClr val="accent2"/>
+                </a:solidFill>
+              </a:rPr>
+              <a:t>I</a:t>
+            </a:r>
+            <a:r>
+              <a:rPr lang="en-US" dirty="0" smtClean="0"/>
+              <a:t>VPM)</a:t>
             </a:r>
             <a:endParaRPr lang="en-US" dirty="0"/>
           </a:p>
         </p:txBody>
       </p:sp>
-      <mc:AlternateContent xmlns:mc="http://schemas.openxmlformats.org/markup-compatibility/2006">
-        <mc:Choice xmlns:a14="http://schemas.microsoft.com/office/drawing/2010/main" Requires="a14">
+      <mc:AlternateContent xmlns:mc="http://schemas.openxmlformats.org/markup-compatibility/2006" xmlns:a14="http://schemas.microsoft.com/office/drawing/2010/main">
+        <mc:Choice Requires="a14">
           <p:sp>
             <p:nvSpPr>
               <p:cNvPr id="3" name="Content Placeholder 2"/>
@@ -25181,7 +25979,7 @@
             </p:txBody>
           </p:sp>
         </mc:Choice>
-        <mc:Fallback>
+        <mc:Fallback xmlns="">
           <p:sp>
             <p:nvSpPr>
               <p:cNvPr id="3" name="Content Placeholder 2"/>

--- a/prop_letter.pptx
+++ b/prop_letter.pptx
@@ -5,10 +5,10 @@
     <p:sldMasterId id="2147483648" r:id="rId1"/>
   </p:sldMasterIdLst>
   <p:notesMasterIdLst>
-    <p:notesMasterId r:id="rId17"/>
+    <p:notesMasterId r:id="rId20"/>
   </p:notesMasterIdLst>
   <p:handoutMasterIdLst>
-    <p:handoutMasterId r:id="rId18"/>
+    <p:handoutMasterId r:id="rId21"/>
   </p:handoutMasterIdLst>
   <p:sldIdLst>
     <p:sldId id="256" r:id="rId2"/>
@@ -21,11 +21,14 @@
     <p:sldId id="271" r:id="rId9"/>
     <p:sldId id="261" r:id="rId10"/>
     <p:sldId id="272" r:id="rId11"/>
-    <p:sldId id="273" r:id="rId12"/>
-    <p:sldId id="274" r:id="rId13"/>
-    <p:sldId id="275" r:id="rId14"/>
-    <p:sldId id="259" r:id="rId15"/>
-    <p:sldId id="260" r:id="rId16"/>
+    <p:sldId id="276" r:id="rId12"/>
+    <p:sldId id="277" r:id="rId13"/>
+    <p:sldId id="278" r:id="rId14"/>
+    <p:sldId id="273" r:id="rId15"/>
+    <p:sldId id="274" r:id="rId16"/>
+    <p:sldId id="275" r:id="rId17"/>
+    <p:sldId id="259" r:id="rId18"/>
+    <p:sldId id="260" r:id="rId19"/>
   </p:sldIdLst>
   <p:sldSz cx="12192000" cy="6858000"/>
   <p:notesSz cx="6858000" cy="9144000"/>
@@ -145,6 +148,13 @@
             <p14:sldId id="272"/>
           </p14:sldIdLst>
         </p14:section>
+        <p14:section name="Convexity and Expectation Value" id="{EB4A07DE-6FD2-458B-84FD-CF318EF1C82A}">
+          <p14:sldIdLst>
+            <p14:sldId id="276"/>
+            <p14:sldId id="277"/>
+            <p14:sldId id="278"/>
+          </p14:sldIdLst>
+        </p14:section>
         <p14:section name="Kochen-Specker Theorem" id="{267E8203-33DC-4F7A-9CD7-887DDB8FDDB2}">
           <p14:sldIdLst>
             <p14:sldId id="273"/>
@@ -245,7 +255,7 @@
           <a:p>
             <a:fld id="{FE3023B1-3AFF-46C4-97DC-7BEE883CD9D8}" type="datetimeFigureOut">
               <a:rPr lang="en-US" smtClean="0"/>
-              <a:t>7/2/2017</a:t>
+              <a:t>7/6/2017</a:t>
             </a:fld>
             <a:endParaRPr lang="en-US"/>
           </a:p>
@@ -410,7 +420,7 @@
           <a:p>
             <a:fld id="{384BE3C3-7DB8-44EE-9555-F40C087B77CA}" type="datetimeFigureOut">
               <a:rPr lang="en-US" smtClean="0"/>
-              <a:t>7/2/2017</a:t>
+              <a:t>7/6/2017</a:t>
             </a:fld>
             <a:endParaRPr lang="en-US"/>
           </a:p>
@@ -1020,7 +1030,7 @@
           <a:p>
             <a:fld id="{553141C9-E3AF-4773-84E5-4C6860670B56}" type="slidenum">
               <a:rPr lang="en-US" smtClean="0"/>
-              <a:t>14</a:t>
+              <a:t>12</a:t>
             </a:fld>
             <a:endParaRPr lang="en-US"/>
           </a:p>
@@ -1029,7 +1039,7 @@
     </p:spTree>
     <p:extLst>
       <p:ext uri="{BB962C8B-B14F-4D97-AF65-F5344CB8AC3E}">
-        <p14:creationId xmlns:p14="http://schemas.microsoft.com/office/powerpoint/2010/main" val="4134836130"/>
+        <p14:creationId xmlns:p14="http://schemas.microsoft.com/office/powerpoint/2010/main" val="188421768"/>
       </p:ext>
     </p:extLst>
   </p:cSld>
@@ -1104,7 +1114,91 @@
           <a:p>
             <a:fld id="{553141C9-E3AF-4773-84E5-4C6860670B56}" type="slidenum">
               <a:rPr lang="en-US" smtClean="0"/>
-              <a:t>15</a:t>
+              <a:t>17</a:t>
+            </a:fld>
+            <a:endParaRPr lang="en-US"/>
+          </a:p>
+        </p:txBody>
+      </p:sp>
+    </p:spTree>
+    <p:extLst>
+      <p:ext uri="{BB962C8B-B14F-4D97-AF65-F5344CB8AC3E}">
+        <p14:creationId xmlns:p14="http://schemas.microsoft.com/office/powerpoint/2010/main" val="4134836130"/>
+      </p:ext>
+    </p:extLst>
+  </p:cSld>
+  <p:clrMapOvr>
+    <a:masterClrMapping/>
+  </p:clrMapOvr>
+</p:notes>
+</file>
+
+<file path=ppt/notesSlides/notesSlide6.xml><?xml version="1.0" encoding="utf-8"?>
+<p:notes xmlns:a="http://schemas.openxmlformats.org/drawingml/2006/main" xmlns:r="http://schemas.openxmlformats.org/officeDocument/2006/relationships" xmlns:p="http://schemas.openxmlformats.org/presentationml/2006/main">
+  <p:cSld>
+    <p:spTree>
+      <p:nvGrpSpPr>
+        <p:cNvPr id="1" name=""/>
+        <p:cNvGrpSpPr/>
+        <p:nvPr/>
+      </p:nvGrpSpPr>
+      <p:grpSpPr>
+        <a:xfrm>
+          <a:off x="0" y="0"/>
+          <a:ext cx="0" cy="0"/>
+          <a:chOff x="0" y="0"/>
+          <a:chExt cx="0" cy="0"/>
+        </a:xfrm>
+      </p:grpSpPr>
+      <p:sp>
+        <p:nvSpPr>
+          <p:cNvPr id="2" name="Slide Image Placeholder 1"/>
+          <p:cNvSpPr>
+            <a:spLocks noGrp="1" noRot="1" noChangeAspect="1"/>
+          </p:cNvSpPr>
+          <p:nvPr>
+            <p:ph type="sldImg"/>
+          </p:nvPr>
+        </p:nvSpPr>
+        <p:spPr/>
+      </p:sp>
+      <p:sp>
+        <p:nvSpPr>
+          <p:cNvPr id="3" name="Notes Placeholder 2"/>
+          <p:cNvSpPr>
+            <a:spLocks noGrp="1"/>
+          </p:cNvSpPr>
+          <p:nvPr>
+            <p:ph type="body" idx="1"/>
+          </p:nvPr>
+        </p:nvSpPr>
+        <p:spPr/>
+        <p:txBody>
+          <a:bodyPr/>
+          <a:lstStyle/>
+          <a:p>
+            <a:endParaRPr lang="en-US" dirty="0"/>
+          </a:p>
+        </p:txBody>
+      </p:sp>
+      <p:sp>
+        <p:nvSpPr>
+          <p:cNvPr id="4" name="Slide Number Placeholder 3"/>
+          <p:cNvSpPr>
+            <a:spLocks noGrp="1"/>
+          </p:cNvSpPr>
+          <p:nvPr>
+            <p:ph type="sldNum" sz="quarter" idx="10"/>
+          </p:nvPr>
+        </p:nvSpPr>
+        <p:spPr/>
+        <p:txBody>
+          <a:bodyPr/>
+          <a:lstStyle/>
+          <a:p>
+            <a:fld id="{553141C9-E3AF-4773-84E5-4C6860670B56}" type="slidenum">
+              <a:rPr lang="en-US" smtClean="0"/>
+              <a:t>18</a:t>
             </a:fld>
             <a:endParaRPr lang="en-US"/>
           </a:p>
@@ -1254,7 +1348,7 @@
           <a:p>
             <a:fld id="{D1C3BEE1-3E90-49E5-9A2E-FAD1B5091927}" type="datetimeFigureOut">
               <a:rPr lang="en-US" smtClean="0"/>
-              <a:t>7/2/2017</a:t>
+              <a:t>7/6/2017</a:t>
             </a:fld>
             <a:endParaRPr lang="en-US"/>
           </a:p>
@@ -1424,7 +1518,7 @@
           <a:p>
             <a:fld id="{D1C3BEE1-3E90-49E5-9A2E-FAD1B5091927}" type="datetimeFigureOut">
               <a:rPr lang="en-US" smtClean="0"/>
-              <a:t>7/2/2017</a:t>
+              <a:t>7/6/2017</a:t>
             </a:fld>
             <a:endParaRPr lang="en-US"/>
           </a:p>
@@ -1604,7 +1698,7 @@
           <a:p>
             <a:fld id="{D1C3BEE1-3E90-49E5-9A2E-FAD1B5091927}" type="datetimeFigureOut">
               <a:rPr lang="en-US" smtClean="0"/>
-              <a:t>7/2/2017</a:t>
+              <a:t>7/6/2017</a:t>
             </a:fld>
             <a:endParaRPr lang="en-US"/>
           </a:p>
@@ -1774,7 +1868,7 @@
           <a:p>
             <a:fld id="{D1C3BEE1-3E90-49E5-9A2E-FAD1B5091927}" type="datetimeFigureOut">
               <a:rPr lang="en-US" smtClean="0"/>
-              <a:t>7/2/2017</a:t>
+              <a:t>7/6/2017</a:t>
             </a:fld>
             <a:endParaRPr lang="en-US"/>
           </a:p>
@@ -2020,7 +2114,7 @@
           <a:p>
             <a:fld id="{D1C3BEE1-3E90-49E5-9A2E-FAD1B5091927}" type="datetimeFigureOut">
               <a:rPr lang="en-US" smtClean="0"/>
-              <a:t>7/2/2017</a:t>
+              <a:t>7/6/2017</a:t>
             </a:fld>
             <a:endParaRPr lang="en-US"/>
           </a:p>
@@ -2252,7 +2346,7 @@
           <a:p>
             <a:fld id="{D1C3BEE1-3E90-49E5-9A2E-FAD1B5091927}" type="datetimeFigureOut">
               <a:rPr lang="en-US" smtClean="0"/>
-              <a:t>7/2/2017</a:t>
+              <a:t>7/6/2017</a:t>
             </a:fld>
             <a:endParaRPr lang="en-US"/>
           </a:p>
@@ -2619,7 +2713,7 @@
           <a:p>
             <a:fld id="{D1C3BEE1-3E90-49E5-9A2E-FAD1B5091927}" type="datetimeFigureOut">
               <a:rPr lang="en-US" smtClean="0"/>
-              <a:t>7/2/2017</a:t>
+              <a:t>7/6/2017</a:t>
             </a:fld>
             <a:endParaRPr lang="en-US"/>
           </a:p>
@@ -2737,7 +2831,7 @@
           <a:p>
             <a:fld id="{D1C3BEE1-3E90-49E5-9A2E-FAD1B5091927}" type="datetimeFigureOut">
               <a:rPr lang="en-US" smtClean="0"/>
-              <a:t>7/2/2017</a:t>
+              <a:t>7/6/2017</a:t>
             </a:fld>
             <a:endParaRPr lang="en-US"/>
           </a:p>
@@ -2832,7 +2926,7 @@
           <a:p>
             <a:fld id="{D1C3BEE1-3E90-49E5-9A2E-FAD1B5091927}" type="datetimeFigureOut">
               <a:rPr lang="en-US" smtClean="0"/>
-              <a:t>7/2/2017</a:t>
+              <a:t>7/6/2017</a:t>
             </a:fld>
             <a:endParaRPr lang="en-US"/>
           </a:p>
@@ -3109,7 +3203,7 @@
           <a:p>
             <a:fld id="{D1C3BEE1-3E90-49E5-9A2E-FAD1B5091927}" type="datetimeFigureOut">
               <a:rPr lang="en-US" smtClean="0"/>
-              <a:t>7/2/2017</a:t>
+              <a:t>7/6/2017</a:t>
             </a:fld>
             <a:endParaRPr lang="en-US"/>
           </a:p>
@@ -3362,7 +3456,7 @@
           <a:p>
             <a:fld id="{D1C3BEE1-3E90-49E5-9A2E-FAD1B5091927}" type="datetimeFigureOut">
               <a:rPr lang="en-US" smtClean="0"/>
-              <a:t>7/2/2017</a:t>
+              <a:t>7/6/2017</a:t>
             </a:fld>
             <a:endParaRPr lang="en-US"/>
           </a:p>
@@ -3575,7 +3669,7 @@
           <a:p>
             <a:fld id="{D1C3BEE1-3E90-49E5-9A2E-FAD1B5091927}" type="datetimeFigureOut">
               <a:rPr lang="en-US" smtClean="0"/>
-              <a:t>7/2/2017</a:t>
+              <a:t>7/6/2017</a:t>
             </a:fld>
             <a:endParaRPr lang="en-US"/>
           </a:p>
@@ -4369,6 +4463,3540 @@
           <a:lstStyle/>
           <a:p>
             <a:r>
+              <a:rPr lang="en-US" dirty="0" smtClean="0"/>
+              <a:t>Convexity </a:t>
+            </a:r>
+            <a:r>
+              <a:rPr lang="en-US" dirty="0"/>
+              <a:t>and Expectation Value</a:t>
+            </a:r>
+          </a:p>
+        </p:txBody>
+      </p:sp>
+      <p:sp>
+        <p:nvSpPr>
+          <p:cNvPr id="3" name="Text Placeholder 2"/>
+          <p:cNvSpPr>
+            <a:spLocks noGrp="1"/>
+          </p:cNvSpPr>
+          <p:nvPr>
+            <p:ph type="body" idx="1"/>
+          </p:nvPr>
+        </p:nvSpPr>
+        <p:spPr/>
+        <p:txBody>
+          <a:bodyPr/>
+          <a:lstStyle/>
+          <a:p>
+            <a:r>
+              <a:rPr lang="en-US" dirty="0" smtClean="0"/>
+              <a:t>Yes, we can define convexity and a convex QIVPM has an expectation value.</a:t>
+            </a:r>
+            <a:endParaRPr lang="en-US" dirty="0"/>
+          </a:p>
+        </p:txBody>
+      </p:sp>
+    </p:spTree>
+    <p:extLst>
+      <p:ext uri="{BB962C8B-B14F-4D97-AF65-F5344CB8AC3E}">
+        <p14:creationId xmlns:p14="http://schemas.microsoft.com/office/powerpoint/2010/main" val="1037533766"/>
+      </p:ext>
+    </p:extLst>
+  </p:cSld>
+  <p:clrMapOvr>
+    <a:masterClrMapping/>
+  </p:clrMapOvr>
+  <p:timing>
+    <p:tnLst>
+      <p:par>
+        <p:cTn id="1" dur="indefinite" restart="never" nodeType="tmRoot"/>
+      </p:par>
+    </p:tnLst>
+  </p:timing>
+</p:sld>
+</file>
+
+<file path=ppt/slides/slide12.xml><?xml version="1.0" encoding="utf-8"?>
+<p:sld xmlns:a="http://schemas.openxmlformats.org/drawingml/2006/main" xmlns:r="http://schemas.openxmlformats.org/officeDocument/2006/relationships" xmlns:p="http://schemas.openxmlformats.org/presentationml/2006/main">
+  <p:cSld>
+    <p:spTree>
+      <p:nvGrpSpPr>
+        <p:cNvPr id="1" name=""/>
+        <p:cNvGrpSpPr/>
+        <p:nvPr/>
+      </p:nvGrpSpPr>
+      <p:grpSpPr>
+        <a:xfrm>
+          <a:off x="0" y="0"/>
+          <a:ext cx="0" cy="0"/>
+          <a:chOff x="0" y="0"/>
+          <a:chExt cx="0" cy="0"/>
+        </a:xfrm>
+      </p:grpSpPr>
+      <p:sp>
+        <p:nvSpPr>
+          <p:cNvPr id="2" name="Title 1"/>
+          <p:cNvSpPr>
+            <a:spLocks noGrp="1"/>
+          </p:cNvSpPr>
+          <p:nvPr>
+            <p:ph type="title"/>
+          </p:nvPr>
+        </p:nvSpPr>
+        <p:spPr/>
+        <p:txBody>
+          <a:bodyPr/>
+          <a:lstStyle/>
+          <a:p>
+            <a:r>
+              <a:rPr lang="en-US" dirty="0" smtClean="0"/>
+              <a:t>Inclusion and Convexity</a:t>
+            </a:r>
+            <a:endParaRPr lang="en-US" dirty="0"/>
+          </a:p>
+        </p:txBody>
+      </p:sp>
+      <mc:AlternateContent xmlns:mc="http://schemas.openxmlformats.org/markup-compatibility/2006" xmlns:a14="http://schemas.microsoft.com/office/drawing/2010/main">
+        <mc:Choice Requires="a14">
+          <p:graphicFrame>
+            <p:nvGraphicFramePr>
+              <p:cNvPr id="4" name="Content Placeholder 3"/>
+              <p:cNvGraphicFramePr>
+                <a:graphicFrameLocks noGrp="1"/>
+              </p:cNvGraphicFramePr>
+              <p:nvPr>
+                <p:ph idx="1"/>
+                <p:extLst>
+                  <p:ext uri="{D42A27DB-BD31-4B8C-83A1-F6EECF244321}">
+                    <p14:modId xmlns:p14="http://schemas.microsoft.com/office/powerpoint/2010/main" val="67151303"/>
+                  </p:ext>
+                </p:extLst>
+              </p:nvPr>
+            </p:nvGraphicFramePr>
+            <p:xfrm>
+              <a:off x="838200" y="1825625"/>
+              <a:ext cx="10515600" cy="4812792"/>
+            </p:xfrm>
+            <a:graphic>
+              <a:graphicData uri="http://schemas.openxmlformats.org/drawingml/2006/table">
+                <a:tbl>
+                  <a:tblPr firstRow="1" bandRow="1">
+                    <a:tableStyleId>{5C22544A-7EE6-4342-B048-85BDC9FD1C3A}</a:tableStyleId>
+                  </a:tblPr>
+                  <a:tblGrid>
+                    <a:gridCol w="5257800"/>
+                    <a:gridCol w="5257800"/>
+                  </a:tblGrid>
+                  <a:tr h="370840">
+                    <a:tc>
+                      <a:txBody>
+                        <a:bodyPr/>
+                        <a:lstStyle/>
+                        <a:p>
+                          <a:pPr marL="0" marR="0" lvl="0" indent="0" algn="l" defTabSz="914400" rtl="0" eaLnBrk="1" fontAlgn="auto" latinLnBrk="0" hangingPunct="1">
+                            <a:lnSpc>
+                              <a:spcPct val="100000"/>
+                            </a:lnSpc>
+                            <a:spcBef>
+                              <a:spcPts val="0"/>
+                            </a:spcBef>
+                            <a:spcAft>
+                              <a:spcPts val="0"/>
+                            </a:spcAft>
+                            <a:buClrTx/>
+                            <a:buSzTx/>
+                            <a:buFontTx/>
+                            <a:buNone/>
+                            <a:tabLst/>
+                            <a:defRPr/>
+                          </a:pPr>
+                          <a:r>
+                            <a:rPr lang="en-US" sz="2200" dirty="0" smtClean="0"/>
+                            <a:t>Classical </a:t>
+                          </a:r>
+                          <a:r>
+                            <a:rPr lang="en-US" sz="2200" dirty="0" smtClean="0">
+                              <a:solidFill>
+                                <a:schemeClr val="accent2"/>
+                              </a:solidFill>
+                            </a:rPr>
+                            <a:t>Interval</a:t>
+                          </a:r>
+                          <a:r>
+                            <a:rPr lang="en-US" sz="2200" dirty="0" smtClean="0"/>
+                            <a:t>-Valued Probability Measure (C</a:t>
+                          </a:r>
+                          <a:r>
+                            <a:rPr lang="en-US" sz="2200" dirty="0" smtClean="0">
+                              <a:solidFill>
+                                <a:schemeClr val="accent2"/>
+                              </a:solidFill>
+                            </a:rPr>
+                            <a:t>I</a:t>
+                          </a:r>
+                          <a:r>
+                            <a:rPr lang="en-US" sz="2200" dirty="0" smtClean="0"/>
+                            <a:t>VPM)</a:t>
+                          </a:r>
+                        </a:p>
+                      </a:txBody>
+                      <a:tcPr/>
+                    </a:tc>
+                    <a:tc>
+                      <a:txBody>
+                        <a:bodyPr/>
+                        <a:lstStyle/>
+                        <a:p>
+                          <a:pPr marL="0" marR="0" lvl="0" indent="0" algn="l" defTabSz="914400" rtl="0" eaLnBrk="1" fontAlgn="auto" latinLnBrk="0" hangingPunct="1">
+                            <a:lnSpc>
+                              <a:spcPct val="100000"/>
+                            </a:lnSpc>
+                            <a:spcBef>
+                              <a:spcPts val="0"/>
+                            </a:spcBef>
+                            <a:spcAft>
+                              <a:spcPts val="0"/>
+                            </a:spcAft>
+                            <a:buClrTx/>
+                            <a:buSzTx/>
+                            <a:buFontTx/>
+                            <a:buNone/>
+                            <a:tabLst/>
+                            <a:defRPr/>
+                          </a:pPr>
+                          <a:endParaRPr lang="en-US" sz="2200" dirty="0" smtClean="0"/>
+                        </a:p>
+                      </a:txBody>
+                      <a:tcPr/>
+                    </a:tc>
+                  </a:tr>
+                  <a:tr h="370840">
+                    <a:tc>
+                      <a:txBody>
+                        <a:bodyPr/>
+                        <a:lstStyle/>
+                        <a:p>
+                          <a:pPr marL="0" marR="0" lvl="0" indent="0" algn="l" defTabSz="914400" rtl="0" eaLnBrk="1" fontAlgn="auto" latinLnBrk="0" hangingPunct="1">
+                            <a:lnSpc>
+                              <a:spcPct val="100000"/>
+                            </a:lnSpc>
+                            <a:spcBef>
+                              <a:spcPts val="0"/>
+                            </a:spcBef>
+                            <a:spcAft>
+                              <a:spcPts val="0"/>
+                            </a:spcAft>
+                            <a:buClrTx/>
+                            <a:buSzTx/>
+                            <a:buFontTx/>
+                            <a:buNone/>
+                            <a:tabLst>
+                              <a:tab pos="2743200" algn="ctr"/>
+                              <a:tab pos="5035550" algn="r"/>
+                            </a:tabLst>
+                            <a:defRPr/>
+                          </a:pPr>
+                          <a:r>
+                            <a:rPr lang="en-US" sz="2200" i="1" baseline="0" dirty="0" smtClean="0">
+                              <a:solidFill>
+                                <a:schemeClr val="accent2"/>
+                              </a:solidFill>
+                            </a:rPr>
+                            <a:t>convexity</a:t>
+                          </a:r>
+                          <a:r>
+                            <a:rPr lang="en-US" sz="2200" baseline="0" dirty="0" smtClean="0"/>
+                            <a:t> </a:t>
+                          </a:r>
+                          <a:r>
+                            <a:rPr lang="en-US" sz="2200" baseline="0" dirty="0" smtClean="0">
+                              <a:solidFill>
+                                <a:schemeClr val="tx1"/>
+                              </a:solidFill>
+                            </a:rPr>
+                            <a:t>condition:</a:t>
+                          </a:r>
+                          <a:r>
+                            <a:rPr lang="en-US" sz="2200" baseline="0" dirty="0" smtClean="0"/>
+                            <a:t/>
+                          </a:r>
+                          <a:br>
+                            <a:rPr lang="en-US" sz="2200" baseline="0" dirty="0" smtClean="0"/>
+                          </a:br>
+                          <a14:m>
+                            <m:oMathPara xmlns:m="http://schemas.openxmlformats.org/officeDocument/2006/math">
+                              <m:oMathParaPr>
+                                <m:jc m:val="centerGroup"/>
+                              </m:oMathParaPr>
+                              <m:oMath xmlns:m="http://schemas.openxmlformats.org/officeDocument/2006/math">
+                                <m:bar>
+                                  <m:barPr>
+                                    <m:pos m:val="top"/>
+                                    <m:ctrlPr>
+                                      <a:rPr lang="en-US" sz="2200" i="1" smtClean="0">
+                                        <a:latin typeface="Cambria Math" panose="02040503050406030204" pitchFamily="18" charset="0"/>
+                                      </a:rPr>
+                                    </m:ctrlPr>
+                                  </m:barPr>
+                                  <m:e>
+                                    <m:r>
+                                      <a:rPr lang="en-US" sz="2200" i="1">
+                                        <a:latin typeface="Cambria Math" panose="02040503050406030204" pitchFamily="18" charset="0"/>
+                                      </a:rPr>
+                                      <m:t>𝜇</m:t>
+                                    </m:r>
+                                  </m:e>
+                                </m:bar>
+                                <m:d>
+                                  <m:dPr>
+                                    <m:ctrlPr>
+                                      <a:rPr lang="en-US" sz="2200" i="1">
+                                        <a:solidFill>
+                                          <a:schemeClr val="tx1"/>
+                                        </a:solidFill>
+                                        <a:latin typeface="Cambria Math" panose="02040503050406030204" pitchFamily="18" charset="0"/>
+                                      </a:rPr>
+                                    </m:ctrlPr>
+                                  </m:dPr>
+                                  <m:e>
+                                    <m:sSub>
+                                      <m:sSubPr>
+                                        <m:ctrlPr>
+                                          <a:rPr lang="en-US" sz="2200" i="1">
+                                            <a:solidFill>
+                                              <a:schemeClr val="tx1"/>
+                                            </a:solidFill>
+                                            <a:latin typeface="Cambria Math" panose="02040503050406030204" pitchFamily="18" charset="0"/>
+                                          </a:rPr>
+                                        </m:ctrlPr>
+                                      </m:sSubPr>
+                                      <m:e>
+                                        <m:r>
+                                          <a:rPr lang="en-US" sz="2200" i="1">
+                                            <a:solidFill>
+                                              <a:schemeClr val="tx1"/>
+                                            </a:solidFill>
+                                            <a:latin typeface="Cambria Math" panose="02040503050406030204" pitchFamily="18" charset="0"/>
+                                          </a:rPr>
+                                          <m:t>𝐸</m:t>
+                                        </m:r>
+                                      </m:e>
+                                      <m:sub>
+                                        <m:r>
+                                          <a:rPr lang="en-US" sz="2200" i="1">
+                                            <a:solidFill>
+                                              <a:schemeClr val="tx1"/>
+                                            </a:solidFill>
+                                            <a:latin typeface="Cambria Math" panose="02040503050406030204" pitchFamily="18" charset="0"/>
+                                          </a:rPr>
+                                          <m:t>0</m:t>
+                                        </m:r>
+                                      </m:sub>
+                                    </m:sSub>
+                                    <m:r>
+                                      <a:rPr lang="en-US" sz="2200" i="1">
+                                        <a:solidFill>
+                                          <a:schemeClr val="tx1"/>
+                                        </a:solidFill>
+                                        <a:latin typeface="Cambria Math" panose="02040503050406030204" pitchFamily="18" charset="0"/>
+                                      </a:rPr>
+                                      <m:t>∪</m:t>
+                                    </m:r>
+                                    <m:sSub>
+                                      <m:sSubPr>
+                                        <m:ctrlPr>
+                                          <a:rPr lang="en-US" sz="2200" i="1">
+                                            <a:solidFill>
+                                              <a:schemeClr val="tx1"/>
+                                            </a:solidFill>
+                                            <a:latin typeface="Cambria Math" panose="02040503050406030204" pitchFamily="18" charset="0"/>
+                                          </a:rPr>
+                                        </m:ctrlPr>
+                                      </m:sSubPr>
+                                      <m:e>
+                                        <m:r>
+                                          <a:rPr lang="en-US" sz="2200" i="1">
+                                            <a:solidFill>
+                                              <a:schemeClr val="tx1"/>
+                                            </a:solidFill>
+                                            <a:latin typeface="Cambria Math" panose="02040503050406030204" pitchFamily="18" charset="0"/>
+                                          </a:rPr>
+                                          <m:t>𝐸</m:t>
+                                        </m:r>
+                                      </m:e>
+                                      <m:sub>
+                                        <m:r>
+                                          <a:rPr lang="en-US" sz="2200" i="1">
+                                            <a:solidFill>
+                                              <a:schemeClr val="tx1"/>
+                                            </a:solidFill>
+                                            <a:latin typeface="Cambria Math" panose="02040503050406030204" pitchFamily="18" charset="0"/>
+                                          </a:rPr>
+                                          <m:t>1</m:t>
+                                        </m:r>
+                                      </m:sub>
+                                    </m:sSub>
+                                  </m:e>
+                                </m:d>
+                                <m:r>
+                                  <a:rPr lang="en-US" sz="2200" b="0" i="1" smtClean="0">
+                                    <a:solidFill>
+                                      <a:schemeClr val="tx1"/>
+                                    </a:solidFill>
+                                    <a:latin typeface="Cambria Math" panose="02040503050406030204" pitchFamily="18" charset="0"/>
+                                  </a:rPr>
+                                  <m:t>+</m:t>
+                                </m:r>
+                                <m:bar>
+                                  <m:barPr>
+                                    <m:pos m:val="top"/>
+                                    <m:ctrlPr>
+                                      <a:rPr lang="en-US" sz="2200" i="1" smtClean="0">
+                                        <a:latin typeface="Cambria Math" panose="02040503050406030204" pitchFamily="18" charset="0"/>
+                                      </a:rPr>
+                                    </m:ctrlPr>
+                                  </m:barPr>
+                                  <m:e>
+                                    <m:r>
+                                      <a:rPr lang="en-US" sz="2200" i="1">
+                                        <a:latin typeface="Cambria Math" panose="02040503050406030204" pitchFamily="18" charset="0"/>
+                                      </a:rPr>
+                                      <m:t>𝜇</m:t>
+                                    </m:r>
+                                  </m:e>
+                                </m:bar>
+                                <m:d>
+                                  <m:dPr>
+                                    <m:ctrlPr>
+                                      <a:rPr lang="en-US" sz="2200" i="1">
+                                        <a:solidFill>
+                                          <a:schemeClr val="tx1"/>
+                                        </a:solidFill>
+                                        <a:latin typeface="Cambria Math" panose="02040503050406030204" pitchFamily="18" charset="0"/>
+                                      </a:rPr>
+                                    </m:ctrlPr>
+                                  </m:dPr>
+                                  <m:e>
+                                    <m:sSub>
+                                      <m:sSubPr>
+                                        <m:ctrlPr>
+                                          <a:rPr lang="en-US" sz="2200" i="1">
+                                            <a:solidFill>
+                                              <a:schemeClr val="tx1"/>
+                                            </a:solidFill>
+                                            <a:latin typeface="Cambria Math" panose="02040503050406030204" pitchFamily="18" charset="0"/>
+                                          </a:rPr>
+                                        </m:ctrlPr>
+                                      </m:sSubPr>
+                                      <m:e>
+                                        <m:r>
+                                          <a:rPr lang="en-US" sz="2200" i="1">
+                                            <a:solidFill>
+                                              <a:schemeClr val="tx1"/>
+                                            </a:solidFill>
+                                            <a:latin typeface="Cambria Math" panose="02040503050406030204" pitchFamily="18" charset="0"/>
+                                          </a:rPr>
+                                          <m:t>𝐸</m:t>
+                                        </m:r>
+                                      </m:e>
+                                      <m:sub>
+                                        <m:r>
+                                          <a:rPr lang="en-US" sz="2200" i="1">
+                                            <a:solidFill>
+                                              <a:schemeClr val="tx1"/>
+                                            </a:solidFill>
+                                            <a:latin typeface="Cambria Math" panose="02040503050406030204" pitchFamily="18" charset="0"/>
+                                          </a:rPr>
+                                          <m:t>0</m:t>
+                                        </m:r>
+                                      </m:sub>
+                                    </m:sSub>
+                                    <m:r>
+                                      <a:rPr lang="en-US" sz="2200" b="0" i="1" smtClean="0">
+                                        <a:solidFill>
+                                          <a:schemeClr val="tx1"/>
+                                        </a:solidFill>
+                                        <a:latin typeface="Cambria Math" panose="02040503050406030204" pitchFamily="18" charset="0"/>
+                                      </a:rPr>
+                                      <m:t>∩</m:t>
+                                    </m:r>
+                                    <m:sSub>
+                                      <m:sSubPr>
+                                        <m:ctrlPr>
+                                          <a:rPr lang="en-US" sz="2200" i="1">
+                                            <a:solidFill>
+                                              <a:schemeClr val="tx1"/>
+                                            </a:solidFill>
+                                            <a:latin typeface="Cambria Math" panose="02040503050406030204" pitchFamily="18" charset="0"/>
+                                          </a:rPr>
+                                        </m:ctrlPr>
+                                      </m:sSubPr>
+                                      <m:e>
+                                        <m:r>
+                                          <a:rPr lang="en-US" sz="2200" i="1">
+                                            <a:solidFill>
+                                              <a:schemeClr val="tx1"/>
+                                            </a:solidFill>
+                                            <a:latin typeface="Cambria Math" panose="02040503050406030204" pitchFamily="18" charset="0"/>
+                                          </a:rPr>
+                                          <m:t>𝐸</m:t>
+                                        </m:r>
+                                      </m:e>
+                                      <m:sub>
+                                        <m:r>
+                                          <a:rPr lang="en-US" sz="2200" i="1">
+                                            <a:solidFill>
+                                              <a:schemeClr val="tx1"/>
+                                            </a:solidFill>
+                                            <a:latin typeface="Cambria Math" panose="02040503050406030204" pitchFamily="18" charset="0"/>
+                                          </a:rPr>
+                                          <m:t>1</m:t>
+                                        </m:r>
+                                      </m:sub>
+                                    </m:sSub>
+                                  </m:e>
+                                </m:d>
+                                <m:r>
+                                  <a:rPr lang="en-US" sz="2200" i="1" smtClean="0">
+                                    <a:solidFill>
+                                      <a:schemeClr val="accent2"/>
+                                    </a:solidFill>
+                                    <a:latin typeface="Cambria Math" panose="02040503050406030204" pitchFamily="18" charset="0"/>
+                                  </a:rPr>
+                                  <m:t>⊆</m:t>
+                                </m:r>
+                                <m:bar>
+                                  <m:barPr>
+                                    <m:pos m:val="top"/>
+                                    <m:ctrlPr>
+                                      <a:rPr lang="en-US" sz="2200" i="1" smtClean="0">
+                                        <a:latin typeface="Cambria Math" panose="02040503050406030204" pitchFamily="18" charset="0"/>
+                                      </a:rPr>
+                                    </m:ctrlPr>
+                                  </m:barPr>
+                                  <m:e>
+                                    <m:r>
+                                      <a:rPr lang="en-US" sz="2200" i="1">
+                                        <a:latin typeface="Cambria Math" panose="02040503050406030204" pitchFamily="18" charset="0"/>
+                                      </a:rPr>
+                                      <m:t>𝜇</m:t>
+                                    </m:r>
+                                  </m:e>
+                                </m:bar>
+                                <m:d>
+                                  <m:dPr>
+                                    <m:ctrlPr>
+                                      <a:rPr lang="en-US" sz="2200" i="1">
+                                        <a:solidFill>
+                                          <a:schemeClr val="tx1"/>
+                                        </a:solidFill>
+                                        <a:latin typeface="Cambria Math" panose="02040503050406030204" pitchFamily="18" charset="0"/>
+                                      </a:rPr>
+                                    </m:ctrlPr>
+                                  </m:dPr>
+                                  <m:e>
+                                    <m:sSub>
+                                      <m:sSubPr>
+                                        <m:ctrlPr>
+                                          <a:rPr lang="en-US" sz="2200" i="1">
+                                            <a:solidFill>
+                                              <a:schemeClr val="tx1"/>
+                                            </a:solidFill>
+                                            <a:latin typeface="Cambria Math" panose="02040503050406030204" pitchFamily="18" charset="0"/>
+                                          </a:rPr>
+                                        </m:ctrlPr>
+                                      </m:sSubPr>
+                                      <m:e>
+                                        <m:r>
+                                          <a:rPr lang="en-US" sz="2200" i="1">
+                                            <a:solidFill>
+                                              <a:schemeClr val="tx1"/>
+                                            </a:solidFill>
+                                            <a:latin typeface="Cambria Math" panose="02040503050406030204" pitchFamily="18" charset="0"/>
+                                          </a:rPr>
+                                          <m:t>𝐸</m:t>
+                                        </m:r>
+                                      </m:e>
+                                      <m:sub>
+                                        <m:r>
+                                          <a:rPr lang="en-US" sz="2200" i="1">
+                                            <a:solidFill>
+                                              <a:schemeClr val="tx1"/>
+                                            </a:solidFill>
+                                            <a:latin typeface="Cambria Math" panose="02040503050406030204" pitchFamily="18" charset="0"/>
+                                          </a:rPr>
+                                          <m:t>0</m:t>
+                                        </m:r>
+                                      </m:sub>
+                                    </m:sSub>
+                                  </m:e>
+                                </m:d>
+                                <m:r>
+                                  <a:rPr lang="en-US" sz="2200" i="1">
+                                    <a:solidFill>
+                                      <a:schemeClr val="tx1"/>
+                                    </a:solidFill>
+                                    <a:latin typeface="Cambria Math" panose="02040503050406030204" pitchFamily="18" charset="0"/>
+                                  </a:rPr>
+                                  <m:t>+</m:t>
+                                </m:r>
+                                <m:bar>
+                                  <m:barPr>
+                                    <m:pos m:val="top"/>
+                                    <m:ctrlPr>
+                                      <a:rPr lang="en-US" sz="2200" i="1" smtClean="0">
+                                        <a:latin typeface="Cambria Math" panose="02040503050406030204" pitchFamily="18" charset="0"/>
+                                      </a:rPr>
+                                    </m:ctrlPr>
+                                  </m:barPr>
+                                  <m:e>
+                                    <m:r>
+                                      <a:rPr lang="en-US" sz="2200" i="1">
+                                        <a:latin typeface="Cambria Math" panose="02040503050406030204" pitchFamily="18" charset="0"/>
+                                      </a:rPr>
+                                      <m:t>𝜇</m:t>
+                                    </m:r>
+                                  </m:e>
+                                </m:bar>
+                                <m:d>
+                                  <m:dPr>
+                                    <m:ctrlPr>
+                                      <a:rPr lang="en-US" sz="2200" i="1">
+                                        <a:solidFill>
+                                          <a:schemeClr val="tx1"/>
+                                        </a:solidFill>
+                                        <a:latin typeface="Cambria Math" panose="02040503050406030204" pitchFamily="18" charset="0"/>
+                                      </a:rPr>
+                                    </m:ctrlPr>
+                                  </m:dPr>
+                                  <m:e>
+                                    <m:sSub>
+                                      <m:sSubPr>
+                                        <m:ctrlPr>
+                                          <a:rPr lang="en-US" sz="2200" i="1">
+                                            <a:solidFill>
+                                              <a:schemeClr val="tx1"/>
+                                            </a:solidFill>
+                                            <a:latin typeface="Cambria Math" panose="02040503050406030204" pitchFamily="18" charset="0"/>
+                                          </a:rPr>
+                                        </m:ctrlPr>
+                                      </m:sSubPr>
+                                      <m:e>
+                                        <m:r>
+                                          <a:rPr lang="en-US" sz="2200" i="1">
+                                            <a:solidFill>
+                                              <a:schemeClr val="tx1"/>
+                                            </a:solidFill>
+                                            <a:latin typeface="Cambria Math" panose="02040503050406030204" pitchFamily="18" charset="0"/>
+                                          </a:rPr>
+                                          <m:t>𝐸</m:t>
+                                        </m:r>
+                                      </m:e>
+                                      <m:sub>
+                                        <m:r>
+                                          <a:rPr lang="en-US" sz="2200" i="1">
+                                            <a:solidFill>
+                                              <a:schemeClr val="tx1"/>
+                                            </a:solidFill>
+                                            <a:latin typeface="Cambria Math" panose="02040503050406030204" pitchFamily="18" charset="0"/>
+                                          </a:rPr>
+                                          <m:t>1</m:t>
+                                        </m:r>
+                                      </m:sub>
+                                    </m:sSub>
+                                  </m:e>
+                                </m:d>
+                              </m:oMath>
+                            </m:oMathPara>
+                          </a14:m>
+                          <a:r>
+                            <a:rPr lang="en-US" sz="2200" dirty="0" smtClean="0"/>
+                            <a:t/>
+                          </a:r>
+                          <a:br>
+                            <a:rPr lang="en-US" sz="2200" dirty="0" smtClean="0"/>
+                          </a:br>
+                          <a:r>
+                            <a:rPr lang="en-US" sz="2200" dirty="0" smtClean="0">
+                              <a:solidFill>
+                                <a:schemeClr val="tx1"/>
+                              </a:solidFill>
+                            </a:rPr>
+                            <a:t>for any </a:t>
+                          </a:r>
+                          <a:r>
+                            <a:rPr lang="en-US" sz="2200" dirty="0">
+                              <a:solidFill>
+                                <a:schemeClr val="tx1"/>
+                              </a:solidFill>
+                            </a:rPr>
+                            <a:t>events </a:t>
+                          </a:r>
+                          <a14:m>
+                            <m:oMath xmlns:m="http://schemas.openxmlformats.org/officeDocument/2006/math">
+                              <m:sSub>
+                                <m:sSubPr>
+                                  <m:ctrlPr>
+                                    <a:rPr lang="en-US" sz="2200" i="1">
+                                      <a:solidFill>
+                                        <a:schemeClr val="tx1"/>
+                                      </a:solidFill>
+                                      <a:latin typeface="Cambria Math" panose="02040503050406030204" pitchFamily="18" charset="0"/>
+                                    </a:rPr>
+                                  </m:ctrlPr>
+                                </m:sSubPr>
+                                <m:e>
+                                  <m:r>
+                                    <a:rPr lang="en-US" sz="2200" i="1">
+                                      <a:solidFill>
+                                        <a:schemeClr val="tx1"/>
+                                      </a:solidFill>
+                                      <a:latin typeface="Cambria Math" panose="02040503050406030204" pitchFamily="18" charset="0"/>
+                                    </a:rPr>
+                                    <m:t>𝐸</m:t>
+                                  </m:r>
+                                </m:e>
+                                <m:sub>
+                                  <m:r>
+                                    <a:rPr lang="en-US" sz="2200" i="1">
+                                      <a:solidFill>
+                                        <a:schemeClr val="tx1"/>
+                                      </a:solidFill>
+                                      <a:latin typeface="Cambria Math" panose="02040503050406030204" pitchFamily="18" charset="0"/>
+                                    </a:rPr>
+                                    <m:t>0</m:t>
+                                  </m:r>
+                                </m:sub>
+                              </m:sSub>
+                            </m:oMath>
+                          </a14:m>
+                          <a:r>
+                            <a:rPr lang="en-US" sz="2200" dirty="0">
+                              <a:solidFill>
+                                <a:schemeClr val="tx1"/>
+                              </a:solidFill>
+                            </a:rPr>
+                            <a:t> and </a:t>
+                          </a:r>
+                          <a14:m>
+                            <m:oMath xmlns:m="http://schemas.openxmlformats.org/officeDocument/2006/math">
+                              <m:sSub>
+                                <m:sSubPr>
+                                  <m:ctrlPr>
+                                    <a:rPr lang="en-US" sz="2200" i="1">
+                                      <a:solidFill>
+                                        <a:schemeClr val="tx1"/>
+                                      </a:solidFill>
+                                      <a:latin typeface="Cambria Math" panose="02040503050406030204" pitchFamily="18" charset="0"/>
+                                    </a:rPr>
+                                  </m:ctrlPr>
+                                </m:sSubPr>
+                                <m:e>
+                                  <m:r>
+                                    <a:rPr lang="en-US" sz="2200" i="1">
+                                      <a:solidFill>
+                                        <a:schemeClr val="tx1"/>
+                                      </a:solidFill>
+                                      <a:latin typeface="Cambria Math" panose="02040503050406030204" pitchFamily="18" charset="0"/>
+                                    </a:rPr>
+                                    <m:t>𝐸</m:t>
+                                  </m:r>
+                                </m:e>
+                                <m:sub>
+                                  <m:r>
+                                    <a:rPr lang="en-US" sz="2200" i="1">
+                                      <a:solidFill>
+                                        <a:schemeClr val="tx1"/>
+                                      </a:solidFill>
+                                      <a:latin typeface="Cambria Math" panose="02040503050406030204" pitchFamily="18" charset="0"/>
+                                    </a:rPr>
+                                    <m:t>1</m:t>
+                                  </m:r>
+                                </m:sub>
+                              </m:sSub>
+                            </m:oMath>
+                          </a14:m>
+                          <a:r>
+                            <a:rPr lang="en-US" sz="2200" dirty="0" smtClean="0">
+                              <a:solidFill>
+                                <a:schemeClr val="tx1"/>
+                              </a:solidFill>
+                            </a:rPr>
+                            <a:t>.</a:t>
+                          </a:r>
+                          <a:endParaRPr lang="en-US" sz="2200" dirty="0"/>
+                        </a:p>
+                      </a:txBody>
+                      <a:tcPr/>
+                    </a:tc>
+                    <a:tc>
+                      <a:txBody>
+                        <a:bodyPr/>
+                        <a:lstStyle/>
+                        <a:p>
+                          <a:pPr marL="0" marR="0" lvl="0" indent="0" algn="l" defTabSz="914400" rtl="0" eaLnBrk="1" fontAlgn="auto" latinLnBrk="0" hangingPunct="1">
+                            <a:lnSpc>
+                              <a:spcPct val="100000"/>
+                            </a:lnSpc>
+                            <a:spcBef>
+                              <a:spcPts val="0"/>
+                            </a:spcBef>
+                            <a:spcAft>
+                              <a:spcPts val="0"/>
+                            </a:spcAft>
+                            <a:buClrTx/>
+                            <a:buSzTx/>
+                            <a:buFontTx/>
+                            <a:buNone/>
+                            <a:tabLst>
+                              <a:tab pos="2743200" algn="ctr"/>
+                              <a:tab pos="5035550" algn="r"/>
+                            </a:tabLst>
+                            <a:defRPr/>
+                          </a:pPr>
+                          <a:endParaRPr lang="en-US" sz="2200" dirty="0" smtClean="0"/>
+                        </a:p>
+                      </a:txBody>
+                      <a:tcPr/>
+                    </a:tc>
+                  </a:tr>
+                  <a:tr h="370840">
+                    <a:tc>
+                      <a:txBody>
+                        <a:bodyPr/>
+                        <a:lstStyle/>
+                        <a:p>
+                          <a:pPr/>
+                          <a:r>
+                            <a:rPr lang="en-US" sz="2400" dirty="0" smtClean="0"/>
+                            <a:t>For every </a:t>
+                          </a:r>
+                          <a:r>
+                            <a:rPr lang="en-US" sz="2400" dirty="0" smtClean="0">
+                              <a:solidFill>
+                                <a:schemeClr val="accent2"/>
+                              </a:solidFill>
+                            </a:rPr>
+                            <a:t>convex</a:t>
+                          </a:r>
+                          <a:r>
+                            <a:rPr lang="en-US" sz="2400" dirty="0" smtClean="0"/>
+                            <a:t> CIVPM</a:t>
+                          </a:r>
+                          <a:r>
+                            <a:rPr lang="en-US" sz="2400" dirty="0"/>
+                            <a:t> </a:t>
+                          </a:r>
+                          <a14:m>
+                            <m:oMath xmlns:m="http://schemas.openxmlformats.org/officeDocument/2006/math">
+                              <m:bar>
+                                <m:barPr>
+                                  <m:pos m:val="top"/>
+                                  <m:ctrlPr>
+                                    <a:rPr lang="en-US" sz="2400" i="1">
+                                      <a:latin typeface="Cambria Math" panose="02040503050406030204" pitchFamily="18" charset="0"/>
+                                    </a:rPr>
+                                  </m:ctrlPr>
+                                </m:barPr>
+                                <m:e>
+                                  <m:r>
+                                    <a:rPr lang="en-US" sz="2400" i="1">
+                                      <a:latin typeface="Cambria Math" panose="02040503050406030204" pitchFamily="18" charset="0"/>
+                                    </a:rPr>
+                                    <m:t>𝜇</m:t>
+                                  </m:r>
+                                </m:e>
+                              </m:bar>
+                              <m:r>
+                                <a:rPr lang="en-US" sz="2400" i="1">
+                                  <a:latin typeface="Cambria Math" panose="02040503050406030204" pitchFamily="18" charset="0"/>
+                                </a:rPr>
+                                <m:t>:</m:t>
+                              </m:r>
+                              <m:sSup>
+                                <m:sSupPr>
+                                  <m:ctrlPr>
+                                    <a:rPr lang="en-US" sz="2400" i="1">
+                                      <a:latin typeface="Cambria Math" panose="02040503050406030204" pitchFamily="18" charset="0"/>
+                                      <a:ea typeface="Cambria Math" panose="02040503050406030204" pitchFamily="18" charset="0"/>
+                                    </a:rPr>
+                                  </m:ctrlPr>
+                                </m:sSupPr>
+                                <m:e>
+                                  <m:r>
+                                    <a:rPr lang="en-US" sz="2400" i="1">
+                                      <a:latin typeface="Cambria Math" panose="02040503050406030204" pitchFamily="18" charset="0"/>
+                                      <a:ea typeface="Cambria Math" panose="02040503050406030204" pitchFamily="18" charset="0"/>
+                                    </a:rPr>
+                                    <m:t>2</m:t>
+                                  </m:r>
+                                </m:e>
+                                <m:sup>
+                                  <m:r>
+                                    <m:rPr>
+                                      <m:sty m:val="p"/>
+                                    </m:rPr>
+                                    <a:rPr lang="el-GR" sz="2400" i="1">
+                                      <a:latin typeface="Cambria Math" panose="02040503050406030204" pitchFamily="18" charset="0"/>
+                                      <a:ea typeface="Cambria Math" panose="02040503050406030204" pitchFamily="18" charset="0"/>
+                                    </a:rPr>
+                                    <m:t>Ω</m:t>
+                                  </m:r>
+                                </m:sup>
+                              </m:sSup>
+                              <m:r>
+                                <a:rPr lang="en-US" sz="2400">
+                                  <a:latin typeface="Cambria Math" panose="02040503050406030204" pitchFamily="18" charset="0"/>
+                                  <a:ea typeface="Cambria Math" panose="02040503050406030204" pitchFamily="18" charset="0"/>
+                                </a:rPr>
+                                <m:t>→</m:t>
+                              </m:r>
+                              <m:d>
+                                <m:dPr>
+                                  <m:begChr m:val=""/>
+                                  <m:endChr m:val=""/>
+                                  <m:ctrlPr>
+                                    <a:rPr lang="en-US" sz="2400" i="1">
+                                      <a:latin typeface="Cambria Math" panose="02040503050406030204" pitchFamily="18" charset="0"/>
+                                      <a:ea typeface="Cambria Math" panose="02040503050406030204" pitchFamily="18" charset="0"/>
+                                      <a:cs typeface="XITS Math" panose="02000503000000000000" pitchFamily="50" charset="0"/>
+                                    </a:rPr>
+                                  </m:ctrlPr>
+                                </m:dPr>
+                                <m:e>
+                                  <m:r>
+                                    <a:rPr lang="en-US" sz="2400" i="1">
+                                      <a:latin typeface="XITS Math" panose="02000503000000000000" pitchFamily="50" charset="0"/>
+                                      <a:ea typeface="XITS Math" panose="02000503000000000000" pitchFamily="50" charset="0"/>
+                                      <a:cs typeface="XITS Math" panose="02000503000000000000" pitchFamily="50" charset="0"/>
+                                    </a:rPr>
+                                    <m:t>ℐ</m:t>
+                                  </m:r>
+                                </m:e>
+                              </m:d>
+                            </m:oMath>
+                          </a14:m>
+                          <a:r>
+                            <a:rPr lang="en-US" sz="2400" dirty="0"/>
+                            <a:t> </a:t>
+                          </a:r>
+                          <a:r>
+                            <a:rPr lang="en-US" sz="2400" dirty="0" smtClean="0"/>
+                            <a:t>and any random variable</a:t>
+                          </a:r>
+                          <a:r>
+                            <a:rPr lang="en-US" sz="2400" dirty="0"/>
+                            <a:t> </a:t>
+                          </a:r>
+                          <a14:m>
+                            <m:oMath xmlns:m="http://schemas.openxmlformats.org/officeDocument/2006/math">
+                              <m:r>
+                                <a:rPr lang="en-US" sz="2400" b="0" i="1" smtClean="0">
+                                  <a:latin typeface="Cambria Math" panose="02040503050406030204" pitchFamily="18" charset="0"/>
+                                </a:rPr>
+                                <m:t>𝑋</m:t>
+                              </m:r>
+                              <m:r>
+                                <a:rPr lang="en-US" sz="2400" b="0" i="1" smtClean="0">
+                                  <a:latin typeface="Cambria Math" panose="02040503050406030204" pitchFamily="18" charset="0"/>
+                                </a:rPr>
+                                <m:t>:</m:t>
+                              </m:r>
+                              <m:r>
+                                <m:rPr>
+                                  <m:sty m:val="p"/>
+                                </m:rPr>
+                                <a:rPr lang="el-GR" sz="2400" i="1">
+                                  <a:latin typeface="Cambria Math" panose="02040503050406030204" pitchFamily="18" charset="0"/>
+                                  <a:ea typeface="Cambria Math" panose="02040503050406030204" pitchFamily="18" charset="0"/>
+                                </a:rPr>
+                                <m:t>Ω</m:t>
+                              </m:r>
+                              <m:r>
+                                <a:rPr lang="en-US" sz="2400" b="0" i="0" smtClean="0">
+                                  <a:latin typeface="Cambria Math" panose="02040503050406030204" pitchFamily="18" charset="0"/>
+                                  <a:ea typeface="Cambria Math" panose="02040503050406030204" pitchFamily="18" charset="0"/>
+                                </a:rPr>
+                                <m:t>→</m:t>
+                              </m:r>
+                              <m:r>
+                                <a:rPr lang="en-US" sz="2400" b="0" i="1" smtClean="0">
+                                  <a:latin typeface="Cambria Math" panose="02040503050406030204" pitchFamily="18" charset="0"/>
+                                  <a:ea typeface="Cambria Math" panose="02040503050406030204" pitchFamily="18" charset="0"/>
+                                </a:rPr>
+                                <m:t>ℝ</m:t>
+                              </m:r>
+                            </m:oMath>
+                          </a14:m>
+                          <a:r>
+                            <a:rPr lang="en-US" sz="2400" dirty="0" smtClean="0"/>
+                            <a:t>, </a:t>
+                          </a:r>
+                          <a:br>
+                            <a:rPr lang="en-US" sz="2400" dirty="0" smtClean="0"/>
+                          </a:br>
+                          <a14:m>
+                            <m:oMathPara xmlns:m="http://schemas.openxmlformats.org/officeDocument/2006/math">
+                              <m:oMathParaPr>
+                                <m:jc m:val="centerGroup"/>
+                              </m:oMathParaPr>
+                              <m:oMath xmlns:m="http://schemas.openxmlformats.org/officeDocument/2006/math">
+                                <m:nary>
+                                  <m:naryPr>
+                                    <m:limLoc m:val="undOvr"/>
+                                    <m:subHide m:val="on"/>
+                                    <m:supHide m:val="on"/>
+                                    <m:ctrlPr>
+                                      <a:rPr lang="en-US" sz="2400" i="1" smtClean="0">
+                                        <a:latin typeface="Cambria Math" panose="02040503050406030204" pitchFamily="18" charset="0"/>
+                                      </a:rPr>
+                                    </m:ctrlPr>
+                                  </m:naryPr>
+                                  <m:sub/>
+                                  <m:sup/>
+                                  <m:e>
+                                    <m:r>
+                                      <a:rPr lang="en-US" sz="2400" b="0" i="1" smtClean="0">
+                                        <a:latin typeface="Cambria Math" panose="02040503050406030204" pitchFamily="18" charset="0"/>
+                                      </a:rPr>
+                                      <m:t>𝑋</m:t>
+                                    </m:r>
+                                  </m:e>
+                                </m:nary>
+                                <m:r>
+                                  <a:rPr lang="en-US" sz="2400" i="1" smtClean="0">
+                                    <a:latin typeface="Cambria Math" panose="02040503050406030204" pitchFamily="18" charset="0"/>
+                                  </a:rPr>
+                                  <m:t>ⅆ</m:t>
+                                </m:r>
+                                <m:bar>
+                                  <m:barPr>
+                                    <m:pos m:val="top"/>
+                                    <m:ctrlPr>
+                                      <a:rPr lang="en-US" sz="2400" i="1" smtClean="0">
+                                        <a:solidFill>
+                                          <a:schemeClr val="accent2"/>
+                                        </a:solidFill>
+                                        <a:latin typeface="Cambria Math" panose="02040503050406030204" pitchFamily="18" charset="0"/>
+                                      </a:rPr>
+                                    </m:ctrlPr>
+                                  </m:barPr>
+                                  <m:e>
+                                    <m:r>
+                                      <a:rPr lang="en-US" sz="2400" i="1">
+                                        <a:solidFill>
+                                          <a:schemeClr val="accent2"/>
+                                        </a:solidFill>
+                                        <a:latin typeface="Cambria Math" panose="02040503050406030204" pitchFamily="18" charset="0"/>
+                                      </a:rPr>
+                                      <m:t>𝜇</m:t>
+                                    </m:r>
+                                  </m:e>
+                                </m:bar>
+                                <m:r>
+                                  <a:rPr lang="en-US" sz="2400" b="0" i="1" smtClean="0">
+                                    <a:latin typeface="Cambria Math" panose="02040503050406030204" pitchFamily="18" charset="0"/>
+                                  </a:rPr>
+                                  <m:t>=</m:t>
+                                </m:r>
+                                <m:d>
+                                  <m:dPr>
+                                    <m:begChr m:val="["/>
+                                    <m:endChr m:val="]"/>
+                                    <m:ctrlPr>
+                                      <a:rPr lang="en-US" sz="2400" b="0" i="1" smtClean="0">
+                                        <a:latin typeface="Cambria Math" panose="02040503050406030204" pitchFamily="18" charset="0"/>
+                                      </a:rPr>
+                                    </m:ctrlPr>
+                                  </m:dPr>
+                                  <m:e>
+                                    <m:func>
+                                      <m:funcPr>
+                                        <m:ctrlPr>
+                                          <a:rPr lang="en-US" sz="2400" b="0" i="1" smtClean="0">
+                                            <a:latin typeface="Cambria Math" panose="02040503050406030204" pitchFamily="18" charset="0"/>
+                                          </a:rPr>
+                                        </m:ctrlPr>
+                                      </m:funcPr>
+                                      <m:fName>
+                                        <m:limLow>
+                                          <m:limLowPr>
+                                            <m:ctrlPr>
+                                              <a:rPr lang="en-US" sz="2400" b="0" i="1" smtClean="0">
+                                                <a:latin typeface="Cambria Math" panose="02040503050406030204" pitchFamily="18" charset="0"/>
+                                              </a:rPr>
+                                            </m:ctrlPr>
+                                          </m:limLowPr>
+                                          <m:e>
+                                            <m:r>
+                                              <m:rPr>
+                                                <m:sty m:val="p"/>
+                                              </m:rPr>
+                                              <a:rPr lang="en-US" sz="2400" b="0" i="0" smtClean="0">
+                                                <a:latin typeface="Cambria Math" panose="02040503050406030204" pitchFamily="18" charset="0"/>
+                                              </a:rPr>
+                                              <m:t>min</m:t>
+                                            </m:r>
+                                          </m:e>
+                                          <m:lim>
+                                            <m:r>
+                                              <a:rPr lang="en-US" sz="2400" i="1" smtClean="0">
+                                                <a:solidFill>
+                                                  <a:schemeClr val="accent2"/>
+                                                </a:solidFill>
+                                                <a:latin typeface="Cambria Math" panose="02040503050406030204" pitchFamily="18" charset="0"/>
+                                              </a:rPr>
+                                              <m:t>𝜇</m:t>
+                                            </m:r>
+                                            <m:r>
+                                              <a:rPr lang="en-US" sz="2400" i="1" smtClean="0">
+                                                <a:solidFill>
+                                                  <a:schemeClr val="accent2"/>
+                                                </a:solidFill>
+                                                <a:latin typeface="Cambria Math" panose="02040503050406030204" pitchFamily="18" charset="0"/>
+                                              </a:rPr>
+                                              <m:t>∈</m:t>
+                                            </m:r>
+                                            <m:r>
+                                              <m:rPr>
+                                                <m:nor/>
+                                              </m:rPr>
+                                              <a:rPr lang="en-US" sz="2400">
+                                                <a:solidFill>
+                                                  <a:schemeClr val="accent2"/>
+                                                </a:solidFill>
+                                                <a:latin typeface="Cambria Math" panose="02040503050406030204" pitchFamily="18" charset="0"/>
+                                              </a:rPr>
+                                              <m:t>core</m:t>
+                                            </m:r>
+                                            <m:d>
+                                              <m:dPr>
+                                                <m:ctrlPr>
+                                                  <a:rPr lang="en-US" sz="2400" i="1">
+                                                    <a:solidFill>
+                                                      <a:schemeClr val="accent2"/>
+                                                    </a:solidFill>
+                                                    <a:latin typeface="Cambria Math" panose="02040503050406030204" pitchFamily="18" charset="0"/>
+                                                  </a:rPr>
+                                                </m:ctrlPr>
+                                              </m:dPr>
+                                              <m:e>
+                                                <m:bar>
+                                                  <m:barPr>
+                                                    <m:pos m:val="top"/>
+                                                    <m:ctrlPr>
+                                                      <a:rPr lang="en-US" sz="2400" i="1">
+                                                        <a:solidFill>
+                                                          <a:schemeClr val="accent2"/>
+                                                        </a:solidFill>
+                                                        <a:latin typeface="Cambria Math" panose="02040503050406030204" pitchFamily="18" charset="0"/>
+                                                      </a:rPr>
+                                                    </m:ctrlPr>
+                                                  </m:barPr>
+                                                  <m:e>
+                                                    <m:r>
+                                                      <a:rPr lang="en-US" sz="2400" i="1">
+                                                        <a:solidFill>
+                                                          <a:schemeClr val="accent2"/>
+                                                        </a:solidFill>
+                                                        <a:latin typeface="Cambria Math" panose="02040503050406030204" pitchFamily="18" charset="0"/>
+                                                      </a:rPr>
+                                                      <m:t>𝜇</m:t>
+                                                    </m:r>
+                                                  </m:e>
+                                                </m:bar>
+                                              </m:e>
+                                            </m:d>
+                                          </m:lim>
+                                        </m:limLow>
+                                      </m:fName>
+                                      <m:e>
+                                        <m:nary>
+                                          <m:naryPr>
+                                            <m:limLoc m:val="undOvr"/>
+                                            <m:subHide m:val="on"/>
+                                            <m:supHide m:val="on"/>
+                                            <m:ctrlPr>
+                                              <a:rPr lang="en-US" sz="2400" i="1">
+                                                <a:latin typeface="Cambria Math" panose="02040503050406030204" pitchFamily="18" charset="0"/>
+                                              </a:rPr>
+                                            </m:ctrlPr>
+                                          </m:naryPr>
+                                          <m:sub/>
+                                          <m:sup/>
+                                          <m:e>
+                                            <m:r>
+                                              <a:rPr lang="en-US" sz="2400" i="1">
+                                                <a:latin typeface="Cambria Math" panose="02040503050406030204" pitchFamily="18" charset="0"/>
+                                              </a:rPr>
+                                              <m:t>𝑋</m:t>
+                                            </m:r>
+                                          </m:e>
+                                        </m:nary>
+                                        <m:r>
+                                          <a:rPr lang="en-US" sz="2400" i="1">
+                                            <a:latin typeface="Cambria Math" panose="02040503050406030204" pitchFamily="18" charset="0"/>
+                                          </a:rPr>
+                                          <m:t>ⅆ</m:t>
+                                        </m:r>
+                                        <m:r>
+                                          <a:rPr lang="en-US" sz="2400" i="1" smtClean="0">
+                                            <a:solidFill>
+                                              <a:schemeClr val="accent2"/>
+                                            </a:solidFill>
+                                            <a:latin typeface="Cambria Math" panose="02040503050406030204" pitchFamily="18" charset="0"/>
+                                          </a:rPr>
+                                          <m:t>𝜇</m:t>
+                                        </m:r>
+                                      </m:e>
+                                    </m:func>
+                                    <m:r>
+                                      <a:rPr lang="en-US" sz="2400" b="0" i="1" smtClean="0">
+                                        <a:latin typeface="Cambria Math" panose="02040503050406030204" pitchFamily="18" charset="0"/>
+                                      </a:rPr>
+                                      <m:t>,</m:t>
+                                    </m:r>
+                                    <m:func>
+                                      <m:funcPr>
+                                        <m:ctrlPr>
+                                          <a:rPr lang="en-US" sz="2400" i="1">
+                                            <a:latin typeface="Cambria Math" panose="02040503050406030204" pitchFamily="18" charset="0"/>
+                                          </a:rPr>
+                                        </m:ctrlPr>
+                                      </m:funcPr>
+                                      <m:fName>
+                                        <m:limLow>
+                                          <m:limLowPr>
+                                            <m:ctrlPr>
+                                              <a:rPr lang="en-US" sz="2400" i="1">
+                                                <a:latin typeface="Cambria Math" panose="02040503050406030204" pitchFamily="18" charset="0"/>
+                                              </a:rPr>
+                                            </m:ctrlPr>
+                                          </m:limLowPr>
+                                          <m:e>
+                                            <m:r>
+                                              <m:rPr>
+                                                <m:sty m:val="p"/>
+                                              </m:rPr>
+                                              <a:rPr lang="en-US" sz="2400">
+                                                <a:latin typeface="Cambria Math" panose="02040503050406030204" pitchFamily="18" charset="0"/>
+                                              </a:rPr>
+                                              <m:t>m</m:t>
+                                            </m:r>
+                                            <m:r>
+                                              <m:rPr>
+                                                <m:sty m:val="p"/>
+                                              </m:rPr>
+                                              <a:rPr lang="en-US" sz="2400" b="0" i="0" smtClean="0">
+                                                <a:latin typeface="Cambria Math" panose="02040503050406030204" pitchFamily="18" charset="0"/>
+                                              </a:rPr>
+                                              <m:t>ax</m:t>
+                                            </m:r>
+                                          </m:e>
+                                          <m:lim>
+                                            <m:r>
+                                              <a:rPr lang="en-US" sz="2400" i="1" smtClean="0">
+                                                <a:solidFill>
+                                                  <a:schemeClr val="accent2"/>
+                                                </a:solidFill>
+                                                <a:latin typeface="Cambria Math" panose="02040503050406030204" pitchFamily="18" charset="0"/>
+                                              </a:rPr>
+                                              <m:t>𝜇</m:t>
+                                            </m:r>
+                                            <m:r>
+                                              <a:rPr lang="en-US" sz="2400" i="1" smtClean="0">
+                                                <a:solidFill>
+                                                  <a:schemeClr val="accent2"/>
+                                                </a:solidFill>
+                                                <a:latin typeface="Cambria Math" panose="02040503050406030204" pitchFamily="18" charset="0"/>
+                                              </a:rPr>
+                                              <m:t>∈</m:t>
+                                            </m:r>
+                                            <m:r>
+                                              <m:rPr>
+                                                <m:nor/>
+                                              </m:rPr>
+                                              <a:rPr lang="en-US" sz="2400">
+                                                <a:solidFill>
+                                                  <a:schemeClr val="accent2"/>
+                                                </a:solidFill>
+                                                <a:latin typeface="Cambria Math" panose="02040503050406030204" pitchFamily="18" charset="0"/>
+                                              </a:rPr>
+                                              <m:t>core</m:t>
+                                            </m:r>
+                                            <m:d>
+                                              <m:dPr>
+                                                <m:ctrlPr>
+                                                  <a:rPr lang="en-US" sz="2400" i="1">
+                                                    <a:solidFill>
+                                                      <a:schemeClr val="accent2"/>
+                                                    </a:solidFill>
+                                                    <a:latin typeface="Cambria Math" panose="02040503050406030204" pitchFamily="18" charset="0"/>
+                                                  </a:rPr>
+                                                </m:ctrlPr>
+                                              </m:dPr>
+                                              <m:e>
+                                                <m:bar>
+                                                  <m:barPr>
+                                                    <m:pos m:val="top"/>
+                                                    <m:ctrlPr>
+                                                      <a:rPr lang="en-US" sz="2400" i="1">
+                                                        <a:solidFill>
+                                                          <a:schemeClr val="accent2"/>
+                                                        </a:solidFill>
+                                                        <a:latin typeface="Cambria Math" panose="02040503050406030204" pitchFamily="18" charset="0"/>
+                                                      </a:rPr>
+                                                    </m:ctrlPr>
+                                                  </m:barPr>
+                                                  <m:e>
+                                                    <m:r>
+                                                      <a:rPr lang="en-US" sz="2400" i="1">
+                                                        <a:solidFill>
+                                                          <a:schemeClr val="accent2"/>
+                                                        </a:solidFill>
+                                                        <a:latin typeface="Cambria Math" panose="02040503050406030204" pitchFamily="18" charset="0"/>
+                                                      </a:rPr>
+                                                      <m:t>𝜇</m:t>
+                                                    </m:r>
+                                                  </m:e>
+                                                </m:bar>
+                                              </m:e>
+                                            </m:d>
+                                          </m:lim>
+                                        </m:limLow>
+                                      </m:fName>
+                                      <m:e>
+                                        <m:nary>
+                                          <m:naryPr>
+                                            <m:limLoc m:val="undOvr"/>
+                                            <m:subHide m:val="on"/>
+                                            <m:supHide m:val="on"/>
+                                            <m:ctrlPr>
+                                              <a:rPr lang="en-US" sz="2400" i="1">
+                                                <a:latin typeface="Cambria Math" panose="02040503050406030204" pitchFamily="18" charset="0"/>
+                                              </a:rPr>
+                                            </m:ctrlPr>
+                                          </m:naryPr>
+                                          <m:sub/>
+                                          <m:sup/>
+                                          <m:e>
+                                            <m:r>
+                                              <a:rPr lang="en-US" sz="2400" i="1">
+                                                <a:latin typeface="Cambria Math" panose="02040503050406030204" pitchFamily="18" charset="0"/>
+                                              </a:rPr>
+                                              <m:t>𝑋</m:t>
+                                            </m:r>
+                                          </m:e>
+                                        </m:nary>
+                                        <m:r>
+                                          <a:rPr lang="en-US" sz="2400" i="1">
+                                            <a:latin typeface="Cambria Math" panose="02040503050406030204" pitchFamily="18" charset="0"/>
+                                          </a:rPr>
+                                          <m:t>ⅆ</m:t>
+                                        </m:r>
+                                        <m:r>
+                                          <a:rPr lang="en-US" sz="2400" i="1" smtClean="0">
+                                            <a:solidFill>
+                                              <a:schemeClr val="accent2"/>
+                                            </a:solidFill>
+                                            <a:latin typeface="Cambria Math" panose="02040503050406030204" pitchFamily="18" charset="0"/>
+                                          </a:rPr>
+                                          <m:t>𝜇</m:t>
+                                        </m:r>
+                                      </m:e>
+                                    </m:func>
+                                  </m:e>
+                                </m:d>
+                              </m:oMath>
+                            </m:oMathPara>
+                          </a14:m>
+                          <a:endParaRPr lang="en-US" sz="2200" dirty="0"/>
+                        </a:p>
+                      </a:txBody>
+                      <a:tcPr/>
+                    </a:tc>
+                    <a:tc>
+                      <a:txBody>
+                        <a:bodyPr/>
+                        <a:lstStyle/>
+                        <a:p>
+                          <a:endParaRPr lang="en-US" sz="2200" dirty="0"/>
+                        </a:p>
+                      </a:txBody>
+                      <a:tcPr/>
+                    </a:tc>
+                  </a:tr>
+                </a:tbl>
+              </a:graphicData>
+            </a:graphic>
+          </p:graphicFrame>
+        </mc:Choice>
+        <mc:Fallback xmlns="">
+          <p:graphicFrame>
+            <p:nvGraphicFramePr>
+              <p:cNvPr id="4" name="Content Placeholder 3"/>
+              <p:cNvGraphicFramePr>
+                <a:graphicFrameLocks noGrp="1"/>
+              </p:cNvGraphicFramePr>
+              <p:nvPr>
+                <p:ph idx="1"/>
+                <p:extLst>
+                  <p:ext uri="{D42A27DB-BD31-4B8C-83A1-F6EECF244321}">
+                    <p14:modId xmlns:p14="http://schemas.microsoft.com/office/powerpoint/2010/main" val="67151303"/>
+                  </p:ext>
+                </p:extLst>
+              </p:nvPr>
+            </p:nvGraphicFramePr>
+            <p:xfrm>
+              <a:off x="838200" y="1825625"/>
+              <a:ext cx="10515600" cy="4812792"/>
+            </p:xfrm>
+            <a:graphic>
+              <a:graphicData uri="http://schemas.openxmlformats.org/drawingml/2006/table">
+                <a:tbl>
+                  <a:tblPr firstRow="1" bandRow="1">
+                    <a:tableStyleId>{5C22544A-7EE6-4342-B048-85BDC9FD1C3A}</a:tableStyleId>
+                  </a:tblPr>
+                  <a:tblGrid>
+                    <a:gridCol w="5257800"/>
+                    <a:gridCol w="5257800"/>
+                  </a:tblGrid>
+                  <a:tr h="762000">
+                    <a:tc>
+                      <a:txBody>
+                        <a:bodyPr/>
+                        <a:lstStyle/>
+                        <a:p>
+                          <a:pPr marL="0" marR="0" lvl="0" indent="0" algn="l" defTabSz="914400" rtl="0" eaLnBrk="1" fontAlgn="auto" latinLnBrk="0" hangingPunct="1">
+                            <a:lnSpc>
+                              <a:spcPct val="100000"/>
+                            </a:lnSpc>
+                            <a:spcBef>
+                              <a:spcPts val="0"/>
+                            </a:spcBef>
+                            <a:spcAft>
+                              <a:spcPts val="0"/>
+                            </a:spcAft>
+                            <a:buClrTx/>
+                            <a:buSzTx/>
+                            <a:buFontTx/>
+                            <a:buNone/>
+                            <a:tabLst/>
+                            <a:defRPr/>
+                          </a:pPr>
+                          <a:r>
+                            <a:rPr lang="en-US" sz="2200" dirty="0" smtClean="0"/>
+                            <a:t>Classical </a:t>
+                          </a:r>
+                          <a:r>
+                            <a:rPr lang="en-US" sz="2200" dirty="0" smtClean="0">
+                              <a:solidFill>
+                                <a:schemeClr val="accent2"/>
+                              </a:solidFill>
+                            </a:rPr>
+                            <a:t>Interval</a:t>
+                          </a:r>
+                          <a:r>
+                            <a:rPr lang="en-US" sz="2200" dirty="0" smtClean="0"/>
+                            <a:t>-Valued Probability Measure (C</a:t>
+                          </a:r>
+                          <a:r>
+                            <a:rPr lang="en-US" sz="2200" dirty="0" smtClean="0">
+                              <a:solidFill>
+                                <a:schemeClr val="accent2"/>
+                              </a:solidFill>
+                            </a:rPr>
+                            <a:t>I</a:t>
+                          </a:r>
+                          <a:r>
+                            <a:rPr lang="en-US" sz="2200" dirty="0" smtClean="0"/>
+                            <a:t>VPM)</a:t>
+                          </a:r>
+                        </a:p>
+                      </a:txBody>
+                      <a:tcPr/>
+                    </a:tc>
+                    <a:tc>
+                      <a:txBody>
+                        <a:bodyPr/>
+                        <a:lstStyle/>
+                        <a:p>
+                          <a:pPr marL="0" marR="0" lvl="0" indent="0" algn="l" defTabSz="914400" rtl="0" eaLnBrk="1" fontAlgn="auto" latinLnBrk="0" hangingPunct="1">
+                            <a:lnSpc>
+                              <a:spcPct val="100000"/>
+                            </a:lnSpc>
+                            <a:spcBef>
+                              <a:spcPts val="0"/>
+                            </a:spcBef>
+                            <a:spcAft>
+                              <a:spcPts val="0"/>
+                            </a:spcAft>
+                            <a:buClrTx/>
+                            <a:buSzTx/>
+                            <a:buFontTx/>
+                            <a:buNone/>
+                            <a:tabLst/>
+                            <a:defRPr/>
+                          </a:pPr>
+                          <a:endParaRPr lang="en-US" sz="2200" dirty="0" smtClean="0"/>
+                        </a:p>
+                      </a:txBody>
+                      <a:tcPr/>
+                    </a:tc>
+                  </a:tr>
+                  <a:tr h="1097280">
+                    <a:tc>
+                      <a:txBody>
+                        <a:bodyPr/>
+                        <a:lstStyle/>
+                        <a:p>
+                          <a:endParaRPr lang="en-US"/>
+                        </a:p>
+                      </a:txBody>
+                      <a:tcPr>
+                        <a:blipFill rotWithShape="0">
+                          <a:blip r:embed="rId3"/>
+                          <a:stretch>
+                            <a:fillRect l="-116" t="-72778" r="-100463" b="-271111"/>
+                          </a:stretch>
+                        </a:blipFill>
+                      </a:tcPr>
+                    </a:tc>
+                    <a:tc>
+                      <a:txBody>
+                        <a:bodyPr/>
+                        <a:lstStyle/>
+                        <a:p>
+                          <a:pPr marL="0" marR="0" lvl="0" indent="0" algn="l" defTabSz="914400" rtl="0" eaLnBrk="1" fontAlgn="auto" latinLnBrk="0" hangingPunct="1">
+                            <a:lnSpc>
+                              <a:spcPct val="100000"/>
+                            </a:lnSpc>
+                            <a:spcBef>
+                              <a:spcPts val="0"/>
+                            </a:spcBef>
+                            <a:spcAft>
+                              <a:spcPts val="0"/>
+                            </a:spcAft>
+                            <a:buClrTx/>
+                            <a:buSzTx/>
+                            <a:buFontTx/>
+                            <a:buNone/>
+                            <a:tabLst>
+                              <a:tab pos="2743200" algn="ctr"/>
+                              <a:tab pos="5035550" algn="r"/>
+                            </a:tabLst>
+                            <a:defRPr/>
+                          </a:pPr>
+                          <a:endParaRPr lang="en-US" sz="2200" dirty="0" smtClean="0"/>
+                        </a:p>
+                      </a:txBody>
+                      <a:tcPr/>
+                    </a:tc>
+                  </a:tr>
+                  <a:tr h="2953512">
+                    <a:tc>
+                      <a:txBody>
+                        <a:bodyPr/>
+                        <a:lstStyle/>
+                        <a:p>
+                          <a:endParaRPr lang="en-US"/>
+                        </a:p>
+                      </a:txBody>
+                      <a:tcPr>
+                        <a:blipFill rotWithShape="0">
+                          <a:blip r:embed="rId3"/>
+                          <a:stretch>
+                            <a:fillRect l="-116" t="-64124" r="-100463" b="-619"/>
+                          </a:stretch>
+                        </a:blipFill>
+                      </a:tcPr>
+                    </a:tc>
+                    <a:tc>
+                      <a:txBody>
+                        <a:bodyPr/>
+                        <a:lstStyle/>
+                        <a:p>
+                          <a:pPr/>
+                          <a:endParaRPr lang="en-US" sz="2200" dirty="0"/>
+                        </a:p>
+                      </a:txBody>
+                      <a:tcPr/>
+                    </a:tc>
+                  </a:tr>
+                </a:tbl>
+              </a:graphicData>
+            </a:graphic>
+          </p:graphicFrame>
+        </mc:Fallback>
+      </mc:AlternateContent>
+    </p:spTree>
+    <p:extLst>
+      <p:ext uri="{BB962C8B-B14F-4D97-AF65-F5344CB8AC3E}">
+        <p14:creationId xmlns:p14="http://schemas.microsoft.com/office/powerpoint/2010/main" val="1333181481"/>
+      </p:ext>
+    </p:extLst>
+  </p:cSld>
+  <p:clrMapOvr>
+    <a:masterClrMapping/>
+  </p:clrMapOvr>
+  <p:timing>
+    <p:tnLst>
+      <p:par>
+        <p:cTn id="1" dur="indefinite" restart="never" nodeType="tmRoot"/>
+      </p:par>
+    </p:tnLst>
+  </p:timing>
+</p:sld>
+</file>
+
+<file path=ppt/slides/slide13.xml><?xml version="1.0" encoding="utf-8"?>
+<p:sld xmlns:a="http://schemas.openxmlformats.org/drawingml/2006/main" xmlns:r="http://schemas.openxmlformats.org/officeDocument/2006/relationships" xmlns:p="http://schemas.openxmlformats.org/presentationml/2006/main">
+  <p:cSld>
+    <p:spTree>
+      <p:nvGrpSpPr>
+        <p:cNvPr id="1" name=""/>
+        <p:cNvGrpSpPr/>
+        <p:nvPr/>
+      </p:nvGrpSpPr>
+      <p:grpSpPr>
+        <a:xfrm>
+          <a:off x="0" y="0"/>
+          <a:ext cx="0" cy="0"/>
+          <a:chOff x="0" y="0"/>
+          <a:chExt cx="0" cy="0"/>
+        </a:xfrm>
+      </p:grpSpPr>
+      <p:sp>
+        <p:nvSpPr>
+          <p:cNvPr id="2" name="Title 1"/>
+          <p:cNvSpPr>
+            <a:spLocks noGrp="1"/>
+          </p:cNvSpPr>
+          <p:nvPr>
+            <p:ph type="title"/>
+          </p:nvPr>
+        </p:nvSpPr>
+        <p:spPr/>
+        <p:txBody>
+          <a:bodyPr/>
+          <a:lstStyle/>
+          <a:p>
+            <a:r>
+              <a:rPr lang="en-US" dirty="0"/>
+              <a:t>Convexity</a:t>
+            </a:r>
+          </a:p>
+        </p:txBody>
+      </p:sp>
+      <p:sp>
+        <p:nvSpPr>
+          <p:cNvPr id="3" name="Text Placeholder 2"/>
+          <p:cNvSpPr>
+            <a:spLocks noGrp="1"/>
+          </p:cNvSpPr>
+          <p:nvPr>
+            <p:ph type="body" idx="1"/>
+          </p:nvPr>
+        </p:nvSpPr>
+        <p:spPr/>
+        <p:txBody>
+          <a:bodyPr/>
+          <a:lstStyle/>
+          <a:p>
+            <a:r>
+              <a:rPr lang="en-US" dirty="0">
+                <a:solidFill>
+                  <a:srgbClr val="FF0000"/>
+                </a:solidFill>
+              </a:rPr>
+              <a:t>Classical</a:t>
+            </a:r>
+            <a:r>
+              <a:rPr lang="en-US" dirty="0"/>
+              <a:t> Interval-Valued Probability Measure (</a:t>
+            </a:r>
+            <a:r>
+              <a:rPr lang="en-US" dirty="0">
+                <a:solidFill>
+                  <a:srgbClr val="FF0000"/>
+                </a:solidFill>
+              </a:rPr>
+              <a:t>C</a:t>
+            </a:r>
+            <a:r>
+              <a:rPr lang="en-US" dirty="0"/>
+              <a:t>IVPM</a:t>
+            </a:r>
+            <a:r>
+              <a:rPr lang="en-US" dirty="0" smtClean="0"/>
+              <a:t>)</a:t>
+            </a:r>
+            <a:endParaRPr lang="en-US" dirty="0"/>
+          </a:p>
+        </p:txBody>
+      </p:sp>
+      <mc:AlternateContent xmlns:mc="http://schemas.openxmlformats.org/markup-compatibility/2006">
+        <mc:Choice xmlns:a14="http://schemas.microsoft.com/office/drawing/2010/main" Requires="a14">
+          <p:sp>
+            <p:nvSpPr>
+              <p:cNvPr id="4" name="Content Placeholder 3"/>
+              <p:cNvSpPr>
+                <a:spLocks noGrp="1"/>
+              </p:cNvSpPr>
+              <p:nvPr>
+                <p:ph sz="half" idx="2"/>
+              </p:nvPr>
+            </p:nvSpPr>
+            <p:spPr/>
+            <p:txBody>
+              <a:bodyPr/>
+              <a:lstStyle/>
+              <a:p>
+                <a:pPr>
+                  <a:lnSpc>
+                    <a:spcPct val="95000"/>
+                  </a:lnSpc>
+                </a:pPr>
+                <a14:m>
+                  <m:oMath xmlns:m="http://schemas.openxmlformats.org/officeDocument/2006/math">
+                    <m:r>
+                      <a:rPr lang="en-US" i="1">
+                        <a:latin typeface="Cambria Math" panose="02040503050406030204" pitchFamily="18" charset="0"/>
+                        <a:ea typeface="Cambria Math" panose="02040503050406030204" pitchFamily="18" charset="0"/>
+                      </a:rPr>
+                      <m:t>ℰ</m:t>
+                    </m:r>
+                    <m:r>
+                      <a:rPr lang="en-US">
+                        <a:latin typeface="Cambria Math" panose="02040503050406030204" pitchFamily="18" charset="0"/>
+                        <a:ea typeface="Cambria Math" panose="02040503050406030204" pitchFamily="18" charset="0"/>
+                      </a:rPr>
+                      <m:t>=</m:t>
+                    </m:r>
+                    <m:d>
+                      <m:dPr>
+                        <m:begChr m:val="{"/>
+                        <m:endChr m:val="}"/>
+                        <m:ctrlPr>
+                          <a:rPr lang="en-US" i="1">
+                            <a:solidFill>
+                              <a:srgbClr val="FF0000"/>
+                            </a:solidFill>
+                            <a:latin typeface="Cambria Math" panose="02040503050406030204" pitchFamily="18" charset="0"/>
+                            <a:ea typeface="Cambria Math" panose="02040503050406030204" pitchFamily="18" charset="0"/>
+                          </a:rPr>
+                        </m:ctrlPr>
+                      </m:dPr>
+                      <m:e>
+                        <m:r>
+                          <m:rPr>
+                            <m:nor/>
+                          </m:rPr>
+                          <a:rPr lang="en-US">
+                            <a:solidFill>
+                              <a:srgbClr val="FF0000"/>
+                            </a:solidFill>
+                            <a:latin typeface="Cambria Math" panose="02040503050406030204" pitchFamily="18" charset="0"/>
+                            <a:ea typeface="Cambria Math" panose="02040503050406030204" pitchFamily="18" charset="0"/>
+                          </a:rPr>
+                          <m:t>all</m:t>
+                        </m:r>
+                        <m:r>
+                          <m:rPr>
+                            <m:nor/>
+                          </m:rPr>
+                          <a:rPr lang="en-US">
+                            <a:solidFill>
+                              <a:srgbClr val="FF0000"/>
+                            </a:solidFill>
+                            <a:latin typeface="Cambria Math" panose="02040503050406030204" pitchFamily="18" charset="0"/>
+                            <a:ea typeface="Cambria Math" panose="02040503050406030204" pitchFamily="18" charset="0"/>
+                          </a:rPr>
+                          <m:t> </m:t>
+                        </m:r>
+                        <m:r>
+                          <m:rPr>
+                            <m:nor/>
+                          </m:rPr>
+                          <a:rPr lang="en-US">
+                            <a:solidFill>
+                              <a:srgbClr val="FF0000"/>
+                            </a:solidFill>
+                            <a:latin typeface="Cambria Math" panose="02040503050406030204" pitchFamily="18" charset="0"/>
+                            <a:ea typeface="Cambria Math" panose="02040503050406030204" pitchFamily="18" charset="0"/>
+                          </a:rPr>
+                          <m:t>subsets</m:t>
+                        </m:r>
+                        <m:r>
+                          <m:rPr>
+                            <m:nor/>
+                          </m:rPr>
+                          <a:rPr lang="en-US">
+                            <a:solidFill>
+                              <a:srgbClr val="FF0000"/>
+                            </a:solidFill>
+                            <a:latin typeface="Cambria Math" panose="02040503050406030204" pitchFamily="18" charset="0"/>
+                            <a:ea typeface="Cambria Math" panose="02040503050406030204" pitchFamily="18" charset="0"/>
+                          </a:rPr>
+                          <m:t> </m:t>
+                        </m:r>
+                        <m:r>
+                          <m:rPr>
+                            <m:nor/>
+                          </m:rPr>
+                          <a:rPr lang="en-US">
+                            <a:solidFill>
+                              <a:srgbClr val="FF0000"/>
+                            </a:solidFill>
+                            <a:latin typeface="Cambria Math" panose="02040503050406030204" pitchFamily="18" charset="0"/>
+                            <a:ea typeface="Cambria Math" panose="02040503050406030204" pitchFamily="18" charset="0"/>
+                          </a:rPr>
+                          <m:t>of</m:t>
+                        </m:r>
+                        <m:r>
+                          <m:rPr>
+                            <m:nor/>
+                          </m:rPr>
+                          <a:rPr lang="en-US">
+                            <a:solidFill>
+                              <a:srgbClr val="FF0000"/>
+                            </a:solidFill>
+                            <a:latin typeface="Cambria Math" panose="02040503050406030204" pitchFamily="18" charset="0"/>
+                            <a:ea typeface="Cambria Math" panose="02040503050406030204" pitchFamily="18" charset="0"/>
+                          </a:rPr>
+                          <m:t> </m:t>
+                        </m:r>
+                        <m:r>
+                          <m:rPr>
+                            <m:nor/>
+                          </m:rPr>
+                          <a:rPr lang="en-US">
+                            <a:solidFill>
+                              <a:srgbClr val="FF0000"/>
+                            </a:solidFill>
+                            <a:latin typeface="Cambria Math" panose="02040503050406030204" pitchFamily="18" charset="0"/>
+                            <a:ea typeface="Cambria Math" panose="02040503050406030204" pitchFamily="18" charset="0"/>
+                          </a:rPr>
+                          <m:t>the</m:t>
+                        </m:r>
+                        <m:r>
+                          <m:rPr>
+                            <m:nor/>
+                          </m:rPr>
+                          <a:rPr lang="en-US">
+                            <a:solidFill>
+                              <a:srgbClr val="FF0000"/>
+                            </a:solidFill>
+                            <a:latin typeface="Cambria Math" panose="02040503050406030204" pitchFamily="18" charset="0"/>
+                            <a:ea typeface="Cambria Math" panose="02040503050406030204" pitchFamily="18" charset="0"/>
+                          </a:rPr>
+                          <m:t> </m:t>
+                        </m:r>
+                        <m:r>
+                          <m:rPr>
+                            <m:nor/>
+                          </m:rPr>
+                          <a:rPr lang="en-US">
+                            <a:solidFill>
+                              <a:srgbClr val="FF0000"/>
+                            </a:solidFill>
+                            <a:latin typeface="Cambria Math" panose="02040503050406030204" pitchFamily="18" charset="0"/>
+                            <a:ea typeface="Cambria Math" panose="02040503050406030204" pitchFamily="18" charset="0"/>
+                          </a:rPr>
+                          <m:t>sample</m:t>
+                        </m:r>
+                        <m:r>
+                          <m:rPr>
+                            <m:nor/>
+                          </m:rPr>
+                          <a:rPr lang="en-US">
+                            <a:solidFill>
+                              <a:srgbClr val="FF0000"/>
+                            </a:solidFill>
+                            <a:latin typeface="Cambria Math" panose="02040503050406030204" pitchFamily="18" charset="0"/>
+                            <a:ea typeface="Cambria Math" panose="02040503050406030204" pitchFamily="18" charset="0"/>
+                          </a:rPr>
+                          <m:t> </m:t>
+                        </m:r>
+                        <m:r>
+                          <m:rPr>
+                            <m:nor/>
+                          </m:rPr>
+                          <a:rPr lang="en-US">
+                            <a:solidFill>
+                              <a:srgbClr val="FF0000"/>
+                            </a:solidFill>
+                            <a:latin typeface="Cambria Math" panose="02040503050406030204" pitchFamily="18" charset="0"/>
+                            <a:ea typeface="Cambria Math" panose="02040503050406030204" pitchFamily="18" charset="0"/>
+                          </a:rPr>
+                          <m:t>space</m:t>
+                        </m:r>
+                        <m:r>
+                          <m:rPr>
+                            <m:nor/>
+                          </m:rPr>
+                          <a:rPr lang="en-US">
+                            <a:solidFill>
+                              <a:srgbClr val="FF0000"/>
+                            </a:solidFill>
+                            <a:latin typeface="Cambria Math" panose="02040503050406030204" pitchFamily="18" charset="0"/>
+                            <a:ea typeface="Cambria Math" panose="02040503050406030204" pitchFamily="18" charset="0"/>
+                          </a:rPr>
+                          <m:t> </m:t>
+                        </m:r>
+                        <m:r>
+                          <m:rPr>
+                            <m:sty m:val="p"/>
+                          </m:rPr>
+                          <a:rPr lang="en-US">
+                            <a:solidFill>
+                              <a:srgbClr val="FF0000"/>
+                            </a:solidFill>
+                            <a:latin typeface="Cambria Math" panose="02040503050406030204" pitchFamily="18" charset="0"/>
+                            <a:ea typeface="Cambria Math" panose="02040503050406030204" pitchFamily="18" charset="0"/>
+                          </a:rPr>
+                          <m:t>Ω</m:t>
+                        </m:r>
+                      </m:e>
+                    </m:d>
+                  </m:oMath>
+                </a14:m>
+                <a:endParaRPr lang="en-US" dirty="0"/>
+              </a:p>
+              <a:p>
+                <a:pPr>
+                  <a:lnSpc>
+                    <a:spcPct val="95000"/>
+                  </a:lnSpc>
+                </a:pPr>
+                <a14:m>
+                  <m:oMath xmlns:m="http://schemas.openxmlformats.org/officeDocument/2006/math">
+                    <m:bar>
+                      <m:barPr>
+                        <m:pos m:val="top"/>
+                        <m:ctrlPr>
+                          <a:rPr lang="en-US" i="1">
+                            <a:latin typeface="Cambria Math" panose="02040503050406030204" pitchFamily="18" charset="0"/>
+                          </a:rPr>
+                        </m:ctrlPr>
+                      </m:barPr>
+                      <m:e>
+                        <m:r>
+                          <a:rPr lang="en-US" i="1">
+                            <a:latin typeface="Cambria Math" panose="02040503050406030204" pitchFamily="18" charset="0"/>
+                          </a:rPr>
+                          <m:t>𝜇</m:t>
+                        </m:r>
+                      </m:e>
+                    </m:bar>
+                    <m:r>
+                      <a:rPr lang="en-US" i="1">
+                        <a:latin typeface="Cambria Math" panose="02040503050406030204" pitchFamily="18" charset="0"/>
+                      </a:rPr>
+                      <m:t>:</m:t>
+                    </m:r>
+                    <m:r>
+                      <a:rPr lang="en-US" i="1">
+                        <a:latin typeface="Cambria Math" panose="02040503050406030204" pitchFamily="18" charset="0"/>
+                        <a:ea typeface="Cambria Math" panose="02040503050406030204" pitchFamily="18" charset="0"/>
+                      </a:rPr>
+                      <m:t>ℰ</m:t>
+                    </m:r>
+                    <m:r>
+                      <a:rPr lang="en-US">
+                        <a:latin typeface="Cambria Math" panose="02040503050406030204" pitchFamily="18" charset="0"/>
+                        <a:ea typeface="Cambria Math" panose="02040503050406030204" pitchFamily="18" charset="0"/>
+                      </a:rPr>
+                      <m:t>→</m:t>
+                    </m:r>
+                    <m:r>
+                      <a:rPr lang="en-US" i="1" smtClean="0">
+                        <a:latin typeface="XITS Math" panose="02000503000000000000" pitchFamily="50" charset="0"/>
+                        <a:ea typeface="XITS Math" panose="02000503000000000000" pitchFamily="50" charset="0"/>
+                        <a:cs typeface="XITS Math" panose="02000503000000000000" pitchFamily="50" charset="0"/>
+                      </a:rPr>
+                      <m:t>ℐ</m:t>
+                    </m:r>
+                  </m:oMath>
+                </a14:m>
+                <a:endParaRPr lang="en-US" i="1" dirty="0" smtClean="0">
+                  <a:solidFill>
+                    <a:schemeClr val="tx1"/>
+                  </a:solidFill>
+                  <a:latin typeface="XITS Math" panose="02000503000000000000" pitchFamily="50" charset="0"/>
+                  <a:ea typeface="XITS Math" panose="02000503000000000000" pitchFamily="50" charset="0"/>
+                  <a:cs typeface="XITS Math" panose="02000503000000000000" pitchFamily="50" charset="0"/>
+                </a:endParaRPr>
+              </a:p>
+              <a:p>
+                <a:pPr>
+                  <a:lnSpc>
+                    <a:spcPct val="95000"/>
+                  </a:lnSpc>
+                </a:pPr>
+                <a:r>
+                  <a:rPr lang="en-US" i="1" dirty="0" smtClean="0">
+                    <a:solidFill>
+                      <a:schemeClr val="tx1"/>
+                    </a:solidFill>
+                  </a:rPr>
+                  <a:t>convexity</a:t>
+                </a:r>
+                <a:r>
+                  <a:rPr lang="en-US" dirty="0" smtClean="0">
+                    <a:solidFill>
+                      <a:schemeClr val="tx1"/>
+                    </a:solidFill>
+                  </a:rPr>
+                  <a:t> </a:t>
+                </a:r>
+                <a:r>
+                  <a:rPr lang="en-US" dirty="0">
+                    <a:solidFill>
+                      <a:schemeClr val="tx1"/>
+                    </a:solidFill>
+                  </a:rPr>
+                  <a:t>condition:</a:t>
+                </a:r>
+                <a:br>
+                  <a:rPr lang="en-US" dirty="0">
+                    <a:solidFill>
+                      <a:schemeClr val="tx1"/>
+                    </a:solidFill>
+                  </a:rPr>
+                </a:br>
+                <a14:m>
+                  <m:oMath xmlns:m="http://schemas.openxmlformats.org/officeDocument/2006/math">
+                    <m:bar>
+                      <m:barPr>
+                        <m:pos m:val="top"/>
+                        <m:ctrlPr>
+                          <a:rPr lang="en-US" i="1">
+                            <a:solidFill>
+                              <a:schemeClr val="tx1"/>
+                            </a:solidFill>
+                            <a:latin typeface="Cambria Math" panose="02040503050406030204" pitchFamily="18" charset="0"/>
+                          </a:rPr>
+                        </m:ctrlPr>
+                      </m:barPr>
+                      <m:e>
+                        <m:r>
+                          <a:rPr lang="en-US" i="1">
+                            <a:solidFill>
+                              <a:schemeClr val="tx1"/>
+                            </a:solidFill>
+                            <a:latin typeface="Cambria Math" panose="02040503050406030204" pitchFamily="18" charset="0"/>
+                          </a:rPr>
+                          <m:t>𝜇</m:t>
+                        </m:r>
+                      </m:e>
+                    </m:bar>
+                    <m:d>
+                      <m:dPr>
+                        <m:ctrlPr>
+                          <a:rPr lang="en-US" i="1">
+                            <a:solidFill>
+                              <a:schemeClr val="tx1"/>
+                            </a:solidFill>
+                            <a:latin typeface="Cambria Math" panose="02040503050406030204" pitchFamily="18" charset="0"/>
+                          </a:rPr>
+                        </m:ctrlPr>
+                      </m:dPr>
+                      <m:e>
+                        <m:sSub>
+                          <m:sSubPr>
+                            <m:ctrlPr>
+                              <a:rPr lang="en-US" i="1" smtClean="0">
+                                <a:solidFill>
+                                  <a:srgbClr val="FF0000"/>
+                                </a:solidFill>
+                                <a:latin typeface="Cambria Math" panose="02040503050406030204" pitchFamily="18" charset="0"/>
+                              </a:rPr>
+                            </m:ctrlPr>
+                          </m:sSubPr>
+                          <m:e>
+                            <m:r>
+                              <a:rPr lang="en-US" i="1">
+                                <a:solidFill>
+                                  <a:srgbClr val="FF0000"/>
+                                </a:solidFill>
+                                <a:latin typeface="Cambria Math" panose="02040503050406030204" pitchFamily="18" charset="0"/>
+                              </a:rPr>
+                              <m:t>𝐸</m:t>
+                            </m:r>
+                          </m:e>
+                          <m:sub>
+                            <m:r>
+                              <a:rPr lang="en-US" i="1">
+                                <a:solidFill>
+                                  <a:srgbClr val="FF0000"/>
+                                </a:solidFill>
+                                <a:latin typeface="Cambria Math" panose="02040503050406030204" pitchFamily="18" charset="0"/>
+                              </a:rPr>
+                              <m:t>0</m:t>
+                            </m:r>
+                          </m:sub>
+                        </m:sSub>
+                        <m:r>
+                          <a:rPr lang="en-US" i="1" smtClean="0">
+                            <a:solidFill>
+                              <a:srgbClr val="FF0000"/>
+                            </a:solidFill>
+                            <a:latin typeface="Cambria Math" panose="02040503050406030204" pitchFamily="18" charset="0"/>
+                          </a:rPr>
+                          <m:t>∪</m:t>
+                        </m:r>
+                        <m:sSub>
+                          <m:sSubPr>
+                            <m:ctrlPr>
+                              <a:rPr lang="en-US" i="1">
+                                <a:solidFill>
+                                  <a:srgbClr val="FF0000"/>
+                                </a:solidFill>
+                                <a:latin typeface="Cambria Math" panose="02040503050406030204" pitchFamily="18" charset="0"/>
+                              </a:rPr>
+                            </m:ctrlPr>
+                          </m:sSubPr>
+                          <m:e>
+                            <m:r>
+                              <a:rPr lang="en-US" i="1">
+                                <a:solidFill>
+                                  <a:srgbClr val="FF0000"/>
+                                </a:solidFill>
+                                <a:latin typeface="Cambria Math" panose="02040503050406030204" pitchFamily="18" charset="0"/>
+                              </a:rPr>
+                              <m:t>𝐸</m:t>
+                            </m:r>
+                          </m:e>
+                          <m:sub>
+                            <m:r>
+                              <a:rPr lang="en-US" i="1">
+                                <a:solidFill>
+                                  <a:srgbClr val="FF0000"/>
+                                </a:solidFill>
+                                <a:latin typeface="Cambria Math" panose="02040503050406030204" pitchFamily="18" charset="0"/>
+                              </a:rPr>
+                              <m:t>1</m:t>
+                            </m:r>
+                          </m:sub>
+                        </m:sSub>
+                      </m:e>
+                    </m:d>
+                    <m:r>
+                      <a:rPr lang="en-US" i="1">
+                        <a:solidFill>
+                          <a:schemeClr val="tx1"/>
+                        </a:solidFill>
+                        <a:latin typeface="Cambria Math" panose="02040503050406030204" pitchFamily="18" charset="0"/>
+                      </a:rPr>
+                      <m:t>+</m:t>
+                    </m:r>
+                    <m:bar>
+                      <m:barPr>
+                        <m:pos m:val="top"/>
+                        <m:ctrlPr>
+                          <a:rPr lang="en-US" i="1">
+                            <a:solidFill>
+                              <a:schemeClr val="tx1"/>
+                            </a:solidFill>
+                            <a:latin typeface="Cambria Math" panose="02040503050406030204" pitchFamily="18" charset="0"/>
+                          </a:rPr>
+                        </m:ctrlPr>
+                      </m:barPr>
+                      <m:e>
+                        <m:r>
+                          <a:rPr lang="en-US" i="1">
+                            <a:solidFill>
+                              <a:schemeClr val="tx1"/>
+                            </a:solidFill>
+                            <a:latin typeface="Cambria Math" panose="02040503050406030204" pitchFamily="18" charset="0"/>
+                          </a:rPr>
+                          <m:t>𝜇</m:t>
+                        </m:r>
+                      </m:e>
+                    </m:bar>
+                    <m:d>
+                      <m:dPr>
+                        <m:ctrlPr>
+                          <a:rPr lang="en-US" i="1">
+                            <a:solidFill>
+                              <a:schemeClr val="tx1"/>
+                            </a:solidFill>
+                            <a:latin typeface="Cambria Math" panose="02040503050406030204" pitchFamily="18" charset="0"/>
+                          </a:rPr>
+                        </m:ctrlPr>
+                      </m:dPr>
+                      <m:e>
+                        <m:sSub>
+                          <m:sSubPr>
+                            <m:ctrlPr>
+                              <a:rPr lang="en-US" i="1" smtClean="0">
+                                <a:solidFill>
+                                  <a:srgbClr val="FF0000"/>
+                                </a:solidFill>
+                                <a:latin typeface="Cambria Math" panose="02040503050406030204" pitchFamily="18" charset="0"/>
+                              </a:rPr>
+                            </m:ctrlPr>
+                          </m:sSubPr>
+                          <m:e>
+                            <m:r>
+                              <a:rPr lang="en-US" i="1">
+                                <a:solidFill>
+                                  <a:srgbClr val="FF0000"/>
+                                </a:solidFill>
+                                <a:latin typeface="Cambria Math" panose="02040503050406030204" pitchFamily="18" charset="0"/>
+                              </a:rPr>
+                              <m:t>𝐸</m:t>
+                            </m:r>
+                          </m:e>
+                          <m:sub>
+                            <m:r>
+                              <a:rPr lang="en-US" i="1">
+                                <a:solidFill>
+                                  <a:srgbClr val="FF0000"/>
+                                </a:solidFill>
+                                <a:latin typeface="Cambria Math" panose="02040503050406030204" pitchFamily="18" charset="0"/>
+                              </a:rPr>
+                              <m:t>0</m:t>
+                            </m:r>
+                          </m:sub>
+                        </m:sSub>
+                        <m:r>
+                          <a:rPr lang="en-US" i="1">
+                            <a:solidFill>
+                              <a:srgbClr val="FF0000"/>
+                            </a:solidFill>
+                            <a:latin typeface="Cambria Math" panose="02040503050406030204" pitchFamily="18" charset="0"/>
+                          </a:rPr>
+                          <m:t>∩</m:t>
+                        </m:r>
+                        <m:sSub>
+                          <m:sSubPr>
+                            <m:ctrlPr>
+                              <a:rPr lang="en-US" i="1">
+                                <a:solidFill>
+                                  <a:srgbClr val="FF0000"/>
+                                </a:solidFill>
+                                <a:latin typeface="Cambria Math" panose="02040503050406030204" pitchFamily="18" charset="0"/>
+                              </a:rPr>
+                            </m:ctrlPr>
+                          </m:sSubPr>
+                          <m:e>
+                            <m:r>
+                              <a:rPr lang="en-US" i="1">
+                                <a:solidFill>
+                                  <a:srgbClr val="FF0000"/>
+                                </a:solidFill>
+                                <a:latin typeface="Cambria Math" panose="02040503050406030204" pitchFamily="18" charset="0"/>
+                              </a:rPr>
+                              <m:t>𝐸</m:t>
+                            </m:r>
+                          </m:e>
+                          <m:sub>
+                            <m:r>
+                              <a:rPr lang="en-US" i="1">
+                                <a:solidFill>
+                                  <a:srgbClr val="FF0000"/>
+                                </a:solidFill>
+                                <a:latin typeface="Cambria Math" panose="02040503050406030204" pitchFamily="18" charset="0"/>
+                              </a:rPr>
+                              <m:t>1</m:t>
+                            </m:r>
+                          </m:sub>
+                        </m:sSub>
+                      </m:e>
+                    </m:d>
+                    <m:r>
+                      <a:rPr lang="en-US" i="1">
+                        <a:solidFill>
+                          <a:schemeClr val="tx1"/>
+                        </a:solidFill>
+                        <a:latin typeface="Cambria Math" panose="02040503050406030204" pitchFamily="18" charset="0"/>
+                      </a:rPr>
+                      <m:t>⊆</m:t>
+                    </m:r>
+                    <m:bar>
+                      <m:barPr>
+                        <m:pos m:val="top"/>
+                        <m:ctrlPr>
+                          <a:rPr lang="en-US" i="1">
+                            <a:solidFill>
+                              <a:schemeClr val="tx1"/>
+                            </a:solidFill>
+                            <a:latin typeface="Cambria Math" panose="02040503050406030204" pitchFamily="18" charset="0"/>
+                          </a:rPr>
+                        </m:ctrlPr>
+                      </m:barPr>
+                      <m:e>
+                        <m:r>
+                          <a:rPr lang="en-US" i="1">
+                            <a:solidFill>
+                              <a:schemeClr val="tx1"/>
+                            </a:solidFill>
+                            <a:latin typeface="Cambria Math" panose="02040503050406030204" pitchFamily="18" charset="0"/>
+                          </a:rPr>
+                          <m:t>𝜇</m:t>
+                        </m:r>
+                      </m:e>
+                    </m:bar>
+                    <m:d>
+                      <m:dPr>
+                        <m:ctrlPr>
+                          <a:rPr lang="en-US" i="1">
+                            <a:solidFill>
+                              <a:schemeClr val="tx1"/>
+                            </a:solidFill>
+                            <a:latin typeface="Cambria Math" panose="02040503050406030204" pitchFamily="18" charset="0"/>
+                          </a:rPr>
+                        </m:ctrlPr>
+                      </m:dPr>
+                      <m:e>
+                        <m:sSub>
+                          <m:sSubPr>
+                            <m:ctrlPr>
+                              <a:rPr lang="en-US" i="1">
+                                <a:solidFill>
+                                  <a:schemeClr val="tx1"/>
+                                </a:solidFill>
+                                <a:latin typeface="Cambria Math" panose="02040503050406030204" pitchFamily="18" charset="0"/>
+                              </a:rPr>
+                            </m:ctrlPr>
+                          </m:sSubPr>
+                          <m:e>
+                            <m:r>
+                              <a:rPr lang="en-US" i="1">
+                                <a:solidFill>
+                                  <a:schemeClr val="tx1"/>
+                                </a:solidFill>
+                                <a:latin typeface="Cambria Math" panose="02040503050406030204" pitchFamily="18" charset="0"/>
+                              </a:rPr>
+                              <m:t>𝐸</m:t>
+                            </m:r>
+                          </m:e>
+                          <m:sub>
+                            <m:r>
+                              <a:rPr lang="en-US" i="1">
+                                <a:solidFill>
+                                  <a:schemeClr val="tx1"/>
+                                </a:solidFill>
+                                <a:latin typeface="Cambria Math" panose="02040503050406030204" pitchFamily="18" charset="0"/>
+                              </a:rPr>
+                              <m:t>0</m:t>
+                            </m:r>
+                          </m:sub>
+                        </m:sSub>
+                      </m:e>
+                    </m:d>
+                    <m:r>
+                      <a:rPr lang="en-US" i="1">
+                        <a:solidFill>
+                          <a:schemeClr val="tx1"/>
+                        </a:solidFill>
+                        <a:latin typeface="Cambria Math" panose="02040503050406030204" pitchFamily="18" charset="0"/>
+                      </a:rPr>
+                      <m:t>+</m:t>
+                    </m:r>
+                    <m:bar>
+                      <m:barPr>
+                        <m:pos m:val="top"/>
+                        <m:ctrlPr>
+                          <a:rPr lang="en-US" i="1">
+                            <a:solidFill>
+                              <a:schemeClr val="tx1"/>
+                            </a:solidFill>
+                            <a:latin typeface="Cambria Math" panose="02040503050406030204" pitchFamily="18" charset="0"/>
+                          </a:rPr>
+                        </m:ctrlPr>
+                      </m:barPr>
+                      <m:e>
+                        <m:r>
+                          <a:rPr lang="en-US" i="1">
+                            <a:solidFill>
+                              <a:schemeClr val="tx1"/>
+                            </a:solidFill>
+                            <a:latin typeface="Cambria Math" panose="02040503050406030204" pitchFamily="18" charset="0"/>
+                          </a:rPr>
+                          <m:t>𝜇</m:t>
+                        </m:r>
+                      </m:e>
+                    </m:bar>
+                    <m:d>
+                      <m:dPr>
+                        <m:ctrlPr>
+                          <a:rPr lang="en-US" i="1">
+                            <a:solidFill>
+                              <a:schemeClr val="tx1"/>
+                            </a:solidFill>
+                            <a:latin typeface="Cambria Math" panose="02040503050406030204" pitchFamily="18" charset="0"/>
+                          </a:rPr>
+                        </m:ctrlPr>
+                      </m:dPr>
+                      <m:e>
+                        <m:sSub>
+                          <m:sSubPr>
+                            <m:ctrlPr>
+                              <a:rPr lang="en-US" i="1">
+                                <a:solidFill>
+                                  <a:schemeClr val="tx1"/>
+                                </a:solidFill>
+                                <a:latin typeface="Cambria Math" panose="02040503050406030204" pitchFamily="18" charset="0"/>
+                              </a:rPr>
+                            </m:ctrlPr>
+                          </m:sSubPr>
+                          <m:e>
+                            <m:r>
+                              <a:rPr lang="en-US" i="1">
+                                <a:solidFill>
+                                  <a:schemeClr val="tx1"/>
+                                </a:solidFill>
+                                <a:latin typeface="Cambria Math" panose="02040503050406030204" pitchFamily="18" charset="0"/>
+                              </a:rPr>
+                              <m:t>𝐸</m:t>
+                            </m:r>
+                          </m:e>
+                          <m:sub>
+                            <m:r>
+                              <a:rPr lang="en-US" i="1">
+                                <a:solidFill>
+                                  <a:schemeClr val="tx1"/>
+                                </a:solidFill>
+                                <a:latin typeface="Cambria Math" panose="02040503050406030204" pitchFamily="18" charset="0"/>
+                              </a:rPr>
+                              <m:t>1</m:t>
+                            </m:r>
+                          </m:sub>
+                        </m:sSub>
+                      </m:e>
+                    </m:d>
+                  </m:oMath>
+                </a14:m>
+                <a:r>
+                  <a:rPr lang="en-US" dirty="0">
+                    <a:solidFill>
+                      <a:schemeClr val="tx1"/>
+                    </a:solidFill>
+                  </a:rPr>
+                  <a:t/>
+                </a:r>
+                <a:br>
+                  <a:rPr lang="en-US" dirty="0">
+                    <a:solidFill>
+                      <a:schemeClr val="tx1"/>
+                    </a:solidFill>
+                  </a:rPr>
+                </a:br>
+                <a:r>
+                  <a:rPr lang="en-US" dirty="0">
+                    <a:solidFill>
+                      <a:schemeClr val="tx1"/>
+                    </a:solidFill>
+                  </a:rPr>
+                  <a:t>for any events </a:t>
+                </a:r>
+                <a14:m>
+                  <m:oMath xmlns:m="http://schemas.openxmlformats.org/officeDocument/2006/math">
+                    <m:sSub>
+                      <m:sSubPr>
+                        <m:ctrlPr>
+                          <a:rPr lang="en-US" i="1">
+                            <a:solidFill>
+                              <a:schemeClr val="tx1"/>
+                            </a:solidFill>
+                            <a:latin typeface="Cambria Math" panose="02040503050406030204" pitchFamily="18" charset="0"/>
+                          </a:rPr>
+                        </m:ctrlPr>
+                      </m:sSubPr>
+                      <m:e>
+                        <m:r>
+                          <a:rPr lang="en-US" i="1">
+                            <a:solidFill>
+                              <a:schemeClr val="tx1"/>
+                            </a:solidFill>
+                            <a:latin typeface="Cambria Math" panose="02040503050406030204" pitchFamily="18" charset="0"/>
+                          </a:rPr>
+                          <m:t>𝐸</m:t>
+                        </m:r>
+                      </m:e>
+                      <m:sub>
+                        <m:r>
+                          <a:rPr lang="en-US" i="1">
+                            <a:solidFill>
+                              <a:schemeClr val="tx1"/>
+                            </a:solidFill>
+                            <a:latin typeface="Cambria Math" panose="02040503050406030204" pitchFamily="18" charset="0"/>
+                          </a:rPr>
+                          <m:t>0</m:t>
+                        </m:r>
+                      </m:sub>
+                    </m:sSub>
+                  </m:oMath>
+                </a14:m>
+                <a:r>
+                  <a:rPr lang="en-US" dirty="0">
+                    <a:solidFill>
+                      <a:schemeClr val="tx1"/>
+                    </a:solidFill>
+                  </a:rPr>
+                  <a:t> and </a:t>
+                </a:r>
+                <a14:m>
+                  <m:oMath xmlns:m="http://schemas.openxmlformats.org/officeDocument/2006/math">
+                    <m:sSub>
+                      <m:sSubPr>
+                        <m:ctrlPr>
+                          <a:rPr lang="en-US" i="1">
+                            <a:solidFill>
+                              <a:schemeClr val="tx1"/>
+                            </a:solidFill>
+                            <a:latin typeface="Cambria Math" panose="02040503050406030204" pitchFamily="18" charset="0"/>
+                          </a:rPr>
+                        </m:ctrlPr>
+                      </m:sSubPr>
+                      <m:e>
+                        <m:r>
+                          <a:rPr lang="en-US" i="1">
+                            <a:solidFill>
+                              <a:schemeClr val="tx1"/>
+                            </a:solidFill>
+                            <a:latin typeface="Cambria Math" panose="02040503050406030204" pitchFamily="18" charset="0"/>
+                          </a:rPr>
+                          <m:t>𝐸</m:t>
+                        </m:r>
+                      </m:e>
+                      <m:sub>
+                        <m:r>
+                          <a:rPr lang="en-US" i="1">
+                            <a:solidFill>
+                              <a:schemeClr val="tx1"/>
+                            </a:solidFill>
+                            <a:latin typeface="Cambria Math" panose="02040503050406030204" pitchFamily="18" charset="0"/>
+                          </a:rPr>
+                          <m:t>1</m:t>
+                        </m:r>
+                      </m:sub>
+                    </m:sSub>
+                  </m:oMath>
+                </a14:m>
+                <a:r>
+                  <a:rPr lang="en-US" dirty="0">
+                    <a:solidFill>
+                      <a:schemeClr val="tx1"/>
+                    </a:solidFill>
+                  </a:rPr>
+                  <a:t>.</a:t>
+                </a:r>
+              </a:p>
+              <a:p>
+                <a:endParaRPr lang="en-US" dirty="0"/>
+              </a:p>
+            </p:txBody>
+          </p:sp>
+        </mc:Choice>
+        <mc:Fallback>
+          <p:sp>
+            <p:nvSpPr>
+              <p:cNvPr id="4" name="Content Placeholder 3"/>
+              <p:cNvSpPr>
+                <a:spLocks noGrp="1" noRot="1" noChangeAspect="1" noMove="1" noResize="1" noEditPoints="1" noAdjustHandles="1" noChangeArrowheads="1" noChangeShapeType="1" noTextEdit="1"/>
+              </p:cNvSpPr>
+              <p:nvPr>
+                <p:ph sz="half" idx="2"/>
+              </p:nvPr>
+            </p:nvSpPr>
+            <p:spPr>
+              <a:blipFill rotWithShape="0">
+                <a:blip r:embed="rId2"/>
+                <a:stretch>
+                  <a:fillRect l="-2128"/>
+                </a:stretch>
+              </a:blipFill>
+            </p:spPr>
+            <p:txBody>
+              <a:bodyPr/>
+              <a:lstStyle/>
+              <a:p>
+                <a:r>
+                  <a:rPr lang="en-US">
+                    <a:noFill/>
+                  </a:rPr>
+                  <a:t> </a:t>
+                </a:r>
+              </a:p>
+            </p:txBody>
+          </p:sp>
+        </mc:Fallback>
+      </mc:AlternateContent>
+      <p:sp>
+        <p:nvSpPr>
+          <p:cNvPr id="5" name="Text Placeholder 4"/>
+          <p:cNvSpPr>
+            <a:spLocks noGrp="1"/>
+          </p:cNvSpPr>
+          <p:nvPr>
+            <p:ph type="body" sz="quarter" idx="3"/>
+          </p:nvPr>
+        </p:nvSpPr>
+        <p:spPr/>
+        <p:txBody>
+          <a:bodyPr/>
+          <a:lstStyle/>
+          <a:p>
+            <a:r>
+              <a:rPr lang="en-US" dirty="0" smtClean="0">
+                <a:solidFill>
+                  <a:srgbClr val="FF0000"/>
+                </a:solidFill>
+              </a:rPr>
+              <a:t>Quantum</a:t>
+            </a:r>
+            <a:r>
+              <a:rPr lang="en-US" dirty="0" smtClean="0"/>
+              <a:t> </a:t>
+            </a:r>
+            <a:r>
+              <a:rPr lang="en-US" dirty="0"/>
+              <a:t>Interval-Valued Probability Measure </a:t>
+            </a:r>
+            <a:r>
+              <a:rPr lang="en-US" dirty="0" smtClean="0"/>
+              <a:t>(</a:t>
+            </a:r>
+            <a:r>
+              <a:rPr lang="en-US" dirty="0" smtClean="0">
+                <a:solidFill>
+                  <a:srgbClr val="FF0000"/>
+                </a:solidFill>
+              </a:rPr>
+              <a:t>Q</a:t>
+            </a:r>
+            <a:r>
+              <a:rPr lang="en-US" dirty="0" smtClean="0"/>
+              <a:t>IVPM)</a:t>
+            </a:r>
+            <a:endParaRPr lang="en-US" dirty="0"/>
+          </a:p>
+        </p:txBody>
+      </p:sp>
+      <mc:AlternateContent xmlns:mc="http://schemas.openxmlformats.org/markup-compatibility/2006">
+        <mc:Choice xmlns:a14="http://schemas.microsoft.com/office/drawing/2010/main" Requires="a14">
+          <p:sp>
+            <p:nvSpPr>
+              <p:cNvPr id="6" name="Content Placeholder 5"/>
+              <p:cNvSpPr>
+                <a:spLocks noGrp="1"/>
+              </p:cNvSpPr>
+              <p:nvPr>
+                <p:ph sz="quarter" idx="4"/>
+              </p:nvPr>
+            </p:nvSpPr>
+            <p:spPr/>
+            <p:txBody>
+              <a:bodyPr>
+                <a:normAutofit lnSpcReduction="10000"/>
+              </a:bodyPr>
+              <a:lstStyle/>
+              <a:p>
+                <a:pPr>
+                  <a:lnSpc>
+                    <a:spcPct val="100000"/>
+                  </a:lnSpc>
+                </a:pPr>
+                <a14:m>
+                  <m:oMath xmlns:m="http://schemas.openxmlformats.org/officeDocument/2006/math">
+                    <m:r>
+                      <a:rPr lang="en-US" i="1" smtClean="0">
+                        <a:latin typeface="Cambria Math" panose="02040503050406030204" pitchFamily="18" charset="0"/>
+                        <a:ea typeface="Cambria Math" panose="02040503050406030204" pitchFamily="18" charset="0"/>
+                      </a:rPr>
+                      <m:t>ℰ</m:t>
+                    </m:r>
+                    <m:r>
+                      <a:rPr lang="en-US" i="1" smtClean="0">
+                        <a:latin typeface="Cambria Math" panose="02040503050406030204" pitchFamily="18" charset="0"/>
+                        <a:ea typeface="Cambria Math" panose="02040503050406030204" pitchFamily="18" charset="0"/>
+                      </a:rPr>
+                      <m:t>={</m:t>
+                    </m:r>
+                    <m:r>
+                      <m:rPr>
+                        <m:nor/>
+                      </m:rPr>
+                      <a:rPr lang="en-US">
+                        <a:solidFill>
+                          <a:srgbClr val="FF0000"/>
+                        </a:solidFill>
+                        <a:latin typeface="Cambria Math" panose="02040503050406030204" pitchFamily="18" charset="0"/>
+                        <a:ea typeface="Cambria Math" panose="02040503050406030204" pitchFamily="18" charset="0"/>
+                      </a:rPr>
+                      <m:t>all</m:t>
+                    </m:r>
+                    <m:r>
+                      <m:rPr>
+                        <m:nor/>
+                      </m:rPr>
+                      <a:rPr lang="en-US">
+                        <a:solidFill>
+                          <a:srgbClr val="FF0000"/>
+                        </a:solidFill>
+                        <a:latin typeface="Cambria Math" panose="02040503050406030204" pitchFamily="18" charset="0"/>
+                        <a:ea typeface="Cambria Math" panose="02040503050406030204" pitchFamily="18" charset="0"/>
+                      </a:rPr>
+                      <m:t> </m:t>
+                    </m:r>
+                    <m:r>
+                      <m:rPr>
+                        <m:nor/>
+                      </m:rPr>
+                      <a:rPr lang="en-US">
+                        <a:solidFill>
+                          <a:srgbClr val="FF0000"/>
+                        </a:solidFill>
+                        <a:latin typeface="Cambria Math" panose="02040503050406030204" pitchFamily="18" charset="0"/>
+                        <a:ea typeface="Cambria Math" panose="02040503050406030204" pitchFamily="18" charset="0"/>
+                      </a:rPr>
+                      <m:t>projectors</m:t>
+                    </m:r>
+                    <m:r>
+                      <m:rPr>
+                        <m:nor/>
+                      </m:rPr>
+                      <a:rPr lang="en-US">
+                        <a:solidFill>
+                          <a:srgbClr val="FF0000"/>
+                        </a:solidFill>
+                        <a:latin typeface="Cambria Math" panose="02040503050406030204" pitchFamily="18" charset="0"/>
+                        <a:ea typeface="Cambria Math" panose="02040503050406030204" pitchFamily="18" charset="0"/>
+                      </a:rPr>
+                      <m:t> </m:t>
+                    </m:r>
+                    <m:r>
+                      <m:rPr>
+                        <m:nor/>
+                      </m:rPr>
+                      <a:rPr lang="en-US">
+                        <a:solidFill>
+                          <a:srgbClr val="FF0000"/>
+                        </a:solidFill>
+                        <a:latin typeface="Cambria Math" panose="02040503050406030204" pitchFamily="18" charset="0"/>
+                        <a:ea typeface="Cambria Math" panose="02040503050406030204" pitchFamily="18" charset="0"/>
+                      </a:rPr>
+                      <m:t>on</m:t>
+                    </m:r>
+                    <m:r>
+                      <m:rPr>
+                        <m:nor/>
+                      </m:rPr>
+                      <a:rPr lang="en-US">
+                        <a:solidFill>
+                          <a:srgbClr val="FF0000"/>
+                        </a:solidFill>
+                        <a:latin typeface="Cambria Math" panose="02040503050406030204" pitchFamily="18" charset="0"/>
+                        <a:ea typeface="Cambria Math" panose="02040503050406030204" pitchFamily="18" charset="0"/>
+                      </a:rPr>
+                      <m:t> </m:t>
+                    </m:r>
+                    <m:r>
+                      <m:rPr>
+                        <m:nor/>
+                      </m:rPr>
+                      <a:rPr lang="en-US">
+                        <a:solidFill>
+                          <a:srgbClr val="FF0000"/>
+                        </a:solidFill>
+                        <a:latin typeface="Cambria Math" panose="02040503050406030204" pitchFamily="18" charset="0"/>
+                        <a:ea typeface="Cambria Math" panose="02040503050406030204" pitchFamily="18" charset="0"/>
+                      </a:rPr>
+                      <m:t>a</m:t>
+                    </m:r>
+                    <m:r>
+                      <m:rPr>
+                        <m:nor/>
+                      </m:rPr>
+                      <a:rPr lang="en-US">
+                        <a:solidFill>
+                          <a:srgbClr val="FF0000"/>
+                        </a:solidFill>
+                        <a:latin typeface="Cambria Math" panose="02040503050406030204" pitchFamily="18" charset="0"/>
+                        <a:ea typeface="Cambria Math" panose="02040503050406030204" pitchFamily="18" charset="0"/>
+                      </a:rPr>
+                      <m:t> </m:t>
+                    </m:r>
+                    <m:r>
+                      <m:rPr>
+                        <m:nor/>
+                      </m:rPr>
+                      <a:rPr lang="en-US">
+                        <a:solidFill>
+                          <a:srgbClr val="FF0000"/>
+                        </a:solidFill>
+                        <a:latin typeface="Cambria Math" panose="02040503050406030204" pitchFamily="18" charset="0"/>
+                        <a:ea typeface="Cambria Math" panose="02040503050406030204" pitchFamily="18" charset="0"/>
+                      </a:rPr>
+                      <m:t>linear</m:t>
+                    </m:r>
+                    <m:r>
+                      <m:rPr>
+                        <m:nor/>
+                      </m:rPr>
+                      <a:rPr lang="en-US">
+                        <a:solidFill>
+                          <a:srgbClr val="FF0000"/>
+                        </a:solidFill>
+                        <a:latin typeface="Cambria Math" panose="02040503050406030204" pitchFamily="18" charset="0"/>
+                        <a:ea typeface="Cambria Math" panose="02040503050406030204" pitchFamily="18" charset="0"/>
+                      </a:rPr>
+                      <m:t> </m:t>
+                    </m:r>
+                    <m:r>
+                      <m:rPr>
+                        <m:nor/>
+                      </m:rPr>
+                      <a:rPr lang="en-US">
+                        <a:solidFill>
+                          <a:srgbClr val="FF0000"/>
+                        </a:solidFill>
+                        <a:latin typeface="Cambria Math" panose="02040503050406030204" pitchFamily="18" charset="0"/>
+                        <a:ea typeface="Cambria Math" panose="02040503050406030204" pitchFamily="18" charset="0"/>
+                      </a:rPr>
+                      <m:t>subspace</m:t>
+                    </m:r>
+                    <m:r>
+                      <m:rPr>
+                        <m:nor/>
+                      </m:rPr>
+                      <a:rPr lang="en-US">
+                        <a:solidFill>
+                          <a:srgbClr val="FF0000"/>
+                        </a:solidFill>
+                        <a:latin typeface="Cambria Math" panose="02040503050406030204" pitchFamily="18" charset="0"/>
+                        <a:ea typeface="Cambria Math" panose="02040503050406030204" pitchFamily="18" charset="0"/>
+                      </a:rPr>
+                      <m:t> </m:t>
+                    </m:r>
+                    <m:r>
+                      <m:rPr>
+                        <m:nor/>
+                      </m:rPr>
+                      <a:rPr lang="en-US">
+                        <a:solidFill>
+                          <a:srgbClr val="FF0000"/>
+                        </a:solidFill>
+                        <a:latin typeface="Cambria Math" panose="02040503050406030204" pitchFamily="18" charset="0"/>
+                        <a:ea typeface="Cambria Math" panose="02040503050406030204" pitchFamily="18" charset="0"/>
+                      </a:rPr>
+                      <m:t>of</m:t>
+                    </m:r>
+                    <m:r>
+                      <m:rPr>
+                        <m:nor/>
+                      </m:rPr>
+                      <a:rPr lang="en-US">
+                        <a:solidFill>
+                          <a:srgbClr val="FF0000"/>
+                        </a:solidFill>
+                        <a:latin typeface="Cambria Math" panose="02040503050406030204" pitchFamily="18" charset="0"/>
+                        <a:ea typeface="Cambria Math" panose="02040503050406030204" pitchFamily="18" charset="0"/>
+                      </a:rPr>
+                      <m:t> </m:t>
+                    </m:r>
+                    <m:r>
+                      <m:rPr>
+                        <m:nor/>
+                      </m:rPr>
+                      <a:rPr lang="en-US">
+                        <a:solidFill>
+                          <a:srgbClr val="FF0000"/>
+                        </a:solidFill>
+                        <a:latin typeface="Cambria Math" panose="02040503050406030204" pitchFamily="18" charset="0"/>
+                        <a:ea typeface="Cambria Math" panose="02040503050406030204" pitchFamily="18" charset="0"/>
+                      </a:rPr>
+                      <m:t>the</m:t>
+                    </m:r>
+                    <m:r>
+                      <m:rPr>
+                        <m:nor/>
+                      </m:rPr>
+                      <a:rPr lang="en-US">
+                        <a:solidFill>
+                          <a:srgbClr val="FF0000"/>
+                        </a:solidFill>
+                        <a:latin typeface="Cambria Math" panose="02040503050406030204" pitchFamily="18" charset="0"/>
+                        <a:ea typeface="Cambria Math" panose="02040503050406030204" pitchFamily="18" charset="0"/>
+                      </a:rPr>
+                      <m:t> </m:t>
+                    </m:r>
+                    <m:r>
+                      <m:rPr>
+                        <m:nor/>
+                      </m:rPr>
+                      <a:rPr lang="en-US">
+                        <a:solidFill>
+                          <a:srgbClr val="FF0000"/>
+                        </a:solidFill>
+                        <a:latin typeface="Cambria Math" panose="02040503050406030204" pitchFamily="18" charset="0"/>
+                        <a:ea typeface="Cambria Math" panose="02040503050406030204" pitchFamily="18" charset="0"/>
+                      </a:rPr>
+                      <m:t>Hilbert</m:t>
+                    </m:r>
+                    <m:r>
+                      <m:rPr>
+                        <m:nor/>
+                      </m:rPr>
+                      <a:rPr lang="en-US">
+                        <a:solidFill>
+                          <a:srgbClr val="FF0000"/>
+                        </a:solidFill>
+                        <a:latin typeface="Cambria Math" panose="02040503050406030204" pitchFamily="18" charset="0"/>
+                        <a:ea typeface="Cambria Math" panose="02040503050406030204" pitchFamily="18" charset="0"/>
+                      </a:rPr>
+                      <m:t> </m:t>
+                    </m:r>
+                    <m:r>
+                      <m:rPr>
+                        <m:nor/>
+                      </m:rPr>
+                      <a:rPr lang="en-US">
+                        <a:solidFill>
+                          <a:srgbClr val="FF0000"/>
+                        </a:solidFill>
+                        <a:latin typeface="Cambria Math" panose="02040503050406030204" pitchFamily="18" charset="0"/>
+                        <a:ea typeface="Cambria Math" panose="02040503050406030204" pitchFamily="18" charset="0"/>
+                      </a:rPr>
+                      <m:t>space</m:t>
+                    </m:r>
+                    <m:r>
+                      <m:rPr>
+                        <m:nor/>
+                      </m:rPr>
+                      <a:rPr lang="en-US">
+                        <a:solidFill>
+                          <a:srgbClr val="FF0000"/>
+                        </a:solidFill>
+                        <a:latin typeface="Cambria Math" panose="02040503050406030204" pitchFamily="18" charset="0"/>
+                        <a:ea typeface="Cambria Math" panose="02040503050406030204" pitchFamily="18" charset="0"/>
+                      </a:rPr>
+                      <m:t> </m:t>
+                    </m:r>
+                    <m:r>
+                      <a:rPr lang="el-GR" i="1">
+                        <a:solidFill>
+                          <a:srgbClr val="FF0000"/>
+                        </a:solidFill>
+                        <a:latin typeface="Cambria Math" panose="02040503050406030204" pitchFamily="18" charset="0"/>
+                        <a:ea typeface="Cambria Math" panose="02040503050406030204" pitchFamily="18" charset="0"/>
+                      </a:rPr>
+                      <m:t>ℋ</m:t>
+                    </m:r>
+                    <m:r>
+                      <a:rPr lang="el-GR" i="1">
+                        <a:solidFill>
+                          <a:srgbClr val="FF0000"/>
+                        </a:solidFill>
+                        <a:latin typeface="Cambria Math" panose="02040503050406030204" pitchFamily="18" charset="0"/>
+                        <a:ea typeface="Cambria Math" panose="02040503050406030204" pitchFamily="18" charset="0"/>
+                      </a:rPr>
+                      <m:t>}</m:t>
+                    </m:r>
+                  </m:oMath>
+                </a14:m>
+                <a:endParaRPr lang="en-US" dirty="0">
+                  <a:latin typeface="Cambria Math" panose="02040503050406030204" pitchFamily="18" charset="0"/>
+                  <a:ea typeface="Cambria Math" panose="02040503050406030204" pitchFamily="18" charset="0"/>
+                </a:endParaRPr>
+              </a:p>
+              <a:p>
+                <a:pPr>
+                  <a:lnSpc>
+                    <a:spcPct val="100000"/>
+                  </a:lnSpc>
+                </a:pPr>
+                <a14:m>
+                  <m:oMath xmlns:m="http://schemas.openxmlformats.org/officeDocument/2006/math">
+                    <m:bar>
+                      <m:barPr>
+                        <m:pos m:val="top"/>
+                        <m:ctrlPr>
+                          <a:rPr lang="en-US" i="1">
+                            <a:latin typeface="Cambria Math" panose="02040503050406030204" pitchFamily="18" charset="0"/>
+                          </a:rPr>
+                        </m:ctrlPr>
+                      </m:barPr>
+                      <m:e>
+                        <m:r>
+                          <a:rPr lang="en-US" i="1">
+                            <a:latin typeface="Cambria Math" panose="02040503050406030204" pitchFamily="18" charset="0"/>
+                          </a:rPr>
+                          <m:t>𝜇</m:t>
+                        </m:r>
+                      </m:e>
+                    </m:bar>
+                    <m:r>
+                      <a:rPr lang="en-US" i="1">
+                        <a:latin typeface="Cambria Math" panose="02040503050406030204" pitchFamily="18" charset="0"/>
+                      </a:rPr>
+                      <m:t>:</m:t>
+                    </m:r>
+                    <m:r>
+                      <a:rPr lang="en-US" i="1">
+                        <a:latin typeface="Cambria Math" panose="02040503050406030204" pitchFamily="18" charset="0"/>
+                        <a:ea typeface="Cambria Math" panose="02040503050406030204" pitchFamily="18" charset="0"/>
+                      </a:rPr>
+                      <m:t>ℰ</m:t>
+                    </m:r>
+                    <m:r>
+                      <a:rPr lang="en-US">
+                        <a:latin typeface="Cambria Math" panose="02040503050406030204" pitchFamily="18" charset="0"/>
+                        <a:ea typeface="Cambria Math" panose="02040503050406030204" pitchFamily="18" charset="0"/>
+                      </a:rPr>
+                      <m:t>→</m:t>
+                    </m:r>
+                    <m:r>
+                      <a:rPr lang="en-US" i="1">
+                        <a:latin typeface="XITS Math" panose="02000503000000000000" pitchFamily="50" charset="0"/>
+                        <a:ea typeface="XITS Math" panose="02000503000000000000" pitchFamily="50" charset="0"/>
+                        <a:cs typeface="XITS Math" panose="02000503000000000000" pitchFamily="50" charset="0"/>
+                      </a:rPr>
+                      <m:t>ℐ</m:t>
+                    </m:r>
+                  </m:oMath>
+                </a14:m>
+                <a:endParaRPr lang="en-US" dirty="0" smtClean="0"/>
+              </a:p>
+              <a:p>
+                <a:pPr>
+                  <a:lnSpc>
+                    <a:spcPct val="100000"/>
+                  </a:lnSpc>
+                </a:pPr>
+                <a:r>
+                  <a:rPr lang="en-US" i="1" dirty="0"/>
+                  <a:t>convexity</a:t>
+                </a:r>
+                <a:r>
+                  <a:rPr lang="en-US" dirty="0"/>
+                  <a:t> condition:</a:t>
+                </a:r>
+                <a:br>
+                  <a:rPr lang="en-US" dirty="0"/>
+                </a:br>
+                <a14:m>
+                  <m:oMath xmlns:m="http://schemas.openxmlformats.org/officeDocument/2006/math">
+                    <m:bar>
+                      <m:barPr>
+                        <m:pos m:val="top"/>
+                        <m:ctrlPr>
+                          <a:rPr lang="en-US" i="1">
+                            <a:latin typeface="Cambria Math" panose="02040503050406030204" pitchFamily="18" charset="0"/>
+                          </a:rPr>
+                        </m:ctrlPr>
+                      </m:barPr>
+                      <m:e>
+                        <m:r>
+                          <a:rPr lang="en-US" i="1">
+                            <a:latin typeface="Cambria Math" panose="02040503050406030204" pitchFamily="18" charset="0"/>
+                          </a:rPr>
+                          <m:t>𝜇</m:t>
+                        </m:r>
+                      </m:e>
+                    </m:bar>
+                    <m:d>
+                      <m:dPr>
+                        <m:ctrlPr>
+                          <a:rPr lang="en-US" i="1">
+                            <a:latin typeface="Cambria Math" panose="02040503050406030204" pitchFamily="18" charset="0"/>
+                          </a:rPr>
+                        </m:ctrlPr>
+                      </m:dPr>
+                      <m:e>
+                        <m:sSub>
+                          <m:sSubPr>
+                            <m:ctrlPr>
+                              <a:rPr lang="en-US" i="1" smtClean="0">
+                                <a:solidFill>
+                                  <a:srgbClr val="FF0000"/>
+                                </a:solidFill>
+                                <a:latin typeface="Cambria Math" panose="02040503050406030204" pitchFamily="18" charset="0"/>
+                              </a:rPr>
+                            </m:ctrlPr>
+                          </m:sSubPr>
+                          <m:e>
+                            <m:r>
+                              <a:rPr lang="en-US" b="0" i="1" smtClean="0">
+                                <a:solidFill>
+                                  <a:srgbClr val="FF0000"/>
+                                </a:solidFill>
+                                <a:latin typeface="Cambria Math" panose="02040503050406030204" pitchFamily="18" charset="0"/>
+                              </a:rPr>
+                              <m:t>𝑃</m:t>
+                            </m:r>
+                          </m:e>
+                          <m:sub>
+                            <m:r>
+                              <a:rPr lang="en-US" i="1">
+                                <a:solidFill>
+                                  <a:srgbClr val="FF0000"/>
+                                </a:solidFill>
+                                <a:latin typeface="Cambria Math" panose="02040503050406030204" pitchFamily="18" charset="0"/>
+                              </a:rPr>
+                              <m:t>0</m:t>
+                            </m:r>
+                          </m:sub>
+                        </m:sSub>
+                        <m:r>
+                          <a:rPr lang="en-US" b="0" i="1" smtClean="0">
+                            <a:solidFill>
+                              <a:srgbClr val="FF0000"/>
+                            </a:solidFill>
+                            <a:latin typeface="Cambria Math" panose="02040503050406030204" pitchFamily="18" charset="0"/>
+                            <a:ea typeface="Cambria Math" panose="02040503050406030204" pitchFamily="18" charset="0"/>
+                          </a:rPr>
+                          <m:t>∨</m:t>
+                        </m:r>
+                        <m:sSub>
+                          <m:sSubPr>
+                            <m:ctrlPr>
+                              <a:rPr lang="en-US" i="1">
+                                <a:solidFill>
+                                  <a:srgbClr val="FF0000"/>
+                                </a:solidFill>
+                                <a:latin typeface="Cambria Math" panose="02040503050406030204" pitchFamily="18" charset="0"/>
+                              </a:rPr>
+                            </m:ctrlPr>
+                          </m:sSubPr>
+                          <m:e>
+                            <m:r>
+                              <a:rPr lang="en-US" b="0" i="1" smtClean="0">
+                                <a:solidFill>
+                                  <a:srgbClr val="FF0000"/>
+                                </a:solidFill>
+                                <a:latin typeface="Cambria Math" panose="02040503050406030204" pitchFamily="18" charset="0"/>
+                              </a:rPr>
+                              <m:t>𝑃</m:t>
+                            </m:r>
+                          </m:e>
+                          <m:sub>
+                            <m:r>
+                              <a:rPr lang="en-US" i="1">
+                                <a:solidFill>
+                                  <a:srgbClr val="FF0000"/>
+                                </a:solidFill>
+                                <a:latin typeface="Cambria Math" panose="02040503050406030204" pitchFamily="18" charset="0"/>
+                              </a:rPr>
+                              <m:t>1</m:t>
+                            </m:r>
+                          </m:sub>
+                        </m:sSub>
+                      </m:e>
+                    </m:d>
+                    <m:r>
+                      <a:rPr lang="en-US" i="1">
+                        <a:latin typeface="Cambria Math" panose="02040503050406030204" pitchFamily="18" charset="0"/>
+                      </a:rPr>
+                      <m:t>+</m:t>
+                    </m:r>
+                    <m:bar>
+                      <m:barPr>
+                        <m:pos m:val="top"/>
+                        <m:ctrlPr>
+                          <a:rPr lang="en-US" i="1">
+                            <a:latin typeface="Cambria Math" panose="02040503050406030204" pitchFamily="18" charset="0"/>
+                          </a:rPr>
+                        </m:ctrlPr>
+                      </m:barPr>
+                      <m:e>
+                        <m:r>
+                          <a:rPr lang="en-US" i="1">
+                            <a:latin typeface="Cambria Math" panose="02040503050406030204" pitchFamily="18" charset="0"/>
+                          </a:rPr>
+                          <m:t>𝜇</m:t>
+                        </m:r>
+                      </m:e>
+                    </m:bar>
+                    <m:d>
+                      <m:dPr>
+                        <m:ctrlPr>
+                          <a:rPr lang="en-US" i="1">
+                            <a:latin typeface="Cambria Math" panose="02040503050406030204" pitchFamily="18" charset="0"/>
+                          </a:rPr>
+                        </m:ctrlPr>
+                      </m:dPr>
+                      <m:e>
+                        <m:sSub>
+                          <m:sSubPr>
+                            <m:ctrlPr>
+                              <a:rPr lang="en-US" i="1" smtClean="0">
+                                <a:solidFill>
+                                  <a:srgbClr val="FF0000"/>
+                                </a:solidFill>
+                                <a:latin typeface="Cambria Math" panose="02040503050406030204" pitchFamily="18" charset="0"/>
+                              </a:rPr>
+                            </m:ctrlPr>
+                          </m:sSubPr>
+                          <m:e>
+                            <m:r>
+                              <a:rPr lang="en-US" b="0" i="1" smtClean="0">
+                                <a:solidFill>
+                                  <a:srgbClr val="FF0000"/>
+                                </a:solidFill>
+                                <a:latin typeface="Cambria Math" panose="02040503050406030204" pitchFamily="18" charset="0"/>
+                              </a:rPr>
+                              <m:t>𝑃</m:t>
+                            </m:r>
+                          </m:e>
+                          <m:sub>
+                            <m:r>
+                              <a:rPr lang="en-US" i="1">
+                                <a:solidFill>
+                                  <a:srgbClr val="FF0000"/>
+                                </a:solidFill>
+                                <a:latin typeface="Cambria Math" panose="02040503050406030204" pitchFamily="18" charset="0"/>
+                              </a:rPr>
+                              <m:t>0</m:t>
+                            </m:r>
+                          </m:sub>
+                        </m:sSub>
+                        <m:sSub>
+                          <m:sSubPr>
+                            <m:ctrlPr>
+                              <a:rPr lang="en-US" i="1">
+                                <a:solidFill>
+                                  <a:srgbClr val="FF0000"/>
+                                </a:solidFill>
+                                <a:latin typeface="Cambria Math" panose="02040503050406030204" pitchFamily="18" charset="0"/>
+                              </a:rPr>
+                            </m:ctrlPr>
+                          </m:sSubPr>
+                          <m:e>
+                            <m:r>
+                              <a:rPr lang="en-US" b="0" i="1" smtClean="0">
+                                <a:solidFill>
+                                  <a:srgbClr val="FF0000"/>
+                                </a:solidFill>
+                                <a:latin typeface="Cambria Math" panose="02040503050406030204" pitchFamily="18" charset="0"/>
+                              </a:rPr>
+                              <m:t>𝑃</m:t>
+                            </m:r>
+                          </m:e>
+                          <m:sub>
+                            <m:r>
+                              <a:rPr lang="en-US" i="1">
+                                <a:solidFill>
+                                  <a:srgbClr val="FF0000"/>
+                                </a:solidFill>
+                                <a:latin typeface="Cambria Math" panose="02040503050406030204" pitchFamily="18" charset="0"/>
+                              </a:rPr>
+                              <m:t>1</m:t>
+                            </m:r>
+                          </m:sub>
+                        </m:sSub>
+                      </m:e>
+                    </m:d>
+                    <m:r>
+                      <a:rPr lang="en-US" i="1">
+                        <a:latin typeface="Cambria Math" panose="02040503050406030204" pitchFamily="18" charset="0"/>
+                      </a:rPr>
+                      <m:t>⊆</m:t>
+                    </m:r>
+                    <m:bar>
+                      <m:barPr>
+                        <m:pos m:val="top"/>
+                        <m:ctrlPr>
+                          <a:rPr lang="en-US" i="1">
+                            <a:latin typeface="Cambria Math" panose="02040503050406030204" pitchFamily="18" charset="0"/>
+                          </a:rPr>
+                        </m:ctrlPr>
+                      </m:barPr>
+                      <m:e>
+                        <m:r>
+                          <a:rPr lang="en-US" i="1">
+                            <a:latin typeface="Cambria Math" panose="02040503050406030204" pitchFamily="18" charset="0"/>
+                          </a:rPr>
+                          <m:t>𝜇</m:t>
+                        </m:r>
+                      </m:e>
+                    </m:bar>
+                    <m:d>
+                      <m:dPr>
+                        <m:ctrlPr>
+                          <a:rPr lang="en-US" i="1">
+                            <a:latin typeface="Cambria Math" panose="02040503050406030204" pitchFamily="18" charset="0"/>
+                          </a:rPr>
+                        </m:ctrlPr>
+                      </m:dPr>
+                      <m:e>
+                        <m:sSub>
+                          <m:sSubPr>
+                            <m:ctrlPr>
+                              <a:rPr lang="en-US" i="1">
+                                <a:latin typeface="Cambria Math" panose="02040503050406030204" pitchFamily="18" charset="0"/>
+                              </a:rPr>
+                            </m:ctrlPr>
+                          </m:sSubPr>
+                          <m:e>
+                            <m:r>
+                              <a:rPr lang="en-US" b="0" i="1" smtClean="0">
+                                <a:latin typeface="Cambria Math" panose="02040503050406030204" pitchFamily="18" charset="0"/>
+                              </a:rPr>
+                              <m:t>𝑃</m:t>
+                            </m:r>
+                          </m:e>
+                          <m:sub>
+                            <m:r>
+                              <a:rPr lang="en-US" i="1">
+                                <a:latin typeface="Cambria Math" panose="02040503050406030204" pitchFamily="18" charset="0"/>
+                              </a:rPr>
+                              <m:t>0</m:t>
+                            </m:r>
+                          </m:sub>
+                        </m:sSub>
+                      </m:e>
+                    </m:d>
+                    <m:r>
+                      <a:rPr lang="en-US" i="1">
+                        <a:latin typeface="Cambria Math" panose="02040503050406030204" pitchFamily="18" charset="0"/>
+                      </a:rPr>
+                      <m:t>+</m:t>
+                    </m:r>
+                    <m:bar>
+                      <m:barPr>
+                        <m:pos m:val="top"/>
+                        <m:ctrlPr>
+                          <a:rPr lang="en-US" i="1">
+                            <a:latin typeface="Cambria Math" panose="02040503050406030204" pitchFamily="18" charset="0"/>
+                          </a:rPr>
+                        </m:ctrlPr>
+                      </m:barPr>
+                      <m:e>
+                        <m:r>
+                          <a:rPr lang="en-US" i="1">
+                            <a:latin typeface="Cambria Math" panose="02040503050406030204" pitchFamily="18" charset="0"/>
+                          </a:rPr>
+                          <m:t>𝜇</m:t>
+                        </m:r>
+                      </m:e>
+                    </m:bar>
+                    <m:d>
+                      <m:dPr>
+                        <m:ctrlPr>
+                          <a:rPr lang="en-US" i="1">
+                            <a:latin typeface="Cambria Math" panose="02040503050406030204" pitchFamily="18" charset="0"/>
+                          </a:rPr>
+                        </m:ctrlPr>
+                      </m:dPr>
+                      <m:e>
+                        <m:sSub>
+                          <m:sSubPr>
+                            <m:ctrlPr>
+                              <a:rPr lang="en-US" i="1">
+                                <a:latin typeface="Cambria Math" panose="02040503050406030204" pitchFamily="18" charset="0"/>
+                              </a:rPr>
+                            </m:ctrlPr>
+                          </m:sSubPr>
+                          <m:e>
+                            <m:r>
+                              <a:rPr lang="en-US" b="0" i="1" smtClean="0">
+                                <a:latin typeface="Cambria Math" panose="02040503050406030204" pitchFamily="18" charset="0"/>
+                              </a:rPr>
+                              <m:t>𝑃</m:t>
+                            </m:r>
+                          </m:e>
+                          <m:sub>
+                            <m:r>
+                              <a:rPr lang="en-US" i="1">
+                                <a:latin typeface="Cambria Math" panose="02040503050406030204" pitchFamily="18" charset="0"/>
+                              </a:rPr>
+                              <m:t>1</m:t>
+                            </m:r>
+                          </m:sub>
+                        </m:sSub>
+                      </m:e>
+                    </m:d>
+                  </m:oMath>
+                </a14:m>
+                <a:r>
+                  <a:rPr lang="en-US" dirty="0"/>
+                  <a:t/>
+                </a:r>
+                <a:br>
+                  <a:rPr lang="en-US" dirty="0"/>
+                </a:br>
+                <a:r>
+                  <a:rPr lang="en-US" dirty="0"/>
+                  <a:t>for any events </a:t>
+                </a:r>
+                <a14:m>
+                  <m:oMath xmlns:m="http://schemas.openxmlformats.org/officeDocument/2006/math">
+                    <m:sSub>
+                      <m:sSubPr>
+                        <m:ctrlPr>
+                          <a:rPr lang="en-US" i="1">
+                            <a:latin typeface="Cambria Math" panose="02040503050406030204" pitchFamily="18" charset="0"/>
+                          </a:rPr>
+                        </m:ctrlPr>
+                      </m:sSubPr>
+                      <m:e>
+                        <m:r>
+                          <a:rPr lang="en-US" b="0" i="1" smtClean="0">
+                            <a:latin typeface="Cambria Math" panose="02040503050406030204" pitchFamily="18" charset="0"/>
+                          </a:rPr>
+                          <m:t>𝑃</m:t>
+                        </m:r>
+                      </m:e>
+                      <m:sub>
+                        <m:r>
+                          <a:rPr lang="en-US" i="1">
+                            <a:latin typeface="Cambria Math" panose="02040503050406030204" pitchFamily="18" charset="0"/>
+                          </a:rPr>
+                          <m:t>0</m:t>
+                        </m:r>
+                      </m:sub>
+                    </m:sSub>
+                  </m:oMath>
+                </a14:m>
+                <a:r>
+                  <a:rPr lang="en-US" dirty="0"/>
+                  <a:t> and </a:t>
+                </a:r>
+                <a14:m>
+                  <m:oMath xmlns:m="http://schemas.openxmlformats.org/officeDocument/2006/math">
+                    <m:sSub>
+                      <m:sSubPr>
+                        <m:ctrlPr>
+                          <a:rPr lang="en-US" i="1">
+                            <a:latin typeface="Cambria Math" panose="02040503050406030204" pitchFamily="18" charset="0"/>
+                          </a:rPr>
+                        </m:ctrlPr>
+                      </m:sSubPr>
+                      <m:e>
+                        <m:r>
+                          <a:rPr lang="en-US" b="0" i="1" smtClean="0">
+                            <a:latin typeface="Cambria Math" panose="02040503050406030204" pitchFamily="18" charset="0"/>
+                          </a:rPr>
+                          <m:t>𝑃</m:t>
+                        </m:r>
+                      </m:e>
+                      <m:sub>
+                        <m:r>
+                          <a:rPr lang="en-US" i="1">
+                            <a:latin typeface="Cambria Math" panose="02040503050406030204" pitchFamily="18" charset="0"/>
+                          </a:rPr>
+                          <m:t>1</m:t>
+                        </m:r>
+                      </m:sub>
+                    </m:sSub>
+                  </m:oMath>
+                </a14:m>
+                <a:r>
+                  <a:rPr lang="en-US" dirty="0"/>
+                  <a:t>.</a:t>
+                </a:r>
+              </a:p>
+              <a:p>
+                <a:pPr>
+                  <a:lnSpc>
+                    <a:spcPct val="100000"/>
+                  </a:lnSpc>
+                </a:pPr>
+                <a:endParaRPr lang="en-US" dirty="0" smtClean="0"/>
+              </a:p>
+              <a:p>
+                <a:pPr>
+                  <a:lnSpc>
+                    <a:spcPct val="100000"/>
+                  </a:lnSpc>
+                </a:pPr>
+                <a:endParaRPr lang="en-US" dirty="0"/>
+              </a:p>
+            </p:txBody>
+          </p:sp>
+        </mc:Choice>
+        <mc:Fallback>
+          <p:sp>
+            <p:nvSpPr>
+              <p:cNvPr id="6" name="Content Placeholder 5"/>
+              <p:cNvSpPr>
+                <a:spLocks noGrp="1" noRot="1" noChangeAspect="1" noMove="1" noResize="1" noEditPoints="1" noAdjustHandles="1" noChangeArrowheads="1" noChangeShapeType="1" noTextEdit="1"/>
+              </p:cNvSpPr>
+              <p:nvPr>
+                <p:ph sz="quarter" idx="4"/>
+              </p:nvPr>
+            </p:nvSpPr>
+            <p:spPr>
+              <a:blipFill rotWithShape="0">
+                <a:blip r:embed="rId3"/>
+                <a:stretch>
+                  <a:fillRect l="-2118" b="-1490"/>
+                </a:stretch>
+              </a:blipFill>
+            </p:spPr>
+            <p:txBody>
+              <a:bodyPr/>
+              <a:lstStyle/>
+              <a:p>
+                <a:r>
+                  <a:rPr lang="en-US">
+                    <a:noFill/>
+                  </a:rPr>
+                  <a:t> </a:t>
+                </a:r>
+              </a:p>
+            </p:txBody>
+          </p:sp>
+        </mc:Fallback>
+      </mc:AlternateContent>
+    </p:spTree>
+    <p:extLst>
+      <p:ext uri="{BB962C8B-B14F-4D97-AF65-F5344CB8AC3E}">
+        <p14:creationId xmlns:p14="http://schemas.microsoft.com/office/powerpoint/2010/main" val="3998013743"/>
+      </p:ext>
+    </p:extLst>
+  </p:cSld>
+  <p:clrMapOvr>
+    <a:masterClrMapping/>
+  </p:clrMapOvr>
+  <p:timing>
+    <p:tnLst>
+      <p:par>
+        <p:cTn id="1" dur="indefinite" restart="never" nodeType="tmRoot"/>
+      </p:par>
+    </p:tnLst>
+  </p:timing>
+</p:sld>
+</file>
+
+<file path=ppt/slides/slide14.xml><?xml version="1.0" encoding="utf-8"?>
+<p:sld xmlns:a="http://schemas.openxmlformats.org/drawingml/2006/main" xmlns:r="http://schemas.openxmlformats.org/officeDocument/2006/relationships" xmlns:p="http://schemas.openxmlformats.org/presentationml/2006/main">
+  <p:cSld>
+    <p:spTree>
+      <p:nvGrpSpPr>
+        <p:cNvPr id="1" name=""/>
+        <p:cNvGrpSpPr/>
+        <p:nvPr/>
+      </p:nvGrpSpPr>
+      <p:grpSpPr>
+        <a:xfrm>
+          <a:off x="0" y="0"/>
+          <a:ext cx="0" cy="0"/>
+          <a:chOff x="0" y="0"/>
+          <a:chExt cx="0" cy="0"/>
+        </a:xfrm>
+      </p:grpSpPr>
+      <p:sp>
+        <p:nvSpPr>
+          <p:cNvPr id="2" name="Title 1"/>
+          <p:cNvSpPr>
+            <a:spLocks noGrp="1"/>
+          </p:cNvSpPr>
+          <p:nvPr>
+            <p:ph type="title"/>
+          </p:nvPr>
+        </p:nvSpPr>
+        <p:spPr/>
+        <p:txBody>
+          <a:bodyPr/>
+          <a:lstStyle/>
+          <a:p>
+            <a:r>
               <a:rPr lang="en-US" dirty="0"/>
               <a:t>Kochen-Specker Theorem</a:t>
             </a:r>
@@ -4425,7 +8053,7 @@
 </p:sld>
 </file>
 
-<file path=ppt/slides/slide12.xml><?xml version="1.0" encoding="utf-8"?>
+<file path=ppt/slides/slide15.xml><?xml version="1.0" encoding="utf-8"?>
 <p:sld xmlns:a="http://schemas.openxmlformats.org/drawingml/2006/main" xmlns:r="http://schemas.openxmlformats.org/officeDocument/2006/relationships" xmlns:p="http://schemas.openxmlformats.org/presentationml/2006/main">
   <p:cSld>
     <p:spTree>
@@ -4464,8 +8092,8 @@
           </a:p>
         </p:txBody>
       </p:sp>
-      <mc:AlternateContent xmlns:mc="http://schemas.openxmlformats.org/markup-compatibility/2006">
-        <mc:Choice xmlns:a14="http://schemas.microsoft.com/office/drawing/2010/main" Requires="a14">
+      <mc:AlternateContent xmlns:mc="http://schemas.openxmlformats.org/markup-compatibility/2006" xmlns:a14="http://schemas.microsoft.com/office/drawing/2010/main">
+        <mc:Choice Requires="a14">
           <p:sp>
             <p:nvSpPr>
               <p:cNvPr id="3" name="Content Placeholder 2"/>
@@ -4485,15 +8113,7 @@
               <a:p>
                 <a:r>
                   <a:rPr lang="en-US" dirty="0" smtClean="0"/>
-                  <a:t>The </a:t>
-                </a:r>
-                <a:r>
-                  <a:rPr lang="en-US" dirty="0" smtClean="0"/>
-                  <a:t>Kochen-Specker theorem claims quantum theory cannot be simulated by a non-contextual hidden variable theory, </a:t>
-                </a:r>
-                <a:r>
-                  <a:rPr lang="en-US" dirty="0" smtClean="0"/>
-                  <a:t>i.e., </a:t>
+                  <a:t>The Kochen-Specker theorem claims quantum theory cannot be simulated by a non-contextual hidden variable theory, i.e., </a:t>
                 </a:r>
                 <a:endParaRPr lang="en-US" dirty="0"/>
               </a:p>
@@ -4968,7 +8588,7 @@
             </p:txBody>
           </p:sp>
         </mc:Choice>
-        <mc:Fallback>
+        <mc:Fallback xmlns="">
           <p:sp>
             <p:nvSpPr>
               <p:cNvPr id="3" name="Content Placeholder 2"/>
@@ -5022,7 +8642,7 @@
 </p:sld>
 </file>
 
-<file path=ppt/slides/slide13.xml><?xml version="1.0" encoding="utf-8"?>
+<file path=ppt/slides/slide16.xml><?xml version="1.0" encoding="utf-8"?>
 <p:sld xmlns:a="http://schemas.openxmlformats.org/drawingml/2006/main" xmlns:r="http://schemas.openxmlformats.org/officeDocument/2006/relationships" xmlns:p="http://schemas.openxmlformats.org/presentationml/2006/main">
   <p:cSld>
     <p:spTree>
@@ -5566,8 +9186,8 @@
           </a:p>
         </p:txBody>
       </p:sp>
-      <mc:AlternateContent xmlns:mc="http://schemas.openxmlformats.org/markup-compatibility/2006">
-        <mc:Choice xmlns:a14="http://schemas.microsoft.com/office/drawing/2010/main" Requires="a14">
+      <mc:AlternateContent xmlns:mc="http://schemas.openxmlformats.org/markup-compatibility/2006" xmlns:a14="http://schemas.microsoft.com/office/drawing/2010/main">
+        <mc:Choice Requires="a14">
           <p:sp>
             <p:nvSpPr>
               <p:cNvPr id="5" name="Content Placeholder 2"/>
@@ -5818,7 +9438,7 @@
             </p:txBody>
           </p:sp>
         </mc:Choice>
-        <mc:Fallback>
+        <mc:Fallback xmlns="">
           <p:sp>
             <p:nvSpPr>
               <p:cNvPr id="5" name="Content Placeholder 2"/>
@@ -5877,7 +9497,7 @@
 </p:sld>
 </file>
 
-<file path=ppt/slides/slide14.xml><?xml version="1.0" encoding="utf-8"?>
+<file path=ppt/slides/slide17.xml><?xml version="1.0" encoding="utf-8"?>
 <p:sld xmlns:a="http://schemas.openxmlformats.org/drawingml/2006/main" xmlns:r="http://schemas.openxmlformats.org/officeDocument/2006/relationships" xmlns:p="http://schemas.openxmlformats.org/presentationml/2006/main">
   <p:cSld>
     <p:spTree>
@@ -6967,7 +10587,7 @@
 </p:sld>
 </file>
 
-<file path=ppt/slides/slide15.xml><?xml version="1.0" encoding="utf-8"?>
+<file path=ppt/slides/slide18.xml><?xml version="1.0" encoding="utf-8"?>
 <p:sld xmlns:a="http://schemas.openxmlformats.org/drawingml/2006/main" xmlns:r="http://schemas.openxmlformats.org/officeDocument/2006/relationships" xmlns:p="http://schemas.openxmlformats.org/presentationml/2006/main">
   <p:cSld>
     <p:spTree>
@@ -15300,8 +18920,8 @@
           </a:p>
         </p:txBody>
       </p:sp>
-      <mc:AlternateContent xmlns:mc="http://schemas.openxmlformats.org/markup-compatibility/2006">
-        <mc:Choice xmlns:a14="http://schemas.microsoft.com/office/drawing/2010/main" Requires="a14">
+      <mc:AlternateContent xmlns:mc="http://schemas.openxmlformats.org/markup-compatibility/2006" xmlns:a14="http://schemas.microsoft.com/office/drawing/2010/main">
+        <mc:Choice Requires="a14">
           <p:graphicFrame>
             <p:nvGraphicFramePr>
               <p:cNvPr id="4" name="Content Placeholder 3"/>
@@ -15686,14 +19306,6 @@
                               </a:solidFill>
                             </a:rPr>
                             <a:t>), </a:t>
-                          </a:r>
-                          <a:r>
-                            <a:rPr lang="en-US" sz="2200" dirty="0" smtClean="0">
-                              <a:solidFill>
-                                <a:schemeClr val="tx1"/>
-                              </a:solidFill>
-                            </a:rPr>
-                            <a:t/>
                           </a:r>
                           <a:br>
                             <a:rPr lang="en-US" sz="2200" dirty="0" smtClean="0">
@@ -17791,7 +21403,7 @@
             </a:graphic>
           </p:graphicFrame>
         </mc:Choice>
-        <mc:Fallback>
+        <mc:Fallback xmlns="">
           <p:graphicFrame>
             <p:nvGraphicFramePr>
               <p:cNvPr id="4" name="Content Placeholder 3"/>
@@ -18069,8 +21681,8 @@
           </a:p>
         </p:txBody>
       </p:sp>
-      <mc:AlternateContent xmlns:mc="http://schemas.openxmlformats.org/markup-compatibility/2006">
-        <mc:Choice xmlns:a14="http://schemas.microsoft.com/office/drawing/2010/main" Requires="a14">
+      <mc:AlternateContent xmlns:mc="http://schemas.openxmlformats.org/markup-compatibility/2006" xmlns:a14="http://schemas.microsoft.com/office/drawing/2010/main">
+        <mc:Choice Requires="a14">
           <p:sp>
             <p:nvSpPr>
               <p:cNvPr id="3" name="Content Placeholder 2"/>
@@ -18803,11 +22415,7 @@
                 </a:r>
                 <a:r>
                   <a:rPr lang="en-US" dirty="0" smtClean="0"/>
-                  <a:t>For every </a:t>
-                </a:r>
-                <a:r>
-                  <a:rPr lang="en-US" dirty="0" smtClean="0"/>
-                  <a:t>CIVPM</a:t>
+                  <a:t>For every CIVPM</a:t>
                 </a:r>
                 <a:r>
                   <a:rPr lang="en-US" dirty="0"/>
@@ -19385,7 +22993,7 @@
             </p:txBody>
           </p:sp>
         </mc:Choice>
-        <mc:Fallback>
+        <mc:Fallback xmlns="">
           <p:sp>
             <p:nvSpPr>
               <p:cNvPr id="3" name="Content Placeholder 2"/>
@@ -21698,8 +25306,8 @@
           </a:p>
         </p:txBody>
       </p:sp>
-      <mc:AlternateContent xmlns:mc="http://schemas.openxmlformats.org/markup-compatibility/2006">
-        <mc:Choice xmlns:a14="http://schemas.microsoft.com/office/drawing/2010/main" Requires="a14">
+      <mc:AlternateContent xmlns:mc="http://schemas.openxmlformats.org/markup-compatibility/2006" xmlns:a14="http://schemas.microsoft.com/office/drawing/2010/main">
+        <mc:Choice Requires="a14">
           <p:sp>
             <p:nvSpPr>
               <p:cNvPr id="3" name="Content Placeholder 2"/>
@@ -22283,7 +25891,7 @@
             </p:txBody>
           </p:sp>
         </mc:Choice>
-        <mc:Fallback>
+        <mc:Fallback xmlns="">
           <p:sp>
             <p:nvSpPr>
               <p:cNvPr id="3" name="Content Placeholder 2"/>

--- a/prop_letter.pptx
+++ b/prop_letter.pptx
@@ -22,8 +22,8 @@
     <p:sldId id="261" r:id="rId10"/>
     <p:sldId id="272" r:id="rId11"/>
     <p:sldId id="276" r:id="rId12"/>
-    <p:sldId id="277" r:id="rId13"/>
-    <p:sldId id="278" r:id="rId14"/>
+    <p:sldId id="278" r:id="rId13"/>
+    <p:sldId id="280" r:id="rId14"/>
     <p:sldId id="273" r:id="rId15"/>
     <p:sldId id="274" r:id="rId16"/>
     <p:sldId id="275" r:id="rId17"/>
@@ -151,8 +151,8 @@
         <p14:section name="Convexity and Expectation Value" id="{EB4A07DE-6FD2-458B-84FD-CF318EF1C82A}">
           <p14:sldIdLst>
             <p14:sldId id="276"/>
-            <p14:sldId id="277"/>
             <p14:sldId id="278"/>
+            <p14:sldId id="280"/>
           </p14:sldIdLst>
         </p14:section>
         <p14:section name="Kochen-Specker Theorem" id="{267E8203-33DC-4F7A-9CD7-887DDB8FDDB2}">
@@ -1030,90 +1030,6 @@
           <a:p>
             <a:fld id="{553141C9-E3AF-4773-84E5-4C6860670B56}" type="slidenum">
               <a:rPr lang="en-US" smtClean="0"/>
-              <a:t>12</a:t>
-            </a:fld>
-            <a:endParaRPr lang="en-US"/>
-          </a:p>
-        </p:txBody>
-      </p:sp>
-    </p:spTree>
-    <p:extLst>
-      <p:ext uri="{BB962C8B-B14F-4D97-AF65-F5344CB8AC3E}">
-        <p14:creationId xmlns:p14="http://schemas.microsoft.com/office/powerpoint/2010/main" val="188421768"/>
-      </p:ext>
-    </p:extLst>
-  </p:cSld>
-  <p:clrMapOvr>
-    <a:masterClrMapping/>
-  </p:clrMapOvr>
-</p:notes>
-</file>
-
-<file path=ppt/notesSlides/notesSlide5.xml><?xml version="1.0" encoding="utf-8"?>
-<p:notes xmlns:a="http://schemas.openxmlformats.org/drawingml/2006/main" xmlns:r="http://schemas.openxmlformats.org/officeDocument/2006/relationships" xmlns:p="http://schemas.openxmlformats.org/presentationml/2006/main">
-  <p:cSld>
-    <p:spTree>
-      <p:nvGrpSpPr>
-        <p:cNvPr id="1" name=""/>
-        <p:cNvGrpSpPr/>
-        <p:nvPr/>
-      </p:nvGrpSpPr>
-      <p:grpSpPr>
-        <a:xfrm>
-          <a:off x="0" y="0"/>
-          <a:ext cx="0" cy="0"/>
-          <a:chOff x="0" y="0"/>
-          <a:chExt cx="0" cy="0"/>
-        </a:xfrm>
-      </p:grpSpPr>
-      <p:sp>
-        <p:nvSpPr>
-          <p:cNvPr id="2" name="Slide Image Placeholder 1"/>
-          <p:cNvSpPr>
-            <a:spLocks noGrp="1" noRot="1" noChangeAspect="1"/>
-          </p:cNvSpPr>
-          <p:nvPr>
-            <p:ph type="sldImg"/>
-          </p:nvPr>
-        </p:nvSpPr>
-        <p:spPr/>
-      </p:sp>
-      <p:sp>
-        <p:nvSpPr>
-          <p:cNvPr id="3" name="Notes Placeholder 2"/>
-          <p:cNvSpPr>
-            <a:spLocks noGrp="1"/>
-          </p:cNvSpPr>
-          <p:nvPr>
-            <p:ph type="body" idx="1"/>
-          </p:nvPr>
-        </p:nvSpPr>
-        <p:spPr/>
-        <p:txBody>
-          <a:bodyPr/>
-          <a:lstStyle/>
-          <a:p>
-            <a:endParaRPr lang="en-US" dirty="0"/>
-          </a:p>
-        </p:txBody>
-      </p:sp>
-      <p:sp>
-        <p:nvSpPr>
-          <p:cNvPr id="4" name="Slide Number Placeholder 3"/>
-          <p:cNvSpPr>
-            <a:spLocks noGrp="1"/>
-          </p:cNvSpPr>
-          <p:nvPr>
-            <p:ph type="sldNum" sz="quarter" idx="10"/>
-          </p:nvPr>
-        </p:nvSpPr>
-        <p:spPr/>
-        <p:txBody>
-          <a:bodyPr/>
-          <a:lstStyle/>
-          <a:p>
-            <a:fld id="{553141C9-E3AF-4773-84E5-4C6860670B56}" type="slidenum">
-              <a:rPr lang="en-US" smtClean="0"/>
               <a:t>17</a:t>
             </a:fld>
             <a:endParaRPr lang="en-US"/>
@@ -1133,7 +1049,7 @@
 </p:notes>
 </file>
 
-<file path=ppt/notesSlides/notesSlide6.xml><?xml version="1.0" encoding="utf-8"?>
+<file path=ppt/notesSlides/notesSlide5.xml><?xml version="1.0" encoding="utf-8"?>
 <p:notes xmlns:a="http://schemas.openxmlformats.org/drawingml/2006/main" xmlns:r="http://schemas.openxmlformats.org/officeDocument/2006/relationships" xmlns:p="http://schemas.openxmlformats.org/presentationml/2006/main">
   <p:cSld>
     <p:spTree>
@@ -4549,1539 +4465,6 @@
           <a:lstStyle/>
           <a:p>
             <a:r>
-              <a:rPr lang="en-US" dirty="0" smtClean="0"/>
-              <a:t>Inclusion and Convexity</a:t>
-            </a:r>
-            <a:endParaRPr lang="en-US" dirty="0"/>
-          </a:p>
-        </p:txBody>
-      </p:sp>
-      <mc:AlternateContent xmlns:mc="http://schemas.openxmlformats.org/markup-compatibility/2006" xmlns:a14="http://schemas.microsoft.com/office/drawing/2010/main">
-        <mc:Choice Requires="a14">
-          <p:graphicFrame>
-            <p:nvGraphicFramePr>
-              <p:cNvPr id="4" name="Content Placeholder 3"/>
-              <p:cNvGraphicFramePr>
-                <a:graphicFrameLocks noGrp="1"/>
-              </p:cNvGraphicFramePr>
-              <p:nvPr>
-                <p:ph idx="1"/>
-                <p:extLst>
-                  <p:ext uri="{D42A27DB-BD31-4B8C-83A1-F6EECF244321}">
-                    <p14:modId xmlns:p14="http://schemas.microsoft.com/office/powerpoint/2010/main" val="67151303"/>
-                  </p:ext>
-                </p:extLst>
-              </p:nvPr>
-            </p:nvGraphicFramePr>
-            <p:xfrm>
-              <a:off x="838200" y="1825625"/>
-              <a:ext cx="10515600" cy="4812792"/>
-            </p:xfrm>
-            <a:graphic>
-              <a:graphicData uri="http://schemas.openxmlformats.org/drawingml/2006/table">
-                <a:tbl>
-                  <a:tblPr firstRow="1" bandRow="1">
-                    <a:tableStyleId>{5C22544A-7EE6-4342-B048-85BDC9FD1C3A}</a:tableStyleId>
-                  </a:tblPr>
-                  <a:tblGrid>
-                    <a:gridCol w="5257800"/>
-                    <a:gridCol w="5257800"/>
-                  </a:tblGrid>
-                  <a:tr h="370840">
-                    <a:tc>
-                      <a:txBody>
-                        <a:bodyPr/>
-                        <a:lstStyle/>
-                        <a:p>
-                          <a:pPr marL="0" marR="0" lvl="0" indent="0" algn="l" defTabSz="914400" rtl="0" eaLnBrk="1" fontAlgn="auto" latinLnBrk="0" hangingPunct="1">
-                            <a:lnSpc>
-                              <a:spcPct val="100000"/>
-                            </a:lnSpc>
-                            <a:spcBef>
-                              <a:spcPts val="0"/>
-                            </a:spcBef>
-                            <a:spcAft>
-                              <a:spcPts val="0"/>
-                            </a:spcAft>
-                            <a:buClrTx/>
-                            <a:buSzTx/>
-                            <a:buFontTx/>
-                            <a:buNone/>
-                            <a:tabLst/>
-                            <a:defRPr/>
-                          </a:pPr>
-                          <a:r>
-                            <a:rPr lang="en-US" sz="2200" dirty="0" smtClean="0"/>
-                            <a:t>Classical </a:t>
-                          </a:r>
-                          <a:r>
-                            <a:rPr lang="en-US" sz="2200" dirty="0" smtClean="0">
-                              <a:solidFill>
-                                <a:schemeClr val="accent2"/>
-                              </a:solidFill>
-                            </a:rPr>
-                            <a:t>Interval</a:t>
-                          </a:r>
-                          <a:r>
-                            <a:rPr lang="en-US" sz="2200" dirty="0" smtClean="0"/>
-                            <a:t>-Valued Probability Measure (C</a:t>
-                          </a:r>
-                          <a:r>
-                            <a:rPr lang="en-US" sz="2200" dirty="0" smtClean="0">
-                              <a:solidFill>
-                                <a:schemeClr val="accent2"/>
-                              </a:solidFill>
-                            </a:rPr>
-                            <a:t>I</a:t>
-                          </a:r>
-                          <a:r>
-                            <a:rPr lang="en-US" sz="2200" dirty="0" smtClean="0"/>
-                            <a:t>VPM)</a:t>
-                          </a:r>
-                        </a:p>
-                      </a:txBody>
-                      <a:tcPr/>
-                    </a:tc>
-                    <a:tc>
-                      <a:txBody>
-                        <a:bodyPr/>
-                        <a:lstStyle/>
-                        <a:p>
-                          <a:pPr marL="0" marR="0" lvl="0" indent="0" algn="l" defTabSz="914400" rtl="0" eaLnBrk="1" fontAlgn="auto" latinLnBrk="0" hangingPunct="1">
-                            <a:lnSpc>
-                              <a:spcPct val="100000"/>
-                            </a:lnSpc>
-                            <a:spcBef>
-                              <a:spcPts val="0"/>
-                            </a:spcBef>
-                            <a:spcAft>
-                              <a:spcPts val="0"/>
-                            </a:spcAft>
-                            <a:buClrTx/>
-                            <a:buSzTx/>
-                            <a:buFontTx/>
-                            <a:buNone/>
-                            <a:tabLst/>
-                            <a:defRPr/>
-                          </a:pPr>
-                          <a:endParaRPr lang="en-US" sz="2200" dirty="0" smtClean="0"/>
-                        </a:p>
-                      </a:txBody>
-                      <a:tcPr/>
-                    </a:tc>
-                  </a:tr>
-                  <a:tr h="370840">
-                    <a:tc>
-                      <a:txBody>
-                        <a:bodyPr/>
-                        <a:lstStyle/>
-                        <a:p>
-                          <a:pPr marL="0" marR="0" lvl="0" indent="0" algn="l" defTabSz="914400" rtl="0" eaLnBrk="1" fontAlgn="auto" latinLnBrk="0" hangingPunct="1">
-                            <a:lnSpc>
-                              <a:spcPct val="100000"/>
-                            </a:lnSpc>
-                            <a:spcBef>
-                              <a:spcPts val="0"/>
-                            </a:spcBef>
-                            <a:spcAft>
-                              <a:spcPts val="0"/>
-                            </a:spcAft>
-                            <a:buClrTx/>
-                            <a:buSzTx/>
-                            <a:buFontTx/>
-                            <a:buNone/>
-                            <a:tabLst>
-                              <a:tab pos="2743200" algn="ctr"/>
-                              <a:tab pos="5035550" algn="r"/>
-                            </a:tabLst>
-                            <a:defRPr/>
-                          </a:pPr>
-                          <a:r>
-                            <a:rPr lang="en-US" sz="2200" i="1" baseline="0" dirty="0" smtClean="0">
-                              <a:solidFill>
-                                <a:schemeClr val="accent2"/>
-                              </a:solidFill>
-                            </a:rPr>
-                            <a:t>convexity</a:t>
-                          </a:r>
-                          <a:r>
-                            <a:rPr lang="en-US" sz="2200" baseline="0" dirty="0" smtClean="0"/>
-                            <a:t> </a:t>
-                          </a:r>
-                          <a:r>
-                            <a:rPr lang="en-US" sz="2200" baseline="0" dirty="0" smtClean="0">
-                              <a:solidFill>
-                                <a:schemeClr val="tx1"/>
-                              </a:solidFill>
-                            </a:rPr>
-                            <a:t>condition:</a:t>
-                          </a:r>
-                          <a:r>
-                            <a:rPr lang="en-US" sz="2200" baseline="0" dirty="0" smtClean="0"/>
-                            <a:t/>
-                          </a:r>
-                          <a:br>
-                            <a:rPr lang="en-US" sz="2200" baseline="0" dirty="0" smtClean="0"/>
-                          </a:br>
-                          <a14:m>
-                            <m:oMathPara xmlns:m="http://schemas.openxmlformats.org/officeDocument/2006/math">
-                              <m:oMathParaPr>
-                                <m:jc m:val="centerGroup"/>
-                              </m:oMathParaPr>
-                              <m:oMath xmlns:m="http://schemas.openxmlformats.org/officeDocument/2006/math">
-                                <m:bar>
-                                  <m:barPr>
-                                    <m:pos m:val="top"/>
-                                    <m:ctrlPr>
-                                      <a:rPr lang="en-US" sz="2200" i="1" smtClean="0">
-                                        <a:latin typeface="Cambria Math" panose="02040503050406030204" pitchFamily="18" charset="0"/>
-                                      </a:rPr>
-                                    </m:ctrlPr>
-                                  </m:barPr>
-                                  <m:e>
-                                    <m:r>
-                                      <a:rPr lang="en-US" sz="2200" i="1">
-                                        <a:latin typeface="Cambria Math" panose="02040503050406030204" pitchFamily="18" charset="0"/>
-                                      </a:rPr>
-                                      <m:t>𝜇</m:t>
-                                    </m:r>
-                                  </m:e>
-                                </m:bar>
-                                <m:d>
-                                  <m:dPr>
-                                    <m:ctrlPr>
-                                      <a:rPr lang="en-US" sz="2200" i="1">
-                                        <a:solidFill>
-                                          <a:schemeClr val="tx1"/>
-                                        </a:solidFill>
-                                        <a:latin typeface="Cambria Math" panose="02040503050406030204" pitchFamily="18" charset="0"/>
-                                      </a:rPr>
-                                    </m:ctrlPr>
-                                  </m:dPr>
-                                  <m:e>
-                                    <m:sSub>
-                                      <m:sSubPr>
-                                        <m:ctrlPr>
-                                          <a:rPr lang="en-US" sz="2200" i="1">
-                                            <a:solidFill>
-                                              <a:schemeClr val="tx1"/>
-                                            </a:solidFill>
-                                            <a:latin typeface="Cambria Math" panose="02040503050406030204" pitchFamily="18" charset="0"/>
-                                          </a:rPr>
-                                        </m:ctrlPr>
-                                      </m:sSubPr>
-                                      <m:e>
-                                        <m:r>
-                                          <a:rPr lang="en-US" sz="2200" i="1">
-                                            <a:solidFill>
-                                              <a:schemeClr val="tx1"/>
-                                            </a:solidFill>
-                                            <a:latin typeface="Cambria Math" panose="02040503050406030204" pitchFamily="18" charset="0"/>
-                                          </a:rPr>
-                                          <m:t>𝐸</m:t>
-                                        </m:r>
-                                      </m:e>
-                                      <m:sub>
-                                        <m:r>
-                                          <a:rPr lang="en-US" sz="2200" i="1">
-                                            <a:solidFill>
-                                              <a:schemeClr val="tx1"/>
-                                            </a:solidFill>
-                                            <a:latin typeface="Cambria Math" panose="02040503050406030204" pitchFamily="18" charset="0"/>
-                                          </a:rPr>
-                                          <m:t>0</m:t>
-                                        </m:r>
-                                      </m:sub>
-                                    </m:sSub>
-                                    <m:r>
-                                      <a:rPr lang="en-US" sz="2200" i="1">
-                                        <a:solidFill>
-                                          <a:schemeClr val="tx1"/>
-                                        </a:solidFill>
-                                        <a:latin typeface="Cambria Math" panose="02040503050406030204" pitchFamily="18" charset="0"/>
-                                      </a:rPr>
-                                      <m:t>∪</m:t>
-                                    </m:r>
-                                    <m:sSub>
-                                      <m:sSubPr>
-                                        <m:ctrlPr>
-                                          <a:rPr lang="en-US" sz="2200" i="1">
-                                            <a:solidFill>
-                                              <a:schemeClr val="tx1"/>
-                                            </a:solidFill>
-                                            <a:latin typeface="Cambria Math" panose="02040503050406030204" pitchFamily="18" charset="0"/>
-                                          </a:rPr>
-                                        </m:ctrlPr>
-                                      </m:sSubPr>
-                                      <m:e>
-                                        <m:r>
-                                          <a:rPr lang="en-US" sz="2200" i="1">
-                                            <a:solidFill>
-                                              <a:schemeClr val="tx1"/>
-                                            </a:solidFill>
-                                            <a:latin typeface="Cambria Math" panose="02040503050406030204" pitchFamily="18" charset="0"/>
-                                          </a:rPr>
-                                          <m:t>𝐸</m:t>
-                                        </m:r>
-                                      </m:e>
-                                      <m:sub>
-                                        <m:r>
-                                          <a:rPr lang="en-US" sz="2200" i="1">
-                                            <a:solidFill>
-                                              <a:schemeClr val="tx1"/>
-                                            </a:solidFill>
-                                            <a:latin typeface="Cambria Math" panose="02040503050406030204" pitchFamily="18" charset="0"/>
-                                          </a:rPr>
-                                          <m:t>1</m:t>
-                                        </m:r>
-                                      </m:sub>
-                                    </m:sSub>
-                                  </m:e>
-                                </m:d>
-                                <m:r>
-                                  <a:rPr lang="en-US" sz="2200" b="0" i="1" smtClean="0">
-                                    <a:solidFill>
-                                      <a:schemeClr val="tx1"/>
-                                    </a:solidFill>
-                                    <a:latin typeface="Cambria Math" panose="02040503050406030204" pitchFamily="18" charset="0"/>
-                                  </a:rPr>
-                                  <m:t>+</m:t>
-                                </m:r>
-                                <m:bar>
-                                  <m:barPr>
-                                    <m:pos m:val="top"/>
-                                    <m:ctrlPr>
-                                      <a:rPr lang="en-US" sz="2200" i="1" smtClean="0">
-                                        <a:latin typeface="Cambria Math" panose="02040503050406030204" pitchFamily="18" charset="0"/>
-                                      </a:rPr>
-                                    </m:ctrlPr>
-                                  </m:barPr>
-                                  <m:e>
-                                    <m:r>
-                                      <a:rPr lang="en-US" sz="2200" i="1">
-                                        <a:latin typeface="Cambria Math" panose="02040503050406030204" pitchFamily="18" charset="0"/>
-                                      </a:rPr>
-                                      <m:t>𝜇</m:t>
-                                    </m:r>
-                                  </m:e>
-                                </m:bar>
-                                <m:d>
-                                  <m:dPr>
-                                    <m:ctrlPr>
-                                      <a:rPr lang="en-US" sz="2200" i="1">
-                                        <a:solidFill>
-                                          <a:schemeClr val="tx1"/>
-                                        </a:solidFill>
-                                        <a:latin typeface="Cambria Math" panose="02040503050406030204" pitchFamily="18" charset="0"/>
-                                      </a:rPr>
-                                    </m:ctrlPr>
-                                  </m:dPr>
-                                  <m:e>
-                                    <m:sSub>
-                                      <m:sSubPr>
-                                        <m:ctrlPr>
-                                          <a:rPr lang="en-US" sz="2200" i="1">
-                                            <a:solidFill>
-                                              <a:schemeClr val="tx1"/>
-                                            </a:solidFill>
-                                            <a:latin typeface="Cambria Math" panose="02040503050406030204" pitchFamily="18" charset="0"/>
-                                          </a:rPr>
-                                        </m:ctrlPr>
-                                      </m:sSubPr>
-                                      <m:e>
-                                        <m:r>
-                                          <a:rPr lang="en-US" sz="2200" i="1">
-                                            <a:solidFill>
-                                              <a:schemeClr val="tx1"/>
-                                            </a:solidFill>
-                                            <a:latin typeface="Cambria Math" panose="02040503050406030204" pitchFamily="18" charset="0"/>
-                                          </a:rPr>
-                                          <m:t>𝐸</m:t>
-                                        </m:r>
-                                      </m:e>
-                                      <m:sub>
-                                        <m:r>
-                                          <a:rPr lang="en-US" sz="2200" i="1">
-                                            <a:solidFill>
-                                              <a:schemeClr val="tx1"/>
-                                            </a:solidFill>
-                                            <a:latin typeface="Cambria Math" panose="02040503050406030204" pitchFamily="18" charset="0"/>
-                                          </a:rPr>
-                                          <m:t>0</m:t>
-                                        </m:r>
-                                      </m:sub>
-                                    </m:sSub>
-                                    <m:r>
-                                      <a:rPr lang="en-US" sz="2200" b="0" i="1" smtClean="0">
-                                        <a:solidFill>
-                                          <a:schemeClr val="tx1"/>
-                                        </a:solidFill>
-                                        <a:latin typeface="Cambria Math" panose="02040503050406030204" pitchFamily="18" charset="0"/>
-                                      </a:rPr>
-                                      <m:t>∩</m:t>
-                                    </m:r>
-                                    <m:sSub>
-                                      <m:sSubPr>
-                                        <m:ctrlPr>
-                                          <a:rPr lang="en-US" sz="2200" i="1">
-                                            <a:solidFill>
-                                              <a:schemeClr val="tx1"/>
-                                            </a:solidFill>
-                                            <a:latin typeface="Cambria Math" panose="02040503050406030204" pitchFamily="18" charset="0"/>
-                                          </a:rPr>
-                                        </m:ctrlPr>
-                                      </m:sSubPr>
-                                      <m:e>
-                                        <m:r>
-                                          <a:rPr lang="en-US" sz="2200" i="1">
-                                            <a:solidFill>
-                                              <a:schemeClr val="tx1"/>
-                                            </a:solidFill>
-                                            <a:latin typeface="Cambria Math" panose="02040503050406030204" pitchFamily="18" charset="0"/>
-                                          </a:rPr>
-                                          <m:t>𝐸</m:t>
-                                        </m:r>
-                                      </m:e>
-                                      <m:sub>
-                                        <m:r>
-                                          <a:rPr lang="en-US" sz="2200" i="1">
-                                            <a:solidFill>
-                                              <a:schemeClr val="tx1"/>
-                                            </a:solidFill>
-                                            <a:latin typeface="Cambria Math" panose="02040503050406030204" pitchFamily="18" charset="0"/>
-                                          </a:rPr>
-                                          <m:t>1</m:t>
-                                        </m:r>
-                                      </m:sub>
-                                    </m:sSub>
-                                  </m:e>
-                                </m:d>
-                                <m:r>
-                                  <a:rPr lang="en-US" sz="2200" i="1" smtClean="0">
-                                    <a:solidFill>
-                                      <a:schemeClr val="accent2"/>
-                                    </a:solidFill>
-                                    <a:latin typeface="Cambria Math" panose="02040503050406030204" pitchFamily="18" charset="0"/>
-                                  </a:rPr>
-                                  <m:t>⊆</m:t>
-                                </m:r>
-                                <m:bar>
-                                  <m:barPr>
-                                    <m:pos m:val="top"/>
-                                    <m:ctrlPr>
-                                      <a:rPr lang="en-US" sz="2200" i="1" smtClean="0">
-                                        <a:latin typeface="Cambria Math" panose="02040503050406030204" pitchFamily="18" charset="0"/>
-                                      </a:rPr>
-                                    </m:ctrlPr>
-                                  </m:barPr>
-                                  <m:e>
-                                    <m:r>
-                                      <a:rPr lang="en-US" sz="2200" i="1">
-                                        <a:latin typeface="Cambria Math" panose="02040503050406030204" pitchFamily="18" charset="0"/>
-                                      </a:rPr>
-                                      <m:t>𝜇</m:t>
-                                    </m:r>
-                                  </m:e>
-                                </m:bar>
-                                <m:d>
-                                  <m:dPr>
-                                    <m:ctrlPr>
-                                      <a:rPr lang="en-US" sz="2200" i="1">
-                                        <a:solidFill>
-                                          <a:schemeClr val="tx1"/>
-                                        </a:solidFill>
-                                        <a:latin typeface="Cambria Math" panose="02040503050406030204" pitchFamily="18" charset="0"/>
-                                      </a:rPr>
-                                    </m:ctrlPr>
-                                  </m:dPr>
-                                  <m:e>
-                                    <m:sSub>
-                                      <m:sSubPr>
-                                        <m:ctrlPr>
-                                          <a:rPr lang="en-US" sz="2200" i="1">
-                                            <a:solidFill>
-                                              <a:schemeClr val="tx1"/>
-                                            </a:solidFill>
-                                            <a:latin typeface="Cambria Math" panose="02040503050406030204" pitchFamily="18" charset="0"/>
-                                          </a:rPr>
-                                        </m:ctrlPr>
-                                      </m:sSubPr>
-                                      <m:e>
-                                        <m:r>
-                                          <a:rPr lang="en-US" sz="2200" i="1">
-                                            <a:solidFill>
-                                              <a:schemeClr val="tx1"/>
-                                            </a:solidFill>
-                                            <a:latin typeface="Cambria Math" panose="02040503050406030204" pitchFamily="18" charset="0"/>
-                                          </a:rPr>
-                                          <m:t>𝐸</m:t>
-                                        </m:r>
-                                      </m:e>
-                                      <m:sub>
-                                        <m:r>
-                                          <a:rPr lang="en-US" sz="2200" i="1">
-                                            <a:solidFill>
-                                              <a:schemeClr val="tx1"/>
-                                            </a:solidFill>
-                                            <a:latin typeface="Cambria Math" panose="02040503050406030204" pitchFamily="18" charset="0"/>
-                                          </a:rPr>
-                                          <m:t>0</m:t>
-                                        </m:r>
-                                      </m:sub>
-                                    </m:sSub>
-                                  </m:e>
-                                </m:d>
-                                <m:r>
-                                  <a:rPr lang="en-US" sz="2200" i="1">
-                                    <a:solidFill>
-                                      <a:schemeClr val="tx1"/>
-                                    </a:solidFill>
-                                    <a:latin typeface="Cambria Math" panose="02040503050406030204" pitchFamily="18" charset="0"/>
-                                  </a:rPr>
-                                  <m:t>+</m:t>
-                                </m:r>
-                                <m:bar>
-                                  <m:barPr>
-                                    <m:pos m:val="top"/>
-                                    <m:ctrlPr>
-                                      <a:rPr lang="en-US" sz="2200" i="1" smtClean="0">
-                                        <a:latin typeface="Cambria Math" panose="02040503050406030204" pitchFamily="18" charset="0"/>
-                                      </a:rPr>
-                                    </m:ctrlPr>
-                                  </m:barPr>
-                                  <m:e>
-                                    <m:r>
-                                      <a:rPr lang="en-US" sz="2200" i="1">
-                                        <a:latin typeface="Cambria Math" panose="02040503050406030204" pitchFamily="18" charset="0"/>
-                                      </a:rPr>
-                                      <m:t>𝜇</m:t>
-                                    </m:r>
-                                  </m:e>
-                                </m:bar>
-                                <m:d>
-                                  <m:dPr>
-                                    <m:ctrlPr>
-                                      <a:rPr lang="en-US" sz="2200" i="1">
-                                        <a:solidFill>
-                                          <a:schemeClr val="tx1"/>
-                                        </a:solidFill>
-                                        <a:latin typeface="Cambria Math" panose="02040503050406030204" pitchFamily="18" charset="0"/>
-                                      </a:rPr>
-                                    </m:ctrlPr>
-                                  </m:dPr>
-                                  <m:e>
-                                    <m:sSub>
-                                      <m:sSubPr>
-                                        <m:ctrlPr>
-                                          <a:rPr lang="en-US" sz="2200" i="1">
-                                            <a:solidFill>
-                                              <a:schemeClr val="tx1"/>
-                                            </a:solidFill>
-                                            <a:latin typeface="Cambria Math" panose="02040503050406030204" pitchFamily="18" charset="0"/>
-                                          </a:rPr>
-                                        </m:ctrlPr>
-                                      </m:sSubPr>
-                                      <m:e>
-                                        <m:r>
-                                          <a:rPr lang="en-US" sz="2200" i="1">
-                                            <a:solidFill>
-                                              <a:schemeClr val="tx1"/>
-                                            </a:solidFill>
-                                            <a:latin typeface="Cambria Math" panose="02040503050406030204" pitchFamily="18" charset="0"/>
-                                          </a:rPr>
-                                          <m:t>𝐸</m:t>
-                                        </m:r>
-                                      </m:e>
-                                      <m:sub>
-                                        <m:r>
-                                          <a:rPr lang="en-US" sz="2200" i="1">
-                                            <a:solidFill>
-                                              <a:schemeClr val="tx1"/>
-                                            </a:solidFill>
-                                            <a:latin typeface="Cambria Math" panose="02040503050406030204" pitchFamily="18" charset="0"/>
-                                          </a:rPr>
-                                          <m:t>1</m:t>
-                                        </m:r>
-                                      </m:sub>
-                                    </m:sSub>
-                                  </m:e>
-                                </m:d>
-                              </m:oMath>
-                            </m:oMathPara>
-                          </a14:m>
-                          <a:r>
-                            <a:rPr lang="en-US" sz="2200" dirty="0" smtClean="0"/>
-                            <a:t/>
-                          </a:r>
-                          <a:br>
-                            <a:rPr lang="en-US" sz="2200" dirty="0" smtClean="0"/>
-                          </a:br>
-                          <a:r>
-                            <a:rPr lang="en-US" sz="2200" dirty="0" smtClean="0">
-                              <a:solidFill>
-                                <a:schemeClr val="tx1"/>
-                              </a:solidFill>
-                            </a:rPr>
-                            <a:t>for any </a:t>
-                          </a:r>
-                          <a:r>
-                            <a:rPr lang="en-US" sz="2200" dirty="0">
-                              <a:solidFill>
-                                <a:schemeClr val="tx1"/>
-                              </a:solidFill>
-                            </a:rPr>
-                            <a:t>events </a:t>
-                          </a:r>
-                          <a14:m>
-                            <m:oMath xmlns:m="http://schemas.openxmlformats.org/officeDocument/2006/math">
-                              <m:sSub>
-                                <m:sSubPr>
-                                  <m:ctrlPr>
-                                    <a:rPr lang="en-US" sz="2200" i="1">
-                                      <a:solidFill>
-                                        <a:schemeClr val="tx1"/>
-                                      </a:solidFill>
-                                      <a:latin typeface="Cambria Math" panose="02040503050406030204" pitchFamily="18" charset="0"/>
-                                    </a:rPr>
-                                  </m:ctrlPr>
-                                </m:sSubPr>
-                                <m:e>
-                                  <m:r>
-                                    <a:rPr lang="en-US" sz="2200" i="1">
-                                      <a:solidFill>
-                                        <a:schemeClr val="tx1"/>
-                                      </a:solidFill>
-                                      <a:latin typeface="Cambria Math" panose="02040503050406030204" pitchFamily="18" charset="0"/>
-                                    </a:rPr>
-                                    <m:t>𝐸</m:t>
-                                  </m:r>
-                                </m:e>
-                                <m:sub>
-                                  <m:r>
-                                    <a:rPr lang="en-US" sz="2200" i="1">
-                                      <a:solidFill>
-                                        <a:schemeClr val="tx1"/>
-                                      </a:solidFill>
-                                      <a:latin typeface="Cambria Math" panose="02040503050406030204" pitchFamily="18" charset="0"/>
-                                    </a:rPr>
-                                    <m:t>0</m:t>
-                                  </m:r>
-                                </m:sub>
-                              </m:sSub>
-                            </m:oMath>
-                          </a14:m>
-                          <a:r>
-                            <a:rPr lang="en-US" sz="2200" dirty="0">
-                              <a:solidFill>
-                                <a:schemeClr val="tx1"/>
-                              </a:solidFill>
-                            </a:rPr>
-                            <a:t> and </a:t>
-                          </a:r>
-                          <a14:m>
-                            <m:oMath xmlns:m="http://schemas.openxmlformats.org/officeDocument/2006/math">
-                              <m:sSub>
-                                <m:sSubPr>
-                                  <m:ctrlPr>
-                                    <a:rPr lang="en-US" sz="2200" i="1">
-                                      <a:solidFill>
-                                        <a:schemeClr val="tx1"/>
-                                      </a:solidFill>
-                                      <a:latin typeface="Cambria Math" panose="02040503050406030204" pitchFamily="18" charset="0"/>
-                                    </a:rPr>
-                                  </m:ctrlPr>
-                                </m:sSubPr>
-                                <m:e>
-                                  <m:r>
-                                    <a:rPr lang="en-US" sz="2200" i="1">
-                                      <a:solidFill>
-                                        <a:schemeClr val="tx1"/>
-                                      </a:solidFill>
-                                      <a:latin typeface="Cambria Math" panose="02040503050406030204" pitchFamily="18" charset="0"/>
-                                    </a:rPr>
-                                    <m:t>𝐸</m:t>
-                                  </m:r>
-                                </m:e>
-                                <m:sub>
-                                  <m:r>
-                                    <a:rPr lang="en-US" sz="2200" i="1">
-                                      <a:solidFill>
-                                        <a:schemeClr val="tx1"/>
-                                      </a:solidFill>
-                                      <a:latin typeface="Cambria Math" panose="02040503050406030204" pitchFamily="18" charset="0"/>
-                                    </a:rPr>
-                                    <m:t>1</m:t>
-                                  </m:r>
-                                </m:sub>
-                              </m:sSub>
-                            </m:oMath>
-                          </a14:m>
-                          <a:r>
-                            <a:rPr lang="en-US" sz="2200" dirty="0" smtClean="0">
-                              <a:solidFill>
-                                <a:schemeClr val="tx1"/>
-                              </a:solidFill>
-                            </a:rPr>
-                            <a:t>.</a:t>
-                          </a:r>
-                          <a:endParaRPr lang="en-US" sz="2200" dirty="0"/>
-                        </a:p>
-                      </a:txBody>
-                      <a:tcPr/>
-                    </a:tc>
-                    <a:tc>
-                      <a:txBody>
-                        <a:bodyPr/>
-                        <a:lstStyle/>
-                        <a:p>
-                          <a:pPr marL="0" marR="0" lvl="0" indent="0" algn="l" defTabSz="914400" rtl="0" eaLnBrk="1" fontAlgn="auto" latinLnBrk="0" hangingPunct="1">
-                            <a:lnSpc>
-                              <a:spcPct val="100000"/>
-                            </a:lnSpc>
-                            <a:spcBef>
-                              <a:spcPts val="0"/>
-                            </a:spcBef>
-                            <a:spcAft>
-                              <a:spcPts val="0"/>
-                            </a:spcAft>
-                            <a:buClrTx/>
-                            <a:buSzTx/>
-                            <a:buFontTx/>
-                            <a:buNone/>
-                            <a:tabLst>
-                              <a:tab pos="2743200" algn="ctr"/>
-                              <a:tab pos="5035550" algn="r"/>
-                            </a:tabLst>
-                            <a:defRPr/>
-                          </a:pPr>
-                          <a:endParaRPr lang="en-US" sz="2200" dirty="0" smtClean="0"/>
-                        </a:p>
-                      </a:txBody>
-                      <a:tcPr/>
-                    </a:tc>
-                  </a:tr>
-                  <a:tr h="370840">
-                    <a:tc>
-                      <a:txBody>
-                        <a:bodyPr/>
-                        <a:lstStyle/>
-                        <a:p>
-                          <a:pPr/>
-                          <a:r>
-                            <a:rPr lang="en-US" sz="2400" dirty="0" smtClean="0"/>
-                            <a:t>For every </a:t>
-                          </a:r>
-                          <a:r>
-                            <a:rPr lang="en-US" sz="2400" dirty="0" smtClean="0">
-                              <a:solidFill>
-                                <a:schemeClr val="accent2"/>
-                              </a:solidFill>
-                            </a:rPr>
-                            <a:t>convex</a:t>
-                          </a:r>
-                          <a:r>
-                            <a:rPr lang="en-US" sz="2400" dirty="0" smtClean="0"/>
-                            <a:t> CIVPM</a:t>
-                          </a:r>
-                          <a:r>
-                            <a:rPr lang="en-US" sz="2400" dirty="0"/>
-                            <a:t> </a:t>
-                          </a:r>
-                          <a14:m>
-                            <m:oMath xmlns:m="http://schemas.openxmlformats.org/officeDocument/2006/math">
-                              <m:bar>
-                                <m:barPr>
-                                  <m:pos m:val="top"/>
-                                  <m:ctrlPr>
-                                    <a:rPr lang="en-US" sz="2400" i="1">
-                                      <a:latin typeface="Cambria Math" panose="02040503050406030204" pitchFamily="18" charset="0"/>
-                                    </a:rPr>
-                                  </m:ctrlPr>
-                                </m:barPr>
-                                <m:e>
-                                  <m:r>
-                                    <a:rPr lang="en-US" sz="2400" i="1">
-                                      <a:latin typeface="Cambria Math" panose="02040503050406030204" pitchFamily="18" charset="0"/>
-                                    </a:rPr>
-                                    <m:t>𝜇</m:t>
-                                  </m:r>
-                                </m:e>
-                              </m:bar>
-                              <m:r>
-                                <a:rPr lang="en-US" sz="2400" i="1">
-                                  <a:latin typeface="Cambria Math" panose="02040503050406030204" pitchFamily="18" charset="0"/>
-                                </a:rPr>
-                                <m:t>:</m:t>
-                              </m:r>
-                              <m:sSup>
-                                <m:sSupPr>
-                                  <m:ctrlPr>
-                                    <a:rPr lang="en-US" sz="2400" i="1">
-                                      <a:latin typeface="Cambria Math" panose="02040503050406030204" pitchFamily="18" charset="0"/>
-                                      <a:ea typeface="Cambria Math" panose="02040503050406030204" pitchFamily="18" charset="0"/>
-                                    </a:rPr>
-                                  </m:ctrlPr>
-                                </m:sSupPr>
-                                <m:e>
-                                  <m:r>
-                                    <a:rPr lang="en-US" sz="2400" i="1">
-                                      <a:latin typeface="Cambria Math" panose="02040503050406030204" pitchFamily="18" charset="0"/>
-                                      <a:ea typeface="Cambria Math" panose="02040503050406030204" pitchFamily="18" charset="0"/>
-                                    </a:rPr>
-                                    <m:t>2</m:t>
-                                  </m:r>
-                                </m:e>
-                                <m:sup>
-                                  <m:r>
-                                    <m:rPr>
-                                      <m:sty m:val="p"/>
-                                    </m:rPr>
-                                    <a:rPr lang="el-GR" sz="2400" i="1">
-                                      <a:latin typeface="Cambria Math" panose="02040503050406030204" pitchFamily="18" charset="0"/>
-                                      <a:ea typeface="Cambria Math" panose="02040503050406030204" pitchFamily="18" charset="0"/>
-                                    </a:rPr>
-                                    <m:t>Ω</m:t>
-                                  </m:r>
-                                </m:sup>
-                              </m:sSup>
-                              <m:r>
-                                <a:rPr lang="en-US" sz="2400">
-                                  <a:latin typeface="Cambria Math" panose="02040503050406030204" pitchFamily="18" charset="0"/>
-                                  <a:ea typeface="Cambria Math" panose="02040503050406030204" pitchFamily="18" charset="0"/>
-                                </a:rPr>
-                                <m:t>→</m:t>
-                              </m:r>
-                              <m:d>
-                                <m:dPr>
-                                  <m:begChr m:val=""/>
-                                  <m:endChr m:val=""/>
-                                  <m:ctrlPr>
-                                    <a:rPr lang="en-US" sz="2400" i="1">
-                                      <a:latin typeface="Cambria Math" panose="02040503050406030204" pitchFamily="18" charset="0"/>
-                                      <a:ea typeface="Cambria Math" panose="02040503050406030204" pitchFamily="18" charset="0"/>
-                                      <a:cs typeface="XITS Math" panose="02000503000000000000" pitchFamily="50" charset="0"/>
-                                    </a:rPr>
-                                  </m:ctrlPr>
-                                </m:dPr>
-                                <m:e>
-                                  <m:r>
-                                    <a:rPr lang="en-US" sz="2400" i="1">
-                                      <a:latin typeface="XITS Math" panose="02000503000000000000" pitchFamily="50" charset="0"/>
-                                      <a:ea typeface="XITS Math" panose="02000503000000000000" pitchFamily="50" charset="0"/>
-                                      <a:cs typeface="XITS Math" panose="02000503000000000000" pitchFamily="50" charset="0"/>
-                                    </a:rPr>
-                                    <m:t>ℐ</m:t>
-                                  </m:r>
-                                </m:e>
-                              </m:d>
-                            </m:oMath>
-                          </a14:m>
-                          <a:r>
-                            <a:rPr lang="en-US" sz="2400" dirty="0"/>
-                            <a:t> </a:t>
-                          </a:r>
-                          <a:r>
-                            <a:rPr lang="en-US" sz="2400" dirty="0" smtClean="0"/>
-                            <a:t>and any random variable</a:t>
-                          </a:r>
-                          <a:r>
-                            <a:rPr lang="en-US" sz="2400" dirty="0"/>
-                            <a:t> </a:t>
-                          </a:r>
-                          <a14:m>
-                            <m:oMath xmlns:m="http://schemas.openxmlformats.org/officeDocument/2006/math">
-                              <m:r>
-                                <a:rPr lang="en-US" sz="2400" b="0" i="1" smtClean="0">
-                                  <a:latin typeface="Cambria Math" panose="02040503050406030204" pitchFamily="18" charset="0"/>
-                                </a:rPr>
-                                <m:t>𝑋</m:t>
-                              </m:r>
-                              <m:r>
-                                <a:rPr lang="en-US" sz="2400" b="0" i="1" smtClean="0">
-                                  <a:latin typeface="Cambria Math" panose="02040503050406030204" pitchFamily="18" charset="0"/>
-                                </a:rPr>
-                                <m:t>:</m:t>
-                              </m:r>
-                              <m:r>
-                                <m:rPr>
-                                  <m:sty m:val="p"/>
-                                </m:rPr>
-                                <a:rPr lang="el-GR" sz="2400" i="1">
-                                  <a:latin typeface="Cambria Math" panose="02040503050406030204" pitchFamily="18" charset="0"/>
-                                  <a:ea typeface="Cambria Math" panose="02040503050406030204" pitchFamily="18" charset="0"/>
-                                </a:rPr>
-                                <m:t>Ω</m:t>
-                              </m:r>
-                              <m:r>
-                                <a:rPr lang="en-US" sz="2400" b="0" i="0" smtClean="0">
-                                  <a:latin typeface="Cambria Math" panose="02040503050406030204" pitchFamily="18" charset="0"/>
-                                  <a:ea typeface="Cambria Math" panose="02040503050406030204" pitchFamily="18" charset="0"/>
-                                </a:rPr>
-                                <m:t>→</m:t>
-                              </m:r>
-                              <m:r>
-                                <a:rPr lang="en-US" sz="2400" b="0" i="1" smtClean="0">
-                                  <a:latin typeface="Cambria Math" panose="02040503050406030204" pitchFamily="18" charset="0"/>
-                                  <a:ea typeface="Cambria Math" panose="02040503050406030204" pitchFamily="18" charset="0"/>
-                                </a:rPr>
-                                <m:t>ℝ</m:t>
-                              </m:r>
-                            </m:oMath>
-                          </a14:m>
-                          <a:r>
-                            <a:rPr lang="en-US" sz="2400" dirty="0" smtClean="0"/>
-                            <a:t>, </a:t>
-                          </a:r>
-                          <a:br>
-                            <a:rPr lang="en-US" sz="2400" dirty="0" smtClean="0"/>
-                          </a:br>
-                          <a14:m>
-                            <m:oMathPara xmlns:m="http://schemas.openxmlformats.org/officeDocument/2006/math">
-                              <m:oMathParaPr>
-                                <m:jc m:val="centerGroup"/>
-                              </m:oMathParaPr>
-                              <m:oMath xmlns:m="http://schemas.openxmlformats.org/officeDocument/2006/math">
-                                <m:nary>
-                                  <m:naryPr>
-                                    <m:limLoc m:val="undOvr"/>
-                                    <m:subHide m:val="on"/>
-                                    <m:supHide m:val="on"/>
-                                    <m:ctrlPr>
-                                      <a:rPr lang="en-US" sz="2400" i="1" smtClean="0">
-                                        <a:latin typeface="Cambria Math" panose="02040503050406030204" pitchFamily="18" charset="0"/>
-                                      </a:rPr>
-                                    </m:ctrlPr>
-                                  </m:naryPr>
-                                  <m:sub/>
-                                  <m:sup/>
-                                  <m:e>
-                                    <m:r>
-                                      <a:rPr lang="en-US" sz="2400" b="0" i="1" smtClean="0">
-                                        <a:latin typeface="Cambria Math" panose="02040503050406030204" pitchFamily="18" charset="0"/>
-                                      </a:rPr>
-                                      <m:t>𝑋</m:t>
-                                    </m:r>
-                                  </m:e>
-                                </m:nary>
-                                <m:r>
-                                  <a:rPr lang="en-US" sz="2400" i="1" smtClean="0">
-                                    <a:latin typeface="Cambria Math" panose="02040503050406030204" pitchFamily="18" charset="0"/>
-                                  </a:rPr>
-                                  <m:t>ⅆ</m:t>
-                                </m:r>
-                                <m:bar>
-                                  <m:barPr>
-                                    <m:pos m:val="top"/>
-                                    <m:ctrlPr>
-                                      <a:rPr lang="en-US" sz="2400" i="1" smtClean="0">
-                                        <a:solidFill>
-                                          <a:schemeClr val="accent2"/>
-                                        </a:solidFill>
-                                        <a:latin typeface="Cambria Math" panose="02040503050406030204" pitchFamily="18" charset="0"/>
-                                      </a:rPr>
-                                    </m:ctrlPr>
-                                  </m:barPr>
-                                  <m:e>
-                                    <m:r>
-                                      <a:rPr lang="en-US" sz="2400" i="1">
-                                        <a:solidFill>
-                                          <a:schemeClr val="accent2"/>
-                                        </a:solidFill>
-                                        <a:latin typeface="Cambria Math" panose="02040503050406030204" pitchFamily="18" charset="0"/>
-                                      </a:rPr>
-                                      <m:t>𝜇</m:t>
-                                    </m:r>
-                                  </m:e>
-                                </m:bar>
-                                <m:r>
-                                  <a:rPr lang="en-US" sz="2400" b="0" i="1" smtClean="0">
-                                    <a:latin typeface="Cambria Math" panose="02040503050406030204" pitchFamily="18" charset="0"/>
-                                  </a:rPr>
-                                  <m:t>=</m:t>
-                                </m:r>
-                                <m:d>
-                                  <m:dPr>
-                                    <m:begChr m:val="["/>
-                                    <m:endChr m:val="]"/>
-                                    <m:ctrlPr>
-                                      <a:rPr lang="en-US" sz="2400" b="0" i="1" smtClean="0">
-                                        <a:latin typeface="Cambria Math" panose="02040503050406030204" pitchFamily="18" charset="0"/>
-                                      </a:rPr>
-                                    </m:ctrlPr>
-                                  </m:dPr>
-                                  <m:e>
-                                    <m:func>
-                                      <m:funcPr>
-                                        <m:ctrlPr>
-                                          <a:rPr lang="en-US" sz="2400" b="0" i="1" smtClean="0">
-                                            <a:latin typeface="Cambria Math" panose="02040503050406030204" pitchFamily="18" charset="0"/>
-                                          </a:rPr>
-                                        </m:ctrlPr>
-                                      </m:funcPr>
-                                      <m:fName>
-                                        <m:limLow>
-                                          <m:limLowPr>
-                                            <m:ctrlPr>
-                                              <a:rPr lang="en-US" sz="2400" b="0" i="1" smtClean="0">
-                                                <a:latin typeface="Cambria Math" panose="02040503050406030204" pitchFamily="18" charset="0"/>
-                                              </a:rPr>
-                                            </m:ctrlPr>
-                                          </m:limLowPr>
-                                          <m:e>
-                                            <m:r>
-                                              <m:rPr>
-                                                <m:sty m:val="p"/>
-                                              </m:rPr>
-                                              <a:rPr lang="en-US" sz="2400" b="0" i="0" smtClean="0">
-                                                <a:latin typeface="Cambria Math" panose="02040503050406030204" pitchFamily="18" charset="0"/>
-                                              </a:rPr>
-                                              <m:t>min</m:t>
-                                            </m:r>
-                                          </m:e>
-                                          <m:lim>
-                                            <m:r>
-                                              <a:rPr lang="en-US" sz="2400" i="1" smtClean="0">
-                                                <a:solidFill>
-                                                  <a:schemeClr val="accent2"/>
-                                                </a:solidFill>
-                                                <a:latin typeface="Cambria Math" panose="02040503050406030204" pitchFamily="18" charset="0"/>
-                                              </a:rPr>
-                                              <m:t>𝜇</m:t>
-                                            </m:r>
-                                            <m:r>
-                                              <a:rPr lang="en-US" sz="2400" i="1" smtClean="0">
-                                                <a:solidFill>
-                                                  <a:schemeClr val="accent2"/>
-                                                </a:solidFill>
-                                                <a:latin typeface="Cambria Math" panose="02040503050406030204" pitchFamily="18" charset="0"/>
-                                              </a:rPr>
-                                              <m:t>∈</m:t>
-                                            </m:r>
-                                            <m:r>
-                                              <m:rPr>
-                                                <m:nor/>
-                                              </m:rPr>
-                                              <a:rPr lang="en-US" sz="2400">
-                                                <a:solidFill>
-                                                  <a:schemeClr val="accent2"/>
-                                                </a:solidFill>
-                                                <a:latin typeface="Cambria Math" panose="02040503050406030204" pitchFamily="18" charset="0"/>
-                                              </a:rPr>
-                                              <m:t>core</m:t>
-                                            </m:r>
-                                            <m:d>
-                                              <m:dPr>
-                                                <m:ctrlPr>
-                                                  <a:rPr lang="en-US" sz="2400" i="1">
-                                                    <a:solidFill>
-                                                      <a:schemeClr val="accent2"/>
-                                                    </a:solidFill>
-                                                    <a:latin typeface="Cambria Math" panose="02040503050406030204" pitchFamily="18" charset="0"/>
-                                                  </a:rPr>
-                                                </m:ctrlPr>
-                                              </m:dPr>
-                                              <m:e>
-                                                <m:bar>
-                                                  <m:barPr>
-                                                    <m:pos m:val="top"/>
-                                                    <m:ctrlPr>
-                                                      <a:rPr lang="en-US" sz="2400" i="1">
-                                                        <a:solidFill>
-                                                          <a:schemeClr val="accent2"/>
-                                                        </a:solidFill>
-                                                        <a:latin typeface="Cambria Math" panose="02040503050406030204" pitchFamily="18" charset="0"/>
-                                                      </a:rPr>
-                                                    </m:ctrlPr>
-                                                  </m:barPr>
-                                                  <m:e>
-                                                    <m:r>
-                                                      <a:rPr lang="en-US" sz="2400" i="1">
-                                                        <a:solidFill>
-                                                          <a:schemeClr val="accent2"/>
-                                                        </a:solidFill>
-                                                        <a:latin typeface="Cambria Math" panose="02040503050406030204" pitchFamily="18" charset="0"/>
-                                                      </a:rPr>
-                                                      <m:t>𝜇</m:t>
-                                                    </m:r>
-                                                  </m:e>
-                                                </m:bar>
-                                              </m:e>
-                                            </m:d>
-                                          </m:lim>
-                                        </m:limLow>
-                                      </m:fName>
-                                      <m:e>
-                                        <m:nary>
-                                          <m:naryPr>
-                                            <m:limLoc m:val="undOvr"/>
-                                            <m:subHide m:val="on"/>
-                                            <m:supHide m:val="on"/>
-                                            <m:ctrlPr>
-                                              <a:rPr lang="en-US" sz="2400" i="1">
-                                                <a:latin typeface="Cambria Math" panose="02040503050406030204" pitchFamily="18" charset="0"/>
-                                              </a:rPr>
-                                            </m:ctrlPr>
-                                          </m:naryPr>
-                                          <m:sub/>
-                                          <m:sup/>
-                                          <m:e>
-                                            <m:r>
-                                              <a:rPr lang="en-US" sz="2400" i="1">
-                                                <a:latin typeface="Cambria Math" panose="02040503050406030204" pitchFamily="18" charset="0"/>
-                                              </a:rPr>
-                                              <m:t>𝑋</m:t>
-                                            </m:r>
-                                          </m:e>
-                                        </m:nary>
-                                        <m:r>
-                                          <a:rPr lang="en-US" sz="2400" i="1">
-                                            <a:latin typeface="Cambria Math" panose="02040503050406030204" pitchFamily="18" charset="0"/>
-                                          </a:rPr>
-                                          <m:t>ⅆ</m:t>
-                                        </m:r>
-                                        <m:r>
-                                          <a:rPr lang="en-US" sz="2400" i="1" smtClean="0">
-                                            <a:solidFill>
-                                              <a:schemeClr val="accent2"/>
-                                            </a:solidFill>
-                                            <a:latin typeface="Cambria Math" panose="02040503050406030204" pitchFamily="18" charset="0"/>
-                                          </a:rPr>
-                                          <m:t>𝜇</m:t>
-                                        </m:r>
-                                      </m:e>
-                                    </m:func>
-                                    <m:r>
-                                      <a:rPr lang="en-US" sz="2400" b="0" i="1" smtClean="0">
-                                        <a:latin typeface="Cambria Math" panose="02040503050406030204" pitchFamily="18" charset="0"/>
-                                      </a:rPr>
-                                      <m:t>,</m:t>
-                                    </m:r>
-                                    <m:func>
-                                      <m:funcPr>
-                                        <m:ctrlPr>
-                                          <a:rPr lang="en-US" sz="2400" i="1">
-                                            <a:latin typeface="Cambria Math" panose="02040503050406030204" pitchFamily="18" charset="0"/>
-                                          </a:rPr>
-                                        </m:ctrlPr>
-                                      </m:funcPr>
-                                      <m:fName>
-                                        <m:limLow>
-                                          <m:limLowPr>
-                                            <m:ctrlPr>
-                                              <a:rPr lang="en-US" sz="2400" i="1">
-                                                <a:latin typeface="Cambria Math" panose="02040503050406030204" pitchFamily="18" charset="0"/>
-                                              </a:rPr>
-                                            </m:ctrlPr>
-                                          </m:limLowPr>
-                                          <m:e>
-                                            <m:r>
-                                              <m:rPr>
-                                                <m:sty m:val="p"/>
-                                              </m:rPr>
-                                              <a:rPr lang="en-US" sz="2400">
-                                                <a:latin typeface="Cambria Math" panose="02040503050406030204" pitchFamily="18" charset="0"/>
-                                              </a:rPr>
-                                              <m:t>m</m:t>
-                                            </m:r>
-                                            <m:r>
-                                              <m:rPr>
-                                                <m:sty m:val="p"/>
-                                              </m:rPr>
-                                              <a:rPr lang="en-US" sz="2400" b="0" i="0" smtClean="0">
-                                                <a:latin typeface="Cambria Math" panose="02040503050406030204" pitchFamily="18" charset="0"/>
-                                              </a:rPr>
-                                              <m:t>ax</m:t>
-                                            </m:r>
-                                          </m:e>
-                                          <m:lim>
-                                            <m:r>
-                                              <a:rPr lang="en-US" sz="2400" i="1" smtClean="0">
-                                                <a:solidFill>
-                                                  <a:schemeClr val="accent2"/>
-                                                </a:solidFill>
-                                                <a:latin typeface="Cambria Math" panose="02040503050406030204" pitchFamily="18" charset="0"/>
-                                              </a:rPr>
-                                              <m:t>𝜇</m:t>
-                                            </m:r>
-                                            <m:r>
-                                              <a:rPr lang="en-US" sz="2400" i="1" smtClean="0">
-                                                <a:solidFill>
-                                                  <a:schemeClr val="accent2"/>
-                                                </a:solidFill>
-                                                <a:latin typeface="Cambria Math" panose="02040503050406030204" pitchFamily="18" charset="0"/>
-                                              </a:rPr>
-                                              <m:t>∈</m:t>
-                                            </m:r>
-                                            <m:r>
-                                              <m:rPr>
-                                                <m:nor/>
-                                              </m:rPr>
-                                              <a:rPr lang="en-US" sz="2400">
-                                                <a:solidFill>
-                                                  <a:schemeClr val="accent2"/>
-                                                </a:solidFill>
-                                                <a:latin typeface="Cambria Math" panose="02040503050406030204" pitchFamily="18" charset="0"/>
-                                              </a:rPr>
-                                              <m:t>core</m:t>
-                                            </m:r>
-                                            <m:d>
-                                              <m:dPr>
-                                                <m:ctrlPr>
-                                                  <a:rPr lang="en-US" sz="2400" i="1">
-                                                    <a:solidFill>
-                                                      <a:schemeClr val="accent2"/>
-                                                    </a:solidFill>
-                                                    <a:latin typeface="Cambria Math" panose="02040503050406030204" pitchFamily="18" charset="0"/>
-                                                  </a:rPr>
-                                                </m:ctrlPr>
-                                              </m:dPr>
-                                              <m:e>
-                                                <m:bar>
-                                                  <m:barPr>
-                                                    <m:pos m:val="top"/>
-                                                    <m:ctrlPr>
-                                                      <a:rPr lang="en-US" sz="2400" i="1">
-                                                        <a:solidFill>
-                                                          <a:schemeClr val="accent2"/>
-                                                        </a:solidFill>
-                                                        <a:latin typeface="Cambria Math" panose="02040503050406030204" pitchFamily="18" charset="0"/>
-                                                      </a:rPr>
-                                                    </m:ctrlPr>
-                                                  </m:barPr>
-                                                  <m:e>
-                                                    <m:r>
-                                                      <a:rPr lang="en-US" sz="2400" i="1">
-                                                        <a:solidFill>
-                                                          <a:schemeClr val="accent2"/>
-                                                        </a:solidFill>
-                                                        <a:latin typeface="Cambria Math" panose="02040503050406030204" pitchFamily="18" charset="0"/>
-                                                      </a:rPr>
-                                                      <m:t>𝜇</m:t>
-                                                    </m:r>
-                                                  </m:e>
-                                                </m:bar>
-                                              </m:e>
-                                            </m:d>
-                                          </m:lim>
-                                        </m:limLow>
-                                      </m:fName>
-                                      <m:e>
-                                        <m:nary>
-                                          <m:naryPr>
-                                            <m:limLoc m:val="undOvr"/>
-                                            <m:subHide m:val="on"/>
-                                            <m:supHide m:val="on"/>
-                                            <m:ctrlPr>
-                                              <a:rPr lang="en-US" sz="2400" i="1">
-                                                <a:latin typeface="Cambria Math" panose="02040503050406030204" pitchFamily="18" charset="0"/>
-                                              </a:rPr>
-                                            </m:ctrlPr>
-                                          </m:naryPr>
-                                          <m:sub/>
-                                          <m:sup/>
-                                          <m:e>
-                                            <m:r>
-                                              <a:rPr lang="en-US" sz="2400" i="1">
-                                                <a:latin typeface="Cambria Math" panose="02040503050406030204" pitchFamily="18" charset="0"/>
-                                              </a:rPr>
-                                              <m:t>𝑋</m:t>
-                                            </m:r>
-                                          </m:e>
-                                        </m:nary>
-                                        <m:r>
-                                          <a:rPr lang="en-US" sz="2400" i="1">
-                                            <a:latin typeface="Cambria Math" panose="02040503050406030204" pitchFamily="18" charset="0"/>
-                                          </a:rPr>
-                                          <m:t>ⅆ</m:t>
-                                        </m:r>
-                                        <m:r>
-                                          <a:rPr lang="en-US" sz="2400" i="1" smtClean="0">
-                                            <a:solidFill>
-                                              <a:schemeClr val="accent2"/>
-                                            </a:solidFill>
-                                            <a:latin typeface="Cambria Math" panose="02040503050406030204" pitchFamily="18" charset="0"/>
-                                          </a:rPr>
-                                          <m:t>𝜇</m:t>
-                                        </m:r>
-                                      </m:e>
-                                    </m:func>
-                                  </m:e>
-                                </m:d>
-                              </m:oMath>
-                            </m:oMathPara>
-                          </a14:m>
-                          <a:endParaRPr lang="en-US" sz="2200" dirty="0"/>
-                        </a:p>
-                      </a:txBody>
-                      <a:tcPr/>
-                    </a:tc>
-                    <a:tc>
-                      <a:txBody>
-                        <a:bodyPr/>
-                        <a:lstStyle/>
-                        <a:p>
-                          <a:endParaRPr lang="en-US" sz="2200" dirty="0"/>
-                        </a:p>
-                      </a:txBody>
-                      <a:tcPr/>
-                    </a:tc>
-                  </a:tr>
-                </a:tbl>
-              </a:graphicData>
-            </a:graphic>
-          </p:graphicFrame>
-        </mc:Choice>
-        <mc:Fallback xmlns="">
-          <p:graphicFrame>
-            <p:nvGraphicFramePr>
-              <p:cNvPr id="4" name="Content Placeholder 3"/>
-              <p:cNvGraphicFramePr>
-                <a:graphicFrameLocks noGrp="1"/>
-              </p:cNvGraphicFramePr>
-              <p:nvPr>
-                <p:ph idx="1"/>
-                <p:extLst>
-                  <p:ext uri="{D42A27DB-BD31-4B8C-83A1-F6EECF244321}">
-                    <p14:modId xmlns:p14="http://schemas.microsoft.com/office/powerpoint/2010/main" val="67151303"/>
-                  </p:ext>
-                </p:extLst>
-              </p:nvPr>
-            </p:nvGraphicFramePr>
-            <p:xfrm>
-              <a:off x="838200" y="1825625"/>
-              <a:ext cx="10515600" cy="4812792"/>
-            </p:xfrm>
-            <a:graphic>
-              <a:graphicData uri="http://schemas.openxmlformats.org/drawingml/2006/table">
-                <a:tbl>
-                  <a:tblPr firstRow="1" bandRow="1">
-                    <a:tableStyleId>{5C22544A-7EE6-4342-B048-85BDC9FD1C3A}</a:tableStyleId>
-                  </a:tblPr>
-                  <a:tblGrid>
-                    <a:gridCol w="5257800"/>
-                    <a:gridCol w="5257800"/>
-                  </a:tblGrid>
-                  <a:tr h="762000">
-                    <a:tc>
-                      <a:txBody>
-                        <a:bodyPr/>
-                        <a:lstStyle/>
-                        <a:p>
-                          <a:pPr marL="0" marR="0" lvl="0" indent="0" algn="l" defTabSz="914400" rtl="0" eaLnBrk="1" fontAlgn="auto" latinLnBrk="0" hangingPunct="1">
-                            <a:lnSpc>
-                              <a:spcPct val="100000"/>
-                            </a:lnSpc>
-                            <a:spcBef>
-                              <a:spcPts val="0"/>
-                            </a:spcBef>
-                            <a:spcAft>
-                              <a:spcPts val="0"/>
-                            </a:spcAft>
-                            <a:buClrTx/>
-                            <a:buSzTx/>
-                            <a:buFontTx/>
-                            <a:buNone/>
-                            <a:tabLst/>
-                            <a:defRPr/>
-                          </a:pPr>
-                          <a:r>
-                            <a:rPr lang="en-US" sz="2200" dirty="0" smtClean="0"/>
-                            <a:t>Classical </a:t>
-                          </a:r>
-                          <a:r>
-                            <a:rPr lang="en-US" sz="2200" dirty="0" smtClean="0">
-                              <a:solidFill>
-                                <a:schemeClr val="accent2"/>
-                              </a:solidFill>
-                            </a:rPr>
-                            <a:t>Interval</a:t>
-                          </a:r>
-                          <a:r>
-                            <a:rPr lang="en-US" sz="2200" dirty="0" smtClean="0"/>
-                            <a:t>-Valued Probability Measure (C</a:t>
-                          </a:r>
-                          <a:r>
-                            <a:rPr lang="en-US" sz="2200" dirty="0" smtClean="0">
-                              <a:solidFill>
-                                <a:schemeClr val="accent2"/>
-                              </a:solidFill>
-                            </a:rPr>
-                            <a:t>I</a:t>
-                          </a:r>
-                          <a:r>
-                            <a:rPr lang="en-US" sz="2200" dirty="0" smtClean="0"/>
-                            <a:t>VPM)</a:t>
-                          </a:r>
-                        </a:p>
-                      </a:txBody>
-                      <a:tcPr/>
-                    </a:tc>
-                    <a:tc>
-                      <a:txBody>
-                        <a:bodyPr/>
-                        <a:lstStyle/>
-                        <a:p>
-                          <a:pPr marL="0" marR="0" lvl="0" indent="0" algn="l" defTabSz="914400" rtl="0" eaLnBrk="1" fontAlgn="auto" latinLnBrk="0" hangingPunct="1">
-                            <a:lnSpc>
-                              <a:spcPct val="100000"/>
-                            </a:lnSpc>
-                            <a:spcBef>
-                              <a:spcPts val="0"/>
-                            </a:spcBef>
-                            <a:spcAft>
-                              <a:spcPts val="0"/>
-                            </a:spcAft>
-                            <a:buClrTx/>
-                            <a:buSzTx/>
-                            <a:buFontTx/>
-                            <a:buNone/>
-                            <a:tabLst/>
-                            <a:defRPr/>
-                          </a:pPr>
-                          <a:endParaRPr lang="en-US" sz="2200" dirty="0" smtClean="0"/>
-                        </a:p>
-                      </a:txBody>
-                      <a:tcPr/>
-                    </a:tc>
-                  </a:tr>
-                  <a:tr h="1097280">
-                    <a:tc>
-                      <a:txBody>
-                        <a:bodyPr/>
-                        <a:lstStyle/>
-                        <a:p>
-                          <a:endParaRPr lang="en-US"/>
-                        </a:p>
-                      </a:txBody>
-                      <a:tcPr>
-                        <a:blipFill rotWithShape="0">
-                          <a:blip r:embed="rId3"/>
-                          <a:stretch>
-                            <a:fillRect l="-116" t="-72778" r="-100463" b="-271111"/>
-                          </a:stretch>
-                        </a:blipFill>
-                      </a:tcPr>
-                    </a:tc>
-                    <a:tc>
-                      <a:txBody>
-                        <a:bodyPr/>
-                        <a:lstStyle/>
-                        <a:p>
-                          <a:pPr marL="0" marR="0" lvl="0" indent="0" algn="l" defTabSz="914400" rtl="0" eaLnBrk="1" fontAlgn="auto" latinLnBrk="0" hangingPunct="1">
-                            <a:lnSpc>
-                              <a:spcPct val="100000"/>
-                            </a:lnSpc>
-                            <a:spcBef>
-                              <a:spcPts val="0"/>
-                            </a:spcBef>
-                            <a:spcAft>
-                              <a:spcPts val="0"/>
-                            </a:spcAft>
-                            <a:buClrTx/>
-                            <a:buSzTx/>
-                            <a:buFontTx/>
-                            <a:buNone/>
-                            <a:tabLst>
-                              <a:tab pos="2743200" algn="ctr"/>
-                              <a:tab pos="5035550" algn="r"/>
-                            </a:tabLst>
-                            <a:defRPr/>
-                          </a:pPr>
-                          <a:endParaRPr lang="en-US" sz="2200" dirty="0" smtClean="0"/>
-                        </a:p>
-                      </a:txBody>
-                      <a:tcPr/>
-                    </a:tc>
-                  </a:tr>
-                  <a:tr h="2953512">
-                    <a:tc>
-                      <a:txBody>
-                        <a:bodyPr/>
-                        <a:lstStyle/>
-                        <a:p>
-                          <a:endParaRPr lang="en-US"/>
-                        </a:p>
-                      </a:txBody>
-                      <a:tcPr>
-                        <a:blipFill rotWithShape="0">
-                          <a:blip r:embed="rId3"/>
-                          <a:stretch>
-                            <a:fillRect l="-116" t="-64124" r="-100463" b="-619"/>
-                          </a:stretch>
-                        </a:blipFill>
-                      </a:tcPr>
-                    </a:tc>
-                    <a:tc>
-                      <a:txBody>
-                        <a:bodyPr/>
-                        <a:lstStyle/>
-                        <a:p>
-                          <a:pPr/>
-                          <a:endParaRPr lang="en-US" sz="2200" dirty="0"/>
-                        </a:p>
-                      </a:txBody>
-                      <a:tcPr/>
-                    </a:tc>
-                  </a:tr>
-                </a:tbl>
-              </a:graphicData>
-            </a:graphic>
-          </p:graphicFrame>
-        </mc:Fallback>
-      </mc:AlternateContent>
-    </p:spTree>
-    <p:extLst>
-      <p:ext uri="{BB962C8B-B14F-4D97-AF65-F5344CB8AC3E}">
-        <p14:creationId xmlns:p14="http://schemas.microsoft.com/office/powerpoint/2010/main" val="1333181481"/>
-      </p:ext>
-    </p:extLst>
-  </p:cSld>
-  <p:clrMapOvr>
-    <a:masterClrMapping/>
-  </p:clrMapOvr>
-  <p:timing>
-    <p:tnLst>
-      <p:par>
-        <p:cTn id="1" dur="indefinite" restart="never" nodeType="tmRoot"/>
-      </p:par>
-    </p:tnLst>
-  </p:timing>
-</p:sld>
-</file>
-
-<file path=ppt/slides/slide13.xml><?xml version="1.0" encoding="utf-8"?>
-<p:sld xmlns:a="http://schemas.openxmlformats.org/drawingml/2006/main" xmlns:r="http://schemas.openxmlformats.org/officeDocument/2006/relationships" xmlns:p="http://schemas.openxmlformats.org/presentationml/2006/main">
-  <p:cSld>
-    <p:spTree>
-      <p:nvGrpSpPr>
-        <p:cNvPr id="1" name=""/>
-        <p:cNvGrpSpPr/>
-        <p:nvPr/>
-      </p:nvGrpSpPr>
-      <p:grpSpPr>
-        <a:xfrm>
-          <a:off x="0" y="0"/>
-          <a:ext cx="0" cy="0"/>
-          <a:chOff x="0" y="0"/>
-          <a:chExt cx="0" cy="0"/>
-        </a:xfrm>
-      </p:grpSpPr>
-      <p:sp>
-        <p:nvSpPr>
-          <p:cNvPr id="2" name="Title 1"/>
-          <p:cNvSpPr>
-            <a:spLocks noGrp="1"/>
-          </p:cNvSpPr>
-          <p:nvPr>
-            <p:ph type="title"/>
-          </p:nvPr>
-        </p:nvSpPr>
-        <p:spPr/>
-        <p:txBody>
-          <a:bodyPr/>
-          <a:lstStyle/>
-          <a:p>
-            <a:r>
               <a:rPr lang="en-US" dirty="0"/>
               <a:t>Convexity</a:t>
             </a:r>
@@ -6362,71 +4745,6 @@
                   </m:oMath>
                 </a14:m>
                 <a:endParaRPr lang="en-US" dirty="0"/>
-              </a:p>
-              <a:p>
-                <a:pPr>
-                  <a:lnSpc>
-                    <a:spcPct val="95000"/>
-                  </a:lnSpc>
-                </a:pPr>
-                <a14:m>
-                  <m:oMath xmlns:m="http://schemas.openxmlformats.org/officeDocument/2006/math">
-                    <m:bar>
-                      <m:barPr>
-                        <m:pos m:val="top"/>
-                        <m:ctrlPr>
-                          <a:rPr lang="en-US" i="1">
-                            <a:latin typeface="Cambria Math" panose="02040503050406030204" pitchFamily="18" charset="0"/>
-                          </a:rPr>
-                        </m:ctrlPr>
-                      </m:barPr>
-                      <m:e>
-                        <m:r>
-                          <a:rPr lang="en-US" i="1">
-                            <a:latin typeface="Cambria Math" panose="02040503050406030204" pitchFamily="18" charset="0"/>
-                          </a:rPr>
-                          <m:t>𝜇</m:t>
-                        </m:r>
-                      </m:e>
-                    </m:bar>
-                    <m:r>
-                      <a:rPr lang="en-US" i="1">
-                        <a:latin typeface="Cambria Math" panose="02040503050406030204" pitchFamily="18" charset="0"/>
-                      </a:rPr>
-                      <m:t>:</m:t>
-                    </m:r>
-                    <m:r>
-                      <a:rPr lang="en-US" i="1">
-                        <a:latin typeface="Cambria Math" panose="02040503050406030204" pitchFamily="18" charset="0"/>
-                        <a:ea typeface="Cambria Math" panose="02040503050406030204" pitchFamily="18" charset="0"/>
-                      </a:rPr>
-                      <m:t>ℰ</m:t>
-                    </m:r>
-                    <m:r>
-                      <a:rPr lang="en-US">
-                        <a:latin typeface="Cambria Math" panose="02040503050406030204" pitchFamily="18" charset="0"/>
-                        <a:ea typeface="Cambria Math" panose="02040503050406030204" pitchFamily="18" charset="0"/>
-                      </a:rPr>
-                      <m:t>→</m:t>
-                    </m:r>
-                    <m:r>
-                      <a:rPr lang="en-US" i="1" smtClean="0">
-                        <a:latin typeface="XITS Math" panose="02000503000000000000" pitchFamily="50" charset="0"/>
-                        <a:ea typeface="XITS Math" panose="02000503000000000000" pitchFamily="50" charset="0"/>
-                        <a:cs typeface="XITS Math" panose="02000503000000000000" pitchFamily="50" charset="0"/>
-                      </a:rPr>
-                      <m:t>ℐ</m:t>
-                    </m:r>
-                  </m:oMath>
-                </a14:m>
-                <a:endParaRPr lang="en-US" i="1" dirty="0" smtClean="0">
-                  <a:solidFill>
-                    <a:schemeClr val="tx1"/>
-                  </a:solidFill>
-                  <a:latin typeface="XITS Math" panose="02000503000000000000" pitchFamily="50" charset="0"/>
-                  <a:ea typeface="XITS Math" panose="02000503000000000000" pitchFamily="50" charset="0"/>
-                  <a:cs typeface="XITS Math" panose="02000503000000000000" pitchFamily="50" charset="0"/>
-                </a:endParaRPr>
               </a:p>
               <a:p>
                 <a:pPr>
@@ -7092,7 +5410,7 @@
             <p:spPr/>
             <p:txBody>
               <a:bodyPr>
-                <a:normAutofit lnSpcReduction="10000"/>
+                <a:normAutofit fontScale="92500" lnSpcReduction="10000"/>
               </a:bodyPr>
               <a:lstStyle/>
               <a:p>
@@ -7410,71 +5728,17 @@
                     <a:spcPct val="100000"/>
                   </a:lnSpc>
                 </a:pPr>
-                <a14:m>
-                  <m:oMath xmlns:m="http://schemas.openxmlformats.org/officeDocument/2006/math">
-                    <m:bar>
-                      <m:barPr>
-                        <m:pos m:val="top"/>
-                        <m:ctrlPr>
-                          <a:rPr lang="en-US" i="1">
-                            <a:latin typeface="Cambria Math" panose="02040503050406030204" pitchFamily="18" charset="0"/>
-                          </a:rPr>
-                        </m:ctrlPr>
-                      </m:barPr>
-                      <m:e>
-                        <m:r>
-                          <a:rPr lang="en-US" i="1">
-                            <a:latin typeface="Cambria Math" panose="02040503050406030204" pitchFamily="18" charset="0"/>
-                          </a:rPr>
-                          <m:t>𝜇</m:t>
-                        </m:r>
-                      </m:e>
-                    </m:bar>
-                    <m:r>
-                      <a:rPr lang="en-US" i="1">
-                        <a:latin typeface="Cambria Math" panose="02040503050406030204" pitchFamily="18" charset="0"/>
-                      </a:rPr>
-                      <m:t>:</m:t>
-                    </m:r>
-                    <m:r>
-                      <a:rPr lang="en-US" i="1">
-                        <a:latin typeface="Cambria Math" panose="02040503050406030204" pitchFamily="18" charset="0"/>
-                        <a:ea typeface="Cambria Math" panose="02040503050406030204" pitchFamily="18" charset="0"/>
-                      </a:rPr>
-                      <m:t>ℰ</m:t>
-                    </m:r>
-                    <m:r>
-                      <a:rPr lang="en-US">
-                        <a:latin typeface="Cambria Math" panose="02040503050406030204" pitchFamily="18" charset="0"/>
-                        <a:ea typeface="Cambria Math" panose="02040503050406030204" pitchFamily="18" charset="0"/>
-                      </a:rPr>
-                      <m:t>→</m:t>
-                    </m:r>
-                    <m:r>
-                      <a:rPr lang="en-US" i="1">
-                        <a:latin typeface="XITS Math" panose="02000503000000000000" pitchFamily="50" charset="0"/>
-                        <a:ea typeface="XITS Math" panose="02000503000000000000" pitchFamily="50" charset="0"/>
-                        <a:cs typeface="XITS Math" panose="02000503000000000000" pitchFamily="50" charset="0"/>
-                      </a:rPr>
-                      <m:t>ℐ</m:t>
-                    </m:r>
-                  </m:oMath>
-                </a14:m>
-                <a:endParaRPr lang="en-US" dirty="0" smtClean="0"/>
-              </a:p>
-              <a:p>
-                <a:pPr>
-                  <a:lnSpc>
-                    <a:spcPct val="100000"/>
-                  </a:lnSpc>
-                </a:pPr>
                 <a:r>
-                  <a:rPr lang="en-US" i="1" dirty="0"/>
+                  <a:rPr lang="en-US" i="1" dirty="0" smtClean="0"/>
                   <a:t>convexity</a:t>
                 </a:r>
                 <a:r>
+                  <a:rPr lang="en-US" dirty="0" smtClean="0"/>
+                  <a:t> </a:t>
+                </a:r>
+                <a:r>
                   <a:rPr lang="en-US" dirty="0"/>
-                  <a:t> condition:</a:t>
+                  <a:t>condition:</a:t>
                 </a:r>
                 <a:br>
                   <a:rPr lang="en-US" dirty="0"/>
@@ -7550,7 +5814,7 @@
                             <a:latin typeface="Cambria Math" panose="02040503050406030204" pitchFamily="18" charset="0"/>
                             <a:ea typeface="Cambria Math" panose="02040503050406030204" pitchFamily="18" charset="0"/>
                           </a:rPr>
-                          <m:t>∨</m:t>
+                          <m:t>+</m:t>
                         </m:r>
                         <m:sSub>
                           <m:sSubPr>
@@ -7566,6 +5830,83 @@
                           <m:e>
                             <m:r>
                               <a:rPr lang="en-US" b="0" i="1" smtClean="0">
+                                <a:solidFill>
+                                  <a:srgbClr val="FF0000"/>
+                                </a:solidFill>
+                                <a:latin typeface="Cambria Math" panose="02040503050406030204" pitchFamily="18" charset="0"/>
+                              </a:rPr>
+                              <m:t>𝑃</m:t>
+                            </m:r>
+                          </m:e>
+                          <m:sub>
+                            <m:r>
+                              <a:rPr lang="en-US" i="1">
+                                <a:solidFill>
+                                  <a:srgbClr val="FF0000"/>
+                                </a:solidFill>
+                                <a:latin typeface="Cambria Math" panose="02040503050406030204" pitchFamily="18" charset="0"/>
+                              </a:rPr>
+                              <m:t>1</m:t>
+                            </m:r>
+                          </m:sub>
+                        </m:sSub>
+                        <m:r>
+                          <a:rPr lang="en-US" b="0" i="1" smtClean="0">
+                            <a:solidFill>
+                              <a:srgbClr val="FF0000"/>
+                            </a:solidFill>
+                            <a:latin typeface="Cambria Math" panose="02040503050406030204" pitchFamily="18" charset="0"/>
+                          </a:rPr>
+                          <m:t>−</m:t>
+                        </m:r>
+                        <m:sSub>
+                          <m:sSubPr>
+                            <m:ctrlPr>
+                              <a:rPr lang="en-US" i="1">
+                                <a:solidFill>
+                                  <a:srgbClr val="FF0000"/>
+                                </a:solidFill>
+                                <a:latin typeface="Cambria Math" panose="02040503050406030204" pitchFamily="18" charset="0"/>
+                              </a:rPr>
+                            </m:ctrlPr>
+                          </m:sSubPr>
+                          <m:e>
+                            <m:r>
+                              <a:rPr lang="en-US" i="1">
+                                <a:solidFill>
+                                  <a:srgbClr val="FF0000"/>
+                                </a:solidFill>
+                                <a:latin typeface="Cambria Math" panose="02040503050406030204" pitchFamily="18" charset="0"/>
+                              </a:rPr>
+                              <m:t>𝑃</m:t>
+                            </m:r>
+                          </m:e>
+                          <m:sub>
+                            <m:r>
+                              <a:rPr lang="en-US" i="1">
+                                <a:solidFill>
+                                  <a:srgbClr val="FF0000"/>
+                                </a:solidFill>
+                                <a:latin typeface="Cambria Math" panose="02040503050406030204" pitchFamily="18" charset="0"/>
+                              </a:rPr>
+                              <m:t>0</m:t>
+                            </m:r>
+                          </m:sub>
+                        </m:sSub>
+                        <m:sSub>
+                          <m:sSubPr>
+                            <m:ctrlPr>
+                              <a:rPr lang="en-US" i="1">
+                                <a:solidFill>
+                                  <a:srgbClr val="FF0000"/>
+                                </a:solidFill>
+                                <a:latin typeface="Cambria Math" panose="02040503050406030204" pitchFamily="18" charset="0"/>
+                              </a:rPr>
+                            </m:ctrlPr>
+                          </m:sSubPr>
+                          <m:e>
+                            <m:r>
+                              <a:rPr lang="en-US" i="1">
                                 <a:solidFill>
                                   <a:srgbClr val="FF0000"/>
                                 </a:solidFill>
@@ -7822,7 +6163,19 @@
                 </a:br>
                 <a:r>
                   <a:rPr lang="en-US" dirty="0"/>
-                  <a:t>for any events </a:t>
+                  <a:t>for any </a:t>
+                </a:r>
+                <a:r>
+                  <a:rPr lang="en-US" dirty="0" smtClean="0">
+                    <a:solidFill>
+                      <a:srgbClr val="FF0000"/>
+                    </a:solidFill>
+                  </a:rPr>
+                  <a:t>commuting</a:t>
+                </a:r>
+                <a:r>
+                  <a:rPr lang="en-US" dirty="0" smtClean="0"/>
+                  <a:t> </a:t>
                 </a:r>
                 <a14:m>
                   <m:oMath xmlns:m="http://schemas.openxmlformats.org/officeDocument/2006/math">
@@ -7887,9 +6240,338 @@
                   </m:oMath>
                 </a14:m>
                 <a:r>
-                  <a:rPr lang="en-US" dirty="0"/>
+                  <a:rPr lang="en-US" dirty="0" smtClean="0"/>
                   <a:t>.</a:t>
                 </a:r>
+              </a:p>
+              <a:p>
+                <a:pPr>
+                  <a:lnSpc>
+                    <a:spcPct val="100000"/>
+                  </a:lnSpc>
+                </a:pPr>
+                <a:r>
+                  <a:rPr lang="en-US" dirty="0" smtClean="0"/>
+                  <a:t>Since if </a:t>
+                </a:r>
+                <a14:m>
+                  <m:oMath xmlns:m="http://schemas.openxmlformats.org/officeDocument/2006/math">
+                    <m:sSub>
+                      <m:sSubPr>
+                        <m:ctrlPr>
+                          <a:rPr lang="en-US" i="1">
+                            <a:latin typeface="Cambria Math" panose="02040503050406030204" pitchFamily="18" charset="0"/>
+                          </a:rPr>
+                        </m:ctrlPr>
+                      </m:sSubPr>
+                      <m:e>
+                        <m:r>
+                          <a:rPr lang="en-US" i="1">
+                            <a:latin typeface="Cambria Math" panose="02040503050406030204" pitchFamily="18" charset="0"/>
+                          </a:rPr>
+                          <m:t>𝑃</m:t>
+                        </m:r>
+                      </m:e>
+                      <m:sub>
+                        <m:r>
+                          <a:rPr lang="en-US" i="1">
+                            <a:latin typeface="Cambria Math" panose="02040503050406030204" pitchFamily="18" charset="0"/>
+                          </a:rPr>
+                          <m:t>0</m:t>
+                        </m:r>
+                      </m:sub>
+                    </m:sSub>
+                  </m:oMath>
+                </a14:m>
+                <a:r>
+                  <a:rPr lang="en-US" dirty="0"/>
+                  <a:t> and </a:t>
+                </a:r>
+                <a14:m>
+                  <m:oMath xmlns:m="http://schemas.openxmlformats.org/officeDocument/2006/math">
+                    <m:sSub>
+                      <m:sSubPr>
+                        <m:ctrlPr>
+                          <a:rPr lang="en-US" i="1">
+                            <a:latin typeface="Cambria Math" panose="02040503050406030204" pitchFamily="18" charset="0"/>
+                          </a:rPr>
+                        </m:ctrlPr>
+                      </m:sSubPr>
+                      <m:e>
+                        <m:r>
+                          <a:rPr lang="en-US" i="1">
+                            <a:latin typeface="Cambria Math" panose="02040503050406030204" pitchFamily="18" charset="0"/>
+                          </a:rPr>
+                          <m:t>𝑃</m:t>
+                        </m:r>
+                      </m:e>
+                      <m:sub>
+                        <m:r>
+                          <a:rPr lang="en-US" i="1">
+                            <a:latin typeface="Cambria Math" panose="02040503050406030204" pitchFamily="18" charset="0"/>
+                          </a:rPr>
+                          <m:t>1</m:t>
+                        </m:r>
+                      </m:sub>
+                    </m:sSub>
+                  </m:oMath>
+                </a14:m>
+                <a:r>
+                  <a:rPr lang="en-US" dirty="0" smtClean="0"/>
+                  <a:t> do not </a:t>
+                </a:r>
+                <a:r>
+                  <a:rPr lang="en-US" dirty="0" smtClean="0">
+                    <a:solidFill>
+                      <a:srgbClr val="FF0000"/>
+                    </a:solidFill>
+                  </a:rPr>
+                  <a:t>commute</a:t>
+                </a:r>
+                <a:r>
+                  <a:rPr lang="en-US" dirty="0" smtClean="0"/>
+                  <a:t>, </a:t>
+                </a:r>
+                <a14:m>
+                  <m:oMath xmlns:m="http://schemas.openxmlformats.org/officeDocument/2006/math">
+                    <m:sSub>
+                      <m:sSubPr>
+                        <m:ctrlPr>
+                          <a:rPr lang="en-US" i="1">
+                            <a:solidFill>
+                              <a:srgbClr val="FF0000"/>
+                            </a:solidFill>
+                            <a:latin typeface="Cambria Math" panose="02040503050406030204" pitchFamily="18" charset="0"/>
+                          </a:rPr>
+                        </m:ctrlPr>
+                      </m:sSubPr>
+                      <m:e>
+                        <m:r>
+                          <a:rPr lang="en-US" i="1">
+                            <a:solidFill>
+                              <a:srgbClr val="FF0000"/>
+                            </a:solidFill>
+                            <a:latin typeface="Cambria Math" panose="02040503050406030204" pitchFamily="18" charset="0"/>
+                          </a:rPr>
+                          <m:t>𝑃</m:t>
+                        </m:r>
+                      </m:e>
+                      <m:sub>
+                        <m:r>
+                          <a:rPr lang="en-US" i="1">
+                            <a:solidFill>
+                              <a:srgbClr val="FF0000"/>
+                            </a:solidFill>
+                            <a:latin typeface="Cambria Math" panose="02040503050406030204" pitchFamily="18" charset="0"/>
+                          </a:rPr>
+                          <m:t>0</m:t>
+                        </m:r>
+                      </m:sub>
+                    </m:sSub>
+                    <m:r>
+                      <a:rPr lang="en-US" i="1">
+                        <a:solidFill>
+                          <a:srgbClr val="FF0000"/>
+                        </a:solidFill>
+                        <a:latin typeface="Cambria Math" panose="02040503050406030204" pitchFamily="18" charset="0"/>
+                        <a:ea typeface="Cambria Math" panose="02040503050406030204" pitchFamily="18" charset="0"/>
+                      </a:rPr>
+                      <m:t>+</m:t>
+                    </m:r>
+                    <m:sSub>
+                      <m:sSubPr>
+                        <m:ctrlPr>
+                          <a:rPr lang="en-US" i="1">
+                            <a:solidFill>
+                              <a:srgbClr val="FF0000"/>
+                            </a:solidFill>
+                            <a:latin typeface="Cambria Math" panose="02040503050406030204" pitchFamily="18" charset="0"/>
+                          </a:rPr>
+                        </m:ctrlPr>
+                      </m:sSubPr>
+                      <m:e>
+                        <m:r>
+                          <a:rPr lang="en-US" i="1">
+                            <a:solidFill>
+                              <a:srgbClr val="FF0000"/>
+                            </a:solidFill>
+                            <a:latin typeface="Cambria Math" panose="02040503050406030204" pitchFamily="18" charset="0"/>
+                          </a:rPr>
+                          <m:t>𝑃</m:t>
+                        </m:r>
+                      </m:e>
+                      <m:sub>
+                        <m:r>
+                          <a:rPr lang="en-US" i="1">
+                            <a:solidFill>
+                              <a:srgbClr val="FF0000"/>
+                            </a:solidFill>
+                            <a:latin typeface="Cambria Math" panose="02040503050406030204" pitchFamily="18" charset="0"/>
+                          </a:rPr>
+                          <m:t>1</m:t>
+                        </m:r>
+                      </m:sub>
+                    </m:sSub>
+                    <m:r>
+                      <a:rPr lang="en-US" i="1">
+                        <a:solidFill>
+                          <a:srgbClr val="FF0000"/>
+                        </a:solidFill>
+                        <a:latin typeface="Cambria Math" panose="02040503050406030204" pitchFamily="18" charset="0"/>
+                      </a:rPr>
+                      <m:t>−</m:t>
+                    </m:r>
+                    <m:sSub>
+                      <m:sSubPr>
+                        <m:ctrlPr>
+                          <a:rPr lang="en-US" i="1">
+                            <a:solidFill>
+                              <a:srgbClr val="FF0000"/>
+                            </a:solidFill>
+                            <a:latin typeface="Cambria Math" panose="02040503050406030204" pitchFamily="18" charset="0"/>
+                          </a:rPr>
+                        </m:ctrlPr>
+                      </m:sSubPr>
+                      <m:e>
+                        <m:r>
+                          <a:rPr lang="en-US" i="1">
+                            <a:solidFill>
+                              <a:srgbClr val="FF0000"/>
+                            </a:solidFill>
+                            <a:latin typeface="Cambria Math" panose="02040503050406030204" pitchFamily="18" charset="0"/>
+                          </a:rPr>
+                          <m:t>𝑃</m:t>
+                        </m:r>
+                      </m:e>
+                      <m:sub>
+                        <m:r>
+                          <a:rPr lang="en-US" i="1">
+                            <a:solidFill>
+                              <a:srgbClr val="FF0000"/>
+                            </a:solidFill>
+                            <a:latin typeface="Cambria Math" panose="02040503050406030204" pitchFamily="18" charset="0"/>
+                          </a:rPr>
+                          <m:t>0</m:t>
+                        </m:r>
+                      </m:sub>
+                    </m:sSub>
+                    <m:sSub>
+                      <m:sSubPr>
+                        <m:ctrlPr>
+                          <a:rPr lang="en-US" i="1">
+                            <a:solidFill>
+                              <a:srgbClr val="FF0000"/>
+                            </a:solidFill>
+                            <a:latin typeface="Cambria Math" panose="02040503050406030204" pitchFamily="18" charset="0"/>
+                          </a:rPr>
+                        </m:ctrlPr>
+                      </m:sSubPr>
+                      <m:e>
+                        <m:r>
+                          <a:rPr lang="en-US" i="1">
+                            <a:solidFill>
+                              <a:srgbClr val="FF0000"/>
+                            </a:solidFill>
+                            <a:latin typeface="Cambria Math" panose="02040503050406030204" pitchFamily="18" charset="0"/>
+                          </a:rPr>
+                          <m:t>𝑃</m:t>
+                        </m:r>
+                      </m:e>
+                      <m:sub>
+                        <m:r>
+                          <a:rPr lang="en-US" i="1">
+                            <a:solidFill>
+                              <a:srgbClr val="FF0000"/>
+                            </a:solidFill>
+                            <a:latin typeface="Cambria Math" panose="02040503050406030204" pitchFamily="18" charset="0"/>
+                          </a:rPr>
+                          <m:t>1</m:t>
+                        </m:r>
+                      </m:sub>
+                    </m:sSub>
+                  </m:oMath>
+                </a14:m>
+                <a:r>
+                  <a:rPr lang="en-US" dirty="0" smtClean="0"/>
+                  <a:t> and </a:t>
+                </a:r>
+                <a14:m>
+                  <m:oMath xmlns:m="http://schemas.openxmlformats.org/officeDocument/2006/math">
+                    <m:sSub>
+                      <m:sSubPr>
+                        <m:ctrlPr>
+                          <a:rPr lang="en-US" i="1">
+                            <a:solidFill>
+                              <a:srgbClr val="FF0000"/>
+                            </a:solidFill>
+                            <a:latin typeface="Cambria Math" panose="02040503050406030204" pitchFamily="18" charset="0"/>
+                          </a:rPr>
+                        </m:ctrlPr>
+                      </m:sSubPr>
+                      <m:e>
+                        <m:r>
+                          <a:rPr lang="en-US" i="1">
+                            <a:solidFill>
+                              <a:srgbClr val="FF0000"/>
+                            </a:solidFill>
+                            <a:latin typeface="Cambria Math" panose="02040503050406030204" pitchFamily="18" charset="0"/>
+                          </a:rPr>
+                          <m:t>𝑃</m:t>
+                        </m:r>
+                      </m:e>
+                      <m:sub>
+                        <m:r>
+                          <a:rPr lang="en-US" i="1">
+                            <a:solidFill>
+                              <a:srgbClr val="FF0000"/>
+                            </a:solidFill>
+                            <a:latin typeface="Cambria Math" panose="02040503050406030204" pitchFamily="18" charset="0"/>
+                          </a:rPr>
+                          <m:t>0</m:t>
+                        </m:r>
+                      </m:sub>
+                    </m:sSub>
+                    <m:sSub>
+                      <m:sSubPr>
+                        <m:ctrlPr>
+                          <a:rPr lang="en-US" i="1">
+                            <a:solidFill>
+                              <a:srgbClr val="FF0000"/>
+                            </a:solidFill>
+                            <a:latin typeface="Cambria Math" panose="02040503050406030204" pitchFamily="18" charset="0"/>
+                          </a:rPr>
+                        </m:ctrlPr>
+                      </m:sSubPr>
+                      <m:e>
+                        <m:r>
+                          <a:rPr lang="en-US" i="1">
+                            <a:solidFill>
+                              <a:srgbClr val="FF0000"/>
+                            </a:solidFill>
+                            <a:latin typeface="Cambria Math" panose="02040503050406030204" pitchFamily="18" charset="0"/>
+                          </a:rPr>
+                          <m:t>𝑃</m:t>
+                        </m:r>
+                      </m:e>
+                      <m:sub>
+                        <m:r>
+                          <a:rPr lang="en-US" i="1">
+                            <a:solidFill>
+                              <a:srgbClr val="FF0000"/>
+                            </a:solidFill>
+                            <a:latin typeface="Cambria Math" panose="02040503050406030204" pitchFamily="18" charset="0"/>
+                          </a:rPr>
+                          <m:t>1</m:t>
+                        </m:r>
+                      </m:sub>
+                    </m:sSub>
+                  </m:oMath>
+                </a14:m>
+                <a:r>
+                  <a:rPr lang="en-US" dirty="0" smtClean="0"/>
+                  <a:t> are not projectors.</a:t>
+                </a:r>
+                <a:endParaRPr lang="en-US" dirty="0"/>
               </a:p>
               <a:p>
                 <a:pPr>
@@ -7925,7 +6607,7 @@
               <a:blipFill rotWithShape="0">
                 <a:blip r:embed="rId3"/>
                 <a:stretch>
-                  <a:fillRect l="-2118" b="-1490"/>
+                  <a:fillRect l="-1882" r="-2588" b="-2483"/>
                 </a:stretch>
               </a:blipFill>
             </p:spPr>
@@ -7948,6 +6630,1427 @@
     <p:extLst>
       <p:ext uri="{BB962C8B-B14F-4D97-AF65-F5344CB8AC3E}">
         <p14:creationId xmlns:p14="http://schemas.microsoft.com/office/powerpoint/2010/main" val="3998013743"/>
+      </p:ext>
+    </p:extLst>
+  </p:cSld>
+  <p:clrMapOvr>
+    <a:masterClrMapping/>
+  </p:clrMapOvr>
+  <p:timing>
+    <p:tnLst>
+      <p:par>
+        <p:cTn id="1" dur="indefinite" restart="never" nodeType="tmRoot"/>
+      </p:par>
+    </p:tnLst>
+  </p:timing>
+</p:sld>
+</file>
+
+<file path=ppt/slides/slide13.xml><?xml version="1.0" encoding="utf-8"?>
+<p:sld xmlns:a="http://schemas.openxmlformats.org/drawingml/2006/main" xmlns:r="http://schemas.openxmlformats.org/officeDocument/2006/relationships" xmlns:p="http://schemas.openxmlformats.org/presentationml/2006/main">
+  <p:cSld>
+    <p:spTree>
+      <p:nvGrpSpPr>
+        <p:cNvPr id="1" name=""/>
+        <p:cNvGrpSpPr/>
+        <p:nvPr/>
+      </p:nvGrpSpPr>
+      <p:grpSpPr>
+        <a:xfrm>
+          <a:off x="0" y="0"/>
+          <a:ext cx="0" cy="0"/>
+          <a:chOff x="0" y="0"/>
+          <a:chExt cx="0" cy="0"/>
+        </a:xfrm>
+      </p:grpSpPr>
+      <p:sp>
+        <p:nvSpPr>
+          <p:cNvPr id="2" name="Title 1"/>
+          <p:cNvSpPr>
+            <a:spLocks noGrp="1"/>
+          </p:cNvSpPr>
+          <p:nvPr>
+            <p:ph type="title"/>
+          </p:nvPr>
+        </p:nvSpPr>
+        <p:spPr/>
+        <p:txBody>
+          <a:bodyPr/>
+          <a:lstStyle/>
+          <a:p>
+            <a:r>
+              <a:rPr lang="en-US"/>
+              <a:t>Expectation Value</a:t>
+            </a:r>
+            <a:endParaRPr lang="en-US" dirty="0"/>
+          </a:p>
+        </p:txBody>
+      </p:sp>
+      <p:sp>
+        <p:nvSpPr>
+          <p:cNvPr id="3" name="Text Placeholder 2"/>
+          <p:cNvSpPr>
+            <a:spLocks noGrp="1"/>
+          </p:cNvSpPr>
+          <p:nvPr>
+            <p:ph type="body" idx="1"/>
+          </p:nvPr>
+        </p:nvSpPr>
+        <p:spPr/>
+        <p:txBody>
+          <a:bodyPr/>
+          <a:lstStyle/>
+          <a:p>
+            <a:r>
+              <a:rPr lang="en-US" dirty="0">
+                <a:solidFill>
+                  <a:srgbClr val="FF0000"/>
+                </a:solidFill>
+              </a:rPr>
+              <a:t>Classical</a:t>
+            </a:r>
+            <a:r>
+              <a:rPr lang="en-US" dirty="0"/>
+              <a:t> Interval-Valued Probability Measure (</a:t>
+            </a:r>
+            <a:r>
+              <a:rPr lang="en-US" dirty="0">
+                <a:solidFill>
+                  <a:srgbClr val="FF0000"/>
+                </a:solidFill>
+              </a:rPr>
+              <a:t>C</a:t>
+            </a:r>
+            <a:r>
+              <a:rPr lang="en-US" dirty="0"/>
+              <a:t>IVPM</a:t>
+            </a:r>
+            <a:r>
+              <a:rPr lang="en-US" dirty="0" smtClean="0"/>
+              <a:t>)</a:t>
+            </a:r>
+            <a:endParaRPr lang="en-US" dirty="0"/>
+          </a:p>
+        </p:txBody>
+      </p:sp>
+      <mc:AlternateContent xmlns:mc="http://schemas.openxmlformats.org/markup-compatibility/2006">
+        <mc:Choice xmlns:a14="http://schemas.microsoft.com/office/drawing/2010/main" Requires="a14">
+          <p:sp>
+            <p:nvSpPr>
+              <p:cNvPr id="4" name="Content Placeholder 3"/>
+              <p:cNvSpPr>
+                <a:spLocks noGrp="1"/>
+              </p:cNvSpPr>
+              <p:nvPr>
+                <p:ph sz="half" idx="2"/>
+              </p:nvPr>
+            </p:nvSpPr>
+            <p:spPr/>
+            <p:txBody>
+              <a:bodyPr>
+                <a:normAutofit fontScale="85000" lnSpcReduction="10000"/>
+              </a:bodyPr>
+              <a:lstStyle/>
+              <a:p>
+                <a:pPr>
+                  <a:lnSpc>
+                    <a:spcPct val="95000"/>
+                  </a:lnSpc>
+                </a:pPr>
+                <a:r>
+                  <a:rPr lang="en-US" dirty="0" smtClean="0">
+                    <a:solidFill>
+                      <a:schemeClr val="tx1"/>
+                    </a:solidFill>
+                  </a:rPr>
+                  <a:t>For every convex CIVPM</a:t>
+                </a:r>
+                <a:r>
+                  <a:rPr lang="en-US" dirty="0">
+                    <a:solidFill>
+                      <a:schemeClr val="tx1"/>
+                    </a:solidFill>
+                  </a:rPr>
+                  <a:t> </a:t>
+                </a:r>
+                <a14:m>
+                  <m:oMath xmlns:m="http://schemas.openxmlformats.org/officeDocument/2006/math">
+                    <m:bar>
+                      <m:barPr>
+                        <m:pos m:val="top"/>
+                        <m:ctrlPr>
+                          <a:rPr lang="en-US" i="1">
+                            <a:solidFill>
+                              <a:schemeClr val="tx1"/>
+                            </a:solidFill>
+                            <a:latin typeface="Cambria Math" panose="02040503050406030204" pitchFamily="18" charset="0"/>
+                          </a:rPr>
+                        </m:ctrlPr>
+                      </m:barPr>
+                      <m:e>
+                        <m:r>
+                          <a:rPr lang="en-US" i="1">
+                            <a:solidFill>
+                              <a:schemeClr val="tx1"/>
+                            </a:solidFill>
+                            <a:latin typeface="Cambria Math" panose="02040503050406030204" pitchFamily="18" charset="0"/>
+                          </a:rPr>
+                          <m:t>𝜇</m:t>
+                        </m:r>
+                      </m:e>
+                    </m:bar>
+                    <m:r>
+                      <a:rPr lang="en-US" i="1">
+                        <a:solidFill>
+                          <a:schemeClr val="tx1"/>
+                        </a:solidFill>
+                        <a:latin typeface="Cambria Math" panose="02040503050406030204" pitchFamily="18" charset="0"/>
+                      </a:rPr>
+                      <m:t>:</m:t>
+                    </m:r>
+                    <m:r>
+                      <a:rPr lang="en-US" i="1">
+                        <a:latin typeface="Cambria Math" panose="02040503050406030204" pitchFamily="18" charset="0"/>
+                        <a:ea typeface="Cambria Math" panose="02040503050406030204" pitchFamily="18" charset="0"/>
+                      </a:rPr>
+                      <m:t>ℰ</m:t>
+                    </m:r>
+                    <m:r>
+                      <a:rPr lang="en-US">
+                        <a:solidFill>
+                          <a:schemeClr val="tx1"/>
+                        </a:solidFill>
+                        <a:latin typeface="Cambria Math" panose="02040503050406030204" pitchFamily="18" charset="0"/>
+                        <a:ea typeface="Cambria Math" panose="02040503050406030204" pitchFamily="18" charset="0"/>
+                      </a:rPr>
+                      <m:t>→</m:t>
+                    </m:r>
+                    <m:d>
+                      <m:dPr>
+                        <m:begChr m:val=""/>
+                        <m:endChr m:val=""/>
+                        <m:ctrlPr>
+                          <a:rPr lang="en-US" i="1">
+                            <a:solidFill>
+                              <a:schemeClr val="tx1"/>
+                            </a:solidFill>
+                            <a:latin typeface="Cambria Math" panose="02040503050406030204" pitchFamily="18" charset="0"/>
+                            <a:ea typeface="Cambria Math" panose="02040503050406030204" pitchFamily="18" charset="0"/>
+                            <a:cs typeface="XITS Math" panose="02000503000000000000" pitchFamily="50" charset="0"/>
+                          </a:rPr>
+                        </m:ctrlPr>
+                      </m:dPr>
+                      <m:e>
+                        <m:r>
+                          <a:rPr lang="en-US" i="1">
+                            <a:solidFill>
+                              <a:schemeClr val="tx1"/>
+                            </a:solidFill>
+                            <a:latin typeface="XITS Math" panose="02000503000000000000" pitchFamily="50" charset="0"/>
+                            <a:ea typeface="XITS Math" panose="02000503000000000000" pitchFamily="50" charset="0"/>
+                            <a:cs typeface="XITS Math" panose="02000503000000000000" pitchFamily="50" charset="0"/>
+                          </a:rPr>
+                          <m:t>ℐ</m:t>
+                        </m:r>
+                      </m:e>
+                    </m:d>
+                  </m:oMath>
+                </a14:m>
+                <a:r>
+                  <a:rPr lang="en-US" dirty="0">
+                    <a:solidFill>
+                      <a:schemeClr val="tx1"/>
+                    </a:solidFill>
+                  </a:rPr>
+                  <a:t> </a:t>
+                </a:r>
+                <a:r>
+                  <a:rPr lang="en-US" dirty="0">
+                    <a:solidFill>
+                      <a:schemeClr val="tx1"/>
+                    </a:solidFill>
+                  </a:rPr>
+                  <a:t>and any random variable</a:t>
+                </a:r>
+                <a:r>
+                  <a:rPr lang="en-US" dirty="0">
+                    <a:solidFill>
+                      <a:schemeClr val="tx1"/>
+                    </a:solidFill>
+                  </a:rPr>
+                  <a:t> </a:t>
+                </a:r>
+                <a14:m>
+                  <m:oMath xmlns:m="http://schemas.openxmlformats.org/officeDocument/2006/math">
+                    <m:r>
+                      <a:rPr lang="en-US" i="1">
+                        <a:solidFill>
+                          <a:schemeClr val="tx1"/>
+                        </a:solidFill>
+                        <a:latin typeface="Cambria Math" panose="02040503050406030204" pitchFamily="18" charset="0"/>
+                      </a:rPr>
+                      <m:t>𝑋</m:t>
+                    </m:r>
+                    <m:r>
+                      <a:rPr lang="en-US" i="1">
+                        <a:solidFill>
+                          <a:schemeClr val="tx1"/>
+                        </a:solidFill>
+                        <a:latin typeface="Cambria Math" panose="02040503050406030204" pitchFamily="18" charset="0"/>
+                      </a:rPr>
+                      <m:t>:</m:t>
+                    </m:r>
+                    <m:r>
+                      <m:rPr>
+                        <m:sty m:val="p"/>
+                      </m:rPr>
+                      <a:rPr lang="el-GR" i="1">
+                        <a:solidFill>
+                          <a:schemeClr val="tx1"/>
+                        </a:solidFill>
+                        <a:latin typeface="Cambria Math" panose="02040503050406030204" pitchFamily="18" charset="0"/>
+                        <a:ea typeface="Cambria Math" panose="02040503050406030204" pitchFamily="18" charset="0"/>
+                      </a:rPr>
+                      <m:t>Ω</m:t>
+                    </m:r>
+                    <m:r>
+                      <a:rPr lang="en-US">
+                        <a:solidFill>
+                          <a:schemeClr val="tx1"/>
+                        </a:solidFill>
+                        <a:latin typeface="Cambria Math" panose="02040503050406030204" pitchFamily="18" charset="0"/>
+                        <a:ea typeface="Cambria Math" panose="02040503050406030204" pitchFamily="18" charset="0"/>
+                      </a:rPr>
+                      <m:t>→</m:t>
+                    </m:r>
+                    <m:r>
+                      <a:rPr lang="en-US" i="1">
+                        <a:solidFill>
+                          <a:schemeClr val="tx1"/>
+                        </a:solidFill>
+                        <a:latin typeface="Cambria Math" panose="02040503050406030204" pitchFamily="18" charset="0"/>
+                        <a:ea typeface="Cambria Math" panose="02040503050406030204" pitchFamily="18" charset="0"/>
+                      </a:rPr>
+                      <m:t>ℝ</m:t>
+                    </m:r>
+                  </m:oMath>
+                </a14:m>
+                <a:r>
+                  <a:rPr lang="en-US" dirty="0">
+                    <a:solidFill>
+                      <a:schemeClr val="tx1"/>
+                    </a:solidFill>
+                  </a:rPr>
+                  <a:t>, </a:t>
+                </a:r>
+                <a:br>
+                  <a:rPr lang="en-US" dirty="0">
+                    <a:solidFill>
+                      <a:schemeClr val="tx1"/>
+                    </a:solidFill>
+                  </a:rPr>
+                </a:br>
+                <a14:m>
+                  <m:oMath xmlns:m="http://schemas.openxmlformats.org/officeDocument/2006/math">
+                    <m:nary>
+                      <m:naryPr>
+                        <m:limLoc m:val="undOvr"/>
+                        <m:subHide m:val="on"/>
+                        <m:supHide m:val="on"/>
+                        <m:ctrlPr>
+                          <a:rPr lang="en-US" i="1">
+                            <a:solidFill>
+                              <a:schemeClr val="tx1"/>
+                            </a:solidFill>
+                            <a:latin typeface="Cambria Math" panose="02040503050406030204" pitchFamily="18" charset="0"/>
+                          </a:rPr>
+                        </m:ctrlPr>
+                      </m:naryPr>
+                      <m:sub/>
+                      <m:sup/>
+                      <m:e>
+                        <m:r>
+                          <a:rPr lang="en-US" i="1">
+                            <a:solidFill>
+                              <a:schemeClr val="tx1"/>
+                            </a:solidFill>
+                            <a:latin typeface="Cambria Math" panose="02040503050406030204" pitchFamily="18" charset="0"/>
+                          </a:rPr>
+                          <m:t>𝑋</m:t>
+                        </m:r>
+                      </m:e>
+                    </m:nary>
+                    <m:r>
+                      <a:rPr lang="en-US" i="1">
+                        <a:solidFill>
+                          <a:schemeClr val="tx1"/>
+                        </a:solidFill>
+                        <a:latin typeface="Cambria Math" panose="02040503050406030204" pitchFamily="18" charset="0"/>
+                      </a:rPr>
+                      <m:t>ⅆ</m:t>
+                    </m:r>
+                    <m:bar>
+                      <m:barPr>
+                        <m:pos m:val="top"/>
+                        <m:ctrlPr>
+                          <a:rPr lang="en-US" i="1">
+                            <a:solidFill>
+                              <a:schemeClr val="tx1"/>
+                            </a:solidFill>
+                            <a:latin typeface="Cambria Math" panose="02040503050406030204" pitchFamily="18" charset="0"/>
+                          </a:rPr>
+                        </m:ctrlPr>
+                      </m:barPr>
+                      <m:e>
+                        <m:r>
+                          <a:rPr lang="en-US" i="1">
+                            <a:solidFill>
+                              <a:schemeClr val="tx1"/>
+                            </a:solidFill>
+                            <a:latin typeface="Cambria Math" panose="02040503050406030204" pitchFamily="18" charset="0"/>
+                          </a:rPr>
+                          <m:t>𝜇</m:t>
+                        </m:r>
+                      </m:e>
+                    </m:bar>
+                    <m:r>
+                      <a:rPr lang="en-US" i="1">
+                        <a:solidFill>
+                          <a:schemeClr val="tx1"/>
+                        </a:solidFill>
+                        <a:latin typeface="Cambria Math" panose="02040503050406030204" pitchFamily="18" charset="0"/>
+                      </a:rPr>
+                      <m:t>=</m:t>
+                    </m:r>
+                    <m:d>
+                      <m:dPr>
+                        <m:begChr m:val="["/>
+                        <m:endChr m:val="]"/>
+                        <m:ctrlPr>
+                          <a:rPr lang="en-US" i="1">
+                            <a:solidFill>
+                              <a:schemeClr val="tx1"/>
+                            </a:solidFill>
+                            <a:latin typeface="Cambria Math" panose="02040503050406030204" pitchFamily="18" charset="0"/>
+                          </a:rPr>
+                        </m:ctrlPr>
+                      </m:dPr>
+                      <m:e>
+                        <m:func>
+                          <m:funcPr>
+                            <m:ctrlPr>
+                              <a:rPr lang="en-US" i="1">
+                                <a:solidFill>
+                                  <a:schemeClr val="tx1"/>
+                                </a:solidFill>
+                                <a:latin typeface="Cambria Math" panose="02040503050406030204" pitchFamily="18" charset="0"/>
+                              </a:rPr>
+                            </m:ctrlPr>
+                          </m:funcPr>
+                          <m:fName>
+                            <m:limLow>
+                              <m:limLowPr>
+                                <m:ctrlPr>
+                                  <a:rPr lang="en-US" i="1">
+                                    <a:solidFill>
+                                      <a:schemeClr val="tx1"/>
+                                    </a:solidFill>
+                                    <a:latin typeface="Cambria Math" panose="02040503050406030204" pitchFamily="18" charset="0"/>
+                                  </a:rPr>
+                                </m:ctrlPr>
+                              </m:limLowPr>
+                              <m:e>
+                                <m:r>
+                                  <m:rPr>
+                                    <m:sty m:val="p"/>
+                                  </m:rPr>
+                                  <a:rPr lang="en-US">
+                                    <a:solidFill>
+                                      <a:schemeClr val="tx1"/>
+                                    </a:solidFill>
+                                    <a:latin typeface="Cambria Math" panose="02040503050406030204" pitchFamily="18" charset="0"/>
+                                  </a:rPr>
+                                  <m:t>min</m:t>
+                                </m:r>
+                              </m:e>
+                              <m:lim>
+                                <m:r>
+                                  <a:rPr lang="en-US" i="1">
+                                    <a:solidFill>
+                                      <a:schemeClr val="tx1"/>
+                                    </a:solidFill>
+                                    <a:latin typeface="Cambria Math" panose="02040503050406030204" pitchFamily="18" charset="0"/>
+                                  </a:rPr>
+                                  <m:t>𝜇</m:t>
+                                </m:r>
+                                <m:r>
+                                  <a:rPr lang="en-US" i="1">
+                                    <a:solidFill>
+                                      <a:schemeClr val="tx1"/>
+                                    </a:solidFill>
+                                    <a:latin typeface="Cambria Math" panose="02040503050406030204" pitchFamily="18" charset="0"/>
+                                  </a:rPr>
+                                  <m:t>∈</m:t>
+                                </m:r>
+                                <m:r>
+                                  <m:rPr>
+                                    <m:nor/>
+                                  </m:rPr>
+                                  <a:rPr lang="en-US">
+                                    <a:solidFill>
+                                      <a:schemeClr val="tx1"/>
+                                    </a:solidFill>
+                                    <a:latin typeface="Cambria Math" panose="02040503050406030204" pitchFamily="18" charset="0"/>
+                                  </a:rPr>
+                                  <m:t>core</m:t>
+                                </m:r>
+                                <m:d>
+                                  <m:dPr>
+                                    <m:ctrlPr>
+                                      <a:rPr lang="en-US" i="1">
+                                        <a:solidFill>
+                                          <a:schemeClr val="tx1"/>
+                                        </a:solidFill>
+                                        <a:latin typeface="Cambria Math" panose="02040503050406030204" pitchFamily="18" charset="0"/>
+                                      </a:rPr>
+                                    </m:ctrlPr>
+                                  </m:dPr>
+                                  <m:e>
+                                    <m:bar>
+                                      <m:barPr>
+                                        <m:pos m:val="top"/>
+                                        <m:ctrlPr>
+                                          <a:rPr lang="en-US" i="1">
+                                            <a:solidFill>
+                                              <a:schemeClr val="tx1"/>
+                                            </a:solidFill>
+                                            <a:latin typeface="Cambria Math" panose="02040503050406030204" pitchFamily="18" charset="0"/>
+                                          </a:rPr>
+                                        </m:ctrlPr>
+                                      </m:barPr>
+                                      <m:e>
+                                        <m:r>
+                                          <a:rPr lang="en-US" i="1">
+                                            <a:solidFill>
+                                              <a:schemeClr val="tx1"/>
+                                            </a:solidFill>
+                                            <a:latin typeface="Cambria Math" panose="02040503050406030204" pitchFamily="18" charset="0"/>
+                                          </a:rPr>
+                                          <m:t>𝜇</m:t>
+                                        </m:r>
+                                      </m:e>
+                                    </m:bar>
+                                  </m:e>
+                                </m:d>
+                              </m:lim>
+                            </m:limLow>
+                          </m:fName>
+                          <m:e>
+                            <m:nary>
+                              <m:naryPr>
+                                <m:limLoc m:val="undOvr"/>
+                                <m:subHide m:val="on"/>
+                                <m:supHide m:val="on"/>
+                                <m:ctrlPr>
+                                  <a:rPr lang="en-US" i="1">
+                                    <a:solidFill>
+                                      <a:schemeClr val="tx1"/>
+                                    </a:solidFill>
+                                    <a:latin typeface="Cambria Math" panose="02040503050406030204" pitchFamily="18" charset="0"/>
+                                  </a:rPr>
+                                </m:ctrlPr>
+                              </m:naryPr>
+                              <m:sub/>
+                              <m:sup/>
+                              <m:e>
+                                <m:r>
+                                  <a:rPr lang="en-US" i="1">
+                                    <a:solidFill>
+                                      <a:schemeClr val="tx1"/>
+                                    </a:solidFill>
+                                    <a:latin typeface="Cambria Math" panose="02040503050406030204" pitchFamily="18" charset="0"/>
+                                  </a:rPr>
+                                  <m:t>𝑋</m:t>
+                                </m:r>
+                              </m:e>
+                            </m:nary>
+                            <m:r>
+                              <a:rPr lang="en-US" i="1">
+                                <a:solidFill>
+                                  <a:schemeClr val="tx1"/>
+                                </a:solidFill>
+                                <a:latin typeface="Cambria Math" panose="02040503050406030204" pitchFamily="18" charset="0"/>
+                              </a:rPr>
+                              <m:t>ⅆ</m:t>
+                            </m:r>
+                            <m:r>
+                              <a:rPr lang="en-US" i="1">
+                                <a:solidFill>
+                                  <a:schemeClr val="tx1"/>
+                                </a:solidFill>
+                                <a:latin typeface="Cambria Math" panose="02040503050406030204" pitchFamily="18" charset="0"/>
+                              </a:rPr>
+                              <m:t>𝜇</m:t>
+                            </m:r>
+                          </m:e>
+                        </m:func>
+                        <m:r>
+                          <a:rPr lang="en-US" i="1">
+                            <a:solidFill>
+                              <a:schemeClr val="tx1"/>
+                            </a:solidFill>
+                            <a:latin typeface="Cambria Math" panose="02040503050406030204" pitchFamily="18" charset="0"/>
+                          </a:rPr>
+                          <m:t>,</m:t>
+                        </m:r>
+                        <m:func>
+                          <m:funcPr>
+                            <m:ctrlPr>
+                              <a:rPr lang="en-US" i="1">
+                                <a:solidFill>
+                                  <a:schemeClr val="tx1"/>
+                                </a:solidFill>
+                                <a:latin typeface="Cambria Math" panose="02040503050406030204" pitchFamily="18" charset="0"/>
+                              </a:rPr>
+                            </m:ctrlPr>
+                          </m:funcPr>
+                          <m:fName>
+                            <m:limLow>
+                              <m:limLowPr>
+                                <m:ctrlPr>
+                                  <a:rPr lang="en-US" i="1">
+                                    <a:solidFill>
+                                      <a:schemeClr val="tx1"/>
+                                    </a:solidFill>
+                                    <a:latin typeface="Cambria Math" panose="02040503050406030204" pitchFamily="18" charset="0"/>
+                                  </a:rPr>
+                                </m:ctrlPr>
+                              </m:limLowPr>
+                              <m:e>
+                                <m:r>
+                                  <m:rPr>
+                                    <m:sty m:val="p"/>
+                                  </m:rPr>
+                                  <a:rPr lang="en-US">
+                                    <a:solidFill>
+                                      <a:schemeClr val="tx1"/>
+                                    </a:solidFill>
+                                    <a:latin typeface="Cambria Math" panose="02040503050406030204" pitchFamily="18" charset="0"/>
+                                  </a:rPr>
+                                  <m:t>m</m:t>
+                                </m:r>
+                                <m:r>
+                                  <m:rPr>
+                                    <m:sty m:val="p"/>
+                                  </m:rPr>
+                                  <a:rPr lang="en-US">
+                                    <a:solidFill>
+                                      <a:schemeClr val="tx1"/>
+                                    </a:solidFill>
+                                    <a:latin typeface="Cambria Math" panose="02040503050406030204" pitchFamily="18" charset="0"/>
+                                  </a:rPr>
+                                  <m:t>ax</m:t>
+                                </m:r>
+                              </m:e>
+                              <m:lim>
+                                <m:r>
+                                  <a:rPr lang="en-US" i="1">
+                                    <a:solidFill>
+                                      <a:schemeClr val="tx1"/>
+                                    </a:solidFill>
+                                    <a:latin typeface="Cambria Math" panose="02040503050406030204" pitchFamily="18" charset="0"/>
+                                  </a:rPr>
+                                  <m:t>𝜇</m:t>
+                                </m:r>
+                                <m:r>
+                                  <a:rPr lang="en-US" i="1">
+                                    <a:solidFill>
+                                      <a:schemeClr val="tx1"/>
+                                    </a:solidFill>
+                                    <a:latin typeface="Cambria Math" panose="02040503050406030204" pitchFamily="18" charset="0"/>
+                                  </a:rPr>
+                                  <m:t>∈</m:t>
+                                </m:r>
+                                <m:r>
+                                  <m:rPr>
+                                    <m:nor/>
+                                  </m:rPr>
+                                  <a:rPr lang="en-US">
+                                    <a:solidFill>
+                                      <a:schemeClr val="tx1"/>
+                                    </a:solidFill>
+                                    <a:latin typeface="Cambria Math" panose="02040503050406030204" pitchFamily="18" charset="0"/>
+                                  </a:rPr>
+                                  <m:t>core</m:t>
+                                </m:r>
+                                <m:d>
+                                  <m:dPr>
+                                    <m:ctrlPr>
+                                      <a:rPr lang="en-US" i="1">
+                                        <a:solidFill>
+                                          <a:schemeClr val="tx1"/>
+                                        </a:solidFill>
+                                        <a:latin typeface="Cambria Math" panose="02040503050406030204" pitchFamily="18" charset="0"/>
+                                      </a:rPr>
+                                    </m:ctrlPr>
+                                  </m:dPr>
+                                  <m:e>
+                                    <m:bar>
+                                      <m:barPr>
+                                        <m:pos m:val="top"/>
+                                        <m:ctrlPr>
+                                          <a:rPr lang="en-US" i="1">
+                                            <a:solidFill>
+                                              <a:schemeClr val="tx1"/>
+                                            </a:solidFill>
+                                            <a:latin typeface="Cambria Math" panose="02040503050406030204" pitchFamily="18" charset="0"/>
+                                          </a:rPr>
+                                        </m:ctrlPr>
+                                      </m:barPr>
+                                      <m:e>
+                                        <m:r>
+                                          <a:rPr lang="en-US" i="1">
+                                            <a:solidFill>
+                                              <a:schemeClr val="tx1"/>
+                                            </a:solidFill>
+                                            <a:latin typeface="Cambria Math" panose="02040503050406030204" pitchFamily="18" charset="0"/>
+                                          </a:rPr>
+                                          <m:t>𝜇</m:t>
+                                        </m:r>
+                                      </m:e>
+                                    </m:bar>
+                                  </m:e>
+                                </m:d>
+                              </m:lim>
+                            </m:limLow>
+                          </m:fName>
+                          <m:e>
+                            <m:nary>
+                              <m:naryPr>
+                                <m:limLoc m:val="undOvr"/>
+                                <m:subHide m:val="on"/>
+                                <m:supHide m:val="on"/>
+                                <m:ctrlPr>
+                                  <a:rPr lang="en-US" i="1">
+                                    <a:solidFill>
+                                      <a:schemeClr val="tx1"/>
+                                    </a:solidFill>
+                                    <a:latin typeface="Cambria Math" panose="02040503050406030204" pitchFamily="18" charset="0"/>
+                                  </a:rPr>
+                                </m:ctrlPr>
+                              </m:naryPr>
+                              <m:sub/>
+                              <m:sup/>
+                              <m:e>
+                                <m:r>
+                                  <a:rPr lang="en-US" i="1">
+                                    <a:solidFill>
+                                      <a:schemeClr val="tx1"/>
+                                    </a:solidFill>
+                                    <a:latin typeface="Cambria Math" panose="02040503050406030204" pitchFamily="18" charset="0"/>
+                                  </a:rPr>
+                                  <m:t>𝑋</m:t>
+                                </m:r>
+                              </m:e>
+                            </m:nary>
+                            <m:r>
+                              <a:rPr lang="en-US" i="1">
+                                <a:solidFill>
+                                  <a:schemeClr val="tx1"/>
+                                </a:solidFill>
+                                <a:latin typeface="Cambria Math" panose="02040503050406030204" pitchFamily="18" charset="0"/>
+                              </a:rPr>
+                              <m:t>ⅆ</m:t>
+                            </m:r>
+                            <m:r>
+                              <a:rPr lang="en-US" i="1">
+                                <a:solidFill>
+                                  <a:schemeClr val="tx1"/>
+                                </a:solidFill>
+                                <a:latin typeface="Cambria Math" panose="02040503050406030204" pitchFamily="18" charset="0"/>
+                              </a:rPr>
+                              <m:t>𝜇</m:t>
+                            </m:r>
+                          </m:e>
+                        </m:func>
+                      </m:e>
+                    </m:d>
+                  </m:oMath>
+                </a14:m>
+                <a:endParaRPr lang="en-US" dirty="0"/>
+              </a:p>
+            </p:txBody>
+          </p:sp>
+        </mc:Choice>
+        <mc:Fallback>
+          <p:sp>
+            <p:nvSpPr>
+              <p:cNvPr id="4" name="Content Placeholder 3"/>
+              <p:cNvSpPr>
+                <a:spLocks noGrp="1" noRot="1" noChangeAspect="1" noMove="1" noResize="1" noEditPoints="1" noAdjustHandles="1" noChangeArrowheads="1" noChangeShapeType="1" noTextEdit="1"/>
+              </p:cNvSpPr>
+              <p:nvPr>
+                <p:ph sz="half" idx="2"/>
+              </p:nvPr>
+            </p:nvSpPr>
+            <p:spPr>
+              <a:blipFill rotWithShape="0">
+                <a:blip r:embed="rId2"/>
+                <a:stretch>
+                  <a:fillRect l="-1655" t="-2815" r="-3310"/>
+                </a:stretch>
+              </a:blipFill>
+            </p:spPr>
+            <p:txBody>
+              <a:bodyPr/>
+              <a:lstStyle/>
+              <a:p>
+                <a:r>
+                  <a:rPr lang="en-US">
+                    <a:noFill/>
+                  </a:rPr>
+                  <a:t> </a:t>
+                </a:r>
+              </a:p>
+            </p:txBody>
+          </p:sp>
+        </mc:Fallback>
+      </mc:AlternateContent>
+      <p:sp>
+        <p:nvSpPr>
+          <p:cNvPr id="5" name="Text Placeholder 4"/>
+          <p:cNvSpPr>
+            <a:spLocks noGrp="1"/>
+          </p:cNvSpPr>
+          <p:nvPr>
+            <p:ph type="body" sz="quarter" idx="3"/>
+          </p:nvPr>
+        </p:nvSpPr>
+        <p:spPr/>
+        <p:txBody>
+          <a:bodyPr/>
+          <a:lstStyle/>
+          <a:p>
+            <a:r>
+              <a:rPr lang="en-US" dirty="0" smtClean="0">
+                <a:solidFill>
+                  <a:srgbClr val="FF0000"/>
+                </a:solidFill>
+              </a:rPr>
+              <a:t>Quantum</a:t>
+            </a:r>
+            <a:r>
+              <a:rPr lang="en-US" dirty="0" smtClean="0"/>
+              <a:t> </a:t>
+            </a:r>
+            <a:r>
+              <a:rPr lang="en-US" dirty="0"/>
+              <a:t>Interval-Valued Probability Measure </a:t>
+            </a:r>
+            <a:r>
+              <a:rPr lang="en-US" dirty="0" smtClean="0"/>
+              <a:t>(</a:t>
+            </a:r>
+            <a:r>
+              <a:rPr lang="en-US" dirty="0" smtClean="0">
+                <a:solidFill>
+                  <a:srgbClr val="FF0000"/>
+                </a:solidFill>
+              </a:rPr>
+              <a:t>Q</a:t>
+            </a:r>
+            <a:r>
+              <a:rPr lang="en-US" dirty="0" smtClean="0"/>
+              <a:t>IVPM)</a:t>
+            </a:r>
+            <a:endParaRPr lang="en-US" dirty="0"/>
+          </a:p>
+        </p:txBody>
+      </p:sp>
+      <mc:AlternateContent xmlns:mc="http://schemas.openxmlformats.org/markup-compatibility/2006">
+        <mc:Choice xmlns:a14="http://schemas.microsoft.com/office/drawing/2010/main" Requires="a14">
+          <p:sp>
+            <p:nvSpPr>
+              <p:cNvPr id="6" name="Content Placeholder 5"/>
+              <p:cNvSpPr>
+                <a:spLocks noGrp="1"/>
+              </p:cNvSpPr>
+              <p:nvPr>
+                <p:ph sz="quarter" idx="4"/>
+              </p:nvPr>
+            </p:nvSpPr>
+            <p:spPr/>
+            <p:txBody>
+              <a:bodyPr>
+                <a:normAutofit fontScale="85000" lnSpcReduction="10000"/>
+              </a:bodyPr>
+              <a:lstStyle/>
+              <a:p>
+                <a:pPr>
+                  <a:lnSpc>
+                    <a:spcPct val="100000"/>
+                  </a:lnSpc>
+                </a:pPr>
+                <a:r>
+                  <a:rPr lang="en-US" dirty="0" smtClean="0"/>
+                  <a:t>For every convex QIVPM</a:t>
+                </a:r>
+                <a:r>
+                  <a:rPr lang="en-US" dirty="0"/>
+                  <a:t> </a:t>
+                </a:r>
+                <a14:m>
+                  <m:oMath xmlns:m="http://schemas.openxmlformats.org/officeDocument/2006/math">
+                    <m:bar>
+                      <m:barPr>
+                        <m:pos m:val="top"/>
+                        <m:ctrlPr>
+                          <a:rPr lang="en-US" i="1">
+                            <a:latin typeface="Cambria Math" panose="02040503050406030204" pitchFamily="18" charset="0"/>
+                          </a:rPr>
+                        </m:ctrlPr>
+                      </m:barPr>
+                      <m:e>
+                        <m:r>
+                          <a:rPr lang="en-US" i="1">
+                            <a:latin typeface="Cambria Math" panose="02040503050406030204" pitchFamily="18" charset="0"/>
+                          </a:rPr>
+                          <m:t>𝜇</m:t>
+                        </m:r>
+                      </m:e>
+                    </m:bar>
+                    <m:r>
+                      <a:rPr lang="en-US" i="1">
+                        <a:latin typeface="Cambria Math" panose="02040503050406030204" pitchFamily="18" charset="0"/>
+                      </a:rPr>
+                      <m:t>:</m:t>
+                    </m:r>
+                    <m:r>
+                      <a:rPr lang="en-US" i="1">
+                        <a:latin typeface="Cambria Math" panose="02040503050406030204" pitchFamily="18" charset="0"/>
+                        <a:ea typeface="Cambria Math" panose="02040503050406030204" pitchFamily="18" charset="0"/>
+                      </a:rPr>
+                      <m:t>ℰ</m:t>
+                    </m:r>
+                    <m:r>
+                      <a:rPr lang="en-US">
+                        <a:latin typeface="Cambria Math" panose="02040503050406030204" pitchFamily="18" charset="0"/>
+                        <a:ea typeface="Cambria Math" panose="02040503050406030204" pitchFamily="18" charset="0"/>
+                      </a:rPr>
+                      <m:t>→</m:t>
+                    </m:r>
+                    <m:d>
+                      <m:dPr>
+                        <m:begChr m:val=""/>
+                        <m:endChr m:val=""/>
+                        <m:ctrlPr>
+                          <a:rPr lang="en-US" i="1">
+                            <a:latin typeface="Cambria Math" panose="02040503050406030204" pitchFamily="18" charset="0"/>
+                            <a:ea typeface="Cambria Math" panose="02040503050406030204" pitchFamily="18" charset="0"/>
+                            <a:cs typeface="XITS Math" panose="02000503000000000000" pitchFamily="50" charset="0"/>
+                          </a:rPr>
+                        </m:ctrlPr>
+                      </m:dPr>
+                      <m:e>
+                        <m:r>
+                          <a:rPr lang="en-US" i="1">
+                            <a:latin typeface="XITS Math" panose="02000503000000000000" pitchFamily="50" charset="0"/>
+                            <a:ea typeface="XITS Math" panose="02000503000000000000" pitchFamily="50" charset="0"/>
+                            <a:cs typeface="XITS Math" panose="02000503000000000000" pitchFamily="50" charset="0"/>
+                          </a:rPr>
+                          <m:t>ℐ</m:t>
+                        </m:r>
+                      </m:e>
+                    </m:d>
+                  </m:oMath>
+                </a14:m>
+                <a:r>
+                  <a:rPr lang="en-US" dirty="0"/>
+                  <a:t> and any </a:t>
+                </a:r>
+                <a:r>
+                  <a:rPr lang="en-US" dirty="0" smtClean="0"/>
+                  <a:t>observable</a:t>
+                </a:r>
+                <a:r>
+                  <a:rPr lang="en-US" dirty="0"/>
+                  <a:t> </a:t>
+                </a:r>
+                <a14:m>
+                  <m:oMath xmlns:m="http://schemas.openxmlformats.org/officeDocument/2006/math">
+                    <m:r>
+                      <a:rPr lang="en-US" b="1" i="0" smtClean="0">
+                        <a:latin typeface="Cambria Math" panose="02040503050406030204" pitchFamily="18" charset="0"/>
+                      </a:rPr>
+                      <m:t>𝐎</m:t>
+                    </m:r>
+                    <m:r>
+                      <a:rPr lang="en-US" b="0" i="1" smtClean="0">
+                        <a:latin typeface="Cambria Math" panose="02040503050406030204" pitchFamily="18" charset="0"/>
+                      </a:rPr>
+                      <m:t>=</m:t>
+                    </m:r>
+                    <m:nary>
+                      <m:naryPr>
+                        <m:chr m:val="∑"/>
+                        <m:ctrlPr>
+                          <a:rPr lang="en-US" b="0" i="1" smtClean="0">
+                            <a:latin typeface="Cambria Math" panose="02040503050406030204" pitchFamily="18" charset="0"/>
+                          </a:rPr>
+                        </m:ctrlPr>
+                      </m:naryPr>
+                      <m:sub>
+                        <m:r>
+                          <a:rPr lang="en-US" b="0" i="1" smtClean="0">
+                            <a:latin typeface="Cambria Math" panose="02040503050406030204" pitchFamily="18" charset="0"/>
+                          </a:rPr>
+                          <m:t>𝑖</m:t>
+                        </m:r>
+                        <m:r>
+                          <a:rPr lang="en-US" b="0" i="1" smtClean="0">
+                            <a:latin typeface="Cambria Math" panose="02040503050406030204" pitchFamily="18" charset="0"/>
+                          </a:rPr>
+                          <m:t>=1</m:t>
+                        </m:r>
+                      </m:sub>
+                      <m:sup>
+                        <m:r>
+                          <a:rPr lang="en-US" b="0" i="1" smtClean="0">
+                            <a:latin typeface="Cambria Math" panose="02040503050406030204" pitchFamily="18" charset="0"/>
+                          </a:rPr>
+                          <m:t>𝑁</m:t>
+                        </m:r>
+                      </m:sup>
+                      <m:e>
+                        <m:sSub>
+                          <m:sSubPr>
+                            <m:ctrlPr>
+                              <a:rPr lang="en-US" b="0" i="1" smtClean="0">
+                                <a:latin typeface="Cambria Math" panose="02040503050406030204" pitchFamily="18" charset="0"/>
+                              </a:rPr>
+                            </m:ctrlPr>
+                          </m:sSubPr>
+                          <m:e>
+                            <m:r>
+                              <a:rPr lang="en-US" b="0" i="1" smtClean="0">
+                                <a:latin typeface="Cambria Math" panose="02040503050406030204" pitchFamily="18" charset="0"/>
+                              </a:rPr>
+                              <m:t>𝜆</m:t>
+                            </m:r>
+                          </m:e>
+                          <m:sub>
+                            <m:r>
+                              <a:rPr lang="en-US" b="0" i="1" smtClean="0">
+                                <a:latin typeface="Cambria Math" panose="02040503050406030204" pitchFamily="18" charset="0"/>
+                              </a:rPr>
+                              <m:t>𝑖</m:t>
+                            </m:r>
+                          </m:sub>
+                        </m:sSub>
+                        <m:sSub>
+                          <m:sSubPr>
+                            <m:ctrlPr>
+                              <a:rPr lang="en-US" b="0" i="1" smtClean="0">
+                                <a:latin typeface="Cambria Math" panose="02040503050406030204" pitchFamily="18" charset="0"/>
+                              </a:rPr>
+                            </m:ctrlPr>
+                          </m:sSubPr>
+                          <m:e>
+                            <m:r>
+                              <a:rPr lang="en-US" b="0" i="1" smtClean="0">
+                                <a:latin typeface="Cambria Math" panose="02040503050406030204" pitchFamily="18" charset="0"/>
+                              </a:rPr>
+                              <m:t>𝑃</m:t>
+                            </m:r>
+                          </m:e>
+                          <m:sub>
+                            <m:r>
+                              <a:rPr lang="en-US" b="0" i="1" smtClean="0">
+                                <a:latin typeface="Cambria Math" panose="02040503050406030204" pitchFamily="18" charset="0"/>
+                              </a:rPr>
+                              <m:t>𝑖</m:t>
+                            </m:r>
+                          </m:sub>
+                        </m:sSub>
+                      </m:e>
+                    </m:nary>
+                  </m:oMath>
+                </a14:m>
+                <a:r>
+                  <a:rPr lang="en-US" dirty="0" smtClean="0"/>
+                  <a:t> (spectral decomposition), </a:t>
+                </a:r>
+                <a:r>
+                  <a:rPr lang="en-US" dirty="0"/>
+                  <a:t/>
+                </a:r>
+                <a:br>
+                  <a:rPr lang="en-US" dirty="0"/>
+                </a:br>
+                <a14:m>
+                  <m:oMath xmlns:m="http://schemas.openxmlformats.org/officeDocument/2006/math">
+                    <m:nary>
+                      <m:naryPr>
+                        <m:limLoc m:val="undOvr"/>
+                        <m:subHide m:val="on"/>
+                        <m:supHide m:val="on"/>
+                        <m:ctrlPr>
+                          <a:rPr lang="en-US" i="1">
+                            <a:latin typeface="Cambria Math" panose="02040503050406030204" pitchFamily="18" charset="0"/>
+                          </a:rPr>
+                        </m:ctrlPr>
+                      </m:naryPr>
+                      <m:sub/>
+                      <m:sup/>
+                      <m:e>
+                        <m:r>
+                          <a:rPr lang="en-US" i="1">
+                            <a:latin typeface="Cambria Math" panose="02040503050406030204" pitchFamily="18" charset="0"/>
+                          </a:rPr>
+                          <m:t>𝑋</m:t>
+                        </m:r>
+                      </m:e>
+                    </m:nary>
+                    <m:r>
+                      <a:rPr lang="en-US" i="1">
+                        <a:latin typeface="Cambria Math" panose="02040503050406030204" pitchFamily="18" charset="0"/>
+                      </a:rPr>
+                      <m:t>ⅆ</m:t>
+                    </m:r>
+                    <m:bar>
+                      <m:barPr>
+                        <m:pos m:val="top"/>
+                        <m:ctrlPr>
+                          <a:rPr lang="en-US" i="1">
+                            <a:latin typeface="Cambria Math" panose="02040503050406030204" pitchFamily="18" charset="0"/>
+                          </a:rPr>
+                        </m:ctrlPr>
+                      </m:barPr>
+                      <m:e>
+                        <m:r>
+                          <a:rPr lang="en-US" i="1">
+                            <a:latin typeface="Cambria Math" panose="02040503050406030204" pitchFamily="18" charset="0"/>
+                          </a:rPr>
+                          <m:t>𝜇</m:t>
+                        </m:r>
+                      </m:e>
+                    </m:bar>
+                    <m:r>
+                      <a:rPr lang="en-US" i="1">
+                        <a:latin typeface="Cambria Math" panose="02040503050406030204" pitchFamily="18" charset="0"/>
+                      </a:rPr>
+                      <m:t>=</m:t>
+                    </m:r>
+                    <m:d>
+                      <m:dPr>
+                        <m:begChr m:val="["/>
+                        <m:endChr m:val="]"/>
+                        <m:ctrlPr>
+                          <a:rPr lang="en-US" i="1">
+                            <a:latin typeface="Cambria Math" panose="02040503050406030204" pitchFamily="18" charset="0"/>
+                          </a:rPr>
+                        </m:ctrlPr>
+                      </m:dPr>
+                      <m:e>
+                        <m:func>
+                          <m:funcPr>
+                            <m:ctrlPr>
+                              <a:rPr lang="en-US" i="1">
+                                <a:latin typeface="Cambria Math" panose="02040503050406030204" pitchFamily="18" charset="0"/>
+                              </a:rPr>
+                            </m:ctrlPr>
+                          </m:funcPr>
+                          <m:fName>
+                            <m:limLow>
+                              <m:limLowPr>
+                                <m:ctrlPr>
+                                  <a:rPr lang="en-US" i="1">
+                                    <a:latin typeface="Cambria Math" panose="02040503050406030204" pitchFamily="18" charset="0"/>
+                                  </a:rPr>
+                                </m:ctrlPr>
+                              </m:limLowPr>
+                              <m:e>
+                                <m:r>
+                                  <m:rPr>
+                                    <m:sty m:val="p"/>
+                                  </m:rPr>
+                                  <a:rPr lang="en-US">
+                                    <a:latin typeface="Cambria Math" panose="02040503050406030204" pitchFamily="18" charset="0"/>
+                                  </a:rPr>
+                                  <m:t>min</m:t>
+                                </m:r>
+                              </m:e>
+                              <m:lim>
+                                <m:r>
+                                  <a:rPr lang="en-US" i="1">
+                                    <a:latin typeface="Cambria Math" panose="02040503050406030204" pitchFamily="18" charset="0"/>
+                                  </a:rPr>
+                                  <m:t>𝜇</m:t>
+                                </m:r>
+                                <m:r>
+                                  <a:rPr lang="en-US" i="1">
+                                    <a:latin typeface="Cambria Math" panose="02040503050406030204" pitchFamily="18" charset="0"/>
+                                  </a:rPr>
+                                  <m:t>∈</m:t>
+                                </m:r>
+                                <m:r>
+                                  <m:rPr>
+                                    <m:nor/>
+                                  </m:rPr>
+                                  <a:rPr lang="en-US">
+                                    <a:latin typeface="Cambria Math" panose="02040503050406030204" pitchFamily="18" charset="0"/>
+                                  </a:rPr>
+                                  <m:t>core</m:t>
+                                </m:r>
+                                <m:d>
+                                  <m:dPr>
+                                    <m:ctrlPr>
+                                      <a:rPr lang="en-US" i="1">
+                                        <a:latin typeface="Cambria Math" panose="02040503050406030204" pitchFamily="18" charset="0"/>
+                                      </a:rPr>
+                                    </m:ctrlPr>
+                                  </m:dPr>
+                                  <m:e>
+                                    <m:bar>
+                                      <m:barPr>
+                                        <m:pos m:val="top"/>
+                                        <m:ctrlPr>
+                                          <a:rPr lang="en-US" i="1">
+                                            <a:latin typeface="Cambria Math" panose="02040503050406030204" pitchFamily="18" charset="0"/>
+                                          </a:rPr>
+                                        </m:ctrlPr>
+                                      </m:barPr>
+                                      <m:e>
+                                        <m:r>
+                                          <a:rPr lang="en-US" i="1">
+                                            <a:latin typeface="Cambria Math" panose="02040503050406030204" pitchFamily="18" charset="0"/>
+                                          </a:rPr>
+                                          <m:t>𝜇</m:t>
+                                        </m:r>
+                                      </m:e>
+                                    </m:bar>
+                                  </m:e>
+                                </m:d>
+                              </m:lim>
+                            </m:limLow>
+                          </m:fName>
+                          <m:e>
+                            <m:nary>
+                              <m:naryPr>
+                                <m:limLoc m:val="undOvr"/>
+                                <m:subHide m:val="on"/>
+                                <m:supHide m:val="on"/>
+                                <m:ctrlPr>
+                                  <a:rPr lang="en-US" i="1">
+                                    <a:latin typeface="Cambria Math" panose="02040503050406030204" pitchFamily="18" charset="0"/>
+                                  </a:rPr>
+                                </m:ctrlPr>
+                              </m:naryPr>
+                              <m:sub/>
+                              <m:sup/>
+                              <m:e>
+                                <m:r>
+                                  <a:rPr lang="en-US" i="1">
+                                    <a:latin typeface="Cambria Math" panose="02040503050406030204" pitchFamily="18" charset="0"/>
+                                  </a:rPr>
+                                  <m:t>𝑋</m:t>
+                                </m:r>
+                              </m:e>
+                            </m:nary>
+                            <m:r>
+                              <a:rPr lang="en-US" i="1">
+                                <a:latin typeface="Cambria Math" panose="02040503050406030204" pitchFamily="18" charset="0"/>
+                              </a:rPr>
+                              <m:t>ⅆ</m:t>
+                            </m:r>
+                            <m:r>
+                              <a:rPr lang="en-US" i="1">
+                                <a:latin typeface="Cambria Math" panose="02040503050406030204" pitchFamily="18" charset="0"/>
+                              </a:rPr>
+                              <m:t>𝜇</m:t>
+                            </m:r>
+                          </m:e>
+                        </m:func>
+                        <m:r>
+                          <a:rPr lang="en-US" i="1">
+                            <a:latin typeface="Cambria Math" panose="02040503050406030204" pitchFamily="18" charset="0"/>
+                          </a:rPr>
+                          <m:t>,</m:t>
+                        </m:r>
+                        <m:func>
+                          <m:funcPr>
+                            <m:ctrlPr>
+                              <a:rPr lang="en-US" i="1">
+                                <a:latin typeface="Cambria Math" panose="02040503050406030204" pitchFamily="18" charset="0"/>
+                              </a:rPr>
+                            </m:ctrlPr>
+                          </m:funcPr>
+                          <m:fName>
+                            <m:limLow>
+                              <m:limLowPr>
+                                <m:ctrlPr>
+                                  <a:rPr lang="en-US" i="1">
+                                    <a:latin typeface="Cambria Math" panose="02040503050406030204" pitchFamily="18" charset="0"/>
+                                  </a:rPr>
+                                </m:ctrlPr>
+                              </m:limLowPr>
+                              <m:e>
+                                <m:r>
+                                  <m:rPr>
+                                    <m:sty m:val="p"/>
+                                  </m:rPr>
+                                  <a:rPr lang="en-US">
+                                    <a:latin typeface="Cambria Math" panose="02040503050406030204" pitchFamily="18" charset="0"/>
+                                  </a:rPr>
+                                  <m:t>max</m:t>
+                                </m:r>
+                              </m:e>
+                              <m:lim>
+                                <m:r>
+                                  <a:rPr lang="en-US" i="1">
+                                    <a:latin typeface="Cambria Math" panose="02040503050406030204" pitchFamily="18" charset="0"/>
+                                  </a:rPr>
+                                  <m:t>𝜇</m:t>
+                                </m:r>
+                                <m:r>
+                                  <a:rPr lang="en-US" i="1">
+                                    <a:latin typeface="Cambria Math" panose="02040503050406030204" pitchFamily="18" charset="0"/>
+                                  </a:rPr>
+                                  <m:t>∈</m:t>
+                                </m:r>
+                                <m:r>
+                                  <m:rPr>
+                                    <m:nor/>
+                                  </m:rPr>
+                                  <a:rPr lang="en-US">
+                                    <a:latin typeface="Cambria Math" panose="02040503050406030204" pitchFamily="18" charset="0"/>
+                                  </a:rPr>
+                                  <m:t>core</m:t>
+                                </m:r>
+                                <m:d>
+                                  <m:dPr>
+                                    <m:ctrlPr>
+                                      <a:rPr lang="en-US" i="1">
+                                        <a:latin typeface="Cambria Math" panose="02040503050406030204" pitchFamily="18" charset="0"/>
+                                      </a:rPr>
+                                    </m:ctrlPr>
+                                  </m:dPr>
+                                  <m:e>
+                                    <m:bar>
+                                      <m:barPr>
+                                        <m:pos m:val="top"/>
+                                        <m:ctrlPr>
+                                          <a:rPr lang="en-US" i="1">
+                                            <a:latin typeface="Cambria Math" panose="02040503050406030204" pitchFamily="18" charset="0"/>
+                                          </a:rPr>
+                                        </m:ctrlPr>
+                                      </m:barPr>
+                                      <m:e>
+                                        <m:r>
+                                          <a:rPr lang="en-US" i="1">
+                                            <a:latin typeface="Cambria Math" panose="02040503050406030204" pitchFamily="18" charset="0"/>
+                                          </a:rPr>
+                                          <m:t>𝜇</m:t>
+                                        </m:r>
+                                      </m:e>
+                                    </m:bar>
+                                  </m:e>
+                                </m:d>
+                              </m:lim>
+                            </m:limLow>
+                          </m:fName>
+                          <m:e>
+                            <m:nary>
+                              <m:naryPr>
+                                <m:limLoc m:val="undOvr"/>
+                                <m:subHide m:val="on"/>
+                                <m:supHide m:val="on"/>
+                                <m:ctrlPr>
+                                  <a:rPr lang="en-US" i="1">
+                                    <a:latin typeface="Cambria Math" panose="02040503050406030204" pitchFamily="18" charset="0"/>
+                                  </a:rPr>
+                                </m:ctrlPr>
+                              </m:naryPr>
+                              <m:sub/>
+                              <m:sup/>
+                              <m:e>
+                                <m:r>
+                                  <a:rPr lang="en-US" i="1">
+                                    <a:latin typeface="Cambria Math" panose="02040503050406030204" pitchFamily="18" charset="0"/>
+                                  </a:rPr>
+                                  <m:t>𝑋</m:t>
+                                </m:r>
+                              </m:e>
+                            </m:nary>
+                            <m:r>
+                              <a:rPr lang="en-US" i="1">
+                                <a:latin typeface="Cambria Math" panose="02040503050406030204" pitchFamily="18" charset="0"/>
+                              </a:rPr>
+                              <m:t>ⅆ</m:t>
+                            </m:r>
+                            <m:r>
+                              <a:rPr lang="en-US" i="1">
+                                <a:latin typeface="Cambria Math" panose="02040503050406030204" pitchFamily="18" charset="0"/>
+                              </a:rPr>
+                              <m:t>𝜇</m:t>
+                            </m:r>
+                          </m:e>
+                        </m:func>
+                      </m:e>
+                    </m:d>
+                  </m:oMath>
+                </a14:m>
+                <a:endParaRPr lang="en-US" dirty="0" smtClean="0"/>
+              </a:p>
+              <a:p>
+                <a:pPr>
+                  <a:lnSpc>
+                    <a:spcPct val="100000"/>
+                  </a:lnSpc>
+                </a:pPr>
+                <a:endParaRPr lang="en-US" dirty="0"/>
+              </a:p>
+            </p:txBody>
+          </p:sp>
+        </mc:Choice>
+        <mc:Fallback>
+          <p:sp>
+            <p:nvSpPr>
+              <p:cNvPr id="6" name="Content Placeholder 5"/>
+              <p:cNvSpPr>
+                <a:spLocks noGrp="1" noRot="1" noChangeAspect="1" noMove="1" noResize="1" noEditPoints="1" noAdjustHandles="1" noChangeArrowheads="1" noChangeShapeType="1" noTextEdit="1"/>
+              </p:cNvSpPr>
+              <p:nvPr>
+                <p:ph sz="quarter" idx="4"/>
+              </p:nvPr>
+            </p:nvSpPr>
+            <p:spPr>
+              <a:blipFill rotWithShape="0">
+                <a:blip r:embed="rId3"/>
+                <a:stretch>
+                  <a:fillRect l="-1647" t="-2318" r="-3059"/>
+                </a:stretch>
+              </a:blipFill>
+            </p:spPr>
+            <p:txBody>
+              <a:bodyPr/>
+              <a:lstStyle/>
+              <a:p>
+                <a:r>
+                  <a:rPr lang="en-US">
+                    <a:noFill/>
+                  </a:rPr>
+                  <a:t> </a:t>
+                </a:r>
+              </a:p>
+            </p:txBody>
+          </p:sp>
+        </mc:Fallback>
+      </mc:AlternateContent>
+    </p:spTree>
+    <p:extLst>
+      <p:ext uri="{BB962C8B-B14F-4D97-AF65-F5344CB8AC3E}">
+        <p14:creationId xmlns:p14="http://schemas.microsoft.com/office/powerpoint/2010/main" val="4139383902"/>
       </p:ext>
     </p:extLst>
   </p:cSld>

--- a/prop_letter.pptx
+++ b/prop_letter.pptx
@@ -5,10 +5,10 @@
     <p:sldMasterId id="2147483648" r:id="rId1"/>
   </p:sldMasterIdLst>
   <p:notesMasterIdLst>
-    <p:notesMasterId r:id="rId23"/>
+    <p:notesMasterId r:id="rId24"/>
   </p:notesMasterIdLst>
   <p:handoutMasterIdLst>
-    <p:handoutMasterId r:id="rId24"/>
+    <p:handoutMasterId r:id="rId25"/>
   </p:handoutMasterIdLst>
   <p:sldIdLst>
     <p:sldId id="256" r:id="rId2"/>
@@ -23,15 +23,16 @@
     <p:sldId id="272" r:id="rId11"/>
     <p:sldId id="283" r:id="rId12"/>
     <p:sldId id="285" r:id="rId13"/>
-    <p:sldId id="276" r:id="rId14"/>
-    <p:sldId id="278" r:id="rId15"/>
-    <p:sldId id="281" r:id="rId16"/>
-    <p:sldId id="280" r:id="rId17"/>
-    <p:sldId id="273" r:id="rId18"/>
-    <p:sldId id="274" r:id="rId19"/>
-    <p:sldId id="275" r:id="rId20"/>
-    <p:sldId id="259" r:id="rId21"/>
-    <p:sldId id="260" r:id="rId22"/>
+    <p:sldId id="287" r:id="rId14"/>
+    <p:sldId id="276" r:id="rId15"/>
+    <p:sldId id="278" r:id="rId16"/>
+    <p:sldId id="281" r:id="rId17"/>
+    <p:sldId id="280" r:id="rId18"/>
+    <p:sldId id="273" r:id="rId19"/>
+    <p:sldId id="274" r:id="rId20"/>
+    <p:sldId id="275" r:id="rId21"/>
+    <p:sldId id="259" r:id="rId22"/>
+    <p:sldId id="260" r:id="rId23"/>
   </p:sldIdLst>
   <p:sldSz cx="12192000" cy="6858000"/>
   <p:notesSz cx="6858000" cy="9144000"/>
@@ -155,6 +156,7 @@
           <p14:sldIdLst>
             <p14:sldId id="283"/>
             <p14:sldId id="285"/>
+            <p14:sldId id="287"/>
           </p14:sldIdLst>
         </p14:section>
         <p14:section name="Convexity, core, and Gleason's theorem" id="{EB4A07DE-6FD2-458B-84FD-CF318EF1C82A}">
@@ -269,7 +271,7 @@
           <a:p>
             <a:fld id="{FE3023B1-3AFF-46C4-97DC-7BEE883CD9D8}" type="datetimeFigureOut">
               <a:rPr lang="en-US" smtClean="0"/>
-              <a:t>7/7/2017</a:t>
+              <a:t>7/8/2017</a:t>
             </a:fld>
             <a:endParaRPr lang="en-US"/>
           </a:p>
@@ -434,7 +436,7 @@
           <a:p>
             <a:fld id="{384BE3C3-7DB8-44EE-9555-F40C087B77CA}" type="datetimeFigureOut">
               <a:rPr lang="en-US" smtClean="0"/>
-              <a:t>7/7/2017</a:t>
+              <a:t>7/8/2017</a:t>
             </a:fld>
             <a:endParaRPr lang="en-US"/>
           </a:p>
@@ -1044,7 +1046,7 @@
           <a:p>
             <a:fld id="{553141C9-E3AF-4773-84E5-4C6860670B56}" type="slidenum">
               <a:rPr lang="en-US" smtClean="0"/>
-              <a:t>20</a:t>
+              <a:t>21</a:t>
             </a:fld>
             <a:endParaRPr lang="en-US"/>
           </a:p>
@@ -1128,7 +1130,7 @@
           <a:p>
             <a:fld id="{553141C9-E3AF-4773-84E5-4C6860670B56}" type="slidenum">
               <a:rPr lang="en-US" smtClean="0"/>
-              <a:t>21</a:t>
+              <a:t>22</a:t>
             </a:fld>
             <a:endParaRPr lang="en-US"/>
           </a:p>
@@ -1278,7 +1280,7 @@
           <a:p>
             <a:fld id="{D1C3BEE1-3E90-49E5-9A2E-FAD1B5091927}" type="datetimeFigureOut">
               <a:rPr lang="en-US" smtClean="0"/>
-              <a:t>7/7/2017</a:t>
+              <a:t>7/8/2017</a:t>
             </a:fld>
             <a:endParaRPr lang="en-US"/>
           </a:p>
@@ -1448,7 +1450,7 @@
           <a:p>
             <a:fld id="{D1C3BEE1-3E90-49E5-9A2E-FAD1B5091927}" type="datetimeFigureOut">
               <a:rPr lang="en-US" smtClean="0"/>
-              <a:t>7/7/2017</a:t>
+              <a:t>7/8/2017</a:t>
             </a:fld>
             <a:endParaRPr lang="en-US"/>
           </a:p>
@@ -1628,7 +1630,7 @@
           <a:p>
             <a:fld id="{D1C3BEE1-3E90-49E5-9A2E-FAD1B5091927}" type="datetimeFigureOut">
               <a:rPr lang="en-US" smtClean="0"/>
-              <a:t>7/7/2017</a:t>
+              <a:t>7/8/2017</a:t>
             </a:fld>
             <a:endParaRPr lang="en-US"/>
           </a:p>
@@ -1798,7 +1800,7 @@
           <a:p>
             <a:fld id="{D1C3BEE1-3E90-49E5-9A2E-FAD1B5091927}" type="datetimeFigureOut">
               <a:rPr lang="en-US" smtClean="0"/>
-              <a:t>7/7/2017</a:t>
+              <a:t>7/8/2017</a:t>
             </a:fld>
             <a:endParaRPr lang="en-US"/>
           </a:p>
@@ -2044,7 +2046,7 @@
           <a:p>
             <a:fld id="{D1C3BEE1-3E90-49E5-9A2E-FAD1B5091927}" type="datetimeFigureOut">
               <a:rPr lang="en-US" smtClean="0"/>
-              <a:t>7/7/2017</a:t>
+              <a:t>7/8/2017</a:t>
             </a:fld>
             <a:endParaRPr lang="en-US"/>
           </a:p>
@@ -2276,7 +2278,7 @@
           <a:p>
             <a:fld id="{D1C3BEE1-3E90-49E5-9A2E-FAD1B5091927}" type="datetimeFigureOut">
               <a:rPr lang="en-US" smtClean="0"/>
-              <a:t>7/7/2017</a:t>
+              <a:t>7/8/2017</a:t>
             </a:fld>
             <a:endParaRPr lang="en-US"/>
           </a:p>
@@ -2643,7 +2645,7 @@
           <a:p>
             <a:fld id="{D1C3BEE1-3E90-49E5-9A2E-FAD1B5091927}" type="datetimeFigureOut">
               <a:rPr lang="en-US" smtClean="0"/>
-              <a:t>7/7/2017</a:t>
+              <a:t>7/8/2017</a:t>
             </a:fld>
             <a:endParaRPr lang="en-US"/>
           </a:p>
@@ -2761,7 +2763,7 @@
           <a:p>
             <a:fld id="{D1C3BEE1-3E90-49E5-9A2E-FAD1B5091927}" type="datetimeFigureOut">
               <a:rPr lang="en-US" smtClean="0"/>
-              <a:t>7/7/2017</a:t>
+              <a:t>7/8/2017</a:t>
             </a:fld>
             <a:endParaRPr lang="en-US"/>
           </a:p>
@@ -2856,7 +2858,7 @@
           <a:p>
             <a:fld id="{D1C3BEE1-3E90-49E5-9A2E-FAD1B5091927}" type="datetimeFigureOut">
               <a:rPr lang="en-US" smtClean="0"/>
-              <a:t>7/7/2017</a:t>
+              <a:t>7/8/2017</a:t>
             </a:fld>
             <a:endParaRPr lang="en-US"/>
           </a:p>
@@ -3133,7 +3135,7 @@
           <a:p>
             <a:fld id="{D1C3BEE1-3E90-49E5-9A2E-FAD1B5091927}" type="datetimeFigureOut">
               <a:rPr lang="en-US" smtClean="0"/>
-              <a:t>7/7/2017</a:t>
+              <a:t>7/8/2017</a:t>
             </a:fld>
             <a:endParaRPr lang="en-US"/>
           </a:p>
@@ -3386,7 +3388,7 @@
           <a:p>
             <a:fld id="{D1C3BEE1-3E90-49E5-9A2E-FAD1B5091927}" type="datetimeFigureOut">
               <a:rPr lang="en-US" smtClean="0"/>
-              <a:t>7/7/2017</a:t>
+              <a:t>7/8/2017</a:t>
             </a:fld>
             <a:endParaRPr lang="en-US"/>
           </a:p>
@@ -3599,7 +3601,7 @@
           <a:p>
             <a:fld id="{D1C3BEE1-3E90-49E5-9A2E-FAD1B5091927}" type="datetimeFigureOut">
               <a:rPr lang="en-US" smtClean="0"/>
-              <a:t>7/7/2017</a:t>
+              <a:t>7/8/2017</a:t>
             </a:fld>
             <a:endParaRPr lang="en-US"/>
           </a:p>
@@ -4871,689 +4873,51 @@
                 </a:endParaRPr>
               </a:p>
               <a:p>
-                <a14:m>
-                  <m:oMath xmlns:m="http://schemas.openxmlformats.org/officeDocument/2006/math">
-                    <m:r>
-                      <a:rPr lang="en-US" i="1">
-                        <a:solidFill>
-                          <a:schemeClr val="tx1"/>
-                        </a:solidFill>
-                        <a:latin typeface="Cambria Math" panose="02040503050406030204" pitchFamily="18" charset="0"/>
-                      </a:rPr>
-                      <m:t>𝜇</m:t>
-                    </m:r>
-                    <m:d>
-                      <m:dPr>
-                        <m:ctrlPr>
-                          <a:rPr lang="en-US" i="1">
-                            <a:solidFill>
-                              <a:schemeClr val="tx1"/>
-                            </a:solidFill>
-                            <a:latin typeface="Cambria Math" panose="02040503050406030204" pitchFamily="18" charset="0"/>
-                          </a:rPr>
-                        </m:ctrlPr>
-                      </m:dPr>
-                      <m:e>
-                        <m:r>
-                          <a:rPr lang="en-US" i="1" smtClean="0">
-                            <a:solidFill>
-                              <a:schemeClr val="tx1"/>
-                            </a:solidFill>
-                            <a:latin typeface="Cambria Math" panose="02040503050406030204" pitchFamily="18" charset="0"/>
-                            <a:ea typeface="Cambria Math" panose="02040503050406030204" pitchFamily="18" charset="0"/>
-                          </a:rPr>
-                          <m:t>∅</m:t>
-                        </m:r>
-                      </m:e>
-                    </m:d>
-                    <m:r>
-                      <a:rPr lang="en-US" i="1">
-                        <a:solidFill>
-                          <a:schemeClr val="tx1"/>
-                        </a:solidFill>
-                        <a:latin typeface="Cambria Math" panose="02040503050406030204" pitchFamily="18" charset="0"/>
-                      </a:rPr>
-                      <m:t>=</m:t>
-                    </m:r>
-                    <m:r>
-                      <a:rPr lang="en-US" i="1" smtClean="0">
-                        <a:solidFill>
-                          <a:schemeClr val="accent2"/>
-                        </a:solidFill>
-                        <a:latin typeface="Cambria Math" panose="02040503050406030204" pitchFamily="18" charset="0"/>
-                      </a:rPr>
-                      <m:t>0</m:t>
-                    </m:r>
-                  </m:oMath>
-                </a14:m>
-                <a:r>
-                  <a:rPr lang="en-US" dirty="0">
-                    <a:solidFill>
-                      <a:schemeClr val="tx1"/>
-                    </a:solidFill>
-                  </a:rPr>
-                  <a:t>.</a:t>
-                </a:r>
+                <a:pPr>
+                  <a:lnSpc>
+                    <a:spcPct val="105000"/>
+                  </a:lnSpc>
+                </a:pPr>
+                <a:endParaRPr lang="en-US" b="1" dirty="0"/>
               </a:p>
               <a:p>
-                <a14:m>
-                  <m:oMath xmlns:m="http://schemas.openxmlformats.org/officeDocument/2006/math">
-                    <m:r>
-                      <a:rPr lang="en-US" i="1">
-                        <a:solidFill>
-                          <a:schemeClr val="tx1"/>
-                        </a:solidFill>
-                        <a:latin typeface="Cambria Math" panose="02040503050406030204" pitchFamily="18" charset="0"/>
-                      </a:rPr>
-                      <m:t>𝜇</m:t>
-                    </m:r>
-                    <m:d>
-                      <m:dPr>
-                        <m:ctrlPr>
-                          <a:rPr lang="en-US" i="1">
-                            <a:solidFill>
-                              <a:schemeClr val="tx1"/>
-                            </a:solidFill>
-                            <a:latin typeface="Cambria Math" panose="02040503050406030204" pitchFamily="18" charset="0"/>
-                          </a:rPr>
-                        </m:ctrlPr>
-                      </m:dPr>
-                      <m:e>
-                        <m:r>
-                          <m:rPr>
-                            <m:sty m:val="p"/>
-                          </m:rPr>
-                          <a:rPr lang="el-GR" i="1">
-                            <a:solidFill>
-                              <a:schemeClr val="tx1"/>
-                            </a:solidFill>
-                            <a:latin typeface="Cambria Math" panose="02040503050406030204" pitchFamily="18" charset="0"/>
-                            <a:ea typeface="Cambria Math" panose="02040503050406030204" pitchFamily="18" charset="0"/>
-                          </a:rPr>
-                          <m:t>Ω</m:t>
-                        </m:r>
-                      </m:e>
-                    </m:d>
-                    <m:r>
-                      <a:rPr lang="en-US" i="1">
-                        <a:solidFill>
-                          <a:schemeClr val="tx1"/>
-                        </a:solidFill>
-                        <a:latin typeface="Cambria Math" panose="02040503050406030204" pitchFamily="18" charset="0"/>
-                      </a:rPr>
-                      <m:t>=</m:t>
-                    </m:r>
-                    <m:r>
-                      <a:rPr lang="en-US" i="1" smtClean="0">
-                        <a:solidFill>
-                          <a:schemeClr val="accent2"/>
-                        </a:solidFill>
-                        <a:latin typeface="Cambria Math" panose="02040503050406030204" pitchFamily="18" charset="0"/>
-                      </a:rPr>
-                      <m:t>1</m:t>
-                    </m:r>
-                  </m:oMath>
-                </a14:m>
-                <a:r>
-                  <a:rPr lang="en-US" dirty="0">
-                    <a:solidFill>
-                      <a:schemeClr val="tx1"/>
-                    </a:solidFill>
-                  </a:rPr>
-                  <a:t>.</a:t>
-                </a:r>
+                <a:pPr>
+                  <a:lnSpc>
+                    <a:spcPct val="105000"/>
+                  </a:lnSpc>
+                </a:pPr>
+                <a:endParaRPr lang="en-US" b="1" dirty="0"/>
               </a:p>
               <a:p>
+                <a:pPr>
+                  <a:lnSpc>
+                    <a:spcPct val="105000"/>
+                  </a:lnSpc>
+                </a:pPr>
+                <a:endParaRPr lang="en-US" b="1" dirty="0"/>
+              </a:p>
+              <a:p>
+                <a:pPr>
+                  <a:lnSpc>
+                    <a:spcPct val="105000"/>
+                  </a:lnSpc>
+                </a:pPr>
                 <a:r>
-                  <a:rPr lang="en-US" dirty="0">
-                    <a:solidFill>
-                      <a:schemeClr val="tx1"/>
-                    </a:solidFill>
-                  </a:rPr>
-                  <a:t>For any </a:t>
+                  <a:rPr lang="en-US" dirty="0" smtClean="0"/>
+                  <a:t>The Born rule and Gleason’s </a:t>
                 </a:r>
                 <a:r>
-                  <a:rPr lang="en-US" dirty="0" smtClean="0">
-                    <a:solidFill>
-                      <a:schemeClr val="tx1"/>
-                    </a:solidFill>
-                  </a:rPr>
-                  <a:t>event </a:t>
-                </a:r>
-                <a14:m>
-                  <m:oMath xmlns:m="http://schemas.openxmlformats.org/officeDocument/2006/math">
-                    <m:r>
-                      <a:rPr lang="en-US" b="0" i="1" smtClean="0">
-                        <a:solidFill>
-                          <a:schemeClr val="tx1"/>
-                        </a:solidFill>
-                        <a:latin typeface="Cambria Math" panose="02040503050406030204" pitchFamily="18" charset="0"/>
-                      </a:rPr>
-                      <m:t>𝐸</m:t>
-                    </m:r>
-                  </m:oMath>
-                </a14:m>
-                <a:r>
-                  <a:rPr lang="en-US" dirty="0">
-                    <a:solidFill>
-                      <a:schemeClr val="tx1"/>
-                    </a:solidFill>
-                  </a:rPr>
-                  <a:t>,</a:t>
+                  <a:rPr lang="en-US" dirty="0"/>
+                  <a:t>theorem </a:t>
                 </a:r>
                 <a:r>
-                  <a:rPr lang="en-US" dirty="0" smtClean="0">
-                    <a:solidFill>
-                      <a:schemeClr val="tx1"/>
-                    </a:solidFill>
-                  </a:rPr>
-                  <a:t> </a:t>
-                </a:r>
-                <a:br>
-                  <a:rPr lang="en-US" dirty="0" smtClean="0">
-                    <a:solidFill>
-                      <a:schemeClr val="tx1"/>
-                    </a:solidFill>
-                  </a:rPr>
-                </a:br>
-                <a14:m>
-                  <m:oMath xmlns:m="http://schemas.openxmlformats.org/officeDocument/2006/math">
-                    <m:r>
-                      <a:rPr lang="en-US" i="1">
-                        <a:solidFill>
-                          <a:schemeClr val="tx1"/>
-                        </a:solidFill>
-                        <a:latin typeface="Cambria Math" panose="02040503050406030204" pitchFamily="18" charset="0"/>
-                      </a:rPr>
-                      <m:t>𝜇</m:t>
-                    </m:r>
-                    <m:d>
-                      <m:dPr>
-                        <m:ctrlPr>
-                          <a:rPr lang="en-US" i="1">
-                            <a:solidFill>
-                              <a:schemeClr val="tx1"/>
-                            </a:solidFill>
-                            <a:latin typeface="Cambria Math" panose="02040503050406030204" pitchFamily="18" charset="0"/>
-                          </a:rPr>
-                        </m:ctrlPr>
-                      </m:dPr>
-                      <m:e>
-                        <m:r>
-                          <m:rPr>
-                            <m:sty m:val="p"/>
-                          </m:rPr>
-                          <a:rPr lang="el-GR" i="1" smtClean="0">
-                            <a:solidFill>
-                              <a:schemeClr val="tx1"/>
-                            </a:solidFill>
-                            <a:latin typeface="Cambria Math" panose="02040503050406030204" pitchFamily="18" charset="0"/>
-                            <a:ea typeface="Cambria Math" panose="02040503050406030204" pitchFamily="18" charset="0"/>
-                          </a:rPr>
-                          <m:t>Ω</m:t>
-                        </m:r>
-                        <m:r>
-                          <a:rPr lang="en-US" b="0" i="1" smtClean="0">
-                            <a:solidFill>
-                              <a:schemeClr val="tx1"/>
-                            </a:solidFill>
-                            <a:latin typeface="Cambria Math" panose="02040503050406030204" pitchFamily="18" charset="0"/>
-                          </a:rPr>
-                          <m:t>\</m:t>
-                        </m:r>
-                        <m:r>
-                          <a:rPr lang="en-US" b="0" i="1" smtClean="0">
-                            <a:solidFill>
-                              <a:schemeClr val="tx1"/>
-                            </a:solidFill>
-                            <a:latin typeface="Cambria Math" panose="02040503050406030204" pitchFamily="18" charset="0"/>
-                          </a:rPr>
-                          <m:t>𝐸</m:t>
-                        </m:r>
-                      </m:e>
-                    </m:d>
-                    <m:r>
-                      <a:rPr lang="en-US" i="1">
-                        <a:solidFill>
-                          <a:schemeClr val="tx1"/>
-                        </a:solidFill>
-                        <a:latin typeface="Cambria Math" panose="02040503050406030204" pitchFamily="18" charset="0"/>
-                      </a:rPr>
-                      <m:t>=</m:t>
-                    </m:r>
-                    <m:r>
-                      <a:rPr lang="en-US" i="1" smtClean="0">
-                        <a:solidFill>
-                          <a:schemeClr val="accent2"/>
-                        </a:solidFill>
-                        <a:latin typeface="Cambria Math" panose="02040503050406030204" pitchFamily="18" charset="0"/>
-                      </a:rPr>
-                      <m:t>1</m:t>
-                    </m:r>
-                    <m:r>
-                      <a:rPr lang="en-US" i="1">
-                        <a:solidFill>
-                          <a:schemeClr val="tx1"/>
-                        </a:solidFill>
-                        <a:latin typeface="Cambria Math" panose="02040503050406030204" pitchFamily="18" charset="0"/>
-                      </a:rPr>
-                      <m:t>−</m:t>
-                    </m:r>
-                    <m:r>
-                      <a:rPr lang="en-US" i="1">
-                        <a:solidFill>
-                          <a:schemeClr val="tx1"/>
-                        </a:solidFill>
-                        <a:latin typeface="Cambria Math" panose="02040503050406030204" pitchFamily="18" charset="0"/>
-                      </a:rPr>
-                      <m:t>𝜇</m:t>
-                    </m:r>
-                    <m:d>
-                      <m:dPr>
-                        <m:ctrlPr>
-                          <a:rPr lang="en-US" i="1">
-                            <a:solidFill>
-                              <a:schemeClr val="tx1"/>
-                            </a:solidFill>
-                            <a:latin typeface="Cambria Math" panose="02040503050406030204" pitchFamily="18" charset="0"/>
-                          </a:rPr>
-                        </m:ctrlPr>
-                      </m:dPr>
-                      <m:e>
-                        <m:r>
-                          <a:rPr lang="en-US" b="0" i="1" smtClean="0">
-                            <a:solidFill>
-                              <a:schemeClr val="tx1"/>
-                            </a:solidFill>
-                            <a:latin typeface="Cambria Math" panose="02040503050406030204" pitchFamily="18" charset="0"/>
-                          </a:rPr>
-                          <m:t>𝐸</m:t>
-                        </m:r>
-                      </m:e>
-                    </m:d>
-                    <m:r>
-                      <a:rPr lang="en-US" b="0" i="1" smtClean="0">
-                        <a:solidFill>
-                          <a:schemeClr val="tx1"/>
-                        </a:solidFill>
-                        <a:latin typeface="Cambria Math" panose="02040503050406030204" pitchFamily="18" charset="0"/>
-                      </a:rPr>
-                      <m:t> .</m:t>
-                    </m:r>
-                  </m:oMath>
-                </a14:m>
-                <a:endParaRPr lang="en-US" dirty="0">
-                  <a:solidFill>
-                    <a:schemeClr val="tx1"/>
-                  </a:solidFill>
-                </a:endParaRPr>
-              </a:p>
-              <a:p>
-                <a:r>
-                  <a:rPr lang="en-US" dirty="0" smtClean="0">
-                    <a:solidFill>
-                      <a:schemeClr val="tx1"/>
-                    </a:solidFill>
-                  </a:rPr>
-                  <a:t>For </a:t>
+                  <a:rPr lang="en-US" dirty="0" smtClean="0"/>
+                  <a:t>are </a:t>
                 </a:r>
                 <a:r>
-                  <a:rPr lang="en-US" dirty="0">
-                    <a:solidFill>
-                      <a:schemeClr val="tx1"/>
-                    </a:solidFill>
-                  </a:rPr>
-                  <a:t>disjoint events </a:t>
+                  <a:rPr lang="en-US" dirty="0"/>
+                  <a:t>applied.</a:t>
                 </a:r>
-                <a14:m>
-                  <m:oMath xmlns:m="http://schemas.openxmlformats.org/officeDocument/2006/math">
-                    <m:sSub>
-                      <m:sSubPr>
-                        <m:ctrlPr>
-                          <a:rPr lang="en-US" i="1">
-                            <a:solidFill>
-                              <a:schemeClr val="tx1"/>
-                            </a:solidFill>
-                            <a:latin typeface="Cambria Math" panose="02040503050406030204" pitchFamily="18" charset="0"/>
-                          </a:rPr>
-                        </m:ctrlPr>
-                      </m:sSubPr>
-                      <m:e>
-                        <m:r>
-                          <a:rPr lang="en-US" i="1">
-                            <a:solidFill>
-                              <a:schemeClr val="tx1"/>
-                            </a:solidFill>
-                            <a:latin typeface="Cambria Math" panose="02040503050406030204" pitchFamily="18" charset="0"/>
-                          </a:rPr>
-                          <m:t>𝐸</m:t>
-                        </m:r>
-                      </m:e>
-                      <m:sub>
-                        <m:r>
-                          <a:rPr lang="en-US" i="1">
-                            <a:solidFill>
-                              <a:schemeClr val="tx1"/>
-                            </a:solidFill>
-                            <a:latin typeface="Cambria Math" panose="02040503050406030204" pitchFamily="18" charset="0"/>
-                          </a:rPr>
-                          <m:t>0</m:t>
-                        </m:r>
-                      </m:sub>
-                    </m:sSub>
-                  </m:oMath>
-                </a14:m>
-                <a:r>
-                  <a:rPr lang="en-US" dirty="0">
-                    <a:solidFill>
-                      <a:schemeClr val="tx1"/>
-                    </a:solidFill>
-                  </a:rPr>
-                  <a:t> and </a:t>
-                </a:r>
-                <a14:m>
-                  <m:oMath xmlns:m="http://schemas.openxmlformats.org/officeDocument/2006/math">
-                    <m:sSub>
-                      <m:sSubPr>
-                        <m:ctrlPr>
-                          <a:rPr lang="en-US" i="1">
-                            <a:solidFill>
-                              <a:schemeClr val="tx1"/>
-                            </a:solidFill>
-                            <a:latin typeface="Cambria Math" panose="02040503050406030204" pitchFamily="18" charset="0"/>
-                          </a:rPr>
-                        </m:ctrlPr>
-                      </m:sSubPr>
-                      <m:e>
-                        <m:r>
-                          <a:rPr lang="en-US" i="1">
-                            <a:solidFill>
-                              <a:schemeClr val="tx1"/>
-                            </a:solidFill>
-                            <a:latin typeface="Cambria Math" panose="02040503050406030204" pitchFamily="18" charset="0"/>
-                          </a:rPr>
-                          <m:t>𝐸</m:t>
-                        </m:r>
-                      </m:e>
-                      <m:sub>
-                        <m:r>
-                          <a:rPr lang="en-US" i="1">
-                            <a:solidFill>
-                              <a:schemeClr val="tx1"/>
-                            </a:solidFill>
-                            <a:latin typeface="Cambria Math" panose="02040503050406030204" pitchFamily="18" charset="0"/>
-                          </a:rPr>
-                          <m:t>1</m:t>
-                        </m:r>
-                      </m:sub>
-                    </m:sSub>
-                  </m:oMath>
-                </a14:m>
-                <a:r>
-                  <a:rPr lang="en-US" dirty="0" smtClean="0">
-                    <a:solidFill>
-                      <a:schemeClr val="tx1"/>
-                    </a:solidFill>
-                  </a:rPr>
-                  <a:t>, </a:t>
-                </a:r>
-                <a:br>
-                  <a:rPr lang="en-US" dirty="0" smtClean="0">
-                    <a:solidFill>
-                      <a:schemeClr val="tx1"/>
-                    </a:solidFill>
-                  </a:rPr>
-                </a:br>
-                <a14:m>
-                  <m:oMath xmlns:m="http://schemas.openxmlformats.org/officeDocument/2006/math">
-                    <m:r>
-                      <a:rPr lang="en-US" i="1">
-                        <a:solidFill>
-                          <a:schemeClr val="tx1"/>
-                        </a:solidFill>
-                        <a:latin typeface="Cambria Math" panose="02040503050406030204" pitchFamily="18" charset="0"/>
-                      </a:rPr>
-                      <m:t>𝜇</m:t>
-                    </m:r>
-                    <m:d>
-                      <m:dPr>
-                        <m:ctrlPr>
-                          <a:rPr lang="en-US" i="1">
-                            <a:solidFill>
-                              <a:schemeClr val="tx1"/>
-                            </a:solidFill>
-                            <a:latin typeface="Cambria Math" panose="02040503050406030204" pitchFamily="18" charset="0"/>
-                          </a:rPr>
-                        </m:ctrlPr>
-                      </m:dPr>
-                      <m:e>
-                        <m:sSub>
-                          <m:sSubPr>
-                            <m:ctrlPr>
-                              <a:rPr lang="en-US" i="1">
-                                <a:solidFill>
-                                  <a:schemeClr val="tx1"/>
-                                </a:solidFill>
-                                <a:latin typeface="Cambria Math" panose="02040503050406030204" pitchFamily="18" charset="0"/>
-                              </a:rPr>
-                            </m:ctrlPr>
-                          </m:sSubPr>
-                          <m:e>
-                            <m:r>
-                              <a:rPr lang="en-US" i="1">
-                                <a:solidFill>
-                                  <a:schemeClr val="tx1"/>
-                                </a:solidFill>
-                                <a:latin typeface="Cambria Math" panose="02040503050406030204" pitchFamily="18" charset="0"/>
-                              </a:rPr>
-                              <m:t>𝐸</m:t>
-                            </m:r>
-                          </m:e>
-                          <m:sub>
-                            <m:r>
-                              <a:rPr lang="en-US" i="1">
-                                <a:solidFill>
-                                  <a:schemeClr val="tx1"/>
-                                </a:solidFill>
-                                <a:latin typeface="Cambria Math" panose="02040503050406030204" pitchFamily="18" charset="0"/>
-                              </a:rPr>
-                              <m:t>0</m:t>
-                            </m:r>
-                          </m:sub>
-                        </m:sSub>
-                        <m:r>
-                          <a:rPr lang="en-US" i="1">
-                            <a:solidFill>
-                              <a:schemeClr val="tx1"/>
-                            </a:solidFill>
-                            <a:latin typeface="Cambria Math" panose="02040503050406030204" pitchFamily="18" charset="0"/>
-                          </a:rPr>
-                          <m:t>∪</m:t>
-                        </m:r>
-                        <m:sSub>
-                          <m:sSubPr>
-                            <m:ctrlPr>
-                              <a:rPr lang="en-US" i="1">
-                                <a:solidFill>
-                                  <a:schemeClr val="tx1"/>
-                                </a:solidFill>
-                                <a:latin typeface="Cambria Math" panose="02040503050406030204" pitchFamily="18" charset="0"/>
-                              </a:rPr>
-                            </m:ctrlPr>
-                          </m:sSubPr>
-                          <m:e>
-                            <m:r>
-                              <a:rPr lang="en-US" i="1">
-                                <a:solidFill>
-                                  <a:schemeClr val="tx1"/>
-                                </a:solidFill>
-                                <a:latin typeface="Cambria Math" panose="02040503050406030204" pitchFamily="18" charset="0"/>
-                              </a:rPr>
-                              <m:t>𝐸</m:t>
-                            </m:r>
-                          </m:e>
-                          <m:sub>
-                            <m:r>
-                              <a:rPr lang="en-US" i="1">
-                                <a:solidFill>
-                                  <a:schemeClr val="tx1"/>
-                                </a:solidFill>
-                                <a:latin typeface="Cambria Math" panose="02040503050406030204" pitchFamily="18" charset="0"/>
-                              </a:rPr>
-                              <m:t>1</m:t>
-                            </m:r>
-                          </m:sub>
-                        </m:sSub>
-                      </m:e>
-                    </m:d>
-                    <m:r>
-                      <a:rPr lang="en-US" i="1" smtClean="0">
-                        <a:solidFill>
-                          <a:schemeClr val="accent2"/>
-                        </a:solidFill>
-                        <a:latin typeface="Cambria Math" panose="02040503050406030204" pitchFamily="18" charset="0"/>
-                      </a:rPr>
-                      <m:t>=</m:t>
-                    </m:r>
-                    <m:r>
-                      <a:rPr lang="en-US" i="1">
-                        <a:solidFill>
-                          <a:schemeClr val="tx1"/>
-                        </a:solidFill>
-                        <a:latin typeface="Cambria Math" panose="02040503050406030204" pitchFamily="18" charset="0"/>
-                      </a:rPr>
-                      <m:t>𝜇</m:t>
-                    </m:r>
-                    <m:d>
-                      <m:dPr>
-                        <m:ctrlPr>
-                          <a:rPr lang="en-US" i="1">
-                            <a:solidFill>
-                              <a:schemeClr val="tx1"/>
-                            </a:solidFill>
-                            <a:latin typeface="Cambria Math" panose="02040503050406030204" pitchFamily="18" charset="0"/>
-                          </a:rPr>
-                        </m:ctrlPr>
-                      </m:dPr>
-                      <m:e>
-                        <m:sSub>
-                          <m:sSubPr>
-                            <m:ctrlPr>
-                              <a:rPr lang="en-US" i="1">
-                                <a:solidFill>
-                                  <a:schemeClr val="tx1"/>
-                                </a:solidFill>
-                                <a:latin typeface="Cambria Math" panose="02040503050406030204" pitchFamily="18" charset="0"/>
-                              </a:rPr>
-                            </m:ctrlPr>
-                          </m:sSubPr>
-                          <m:e>
-                            <m:r>
-                              <a:rPr lang="en-US" i="1">
-                                <a:solidFill>
-                                  <a:schemeClr val="tx1"/>
-                                </a:solidFill>
-                                <a:latin typeface="Cambria Math" panose="02040503050406030204" pitchFamily="18" charset="0"/>
-                              </a:rPr>
-                              <m:t>𝐸</m:t>
-                            </m:r>
-                          </m:e>
-                          <m:sub>
-                            <m:r>
-                              <a:rPr lang="en-US" i="1">
-                                <a:solidFill>
-                                  <a:schemeClr val="tx1"/>
-                                </a:solidFill>
-                                <a:latin typeface="Cambria Math" panose="02040503050406030204" pitchFamily="18" charset="0"/>
-                              </a:rPr>
-                              <m:t>0</m:t>
-                            </m:r>
-                          </m:sub>
-                        </m:sSub>
-                      </m:e>
-                    </m:d>
-                    <m:r>
-                      <a:rPr lang="en-US" i="1">
-                        <a:solidFill>
-                          <a:schemeClr val="tx1"/>
-                        </a:solidFill>
-                        <a:latin typeface="Cambria Math" panose="02040503050406030204" pitchFamily="18" charset="0"/>
-                      </a:rPr>
-                      <m:t>+</m:t>
-                    </m:r>
-                    <m:r>
-                      <a:rPr lang="en-US" i="1">
-                        <a:solidFill>
-                          <a:schemeClr val="tx1"/>
-                        </a:solidFill>
-                        <a:latin typeface="Cambria Math" panose="02040503050406030204" pitchFamily="18" charset="0"/>
-                      </a:rPr>
-                      <m:t>𝜇</m:t>
-                    </m:r>
-                    <m:d>
-                      <m:dPr>
-                        <m:ctrlPr>
-                          <a:rPr lang="en-US" i="1">
-                            <a:solidFill>
-                              <a:schemeClr val="tx1"/>
-                            </a:solidFill>
-                            <a:latin typeface="Cambria Math" panose="02040503050406030204" pitchFamily="18" charset="0"/>
-                          </a:rPr>
-                        </m:ctrlPr>
-                      </m:dPr>
-                      <m:e>
-                        <m:sSub>
-                          <m:sSubPr>
-                            <m:ctrlPr>
-                              <a:rPr lang="en-US" i="1">
-                                <a:solidFill>
-                                  <a:schemeClr val="tx1"/>
-                                </a:solidFill>
-                                <a:latin typeface="Cambria Math" panose="02040503050406030204" pitchFamily="18" charset="0"/>
-                              </a:rPr>
-                            </m:ctrlPr>
-                          </m:sSubPr>
-                          <m:e>
-                            <m:r>
-                              <a:rPr lang="en-US" i="1">
-                                <a:solidFill>
-                                  <a:schemeClr val="tx1"/>
-                                </a:solidFill>
-                                <a:latin typeface="Cambria Math" panose="02040503050406030204" pitchFamily="18" charset="0"/>
-                              </a:rPr>
-                              <m:t>𝐸</m:t>
-                            </m:r>
-                          </m:e>
-                          <m:sub>
-                            <m:r>
-                              <a:rPr lang="en-US" i="1">
-                                <a:solidFill>
-                                  <a:schemeClr val="tx1"/>
-                                </a:solidFill>
-                                <a:latin typeface="Cambria Math" panose="02040503050406030204" pitchFamily="18" charset="0"/>
-                              </a:rPr>
-                              <m:t>1</m:t>
-                            </m:r>
-                          </m:sub>
-                        </m:sSub>
-                      </m:e>
-                    </m:d>
-                    <m:r>
-                      <a:rPr lang="en-US" b="0" i="1" smtClean="0">
-                        <a:solidFill>
-                          <a:schemeClr val="tx1"/>
-                        </a:solidFill>
-                        <a:latin typeface="Cambria Math" panose="02040503050406030204" pitchFamily="18" charset="0"/>
-                      </a:rPr>
-                      <m:t> .</m:t>
-                    </m:r>
-                  </m:oMath>
-                </a14:m>
-                <a:endParaRPr lang="en-US" dirty="0">
-                  <a:solidFill>
-                    <a:schemeClr val="tx1"/>
-                  </a:solidFill>
-                </a:endParaRPr>
               </a:p>
               <a:p>
                 <a:endParaRPr lang="en-US" dirty="0">
@@ -5635,11 +4999,11 @@
               <a:t>Probability </a:t>
             </a:r>
             <a:r>
-              <a:rPr lang="en-US" smtClean="0"/>
+              <a:rPr lang="en-US" dirty="0" smtClean="0"/>
               <a:t>Measure (Q</a:t>
             </a:r>
             <a:r>
-              <a:rPr lang="en-US" smtClean="0">
+              <a:rPr lang="en-US" dirty="0" smtClean="0">
                 <a:solidFill>
                   <a:schemeClr val="accent2"/>
                 </a:solidFill>
@@ -5647,19 +5011,15 @@
               <a:t>I</a:t>
             </a:r>
             <a:r>
-              <a:rPr lang="en-US" smtClean="0"/>
-              <a:t>VPM</a:t>
-            </a:r>
-            <a:r>
               <a:rPr lang="en-US" dirty="0" smtClean="0"/>
-              <a:t>)</a:t>
+              <a:t>VPM)</a:t>
             </a:r>
             <a:endParaRPr lang="en-US" dirty="0"/>
           </a:p>
         </p:txBody>
       </p:sp>
-      <mc:AlternateContent xmlns:mc="http://schemas.openxmlformats.org/markup-compatibility/2006">
-        <mc:Choice xmlns:a14="http://schemas.microsoft.com/office/drawing/2010/main" Requires="a14">
+      <mc:AlternateContent xmlns:mc="http://schemas.openxmlformats.org/markup-compatibility/2006" xmlns:a14="http://schemas.microsoft.com/office/drawing/2010/main">
+        <mc:Choice Requires="a14">
           <p:sp>
             <p:nvSpPr>
               <p:cNvPr id="6" name="Content Placeholder 5"/>
@@ -5673,7 +5033,7 @@
             <p:spPr/>
             <p:txBody>
               <a:bodyPr>
-                <a:normAutofit fontScale="77500" lnSpcReduction="20000"/>
+                <a:normAutofit/>
               </a:bodyPr>
               <a:lstStyle/>
               <a:p>
@@ -5908,7 +5268,7 @@
                     </m:d>
                   </m:oMath>
                 </a14:m>
-                <a:endParaRPr lang="en-US" i="1" dirty="0">
+                <a:endParaRPr lang="en-US" i="1" dirty="0" smtClean="0">
                   <a:latin typeface="Cambria Math" panose="02040503050406030204" pitchFamily="18" charset="0"/>
                   <a:ea typeface="Cambria Math" panose="02040503050406030204" pitchFamily="18" charset="0"/>
                 </a:endParaRPr>
@@ -5919,81 +5279,7 @@
                     <a:spcPct val="105000"/>
                   </a:lnSpc>
                 </a:pPr>
-                <a14:m>
-                  <m:oMath xmlns:m="http://schemas.openxmlformats.org/officeDocument/2006/math">
-                    <m:bar>
-                      <m:barPr>
-                        <m:pos m:val="top"/>
-                        <m:ctrlPr>
-                          <a:rPr lang="en-US" i="1">
-                            <a:latin typeface="Cambria Math" panose="02040503050406030204" pitchFamily="18" charset="0"/>
-                          </a:rPr>
-                        </m:ctrlPr>
-                      </m:barPr>
-                      <m:e>
-                        <m:r>
-                          <a:rPr lang="en-US" i="1">
-                            <a:latin typeface="Cambria Math" panose="02040503050406030204" pitchFamily="18" charset="0"/>
-                          </a:rPr>
-                          <m:t>𝜇</m:t>
-                        </m:r>
-                      </m:e>
-                    </m:bar>
-                    <m:d>
-                      <m:dPr>
-                        <m:ctrlPr>
-                          <a:rPr lang="en-US" i="1">
-                            <a:latin typeface="Cambria Math" panose="02040503050406030204" pitchFamily="18" charset="0"/>
-                          </a:rPr>
-                        </m:ctrlPr>
-                      </m:dPr>
-                      <m:e>
-                        <m:r>
-                          <a:rPr lang="en-US" i="1">
-                            <a:latin typeface="Cambria Math" panose="02040503050406030204" pitchFamily="18" charset="0"/>
-                            <a:ea typeface="Cambria Math" panose="02040503050406030204" pitchFamily="18" charset="0"/>
-                          </a:rPr>
-                          <m:t>∅</m:t>
-                        </m:r>
-                      </m:e>
-                    </m:d>
-                    <m:r>
-                      <a:rPr lang="en-US" i="1">
-                        <a:latin typeface="Cambria Math" panose="02040503050406030204" pitchFamily="18" charset="0"/>
-                      </a:rPr>
-                      <m:t>=</m:t>
-                    </m:r>
-                    <m:d>
-                      <m:dPr>
-                        <m:begChr m:val="["/>
-                        <m:endChr m:val="]"/>
-                        <m:ctrlPr>
-                          <a:rPr lang="en-US" b="0" i="1" smtClean="0">
-                            <a:solidFill>
-                              <a:schemeClr val="accent2"/>
-                            </a:solidFill>
-                            <a:latin typeface="Cambria Math" panose="02040503050406030204" pitchFamily="18" charset="0"/>
-                          </a:rPr>
-                        </m:ctrlPr>
-                      </m:dPr>
-                      <m:e>
-                        <m:r>
-                          <a:rPr lang="en-US" b="0" i="1" smtClean="0">
-                            <a:solidFill>
-                              <a:schemeClr val="accent2"/>
-                            </a:solidFill>
-                            <a:latin typeface="Cambria Math" panose="02040503050406030204" pitchFamily="18" charset="0"/>
-                          </a:rPr>
-                          <m:t>0,0</m:t>
-                        </m:r>
-                      </m:e>
-                    </m:d>
-                  </m:oMath>
-                </a14:m>
-                <a:r>
-                  <a:rPr lang="en-US" dirty="0"/>
-                  <a:t>.</a:t>
-                </a:r>
+                <a:endParaRPr lang="en-US" b="1" dirty="0"/>
               </a:p>
               <a:p>
                 <a:pPr>
@@ -6001,102 +5287,15 @@
                     <a:spcPct val="105000"/>
                   </a:lnSpc>
                 </a:pPr>
-                <a14:m>
-                  <m:oMath xmlns:m="http://schemas.openxmlformats.org/officeDocument/2006/math">
-                    <m:bar>
-                      <m:barPr>
-                        <m:pos m:val="top"/>
-                        <m:ctrlPr>
-                          <a:rPr lang="en-US" i="1">
-                            <a:latin typeface="Cambria Math" panose="02040503050406030204" pitchFamily="18" charset="0"/>
-                          </a:rPr>
-                        </m:ctrlPr>
-                      </m:barPr>
-                      <m:e>
-                        <m:r>
-                          <a:rPr lang="en-US" i="1">
-                            <a:latin typeface="Cambria Math" panose="02040503050406030204" pitchFamily="18" charset="0"/>
-                          </a:rPr>
-                          <m:t>𝜇</m:t>
-                        </m:r>
-                      </m:e>
-                    </m:bar>
-                    <m:d>
-                      <m:dPr>
-                        <m:ctrlPr>
-                          <a:rPr lang="en-US" i="1">
-                            <a:latin typeface="Cambria Math" panose="02040503050406030204" pitchFamily="18" charset="0"/>
-                          </a:rPr>
-                        </m:ctrlPr>
-                      </m:dPr>
-                      <m:e>
-                        <m:r>
-                          <m:rPr>
-                            <m:sty m:val="p"/>
-                          </m:rPr>
-                          <a:rPr lang="el-GR" i="1">
-                            <a:latin typeface="Cambria Math" panose="02040503050406030204" pitchFamily="18" charset="0"/>
-                            <a:ea typeface="Cambria Math" panose="02040503050406030204" pitchFamily="18" charset="0"/>
-                          </a:rPr>
-                          <m:t>Ω</m:t>
-                        </m:r>
-                      </m:e>
-                    </m:d>
-                    <m:r>
-                      <a:rPr lang="en-US" i="1">
-                        <a:latin typeface="Cambria Math" panose="02040503050406030204" pitchFamily="18" charset="0"/>
-                      </a:rPr>
-                      <m:t>=</m:t>
-                    </m:r>
-                    <m:d>
-                      <m:dPr>
-                        <m:begChr m:val="["/>
-                        <m:endChr m:val="]"/>
-                        <m:ctrlPr>
-                          <a:rPr lang="en-US" i="1">
-                            <a:solidFill>
-                              <a:schemeClr val="accent2"/>
-                            </a:solidFill>
-                            <a:latin typeface="Cambria Math" panose="02040503050406030204" pitchFamily="18" charset="0"/>
-                          </a:rPr>
-                        </m:ctrlPr>
-                      </m:dPr>
-                      <m:e>
-                        <m:r>
-                          <a:rPr lang="en-US" b="0" i="1" smtClean="0">
-                            <a:solidFill>
-                              <a:schemeClr val="accent2"/>
-                            </a:solidFill>
-                            <a:latin typeface="Cambria Math" panose="02040503050406030204" pitchFamily="18" charset="0"/>
-                          </a:rPr>
-                          <m:t>1</m:t>
-                        </m:r>
-                        <m:r>
-                          <a:rPr lang="en-US" i="1">
-                            <a:solidFill>
-                              <a:schemeClr val="accent2"/>
-                            </a:solidFill>
-                            <a:latin typeface="Cambria Math" panose="02040503050406030204" pitchFamily="18" charset="0"/>
-                          </a:rPr>
-                          <m:t>,</m:t>
-                        </m:r>
-                        <m:r>
-                          <a:rPr lang="en-US" b="0" i="1" smtClean="0">
-                            <a:solidFill>
-                              <a:schemeClr val="accent2"/>
-                            </a:solidFill>
-                            <a:latin typeface="Cambria Math" panose="02040503050406030204" pitchFamily="18" charset="0"/>
-                          </a:rPr>
-                          <m:t>1</m:t>
-                        </m:r>
-                      </m:e>
-                    </m:d>
-                  </m:oMath>
-                </a14:m>
-                <a:r>
-                  <a:rPr lang="en-US" dirty="0"/>
-                  <a:t>.</a:t>
-                </a:r>
+                <a:endParaRPr lang="en-US" b="1" dirty="0"/>
+              </a:p>
+              <a:p>
+                <a:pPr>
+                  <a:lnSpc>
+                    <a:spcPct val="105000"/>
+                  </a:lnSpc>
+                </a:pPr>
+                <a:endParaRPr lang="en-US" b="1" dirty="0"/>
               </a:p>
               <a:p>
                 <a:pPr>
@@ -6106,1124 +5305,26 @@
                 </a:pPr>
                 <a:r>
                   <a:rPr lang="en-US" dirty="0"/>
-                  <a:t>For any event </a:t>
-                </a:r>
-                <a14:m>
-                  <m:oMath xmlns:m="http://schemas.openxmlformats.org/officeDocument/2006/math">
-                    <m:r>
-                      <a:rPr lang="en-US" i="1">
-                        <a:latin typeface="Cambria Math" panose="02040503050406030204" pitchFamily="18" charset="0"/>
-                      </a:rPr>
-                      <m:t>𝐸</m:t>
-                    </m:r>
-                  </m:oMath>
-                </a14:m>
-                <a:r>
-                  <a:rPr lang="en-US" dirty="0"/>
-                  <a:t>, </a:t>
+                  <a:t>The Born rule and </a:t>
                 </a:r>
                 <a:r>
                   <a:rPr lang="en-US" dirty="0" smtClean="0"/>
-                  <a:t>if </a:t>
+                  <a:t>Gleason’s </a:t>
                 </a:r>
-                <a14:m>
-                  <m:oMath xmlns:m="http://schemas.openxmlformats.org/officeDocument/2006/math">
-                    <m:bar>
-                      <m:barPr>
-                        <m:pos m:val="top"/>
-                        <m:ctrlPr>
-                          <a:rPr lang="en-US" i="1">
-                            <a:latin typeface="Cambria Math" panose="02040503050406030204" pitchFamily="18" charset="0"/>
-                          </a:rPr>
-                        </m:ctrlPr>
-                      </m:barPr>
-                      <m:e>
-                        <m:r>
-                          <a:rPr lang="en-US" i="1">
-                            <a:latin typeface="Cambria Math" panose="02040503050406030204" pitchFamily="18" charset="0"/>
-                          </a:rPr>
-                          <m:t>𝜇</m:t>
-                        </m:r>
-                      </m:e>
-                    </m:bar>
-                    <m:d>
-                      <m:dPr>
-                        <m:ctrlPr>
-                          <a:rPr lang="en-US" i="1">
-                            <a:latin typeface="Cambria Math" panose="02040503050406030204" pitchFamily="18" charset="0"/>
-                          </a:rPr>
-                        </m:ctrlPr>
-                      </m:dPr>
-                      <m:e>
-                        <m:r>
-                          <a:rPr lang="en-US" b="0" i="1" smtClean="0">
-                            <a:latin typeface="Cambria Math" panose="02040503050406030204" pitchFamily="18" charset="0"/>
-                          </a:rPr>
-                          <m:t>𝐸</m:t>
-                        </m:r>
-                      </m:e>
-                    </m:d>
-                    <m:r>
-                      <a:rPr lang="en-US" i="1">
-                        <a:latin typeface="Cambria Math" panose="02040503050406030204" pitchFamily="18" charset="0"/>
-                      </a:rPr>
-                      <m:t>=</m:t>
-                    </m:r>
-                    <m:d>
-                      <m:dPr>
-                        <m:begChr m:val="["/>
-                        <m:endChr m:val="]"/>
-                        <m:ctrlPr>
-                          <a:rPr lang="en-US" i="1" smtClean="0">
-                            <a:solidFill>
-                              <a:schemeClr val="accent2"/>
-                            </a:solidFill>
-                            <a:latin typeface="Cambria Math" panose="02040503050406030204" pitchFamily="18" charset="0"/>
-                          </a:rPr>
-                        </m:ctrlPr>
-                      </m:dPr>
-                      <m:e>
-                        <m:r>
-                          <a:rPr lang="en-US" i="1">
-                            <a:solidFill>
-                              <a:schemeClr val="accent2"/>
-                            </a:solidFill>
-                            <a:latin typeface="Cambria Math" panose="02040503050406030204" pitchFamily="18" charset="0"/>
-                          </a:rPr>
-                          <m:t>ℓ,</m:t>
-                        </m:r>
-                        <m:r>
-                          <a:rPr lang="en-US" i="1">
-                            <a:solidFill>
-                              <a:schemeClr val="accent2"/>
-                            </a:solidFill>
-                            <a:latin typeface="Cambria Math" panose="02040503050406030204" pitchFamily="18" charset="0"/>
-                          </a:rPr>
-                          <m:t>𝑟</m:t>
-                        </m:r>
-                      </m:e>
-                    </m:d>
-                  </m:oMath>
-                </a14:m>
                 <a:r>
-                  <a:rPr lang="en-US" dirty="0"/>
-                  <a:t>, then</a:t>
-                </a:r>
-                <a:br>
-                  <a:rPr lang="en-US" dirty="0"/>
-                </a:br>
-                <a14:m>
-                  <m:oMath xmlns:m="http://schemas.openxmlformats.org/officeDocument/2006/math">
-                    <m:bar>
-                      <m:barPr>
-                        <m:pos m:val="top"/>
-                        <m:ctrlPr>
-                          <a:rPr lang="en-US" i="1">
-                            <a:latin typeface="Cambria Math" panose="02040503050406030204" pitchFamily="18" charset="0"/>
-                          </a:rPr>
-                        </m:ctrlPr>
-                      </m:barPr>
-                      <m:e>
-                        <m:r>
-                          <a:rPr lang="en-US" i="1">
-                            <a:latin typeface="Cambria Math" panose="02040503050406030204" pitchFamily="18" charset="0"/>
-                          </a:rPr>
-                          <m:t>𝜇</m:t>
-                        </m:r>
-                      </m:e>
-                    </m:bar>
-                    <m:d>
-                      <m:dPr>
-                        <m:ctrlPr>
-                          <a:rPr lang="en-US" i="1">
-                            <a:latin typeface="Cambria Math" panose="02040503050406030204" pitchFamily="18" charset="0"/>
-                          </a:rPr>
-                        </m:ctrlPr>
-                      </m:dPr>
-                      <m:e>
-                        <m:r>
-                          <m:rPr>
-                            <m:sty m:val="p"/>
-                          </m:rPr>
-                          <a:rPr lang="el-GR" i="1">
-                            <a:latin typeface="Cambria Math" panose="02040503050406030204" pitchFamily="18" charset="0"/>
-                            <a:ea typeface="Cambria Math" panose="02040503050406030204" pitchFamily="18" charset="0"/>
-                          </a:rPr>
-                          <m:t>Ω</m:t>
-                        </m:r>
-                        <m:r>
-                          <a:rPr lang="en-US" i="1">
-                            <a:latin typeface="Cambria Math" panose="02040503050406030204" pitchFamily="18" charset="0"/>
-                          </a:rPr>
-                          <m:t>\</m:t>
-                        </m:r>
-                        <m:r>
-                          <a:rPr lang="en-US" i="1">
-                            <a:latin typeface="Cambria Math" panose="02040503050406030204" pitchFamily="18" charset="0"/>
-                          </a:rPr>
-                          <m:t>𝐸</m:t>
-                        </m:r>
-                      </m:e>
-                    </m:d>
-                    <m:r>
-                      <a:rPr lang="en-US" i="1">
-                        <a:latin typeface="Cambria Math" panose="02040503050406030204" pitchFamily="18" charset="0"/>
-                      </a:rPr>
-                      <m:t>=</m:t>
-                    </m:r>
-                    <m:d>
-                      <m:dPr>
-                        <m:begChr m:val="["/>
-                        <m:endChr m:val="]"/>
-                        <m:ctrlPr>
-                          <a:rPr lang="en-US" b="0" i="1" smtClean="0">
-                            <a:solidFill>
-                              <a:schemeClr val="accent2"/>
-                            </a:solidFill>
-                            <a:latin typeface="Cambria Math" panose="02040503050406030204" pitchFamily="18" charset="0"/>
-                          </a:rPr>
-                        </m:ctrlPr>
-                      </m:dPr>
-                      <m:e>
-                        <m:r>
-                          <a:rPr lang="en-US" b="0" i="1" smtClean="0">
-                            <a:solidFill>
-                              <a:schemeClr val="accent2"/>
-                            </a:solidFill>
-                            <a:latin typeface="Cambria Math" panose="02040503050406030204" pitchFamily="18" charset="0"/>
-                          </a:rPr>
-                          <m:t>1,1</m:t>
-                        </m:r>
-                      </m:e>
-                    </m:d>
-                    <m:r>
-                      <a:rPr lang="en-US" i="1">
-                        <a:latin typeface="Cambria Math" panose="02040503050406030204" pitchFamily="18" charset="0"/>
-                      </a:rPr>
-                      <m:t>−</m:t>
-                    </m:r>
-                    <m:bar>
-                      <m:barPr>
-                        <m:pos m:val="top"/>
-                        <m:ctrlPr>
-                          <a:rPr lang="en-US" i="1">
-                            <a:latin typeface="Cambria Math" panose="02040503050406030204" pitchFamily="18" charset="0"/>
-                          </a:rPr>
-                        </m:ctrlPr>
-                      </m:barPr>
-                      <m:e>
-                        <m:r>
-                          <a:rPr lang="en-US" i="1">
-                            <a:latin typeface="Cambria Math" panose="02040503050406030204" pitchFamily="18" charset="0"/>
-                          </a:rPr>
-                          <m:t>𝜇</m:t>
-                        </m:r>
-                      </m:e>
-                    </m:bar>
-                    <m:d>
-                      <m:dPr>
-                        <m:ctrlPr>
-                          <a:rPr lang="en-US" i="1">
-                            <a:latin typeface="Cambria Math" panose="02040503050406030204" pitchFamily="18" charset="0"/>
-                          </a:rPr>
-                        </m:ctrlPr>
-                      </m:dPr>
-                      <m:e>
-                        <m:r>
-                          <a:rPr lang="en-US" i="1">
-                            <a:latin typeface="Cambria Math" panose="02040503050406030204" pitchFamily="18" charset="0"/>
-                          </a:rPr>
-                          <m:t>𝐸</m:t>
-                        </m:r>
-                      </m:e>
-                    </m:d>
-                    <m:r>
-                      <a:rPr lang="en-US" i="1">
-                        <a:latin typeface="Cambria Math" panose="02040503050406030204" pitchFamily="18" charset="0"/>
-                      </a:rPr>
-                      <m:t>=</m:t>
-                    </m:r>
-                    <m:d>
-                      <m:dPr>
-                        <m:begChr m:val="["/>
-                        <m:endChr m:val="]"/>
-                        <m:ctrlPr>
-                          <a:rPr lang="en-US" i="1" smtClean="0">
-                            <a:solidFill>
-                              <a:schemeClr val="accent2"/>
-                            </a:solidFill>
-                            <a:latin typeface="Cambria Math" panose="02040503050406030204" pitchFamily="18" charset="0"/>
-                          </a:rPr>
-                        </m:ctrlPr>
-                      </m:dPr>
-                      <m:e>
-                        <m:r>
-                          <a:rPr lang="en-US" i="1">
-                            <a:solidFill>
-                              <a:schemeClr val="accent2"/>
-                            </a:solidFill>
-                            <a:latin typeface="Cambria Math" panose="02040503050406030204" pitchFamily="18" charset="0"/>
-                          </a:rPr>
-                          <m:t>1−</m:t>
-                        </m:r>
-                        <m:r>
-                          <a:rPr lang="en-US" i="1">
-                            <a:solidFill>
-                              <a:schemeClr val="accent2"/>
-                            </a:solidFill>
-                            <a:latin typeface="Cambria Math" panose="02040503050406030204" pitchFamily="18" charset="0"/>
-                          </a:rPr>
-                          <m:t>𝑟</m:t>
-                        </m:r>
-                        <m:r>
-                          <a:rPr lang="en-US" i="1">
-                            <a:solidFill>
-                              <a:schemeClr val="accent2"/>
-                            </a:solidFill>
-                            <a:latin typeface="Cambria Math" panose="02040503050406030204" pitchFamily="18" charset="0"/>
-                          </a:rPr>
-                          <m:t>,1−ℓ</m:t>
-                        </m:r>
-                      </m:e>
-                    </m:d>
-                    <m:r>
-                      <a:rPr lang="en-US" i="1">
-                        <a:latin typeface="Cambria Math" panose="02040503050406030204" pitchFamily="18" charset="0"/>
-                      </a:rPr>
-                      <m:t> .</m:t>
-                    </m:r>
-                  </m:oMath>
-                </a14:m>
-                <a:endParaRPr lang="en-US" dirty="0"/>
-              </a:p>
-              <a:p>
-                <a:pPr>
-                  <a:lnSpc>
-                    <a:spcPct val="105000"/>
-                  </a:lnSpc>
-                </a:pPr>
-                <a:r>
-                  <a:rPr lang="en-US" dirty="0"/>
-                  <a:t>For disjoint events </a:t>
-                </a:r>
-                <a14:m>
-                  <m:oMath xmlns:m="http://schemas.openxmlformats.org/officeDocument/2006/math">
-                    <m:sSub>
-                      <m:sSubPr>
-                        <m:ctrlPr>
-                          <a:rPr lang="en-US" i="1">
-                            <a:latin typeface="Cambria Math" panose="02040503050406030204" pitchFamily="18" charset="0"/>
-                          </a:rPr>
-                        </m:ctrlPr>
-                      </m:sSubPr>
-                      <m:e>
-                        <m:r>
-                          <a:rPr lang="en-US" i="1">
-                            <a:latin typeface="Cambria Math" panose="02040503050406030204" pitchFamily="18" charset="0"/>
-                          </a:rPr>
-                          <m:t>𝐸</m:t>
-                        </m:r>
-                      </m:e>
-                      <m:sub>
-                        <m:r>
-                          <a:rPr lang="en-US" i="1">
-                            <a:latin typeface="Cambria Math" panose="02040503050406030204" pitchFamily="18" charset="0"/>
-                          </a:rPr>
-                          <m:t>0</m:t>
-                        </m:r>
-                      </m:sub>
-                    </m:sSub>
-                  </m:oMath>
-                </a14:m>
-                <a:r>
-                  <a:rPr lang="en-US" dirty="0"/>
-                  <a:t> and </a:t>
-                </a:r>
-                <a14:m>
-                  <m:oMath xmlns:m="http://schemas.openxmlformats.org/officeDocument/2006/math">
-                    <m:sSub>
-                      <m:sSubPr>
-                        <m:ctrlPr>
-                          <a:rPr lang="en-US" i="1">
-                            <a:latin typeface="Cambria Math" panose="02040503050406030204" pitchFamily="18" charset="0"/>
-                          </a:rPr>
-                        </m:ctrlPr>
-                      </m:sSubPr>
-                      <m:e>
-                        <m:r>
-                          <a:rPr lang="en-US" i="1">
-                            <a:latin typeface="Cambria Math" panose="02040503050406030204" pitchFamily="18" charset="0"/>
-                          </a:rPr>
-                          <m:t>𝐸</m:t>
-                        </m:r>
-                      </m:e>
-                      <m:sub>
-                        <m:r>
-                          <a:rPr lang="en-US" i="1">
-                            <a:latin typeface="Cambria Math" panose="02040503050406030204" pitchFamily="18" charset="0"/>
-                          </a:rPr>
-                          <m:t>1</m:t>
-                        </m:r>
-                      </m:sub>
-                    </m:sSub>
-                  </m:oMath>
-                </a14:m>
-                <a:r>
-                  <a:rPr lang="en-US" dirty="0" smtClean="0"/>
-                  <a:t>, </a:t>
-                </a:r>
-                <a:br>
-                  <a:rPr lang="en-US" dirty="0" smtClean="0"/>
-                </a:br>
-                <a:r>
-                  <a:rPr lang="en-US" dirty="0" smtClean="0"/>
-                  <a:t>if </a:t>
-                </a:r>
-                <a14:m>
-                  <m:oMath xmlns:m="http://schemas.openxmlformats.org/officeDocument/2006/math">
-                    <m:bar>
-                      <m:barPr>
-                        <m:pos m:val="top"/>
-                        <m:ctrlPr>
-                          <a:rPr lang="en-US" i="1">
-                            <a:latin typeface="Cambria Math" panose="02040503050406030204" pitchFamily="18" charset="0"/>
-                          </a:rPr>
-                        </m:ctrlPr>
-                      </m:barPr>
-                      <m:e>
-                        <m:r>
-                          <a:rPr lang="en-US" i="1">
-                            <a:latin typeface="Cambria Math" panose="02040503050406030204" pitchFamily="18" charset="0"/>
-                          </a:rPr>
-                          <m:t>𝜇</m:t>
-                        </m:r>
-                      </m:e>
-                    </m:bar>
-                    <m:d>
-                      <m:dPr>
-                        <m:ctrlPr>
-                          <a:rPr lang="en-US" i="1">
-                            <a:latin typeface="Cambria Math" panose="02040503050406030204" pitchFamily="18" charset="0"/>
-                          </a:rPr>
-                        </m:ctrlPr>
-                      </m:dPr>
-                      <m:e>
-                        <m:sSub>
-                          <m:sSubPr>
-                            <m:ctrlPr>
-                              <a:rPr lang="en-US" i="1">
-                                <a:latin typeface="Cambria Math" panose="02040503050406030204" pitchFamily="18" charset="0"/>
-                              </a:rPr>
-                            </m:ctrlPr>
-                          </m:sSubPr>
-                          <m:e>
-                            <m:r>
-                              <a:rPr lang="en-US" i="1">
-                                <a:latin typeface="Cambria Math" panose="02040503050406030204" pitchFamily="18" charset="0"/>
-                              </a:rPr>
-                              <m:t>𝐸</m:t>
-                            </m:r>
-                          </m:e>
-                          <m:sub>
-                            <m:r>
-                              <a:rPr lang="en-US" i="1">
-                                <a:latin typeface="Cambria Math" panose="02040503050406030204" pitchFamily="18" charset="0"/>
-                              </a:rPr>
-                              <m:t>0</m:t>
-                            </m:r>
-                          </m:sub>
-                        </m:sSub>
-                      </m:e>
-                    </m:d>
-                    <m:r>
-                      <a:rPr lang="en-US" i="1">
-                        <a:latin typeface="Cambria Math" panose="02040503050406030204" pitchFamily="18" charset="0"/>
-                      </a:rPr>
-                      <m:t>=</m:t>
-                    </m:r>
-                    <m:d>
-                      <m:dPr>
-                        <m:begChr m:val="["/>
-                        <m:endChr m:val="]"/>
-                        <m:ctrlPr>
-                          <a:rPr lang="en-US" i="1" smtClean="0">
-                            <a:solidFill>
-                              <a:schemeClr val="accent2"/>
-                            </a:solidFill>
-                            <a:latin typeface="Cambria Math" panose="02040503050406030204" pitchFamily="18" charset="0"/>
-                          </a:rPr>
-                        </m:ctrlPr>
-                      </m:dPr>
-                      <m:e>
-                        <m:sSub>
-                          <m:sSubPr>
-                            <m:ctrlPr>
-                              <a:rPr lang="en-US" i="1">
-                                <a:solidFill>
-                                  <a:schemeClr val="accent2"/>
-                                </a:solidFill>
-                                <a:latin typeface="Cambria Math" panose="02040503050406030204" pitchFamily="18" charset="0"/>
-                              </a:rPr>
-                            </m:ctrlPr>
-                          </m:sSubPr>
-                          <m:e>
-                            <m:r>
-                              <a:rPr lang="en-US" i="1">
-                                <a:solidFill>
-                                  <a:schemeClr val="accent2"/>
-                                </a:solidFill>
-                                <a:latin typeface="Cambria Math" panose="02040503050406030204" pitchFamily="18" charset="0"/>
-                              </a:rPr>
-                              <m:t>ℓ</m:t>
-                            </m:r>
-                          </m:e>
-                          <m:sub>
-                            <m:r>
-                              <a:rPr lang="en-US" i="1">
-                                <a:solidFill>
-                                  <a:schemeClr val="accent2"/>
-                                </a:solidFill>
-                                <a:latin typeface="Cambria Math" panose="02040503050406030204" pitchFamily="18" charset="0"/>
-                              </a:rPr>
-                              <m:t>0</m:t>
-                            </m:r>
-                          </m:sub>
-                        </m:sSub>
-                        <m:r>
-                          <a:rPr lang="en-US" i="1">
-                            <a:solidFill>
-                              <a:schemeClr val="accent2"/>
-                            </a:solidFill>
-                            <a:latin typeface="Cambria Math" panose="02040503050406030204" pitchFamily="18" charset="0"/>
-                          </a:rPr>
-                          <m:t>,</m:t>
-                        </m:r>
-                        <m:sSub>
-                          <m:sSubPr>
-                            <m:ctrlPr>
-                              <a:rPr lang="en-US" i="1">
-                                <a:solidFill>
-                                  <a:schemeClr val="accent2"/>
-                                </a:solidFill>
-                                <a:latin typeface="Cambria Math" panose="02040503050406030204" pitchFamily="18" charset="0"/>
-                              </a:rPr>
-                            </m:ctrlPr>
-                          </m:sSubPr>
-                          <m:e>
-                            <m:r>
-                              <a:rPr lang="en-US" i="1">
-                                <a:solidFill>
-                                  <a:schemeClr val="accent2"/>
-                                </a:solidFill>
-                                <a:latin typeface="Cambria Math" panose="02040503050406030204" pitchFamily="18" charset="0"/>
-                              </a:rPr>
-                              <m:t>𝑟</m:t>
-                            </m:r>
-                          </m:e>
-                          <m:sub>
-                            <m:r>
-                              <a:rPr lang="en-US" i="1">
-                                <a:solidFill>
-                                  <a:schemeClr val="accent2"/>
-                                </a:solidFill>
-                                <a:latin typeface="Cambria Math" panose="02040503050406030204" pitchFamily="18" charset="0"/>
-                              </a:rPr>
-                              <m:t>0</m:t>
-                            </m:r>
-                          </m:sub>
-                        </m:sSub>
-                      </m:e>
-                    </m:d>
-                  </m:oMath>
-                </a14:m>
-                <a:r>
-                  <a:rPr lang="en-US" dirty="0"/>
-                  <a:t> </a:t>
+                  <a:rPr lang="en-US" smtClean="0"/>
+                  <a:t>theorem are applied</a:t>
                 </a:r>
                 <a:r>
                   <a:rPr lang="en-US" dirty="0" smtClean="0"/>
-                  <a:t>and </a:t>
+                  <a:t>.</a:t>
                 </a:r>
-                <a14:m>
-                  <m:oMath xmlns:m="http://schemas.openxmlformats.org/officeDocument/2006/math">
-                    <m:bar>
-                      <m:barPr>
-                        <m:pos m:val="top"/>
-                        <m:ctrlPr>
-                          <a:rPr lang="en-US" i="1">
-                            <a:latin typeface="Cambria Math" panose="02040503050406030204" pitchFamily="18" charset="0"/>
-                          </a:rPr>
-                        </m:ctrlPr>
-                      </m:barPr>
-                      <m:e>
-                        <m:r>
-                          <a:rPr lang="en-US" i="1">
-                            <a:latin typeface="Cambria Math" panose="02040503050406030204" pitchFamily="18" charset="0"/>
-                          </a:rPr>
-                          <m:t>𝜇</m:t>
-                        </m:r>
-                      </m:e>
-                    </m:bar>
-                    <m:d>
-                      <m:dPr>
-                        <m:ctrlPr>
-                          <a:rPr lang="en-US" i="1">
-                            <a:latin typeface="Cambria Math" panose="02040503050406030204" pitchFamily="18" charset="0"/>
-                          </a:rPr>
-                        </m:ctrlPr>
-                      </m:dPr>
-                      <m:e>
-                        <m:sSub>
-                          <m:sSubPr>
-                            <m:ctrlPr>
-                              <a:rPr lang="en-US" i="1">
-                                <a:latin typeface="Cambria Math" panose="02040503050406030204" pitchFamily="18" charset="0"/>
-                              </a:rPr>
-                            </m:ctrlPr>
-                          </m:sSubPr>
-                          <m:e>
-                            <m:r>
-                              <a:rPr lang="en-US" i="1">
-                                <a:latin typeface="Cambria Math" panose="02040503050406030204" pitchFamily="18" charset="0"/>
-                              </a:rPr>
-                              <m:t>𝐸</m:t>
-                            </m:r>
-                          </m:e>
-                          <m:sub>
-                            <m:r>
-                              <a:rPr lang="en-US" i="1">
-                                <a:latin typeface="Cambria Math" panose="02040503050406030204" pitchFamily="18" charset="0"/>
-                              </a:rPr>
-                              <m:t>1</m:t>
-                            </m:r>
-                          </m:sub>
-                        </m:sSub>
-                      </m:e>
-                    </m:d>
-                    <m:r>
-                      <a:rPr lang="en-US" i="1">
-                        <a:latin typeface="Cambria Math" panose="02040503050406030204" pitchFamily="18" charset="0"/>
-                      </a:rPr>
-                      <m:t>=</m:t>
-                    </m:r>
-                    <m:d>
-                      <m:dPr>
-                        <m:begChr m:val="["/>
-                        <m:endChr m:val="]"/>
-                        <m:ctrlPr>
-                          <a:rPr lang="en-US" i="1" smtClean="0">
-                            <a:solidFill>
-                              <a:schemeClr val="accent2"/>
-                            </a:solidFill>
-                            <a:latin typeface="Cambria Math" panose="02040503050406030204" pitchFamily="18" charset="0"/>
-                          </a:rPr>
-                        </m:ctrlPr>
-                      </m:dPr>
-                      <m:e>
-                        <m:sSub>
-                          <m:sSubPr>
-                            <m:ctrlPr>
-                              <a:rPr lang="en-US" i="1">
-                                <a:solidFill>
-                                  <a:schemeClr val="accent2"/>
-                                </a:solidFill>
-                                <a:latin typeface="Cambria Math" panose="02040503050406030204" pitchFamily="18" charset="0"/>
-                              </a:rPr>
-                            </m:ctrlPr>
-                          </m:sSubPr>
-                          <m:e>
-                            <m:r>
-                              <a:rPr lang="en-US" i="1">
-                                <a:solidFill>
-                                  <a:schemeClr val="accent2"/>
-                                </a:solidFill>
-                                <a:latin typeface="Cambria Math" panose="02040503050406030204" pitchFamily="18" charset="0"/>
-                              </a:rPr>
-                              <m:t>ℓ</m:t>
-                            </m:r>
-                          </m:e>
-                          <m:sub>
-                            <m:r>
-                              <a:rPr lang="en-US" i="1">
-                                <a:solidFill>
-                                  <a:schemeClr val="accent2"/>
-                                </a:solidFill>
-                                <a:latin typeface="Cambria Math" panose="02040503050406030204" pitchFamily="18" charset="0"/>
-                              </a:rPr>
-                              <m:t>1</m:t>
-                            </m:r>
-                          </m:sub>
-                        </m:sSub>
-                        <m:r>
-                          <a:rPr lang="en-US" i="1">
-                            <a:solidFill>
-                              <a:schemeClr val="accent2"/>
-                            </a:solidFill>
-                            <a:latin typeface="Cambria Math" panose="02040503050406030204" pitchFamily="18" charset="0"/>
-                          </a:rPr>
-                          <m:t>,</m:t>
-                        </m:r>
-                        <m:sSub>
-                          <m:sSubPr>
-                            <m:ctrlPr>
-                              <a:rPr lang="en-US" i="1">
-                                <a:solidFill>
-                                  <a:schemeClr val="accent2"/>
-                                </a:solidFill>
-                                <a:latin typeface="Cambria Math" panose="02040503050406030204" pitchFamily="18" charset="0"/>
-                              </a:rPr>
-                            </m:ctrlPr>
-                          </m:sSubPr>
-                          <m:e>
-                            <m:r>
-                              <a:rPr lang="en-US" i="1">
-                                <a:solidFill>
-                                  <a:schemeClr val="accent2"/>
-                                </a:solidFill>
-                                <a:latin typeface="Cambria Math" panose="02040503050406030204" pitchFamily="18" charset="0"/>
-                              </a:rPr>
-                              <m:t>𝑟</m:t>
-                            </m:r>
-                          </m:e>
-                          <m:sub>
-                            <m:r>
-                              <a:rPr lang="en-US" i="1">
-                                <a:solidFill>
-                                  <a:schemeClr val="accent2"/>
-                                </a:solidFill>
-                                <a:latin typeface="Cambria Math" panose="02040503050406030204" pitchFamily="18" charset="0"/>
-                              </a:rPr>
-                              <m:t>1</m:t>
-                            </m:r>
-                          </m:sub>
-                        </m:sSub>
-                      </m:e>
-                    </m:d>
-                  </m:oMath>
-                </a14:m>
-                <a:r>
-                  <a:rPr lang="en-US" dirty="0"/>
-                  <a:t>, then</a:t>
-                </a:r>
-                <a:br>
-                  <a:rPr lang="en-US" dirty="0"/>
-                </a:br>
-                <a14:m>
-                  <m:oMath xmlns:m="http://schemas.openxmlformats.org/officeDocument/2006/math">
-                    <m:bar>
-                      <m:barPr>
-                        <m:pos m:val="top"/>
-                        <m:ctrlPr>
-                          <a:rPr lang="en-US" i="1">
-                            <a:latin typeface="Cambria Math" panose="02040503050406030204" pitchFamily="18" charset="0"/>
-                          </a:rPr>
-                        </m:ctrlPr>
-                      </m:barPr>
-                      <m:e>
-                        <m:r>
-                          <a:rPr lang="en-US" i="1">
-                            <a:latin typeface="Cambria Math" panose="02040503050406030204" pitchFamily="18" charset="0"/>
-                          </a:rPr>
-                          <m:t>𝜇</m:t>
-                        </m:r>
-                      </m:e>
-                    </m:bar>
-                    <m:d>
-                      <m:dPr>
-                        <m:ctrlPr>
-                          <a:rPr lang="en-US" i="1">
-                            <a:latin typeface="Cambria Math" panose="02040503050406030204" pitchFamily="18" charset="0"/>
-                          </a:rPr>
-                        </m:ctrlPr>
-                      </m:dPr>
-                      <m:e>
-                        <m:sSub>
-                          <m:sSubPr>
-                            <m:ctrlPr>
-                              <a:rPr lang="en-US" i="1">
-                                <a:latin typeface="Cambria Math" panose="02040503050406030204" pitchFamily="18" charset="0"/>
-                              </a:rPr>
-                            </m:ctrlPr>
-                          </m:sSubPr>
-                          <m:e>
-                            <m:r>
-                              <a:rPr lang="en-US" i="1">
-                                <a:latin typeface="Cambria Math" panose="02040503050406030204" pitchFamily="18" charset="0"/>
-                              </a:rPr>
-                              <m:t>𝐸</m:t>
-                            </m:r>
-                          </m:e>
-                          <m:sub>
-                            <m:r>
-                              <a:rPr lang="en-US" i="1">
-                                <a:latin typeface="Cambria Math" panose="02040503050406030204" pitchFamily="18" charset="0"/>
-                              </a:rPr>
-                              <m:t>0</m:t>
-                            </m:r>
-                          </m:sub>
-                        </m:sSub>
-                        <m:r>
-                          <a:rPr lang="en-US" i="1">
-                            <a:latin typeface="Cambria Math" panose="02040503050406030204" pitchFamily="18" charset="0"/>
-                          </a:rPr>
-                          <m:t>∪</m:t>
-                        </m:r>
-                        <m:sSub>
-                          <m:sSubPr>
-                            <m:ctrlPr>
-                              <a:rPr lang="en-US" i="1">
-                                <a:latin typeface="Cambria Math" panose="02040503050406030204" pitchFamily="18" charset="0"/>
-                              </a:rPr>
-                            </m:ctrlPr>
-                          </m:sSubPr>
-                          <m:e>
-                            <m:r>
-                              <a:rPr lang="en-US" i="1">
-                                <a:latin typeface="Cambria Math" panose="02040503050406030204" pitchFamily="18" charset="0"/>
-                              </a:rPr>
-                              <m:t>𝐸</m:t>
-                            </m:r>
-                          </m:e>
-                          <m:sub>
-                            <m:r>
-                              <a:rPr lang="en-US" i="1">
-                                <a:latin typeface="Cambria Math" panose="02040503050406030204" pitchFamily="18" charset="0"/>
-                              </a:rPr>
-                              <m:t>1</m:t>
-                            </m:r>
-                          </m:sub>
-                        </m:sSub>
-                      </m:e>
-                    </m:d>
-                    <m:r>
-                      <a:rPr lang="en-US" i="1" smtClean="0">
-                        <a:solidFill>
-                          <a:schemeClr val="accent2"/>
-                        </a:solidFill>
-                        <a:latin typeface="Cambria Math" panose="02040503050406030204" pitchFamily="18" charset="0"/>
-                      </a:rPr>
-                      <m:t>⊆</m:t>
-                    </m:r>
-                    <m:bar>
-                      <m:barPr>
-                        <m:pos m:val="top"/>
-                        <m:ctrlPr>
-                          <a:rPr lang="en-US" i="1">
-                            <a:latin typeface="Cambria Math" panose="02040503050406030204" pitchFamily="18" charset="0"/>
-                          </a:rPr>
-                        </m:ctrlPr>
-                      </m:barPr>
-                      <m:e>
-                        <m:r>
-                          <a:rPr lang="en-US" i="1">
-                            <a:latin typeface="Cambria Math" panose="02040503050406030204" pitchFamily="18" charset="0"/>
-                          </a:rPr>
-                          <m:t>𝜇</m:t>
-                        </m:r>
-                      </m:e>
-                    </m:bar>
-                    <m:d>
-                      <m:dPr>
-                        <m:ctrlPr>
-                          <a:rPr lang="en-US" i="1">
-                            <a:latin typeface="Cambria Math" panose="02040503050406030204" pitchFamily="18" charset="0"/>
-                          </a:rPr>
-                        </m:ctrlPr>
-                      </m:dPr>
-                      <m:e>
-                        <m:sSub>
-                          <m:sSubPr>
-                            <m:ctrlPr>
-                              <a:rPr lang="en-US" i="1">
-                                <a:latin typeface="Cambria Math" panose="02040503050406030204" pitchFamily="18" charset="0"/>
-                              </a:rPr>
-                            </m:ctrlPr>
-                          </m:sSubPr>
-                          <m:e>
-                            <m:r>
-                              <a:rPr lang="en-US" i="1">
-                                <a:latin typeface="Cambria Math" panose="02040503050406030204" pitchFamily="18" charset="0"/>
-                              </a:rPr>
-                              <m:t>𝐸</m:t>
-                            </m:r>
-                          </m:e>
-                          <m:sub>
-                            <m:r>
-                              <a:rPr lang="en-US" i="1">
-                                <a:latin typeface="Cambria Math" panose="02040503050406030204" pitchFamily="18" charset="0"/>
-                              </a:rPr>
-                              <m:t>0</m:t>
-                            </m:r>
-                          </m:sub>
-                        </m:sSub>
-                      </m:e>
-                    </m:d>
-                    <m:r>
-                      <a:rPr lang="en-US" i="1">
-                        <a:latin typeface="Cambria Math" panose="02040503050406030204" pitchFamily="18" charset="0"/>
-                      </a:rPr>
-                      <m:t>+</m:t>
-                    </m:r>
-                    <m:bar>
-                      <m:barPr>
-                        <m:pos m:val="top"/>
-                        <m:ctrlPr>
-                          <a:rPr lang="en-US" i="1">
-                            <a:latin typeface="Cambria Math" panose="02040503050406030204" pitchFamily="18" charset="0"/>
-                          </a:rPr>
-                        </m:ctrlPr>
-                      </m:barPr>
-                      <m:e>
-                        <m:r>
-                          <a:rPr lang="en-US" i="1">
-                            <a:latin typeface="Cambria Math" panose="02040503050406030204" pitchFamily="18" charset="0"/>
-                          </a:rPr>
-                          <m:t>𝜇</m:t>
-                        </m:r>
-                      </m:e>
-                    </m:bar>
-                    <m:d>
-                      <m:dPr>
-                        <m:ctrlPr>
-                          <a:rPr lang="en-US" i="1">
-                            <a:latin typeface="Cambria Math" panose="02040503050406030204" pitchFamily="18" charset="0"/>
-                          </a:rPr>
-                        </m:ctrlPr>
-                      </m:dPr>
-                      <m:e>
-                        <m:sSub>
-                          <m:sSubPr>
-                            <m:ctrlPr>
-                              <a:rPr lang="en-US" i="1">
-                                <a:latin typeface="Cambria Math" panose="02040503050406030204" pitchFamily="18" charset="0"/>
-                              </a:rPr>
-                            </m:ctrlPr>
-                          </m:sSubPr>
-                          <m:e>
-                            <m:r>
-                              <a:rPr lang="en-US" i="1">
-                                <a:latin typeface="Cambria Math" panose="02040503050406030204" pitchFamily="18" charset="0"/>
-                              </a:rPr>
-                              <m:t>𝐸</m:t>
-                            </m:r>
-                          </m:e>
-                          <m:sub>
-                            <m:r>
-                              <a:rPr lang="en-US" i="1">
-                                <a:latin typeface="Cambria Math" panose="02040503050406030204" pitchFamily="18" charset="0"/>
-                              </a:rPr>
-                              <m:t>1</m:t>
-                            </m:r>
-                          </m:sub>
-                        </m:sSub>
-                      </m:e>
-                    </m:d>
-                    <m:r>
-                      <a:rPr lang="en-US" i="1">
-                        <a:latin typeface="Cambria Math" panose="02040503050406030204" pitchFamily="18" charset="0"/>
-                      </a:rPr>
-                      <m:t>=</m:t>
-                    </m:r>
-                    <m:d>
-                      <m:dPr>
-                        <m:begChr m:val="["/>
-                        <m:endChr m:val="]"/>
-                        <m:ctrlPr>
-                          <a:rPr lang="en-US" i="1" smtClean="0">
-                            <a:solidFill>
-                              <a:schemeClr val="accent2"/>
-                            </a:solidFill>
-                            <a:latin typeface="Cambria Math" panose="02040503050406030204" pitchFamily="18" charset="0"/>
-                          </a:rPr>
-                        </m:ctrlPr>
-                      </m:dPr>
-                      <m:e>
-                        <m:sSub>
-                          <m:sSubPr>
-                            <m:ctrlPr>
-                              <a:rPr lang="en-US" i="1">
-                                <a:solidFill>
-                                  <a:schemeClr val="accent2"/>
-                                </a:solidFill>
-                                <a:latin typeface="Cambria Math" panose="02040503050406030204" pitchFamily="18" charset="0"/>
-                              </a:rPr>
-                            </m:ctrlPr>
-                          </m:sSubPr>
-                          <m:e>
-                            <m:r>
-                              <a:rPr lang="en-US" i="1">
-                                <a:solidFill>
-                                  <a:schemeClr val="accent2"/>
-                                </a:solidFill>
-                                <a:latin typeface="Cambria Math" panose="02040503050406030204" pitchFamily="18" charset="0"/>
-                              </a:rPr>
-                              <m:t>ℓ</m:t>
-                            </m:r>
-                          </m:e>
-                          <m:sub>
-                            <m:r>
-                              <a:rPr lang="en-US" i="1">
-                                <a:solidFill>
-                                  <a:schemeClr val="accent2"/>
-                                </a:solidFill>
-                                <a:latin typeface="Cambria Math" panose="02040503050406030204" pitchFamily="18" charset="0"/>
-                              </a:rPr>
-                              <m:t>0</m:t>
-                            </m:r>
-                          </m:sub>
-                        </m:sSub>
-                        <m:r>
-                          <a:rPr lang="en-US" i="1">
-                            <a:solidFill>
-                              <a:schemeClr val="accent2"/>
-                            </a:solidFill>
-                            <a:latin typeface="Cambria Math" panose="02040503050406030204" pitchFamily="18" charset="0"/>
-                          </a:rPr>
-                          <m:t>+</m:t>
-                        </m:r>
-                        <m:sSub>
-                          <m:sSubPr>
-                            <m:ctrlPr>
-                              <a:rPr lang="en-US" i="1">
-                                <a:solidFill>
-                                  <a:schemeClr val="accent2"/>
-                                </a:solidFill>
-                                <a:latin typeface="Cambria Math" panose="02040503050406030204" pitchFamily="18" charset="0"/>
-                              </a:rPr>
-                            </m:ctrlPr>
-                          </m:sSubPr>
-                          <m:e>
-                            <m:r>
-                              <a:rPr lang="en-US" i="1">
-                                <a:solidFill>
-                                  <a:schemeClr val="accent2"/>
-                                </a:solidFill>
-                                <a:latin typeface="Cambria Math" panose="02040503050406030204" pitchFamily="18" charset="0"/>
-                              </a:rPr>
-                              <m:t>ℓ</m:t>
-                            </m:r>
-                          </m:e>
-                          <m:sub>
-                            <m:r>
-                              <a:rPr lang="en-US" i="1">
-                                <a:solidFill>
-                                  <a:schemeClr val="accent2"/>
-                                </a:solidFill>
-                                <a:latin typeface="Cambria Math" panose="02040503050406030204" pitchFamily="18" charset="0"/>
-                              </a:rPr>
-                              <m:t>1</m:t>
-                            </m:r>
-                          </m:sub>
-                        </m:sSub>
-                        <m:r>
-                          <a:rPr lang="en-US" i="1">
-                            <a:solidFill>
-                              <a:schemeClr val="accent2"/>
-                            </a:solidFill>
-                            <a:latin typeface="Cambria Math" panose="02040503050406030204" pitchFamily="18" charset="0"/>
-                          </a:rPr>
-                          <m:t>,</m:t>
-                        </m:r>
-                        <m:sSub>
-                          <m:sSubPr>
-                            <m:ctrlPr>
-                              <a:rPr lang="en-US" i="1">
-                                <a:solidFill>
-                                  <a:schemeClr val="accent2"/>
-                                </a:solidFill>
-                                <a:latin typeface="Cambria Math" panose="02040503050406030204" pitchFamily="18" charset="0"/>
-                              </a:rPr>
-                            </m:ctrlPr>
-                          </m:sSubPr>
-                          <m:e>
-                            <m:r>
-                              <a:rPr lang="en-US" i="1">
-                                <a:solidFill>
-                                  <a:schemeClr val="accent2"/>
-                                </a:solidFill>
-                                <a:latin typeface="Cambria Math" panose="02040503050406030204" pitchFamily="18" charset="0"/>
-                              </a:rPr>
-                              <m:t>𝑟</m:t>
-                            </m:r>
-                          </m:e>
-                          <m:sub>
-                            <m:r>
-                              <a:rPr lang="en-US" i="1">
-                                <a:solidFill>
-                                  <a:schemeClr val="accent2"/>
-                                </a:solidFill>
-                                <a:latin typeface="Cambria Math" panose="02040503050406030204" pitchFamily="18" charset="0"/>
-                              </a:rPr>
-                              <m:t>0</m:t>
-                            </m:r>
-                          </m:sub>
-                        </m:sSub>
-                        <m:r>
-                          <a:rPr lang="en-US" i="1">
-                            <a:solidFill>
-                              <a:schemeClr val="accent2"/>
-                            </a:solidFill>
-                            <a:latin typeface="Cambria Math" panose="02040503050406030204" pitchFamily="18" charset="0"/>
-                          </a:rPr>
-                          <m:t>+</m:t>
-                        </m:r>
-                        <m:sSub>
-                          <m:sSubPr>
-                            <m:ctrlPr>
-                              <a:rPr lang="en-US" i="1">
-                                <a:solidFill>
-                                  <a:schemeClr val="accent2"/>
-                                </a:solidFill>
-                                <a:latin typeface="Cambria Math" panose="02040503050406030204" pitchFamily="18" charset="0"/>
-                              </a:rPr>
-                            </m:ctrlPr>
-                          </m:sSubPr>
-                          <m:e>
-                            <m:r>
-                              <a:rPr lang="en-US" i="1">
-                                <a:solidFill>
-                                  <a:schemeClr val="accent2"/>
-                                </a:solidFill>
-                                <a:latin typeface="Cambria Math" panose="02040503050406030204" pitchFamily="18" charset="0"/>
-                              </a:rPr>
-                              <m:t>𝑟</m:t>
-                            </m:r>
-                          </m:e>
-                          <m:sub>
-                            <m:r>
-                              <a:rPr lang="en-US" i="1">
-                                <a:solidFill>
-                                  <a:schemeClr val="accent2"/>
-                                </a:solidFill>
-                                <a:latin typeface="Cambria Math" panose="02040503050406030204" pitchFamily="18" charset="0"/>
-                              </a:rPr>
-                              <m:t>1</m:t>
-                            </m:r>
-                          </m:sub>
-                        </m:sSub>
-                      </m:e>
-                    </m:d>
-                    <m:r>
-                      <m:rPr>
-                        <m:nor/>
-                      </m:rPr>
-                      <a:rPr lang="en-US" dirty="0"/>
-                      <m:t>	</m:t>
-                    </m:r>
-                    <m:r>
-                      <a:rPr lang="en-US" i="1" dirty="0">
-                        <a:latin typeface="Cambria Math" panose="02040503050406030204" pitchFamily="18" charset="0"/>
-                      </a:rPr>
-                      <m:t> .</m:t>
-                    </m:r>
-                  </m:oMath>
-                </a14:m>
                 <a:endParaRPr lang="en-US" dirty="0"/>
               </a:p>
             </p:txBody>
           </p:sp>
         </mc:Choice>
-        <mc:Fallback>
+        <mc:Fallback xmlns="">
           <p:sp>
             <p:nvSpPr>
               <p:cNvPr id="6" name="Content Placeholder 5"/>
@@ -7238,7 +5339,878 @@
               <a:blipFill rotWithShape="0">
                 <a:blip r:embed="rId4"/>
                 <a:stretch>
-                  <a:fillRect l="-1412" t="-662"/>
+                  <a:fillRect l="-2118"/>
+                </a:stretch>
+              </a:blipFill>
+            </p:spPr>
+            <p:txBody>
+              <a:bodyPr/>
+              <a:lstStyle/>
+              <a:p>
+                <a:r>
+                  <a:rPr lang="en-US">
+                    <a:noFill/>
+                  </a:rPr>
+                  <a:t> </a:t>
+                </a:r>
+              </a:p>
+            </p:txBody>
+          </p:sp>
+        </mc:Fallback>
+      </mc:AlternateContent>
+      <p:sp>
+        <p:nvSpPr>
+          <p:cNvPr id="7" name="Left-Right Arrow 6"/>
+          <p:cNvSpPr/>
+          <p:nvPr/>
+        </p:nvSpPr>
+        <p:spPr>
+          <a:xfrm>
+            <a:off x="3335628" y="3155323"/>
+            <a:ext cx="4790941" cy="1700011"/>
+          </a:xfrm>
+          <a:prstGeom prst="leftRightArrow">
+            <a:avLst/>
+          </a:prstGeom>
+          <a:solidFill>
+            <a:schemeClr val="bg1"/>
+          </a:solidFill>
+          <a:ln>
+            <a:solidFill>
+              <a:schemeClr val="accent2"/>
+            </a:solidFill>
+          </a:ln>
+        </p:spPr>
+        <p:style>
+          <a:lnRef idx="2">
+            <a:schemeClr val="accent1">
+              <a:shade val="50000"/>
+            </a:schemeClr>
+          </a:lnRef>
+          <a:fillRef idx="1">
+            <a:schemeClr val="accent1"/>
+          </a:fillRef>
+          <a:effectRef idx="0">
+            <a:schemeClr val="accent1"/>
+          </a:effectRef>
+          <a:fontRef idx="minor">
+            <a:schemeClr val="lt1"/>
+          </a:fontRef>
+        </p:style>
+        <p:txBody>
+          <a:bodyPr rtlCol="0" anchor="ctr"/>
+          <a:lstStyle/>
+          <a:p>
+            <a:pPr algn="ctr"/>
+            <a:r>
+              <a:rPr lang="en-US" sz="2800" dirty="0" smtClean="0">
+                <a:solidFill>
+                  <a:schemeClr val="accent2"/>
+                </a:solidFill>
+              </a:rPr>
+              <a:t>One-to-one correspondence</a:t>
+            </a:r>
+            <a:endParaRPr lang="en-US" sz="2800" dirty="0">
+              <a:solidFill>
+                <a:schemeClr val="accent2"/>
+              </a:solidFill>
+            </a:endParaRPr>
+          </a:p>
+        </p:txBody>
+      </p:sp>
+    </p:spTree>
+    <p:extLst>
+      <p:ext uri="{BB962C8B-B14F-4D97-AF65-F5344CB8AC3E}">
+        <p14:creationId xmlns:p14="http://schemas.microsoft.com/office/powerpoint/2010/main" val="4048757169"/>
+      </p:ext>
+    </p:extLst>
+  </p:cSld>
+  <p:clrMapOvr>
+    <a:masterClrMapping/>
+  </p:clrMapOvr>
+  <p:timing>
+    <p:tnLst>
+      <p:par>
+        <p:cTn id="1" dur="indefinite" restart="never" nodeType="tmRoot"/>
+      </p:par>
+    </p:tnLst>
+  </p:timing>
+</p:sld>
+</file>
+
+<file path=ppt/slides/slide13.xml><?xml version="1.0" encoding="utf-8"?>
+<p:sld xmlns:a="http://schemas.openxmlformats.org/drawingml/2006/main" xmlns:r="http://schemas.openxmlformats.org/officeDocument/2006/relationships" xmlns:p="http://schemas.openxmlformats.org/presentationml/2006/main">
+  <p:cSld>
+    <p:spTree>
+      <p:nvGrpSpPr>
+        <p:cNvPr id="1" name=""/>
+        <p:cNvGrpSpPr/>
+        <p:nvPr/>
+      </p:nvGrpSpPr>
+      <p:grpSpPr>
+        <a:xfrm>
+          <a:off x="0" y="0"/>
+          <a:ext cx="0" cy="0"/>
+          <a:chOff x="0" y="0"/>
+          <a:chExt cx="0" cy="0"/>
+        </a:xfrm>
+      </p:grpSpPr>
+      <p:sp>
+        <p:nvSpPr>
+          <p:cNvPr id="2" name="Title 1"/>
+          <p:cNvSpPr>
+            <a:spLocks noGrp="1"/>
+          </p:cNvSpPr>
+          <p:nvPr>
+            <p:ph type="title"/>
+          </p:nvPr>
+        </p:nvSpPr>
+        <p:spPr/>
+        <p:txBody>
+          <a:bodyPr/>
+          <a:lstStyle/>
+          <a:p>
+            <a:r>
+              <a:rPr lang="en-US" dirty="0"/>
+              <a:t>Classical Limit:</a:t>
+            </a:r>
+            <a:br>
+              <a:rPr lang="en-US" dirty="0"/>
+            </a:br>
+            <a:r>
+              <a:rPr lang="en-US" dirty="0"/>
+              <a:t>On a commuting sub-event space</a:t>
+            </a:r>
+          </a:p>
+        </p:txBody>
+      </p:sp>
+      <mc:AlternateContent xmlns:mc="http://schemas.openxmlformats.org/markup-compatibility/2006">
+        <mc:Choice xmlns:a14="http://schemas.microsoft.com/office/drawing/2010/main" Requires="a14">
+          <p:sp>
+            <p:nvSpPr>
+              <p:cNvPr id="3" name="Content Placeholder 2"/>
+              <p:cNvSpPr>
+                <a:spLocks noGrp="1"/>
+              </p:cNvSpPr>
+              <p:nvPr>
+                <p:ph idx="1"/>
+              </p:nvPr>
+            </p:nvSpPr>
+            <p:spPr/>
+            <p:txBody>
+              <a:bodyPr/>
+              <a:lstStyle/>
+              <a:p>
+                <a:pPr marL="0" indent="0">
+                  <a:buNone/>
+                </a:pPr>
+                <a:r>
+                  <a:rPr lang="en-US" dirty="0" smtClean="0"/>
+                  <a:t>Consider event space </a:t>
+                </a:r>
+                <a14:m>
+                  <m:oMath xmlns:m="http://schemas.openxmlformats.org/officeDocument/2006/math">
+                    <m:r>
+                      <a:rPr lang="en-US" i="1">
+                        <a:latin typeface="Cambria Math" panose="02040503050406030204" pitchFamily="18" charset="0"/>
+                        <a:ea typeface="Cambria Math" panose="02040503050406030204" pitchFamily="18" charset="0"/>
+                      </a:rPr>
+                      <m:t>ℰ</m:t>
+                    </m:r>
+                    <m:r>
+                      <a:rPr lang="en-US" i="1">
+                        <a:latin typeface="Cambria Math" panose="02040503050406030204" pitchFamily="18" charset="0"/>
+                        <a:ea typeface="Cambria Math" panose="02040503050406030204" pitchFamily="18" charset="0"/>
+                      </a:rPr>
+                      <m:t>=</m:t>
+                    </m:r>
+                    <m:d>
+                      <m:dPr>
+                        <m:begChr m:val="{"/>
+                        <m:endChr m:val="}"/>
+                        <m:ctrlPr>
+                          <a:rPr lang="en-US" i="1">
+                            <a:solidFill>
+                              <a:srgbClr val="FF0000"/>
+                            </a:solidFill>
+                            <a:latin typeface="Cambria Math" panose="02040503050406030204" pitchFamily="18" charset="0"/>
+                            <a:ea typeface="Cambria Math" panose="02040503050406030204" pitchFamily="18" charset="0"/>
+                          </a:rPr>
+                        </m:ctrlPr>
+                      </m:dPr>
+                      <m:e>
+                        <m:r>
+                          <m:rPr>
+                            <m:nor/>
+                          </m:rPr>
+                          <a:rPr lang="en-US">
+                            <a:solidFill>
+                              <a:srgbClr val="FF0000"/>
+                            </a:solidFill>
+                            <a:latin typeface="Cambria Math" panose="02040503050406030204" pitchFamily="18" charset="0"/>
+                            <a:ea typeface="Cambria Math" panose="02040503050406030204" pitchFamily="18" charset="0"/>
+                          </a:rPr>
+                          <m:t>all</m:t>
+                        </m:r>
+                        <m:r>
+                          <m:rPr>
+                            <m:nor/>
+                          </m:rPr>
+                          <a:rPr lang="en-US">
+                            <a:solidFill>
+                              <a:srgbClr val="FF0000"/>
+                            </a:solidFill>
+                            <a:latin typeface="Cambria Math" panose="02040503050406030204" pitchFamily="18" charset="0"/>
+                            <a:ea typeface="Cambria Math" panose="02040503050406030204" pitchFamily="18" charset="0"/>
+                          </a:rPr>
+                          <m:t> </m:t>
+                        </m:r>
+                        <m:r>
+                          <m:rPr>
+                            <m:nor/>
+                          </m:rPr>
+                          <a:rPr lang="en-US">
+                            <a:solidFill>
+                              <a:srgbClr val="FF0000"/>
+                            </a:solidFill>
+                            <a:latin typeface="Cambria Math" panose="02040503050406030204" pitchFamily="18" charset="0"/>
+                            <a:ea typeface="Cambria Math" panose="02040503050406030204" pitchFamily="18" charset="0"/>
+                          </a:rPr>
+                          <m:t>projectors</m:t>
+                        </m:r>
+                        <m:r>
+                          <m:rPr>
+                            <m:nor/>
+                          </m:rPr>
+                          <a:rPr lang="en-US">
+                            <a:solidFill>
+                              <a:srgbClr val="FF0000"/>
+                            </a:solidFill>
+                            <a:latin typeface="Cambria Math" panose="02040503050406030204" pitchFamily="18" charset="0"/>
+                            <a:ea typeface="Cambria Math" panose="02040503050406030204" pitchFamily="18" charset="0"/>
+                          </a:rPr>
+                          <m:t> </m:t>
+                        </m:r>
+                        <m:r>
+                          <m:rPr>
+                            <m:nor/>
+                          </m:rPr>
+                          <a:rPr lang="en-US">
+                            <a:solidFill>
+                              <a:srgbClr val="FF0000"/>
+                            </a:solidFill>
+                            <a:latin typeface="Cambria Math" panose="02040503050406030204" pitchFamily="18" charset="0"/>
+                            <a:ea typeface="Cambria Math" panose="02040503050406030204" pitchFamily="18" charset="0"/>
+                          </a:rPr>
+                          <m:t>on</m:t>
+                        </m:r>
+                        <m:r>
+                          <m:rPr>
+                            <m:nor/>
+                          </m:rPr>
+                          <a:rPr lang="en-US">
+                            <a:solidFill>
+                              <a:srgbClr val="FF0000"/>
+                            </a:solidFill>
+                            <a:latin typeface="Cambria Math" panose="02040503050406030204" pitchFamily="18" charset="0"/>
+                            <a:ea typeface="Cambria Math" panose="02040503050406030204" pitchFamily="18" charset="0"/>
+                          </a:rPr>
+                          <m:t> </m:t>
+                        </m:r>
+                        <m:r>
+                          <m:rPr>
+                            <m:nor/>
+                          </m:rPr>
+                          <a:rPr lang="en-US">
+                            <a:solidFill>
+                              <a:srgbClr val="FF0000"/>
+                            </a:solidFill>
+                            <a:latin typeface="Cambria Math" panose="02040503050406030204" pitchFamily="18" charset="0"/>
+                            <a:ea typeface="Cambria Math" panose="02040503050406030204" pitchFamily="18" charset="0"/>
+                          </a:rPr>
+                          <m:t>a</m:t>
+                        </m:r>
+                        <m:r>
+                          <m:rPr>
+                            <m:nor/>
+                          </m:rPr>
+                          <a:rPr lang="en-US">
+                            <a:solidFill>
+                              <a:srgbClr val="FF0000"/>
+                            </a:solidFill>
+                            <a:latin typeface="Cambria Math" panose="02040503050406030204" pitchFamily="18" charset="0"/>
+                            <a:ea typeface="Cambria Math" panose="02040503050406030204" pitchFamily="18" charset="0"/>
+                          </a:rPr>
+                          <m:t> </m:t>
+                        </m:r>
+                        <m:r>
+                          <m:rPr>
+                            <m:nor/>
+                          </m:rPr>
+                          <a:rPr lang="en-US">
+                            <a:solidFill>
+                              <a:srgbClr val="FF0000"/>
+                            </a:solidFill>
+                            <a:latin typeface="Cambria Math" panose="02040503050406030204" pitchFamily="18" charset="0"/>
+                            <a:ea typeface="Cambria Math" panose="02040503050406030204" pitchFamily="18" charset="0"/>
+                          </a:rPr>
+                          <m:t>linear</m:t>
+                        </m:r>
+                        <m:r>
+                          <m:rPr>
+                            <m:nor/>
+                          </m:rPr>
+                          <a:rPr lang="en-US">
+                            <a:solidFill>
+                              <a:srgbClr val="FF0000"/>
+                            </a:solidFill>
+                            <a:latin typeface="Cambria Math" panose="02040503050406030204" pitchFamily="18" charset="0"/>
+                            <a:ea typeface="Cambria Math" panose="02040503050406030204" pitchFamily="18" charset="0"/>
+                          </a:rPr>
+                          <m:t> </m:t>
+                        </m:r>
+                        <m:r>
+                          <m:rPr>
+                            <m:nor/>
+                          </m:rPr>
+                          <a:rPr lang="en-US">
+                            <a:solidFill>
+                              <a:srgbClr val="FF0000"/>
+                            </a:solidFill>
+                            <a:latin typeface="Cambria Math" panose="02040503050406030204" pitchFamily="18" charset="0"/>
+                            <a:ea typeface="Cambria Math" panose="02040503050406030204" pitchFamily="18" charset="0"/>
+                          </a:rPr>
+                          <m:t>subspace</m:t>
+                        </m:r>
+                        <m:r>
+                          <m:rPr>
+                            <m:nor/>
+                          </m:rPr>
+                          <a:rPr lang="en-US">
+                            <a:solidFill>
+                              <a:srgbClr val="FF0000"/>
+                            </a:solidFill>
+                            <a:latin typeface="Cambria Math" panose="02040503050406030204" pitchFamily="18" charset="0"/>
+                            <a:ea typeface="Cambria Math" panose="02040503050406030204" pitchFamily="18" charset="0"/>
+                          </a:rPr>
+                          <m:t> </m:t>
+                        </m:r>
+                        <m:r>
+                          <m:rPr>
+                            <m:nor/>
+                          </m:rPr>
+                          <a:rPr lang="en-US">
+                            <a:solidFill>
+                              <a:srgbClr val="FF0000"/>
+                            </a:solidFill>
+                            <a:latin typeface="Cambria Math" panose="02040503050406030204" pitchFamily="18" charset="0"/>
+                            <a:ea typeface="Cambria Math" panose="02040503050406030204" pitchFamily="18" charset="0"/>
+                          </a:rPr>
+                          <m:t>of</m:t>
+                        </m:r>
+                        <m:r>
+                          <m:rPr>
+                            <m:nor/>
+                          </m:rPr>
+                          <a:rPr lang="en-US">
+                            <a:solidFill>
+                              <a:srgbClr val="FF0000"/>
+                            </a:solidFill>
+                            <a:latin typeface="Cambria Math" panose="02040503050406030204" pitchFamily="18" charset="0"/>
+                            <a:ea typeface="Cambria Math" panose="02040503050406030204" pitchFamily="18" charset="0"/>
+                          </a:rPr>
+                          <m:t> </m:t>
+                        </m:r>
+                        <m:r>
+                          <a:rPr lang="el-GR" i="1">
+                            <a:solidFill>
+                              <a:srgbClr val="FF0000"/>
+                            </a:solidFill>
+                            <a:latin typeface="Cambria Math" panose="02040503050406030204" pitchFamily="18" charset="0"/>
+                            <a:ea typeface="Cambria Math" panose="02040503050406030204" pitchFamily="18" charset="0"/>
+                          </a:rPr>
+                          <m:t>ℋ</m:t>
+                        </m:r>
+                      </m:e>
+                    </m:d>
+                  </m:oMath>
+                </a14:m>
+                <a:r>
+                  <a:rPr lang="en-US" dirty="0" smtClean="0">
+                    <a:latin typeface="Cambria Math" panose="02040503050406030204" pitchFamily="18" charset="0"/>
+                    <a:ea typeface="Cambria Math" panose="02040503050406030204" pitchFamily="18" charset="0"/>
+                  </a:rPr>
+                  <a:t>.</a:t>
+                </a:r>
+                <a:endParaRPr lang="en-US" dirty="0">
+                  <a:latin typeface="Cambria Math" panose="02040503050406030204" pitchFamily="18" charset="0"/>
+                  <a:ea typeface="Cambria Math" panose="02040503050406030204" pitchFamily="18" charset="0"/>
+                </a:endParaRPr>
+              </a:p>
+              <a:p>
+                <a:pPr marL="0" indent="0">
+                  <a:buNone/>
+                </a:pPr>
+                <a14:m>
+                  <m:oMath xmlns:m="http://schemas.openxmlformats.org/officeDocument/2006/math">
+                    <m:sSup>
+                      <m:sSupPr>
+                        <m:ctrlPr>
+                          <a:rPr lang="en-US" b="0" i="1" smtClean="0">
+                            <a:latin typeface="Cambria Math" panose="02040503050406030204" pitchFamily="18" charset="0"/>
+                            <a:ea typeface="Cambria Math" panose="02040503050406030204" pitchFamily="18" charset="0"/>
+                          </a:rPr>
+                        </m:ctrlPr>
+                      </m:sSupPr>
+                      <m:e>
+                        <m:r>
+                          <a:rPr lang="en-US" i="1">
+                            <a:latin typeface="Cambria Math" panose="02040503050406030204" pitchFamily="18" charset="0"/>
+                            <a:ea typeface="Cambria Math" panose="02040503050406030204" pitchFamily="18" charset="0"/>
+                          </a:rPr>
+                          <m:t>ℰ</m:t>
+                        </m:r>
+                      </m:e>
+                      <m:sup>
+                        <m:r>
+                          <a:rPr lang="en-US" b="0" i="1" smtClean="0">
+                            <a:latin typeface="Cambria Math" panose="02040503050406030204" pitchFamily="18" charset="0"/>
+                            <a:ea typeface="Cambria Math" panose="02040503050406030204" pitchFamily="18" charset="0"/>
+                          </a:rPr>
+                          <m:t>′</m:t>
+                        </m:r>
+                      </m:sup>
+                    </m:sSup>
+                    <m:r>
+                      <a:rPr lang="en-US" b="0" i="1" smtClean="0">
+                        <a:latin typeface="Cambria Math" panose="02040503050406030204" pitchFamily="18" charset="0"/>
+                        <a:ea typeface="Cambria Math" panose="02040503050406030204" pitchFamily="18" charset="0"/>
+                      </a:rPr>
+                      <m:t>⊆</m:t>
+                    </m:r>
+                    <m:r>
+                      <a:rPr lang="en-US" i="1">
+                        <a:latin typeface="Cambria Math" panose="02040503050406030204" pitchFamily="18" charset="0"/>
+                        <a:ea typeface="Cambria Math" panose="02040503050406030204" pitchFamily="18" charset="0"/>
+                      </a:rPr>
+                      <m:t>ℰ</m:t>
+                    </m:r>
+                  </m:oMath>
+                </a14:m>
+                <a:r>
+                  <a:rPr lang="en-US" dirty="0" smtClean="0"/>
+                  <a:t> is called a sub-event space if:</a:t>
+                </a:r>
+              </a:p>
+              <a:p>
+                <a14:m>
+                  <m:oMath xmlns:m="http://schemas.openxmlformats.org/officeDocument/2006/math">
+                    <m:d>
+                      <m:dPr>
+                        <m:begChr m:val="{"/>
+                        <m:endChr m:val="}"/>
+                        <m:ctrlPr>
+                          <a:rPr lang="en-US" b="0" i="1" smtClean="0">
+                            <a:latin typeface="Cambria Math" panose="02040503050406030204" pitchFamily="18" charset="0"/>
+                            <a:ea typeface="Cambria Math" panose="02040503050406030204" pitchFamily="18" charset="0"/>
+                          </a:rPr>
+                        </m:ctrlPr>
+                      </m:dPr>
+                      <m:e>
+                        <m:r>
+                          <a:rPr lang="en-US" b="0" i="1" smtClean="0">
+                            <a:latin typeface="Cambria Math" panose="02040503050406030204" pitchFamily="18" charset="0"/>
+                            <a:ea typeface="Cambria Math" panose="02040503050406030204" pitchFamily="18" charset="0"/>
+                          </a:rPr>
+                          <m:t>𝟘</m:t>
+                        </m:r>
+                        <m:r>
+                          <a:rPr lang="en-US" b="0" i="1" smtClean="0">
+                            <a:latin typeface="Cambria Math" panose="02040503050406030204" pitchFamily="18" charset="0"/>
+                            <a:ea typeface="Cambria Math" panose="02040503050406030204" pitchFamily="18" charset="0"/>
+                          </a:rPr>
+                          <m:t>,</m:t>
+                        </m:r>
+                        <m:r>
+                          <a:rPr lang="en-US" b="0" i="1" smtClean="0">
+                            <a:latin typeface="Cambria Math" panose="02040503050406030204" pitchFamily="18" charset="0"/>
+                            <a:ea typeface="Cambria Math" panose="02040503050406030204" pitchFamily="18" charset="0"/>
+                          </a:rPr>
+                          <m:t>𝟙</m:t>
+                        </m:r>
+                      </m:e>
+                    </m:d>
+                    <m:r>
+                      <a:rPr lang="en-US" b="0" i="1" smtClean="0">
+                        <a:latin typeface="Cambria Math" panose="02040503050406030204" pitchFamily="18" charset="0"/>
+                        <a:ea typeface="Cambria Math" panose="02040503050406030204" pitchFamily="18" charset="0"/>
+                      </a:rPr>
+                      <m:t>⊆</m:t>
+                    </m:r>
+                    <m:r>
+                      <a:rPr lang="en-US" i="1">
+                        <a:latin typeface="Cambria Math" panose="02040503050406030204" pitchFamily="18" charset="0"/>
+                        <a:ea typeface="Cambria Math" panose="02040503050406030204" pitchFamily="18" charset="0"/>
+                      </a:rPr>
+                      <m:t>ℰ</m:t>
+                    </m:r>
+                    <m:r>
+                      <a:rPr lang="en-US" b="0" i="1" smtClean="0">
+                        <a:latin typeface="Cambria Math" panose="02040503050406030204" pitchFamily="18" charset="0"/>
+                        <a:ea typeface="Cambria Math" panose="02040503050406030204" pitchFamily="18" charset="0"/>
+                      </a:rPr>
+                      <m:t>′</m:t>
+                    </m:r>
+                  </m:oMath>
+                </a14:m>
+                <a:r>
+                  <a:rPr lang="en-US" dirty="0" smtClean="0"/>
+                  <a:t>.</a:t>
+                </a:r>
+              </a:p>
+              <a:p>
+                <a:r>
+                  <a:rPr lang="en-US" dirty="0" smtClean="0"/>
+                  <a:t>For any projector </a:t>
+                </a:r>
+                <a14:m>
+                  <m:oMath xmlns:m="http://schemas.openxmlformats.org/officeDocument/2006/math">
+                    <m:r>
+                      <a:rPr lang="en-US" b="0" i="1" smtClean="0">
+                        <a:latin typeface="Cambria Math" panose="02040503050406030204" pitchFamily="18" charset="0"/>
+                      </a:rPr>
+                      <m:t>𝑃</m:t>
+                    </m:r>
+                    <m:r>
+                      <a:rPr lang="en-US" b="0" i="1" smtClean="0">
+                        <a:latin typeface="Cambria Math" panose="02040503050406030204" pitchFamily="18" charset="0"/>
+                      </a:rPr>
+                      <m:t>∈</m:t>
+                    </m:r>
+                    <m:r>
+                      <a:rPr lang="en-US" i="1">
+                        <a:latin typeface="Cambria Math" panose="02040503050406030204" pitchFamily="18" charset="0"/>
+                        <a:ea typeface="Cambria Math" panose="02040503050406030204" pitchFamily="18" charset="0"/>
+                      </a:rPr>
+                      <m:t>ℰ</m:t>
+                    </m:r>
+                    <m:r>
+                      <a:rPr lang="en-US" i="1">
+                        <a:latin typeface="Cambria Math" panose="02040503050406030204" pitchFamily="18" charset="0"/>
+                        <a:ea typeface="Cambria Math" panose="02040503050406030204" pitchFamily="18" charset="0"/>
+                      </a:rPr>
+                      <m:t>′</m:t>
+                    </m:r>
+                  </m:oMath>
+                </a14:m>
+                <a:r>
+                  <a:rPr lang="en-US" dirty="0" smtClean="0"/>
+                  <a:t>, we have</a:t>
+                </a:r>
+                <a:r>
+                  <a:rPr lang="en-US" dirty="0"/>
+                  <a:t> </a:t>
+                </a:r>
+                <a14:m>
+                  <m:oMath xmlns:m="http://schemas.openxmlformats.org/officeDocument/2006/math">
+                    <m:r>
+                      <a:rPr lang="en-US" b="0" i="1" smtClean="0">
+                        <a:latin typeface="Cambria Math" panose="02040503050406030204" pitchFamily="18" charset="0"/>
+                      </a:rPr>
+                      <m:t>𝟙</m:t>
+                    </m:r>
+                    <m:r>
+                      <a:rPr lang="en-US" b="0" i="1" smtClean="0">
+                        <a:latin typeface="Cambria Math" panose="02040503050406030204" pitchFamily="18" charset="0"/>
+                      </a:rPr>
+                      <m:t>−</m:t>
+                    </m:r>
+                    <m:r>
+                      <a:rPr lang="en-US" i="1">
+                        <a:latin typeface="Cambria Math" panose="02040503050406030204" pitchFamily="18" charset="0"/>
+                      </a:rPr>
+                      <m:t>𝑃</m:t>
+                    </m:r>
+                    <m:r>
+                      <a:rPr lang="en-US" i="1">
+                        <a:latin typeface="Cambria Math" panose="02040503050406030204" pitchFamily="18" charset="0"/>
+                      </a:rPr>
+                      <m:t>∈</m:t>
+                    </m:r>
+                    <m:r>
+                      <a:rPr lang="en-US" i="1">
+                        <a:latin typeface="Cambria Math" panose="02040503050406030204" pitchFamily="18" charset="0"/>
+                        <a:ea typeface="Cambria Math" panose="02040503050406030204" pitchFamily="18" charset="0"/>
+                      </a:rPr>
+                      <m:t>ℰ</m:t>
+                    </m:r>
+                    <m:r>
+                      <a:rPr lang="en-US" i="1">
+                        <a:latin typeface="Cambria Math" panose="02040503050406030204" pitchFamily="18" charset="0"/>
+                        <a:ea typeface="Cambria Math" panose="02040503050406030204" pitchFamily="18" charset="0"/>
+                      </a:rPr>
+                      <m:t>′</m:t>
+                    </m:r>
+                  </m:oMath>
+                </a14:m>
+                <a:r>
+                  <a:rPr lang="en-US" dirty="0" smtClean="0"/>
+                  <a:t>.</a:t>
+                </a:r>
+              </a:p>
+              <a:p>
+                <a:r>
+                  <a:rPr lang="en-US" dirty="0" smtClean="0"/>
+                  <a:t>For each pair of orthogonal projections</a:t>
+                </a:r>
+                <a:r>
+                  <a:rPr lang="en-US" dirty="0"/>
+                  <a:t> </a:t>
+                </a:r>
+                <a14:m>
+                  <m:oMath xmlns:m="http://schemas.openxmlformats.org/officeDocument/2006/math">
+                    <m:sSub>
+                      <m:sSubPr>
+                        <m:ctrlPr>
+                          <a:rPr lang="en-US" b="0" i="1" smtClean="0">
+                            <a:latin typeface="Cambria Math" panose="02040503050406030204" pitchFamily="18" charset="0"/>
+                          </a:rPr>
+                        </m:ctrlPr>
+                      </m:sSubPr>
+                      <m:e>
+                        <m:r>
+                          <a:rPr lang="en-US" i="1">
+                            <a:latin typeface="Cambria Math" panose="02040503050406030204" pitchFamily="18" charset="0"/>
+                          </a:rPr>
+                          <m:t>𝑃</m:t>
+                        </m:r>
+                      </m:e>
+                      <m:sub>
+                        <m:r>
+                          <a:rPr lang="en-US" b="0" i="1" smtClean="0">
+                            <a:latin typeface="Cambria Math" panose="02040503050406030204" pitchFamily="18" charset="0"/>
+                          </a:rPr>
+                          <m:t>0</m:t>
+                        </m:r>
+                      </m:sub>
+                    </m:sSub>
+                    <m:r>
+                      <a:rPr lang="en-US" i="1">
+                        <a:latin typeface="Cambria Math" panose="02040503050406030204" pitchFamily="18" charset="0"/>
+                      </a:rPr>
+                      <m:t>∈</m:t>
+                    </m:r>
+                    <m:r>
+                      <a:rPr lang="en-US" i="1">
+                        <a:latin typeface="Cambria Math" panose="02040503050406030204" pitchFamily="18" charset="0"/>
+                        <a:ea typeface="Cambria Math" panose="02040503050406030204" pitchFamily="18" charset="0"/>
+                      </a:rPr>
+                      <m:t>ℰ</m:t>
+                    </m:r>
+                    <m:r>
+                      <a:rPr lang="en-US" i="1">
+                        <a:latin typeface="Cambria Math" panose="02040503050406030204" pitchFamily="18" charset="0"/>
+                        <a:ea typeface="Cambria Math" panose="02040503050406030204" pitchFamily="18" charset="0"/>
+                      </a:rPr>
+                      <m:t>′</m:t>
+                    </m:r>
+                  </m:oMath>
+                </a14:m>
+                <a:r>
+                  <a:rPr lang="en-US" dirty="0" smtClean="0"/>
+                  <a:t> and </a:t>
+                </a:r>
+                <a14:m>
+                  <m:oMath xmlns:m="http://schemas.openxmlformats.org/officeDocument/2006/math">
+                    <m:sSub>
+                      <m:sSubPr>
+                        <m:ctrlPr>
+                          <a:rPr lang="en-US" i="1">
+                            <a:latin typeface="Cambria Math" panose="02040503050406030204" pitchFamily="18" charset="0"/>
+                          </a:rPr>
+                        </m:ctrlPr>
+                      </m:sSubPr>
+                      <m:e>
+                        <m:r>
+                          <a:rPr lang="en-US" i="1">
+                            <a:latin typeface="Cambria Math" panose="02040503050406030204" pitchFamily="18" charset="0"/>
+                          </a:rPr>
+                          <m:t>𝑃</m:t>
+                        </m:r>
+                      </m:e>
+                      <m:sub>
+                        <m:r>
+                          <a:rPr lang="en-US" b="0" i="1" smtClean="0">
+                            <a:latin typeface="Cambria Math" panose="02040503050406030204" pitchFamily="18" charset="0"/>
+                          </a:rPr>
+                          <m:t>1</m:t>
+                        </m:r>
+                      </m:sub>
+                    </m:sSub>
+                    <m:r>
+                      <a:rPr lang="en-US" i="1">
+                        <a:latin typeface="Cambria Math" panose="02040503050406030204" pitchFamily="18" charset="0"/>
+                      </a:rPr>
+                      <m:t>∈</m:t>
+                    </m:r>
+                    <m:r>
+                      <a:rPr lang="en-US" i="1">
+                        <a:latin typeface="Cambria Math" panose="02040503050406030204" pitchFamily="18" charset="0"/>
+                        <a:ea typeface="Cambria Math" panose="02040503050406030204" pitchFamily="18" charset="0"/>
+                      </a:rPr>
+                      <m:t>ℰ</m:t>
+                    </m:r>
+                    <m:r>
+                      <a:rPr lang="en-US" i="1">
+                        <a:latin typeface="Cambria Math" panose="02040503050406030204" pitchFamily="18" charset="0"/>
+                        <a:ea typeface="Cambria Math" panose="02040503050406030204" pitchFamily="18" charset="0"/>
+                      </a:rPr>
+                      <m:t>′</m:t>
+                    </m:r>
+                  </m:oMath>
+                </a14:m>
+                <a:r>
+                  <a:rPr lang="en-US" dirty="0" smtClean="0"/>
+                  <a:t>, </a:t>
+                </a:r>
+                <a:r>
+                  <a:rPr lang="en-US" dirty="0"/>
+                  <a:t>we have</a:t>
+                </a:r>
+                <a:r>
+                  <a:rPr lang="en-US" dirty="0"/>
+                  <a:t> </a:t>
+                </a:r>
+                <a14:m>
+                  <m:oMath xmlns:m="http://schemas.openxmlformats.org/officeDocument/2006/math">
+                    <m:sSub>
+                      <m:sSubPr>
+                        <m:ctrlPr>
+                          <a:rPr lang="en-US" b="0" i="1" smtClean="0">
+                            <a:latin typeface="Cambria Math" panose="02040503050406030204" pitchFamily="18" charset="0"/>
+                          </a:rPr>
+                        </m:ctrlPr>
+                      </m:sSubPr>
+                      <m:e>
+                        <m:r>
+                          <a:rPr lang="en-US" i="1">
+                            <a:latin typeface="Cambria Math" panose="02040503050406030204" pitchFamily="18" charset="0"/>
+                          </a:rPr>
+                          <m:t>𝑃</m:t>
+                        </m:r>
+                      </m:e>
+                      <m:sub>
+                        <m:r>
+                          <a:rPr lang="en-US" b="0" i="1" smtClean="0">
+                            <a:latin typeface="Cambria Math" panose="02040503050406030204" pitchFamily="18" charset="0"/>
+                          </a:rPr>
+                          <m:t>0</m:t>
+                        </m:r>
+                      </m:sub>
+                    </m:sSub>
+                    <m:r>
+                      <a:rPr lang="en-US" b="0" i="1" smtClean="0">
+                        <a:latin typeface="Cambria Math" panose="02040503050406030204" pitchFamily="18" charset="0"/>
+                      </a:rPr>
+                      <m:t>+</m:t>
+                    </m:r>
+                    <m:sSub>
+                      <m:sSubPr>
+                        <m:ctrlPr>
+                          <a:rPr lang="en-US" b="0" i="1" smtClean="0">
+                            <a:latin typeface="Cambria Math" panose="02040503050406030204" pitchFamily="18" charset="0"/>
+                          </a:rPr>
+                        </m:ctrlPr>
+                      </m:sSubPr>
+                      <m:e>
+                        <m:r>
+                          <a:rPr lang="en-US" b="0" i="1" smtClean="0">
+                            <a:latin typeface="Cambria Math" panose="02040503050406030204" pitchFamily="18" charset="0"/>
+                          </a:rPr>
+                          <m:t>𝑃</m:t>
+                        </m:r>
+                      </m:e>
+                      <m:sub>
+                        <m:r>
+                          <a:rPr lang="en-US" b="0" i="1" smtClean="0">
+                            <a:latin typeface="Cambria Math" panose="02040503050406030204" pitchFamily="18" charset="0"/>
+                          </a:rPr>
+                          <m:t>1</m:t>
+                        </m:r>
+                      </m:sub>
+                    </m:sSub>
+                    <m:r>
+                      <a:rPr lang="en-US" i="1">
+                        <a:latin typeface="Cambria Math" panose="02040503050406030204" pitchFamily="18" charset="0"/>
+                      </a:rPr>
+                      <m:t>∈</m:t>
+                    </m:r>
+                    <m:r>
+                      <a:rPr lang="en-US" i="1">
+                        <a:latin typeface="Cambria Math" panose="02040503050406030204" pitchFamily="18" charset="0"/>
+                        <a:ea typeface="Cambria Math" panose="02040503050406030204" pitchFamily="18" charset="0"/>
+                      </a:rPr>
+                      <m:t>ℰ</m:t>
+                    </m:r>
+                    <m:r>
+                      <a:rPr lang="en-US" i="1">
+                        <a:latin typeface="Cambria Math" panose="02040503050406030204" pitchFamily="18" charset="0"/>
+                        <a:ea typeface="Cambria Math" panose="02040503050406030204" pitchFamily="18" charset="0"/>
+                      </a:rPr>
+                      <m:t>′</m:t>
+                    </m:r>
+                  </m:oMath>
+                </a14:m>
+                <a:r>
+                  <a:rPr lang="en-US" dirty="0"/>
+                  <a:t>.</a:t>
+                </a:r>
+              </a:p>
+              <a:p>
+                <a:pPr marL="0" indent="0">
+                  <a:buNone/>
+                </a:pPr>
+                <a:r>
+                  <a:rPr lang="en-US" dirty="0" smtClean="0"/>
+                  <a:t>A </a:t>
+                </a:r>
+                <a:r>
+                  <a:rPr lang="en-US" dirty="0"/>
+                  <a:t>sub-event </a:t>
+                </a:r>
+                <a:r>
+                  <a:rPr lang="en-US" dirty="0" smtClean="0"/>
+                  <a:t>space is called </a:t>
+                </a:r>
+                <a:r>
+                  <a:rPr lang="en-US" dirty="0"/>
+                  <a:t>commuting </a:t>
+                </a:r>
+                <a:r>
+                  <a:rPr lang="en-US" dirty="0" smtClean="0"/>
+                  <a:t>if all projectors in it are mutually commuting.</a:t>
+                </a:r>
+                <a:endParaRPr lang="en-US" dirty="0"/>
+              </a:p>
+            </p:txBody>
+          </p:sp>
+        </mc:Choice>
+        <mc:Fallback>
+          <p:sp>
+            <p:nvSpPr>
+              <p:cNvPr id="3" name="Content Placeholder 2"/>
+              <p:cNvSpPr>
+                <a:spLocks noGrp="1" noRot="1" noChangeAspect="1" noMove="1" noResize="1" noEditPoints="1" noAdjustHandles="1" noChangeArrowheads="1" noChangeShapeType="1" noTextEdit="1"/>
+              </p:cNvSpPr>
+              <p:nvPr>
+                <p:ph idx="1"/>
+              </p:nvPr>
+            </p:nvSpPr>
+            <p:spPr>
+              <a:blipFill rotWithShape="0">
+                <a:blip r:embed="rId2"/>
+                <a:stretch>
+                  <a:fillRect l="-1217" t="-2661"/>
                 </a:stretch>
               </a:blipFill>
             </p:spPr>
@@ -7260,7 +6232,7 @@
     </p:spTree>
     <p:extLst>
       <p:ext uri="{BB962C8B-B14F-4D97-AF65-F5344CB8AC3E}">
-        <p14:creationId xmlns:p14="http://schemas.microsoft.com/office/powerpoint/2010/main" val="4048757169"/>
+        <p14:creationId xmlns:p14="http://schemas.microsoft.com/office/powerpoint/2010/main" val="3318989416"/>
       </p:ext>
     </p:extLst>
   </p:cSld>
@@ -7277,7 +6249,7 @@
 </p:sld>
 </file>
 
-<file path=ppt/slides/slide13.xml><?xml version="1.0" encoding="utf-8"?>
+<file path=ppt/slides/slide14.xml><?xml version="1.0" encoding="utf-8"?>
 <p:sld xmlns:a="http://schemas.openxmlformats.org/drawingml/2006/main" xmlns:r="http://schemas.openxmlformats.org/officeDocument/2006/relationships" xmlns:p="http://schemas.openxmlformats.org/presentationml/2006/main">
   <p:cSld>
     <p:spTree>
@@ -7368,7 +6340,7 @@
 </p:sld>
 </file>
 
-<file path=ppt/slides/slide14.xml><?xml version="1.0" encoding="utf-8"?>
+<file path=ppt/slides/slide15.xml><?xml version="1.0" encoding="utf-8"?>
 <p:sld xmlns:a="http://schemas.openxmlformats.org/drawingml/2006/main" xmlns:r="http://schemas.openxmlformats.org/officeDocument/2006/relationships" xmlns:p="http://schemas.openxmlformats.org/presentationml/2006/main">
   <p:cSld>
     <p:spTree>
@@ -9582,7 +8554,7 @@
 </p:sld>
 </file>
 
-<file path=ppt/slides/slide15.xml><?xml version="1.0" encoding="utf-8"?>
+<file path=ppt/slides/slide16.xml><?xml version="1.0" encoding="utf-8"?>
 <p:sld xmlns:a="http://schemas.openxmlformats.org/drawingml/2006/main" xmlns:r="http://schemas.openxmlformats.org/officeDocument/2006/relationships" xmlns:p="http://schemas.openxmlformats.org/presentationml/2006/main">
   <p:cSld>
     <p:spTree>
@@ -9668,7 +8640,7 @@
 </p:sld>
 </file>
 
-<file path=ppt/slides/slide16.xml><?xml version="1.0" encoding="utf-8"?>
+<file path=ppt/slides/slide17.xml><?xml version="1.0" encoding="utf-8"?>
 <p:sld xmlns:a="http://schemas.openxmlformats.org/drawingml/2006/main" xmlns:r="http://schemas.openxmlformats.org/officeDocument/2006/relationships" xmlns:p="http://schemas.openxmlformats.org/presentationml/2006/main">
   <p:cSld>
     <p:spTree>
@@ -11061,7 +10033,7 @@
 </p:sld>
 </file>
 
-<file path=ppt/slides/slide17.xml><?xml version="1.0" encoding="utf-8"?>
+<file path=ppt/slides/slide18.xml><?xml version="1.0" encoding="utf-8"?>
 <p:sld xmlns:a="http://schemas.openxmlformats.org/drawingml/2006/main" xmlns:r="http://schemas.openxmlformats.org/officeDocument/2006/relationships" xmlns:p="http://schemas.openxmlformats.org/presentationml/2006/main">
   <p:cSld>
     <p:spTree>
@@ -11150,7 +10122,7 @@
 </p:sld>
 </file>
 
-<file path=ppt/slides/slide18.xml><?xml version="1.0" encoding="utf-8"?>
+<file path=ppt/slides/slide19.xml><?xml version="1.0" encoding="utf-8"?>
 <p:sld xmlns:a="http://schemas.openxmlformats.org/drawingml/2006/main" xmlns:r="http://schemas.openxmlformats.org/officeDocument/2006/relationships" xmlns:p="http://schemas.openxmlformats.org/presentationml/2006/main">
   <p:cSld>
     <p:spTree>
@@ -11739,861 +10711,6 @@
 </p:sld>
 </file>
 
-<file path=ppt/slides/slide19.xml><?xml version="1.0" encoding="utf-8"?>
-<p:sld xmlns:a="http://schemas.openxmlformats.org/drawingml/2006/main" xmlns:r="http://schemas.openxmlformats.org/officeDocument/2006/relationships" xmlns:p="http://schemas.openxmlformats.org/presentationml/2006/main">
-  <p:cSld>
-    <p:spTree>
-      <p:nvGrpSpPr>
-        <p:cNvPr id="1" name=""/>
-        <p:cNvGrpSpPr/>
-        <p:nvPr/>
-      </p:nvGrpSpPr>
-      <p:grpSpPr>
-        <a:xfrm>
-          <a:off x="0" y="0"/>
-          <a:ext cx="0" cy="0"/>
-          <a:chOff x="0" y="0"/>
-          <a:chExt cx="0" cy="0"/>
-        </a:xfrm>
-      </p:grpSpPr>
-      <p:sp>
-        <p:nvSpPr>
-          <p:cNvPr id="2" name="Title 1"/>
-          <p:cNvSpPr>
-            <a:spLocks noGrp="1"/>
-          </p:cNvSpPr>
-          <p:nvPr>
-            <p:ph type="title"/>
-          </p:nvPr>
-        </p:nvSpPr>
-        <p:spPr/>
-        <p:txBody>
-          <a:bodyPr/>
-          <a:lstStyle/>
-          <a:p>
-            <a:r>
-              <a:rPr lang="en-US" dirty="0"/>
-              <a:t>Finite Precision </a:t>
-            </a:r>
-            <a:r>
-              <a:rPr lang="en-US" dirty="0" smtClean="0"/>
-              <a:t>Measurement</a:t>
-            </a:r>
-            <a:endParaRPr lang="en-US" dirty="0"/>
-          </a:p>
-        </p:txBody>
-      </p:sp>
-      <mc:AlternateContent xmlns:mc="http://schemas.openxmlformats.org/markup-compatibility/2006" xmlns:a14="http://schemas.microsoft.com/office/drawing/2010/main">
-        <mc:Choice Requires="a14">
-          <p:sp>
-            <p:nvSpPr>
-              <p:cNvPr id="3" name="Content Placeholder 2"/>
-              <p:cNvSpPr>
-                <a:spLocks noGrp="1"/>
-              </p:cNvSpPr>
-              <p:nvPr>
-                <p:ph idx="1"/>
-              </p:nvPr>
-            </p:nvSpPr>
-            <p:spPr>
-              <a:xfrm>
-                <a:off x="838200" y="1825625"/>
-                <a:ext cx="10515600" cy="1587276"/>
-              </a:xfrm>
-            </p:spPr>
-            <p:txBody>
-              <a:bodyPr/>
-              <a:lstStyle/>
-              <a:p>
-                <a:r>
-                  <a:rPr lang="en-US" dirty="0"/>
-                  <a:t>Relax </a:t>
-                </a:r>
-                <a14:m>
-                  <m:oMath xmlns:m="http://schemas.openxmlformats.org/officeDocument/2006/math">
-                    <m:d>
-                      <m:dPr>
-                        <m:begChr m:val="{"/>
-                        <m:endChr m:val="}"/>
-                        <m:ctrlPr>
-                          <a:rPr lang="en-US" i="1">
-                            <a:latin typeface="Cambria Math" panose="02040503050406030204" pitchFamily="18" charset="0"/>
-                            <a:ea typeface="Cambria Math" panose="02040503050406030204" pitchFamily="18" charset="0"/>
-                          </a:rPr>
-                        </m:ctrlPr>
-                      </m:dPr>
-                      <m:e>
-                        <m:d>
-                          <m:dPr>
-                            <m:begChr m:val="["/>
-                            <m:endChr m:val="]"/>
-                            <m:ctrlPr>
-                              <a:rPr lang="en-US" i="1">
-                                <a:latin typeface="Cambria Math" panose="02040503050406030204" pitchFamily="18" charset="0"/>
-                              </a:rPr>
-                            </m:ctrlPr>
-                          </m:dPr>
-                          <m:e>
-                            <m:r>
-                              <a:rPr lang="en-US" i="1">
-                                <a:latin typeface="Cambria Math" panose="02040503050406030204" pitchFamily="18" charset="0"/>
-                              </a:rPr>
-                              <m:t>0,0</m:t>
-                            </m:r>
-                          </m:e>
-                        </m:d>
-                        <m:r>
-                          <a:rPr lang="en-US" i="1">
-                            <a:latin typeface="Cambria Math" panose="02040503050406030204" pitchFamily="18" charset="0"/>
-                            <a:ea typeface="Cambria Math" panose="02040503050406030204" pitchFamily="18" charset="0"/>
-                          </a:rPr>
-                          <m:t>,</m:t>
-                        </m:r>
-                        <m:d>
-                          <m:dPr>
-                            <m:begChr m:val="["/>
-                            <m:endChr m:val="]"/>
-                            <m:ctrlPr>
-                              <a:rPr lang="en-US" i="1">
-                                <a:latin typeface="Cambria Math" panose="02040503050406030204" pitchFamily="18" charset="0"/>
-                              </a:rPr>
-                            </m:ctrlPr>
-                          </m:dPr>
-                          <m:e>
-                            <m:r>
-                              <a:rPr lang="en-US" i="1">
-                                <a:latin typeface="Cambria Math" panose="02040503050406030204" pitchFamily="18" charset="0"/>
-                              </a:rPr>
-                              <m:t>1,1</m:t>
-                            </m:r>
-                          </m:e>
-                        </m:d>
-                      </m:e>
-                    </m:d>
-                  </m:oMath>
-                </a14:m>
-                <a:r>
-                  <a:rPr lang="en-US" dirty="0"/>
-                  <a:t> to a set of intervals </a:t>
-                </a:r>
-                <a14:m>
-                  <m:oMath xmlns:m="http://schemas.openxmlformats.org/officeDocument/2006/math">
-                    <m:r>
-                      <m:rPr>
-                        <m:nor/>
-                      </m:rPr>
-                      <a:rPr lang="en-US" dirty="0">
-                        <a:latin typeface="XITS Math" panose="02000503000000000000" pitchFamily="50" charset="0"/>
-                        <a:ea typeface="XITS Math" panose="02000503000000000000" pitchFamily="50" charset="0"/>
-                        <a:cs typeface="XITS Math" panose="02000503000000000000" pitchFamily="50" charset="0"/>
-                      </a:rPr>
-                      <m:t>ℐ</m:t>
-                    </m:r>
-                  </m:oMath>
-                </a14:m>
-                <a:r>
-                  <a:rPr lang="en-US" dirty="0"/>
-                  <a:t> close to </a:t>
-                </a:r>
-                <a14:m>
-                  <m:oMath xmlns:m="http://schemas.openxmlformats.org/officeDocument/2006/math">
-                    <m:d>
-                      <m:dPr>
-                        <m:begChr m:val="{"/>
-                        <m:endChr m:val="}"/>
-                        <m:ctrlPr>
-                          <a:rPr lang="en-US" i="1">
-                            <a:latin typeface="Cambria Math" panose="02040503050406030204" pitchFamily="18" charset="0"/>
-                            <a:ea typeface="Cambria Math" panose="02040503050406030204" pitchFamily="18" charset="0"/>
-                          </a:rPr>
-                        </m:ctrlPr>
-                      </m:dPr>
-                      <m:e>
-                        <m:d>
-                          <m:dPr>
-                            <m:begChr m:val="["/>
-                            <m:endChr m:val="]"/>
-                            <m:ctrlPr>
-                              <a:rPr lang="en-US" i="1">
-                                <a:latin typeface="Cambria Math" panose="02040503050406030204" pitchFamily="18" charset="0"/>
-                              </a:rPr>
-                            </m:ctrlPr>
-                          </m:dPr>
-                          <m:e>
-                            <m:r>
-                              <a:rPr lang="en-US" i="1">
-                                <a:latin typeface="Cambria Math" panose="02040503050406030204" pitchFamily="18" charset="0"/>
-                              </a:rPr>
-                              <m:t>0,0</m:t>
-                            </m:r>
-                          </m:e>
-                        </m:d>
-                        <m:r>
-                          <a:rPr lang="en-US" i="1">
-                            <a:latin typeface="Cambria Math" panose="02040503050406030204" pitchFamily="18" charset="0"/>
-                            <a:ea typeface="Cambria Math" panose="02040503050406030204" pitchFamily="18" charset="0"/>
-                          </a:rPr>
-                          <m:t>,</m:t>
-                        </m:r>
-                        <m:d>
-                          <m:dPr>
-                            <m:begChr m:val="["/>
-                            <m:endChr m:val="]"/>
-                            <m:ctrlPr>
-                              <a:rPr lang="en-US" i="1">
-                                <a:latin typeface="Cambria Math" panose="02040503050406030204" pitchFamily="18" charset="0"/>
-                              </a:rPr>
-                            </m:ctrlPr>
-                          </m:dPr>
-                          <m:e>
-                            <m:r>
-                              <a:rPr lang="en-US" i="1">
-                                <a:latin typeface="Cambria Math" panose="02040503050406030204" pitchFamily="18" charset="0"/>
-                              </a:rPr>
-                              <m:t>1,1</m:t>
-                            </m:r>
-                          </m:e>
-                        </m:d>
-                      </m:e>
-                    </m:d>
-                  </m:oMath>
-                </a14:m>
-                <a:r>
-                  <a:rPr lang="en-US" dirty="0"/>
-                  <a:t>, i.e., given a small </a:t>
-                </a:r>
-                <a14:m>
-                  <m:oMath xmlns:m="http://schemas.openxmlformats.org/officeDocument/2006/math">
-                    <m:r>
-                      <a:rPr lang="en-US" i="1">
-                        <a:latin typeface="Cambria Math" panose="02040503050406030204" pitchFamily="18" charset="0"/>
-                      </a:rPr>
-                      <m:t>𝛿</m:t>
-                    </m:r>
-                    <m:r>
-                      <a:rPr lang="en-US" i="1">
-                        <a:latin typeface="Cambria Math" panose="02040503050406030204" pitchFamily="18" charset="0"/>
-                      </a:rPr>
-                      <m:t>≥0</m:t>
-                    </m:r>
-                  </m:oMath>
-                </a14:m>
-                <a:r>
-                  <a:rPr lang="en-US" dirty="0"/>
-                  <a:t>, we want for any projector </a:t>
-                </a:r>
-                <a14:m>
-                  <m:oMath xmlns:m="http://schemas.openxmlformats.org/officeDocument/2006/math">
-                    <m:r>
-                      <a:rPr lang="en-US" i="1">
-                        <a:latin typeface="Cambria Math" panose="02040503050406030204" pitchFamily="18" charset="0"/>
-                      </a:rPr>
-                      <m:t>𝑃</m:t>
-                    </m:r>
-                  </m:oMath>
-                </a14:m>
-                <a:r>
-                  <a:rPr lang="en-US" dirty="0"/>
-                  <a:t>, </a:t>
-                </a:r>
-                <a:br>
-                  <a:rPr lang="en-US" dirty="0"/>
-                </a:br>
-                <a14:m>
-                  <m:oMath xmlns:m="http://schemas.openxmlformats.org/officeDocument/2006/math">
-                    <m:r>
-                      <m:rPr>
-                        <m:nor/>
-                      </m:rPr>
-                      <a:rPr lang="en-US" dirty="0"/>
-                      <m:t>either</m:t>
-                    </m:r>
-                    <m:r>
-                      <a:rPr lang="en-US" i="1" dirty="0">
-                        <a:latin typeface="Cambria Math" panose="02040503050406030204" pitchFamily="18" charset="0"/>
-                      </a:rPr>
-                      <m:t> </m:t>
-                    </m:r>
-                    <m:acc>
-                      <m:accPr>
-                        <m:chr m:val="̅"/>
-                        <m:ctrlPr>
-                          <a:rPr lang="en-US" i="1">
-                            <a:latin typeface="Cambria Math" panose="02040503050406030204" pitchFamily="18" charset="0"/>
-                          </a:rPr>
-                        </m:ctrlPr>
-                      </m:accPr>
-                      <m:e>
-                        <m:r>
-                          <a:rPr lang="en-US" i="1">
-                            <a:latin typeface="Cambria Math" panose="02040503050406030204" pitchFamily="18" charset="0"/>
-                          </a:rPr>
-                          <m:t>𝜇</m:t>
-                        </m:r>
-                      </m:e>
-                    </m:acc>
-                    <m:d>
-                      <m:dPr>
-                        <m:ctrlPr>
-                          <a:rPr lang="en-US" i="1">
-                            <a:latin typeface="Cambria Math" panose="02040503050406030204" pitchFamily="18" charset="0"/>
-                          </a:rPr>
-                        </m:ctrlPr>
-                      </m:dPr>
-                      <m:e>
-                        <m:r>
-                          <a:rPr lang="en-US" i="1">
-                            <a:latin typeface="Cambria Math" panose="02040503050406030204" pitchFamily="18" charset="0"/>
-                          </a:rPr>
-                          <m:t>𝑃</m:t>
-                        </m:r>
-                      </m:e>
-                    </m:d>
-                    <m:r>
-                      <a:rPr lang="en-US" i="1">
-                        <a:latin typeface="Cambria Math" panose="02040503050406030204" pitchFamily="18" charset="0"/>
-                      </a:rPr>
-                      <m:t>⊆</m:t>
-                    </m:r>
-                    <m:d>
-                      <m:dPr>
-                        <m:begChr m:val="["/>
-                        <m:endChr m:val="]"/>
-                        <m:ctrlPr>
-                          <a:rPr lang="en-US" i="1">
-                            <a:latin typeface="Cambria Math" panose="02040503050406030204" pitchFamily="18" charset="0"/>
-                          </a:rPr>
-                        </m:ctrlPr>
-                      </m:dPr>
-                      <m:e>
-                        <m:r>
-                          <a:rPr lang="en-US" i="1">
-                            <a:latin typeface="Cambria Math" panose="02040503050406030204" pitchFamily="18" charset="0"/>
-                          </a:rPr>
-                          <m:t>0,</m:t>
-                        </m:r>
-                        <m:r>
-                          <a:rPr lang="en-US" i="1">
-                            <a:latin typeface="Cambria Math" panose="02040503050406030204" pitchFamily="18" charset="0"/>
-                          </a:rPr>
-                          <m:t>𝛿</m:t>
-                        </m:r>
-                      </m:e>
-                    </m:d>
-                    <m:r>
-                      <m:rPr>
-                        <m:nor/>
-                      </m:rPr>
-                      <a:rPr lang="en-US">
-                        <a:latin typeface="Cambria Math" panose="02040503050406030204" pitchFamily="18" charset="0"/>
-                      </a:rPr>
-                      <m:t> </m:t>
-                    </m:r>
-                    <m:r>
-                      <m:rPr>
-                        <m:nor/>
-                      </m:rPr>
-                      <a:rPr lang="en-US" dirty="0"/>
-                      <m:t>or</m:t>
-                    </m:r>
-                    <m:r>
-                      <a:rPr lang="en-US" i="1" dirty="0">
-                        <a:latin typeface="Cambria Math" panose="02040503050406030204" pitchFamily="18" charset="0"/>
-                      </a:rPr>
-                      <m:t> </m:t>
-                    </m:r>
-                    <m:acc>
-                      <m:accPr>
-                        <m:chr m:val="̅"/>
-                        <m:ctrlPr>
-                          <a:rPr lang="en-US" i="1">
-                            <a:latin typeface="Cambria Math" panose="02040503050406030204" pitchFamily="18" charset="0"/>
-                          </a:rPr>
-                        </m:ctrlPr>
-                      </m:accPr>
-                      <m:e>
-                        <m:r>
-                          <a:rPr lang="en-US" i="1">
-                            <a:latin typeface="Cambria Math" panose="02040503050406030204" pitchFamily="18" charset="0"/>
-                          </a:rPr>
-                          <m:t>𝜇</m:t>
-                        </m:r>
-                      </m:e>
-                    </m:acc>
-                    <m:d>
-                      <m:dPr>
-                        <m:ctrlPr>
-                          <a:rPr lang="en-US" i="1">
-                            <a:latin typeface="Cambria Math" panose="02040503050406030204" pitchFamily="18" charset="0"/>
-                          </a:rPr>
-                        </m:ctrlPr>
-                      </m:dPr>
-                      <m:e>
-                        <m:r>
-                          <a:rPr lang="en-US" i="1">
-                            <a:latin typeface="Cambria Math" panose="02040503050406030204" pitchFamily="18" charset="0"/>
-                          </a:rPr>
-                          <m:t>𝑃</m:t>
-                        </m:r>
-                      </m:e>
-                    </m:d>
-                    <m:r>
-                      <a:rPr lang="en-US" i="1">
-                        <a:latin typeface="Cambria Math" panose="02040503050406030204" pitchFamily="18" charset="0"/>
-                      </a:rPr>
-                      <m:t>⊆</m:t>
-                    </m:r>
-                    <m:d>
-                      <m:dPr>
-                        <m:begChr m:val="["/>
-                        <m:endChr m:val="]"/>
-                        <m:ctrlPr>
-                          <a:rPr lang="en-US" i="1">
-                            <a:latin typeface="Cambria Math" panose="02040503050406030204" pitchFamily="18" charset="0"/>
-                          </a:rPr>
-                        </m:ctrlPr>
-                      </m:dPr>
-                      <m:e>
-                        <m:r>
-                          <a:rPr lang="en-US" i="1">
-                            <a:latin typeface="Cambria Math" panose="02040503050406030204" pitchFamily="18" charset="0"/>
-                          </a:rPr>
-                          <m:t>1−</m:t>
-                        </m:r>
-                        <m:r>
-                          <a:rPr lang="en-US" i="1">
-                            <a:latin typeface="Cambria Math" panose="02040503050406030204" pitchFamily="18" charset="0"/>
-                          </a:rPr>
-                          <m:t>𝛿</m:t>
-                        </m:r>
-                        <m:r>
-                          <a:rPr lang="en-US" i="1">
-                            <a:latin typeface="Cambria Math" panose="02040503050406030204" pitchFamily="18" charset="0"/>
-                          </a:rPr>
-                          <m:t>,1</m:t>
-                        </m:r>
-                      </m:e>
-                    </m:d>
-                    <m:r>
-                      <a:rPr lang="en-US" i="1">
-                        <a:latin typeface="Cambria Math" panose="02040503050406030204" pitchFamily="18" charset="0"/>
-                      </a:rPr>
-                      <m:t> .</m:t>
-                    </m:r>
-                  </m:oMath>
-                </a14:m>
-                <a:endParaRPr lang="en-US" dirty="0"/>
-              </a:p>
-              <a:p>
-                <a:endParaRPr lang="en-US" dirty="0"/>
-              </a:p>
-            </p:txBody>
-          </p:sp>
-        </mc:Choice>
-        <mc:Fallback xmlns="">
-          <p:sp>
-            <p:nvSpPr>
-              <p:cNvPr id="3" name="Content Placeholder 2"/>
-              <p:cNvSpPr>
-                <a:spLocks noGrp="1" noRot="1" noChangeAspect="1" noMove="1" noResize="1" noEditPoints="1" noAdjustHandles="1" noChangeArrowheads="1" noChangeShapeType="1" noTextEdit="1"/>
-              </p:cNvSpPr>
-              <p:nvPr>
-                <p:ph idx="1"/>
-              </p:nvPr>
-            </p:nvSpPr>
-            <p:spPr>
-              <a:xfrm>
-                <a:off x="838200" y="1825625"/>
-                <a:ext cx="10515600" cy="1587276"/>
-              </a:xfrm>
-              <a:blipFill rotWithShape="0">
-                <a:blip r:embed="rId2"/>
-                <a:stretch>
-                  <a:fillRect l="-1043" t="-6130"/>
-                </a:stretch>
-              </a:blipFill>
-            </p:spPr>
-            <p:txBody>
-              <a:bodyPr/>
-              <a:lstStyle/>
-              <a:p>
-                <a:r>
-                  <a:rPr lang="en-US">
-                    <a:noFill/>
-                  </a:rPr>
-                  <a:t> </a:t>
-                </a:r>
-              </a:p>
-            </p:txBody>
-          </p:sp>
-        </mc:Fallback>
-      </mc:AlternateContent>
-      <p:sp>
-        <p:nvSpPr>
-          <p:cNvPr id="4" name="Title 1"/>
-          <p:cNvSpPr txBox="1">
-            <a:spLocks/>
-          </p:cNvSpPr>
-          <p:nvPr/>
-        </p:nvSpPr>
-        <p:spPr>
-          <a:xfrm>
-            <a:off x="838200" y="3412901"/>
-            <a:ext cx="10515600" cy="1325563"/>
-          </a:xfrm>
-          <a:prstGeom prst="rect">
-            <a:avLst/>
-          </a:prstGeom>
-        </p:spPr>
-        <p:txBody>
-          <a:bodyPr vert="horz" lIns="91440" tIns="45720" rIns="91440" bIns="45720" rtlCol="0" anchor="ctr">
-            <a:normAutofit/>
-          </a:bodyPr>
-          <a:lstStyle>
-            <a:lvl1pPr algn="l" defTabSz="914400" rtl="0" eaLnBrk="1" latinLnBrk="0" hangingPunct="1">
-              <a:lnSpc>
-                <a:spcPct val="90000"/>
-              </a:lnSpc>
-              <a:spcBef>
-                <a:spcPct val="0"/>
-              </a:spcBef>
-              <a:buNone/>
-              <a:defRPr sz="4400" kern="1200">
-                <a:solidFill>
-                  <a:schemeClr val="tx1"/>
-                </a:solidFill>
-                <a:latin typeface="+mj-lt"/>
-                <a:ea typeface="+mj-ea"/>
-                <a:cs typeface="+mj-cs"/>
-              </a:defRPr>
-            </a:lvl1pPr>
-          </a:lstStyle>
-          <a:p>
-            <a:r>
-              <a:rPr lang="en-US" dirty="0"/>
-              <a:t>Kochen-Specker Theorem</a:t>
-            </a:r>
-            <a:br>
-              <a:rPr lang="en-US" dirty="0"/>
-            </a:br>
-            <a:r>
-              <a:rPr lang="en-US" dirty="0"/>
-              <a:t>with Finite Precision Measurement</a:t>
-            </a:r>
-          </a:p>
-        </p:txBody>
-      </p:sp>
-      <mc:AlternateContent xmlns:mc="http://schemas.openxmlformats.org/markup-compatibility/2006" xmlns:a14="http://schemas.microsoft.com/office/drawing/2010/main">
-        <mc:Choice Requires="a14">
-          <p:sp>
-            <p:nvSpPr>
-              <p:cNvPr id="5" name="Content Placeholder 2"/>
-              <p:cNvSpPr txBox="1">
-                <a:spLocks/>
-              </p:cNvSpPr>
-              <p:nvPr/>
-            </p:nvSpPr>
-            <p:spPr>
-              <a:xfrm>
-                <a:off x="838200" y="4873401"/>
-                <a:ext cx="10515600" cy="1587276"/>
-              </a:xfrm>
-              <a:prstGeom prst="rect">
-                <a:avLst/>
-              </a:prstGeom>
-            </p:spPr>
-            <p:txBody>
-              <a:bodyPr vert="horz" lIns="91440" tIns="45720" rIns="91440" bIns="45720" rtlCol="0">
-                <a:normAutofit/>
-              </a:bodyPr>
-              <a:lstStyle>
-                <a:lvl1pPr marL="228600" indent="-228600" algn="l" defTabSz="914400" rtl="0" eaLnBrk="1" latinLnBrk="0" hangingPunct="1">
-                  <a:lnSpc>
-                    <a:spcPct val="90000"/>
-                  </a:lnSpc>
-                  <a:spcBef>
-                    <a:spcPts val="1000"/>
-                  </a:spcBef>
-                  <a:buFont typeface="Arial" panose="020B0604020202020204" pitchFamily="34" charset="0"/>
-                  <a:buChar char="•"/>
-                  <a:defRPr sz="2800" kern="1200">
-                    <a:solidFill>
-                      <a:schemeClr val="tx1"/>
-                    </a:solidFill>
-                    <a:latin typeface="+mn-lt"/>
-                    <a:ea typeface="+mn-ea"/>
-                    <a:cs typeface="+mn-cs"/>
-                  </a:defRPr>
-                </a:lvl1pPr>
-                <a:lvl2pPr marL="685800" indent="-228600" algn="l" defTabSz="914400" rtl="0" eaLnBrk="1" latinLnBrk="0" hangingPunct="1">
-                  <a:lnSpc>
-                    <a:spcPct val="90000"/>
-                  </a:lnSpc>
-                  <a:spcBef>
-                    <a:spcPts val="500"/>
-                  </a:spcBef>
-                  <a:buFont typeface="Arial" panose="020B0604020202020204" pitchFamily="34" charset="0"/>
-                  <a:buChar char="•"/>
-                  <a:defRPr sz="2400" kern="1200">
-                    <a:solidFill>
-                      <a:schemeClr val="tx1"/>
-                    </a:solidFill>
-                    <a:latin typeface="+mn-lt"/>
-                    <a:ea typeface="+mn-ea"/>
-                    <a:cs typeface="+mn-cs"/>
-                  </a:defRPr>
-                </a:lvl2pPr>
-                <a:lvl3pPr marL="1143000" indent="-228600" algn="l" defTabSz="914400" rtl="0" eaLnBrk="1" latinLnBrk="0" hangingPunct="1">
-                  <a:lnSpc>
-                    <a:spcPct val="90000"/>
-                  </a:lnSpc>
-                  <a:spcBef>
-                    <a:spcPts val="500"/>
-                  </a:spcBef>
-                  <a:buFont typeface="Arial" panose="020B0604020202020204" pitchFamily="34" charset="0"/>
-                  <a:buChar char="•"/>
-                  <a:defRPr sz="2000" kern="1200">
-                    <a:solidFill>
-                      <a:schemeClr val="tx1"/>
-                    </a:solidFill>
-                    <a:latin typeface="+mn-lt"/>
-                    <a:ea typeface="+mn-ea"/>
-                    <a:cs typeface="+mn-cs"/>
-                  </a:defRPr>
-                </a:lvl3pPr>
-                <a:lvl4pPr marL="1600200" indent="-228600" algn="l" defTabSz="914400" rtl="0" eaLnBrk="1" latinLnBrk="0" hangingPunct="1">
-                  <a:lnSpc>
-                    <a:spcPct val="90000"/>
-                  </a:lnSpc>
-                  <a:spcBef>
-                    <a:spcPts val="500"/>
-                  </a:spcBef>
-                  <a:buFont typeface="Arial" panose="020B0604020202020204" pitchFamily="34" charset="0"/>
-                  <a:buChar char="•"/>
-                  <a:defRPr sz="1800" kern="1200">
-                    <a:solidFill>
-                      <a:schemeClr val="tx1"/>
-                    </a:solidFill>
-                    <a:latin typeface="+mn-lt"/>
-                    <a:ea typeface="+mn-ea"/>
-                    <a:cs typeface="+mn-cs"/>
-                  </a:defRPr>
-                </a:lvl4pPr>
-                <a:lvl5pPr marL="2057400" indent="-228600" algn="l" defTabSz="914400" rtl="0" eaLnBrk="1" latinLnBrk="0" hangingPunct="1">
-                  <a:lnSpc>
-                    <a:spcPct val="90000"/>
-                  </a:lnSpc>
-                  <a:spcBef>
-                    <a:spcPts val="500"/>
-                  </a:spcBef>
-                  <a:buFont typeface="Arial" panose="020B0604020202020204" pitchFamily="34" charset="0"/>
-                  <a:buChar char="•"/>
-                  <a:defRPr sz="1800" kern="1200">
-                    <a:solidFill>
-                      <a:schemeClr val="tx1"/>
-                    </a:solidFill>
-                    <a:latin typeface="+mn-lt"/>
-                    <a:ea typeface="+mn-ea"/>
-                    <a:cs typeface="+mn-cs"/>
-                  </a:defRPr>
-                </a:lvl5pPr>
-                <a:lvl6pPr marL="2514600" indent="-228600" algn="l" defTabSz="914400" rtl="0" eaLnBrk="1" latinLnBrk="0" hangingPunct="1">
-                  <a:lnSpc>
-                    <a:spcPct val="90000"/>
-                  </a:lnSpc>
-                  <a:spcBef>
-                    <a:spcPts val="500"/>
-                  </a:spcBef>
-                  <a:buFont typeface="Arial" panose="020B0604020202020204" pitchFamily="34" charset="0"/>
-                  <a:buChar char="•"/>
-                  <a:defRPr sz="1800" kern="1200">
-                    <a:solidFill>
-                      <a:schemeClr val="tx1"/>
-                    </a:solidFill>
-                    <a:latin typeface="+mn-lt"/>
-                    <a:ea typeface="+mn-ea"/>
-                    <a:cs typeface="+mn-cs"/>
-                  </a:defRPr>
-                </a:lvl6pPr>
-                <a:lvl7pPr marL="2971800" indent="-228600" algn="l" defTabSz="914400" rtl="0" eaLnBrk="1" latinLnBrk="0" hangingPunct="1">
-                  <a:lnSpc>
-                    <a:spcPct val="90000"/>
-                  </a:lnSpc>
-                  <a:spcBef>
-                    <a:spcPts val="500"/>
-                  </a:spcBef>
-                  <a:buFont typeface="Arial" panose="020B0604020202020204" pitchFamily="34" charset="0"/>
-                  <a:buChar char="•"/>
-                  <a:defRPr sz="1800" kern="1200">
-                    <a:solidFill>
-                      <a:schemeClr val="tx1"/>
-                    </a:solidFill>
-                    <a:latin typeface="+mn-lt"/>
-                    <a:ea typeface="+mn-ea"/>
-                    <a:cs typeface="+mn-cs"/>
-                  </a:defRPr>
-                </a:lvl7pPr>
-                <a:lvl8pPr marL="3429000" indent="-228600" algn="l" defTabSz="914400" rtl="0" eaLnBrk="1" latinLnBrk="0" hangingPunct="1">
-                  <a:lnSpc>
-                    <a:spcPct val="90000"/>
-                  </a:lnSpc>
-                  <a:spcBef>
-                    <a:spcPts val="500"/>
-                  </a:spcBef>
-                  <a:buFont typeface="Arial" panose="020B0604020202020204" pitchFamily="34" charset="0"/>
-                  <a:buChar char="•"/>
-                  <a:defRPr sz="1800" kern="1200">
-                    <a:solidFill>
-                      <a:schemeClr val="tx1"/>
-                    </a:solidFill>
-                    <a:latin typeface="+mn-lt"/>
-                    <a:ea typeface="+mn-ea"/>
-                    <a:cs typeface="+mn-cs"/>
-                  </a:defRPr>
-                </a:lvl8pPr>
-                <a:lvl9pPr marL="3886200" indent="-228600" algn="l" defTabSz="914400" rtl="0" eaLnBrk="1" latinLnBrk="0" hangingPunct="1">
-                  <a:lnSpc>
-                    <a:spcPct val="90000"/>
-                  </a:lnSpc>
-                  <a:spcBef>
-                    <a:spcPts val="500"/>
-                  </a:spcBef>
-                  <a:buFont typeface="Arial" panose="020B0604020202020204" pitchFamily="34" charset="0"/>
-                  <a:buChar char="•"/>
-                  <a:defRPr sz="1800" kern="1200">
-                    <a:solidFill>
-                      <a:schemeClr val="tx1"/>
-                    </a:solidFill>
-                    <a:latin typeface="+mn-lt"/>
-                    <a:ea typeface="+mn-ea"/>
-                    <a:cs typeface="+mn-cs"/>
-                  </a:defRPr>
-                </a:lvl9pPr>
-              </a:lstStyle>
-              <a:p>
-                <a:pPr marL="0" indent="0">
-                  <a:buNone/>
-                </a:pPr>
-                <a:r>
-                  <a:rPr lang="en-US" b="1" dirty="0"/>
-                  <a:t>Theorem</a:t>
-                </a:r>
-                <a:r>
-                  <a:rPr lang="en-US" dirty="0"/>
-                  <a:t> There is no </a:t>
-                </a:r>
-                <a14:m>
-                  <m:oMath xmlns:m="http://schemas.openxmlformats.org/officeDocument/2006/math">
-                    <m:acc>
-                      <m:accPr>
-                        <m:chr m:val="̅"/>
-                        <m:ctrlPr>
-                          <a:rPr lang="en-US" i="1">
-                            <a:latin typeface="Cambria Math" panose="02040503050406030204" pitchFamily="18" charset="0"/>
-                          </a:rPr>
-                        </m:ctrlPr>
-                      </m:accPr>
-                      <m:e>
-                        <m:r>
-                          <a:rPr lang="en-US" i="1">
-                            <a:latin typeface="Cambria Math" panose="02040503050406030204" pitchFamily="18" charset="0"/>
-                          </a:rPr>
-                          <m:t>𝜇</m:t>
-                        </m:r>
-                      </m:e>
-                    </m:acc>
-                  </m:oMath>
-                </a14:m>
-                <a:r>
-                  <a:rPr lang="en-US" dirty="0"/>
-                  <a:t> when </a:t>
-                </a:r>
-                <a14:m>
-                  <m:oMath xmlns:m="http://schemas.openxmlformats.org/officeDocument/2006/math">
-                    <m:r>
-                      <a:rPr lang="en-US" i="1">
-                        <a:latin typeface="Cambria Math" panose="02040503050406030204" pitchFamily="18" charset="0"/>
-                      </a:rPr>
-                      <m:t>𝛿</m:t>
-                    </m:r>
-                    <m:r>
-                      <a:rPr lang="en-US" i="1">
-                        <a:latin typeface="Cambria Math" panose="02040503050406030204" pitchFamily="18" charset="0"/>
-                      </a:rPr>
-                      <m:t>&lt;1/3</m:t>
-                    </m:r>
-                  </m:oMath>
-                </a14:m>
-                <a:r>
-                  <a:rPr lang="en-US" dirty="0"/>
-                  <a:t>.</a:t>
-                </a:r>
-              </a:p>
-              <a:p>
-                <a:endParaRPr lang="en-US" dirty="0"/>
-              </a:p>
-            </p:txBody>
-          </p:sp>
-        </mc:Choice>
-        <mc:Fallback xmlns="">
-          <p:sp>
-            <p:nvSpPr>
-              <p:cNvPr id="5" name="Content Placeholder 2"/>
-              <p:cNvSpPr txBox="1">
-                <a:spLocks noRot="1" noChangeAspect="1" noMove="1" noResize="1" noEditPoints="1" noAdjustHandles="1" noChangeArrowheads="1" noChangeShapeType="1" noTextEdit="1"/>
-              </p:cNvSpPr>
-              <p:nvPr/>
-            </p:nvSpPr>
-            <p:spPr>
-              <a:xfrm>
-                <a:off x="838200" y="4873401"/>
-                <a:ext cx="10515600" cy="1587276"/>
-              </a:xfrm>
-              <a:prstGeom prst="rect">
-                <a:avLst/>
-              </a:prstGeom>
-              <a:blipFill rotWithShape="0">
-                <a:blip r:embed="rId3"/>
-                <a:stretch>
-                  <a:fillRect l="-1217" t="-6130"/>
-                </a:stretch>
-              </a:blipFill>
-            </p:spPr>
-            <p:txBody>
-              <a:bodyPr/>
-              <a:lstStyle/>
-              <a:p>
-                <a:r>
-                  <a:rPr lang="en-US">
-                    <a:noFill/>
-                  </a:rPr>
-                  <a:t> </a:t>
-                </a:r>
-              </a:p>
-            </p:txBody>
-          </p:sp>
-        </mc:Fallback>
-      </mc:AlternateContent>
-    </p:spTree>
-    <p:extLst>
-      <p:ext uri="{BB962C8B-B14F-4D97-AF65-F5344CB8AC3E}">
-        <p14:creationId xmlns:p14="http://schemas.microsoft.com/office/powerpoint/2010/main" val="1088294491"/>
-      </p:ext>
-    </p:extLst>
-  </p:cSld>
-  <p:clrMapOvr>
-    <a:masterClrMapping/>
-  </p:clrMapOvr>
-  <p:timing>
-    <p:tnLst>
-      <p:par>
-        <p:cTn id="1" dur="indefinite" restart="never" nodeType="tmRoot"/>
-      </p:par>
-    </p:tnLst>
-  </p:timing>
-</p:sld>
-</file>
-
 <file path=ppt/slides/slide2.xml><?xml version="1.0" encoding="utf-8"?>
 <p:sld xmlns:a="http://schemas.openxmlformats.org/drawingml/2006/main" xmlns:r="http://schemas.openxmlformats.org/officeDocument/2006/relationships" xmlns:p="http://schemas.openxmlformats.org/presentationml/2006/main">
   <p:cSld>
@@ -12634,8 +10751,8 @@
           </a:p>
         </p:txBody>
       </p:sp>
-      <mc:AlternateContent xmlns:mc="http://schemas.openxmlformats.org/markup-compatibility/2006" xmlns:a14="http://schemas.microsoft.com/office/drawing/2010/main">
-        <mc:Choice Requires="a14">
+      <mc:AlternateContent xmlns:mc="http://schemas.openxmlformats.org/markup-compatibility/2006">
+        <mc:Choice xmlns:a14="http://schemas.microsoft.com/office/drawing/2010/main" Requires="a14">
           <p:graphicFrame>
             <p:nvGraphicFramePr>
               <p:cNvPr id="4" name="Content Placeholder 3"/>
@@ -12646,7 +10763,7 @@
                 <p:ph idx="1"/>
                 <p:extLst>
                   <p:ext uri="{D42A27DB-BD31-4B8C-83A1-F6EECF244321}">
-                    <p14:modId xmlns:p14="http://schemas.microsoft.com/office/powerpoint/2010/main" val="394425728"/>
+                    <p14:modId xmlns:p14="http://schemas.microsoft.com/office/powerpoint/2010/main" val="2610708364"/>
                   </p:ext>
                 </p:extLst>
               </p:nvPr>
@@ -13015,6 +11132,8 @@
                                         <a:srgbClr val="FF0000"/>
                                       </a:solidFill>
                                       <a:effectLst/>
+                                      <a:latin typeface="Cambria Math" panose="02040503050406030204" pitchFamily="18" charset="0"/>
+                                      <a:ea typeface="Cambria Math" panose="02040503050406030204" pitchFamily="18" charset="0"/>
                                     </a:rPr>
                                     <m:t>a</m:t>
                                   </m:r>
@@ -13027,6 +11146,8 @@
                                         <a:srgbClr val="FF0000"/>
                                       </a:solidFill>
                                       <a:effectLst/>
+                                      <a:latin typeface="Cambria Math" panose="02040503050406030204" pitchFamily="18" charset="0"/>
+                                      <a:ea typeface="Cambria Math" panose="02040503050406030204" pitchFamily="18" charset="0"/>
                                     </a:rPr>
                                     <m:t> </m:t>
                                   </m:r>
@@ -13039,6 +11160,8 @@
                                         <a:srgbClr val="FF0000"/>
                                       </a:solidFill>
                                       <a:effectLst/>
+                                      <a:latin typeface="Cambria Math" panose="02040503050406030204" pitchFamily="18" charset="0"/>
+                                      <a:ea typeface="Cambria Math" panose="02040503050406030204" pitchFamily="18" charset="0"/>
                                     </a:rPr>
                                     <m:t>linear</m:t>
                                   </m:r>
@@ -13051,6 +11174,8 @@
                                         <a:srgbClr val="FF0000"/>
                                       </a:solidFill>
                                       <a:effectLst/>
+                                      <a:latin typeface="Cambria Math" panose="02040503050406030204" pitchFamily="18" charset="0"/>
+                                      <a:ea typeface="Cambria Math" panose="02040503050406030204" pitchFamily="18" charset="0"/>
                                     </a:rPr>
                                     <m:t> </m:t>
                                   </m:r>
@@ -13063,6 +11188,8 @@
                                         <a:srgbClr val="FF0000"/>
                                       </a:solidFill>
                                       <a:effectLst/>
+                                      <a:latin typeface="Cambria Math" panose="02040503050406030204" pitchFamily="18" charset="0"/>
+                                      <a:ea typeface="Cambria Math" panose="02040503050406030204" pitchFamily="18" charset="0"/>
                                     </a:rPr>
                                     <m:t>subspace</m:t>
                                   </m:r>
@@ -13075,6 +11202,8 @@
                                         <a:srgbClr val="FF0000"/>
                                       </a:solidFill>
                                       <a:effectLst/>
+                                      <a:latin typeface="Cambria Math" panose="02040503050406030204" pitchFamily="18" charset="0"/>
+                                      <a:ea typeface="Cambria Math" panose="02040503050406030204" pitchFamily="18" charset="0"/>
                                     </a:rPr>
                                     <m:t> </m:t>
                                   </m:r>
@@ -13087,6 +11216,8 @@
                                         <a:srgbClr val="FF0000"/>
                                       </a:solidFill>
                                       <a:effectLst/>
+                                      <a:latin typeface="Cambria Math" panose="02040503050406030204" pitchFamily="18" charset="0"/>
+                                      <a:ea typeface="Cambria Math" panose="02040503050406030204" pitchFamily="18" charset="0"/>
                                     </a:rPr>
                                     <m:t>of</m:t>
                                   </m:r>
@@ -13099,6 +11230,8 @@
                                         <a:srgbClr val="FF0000"/>
                                       </a:solidFill>
                                       <a:effectLst/>
+                                      <a:latin typeface="Cambria Math" panose="02040503050406030204" pitchFamily="18" charset="0"/>
+                                      <a:ea typeface="Cambria Math" panose="02040503050406030204" pitchFamily="18" charset="0"/>
                                     </a:rPr>
                                     <m:t> </m:t>
                                   </m:r>
@@ -13116,7 +11249,10 @@
                               </m:d>
                             </m:oMath>
                           </a14:m>
-                          <a:endParaRPr lang="en-US" dirty="0"/>
+                          <a:endParaRPr lang="en-US" dirty="0">
+                            <a:latin typeface="Cambria Math" panose="02040503050406030204" pitchFamily="18" charset="0"/>
+                            <a:ea typeface="Cambria Math" panose="02040503050406030204" pitchFamily="18" charset="0"/>
+                          </a:endParaRPr>
                         </a:p>
                       </a:txBody>
                       <a:tcPr anchor="ctr"/>
@@ -15080,7 +13216,7 @@
             </a:graphic>
           </p:graphicFrame>
         </mc:Choice>
-        <mc:Fallback xmlns="">
+        <mc:Fallback>
           <p:graphicFrame>
             <p:nvGraphicFramePr>
               <p:cNvPr id="4" name="Content Placeholder 3"/>
@@ -15091,7 +13227,7 @@
                 <p:ph idx="1"/>
                 <p:extLst>
                   <p:ext uri="{D42A27DB-BD31-4B8C-83A1-F6EECF244321}">
-                    <p14:modId xmlns:p14="http://schemas.microsoft.com/office/powerpoint/2010/main" val="394425728"/>
+                    <p14:modId xmlns:p14="http://schemas.microsoft.com/office/powerpoint/2010/main" val="2610708364"/>
                   </p:ext>
                 </p:extLst>
               </p:nvPr>
@@ -15457,6 +13593,861 @@
           <a:p>
             <a:r>
               <a:rPr lang="en-US" dirty="0"/>
+              <a:t>Finite Precision </a:t>
+            </a:r>
+            <a:r>
+              <a:rPr lang="en-US" dirty="0" smtClean="0"/>
+              <a:t>Measurement</a:t>
+            </a:r>
+            <a:endParaRPr lang="en-US" dirty="0"/>
+          </a:p>
+        </p:txBody>
+      </p:sp>
+      <mc:AlternateContent xmlns:mc="http://schemas.openxmlformats.org/markup-compatibility/2006" xmlns:a14="http://schemas.microsoft.com/office/drawing/2010/main">
+        <mc:Choice Requires="a14">
+          <p:sp>
+            <p:nvSpPr>
+              <p:cNvPr id="3" name="Content Placeholder 2"/>
+              <p:cNvSpPr>
+                <a:spLocks noGrp="1"/>
+              </p:cNvSpPr>
+              <p:nvPr>
+                <p:ph idx="1"/>
+              </p:nvPr>
+            </p:nvSpPr>
+            <p:spPr>
+              <a:xfrm>
+                <a:off x="838200" y="1825625"/>
+                <a:ext cx="10515600" cy="1587276"/>
+              </a:xfrm>
+            </p:spPr>
+            <p:txBody>
+              <a:bodyPr/>
+              <a:lstStyle/>
+              <a:p>
+                <a:r>
+                  <a:rPr lang="en-US" dirty="0"/>
+                  <a:t>Relax </a:t>
+                </a:r>
+                <a14:m>
+                  <m:oMath xmlns:m="http://schemas.openxmlformats.org/officeDocument/2006/math">
+                    <m:d>
+                      <m:dPr>
+                        <m:begChr m:val="{"/>
+                        <m:endChr m:val="}"/>
+                        <m:ctrlPr>
+                          <a:rPr lang="en-US" i="1">
+                            <a:latin typeface="Cambria Math" panose="02040503050406030204" pitchFamily="18" charset="0"/>
+                            <a:ea typeface="Cambria Math" panose="02040503050406030204" pitchFamily="18" charset="0"/>
+                          </a:rPr>
+                        </m:ctrlPr>
+                      </m:dPr>
+                      <m:e>
+                        <m:d>
+                          <m:dPr>
+                            <m:begChr m:val="["/>
+                            <m:endChr m:val="]"/>
+                            <m:ctrlPr>
+                              <a:rPr lang="en-US" i="1">
+                                <a:latin typeface="Cambria Math" panose="02040503050406030204" pitchFamily="18" charset="0"/>
+                              </a:rPr>
+                            </m:ctrlPr>
+                          </m:dPr>
+                          <m:e>
+                            <m:r>
+                              <a:rPr lang="en-US" i="1">
+                                <a:latin typeface="Cambria Math" panose="02040503050406030204" pitchFamily="18" charset="0"/>
+                              </a:rPr>
+                              <m:t>0,0</m:t>
+                            </m:r>
+                          </m:e>
+                        </m:d>
+                        <m:r>
+                          <a:rPr lang="en-US" i="1">
+                            <a:latin typeface="Cambria Math" panose="02040503050406030204" pitchFamily="18" charset="0"/>
+                            <a:ea typeface="Cambria Math" panose="02040503050406030204" pitchFamily="18" charset="0"/>
+                          </a:rPr>
+                          <m:t>,</m:t>
+                        </m:r>
+                        <m:d>
+                          <m:dPr>
+                            <m:begChr m:val="["/>
+                            <m:endChr m:val="]"/>
+                            <m:ctrlPr>
+                              <a:rPr lang="en-US" i="1">
+                                <a:latin typeface="Cambria Math" panose="02040503050406030204" pitchFamily="18" charset="0"/>
+                              </a:rPr>
+                            </m:ctrlPr>
+                          </m:dPr>
+                          <m:e>
+                            <m:r>
+                              <a:rPr lang="en-US" i="1">
+                                <a:latin typeface="Cambria Math" panose="02040503050406030204" pitchFamily="18" charset="0"/>
+                              </a:rPr>
+                              <m:t>1,1</m:t>
+                            </m:r>
+                          </m:e>
+                        </m:d>
+                      </m:e>
+                    </m:d>
+                  </m:oMath>
+                </a14:m>
+                <a:r>
+                  <a:rPr lang="en-US" dirty="0"/>
+                  <a:t> to a set of intervals </a:t>
+                </a:r>
+                <a14:m>
+                  <m:oMath xmlns:m="http://schemas.openxmlformats.org/officeDocument/2006/math">
+                    <m:r>
+                      <m:rPr>
+                        <m:nor/>
+                      </m:rPr>
+                      <a:rPr lang="en-US" dirty="0">
+                        <a:latin typeface="XITS Math" panose="02000503000000000000" pitchFamily="50" charset="0"/>
+                        <a:ea typeface="XITS Math" panose="02000503000000000000" pitchFamily="50" charset="0"/>
+                        <a:cs typeface="XITS Math" panose="02000503000000000000" pitchFamily="50" charset="0"/>
+                      </a:rPr>
+                      <m:t>ℐ</m:t>
+                    </m:r>
+                  </m:oMath>
+                </a14:m>
+                <a:r>
+                  <a:rPr lang="en-US" dirty="0"/>
+                  <a:t> close to </a:t>
+                </a:r>
+                <a14:m>
+                  <m:oMath xmlns:m="http://schemas.openxmlformats.org/officeDocument/2006/math">
+                    <m:d>
+                      <m:dPr>
+                        <m:begChr m:val="{"/>
+                        <m:endChr m:val="}"/>
+                        <m:ctrlPr>
+                          <a:rPr lang="en-US" i="1">
+                            <a:latin typeface="Cambria Math" panose="02040503050406030204" pitchFamily="18" charset="0"/>
+                            <a:ea typeface="Cambria Math" panose="02040503050406030204" pitchFamily="18" charset="0"/>
+                          </a:rPr>
+                        </m:ctrlPr>
+                      </m:dPr>
+                      <m:e>
+                        <m:d>
+                          <m:dPr>
+                            <m:begChr m:val="["/>
+                            <m:endChr m:val="]"/>
+                            <m:ctrlPr>
+                              <a:rPr lang="en-US" i="1">
+                                <a:latin typeface="Cambria Math" panose="02040503050406030204" pitchFamily="18" charset="0"/>
+                              </a:rPr>
+                            </m:ctrlPr>
+                          </m:dPr>
+                          <m:e>
+                            <m:r>
+                              <a:rPr lang="en-US" i="1">
+                                <a:latin typeface="Cambria Math" panose="02040503050406030204" pitchFamily="18" charset="0"/>
+                              </a:rPr>
+                              <m:t>0,0</m:t>
+                            </m:r>
+                          </m:e>
+                        </m:d>
+                        <m:r>
+                          <a:rPr lang="en-US" i="1">
+                            <a:latin typeface="Cambria Math" panose="02040503050406030204" pitchFamily="18" charset="0"/>
+                            <a:ea typeface="Cambria Math" panose="02040503050406030204" pitchFamily="18" charset="0"/>
+                          </a:rPr>
+                          <m:t>,</m:t>
+                        </m:r>
+                        <m:d>
+                          <m:dPr>
+                            <m:begChr m:val="["/>
+                            <m:endChr m:val="]"/>
+                            <m:ctrlPr>
+                              <a:rPr lang="en-US" i="1">
+                                <a:latin typeface="Cambria Math" panose="02040503050406030204" pitchFamily="18" charset="0"/>
+                              </a:rPr>
+                            </m:ctrlPr>
+                          </m:dPr>
+                          <m:e>
+                            <m:r>
+                              <a:rPr lang="en-US" i="1">
+                                <a:latin typeface="Cambria Math" panose="02040503050406030204" pitchFamily="18" charset="0"/>
+                              </a:rPr>
+                              <m:t>1,1</m:t>
+                            </m:r>
+                          </m:e>
+                        </m:d>
+                      </m:e>
+                    </m:d>
+                  </m:oMath>
+                </a14:m>
+                <a:r>
+                  <a:rPr lang="en-US" dirty="0"/>
+                  <a:t>, i.e., given a small </a:t>
+                </a:r>
+                <a14:m>
+                  <m:oMath xmlns:m="http://schemas.openxmlformats.org/officeDocument/2006/math">
+                    <m:r>
+                      <a:rPr lang="en-US" i="1">
+                        <a:latin typeface="Cambria Math" panose="02040503050406030204" pitchFamily="18" charset="0"/>
+                      </a:rPr>
+                      <m:t>𝛿</m:t>
+                    </m:r>
+                    <m:r>
+                      <a:rPr lang="en-US" i="1">
+                        <a:latin typeface="Cambria Math" panose="02040503050406030204" pitchFamily="18" charset="0"/>
+                      </a:rPr>
+                      <m:t>≥0</m:t>
+                    </m:r>
+                  </m:oMath>
+                </a14:m>
+                <a:r>
+                  <a:rPr lang="en-US" dirty="0"/>
+                  <a:t>, we want for any projector </a:t>
+                </a:r>
+                <a14:m>
+                  <m:oMath xmlns:m="http://schemas.openxmlformats.org/officeDocument/2006/math">
+                    <m:r>
+                      <a:rPr lang="en-US" i="1">
+                        <a:latin typeface="Cambria Math" panose="02040503050406030204" pitchFamily="18" charset="0"/>
+                      </a:rPr>
+                      <m:t>𝑃</m:t>
+                    </m:r>
+                  </m:oMath>
+                </a14:m>
+                <a:r>
+                  <a:rPr lang="en-US" dirty="0"/>
+                  <a:t>, </a:t>
+                </a:r>
+                <a:br>
+                  <a:rPr lang="en-US" dirty="0"/>
+                </a:br>
+                <a14:m>
+                  <m:oMath xmlns:m="http://schemas.openxmlformats.org/officeDocument/2006/math">
+                    <m:r>
+                      <m:rPr>
+                        <m:nor/>
+                      </m:rPr>
+                      <a:rPr lang="en-US" dirty="0"/>
+                      <m:t>either</m:t>
+                    </m:r>
+                    <m:r>
+                      <a:rPr lang="en-US" i="1" dirty="0">
+                        <a:latin typeface="Cambria Math" panose="02040503050406030204" pitchFamily="18" charset="0"/>
+                      </a:rPr>
+                      <m:t> </m:t>
+                    </m:r>
+                    <m:acc>
+                      <m:accPr>
+                        <m:chr m:val="̅"/>
+                        <m:ctrlPr>
+                          <a:rPr lang="en-US" i="1">
+                            <a:latin typeface="Cambria Math" panose="02040503050406030204" pitchFamily="18" charset="0"/>
+                          </a:rPr>
+                        </m:ctrlPr>
+                      </m:accPr>
+                      <m:e>
+                        <m:r>
+                          <a:rPr lang="en-US" i="1">
+                            <a:latin typeface="Cambria Math" panose="02040503050406030204" pitchFamily="18" charset="0"/>
+                          </a:rPr>
+                          <m:t>𝜇</m:t>
+                        </m:r>
+                      </m:e>
+                    </m:acc>
+                    <m:d>
+                      <m:dPr>
+                        <m:ctrlPr>
+                          <a:rPr lang="en-US" i="1">
+                            <a:latin typeface="Cambria Math" panose="02040503050406030204" pitchFamily="18" charset="0"/>
+                          </a:rPr>
+                        </m:ctrlPr>
+                      </m:dPr>
+                      <m:e>
+                        <m:r>
+                          <a:rPr lang="en-US" i="1">
+                            <a:latin typeface="Cambria Math" panose="02040503050406030204" pitchFamily="18" charset="0"/>
+                          </a:rPr>
+                          <m:t>𝑃</m:t>
+                        </m:r>
+                      </m:e>
+                    </m:d>
+                    <m:r>
+                      <a:rPr lang="en-US" i="1">
+                        <a:latin typeface="Cambria Math" panose="02040503050406030204" pitchFamily="18" charset="0"/>
+                      </a:rPr>
+                      <m:t>⊆</m:t>
+                    </m:r>
+                    <m:d>
+                      <m:dPr>
+                        <m:begChr m:val="["/>
+                        <m:endChr m:val="]"/>
+                        <m:ctrlPr>
+                          <a:rPr lang="en-US" i="1">
+                            <a:latin typeface="Cambria Math" panose="02040503050406030204" pitchFamily="18" charset="0"/>
+                          </a:rPr>
+                        </m:ctrlPr>
+                      </m:dPr>
+                      <m:e>
+                        <m:r>
+                          <a:rPr lang="en-US" i="1">
+                            <a:latin typeface="Cambria Math" panose="02040503050406030204" pitchFamily="18" charset="0"/>
+                          </a:rPr>
+                          <m:t>0,</m:t>
+                        </m:r>
+                        <m:r>
+                          <a:rPr lang="en-US" i="1">
+                            <a:latin typeface="Cambria Math" panose="02040503050406030204" pitchFamily="18" charset="0"/>
+                          </a:rPr>
+                          <m:t>𝛿</m:t>
+                        </m:r>
+                      </m:e>
+                    </m:d>
+                    <m:r>
+                      <m:rPr>
+                        <m:nor/>
+                      </m:rPr>
+                      <a:rPr lang="en-US">
+                        <a:latin typeface="Cambria Math" panose="02040503050406030204" pitchFamily="18" charset="0"/>
+                      </a:rPr>
+                      <m:t> </m:t>
+                    </m:r>
+                    <m:r>
+                      <m:rPr>
+                        <m:nor/>
+                      </m:rPr>
+                      <a:rPr lang="en-US" dirty="0"/>
+                      <m:t>or</m:t>
+                    </m:r>
+                    <m:r>
+                      <a:rPr lang="en-US" i="1" dirty="0">
+                        <a:latin typeface="Cambria Math" panose="02040503050406030204" pitchFamily="18" charset="0"/>
+                      </a:rPr>
+                      <m:t> </m:t>
+                    </m:r>
+                    <m:acc>
+                      <m:accPr>
+                        <m:chr m:val="̅"/>
+                        <m:ctrlPr>
+                          <a:rPr lang="en-US" i="1">
+                            <a:latin typeface="Cambria Math" panose="02040503050406030204" pitchFamily="18" charset="0"/>
+                          </a:rPr>
+                        </m:ctrlPr>
+                      </m:accPr>
+                      <m:e>
+                        <m:r>
+                          <a:rPr lang="en-US" i="1">
+                            <a:latin typeface="Cambria Math" panose="02040503050406030204" pitchFamily="18" charset="0"/>
+                          </a:rPr>
+                          <m:t>𝜇</m:t>
+                        </m:r>
+                      </m:e>
+                    </m:acc>
+                    <m:d>
+                      <m:dPr>
+                        <m:ctrlPr>
+                          <a:rPr lang="en-US" i="1">
+                            <a:latin typeface="Cambria Math" panose="02040503050406030204" pitchFamily="18" charset="0"/>
+                          </a:rPr>
+                        </m:ctrlPr>
+                      </m:dPr>
+                      <m:e>
+                        <m:r>
+                          <a:rPr lang="en-US" i="1">
+                            <a:latin typeface="Cambria Math" panose="02040503050406030204" pitchFamily="18" charset="0"/>
+                          </a:rPr>
+                          <m:t>𝑃</m:t>
+                        </m:r>
+                      </m:e>
+                    </m:d>
+                    <m:r>
+                      <a:rPr lang="en-US" i="1">
+                        <a:latin typeface="Cambria Math" panose="02040503050406030204" pitchFamily="18" charset="0"/>
+                      </a:rPr>
+                      <m:t>⊆</m:t>
+                    </m:r>
+                    <m:d>
+                      <m:dPr>
+                        <m:begChr m:val="["/>
+                        <m:endChr m:val="]"/>
+                        <m:ctrlPr>
+                          <a:rPr lang="en-US" i="1">
+                            <a:latin typeface="Cambria Math" panose="02040503050406030204" pitchFamily="18" charset="0"/>
+                          </a:rPr>
+                        </m:ctrlPr>
+                      </m:dPr>
+                      <m:e>
+                        <m:r>
+                          <a:rPr lang="en-US" i="1">
+                            <a:latin typeface="Cambria Math" panose="02040503050406030204" pitchFamily="18" charset="0"/>
+                          </a:rPr>
+                          <m:t>1−</m:t>
+                        </m:r>
+                        <m:r>
+                          <a:rPr lang="en-US" i="1">
+                            <a:latin typeface="Cambria Math" panose="02040503050406030204" pitchFamily="18" charset="0"/>
+                          </a:rPr>
+                          <m:t>𝛿</m:t>
+                        </m:r>
+                        <m:r>
+                          <a:rPr lang="en-US" i="1">
+                            <a:latin typeface="Cambria Math" panose="02040503050406030204" pitchFamily="18" charset="0"/>
+                          </a:rPr>
+                          <m:t>,1</m:t>
+                        </m:r>
+                      </m:e>
+                    </m:d>
+                    <m:r>
+                      <a:rPr lang="en-US" i="1">
+                        <a:latin typeface="Cambria Math" panose="02040503050406030204" pitchFamily="18" charset="0"/>
+                      </a:rPr>
+                      <m:t> .</m:t>
+                    </m:r>
+                  </m:oMath>
+                </a14:m>
+                <a:endParaRPr lang="en-US" dirty="0"/>
+              </a:p>
+              <a:p>
+                <a:endParaRPr lang="en-US" dirty="0"/>
+              </a:p>
+            </p:txBody>
+          </p:sp>
+        </mc:Choice>
+        <mc:Fallback xmlns="">
+          <p:sp>
+            <p:nvSpPr>
+              <p:cNvPr id="3" name="Content Placeholder 2"/>
+              <p:cNvSpPr>
+                <a:spLocks noGrp="1" noRot="1" noChangeAspect="1" noMove="1" noResize="1" noEditPoints="1" noAdjustHandles="1" noChangeArrowheads="1" noChangeShapeType="1" noTextEdit="1"/>
+              </p:cNvSpPr>
+              <p:nvPr>
+                <p:ph idx="1"/>
+              </p:nvPr>
+            </p:nvSpPr>
+            <p:spPr>
+              <a:xfrm>
+                <a:off x="838200" y="1825625"/>
+                <a:ext cx="10515600" cy="1587276"/>
+              </a:xfrm>
+              <a:blipFill rotWithShape="0">
+                <a:blip r:embed="rId2"/>
+                <a:stretch>
+                  <a:fillRect l="-1043" t="-6130"/>
+                </a:stretch>
+              </a:blipFill>
+            </p:spPr>
+            <p:txBody>
+              <a:bodyPr/>
+              <a:lstStyle/>
+              <a:p>
+                <a:r>
+                  <a:rPr lang="en-US">
+                    <a:noFill/>
+                  </a:rPr>
+                  <a:t> </a:t>
+                </a:r>
+              </a:p>
+            </p:txBody>
+          </p:sp>
+        </mc:Fallback>
+      </mc:AlternateContent>
+      <p:sp>
+        <p:nvSpPr>
+          <p:cNvPr id="4" name="Title 1"/>
+          <p:cNvSpPr txBox="1">
+            <a:spLocks/>
+          </p:cNvSpPr>
+          <p:nvPr/>
+        </p:nvSpPr>
+        <p:spPr>
+          <a:xfrm>
+            <a:off x="838200" y="3412901"/>
+            <a:ext cx="10515600" cy="1325563"/>
+          </a:xfrm>
+          <a:prstGeom prst="rect">
+            <a:avLst/>
+          </a:prstGeom>
+        </p:spPr>
+        <p:txBody>
+          <a:bodyPr vert="horz" lIns="91440" tIns="45720" rIns="91440" bIns="45720" rtlCol="0" anchor="ctr">
+            <a:normAutofit/>
+          </a:bodyPr>
+          <a:lstStyle>
+            <a:lvl1pPr algn="l" defTabSz="914400" rtl="0" eaLnBrk="1" latinLnBrk="0" hangingPunct="1">
+              <a:lnSpc>
+                <a:spcPct val="90000"/>
+              </a:lnSpc>
+              <a:spcBef>
+                <a:spcPct val="0"/>
+              </a:spcBef>
+              <a:buNone/>
+              <a:defRPr sz="4400" kern="1200">
+                <a:solidFill>
+                  <a:schemeClr val="tx1"/>
+                </a:solidFill>
+                <a:latin typeface="+mj-lt"/>
+                <a:ea typeface="+mj-ea"/>
+                <a:cs typeface="+mj-cs"/>
+              </a:defRPr>
+            </a:lvl1pPr>
+          </a:lstStyle>
+          <a:p>
+            <a:r>
+              <a:rPr lang="en-US" dirty="0"/>
+              <a:t>Kochen-Specker Theorem</a:t>
+            </a:r>
+            <a:br>
+              <a:rPr lang="en-US" dirty="0"/>
+            </a:br>
+            <a:r>
+              <a:rPr lang="en-US" dirty="0"/>
+              <a:t>with Finite Precision Measurement</a:t>
+            </a:r>
+          </a:p>
+        </p:txBody>
+      </p:sp>
+      <mc:AlternateContent xmlns:mc="http://schemas.openxmlformats.org/markup-compatibility/2006" xmlns:a14="http://schemas.microsoft.com/office/drawing/2010/main">
+        <mc:Choice Requires="a14">
+          <p:sp>
+            <p:nvSpPr>
+              <p:cNvPr id="5" name="Content Placeholder 2"/>
+              <p:cNvSpPr txBox="1">
+                <a:spLocks/>
+              </p:cNvSpPr>
+              <p:nvPr/>
+            </p:nvSpPr>
+            <p:spPr>
+              <a:xfrm>
+                <a:off x="838200" y="4873401"/>
+                <a:ext cx="10515600" cy="1587276"/>
+              </a:xfrm>
+              <a:prstGeom prst="rect">
+                <a:avLst/>
+              </a:prstGeom>
+            </p:spPr>
+            <p:txBody>
+              <a:bodyPr vert="horz" lIns="91440" tIns="45720" rIns="91440" bIns="45720" rtlCol="0">
+                <a:normAutofit/>
+              </a:bodyPr>
+              <a:lstStyle>
+                <a:lvl1pPr marL="228600" indent="-228600" algn="l" defTabSz="914400" rtl="0" eaLnBrk="1" latinLnBrk="0" hangingPunct="1">
+                  <a:lnSpc>
+                    <a:spcPct val="90000"/>
+                  </a:lnSpc>
+                  <a:spcBef>
+                    <a:spcPts val="1000"/>
+                  </a:spcBef>
+                  <a:buFont typeface="Arial" panose="020B0604020202020204" pitchFamily="34" charset="0"/>
+                  <a:buChar char="•"/>
+                  <a:defRPr sz="2800" kern="1200">
+                    <a:solidFill>
+                      <a:schemeClr val="tx1"/>
+                    </a:solidFill>
+                    <a:latin typeface="+mn-lt"/>
+                    <a:ea typeface="+mn-ea"/>
+                    <a:cs typeface="+mn-cs"/>
+                  </a:defRPr>
+                </a:lvl1pPr>
+                <a:lvl2pPr marL="685800" indent="-228600" algn="l" defTabSz="914400" rtl="0" eaLnBrk="1" latinLnBrk="0" hangingPunct="1">
+                  <a:lnSpc>
+                    <a:spcPct val="90000"/>
+                  </a:lnSpc>
+                  <a:spcBef>
+                    <a:spcPts val="500"/>
+                  </a:spcBef>
+                  <a:buFont typeface="Arial" panose="020B0604020202020204" pitchFamily="34" charset="0"/>
+                  <a:buChar char="•"/>
+                  <a:defRPr sz="2400" kern="1200">
+                    <a:solidFill>
+                      <a:schemeClr val="tx1"/>
+                    </a:solidFill>
+                    <a:latin typeface="+mn-lt"/>
+                    <a:ea typeface="+mn-ea"/>
+                    <a:cs typeface="+mn-cs"/>
+                  </a:defRPr>
+                </a:lvl2pPr>
+                <a:lvl3pPr marL="1143000" indent="-228600" algn="l" defTabSz="914400" rtl="0" eaLnBrk="1" latinLnBrk="0" hangingPunct="1">
+                  <a:lnSpc>
+                    <a:spcPct val="90000"/>
+                  </a:lnSpc>
+                  <a:spcBef>
+                    <a:spcPts val="500"/>
+                  </a:spcBef>
+                  <a:buFont typeface="Arial" panose="020B0604020202020204" pitchFamily="34" charset="0"/>
+                  <a:buChar char="•"/>
+                  <a:defRPr sz="2000" kern="1200">
+                    <a:solidFill>
+                      <a:schemeClr val="tx1"/>
+                    </a:solidFill>
+                    <a:latin typeface="+mn-lt"/>
+                    <a:ea typeface="+mn-ea"/>
+                    <a:cs typeface="+mn-cs"/>
+                  </a:defRPr>
+                </a:lvl3pPr>
+                <a:lvl4pPr marL="1600200" indent="-228600" algn="l" defTabSz="914400" rtl="0" eaLnBrk="1" latinLnBrk="0" hangingPunct="1">
+                  <a:lnSpc>
+                    <a:spcPct val="90000"/>
+                  </a:lnSpc>
+                  <a:spcBef>
+                    <a:spcPts val="500"/>
+                  </a:spcBef>
+                  <a:buFont typeface="Arial" panose="020B0604020202020204" pitchFamily="34" charset="0"/>
+                  <a:buChar char="•"/>
+                  <a:defRPr sz="1800" kern="1200">
+                    <a:solidFill>
+                      <a:schemeClr val="tx1"/>
+                    </a:solidFill>
+                    <a:latin typeface="+mn-lt"/>
+                    <a:ea typeface="+mn-ea"/>
+                    <a:cs typeface="+mn-cs"/>
+                  </a:defRPr>
+                </a:lvl4pPr>
+                <a:lvl5pPr marL="2057400" indent="-228600" algn="l" defTabSz="914400" rtl="0" eaLnBrk="1" latinLnBrk="0" hangingPunct="1">
+                  <a:lnSpc>
+                    <a:spcPct val="90000"/>
+                  </a:lnSpc>
+                  <a:spcBef>
+                    <a:spcPts val="500"/>
+                  </a:spcBef>
+                  <a:buFont typeface="Arial" panose="020B0604020202020204" pitchFamily="34" charset="0"/>
+                  <a:buChar char="•"/>
+                  <a:defRPr sz="1800" kern="1200">
+                    <a:solidFill>
+                      <a:schemeClr val="tx1"/>
+                    </a:solidFill>
+                    <a:latin typeface="+mn-lt"/>
+                    <a:ea typeface="+mn-ea"/>
+                    <a:cs typeface="+mn-cs"/>
+                  </a:defRPr>
+                </a:lvl5pPr>
+                <a:lvl6pPr marL="2514600" indent="-228600" algn="l" defTabSz="914400" rtl="0" eaLnBrk="1" latinLnBrk="0" hangingPunct="1">
+                  <a:lnSpc>
+                    <a:spcPct val="90000"/>
+                  </a:lnSpc>
+                  <a:spcBef>
+                    <a:spcPts val="500"/>
+                  </a:spcBef>
+                  <a:buFont typeface="Arial" panose="020B0604020202020204" pitchFamily="34" charset="0"/>
+                  <a:buChar char="•"/>
+                  <a:defRPr sz="1800" kern="1200">
+                    <a:solidFill>
+                      <a:schemeClr val="tx1"/>
+                    </a:solidFill>
+                    <a:latin typeface="+mn-lt"/>
+                    <a:ea typeface="+mn-ea"/>
+                    <a:cs typeface="+mn-cs"/>
+                  </a:defRPr>
+                </a:lvl6pPr>
+                <a:lvl7pPr marL="2971800" indent="-228600" algn="l" defTabSz="914400" rtl="0" eaLnBrk="1" latinLnBrk="0" hangingPunct="1">
+                  <a:lnSpc>
+                    <a:spcPct val="90000"/>
+                  </a:lnSpc>
+                  <a:spcBef>
+                    <a:spcPts val="500"/>
+                  </a:spcBef>
+                  <a:buFont typeface="Arial" panose="020B0604020202020204" pitchFamily="34" charset="0"/>
+                  <a:buChar char="•"/>
+                  <a:defRPr sz="1800" kern="1200">
+                    <a:solidFill>
+                      <a:schemeClr val="tx1"/>
+                    </a:solidFill>
+                    <a:latin typeface="+mn-lt"/>
+                    <a:ea typeface="+mn-ea"/>
+                    <a:cs typeface="+mn-cs"/>
+                  </a:defRPr>
+                </a:lvl7pPr>
+                <a:lvl8pPr marL="3429000" indent="-228600" algn="l" defTabSz="914400" rtl="0" eaLnBrk="1" latinLnBrk="0" hangingPunct="1">
+                  <a:lnSpc>
+                    <a:spcPct val="90000"/>
+                  </a:lnSpc>
+                  <a:spcBef>
+                    <a:spcPts val="500"/>
+                  </a:spcBef>
+                  <a:buFont typeface="Arial" panose="020B0604020202020204" pitchFamily="34" charset="0"/>
+                  <a:buChar char="•"/>
+                  <a:defRPr sz="1800" kern="1200">
+                    <a:solidFill>
+                      <a:schemeClr val="tx1"/>
+                    </a:solidFill>
+                    <a:latin typeface="+mn-lt"/>
+                    <a:ea typeface="+mn-ea"/>
+                    <a:cs typeface="+mn-cs"/>
+                  </a:defRPr>
+                </a:lvl8pPr>
+                <a:lvl9pPr marL="3886200" indent="-228600" algn="l" defTabSz="914400" rtl="0" eaLnBrk="1" latinLnBrk="0" hangingPunct="1">
+                  <a:lnSpc>
+                    <a:spcPct val="90000"/>
+                  </a:lnSpc>
+                  <a:spcBef>
+                    <a:spcPts val="500"/>
+                  </a:spcBef>
+                  <a:buFont typeface="Arial" panose="020B0604020202020204" pitchFamily="34" charset="0"/>
+                  <a:buChar char="•"/>
+                  <a:defRPr sz="1800" kern="1200">
+                    <a:solidFill>
+                      <a:schemeClr val="tx1"/>
+                    </a:solidFill>
+                    <a:latin typeface="+mn-lt"/>
+                    <a:ea typeface="+mn-ea"/>
+                    <a:cs typeface="+mn-cs"/>
+                  </a:defRPr>
+                </a:lvl9pPr>
+              </a:lstStyle>
+              <a:p>
+                <a:pPr marL="0" indent="0">
+                  <a:buNone/>
+                </a:pPr>
+                <a:r>
+                  <a:rPr lang="en-US" b="1" dirty="0"/>
+                  <a:t>Theorem</a:t>
+                </a:r>
+                <a:r>
+                  <a:rPr lang="en-US" dirty="0"/>
+                  <a:t> There is no </a:t>
+                </a:r>
+                <a14:m>
+                  <m:oMath xmlns:m="http://schemas.openxmlformats.org/officeDocument/2006/math">
+                    <m:acc>
+                      <m:accPr>
+                        <m:chr m:val="̅"/>
+                        <m:ctrlPr>
+                          <a:rPr lang="en-US" i="1">
+                            <a:latin typeface="Cambria Math" panose="02040503050406030204" pitchFamily="18" charset="0"/>
+                          </a:rPr>
+                        </m:ctrlPr>
+                      </m:accPr>
+                      <m:e>
+                        <m:r>
+                          <a:rPr lang="en-US" i="1">
+                            <a:latin typeface="Cambria Math" panose="02040503050406030204" pitchFamily="18" charset="0"/>
+                          </a:rPr>
+                          <m:t>𝜇</m:t>
+                        </m:r>
+                      </m:e>
+                    </m:acc>
+                  </m:oMath>
+                </a14:m>
+                <a:r>
+                  <a:rPr lang="en-US" dirty="0"/>
+                  <a:t> when </a:t>
+                </a:r>
+                <a14:m>
+                  <m:oMath xmlns:m="http://schemas.openxmlformats.org/officeDocument/2006/math">
+                    <m:r>
+                      <a:rPr lang="en-US" i="1">
+                        <a:latin typeface="Cambria Math" panose="02040503050406030204" pitchFamily="18" charset="0"/>
+                      </a:rPr>
+                      <m:t>𝛿</m:t>
+                    </m:r>
+                    <m:r>
+                      <a:rPr lang="en-US" i="1">
+                        <a:latin typeface="Cambria Math" panose="02040503050406030204" pitchFamily="18" charset="0"/>
+                      </a:rPr>
+                      <m:t>&lt;1/3</m:t>
+                    </m:r>
+                  </m:oMath>
+                </a14:m>
+                <a:r>
+                  <a:rPr lang="en-US" dirty="0"/>
+                  <a:t>.</a:t>
+                </a:r>
+              </a:p>
+              <a:p>
+                <a:endParaRPr lang="en-US" dirty="0"/>
+              </a:p>
+            </p:txBody>
+          </p:sp>
+        </mc:Choice>
+        <mc:Fallback xmlns="">
+          <p:sp>
+            <p:nvSpPr>
+              <p:cNvPr id="5" name="Content Placeholder 2"/>
+              <p:cNvSpPr txBox="1">
+                <a:spLocks noRot="1" noChangeAspect="1" noMove="1" noResize="1" noEditPoints="1" noAdjustHandles="1" noChangeArrowheads="1" noChangeShapeType="1" noTextEdit="1"/>
+              </p:cNvSpPr>
+              <p:nvPr/>
+            </p:nvSpPr>
+            <p:spPr>
+              <a:xfrm>
+                <a:off x="838200" y="4873401"/>
+                <a:ext cx="10515600" cy="1587276"/>
+              </a:xfrm>
+              <a:prstGeom prst="rect">
+                <a:avLst/>
+              </a:prstGeom>
+              <a:blipFill rotWithShape="0">
+                <a:blip r:embed="rId3"/>
+                <a:stretch>
+                  <a:fillRect l="-1217" t="-6130"/>
+                </a:stretch>
+              </a:blipFill>
+            </p:spPr>
+            <p:txBody>
+              <a:bodyPr/>
+              <a:lstStyle/>
+              <a:p>
+                <a:r>
+                  <a:rPr lang="en-US">
+                    <a:noFill/>
+                  </a:rPr>
+                  <a:t> </a:t>
+                </a:r>
+              </a:p>
+            </p:txBody>
+          </p:sp>
+        </mc:Fallback>
+      </mc:AlternateContent>
+    </p:spTree>
+    <p:extLst>
+      <p:ext uri="{BB962C8B-B14F-4D97-AF65-F5344CB8AC3E}">
+        <p14:creationId xmlns:p14="http://schemas.microsoft.com/office/powerpoint/2010/main" val="1088294491"/>
+      </p:ext>
+    </p:extLst>
+  </p:cSld>
+  <p:clrMapOvr>
+    <a:masterClrMapping/>
+  </p:clrMapOvr>
+  <p:timing>
+    <p:tnLst>
+      <p:par>
+        <p:cTn id="1" dur="indefinite" restart="never" nodeType="tmRoot"/>
+      </p:par>
+    </p:tnLst>
+  </p:timing>
+</p:sld>
+</file>
+
+<file path=ppt/slides/slide21.xml><?xml version="1.0" encoding="utf-8"?>
+<p:sld xmlns:a="http://schemas.openxmlformats.org/drawingml/2006/main" xmlns:r="http://schemas.openxmlformats.org/officeDocument/2006/relationships" xmlns:p="http://schemas.openxmlformats.org/presentationml/2006/main">
+  <p:cSld>
+    <p:spTree>
+      <p:nvGrpSpPr>
+        <p:cNvPr id="1" name=""/>
+        <p:cNvGrpSpPr/>
+        <p:nvPr/>
+      </p:nvGrpSpPr>
+      <p:grpSpPr>
+        <a:xfrm>
+          <a:off x="0" y="0"/>
+          <a:ext cx="0" cy="0"/>
+          <a:chOff x="0" y="0"/>
+          <a:chExt cx="0" cy="0"/>
+        </a:xfrm>
+      </p:grpSpPr>
+      <p:sp>
+        <p:nvSpPr>
+          <p:cNvPr id="2" name="Title 1"/>
+          <p:cNvSpPr>
+            <a:spLocks noGrp="1"/>
+          </p:cNvSpPr>
+          <p:nvPr>
+            <p:ph type="title"/>
+          </p:nvPr>
+        </p:nvSpPr>
+        <p:spPr/>
+        <p:txBody>
+          <a:bodyPr/>
+          <a:lstStyle/>
+          <a:p>
+            <a:r>
+              <a:rPr lang="en-US" dirty="0"/>
               <a:t>Kochen-Specker </a:t>
             </a:r>
             <a:r>
@@ -16513,7 +15504,7 @@
 </p:sld>
 </file>
 
-<file path=ppt/slides/slide21.xml><?xml version="1.0" encoding="utf-8"?>
+<file path=ppt/slides/slide22.xml><?xml version="1.0" encoding="utf-8"?>
 <p:sld xmlns:a="http://schemas.openxmlformats.org/drawingml/2006/main" xmlns:r="http://schemas.openxmlformats.org/officeDocument/2006/relationships" xmlns:p="http://schemas.openxmlformats.org/presentationml/2006/main">
   <p:cSld>
     <p:spTree>
@@ -27268,8 +26259,8 @@
           </a:p>
         </p:txBody>
       </p:sp>
-      <mc:AlternateContent xmlns:mc="http://schemas.openxmlformats.org/markup-compatibility/2006" xmlns:a14="http://schemas.microsoft.com/office/drawing/2010/main">
-        <mc:Choice Requires="a14">
+      <mc:AlternateContent xmlns:mc="http://schemas.openxmlformats.org/markup-compatibility/2006">
+        <mc:Choice xmlns:a14="http://schemas.microsoft.com/office/drawing/2010/main" Requires="a14">
           <p:sp>
             <p:nvSpPr>
               <p:cNvPr id="6" name="Content Placeholder 5"/>
@@ -28307,7 +27298,7 @@
             </p:txBody>
           </p:sp>
         </mc:Choice>
-        <mc:Fallback xmlns="">
+        <mc:Fallback>
           <p:sp>
             <p:nvSpPr>
               <p:cNvPr id="6" name="Content Placeholder 5"/>

--- a/prop_letter.pptx
+++ b/prop_letter.pptx
@@ -5,10 +5,10 @@
     <p:sldMasterId id="2147483648" r:id="rId1"/>
   </p:sldMasterIdLst>
   <p:notesMasterIdLst>
-    <p:notesMasterId r:id="rId24"/>
+    <p:notesMasterId r:id="rId26"/>
   </p:notesMasterIdLst>
   <p:handoutMasterIdLst>
-    <p:handoutMasterId r:id="rId25"/>
+    <p:handoutMasterId r:id="rId27"/>
   </p:handoutMasterIdLst>
   <p:sldIdLst>
     <p:sldId id="256" r:id="rId2"/>
@@ -24,15 +24,17 @@
     <p:sldId id="283" r:id="rId12"/>
     <p:sldId id="285" r:id="rId13"/>
     <p:sldId id="287" r:id="rId14"/>
-    <p:sldId id="276" r:id="rId15"/>
-    <p:sldId id="278" r:id="rId16"/>
-    <p:sldId id="281" r:id="rId17"/>
-    <p:sldId id="280" r:id="rId18"/>
-    <p:sldId id="273" r:id="rId19"/>
-    <p:sldId id="274" r:id="rId20"/>
-    <p:sldId id="275" r:id="rId21"/>
-    <p:sldId id="259" r:id="rId22"/>
-    <p:sldId id="260" r:id="rId23"/>
+    <p:sldId id="288" r:id="rId15"/>
+    <p:sldId id="276" r:id="rId16"/>
+    <p:sldId id="278" r:id="rId17"/>
+    <p:sldId id="289" r:id="rId18"/>
+    <p:sldId id="281" r:id="rId19"/>
+    <p:sldId id="280" r:id="rId20"/>
+    <p:sldId id="273" r:id="rId21"/>
+    <p:sldId id="274" r:id="rId22"/>
+    <p:sldId id="275" r:id="rId23"/>
+    <p:sldId id="259" r:id="rId24"/>
+    <p:sldId id="260" r:id="rId25"/>
   </p:sldIdLst>
   <p:sldSz cx="12192000" cy="6858000"/>
   <p:notesSz cx="6858000" cy="9144000"/>
@@ -157,12 +159,14 @@
             <p14:sldId id="283"/>
             <p14:sldId id="285"/>
             <p14:sldId id="287"/>
+            <p14:sldId id="288"/>
           </p14:sldIdLst>
         </p14:section>
         <p14:section name="Convexity, core, and Gleason's theorem" id="{EB4A07DE-6FD2-458B-84FD-CF318EF1C82A}">
           <p14:sldIdLst>
             <p14:sldId id="276"/>
             <p14:sldId id="278"/>
+            <p14:sldId id="289"/>
           </p14:sldIdLst>
         </p14:section>
         <p14:section name="Expectation Value" id="{95A84B62-3EDD-4027-9F89-8BA5CDC87F1A}">
@@ -1046,7 +1050,7 @@
           <a:p>
             <a:fld id="{553141C9-E3AF-4773-84E5-4C6860670B56}" type="slidenum">
               <a:rPr lang="en-US" smtClean="0"/>
-              <a:t>21</a:t>
+              <a:t>23</a:t>
             </a:fld>
             <a:endParaRPr lang="en-US"/>
           </a:p>
@@ -1130,7 +1134,7 @@
           <a:p>
             <a:fld id="{553141C9-E3AF-4773-84E5-4C6860670B56}" type="slidenum">
               <a:rPr lang="en-US" smtClean="0"/>
-              <a:t>22</a:t>
+              <a:t>24</a:t>
             </a:fld>
             <a:endParaRPr lang="en-US"/>
           </a:p>
@@ -5309,15 +5313,7 @@
                 </a:r>
                 <a:r>
                   <a:rPr lang="en-US" dirty="0" smtClean="0"/>
-                  <a:t>Gleason’s </a:t>
-                </a:r>
-                <a:r>
-                  <a:rPr lang="en-US" smtClean="0"/>
-                  <a:t>theorem are applied</a:t>
-                </a:r>
-                <a:r>
-                  <a:rPr lang="en-US" dirty="0" smtClean="0"/>
-                  <a:t>.</a:t>
+                  <a:t>Gleason’s theorem are applied.</a:t>
                 </a:r>
                 <a:endParaRPr lang="en-US" dirty="0"/>
               </a:p>
@@ -5484,8 +5480,8 @@
           </a:p>
         </p:txBody>
       </p:sp>
-      <mc:AlternateContent xmlns:mc="http://schemas.openxmlformats.org/markup-compatibility/2006">
-        <mc:Choice xmlns:a14="http://schemas.microsoft.com/office/drawing/2010/main" Requires="a14">
+      <mc:AlternateContent xmlns:mc="http://schemas.openxmlformats.org/markup-compatibility/2006" xmlns:a14="http://schemas.microsoft.com/office/drawing/2010/main">
+        <mc:Choice Requires="a14">
           <p:sp>
             <p:nvSpPr>
               <p:cNvPr id="3" name="Content Placeholder 2"/>
@@ -6075,11 +6071,7 @@
                 </a:r>
                 <a:r>
                   <a:rPr lang="en-US" dirty="0"/>
-                  <a:t>we have</a:t>
-                </a:r>
-                <a:r>
-                  <a:rPr lang="en-US" dirty="0"/>
-                  <a:t> </a:t>
+                  <a:t>we have </a:t>
                 </a:r>
                 <a14:m>
                   <m:oMath xmlns:m="http://schemas.openxmlformats.org/officeDocument/2006/math">
@@ -6195,7 +6187,7 @@
             </p:txBody>
           </p:sp>
         </mc:Choice>
-        <mc:Fallback>
+        <mc:Fallback xmlns="">
           <p:sp>
             <p:nvSpPr>
               <p:cNvPr id="3" name="Content Placeholder 2"/>
@@ -6250,6 +6242,951 @@
 </file>
 
 <file path=ppt/slides/slide14.xml><?xml version="1.0" encoding="utf-8"?>
+<p:sld xmlns:a="http://schemas.openxmlformats.org/drawingml/2006/main" xmlns:r="http://schemas.openxmlformats.org/officeDocument/2006/relationships" xmlns:p="http://schemas.openxmlformats.org/presentationml/2006/main">
+  <p:cSld>
+    <p:spTree>
+      <p:nvGrpSpPr>
+        <p:cNvPr id="1" name=""/>
+        <p:cNvGrpSpPr/>
+        <p:nvPr/>
+      </p:nvGrpSpPr>
+      <p:grpSpPr>
+        <a:xfrm>
+          <a:off x="0" y="0"/>
+          <a:ext cx="0" cy="0"/>
+          <a:chOff x="0" y="0"/>
+          <a:chExt cx="0" cy="0"/>
+        </a:xfrm>
+      </p:grpSpPr>
+      <p:sp>
+        <p:nvSpPr>
+          <p:cNvPr id="2" name="Title 1"/>
+          <p:cNvSpPr>
+            <a:spLocks noGrp="1"/>
+          </p:cNvSpPr>
+          <p:nvPr>
+            <p:ph type="title"/>
+          </p:nvPr>
+        </p:nvSpPr>
+        <p:spPr/>
+        <p:txBody>
+          <a:bodyPr/>
+          <a:lstStyle/>
+          <a:p>
+            <a:r>
+              <a:rPr lang="en-US" dirty="0"/>
+              <a:t>Classical Limit:</a:t>
+            </a:r>
+            <a:br>
+              <a:rPr lang="en-US" dirty="0"/>
+            </a:br>
+            <a:r>
+              <a:rPr lang="en-US" dirty="0"/>
+              <a:t>On a commuting sub-event space</a:t>
+            </a:r>
+            <a:endParaRPr lang="en-US" dirty="0">
+              <a:solidFill>
+                <a:srgbClr val="FF0000"/>
+              </a:solidFill>
+            </a:endParaRPr>
+          </a:p>
+        </p:txBody>
+      </p:sp>
+      <p:sp>
+        <p:nvSpPr>
+          <p:cNvPr id="3" name="Text Placeholder 2"/>
+          <p:cNvSpPr>
+            <a:spLocks noGrp="1"/>
+          </p:cNvSpPr>
+          <p:nvPr>
+            <p:ph type="body" idx="1"/>
+          </p:nvPr>
+        </p:nvSpPr>
+        <p:spPr/>
+        <p:txBody>
+          <a:bodyPr/>
+          <a:lstStyle/>
+          <a:p>
+            <a:r>
+              <a:rPr lang="en-US" dirty="0" smtClean="0">
+                <a:solidFill>
+                  <a:srgbClr val="FF0000"/>
+                </a:solidFill>
+              </a:rPr>
+              <a:t>Classical</a:t>
+            </a:r>
+            <a:r>
+              <a:rPr lang="en-US" dirty="0" smtClean="0"/>
+              <a:t> </a:t>
+            </a:r>
+            <a:r>
+              <a:rPr lang="en-US" dirty="0" smtClean="0"/>
+              <a:t>Interval-Valued </a:t>
+            </a:r>
+            <a:r>
+              <a:rPr lang="en-US" dirty="0" smtClean="0"/>
+              <a:t>Probability Measure (</a:t>
+            </a:r>
+            <a:r>
+              <a:rPr lang="en-US" dirty="0" smtClean="0">
+                <a:solidFill>
+                  <a:srgbClr val="FF0000"/>
+                </a:solidFill>
+              </a:rPr>
+              <a:t>C</a:t>
+            </a:r>
+            <a:r>
+              <a:rPr lang="en-US" dirty="0" smtClean="0"/>
+              <a:t>IVPM</a:t>
+            </a:r>
+            <a:r>
+              <a:rPr lang="en-US" dirty="0" smtClean="0"/>
+              <a:t>)</a:t>
+            </a:r>
+            <a:endParaRPr lang="en-US" dirty="0"/>
+          </a:p>
+        </p:txBody>
+      </p:sp>
+      <mc:AlternateContent xmlns:mc="http://schemas.openxmlformats.org/markup-compatibility/2006">
+        <mc:Choice xmlns:a14="http://schemas.microsoft.com/office/drawing/2010/main" Requires="a14">
+          <p:sp>
+            <p:nvSpPr>
+              <p:cNvPr id="4" name="Content Placeholder 3"/>
+              <p:cNvSpPr>
+                <a:spLocks noGrp="1"/>
+              </p:cNvSpPr>
+              <p:nvPr>
+                <p:ph sz="half" idx="2"/>
+              </p:nvPr>
+            </p:nvSpPr>
+            <p:spPr/>
+            <p:txBody>
+              <a:bodyPr>
+                <a:normAutofit fontScale="92500"/>
+              </a:bodyPr>
+              <a:lstStyle/>
+              <a:p>
+                <a:pPr>
+                  <a:lnSpc>
+                    <a:spcPct val="95000"/>
+                  </a:lnSpc>
+                </a:pPr>
+                <a14:m>
+                  <m:oMath xmlns:m="http://schemas.openxmlformats.org/officeDocument/2006/math">
+                    <m:r>
+                      <a:rPr lang="en-US" i="1" smtClean="0">
+                        <a:latin typeface="Cambria Math" panose="02040503050406030204" pitchFamily="18" charset="0"/>
+                        <a:ea typeface="Cambria Math" panose="02040503050406030204" pitchFamily="18" charset="0"/>
+                      </a:rPr>
+                      <m:t>ℰ</m:t>
+                    </m:r>
+                    <m:r>
+                      <a:rPr lang="en-US">
+                        <a:latin typeface="Cambria Math" panose="02040503050406030204" pitchFamily="18" charset="0"/>
+                        <a:ea typeface="Cambria Math" panose="02040503050406030204" pitchFamily="18" charset="0"/>
+                      </a:rPr>
+                      <m:t>=</m:t>
+                    </m:r>
+                    <m:d>
+                      <m:dPr>
+                        <m:begChr m:val="{"/>
+                        <m:endChr m:val="}"/>
+                        <m:ctrlPr>
+                          <a:rPr lang="en-US" b="0" i="1" smtClean="0">
+                            <a:solidFill>
+                              <a:srgbClr val="FF0000"/>
+                            </a:solidFill>
+                            <a:latin typeface="Cambria Math" panose="02040503050406030204" pitchFamily="18" charset="0"/>
+                            <a:ea typeface="Cambria Math" panose="02040503050406030204" pitchFamily="18" charset="0"/>
+                          </a:rPr>
+                        </m:ctrlPr>
+                      </m:dPr>
+                      <m:e>
+                        <m:r>
+                          <m:rPr>
+                            <m:nor/>
+                          </m:rPr>
+                          <a:rPr lang="en-US" b="0" i="0" smtClean="0">
+                            <a:solidFill>
+                              <a:srgbClr val="FF0000"/>
+                            </a:solidFill>
+                            <a:latin typeface="Cambria Math" panose="02040503050406030204" pitchFamily="18" charset="0"/>
+                            <a:ea typeface="Cambria Math" panose="02040503050406030204" pitchFamily="18" charset="0"/>
+                          </a:rPr>
+                          <m:t>all</m:t>
+                        </m:r>
+                        <m:r>
+                          <m:rPr>
+                            <m:nor/>
+                          </m:rPr>
+                          <a:rPr lang="en-US" b="0" i="0" smtClean="0">
+                            <a:solidFill>
+                              <a:srgbClr val="FF0000"/>
+                            </a:solidFill>
+                            <a:latin typeface="Cambria Math" panose="02040503050406030204" pitchFamily="18" charset="0"/>
+                            <a:ea typeface="Cambria Math" panose="02040503050406030204" pitchFamily="18" charset="0"/>
+                          </a:rPr>
+                          <m:t> </m:t>
+                        </m:r>
+                        <m:r>
+                          <m:rPr>
+                            <m:nor/>
+                          </m:rPr>
+                          <a:rPr lang="en-US" b="0" i="0" smtClean="0">
+                            <a:solidFill>
+                              <a:srgbClr val="FF0000"/>
+                            </a:solidFill>
+                            <a:latin typeface="Cambria Math" panose="02040503050406030204" pitchFamily="18" charset="0"/>
+                            <a:ea typeface="Cambria Math" panose="02040503050406030204" pitchFamily="18" charset="0"/>
+                          </a:rPr>
+                          <m:t>subsets</m:t>
+                        </m:r>
+                        <m:r>
+                          <m:rPr>
+                            <m:nor/>
+                          </m:rPr>
+                          <a:rPr lang="en-US" b="0" i="0" smtClean="0">
+                            <a:solidFill>
+                              <a:srgbClr val="FF0000"/>
+                            </a:solidFill>
+                            <a:latin typeface="Cambria Math" panose="02040503050406030204" pitchFamily="18" charset="0"/>
+                            <a:ea typeface="Cambria Math" panose="02040503050406030204" pitchFamily="18" charset="0"/>
+                          </a:rPr>
+                          <m:t> </m:t>
+                        </m:r>
+                        <m:r>
+                          <m:rPr>
+                            <m:nor/>
+                          </m:rPr>
+                          <a:rPr lang="en-US" b="0" i="0" smtClean="0">
+                            <a:solidFill>
+                              <a:srgbClr val="FF0000"/>
+                            </a:solidFill>
+                            <a:latin typeface="Cambria Math" panose="02040503050406030204" pitchFamily="18" charset="0"/>
+                            <a:ea typeface="Cambria Math" panose="02040503050406030204" pitchFamily="18" charset="0"/>
+                          </a:rPr>
+                          <m:t>of</m:t>
+                        </m:r>
+                        <m:r>
+                          <m:rPr>
+                            <m:nor/>
+                          </m:rPr>
+                          <a:rPr lang="en-US" b="0" i="0" smtClean="0">
+                            <a:solidFill>
+                              <a:srgbClr val="FF0000"/>
+                            </a:solidFill>
+                            <a:latin typeface="Cambria Math" panose="02040503050406030204" pitchFamily="18" charset="0"/>
+                            <a:ea typeface="Cambria Math" panose="02040503050406030204" pitchFamily="18" charset="0"/>
+                          </a:rPr>
+                          <m:t> </m:t>
+                        </m:r>
+                        <m:r>
+                          <m:rPr>
+                            <m:nor/>
+                          </m:rPr>
+                          <a:rPr lang="en-US" b="0" i="0" smtClean="0">
+                            <a:solidFill>
+                              <a:srgbClr val="FF0000"/>
+                            </a:solidFill>
+                            <a:latin typeface="Cambria Math" panose="02040503050406030204" pitchFamily="18" charset="0"/>
+                            <a:ea typeface="Cambria Math" panose="02040503050406030204" pitchFamily="18" charset="0"/>
+                          </a:rPr>
+                          <m:t>the</m:t>
+                        </m:r>
+                        <m:r>
+                          <m:rPr>
+                            <m:nor/>
+                          </m:rPr>
+                          <a:rPr lang="en-US" b="0" i="0" smtClean="0">
+                            <a:solidFill>
+                              <a:srgbClr val="FF0000"/>
+                            </a:solidFill>
+                            <a:latin typeface="Cambria Math" panose="02040503050406030204" pitchFamily="18" charset="0"/>
+                            <a:ea typeface="Cambria Math" panose="02040503050406030204" pitchFamily="18" charset="0"/>
+                          </a:rPr>
+                          <m:t> </m:t>
+                        </m:r>
+                        <m:r>
+                          <m:rPr>
+                            <m:nor/>
+                          </m:rPr>
+                          <a:rPr lang="en-US" b="0" i="0" smtClean="0">
+                            <a:solidFill>
+                              <a:srgbClr val="FF0000"/>
+                            </a:solidFill>
+                            <a:latin typeface="Cambria Math" panose="02040503050406030204" pitchFamily="18" charset="0"/>
+                            <a:ea typeface="Cambria Math" panose="02040503050406030204" pitchFamily="18" charset="0"/>
+                          </a:rPr>
+                          <m:t>sample</m:t>
+                        </m:r>
+                        <m:r>
+                          <m:rPr>
+                            <m:nor/>
+                          </m:rPr>
+                          <a:rPr lang="en-US" b="0" i="0" smtClean="0">
+                            <a:solidFill>
+                              <a:srgbClr val="FF0000"/>
+                            </a:solidFill>
+                            <a:latin typeface="Cambria Math" panose="02040503050406030204" pitchFamily="18" charset="0"/>
+                            <a:ea typeface="Cambria Math" panose="02040503050406030204" pitchFamily="18" charset="0"/>
+                          </a:rPr>
+                          <m:t> </m:t>
+                        </m:r>
+                        <m:r>
+                          <m:rPr>
+                            <m:nor/>
+                          </m:rPr>
+                          <a:rPr lang="en-US" b="0" i="0" smtClean="0">
+                            <a:solidFill>
+                              <a:srgbClr val="FF0000"/>
+                            </a:solidFill>
+                            <a:latin typeface="Cambria Math" panose="02040503050406030204" pitchFamily="18" charset="0"/>
+                            <a:ea typeface="Cambria Math" panose="02040503050406030204" pitchFamily="18" charset="0"/>
+                          </a:rPr>
+                          <m:t>space</m:t>
+                        </m:r>
+                        <m:r>
+                          <m:rPr>
+                            <m:nor/>
+                          </m:rPr>
+                          <a:rPr lang="en-US" b="0" i="0" smtClean="0">
+                            <a:solidFill>
+                              <a:srgbClr val="FF0000"/>
+                            </a:solidFill>
+                            <a:latin typeface="Cambria Math" panose="02040503050406030204" pitchFamily="18" charset="0"/>
+                            <a:ea typeface="Cambria Math" panose="02040503050406030204" pitchFamily="18" charset="0"/>
+                          </a:rPr>
+                          <m:t> </m:t>
+                        </m:r>
+                        <m:r>
+                          <m:rPr>
+                            <m:sty m:val="p"/>
+                          </m:rPr>
+                          <a:rPr lang="en-US" b="0" i="0" smtClean="0">
+                            <a:solidFill>
+                              <a:srgbClr val="FF0000"/>
+                            </a:solidFill>
+                            <a:latin typeface="Cambria Math" panose="02040503050406030204" pitchFamily="18" charset="0"/>
+                            <a:ea typeface="Cambria Math" panose="02040503050406030204" pitchFamily="18" charset="0"/>
+                          </a:rPr>
+                          <m:t>Ω</m:t>
+                        </m:r>
+                      </m:e>
+                    </m:d>
+                  </m:oMath>
+                </a14:m>
+                <a:endParaRPr lang="en-US" dirty="0" smtClean="0"/>
+              </a:p>
+              <a:p>
+                <a:pPr>
+                  <a:lnSpc>
+                    <a:spcPct val="95000"/>
+                  </a:lnSpc>
+                </a:pPr>
+                <a14:m>
+                  <m:oMath xmlns:m="http://schemas.openxmlformats.org/officeDocument/2006/math">
+                    <m:bar>
+                      <m:barPr>
+                        <m:pos m:val="top"/>
+                        <m:ctrlPr>
+                          <a:rPr lang="en-US" i="1">
+                            <a:latin typeface="Cambria Math" panose="02040503050406030204" pitchFamily="18" charset="0"/>
+                          </a:rPr>
+                        </m:ctrlPr>
+                      </m:barPr>
+                      <m:e>
+                        <m:r>
+                          <a:rPr lang="en-US" i="1">
+                            <a:latin typeface="Cambria Math" panose="02040503050406030204" pitchFamily="18" charset="0"/>
+                          </a:rPr>
+                          <m:t>𝜇</m:t>
+                        </m:r>
+                      </m:e>
+                    </m:bar>
+                    <m:r>
+                      <a:rPr lang="en-US" i="1">
+                        <a:latin typeface="Cambria Math" panose="02040503050406030204" pitchFamily="18" charset="0"/>
+                      </a:rPr>
+                      <m:t>:</m:t>
+                    </m:r>
+                    <m:r>
+                      <a:rPr lang="en-US" i="1">
+                        <a:latin typeface="Cambria Math" panose="02040503050406030204" pitchFamily="18" charset="0"/>
+                        <a:ea typeface="Cambria Math" panose="02040503050406030204" pitchFamily="18" charset="0"/>
+                      </a:rPr>
+                      <m:t>ℰ</m:t>
+                    </m:r>
+                    <m:r>
+                      <a:rPr lang="en-US">
+                        <a:latin typeface="Cambria Math" panose="02040503050406030204" pitchFamily="18" charset="0"/>
+                        <a:ea typeface="Cambria Math" panose="02040503050406030204" pitchFamily="18" charset="0"/>
+                      </a:rPr>
+                      <m:t>→</m:t>
+                    </m:r>
+                    <m:d>
+                      <m:dPr>
+                        <m:begChr m:val=""/>
+                        <m:endChr m:val=""/>
+                        <m:ctrlPr>
+                          <a:rPr lang="en-US" i="1" smtClean="0">
+                            <a:solidFill>
+                              <a:schemeClr val="tx1"/>
+                            </a:solidFill>
+                            <a:latin typeface="Cambria Math" panose="02040503050406030204" pitchFamily="18" charset="0"/>
+                            <a:ea typeface="Cambria Math" panose="02040503050406030204" pitchFamily="18" charset="0"/>
+                            <a:cs typeface="XITS Math" panose="02000503000000000000" pitchFamily="50" charset="0"/>
+                          </a:rPr>
+                        </m:ctrlPr>
+                      </m:dPr>
+                      <m:e>
+                        <m:r>
+                          <a:rPr lang="en-US" i="1">
+                            <a:solidFill>
+                              <a:schemeClr val="tx1"/>
+                            </a:solidFill>
+                            <a:latin typeface="XITS Math" panose="02000503000000000000" pitchFamily="50" charset="0"/>
+                            <a:ea typeface="XITS Math" panose="02000503000000000000" pitchFamily="50" charset="0"/>
+                            <a:cs typeface="XITS Math" panose="02000503000000000000" pitchFamily="50" charset="0"/>
+                          </a:rPr>
+                          <m:t>ℐ</m:t>
+                        </m:r>
+                      </m:e>
+                    </m:d>
+                  </m:oMath>
+                </a14:m>
+                <a:endParaRPr lang="en-US" i="1" dirty="0" smtClean="0">
+                  <a:solidFill>
+                    <a:schemeClr val="accent2"/>
+                  </a:solidFill>
+                  <a:latin typeface="Cambria Math" panose="02040503050406030204" pitchFamily="18" charset="0"/>
+                  <a:ea typeface="Cambria Math" panose="02040503050406030204" pitchFamily="18" charset="0"/>
+                </a:endParaRPr>
+              </a:p>
+              <a:p>
+                <a:pPr>
+                  <a:lnSpc>
+                    <a:spcPct val="95000"/>
+                  </a:lnSpc>
+                </a:pPr>
+                <a:endParaRPr lang="en-US" dirty="0" smtClean="0"/>
+              </a:p>
+              <a:p>
+                <a:pPr>
+                  <a:lnSpc>
+                    <a:spcPct val="95000"/>
+                  </a:lnSpc>
+                </a:pPr>
+                <a:endParaRPr lang="en-US" dirty="0"/>
+              </a:p>
+              <a:p>
+                <a:pPr>
+                  <a:lnSpc>
+                    <a:spcPct val="95000"/>
+                  </a:lnSpc>
+                </a:pPr>
+                <a:endParaRPr lang="en-US" dirty="0" smtClean="0"/>
+              </a:p>
+              <a:p>
+                <a:pPr>
+                  <a:lnSpc>
+                    <a:spcPct val="95000"/>
+                  </a:lnSpc>
+                </a:pPr>
+                <a:r>
+                  <a:rPr lang="en-US" dirty="0" smtClean="0"/>
+                  <a:t>Convexity and core can be defined.</a:t>
+                </a:r>
+                <a:endParaRPr lang="en-US" dirty="0"/>
+              </a:p>
+            </p:txBody>
+          </p:sp>
+        </mc:Choice>
+        <mc:Fallback>
+          <p:sp>
+            <p:nvSpPr>
+              <p:cNvPr id="4" name="Content Placeholder 3"/>
+              <p:cNvSpPr>
+                <a:spLocks noGrp="1" noRot="1" noChangeAspect="1" noMove="1" noResize="1" noEditPoints="1" noAdjustHandles="1" noChangeArrowheads="1" noChangeShapeType="1" noTextEdit="1"/>
+              </p:cNvSpPr>
+              <p:nvPr>
+                <p:ph sz="half" idx="2"/>
+              </p:nvPr>
+            </p:nvSpPr>
+            <p:spPr>
+              <a:blipFill rotWithShape="0">
+                <a:blip r:embed="rId2"/>
+                <a:stretch>
+                  <a:fillRect l="-1891" t="-18377" r="-709"/>
+                </a:stretch>
+              </a:blipFill>
+            </p:spPr>
+            <p:txBody>
+              <a:bodyPr/>
+              <a:lstStyle/>
+              <a:p>
+                <a:r>
+                  <a:rPr lang="en-US">
+                    <a:noFill/>
+                  </a:rPr>
+                  <a:t> </a:t>
+                </a:r>
+              </a:p>
+            </p:txBody>
+          </p:sp>
+        </mc:Fallback>
+      </mc:AlternateContent>
+      <p:sp>
+        <p:nvSpPr>
+          <p:cNvPr id="5" name="Text Placeholder 4"/>
+          <p:cNvSpPr>
+            <a:spLocks noGrp="1"/>
+          </p:cNvSpPr>
+          <p:nvPr>
+            <p:ph type="body" sz="quarter" idx="3"/>
+          </p:nvPr>
+        </p:nvSpPr>
+        <p:spPr/>
+        <p:txBody>
+          <a:bodyPr/>
+          <a:lstStyle/>
+          <a:p>
+            <a:r>
+              <a:rPr lang="en-US" dirty="0" smtClean="0">
+                <a:solidFill>
+                  <a:srgbClr val="FF0000"/>
+                </a:solidFill>
+              </a:rPr>
+              <a:t>Quantum</a:t>
+            </a:r>
+            <a:r>
+              <a:rPr lang="en-US" dirty="0" smtClean="0"/>
+              <a:t> </a:t>
+            </a:r>
+            <a:r>
+              <a:rPr lang="en-US" dirty="0" smtClean="0"/>
+              <a:t>Interval-Valued </a:t>
+            </a:r>
+            <a:r>
+              <a:rPr lang="en-US" dirty="0" smtClean="0"/>
+              <a:t>Probability </a:t>
+            </a:r>
+            <a:r>
+              <a:rPr lang="en-US" dirty="0"/>
+              <a:t>Measure </a:t>
+            </a:r>
+            <a:r>
+              <a:rPr lang="en-US" dirty="0" smtClean="0"/>
+              <a:t>(</a:t>
+            </a:r>
+            <a:r>
+              <a:rPr lang="en-US" dirty="0" smtClean="0">
+                <a:solidFill>
+                  <a:srgbClr val="FF0000"/>
+                </a:solidFill>
+              </a:rPr>
+              <a:t>Q</a:t>
+            </a:r>
+            <a:r>
+              <a:rPr lang="en-US" dirty="0" smtClean="0"/>
+              <a:t>IVPM</a:t>
+            </a:r>
+            <a:r>
+              <a:rPr lang="en-US" dirty="0"/>
+              <a:t>)</a:t>
+            </a:r>
+          </a:p>
+        </p:txBody>
+      </p:sp>
+      <mc:AlternateContent xmlns:mc="http://schemas.openxmlformats.org/markup-compatibility/2006">
+        <mc:Choice xmlns:a14="http://schemas.microsoft.com/office/drawing/2010/main" Requires="a14">
+          <p:sp>
+            <p:nvSpPr>
+              <p:cNvPr id="6" name="Content Placeholder 5"/>
+              <p:cNvSpPr>
+                <a:spLocks noGrp="1"/>
+              </p:cNvSpPr>
+              <p:nvPr>
+                <p:ph sz="quarter" idx="4"/>
+              </p:nvPr>
+            </p:nvSpPr>
+            <p:spPr/>
+            <p:txBody>
+              <a:bodyPr>
+                <a:normAutofit fontScale="92500"/>
+              </a:bodyPr>
+              <a:lstStyle/>
+              <a:p>
+                <a:pPr>
+                  <a:lnSpc>
+                    <a:spcPct val="100000"/>
+                  </a:lnSpc>
+                </a:pPr>
+                <a14:m>
+                  <m:oMath xmlns:m="http://schemas.openxmlformats.org/officeDocument/2006/math">
+                    <m:sSup>
+                      <m:sSupPr>
+                        <m:ctrlPr>
+                          <a:rPr lang="en-US" i="1" smtClean="0">
+                            <a:latin typeface="Cambria Math" panose="02040503050406030204" pitchFamily="18" charset="0"/>
+                            <a:ea typeface="Cambria Math" panose="02040503050406030204" pitchFamily="18" charset="0"/>
+                          </a:rPr>
+                        </m:ctrlPr>
+                      </m:sSupPr>
+                      <m:e>
+                        <m:r>
+                          <a:rPr lang="en-US" i="1">
+                            <a:latin typeface="Cambria Math" panose="02040503050406030204" pitchFamily="18" charset="0"/>
+                            <a:ea typeface="Cambria Math" panose="02040503050406030204" pitchFamily="18" charset="0"/>
+                          </a:rPr>
+                          <m:t>ℰ</m:t>
+                        </m:r>
+                      </m:e>
+                      <m:sup>
+                        <m:r>
+                          <a:rPr lang="en-US" i="1">
+                            <a:latin typeface="Cambria Math" panose="02040503050406030204" pitchFamily="18" charset="0"/>
+                            <a:ea typeface="Cambria Math" panose="02040503050406030204" pitchFamily="18" charset="0"/>
+                          </a:rPr>
+                          <m:t>′</m:t>
+                        </m:r>
+                      </m:sup>
+                    </m:sSup>
+                    <m:r>
+                      <a:rPr lang="en-US" i="1">
+                        <a:latin typeface="Cambria Math" panose="02040503050406030204" pitchFamily="18" charset="0"/>
+                        <a:ea typeface="Cambria Math" panose="02040503050406030204" pitchFamily="18" charset="0"/>
+                      </a:rPr>
+                      <m:t>⊆</m:t>
+                    </m:r>
+                    <m:r>
+                      <a:rPr lang="en-US" i="1">
+                        <a:latin typeface="Cambria Math" panose="02040503050406030204" pitchFamily="18" charset="0"/>
+                        <a:ea typeface="Cambria Math" panose="02040503050406030204" pitchFamily="18" charset="0"/>
+                      </a:rPr>
+                      <m:t>ℰ</m:t>
+                    </m:r>
+                  </m:oMath>
+                </a14:m>
+                <a:r>
+                  <a:rPr lang="en-US" dirty="0"/>
+                  <a:t> is </a:t>
+                </a:r>
+                <a:r>
+                  <a:rPr lang="en-US" dirty="0" smtClean="0"/>
+                  <a:t>a </a:t>
+                </a:r>
+                <a:r>
+                  <a:rPr lang="en-US" dirty="0" smtClean="0">
+                    <a:solidFill>
+                      <a:srgbClr val="FF0000"/>
+                    </a:solidFill>
+                  </a:rPr>
+                  <a:t>commuting sub-event </a:t>
+                </a:r>
+                <a:r>
+                  <a:rPr lang="en-US" dirty="0">
+                    <a:solidFill>
+                      <a:srgbClr val="FF0000"/>
+                    </a:solidFill>
+                  </a:rPr>
+                  <a:t>space</a:t>
+                </a:r>
+                <a:endParaRPr lang="en-US" i="1" dirty="0" smtClean="0">
+                  <a:solidFill>
+                    <a:srgbClr val="FF0000"/>
+                  </a:solidFill>
+                  <a:latin typeface="Cambria Math" panose="02040503050406030204" pitchFamily="18" charset="0"/>
+                </a:endParaRPr>
+              </a:p>
+              <a:p>
+                <a:pPr>
+                  <a:lnSpc>
+                    <a:spcPct val="100000"/>
+                  </a:lnSpc>
+                </a:pPr>
+                <a14:m>
+                  <m:oMath xmlns:m="http://schemas.openxmlformats.org/officeDocument/2006/math">
+                    <m:bar>
+                      <m:barPr>
+                        <m:pos m:val="top"/>
+                        <m:ctrlPr>
+                          <a:rPr lang="en-US" i="1">
+                            <a:latin typeface="Cambria Math" panose="02040503050406030204" pitchFamily="18" charset="0"/>
+                          </a:rPr>
+                        </m:ctrlPr>
+                      </m:barPr>
+                      <m:e>
+                        <m:r>
+                          <a:rPr lang="en-US" i="1">
+                            <a:latin typeface="Cambria Math" panose="02040503050406030204" pitchFamily="18" charset="0"/>
+                          </a:rPr>
+                          <m:t>𝜇</m:t>
+                        </m:r>
+                      </m:e>
+                    </m:bar>
+                    <m:r>
+                      <a:rPr lang="en-US" i="1">
+                        <a:latin typeface="Cambria Math" panose="02040503050406030204" pitchFamily="18" charset="0"/>
+                      </a:rPr>
+                      <m:t>:</m:t>
+                    </m:r>
+                    <m:r>
+                      <a:rPr lang="en-US" i="1">
+                        <a:latin typeface="Cambria Math" panose="02040503050406030204" pitchFamily="18" charset="0"/>
+                        <a:ea typeface="Cambria Math" panose="02040503050406030204" pitchFamily="18" charset="0"/>
+                      </a:rPr>
+                      <m:t>ℰ</m:t>
+                    </m:r>
+                    <m:r>
+                      <a:rPr lang="en-US" b="0" i="1" smtClean="0">
+                        <a:latin typeface="Cambria Math" panose="02040503050406030204" pitchFamily="18" charset="0"/>
+                        <a:ea typeface="Cambria Math" panose="02040503050406030204" pitchFamily="18" charset="0"/>
+                      </a:rPr>
+                      <m:t>′</m:t>
+                    </m:r>
+                    <m:r>
+                      <a:rPr lang="en-US">
+                        <a:latin typeface="Cambria Math" panose="02040503050406030204" pitchFamily="18" charset="0"/>
+                        <a:ea typeface="Cambria Math" panose="02040503050406030204" pitchFamily="18" charset="0"/>
+                      </a:rPr>
+                      <m:t>→</m:t>
+                    </m:r>
+                    <m:d>
+                      <m:dPr>
+                        <m:begChr m:val=""/>
+                        <m:endChr m:val=""/>
+                        <m:ctrlPr>
+                          <a:rPr lang="en-US" i="1">
+                            <a:latin typeface="Cambria Math" panose="02040503050406030204" pitchFamily="18" charset="0"/>
+                            <a:ea typeface="Cambria Math" panose="02040503050406030204" pitchFamily="18" charset="0"/>
+                            <a:cs typeface="XITS Math" panose="02000503000000000000" pitchFamily="50" charset="0"/>
+                          </a:rPr>
+                        </m:ctrlPr>
+                      </m:dPr>
+                      <m:e>
+                        <m:r>
+                          <a:rPr lang="en-US" i="1">
+                            <a:latin typeface="XITS Math" panose="02000503000000000000" pitchFamily="50" charset="0"/>
+                            <a:ea typeface="XITS Math" panose="02000503000000000000" pitchFamily="50" charset="0"/>
+                            <a:cs typeface="XITS Math" panose="02000503000000000000" pitchFamily="50" charset="0"/>
+                          </a:rPr>
+                          <m:t>ℐ</m:t>
+                        </m:r>
+                      </m:e>
+                    </m:d>
+                  </m:oMath>
+                </a14:m>
+                <a:endParaRPr lang="en-US" i="1" dirty="0" smtClean="0">
+                  <a:solidFill>
+                    <a:schemeClr val="accent2"/>
+                  </a:solidFill>
+                  <a:latin typeface="Cambria Math" panose="02040503050406030204" pitchFamily="18" charset="0"/>
+                  <a:ea typeface="Cambria Math" panose="02040503050406030204" pitchFamily="18" charset="0"/>
+                </a:endParaRPr>
+              </a:p>
+              <a:p>
+                <a:pPr>
+                  <a:lnSpc>
+                    <a:spcPct val="100000"/>
+                  </a:lnSpc>
+                </a:pPr>
+                <a:endParaRPr lang="en-US" i="1" dirty="0">
+                  <a:solidFill>
+                    <a:schemeClr val="accent2"/>
+                  </a:solidFill>
+                  <a:latin typeface="Cambria Math" panose="02040503050406030204" pitchFamily="18" charset="0"/>
+                  <a:ea typeface="Cambria Math" panose="02040503050406030204" pitchFamily="18" charset="0"/>
+                </a:endParaRPr>
+              </a:p>
+              <a:p>
+                <a:pPr>
+                  <a:lnSpc>
+                    <a:spcPct val="100000"/>
+                  </a:lnSpc>
+                </a:pPr>
+                <a:endParaRPr lang="en-US" i="1" dirty="0" smtClean="0">
+                  <a:solidFill>
+                    <a:schemeClr val="accent2"/>
+                  </a:solidFill>
+                  <a:latin typeface="Cambria Math" panose="02040503050406030204" pitchFamily="18" charset="0"/>
+                  <a:ea typeface="Cambria Math" panose="02040503050406030204" pitchFamily="18" charset="0"/>
+                </a:endParaRPr>
+              </a:p>
+              <a:p>
+                <a:pPr>
+                  <a:lnSpc>
+                    <a:spcPct val="100000"/>
+                  </a:lnSpc>
+                </a:pPr>
+                <a:endParaRPr lang="en-US" i="1" dirty="0" smtClean="0">
+                  <a:solidFill>
+                    <a:schemeClr val="accent2"/>
+                  </a:solidFill>
+                  <a:latin typeface="Cambria Math" panose="02040503050406030204" pitchFamily="18" charset="0"/>
+                  <a:ea typeface="Cambria Math" panose="02040503050406030204" pitchFamily="18" charset="0"/>
+                </a:endParaRPr>
+              </a:p>
+              <a:p>
+                <a:pPr>
+                  <a:lnSpc>
+                    <a:spcPct val="100000"/>
+                  </a:lnSpc>
+                </a:pPr>
+                <a:r>
+                  <a:rPr lang="en-US" dirty="0" smtClean="0"/>
+                  <a:t>Convexity and core </a:t>
+                </a:r>
+                <a:r>
+                  <a:rPr lang="en-US" dirty="0"/>
+                  <a:t>can be defined.</a:t>
+                </a:r>
+              </a:p>
+              <a:p>
+                <a:pPr>
+                  <a:lnSpc>
+                    <a:spcPct val="100000"/>
+                  </a:lnSpc>
+                </a:pPr>
+                <a:endParaRPr lang="en-US" i="1" dirty="0">
+                  <a:solidFill>
+                    <a:schemeClr val="accent2"/>
+                  </a:solidFill>
+                  <a:latin typeface="Cambria Math" panose="02040503050406030204" pitchFamily="18" charset="0"/>
+                  <a:ea typeface="Cambria Math" panose="02040503050406030204" pitchFamily="18" charset="0"/>
+                </a:endParaRPr>
+              </a:p>
+              <a:p>
+                <a:pPr>
+                  <a:lnSpc>
+                    <a:spcPct val="100000"/>
+                  </a:lnSpc>
+                </a:pPr>
+                <a:endParaRPr lang="en-US" i="1" dirty="0" smtClean="0">
+                  <a:solidFill>
+                    <a:schemeClr val="accent2"/>
+                  </a:solidFill>
+                  <a:latin typeface="Cambria Math" panose="02040503050406030204" pitchFamily="18" charset="0"/>
+                  <a:ea typeface="Cambria Math" panose="02040503050406030204" pitchFamily="18" charset="0"/>
+                </a:endParaRPr>
+              </a:p>
+            </p:txBody>
+          </p:sp>
+        </mc:Choice>
+        <mc:Fallback>
+          <p:sp>
+            <p:nvSpPr>
+              <p:cNvPr id="6" name="Content Placeholder 5"/>
+              <p:cNvSpPr>
+                <a:spLocks noGrp="1" noRot="1" noChangeAspect="1" noMove="1" noResize="1" noEditPoints="1" noAdjustHandles="1" noChangeArrowheads="1" noChangeShapeType="1" noTextEdit="1"/>
+              </p:cNvSpPr>
+              <p:nvPr>
+                <p:ph sz="quarter" idx="4"/>
+              </p:nvPr>
+            </p:nvSpPr>
+            <p:spPr>
+              <a:blipFill rotWithShape="0">
+                <a:blip r:embed="rId3"/>
+                <a:stretch>
+                  <a:fillRect l="-1882" t="-1325" r="-118"/>
+                </a:stretch>
+              </a:blipFill>
+            </p:spPr>
+            <p:txBody>
+              <a:bodyPr/>
+              <a:lstStyle/>
+              <a:p>
+                <a:r>
+                  <a:rPr lang="en-US">
+                    <a:noFill/>
+                  </a:rPr>
+                  <a:t> </a:t>
+                </a:r>
+              </a:p>
+            </p:txBody>
+          </p:sp>
+        </mc:Fallback>
+      </mc:AlternateContent>
+      <p:sp>
+        <p:nvSpPr>
+          <p:cNvPr id="7" name="Left-Right Arrow 6"/>
+          <p:cNvSpPr/>
+          <p:nvPr/>
+        </p:nvSpPr>
+        <p:spPr>
+          <a:xfrm>
+            <a:off x="3250248" y="3497363"/>
+            <a:ext cx="5669280" cy="1700011"/>
+          </a:xfrm>
+          <a:prstGeom prst="leftRightArrow">
+            <a:avLst/>
+          </a:prstGeom>
+          <a:solidFill>
+            <a:schemeClr val="bg1"/>
+          </a:solidFill>
+          <a:ln>
+            <a:solidFill>
+              <a:srgbClr val="FF0000"/>
+            </a:solidFill>
+          </a:ln>
+        </p:spPr>
+        <p:style>
+          <a:lnRef idx="2">
+            <a:schemeClr val="accent1">
+              <a:shade val="50000"/>
+            </a:schemeClr>
+          </a:lnRef>
+          <a:fillRef idx="1">
+            <a:schemeClr val="accent1"/>
+          </a:fillRef>
+          <a:effectRef idx="0">
+            <a:schemeClr val="accent1"/>
+          </a:effectRef>
+          <a:fontRef idx="minor">
+            <a:schemeClr val="lt1"/>
+          </a:fontRef>
+        </p:style>
+        <p:txBody>
+          <a:bodyPr rtlCol="0" anchor="ctr"/>
+          <a:lstStyle/>
+          <a:p>
+            <a:pPr algn="ctr"/>
+            <a:r>
+              <a:rPr lang="en-US" sz="2800" dirty="0" smtClean="0">
+                <a:solidFill>
+                  <a:srgbClr val="FF0000"/>
+                </a:solidFill>
+              </a:rPr>
+              <a:t>One-to-one correspondence</a:t>
+            </a:r>
+            <a:endParaRPr lang="en-US" sz="2800" dirty="0">
+              <a:solidFill>
+                <a:srgbClr val="FF0000"/>
+              </a:solidFill>
+            </a:endParaRPr>
+          </a:p>
+        </p:txBody>
+      </p:sp>
+    </p:spTree>
+    <p:extLst>
+      <p:ext uri="{BB962C8B-B14F-4D97-AF65-F5344CB8AC3E}">
+        <p14:creationId xmlns:p14="http://schemas.microsoft.com/office/powerpoint/2010/main" val="3970280243"/>
+      </p:ext>
+    </p:extLst>
+  </p:cSld>
+  <p:clrMapOvr>
+    <a:masterClrMapping/>
+  </p:clrMapOvr>
+  <p:timing>
+    <p:tnLst>
+      <p:par>
+        <p:cTn id="1" dur="indefinite" restart="never" nodeType="tmRoot"/>
+      </p:par>
+    </p:tnLst>
+  </p:timing>
+</p:sld>
+</file>
+
+<file path=ppt/slides/slide15.xml><?xml version="1.0" encoding="utf-8"?>
 <p:sld xmlns:a="http://schemas.openxmlformats.org/drawingml/2006/main" xmlns:r="http://schemas.openxmlformats.org/officeDocument/2006/relationships" xmlns:p="http://schemas.openxmlformats.org/presentationml/2006/main">
   <p:cSld>
     <p:spTree>
@@ -6340,7 +7277,7 @@
 </p:sld>
 </file>
 
-<file path=ppt/slides/slide15.xml><?xml version="1.0" encoding="utf-8"?>
+<file path=ppt/slides/slide16.xml><?xml version="1.0" encoding="utf-8"?>
 <p:sld xmlns:a="http://schemas.openxmlformats.org/drawingml/2006/main" xmlns:r="http://schemas.openxmlformats.org/officeDocument/2006/relationships" xmlns:p="http://schemas.openxmlformats.org/presentationml/2006/main">
   <p:cSld>
     <p:spTree>
@@ -8554,7 +9491,2647 @@
 </p:sld>
 </file>
 
-<file path=ppt/slides/slide16.xml><?xml version="1.0" encoding="utf-8"?>
+<file path=ppt/slides/slide17.xml><?xml version="1.0" encoding="utf-8"?>
+<p:sld xmlns:a="http://schemas.openxmlformats.org/drawingml/2006/main" xmlns:r="http://schemas.openxmlformats.org/officeDocument/2006/relationships" xmlns:p="http://schemas.openxmlformats.org/presentationml/2006/main">
+  <p:cSld>
+    <p:spTree>
+      <p:nvGrpSpPr>
+        <p:cNvPr id="1" name=""/>
+        <p:cNvGrpSpPr/>
+        <p:nvPr/>
+      </p:nvGrpSpPr>
+      <p:grpSpPr>
+        <a:xfrm>
+          <a:off x="0" y="0"/>
+          <a:ext cx="0" cy="0"/>
+          <a:chOff x="0" y="0"/>
+          <a:chExt cx="0" cy="0"/>
+        </a:xfrm>
+      </p:grpSpPr>
+      <p:sp>
+        <p:nvSpPr>
+          <p:cNvPr id="2" name="Title 1"/>
+          <p:cNvSpPr>
+            <a:spLocks noGrp="1"/>
+          </p:cNvSpPr>
+          <p:nvPr>
+            <p:ph type="title"/>
+          </p:nvPr>
+        </p:nvSpPr>
+        <p:spPr/>
+        <p:txBody>
+          <a:bodyPr/>
+          <a:lstStyle/>
+          <a:p>
+            <a:r>
+              <a:rPr lang="en-US" dirty="0" smtClean="0"/>
+              <a:t>Core, Gleason’s theorem, and Consistent State</a:t>
+            </a:r>
+            <a:endParaRPr lang="en-US" dirty="0"/>
+          </a:p>
+        </p:txBody>
+      </p:sp>
+      <mc:AlternateContent xmlns:mc="http://schemas.openxmlformats.org/markup-compatibility/2006">
+        <mc:Choice xmlns:a14="http://schemas.microsoft.com/office/drawing/2010/main" Requires="a14">
+          <p:graphicFrame>
+            <p:nvGraphicFramePr>
+              <p:cNvPr id="4" name="Content Placeholder 3"/>
+              <p:cNvGraphicFramePr>
+                <a:graphicFrameLocks noGrp="1"/>
+              </p:cNvGraphicFramePr>
+              <p:nvPr>
+                <p:ph idx="1"/>
+                <p:extLst>
+                  <p:ext uri="{D42A27DB-BD31-4B8C-83A1-F6EECF244321}">
+                    <p14:modId xmlns:p14="http://schemas.microsoft.com/office/powerpoint/2010/main" val="2703722320"/>
+                  </p:ext>
+                </p:extLst>
+              </p:nvPr>
+            </p:nvGraphicFramePr>
+            <p:xfrm>
+              <a:off x="838200" y="1825625"/>
+              <a:ext cx="10515600" cy="3816096"/>
+            </p:xfrm>
+            <a:graphic>
+              <a:graphicData uri="http://schemas.openxmlformats.org/drawingml/2006/table">
+                <a:tbl>
+                  <a:tblPr firstRow="1" bandRow="1">
+                    <a:tableStyleId>{5C22544A-7EE6-4342-B048-85BDC9FD1C3A}</a:tableStyleId>
+                  </a:tblPr>
+                  <a:tblGrid>
+                    <a:gridCol w="3505200"/>
+                    <a:gridCol w="3505200"/>
+                    <a:gridCol w="3505200"/>
+                  </a:tblGrid>
+                  <a:tr h="370840">
+                    <a:tc>
+                      <a:txBody>
+                        <a:bodyPr/>
+                        <a:lstStyle/>
+                        <a:p>
+                          <a:pPr algn="ctr"/>
+                          <a:endParaRPr lang="en-US" dirty="0"/>
+                        </a:p>
+                      </a:txBody>
+                      <a:tcPr anchor="ctr"/>
+                    </a:tc>
+                    <a:tc>
+                      <a:txBody>
+                        <a:bodyPr/>
+                        <a:lstStyle/>
+                        <a:p>
+                          <a:pPr algn="ctr"/>
+                          <a:r>
+                            <a:rPr lang="en-US" dirty="0" smtClean="0"/>
+                            <a:t>Classical</a:t>
+                          </a:r>
+                          <a:endParaRPr lang="en-US" dirty="0"/>
+                        </a:p>
+                      </a:txBody>
+                      <a:tcPr anchor="ctr"/>
+                    </a:tc>
+                    <a:tc>
+                      <a:txBody>
+                        <a:bodyPr/>
+                        <a:lstStyle/>
+                        <a:p>
+                          <a:pPr algn="ctr"/>
+                          <a:r>
+                            <a:rPr lang="en-US" dirty="0" smtClean="0"/>
+                            <a:t>Quantum</a:t>
+                          </a:r>
+                          <a:endParaRPr lang="en-US" dirty="0"/>
+                        </a:p>
+                      </a:txBody>
+                      <a:tcPr anchor="ctr"/>
+                    </a:tc>
+                  </a:tr>
+                  <a:tr h="370840">
+                    <a:tc>
+                      <a:txBody>
+                        <a:bodyPr/>
+                        <a:lstStyle/>
+                        <a:p>
+                          <a:pPr algn="ctr"/>
+                          <a:endParaRPr lang="en-US" dirty="0"/>
+                        </a:p>
+                      </a:txBody>
+                      <a:tcPr anchor="ctr"/>
+                    </a:tc>
+                    <a:tc>
+                      <a:txBody>
+                        <a:bodyPr/>
+                        <a:lstStyle/>
+                        <a:p>
+                          <a:pPr algn="ctr"/>
+                          <a:r>
+                            <a:rPr lang="en-US" dirty="0" smtClean="0"/>
+                            <a:t>Sample Space: Finite Set </a:t>
+                          </a:r>
+                          <a14:m>
+                            <m:oMath xmlns:m="http://schemas.openxmlformats.org/officeDocument/2006/math">
+                              <m:r>
+                                <m:rPr>
+                                  <m:sty m:val="p"/>
+                                </m:rPr>
+                                <a:rPr lang="el-GR" i="1" smtClean="0">
+                                  <a:latin typeface="Cambria Math" panose="02040503050406030204" pitchFamily="18" charset="0"/>
+                                  <a:ea typeface="Cambria Math" panose="02040503050406030204" pitchFamily="18" charset="0"/>
+                                </a:rPr>
+                                <m:t>Ω</m:t>
+                              </m:r>
+                            </m:oMath>
+                          </a14:m>
+                          <a:endParaRPr lang="en-US" dirty="0" smtClean="0"/>
+                        </a:p>
+                        <a:p>
+                          <a:pPr marL="0" marR="0" lvl="0" indent="0" algn="ctr" defTabSz="914400" rtl="0" eaLnBrk="1" fontAlgn="auto" latinLnBrk="0" hangingPunct="1">
+                            <a:lnSpc>
+                              <a:spcPct val="100000"/>
+                            </a:lnSpc>
+                            <a:spcBef>
+                              <a:spcPts val="0"/>
+                            </a:spcBef>
+                            <a:spcAft>
+                              <a:spcPts val="0"/>
+                            </a:spcAft>
+                            <a:buClrTx/>
+                            <a:buSzTx/>
+                            <a:buFontTx/>
+                            <a:buNone/>
+                            <a:tabLst/>
+                            <a:defRPr/>
+                          </a:pPr>
+                          <a:r>
+                            <a:rPr lang="en-US" dirty="0" smtClean="0"/>
+                            <a:t>Event Space: Power Set </a:t>
+                          </a:r>
+                          <a14:m>
+                            <m:oMath xmlns:m="http://schemas.openxmlformats.org/officeDocument/2006/math">
+                              <m:r>
+                                <a:rPr lang="en-US" b="0" i="1" smtClean="0">
+                                  <a:latin typeface="Cambria Math" panose="02040503050406030204" pitchFamily="18" charset="0"/>
+                                  <a:ea typeface="Cambria Math" panose="02040503050406030204" pitchFamily="18" charset="0"/>
+                                </a:rPr>
+                                <m:t>ℰ</m:t>
+                              </m:r>
+                              <m:r>
+                                <a:rPr lang="en-US" b="0" i="0" smtClean="0">
+                                  <a:latin typeface="Cambria Math" panose="02040503050406030204" pitchFamily="18" charset="0"/>
+                                  <a:ea typeface="Cambria Math" panose="02040503050406030204" pitchFamily="18" charset="0"/>
+                                </a:rPr>
+                                <m:t>=</m:t>
+                              </m:r>
+                              <m:sSup>
+                                <m:sSupPr>
+                                  <m:ctrlPr>
+                                    <a:rPr lang="en-US" b="0" i="1" smtClean="0">
+                                      <a:solidFill>
+                                        <a:srgbClr val="FF0000"/>
+                                      </a:solidFill>
+                                      <a:latin typeface="Cambria Math" panose="02040503050406030204" pitchFamily="18" charset="0"/>
+                                      <a:ea typeface="Cambria Math" panose="02040503050406030204" pitchFamily="18" charset="0"/>
+                                    </a:rPr>
+                                  </m:ctrlPr>
+                                </m:sSupPr>
+                                <m:e>
+                                  <m:r>
+                                    <a:rPr lang="en-US" b="0" i="0" smtClean="0">
+                                      <a:solidFill>
+                                        <a:srgbClr val="FF0000"/>
+                                      </a:solidFill>
+                                      <a:latin typeface="Cambria Math" panose="02040503050406030204" pitchFamily="18" charset="0"/>
+                                      <a:ea typeface="Cambria Math" panose="02040503050406030204" pitchFamily="18" charset="0"/>
+                                    </a:rPr>
+                                    <m:t>2</m:t>
+                                  </m:r>
+                                </m:e>
+                                <m:sup>
+                                  <m:r>
+                                    <m:rPr>
+                                      <m:sty m:val="p"/>
+                                    </m:rPr>
+                                    <a:rPr lang="el-GR" i="1" smtClean="0">
+                                      <a:solidFill>
+                                        <a:srgbClr val="FF0000"/>
+                                      </a:solidFill>
+                                      <a:latin typeface="Cambria Math" panose="02040503050406030204" pitchFamily="18" charset="0"/>
+                                      <a:ea typeface="Cambria Math" panose="02040503050406030204" pitchFamily="18" charset="0"/>
+                                    </a:rPr>
+                                    <m:t>Ω</m:t>
+                                  </m:r>
+                                </m:sup>
+                              </m:sSup>
+                            </m:oMath>
+                          </a14:m>
+                          <a:endParaRPr lang="en-US" dirty="0"/>
+                        </a:p>
+                      </a:txBody>
+                      <a:tcPr anchor="ctr"/>
+                    </a:tc>
+                    <a:tc>
+                      <a:txBody>
+                        <a:bodyPr/>
+                        <a:lstStyle/>
+                        <a:p>
+                          <a:pPr algn="ctr"/>
+                          <a:r>
+                            <a:rPr lang="en-US" dirty="0" smtClean="0"/>
+                            <a:t>Hilbert Space </a:t>
+                          </a:r>
+                          <a14:m>
+                            <m:oMath xmlns:m="http://schemas.openxmlformats.org/officeDocument/2006/math">
+                              <m:r>
+                                <a:rPr lang="el-GR" i="1" smtClean="0">
+                                  <a:latin typeface="Cambria Math" panose="02040503050406030204" pitchFamily="18" charset="0"/>
+                                  <a:ea typeface="Cambria Math" panose="02040503050406030204" pitchFamily="18" charset="0"/>
+                                </a:rPr>
+                                <m:t>ℋ</m:t>
+                              </m:r>
+                            </m:oMath>
+                          </a14:m>
+                          <a:r>
+                            <a:rPr lang="en-US" dirty="0" smtClean="0"/>
+                            <a:t> with </a:t>
+                          </a:r>
+                          <a14:m>
+                            <m:oMath xmlns:m="http://schemas.openxmlformats.org/officeDocument/2006/math">
+                              <m:r>
+                                <a:rPr lang="en-US" b="0" i="1" smtClean="0">
+                                  <a:latin typeface="Cambria Math" panose="02040503050406030204" pitchFamily="18" charset="0"/>
+                                </a:rPr>
+                                <m:t>𝑑</m:t>
+                              </m:r>
+                              <m:r>
+                                <a:rPr lang="en-US" b="0" i="1" smtClean="0">
+                                  <a:latin typeface="Cambria Math" panose="02040503050406030204" pitchFamily="18" charset="0"/>
+                                </a:rPr>
+                                <m:t>&lt;∞</m:t>
+                              </m:r>
+                            </m:oMath>
+                          </a14:m>
+                          <a:endParaRPr lang="en-US" dirty="0" smtClean="0"/>
+                        </a:p>
+                        <a:p>
+                          <a:pPr marL="0" marR="0" lvl="0" indent="0" algn="ctr" defTabSz="914400" rtl="0" eaLnBrk="1" fontAlgn="auto" latinLnBrk="0" hangingPunct="1">
+                            <a:lnSpc>
+                              <a:spcPct val="100000"/>
+                            </a:lnSpc>
+                            <a:spcBef>
+                              <a:spcPts val="0"/>
+                            </a:spcBef>
+                            <a:spcAft>
+                              <a:spcPts val="0"/>
+                            </a:spcAft>
+                            <a:buClrTx/>
+                            <a:buSzTx/>
+                            <a:buFontTx/>
+                            <a:buNone/>
+                            <a:tabLst/>
+                            <a:defRPr/>
+                          </a:pPr>
+                          <a:r>
+                            <a:rPr lang="en-US" dirty="0" smtClean="0"/>
+                            <a:t>Event Space: </a:t>
+                          </a:r>
+                          <a14:m>
+                            <m:oMath xmlns:m="http://schemas.openxmlformats.org/officeDocument/2006/math">
+                              <m:r>
+                                <a:rPr lang="en-US" b="0" i="1" smtClean="0">
+                                  <a:latin typeface="Cambria Math" panose="02040503050406030204" pitchFamily="18" charset="0"/>
+                                  <a:ea typeface="Cambria Math" panose="02040503050406030204" pitchFamily="18" charset="0"/>
+                                </a:rPr>
+                                <m:t>ℰ</m:t>
+                              </m:r>
+                              <m:r>
+                                <a:rPr lang="en-US" b="0" i="1" smtClean="0">
+                                  <a:latin typeface="Cambria Math" panose="02040503050406030204" pitchFamily="18" charset="0"/>
+                                  <a:ea typeface="Cambria Math" panose="02040503050406030204" pitchFamily="18" charset="0"/>
+                                </a:rPr>
+                                <m:t>=</m:t>
+                              </m:r>
+                              <m:d>
+                                <m:dPr>
+                                  <m:begChr m:val="{"/>
+                                  <m:endChr m:val="}"/>
+                                  <m:ctrlPr>
+                                    <a:rPr lang="en-US" b="0" i="1" smtClean="0">
+                                      <a:solidFill>
+                                        <a:srgbClr val="FF0000"/>
+                                      </a:solidFill>
+                                      <a:latin typeface="Cambria Math" panose="02040503050406030204" pitchFamily="18" charset="0"/>
+                                      <a:ea typeface="Cambria Math" panose="02040503050406030204" pitchFamily="18" charset="0"/>
+                                    </a:rPr>
+                                  </m:ctrlPr>
+                                </m:dPr>
+                                <m:e>
+                                  <m:r>
+                                    <m:rPr>
+                                      <m:nor/>
+                                    </m:rPr>
+                                    <a:rPr lang="en-US" b="0" i="0" smtClean="0">
+                                      <a:solidFill>
+                                        <a:srgbClr val="FF0000"/>
+                                      </a:solidFill>
+                                      <a:latin typeface="Cambria Math" panose="02040503050406030204" pitchFamily="18" charset="0"/>
+                                      <a:ea typeface="Cambria Math" panose="02040503050406030204" pitchFamily="18" charset="0"/>
+                                    </a:rPr>
+                                    <m:t>all</m:t>
+                                  </m:r>
+                                  <m:r>
+                                    <m:rPr>
+                                      <m:nor/>
+                                    </m:rPr>
+                                    <a:rPr lang="en-US" b="0" i="0" smtClean="0">
+                                      <a:solidFill>
+                                        <a:srgbClr val="FF0000"/>
+                                      </a:solidFill>
+                                      <a:latin typeface="Cambria Math" panose="02040503050406030204" pitchFamily="18" charset="0"/>
+                                      <a:ea typeface="Cambria Math" panose="02040503050406030204" pitchFamily="18" charset="0"/>
+                                    </a:rPr>
+                                    <m:t> </m:t>
+                                  </m:r>
+                                  <m:r>
+                                    <m:rPr>
+                                      <m:nor/>
+                                    </m:rPr>
+                                    <a:rPr lang="en-US" b="0" i="0" smtClean="0">
+                                      <a:solidFill>
+                                        <a:srgbClr val="FF0000"/>
+                                      </a:solidFill>
+                                      <a:latin typeface="Cambria Math" panose="02040503050406030204" pitchFamily="18" charset="0"/>
+                                      <a:ea typeface="Cambria Math" panose="02040503050406030204" pitchFamily="18" charset="0"/>
+                                    </a:rPr>
+                                    <m:t>projectors</m:t>
+                                  </m:r>
+                                  <m:r>
+                                    <m:rPr>
+                                      <m:nor/>
+                                    </m:rPr>
+                                    <a:rPr lang="en-US" b="0" i="0" smtClean="0">
+                                      <a:solidFill>
+                                        <a:srgbClr val="FF0000"/>
+                                      </a:solidFill>
+                                      <a:latin typeface="Cambria Math" panose="02040503050406030204" pitchFamily="18" charset="0"/>
+                                      <a:ea typeface="Cambria Math" panose="02040503050406030204" pitchFamily="18" charset="0"/>
+                                    </a:rPr>
+                                    <m:t> </m:t>
+                                  </m:r>
+                                  <m:r>
+                                    <m:rPr>
+                                      <m:nor/>
+                                    </m:rPr>
+                                    <a:rPr lang="en-US" b="0" i="0" smtClean="0">
+                                      <a:solidFill>
+                                        <a:srgbClr val="FF0000"/>
+                                      </a:solidFill>
+                                      <a:latin typeface="Cambria Math" panose="02040503050406030204" pitchFamily="18" charset="0"/>
+                                      <a:ea typeface="Cambria Math" panose="02040503050406030204" pitchFamily="18" charset="0"/>
+                                    </a:rPr>
+                                    <m:t>on</m:t>
+                                  </m:r>
+                                  <m:r>
+                                    <m:rPr>
+                                      <m:nor/>
+                                    </m:rPr>
+                                    <a:rPr lang="en-US" b="0" i="0" smtClean="0">
+                                      <a:solidFill>
+                                        <a:srgbClr val="FF0000"/>
+                                      </a:solidFill>
+                                      <a:latin typeface="Cambria Math" panose="02040503050406030204" pitchFamily="18" charset="0"/>
+                                      <a:ea typeface="Cambria Math" panose="02040503050406030204" pitchFamily="18" charset="0"/>
+                                    </a:rPr>
+                                    <m:t> </m:t>
+                                  </m:r>
+                                  <m:r>
+                                    <m:rPr>
+                                      <m:nor/>
+                                    </m:rPr>
+                                    <a:rPr lang="en-US" smtClean="0">
+                                      <a:solidFill>
+                                        <a:srgbClr val="FF0000"/>
+                                      </a:solidFill>
+                                      <a:effectLst/>
+                                      <a:latin typeface="Cambria Math" panose="02040503050406030204" pitchFamily="18" charset="0"/>
+                                      <a:ea typeface="Cambria Math" panose="02040503050406030204" pitchFamily="18" charset="0"/>
+                                    </a:rPr>
+                                    <m:t>a</m:t>
+                                  </m:r>
+                                  <m:r>
+                                    <m:rPr>
+                                      <m:nor/>
+                                    </m:rPr>
+                                    <a:rPr lang="en-US" smtClean="0">
+                                      <a:solidFill>
+                                        <a:srgbClr val="FF0000"/>
+                                      </a:solidFill>
+                                      <a:effectLst/>
+                                      <a:latin typeface="Cambria Math" panose="02040503050406030204" pitchFamily="18" charset="0"/>
+                                      <a:ea typeface="Cambria Math" panose="02040503050406030204" pitchFamily="18" charset="0"/>
+                                    </a:rPr>
+                                    <m:t> </m:t>
+                                  </m:r>
+                                  <m:r>
+                                    <m:rPr>
+                                      <m:nor/>
+                                    </m:rPr>
+                                    <a:rPr lang="en-US" smtClean="0">
+                                      <a:solidFill>
+                                        <a:srgbClr val="FF0000"/>
+                                      </a:solidFill>
+                                      <a:effectLst/>
+                                      <a:latin typeface="Cambria Math" panose="02040503050406030204" pitchFamily="18" charset="0"/>
+                                      <a:ea typeface="Cambria Math" panose="02040503050406030204" pitchFamily="18" charset="0"/>
+                                    </a:rPr>
+                                    <m:t>linear</m:t>
+                                  </m:r>
+                                  <m:r>
+                                    <m:rPr>
+                                      <m:nor/>
+                                    </m:rPr>
+                                    <a:rPr lang="en-US" smtClean="0">
+                                      <a:solidFill>
+                                        <a:srgbClr val="FF0000"/>
+                                      </a:solidFill>
+                                      <a:effectLst/>
+                                      <a:latin typeface="Cambria Math" panose="02040503050406030204" pitchFamily="18" charset="0"/>
+                                      <a:ea typeface="Cambria Math" panose="02040503050406030204" pitchFamily="18" charset="0"/>
+                                    </a:rPr>
+                                    <m:t> </m:t>
+                                  </m:r>
+                                  <m:r>
+                                    <m:rPr>
+                                      <m:nor/>
+                                    </m:rPr>
+                                    <a:rPr lang="en-US" smtClean="0">
+                                      <a:solidFill>
+                                        <a:srgbClr val="FF0000"/>
+                                      </a:solidFill>
+                                      <a:effectLst/>
+                                      <a:latin typeface="Cambria Math" panose="02040503050406030204" pitchFamily="18" charset="0"/>
+                                      <a:ea typeface="Cambria Math" panose="02040503050406030204" pitchFamily="18" charset="0"/>
+                                    </a:rPr>
+                                    <m:t>subspace</m:t>
+                                  </m:r>
+                                  <m:r>
+                                    <m:rPr>
+                                      <m:nor/>
+                                    </m:rPr>
+                                    <a:rPr lang="en-US" smtClean="0">
+                                      <a:solidFill>
+                                        <a:srgbClr val="FF0000"/>
+                                      </a:solidFill>
+                                      <a:effectLst/>
+                                      <a:latin typeface="Cambria Math" panose="02040503050406030204" pitchFamily="18" charset="0"/>
+                                      <a:ea typeface="Cambria Math" panose="02040503050406030204" pitchFamily="18" charset="0"/>
+                                    </a:rPr>
+                                    <m:t> </m:t>
+                                  </m:r>
+                                  <m:r>
+                                    <m:rPr>
+                                      <m:nor/>
+                                    </m:rPr>
+                                    <a:rPr lang="en-US" smtClean="0">
+                                      <a:solidFill>
+                                        <a:srgbClr val="FF0000"/>
+                                      </a:solidFill>
+                                      <a:effectLst/>
+                                      <a:latin typeface="Cambria Math" panose="02040503050406030204" pitchFamily="18" charset="0"/>
+                                      <a:ea typeface="Cambria Math" panose="02040503050406030204" pitchFamily="18" charset="0"/>
+                                    </a:rPr>
+                                    <m:t>of</m:t>
+                                  </m:r>
+                                  <m:r>
+                                    <m:rPr>
+                                      <m:nor/>
+                                    </m:rPr>
+                                    <a:rPr lang="en-US" b="0" i="0" smtClean="0">
+                                      <a:solidFill>
+                                        <a:srgbClr val="FF0000"/>
+                                      </a:solidFill>
+                                      <a:effectLst/>
+                                      <a:latin typeface="Cambria Math" panose="02040503050406030204" pitchFamily="18" charset="0"/>
+                                      <a:ea typeface="Cambria Math" panose="02040503050406030204" pitchFamily="18" charset="0"/>
+                                    </a:rPr>
+                                    <m:t> </m:t>
+                                  </m:r>
+                                  <m:r>
+                                    <a:rPr lang="el-GR" i="1" smtClean="0">
+                                      <a:solidFill>
+                                        <a:srgbClr val="FF0000"/>
+                                      </a:solidFill>
+                                      <a:latin typeface="Cambria Math" panose="02040503050406030204" pitchFamily="18" charset="0"/>
+                                      <a:ea typeface="Cambria Math" panose="02040503050406030204" pitchFamily="18" charset="0"/>
+                                    </a:rPr>
+                                    <m:t>ℋ</m:t>
+                                  </m:r>
+                                </m:e>
+                              </m:d>
+                            </m:oMath>
+                          </a14:m>
+                          <a:r>
+                            <a:rPr lang="en-US" dirty="0" smtClean="0">
+                              <a:latin typeface="Cambria Math" panose="02040503050406030204" pitchFamily="18" charset="0"/>
+                              <a:ea typeface="Cambria Math" panose="02040503050406030204" pitchFamily="18" charset="0"/>
+                            </a:rPr>
+                            <a:t/>
+                          </a:r>
+                          <a:br>
+                            <a:rPr lang="en-US" dirty="0" smtClean="0">
+                              <a:latin typeface="Cambria Math" panose="02040503050406030204" pitchFamily="18" charset="0"/>
+                              <a:ea typeface="Cambria Math" panose="02040503050406030204" pitchFamily="18" charset="0"/>
+                            </a:rPr>
+                          </a:br>
+                          <a14:m>
+                            <m:oMath xmlns:m="http://schemas.openxmlformats.org/officeDocument/2006/math">
+                              <m:sSup>
+                                <m:sSupPr>
+                                  <m:ctrlPr>
+                                    <a:rPr lang="en-US" b="0" i="1" smtClean="0">
+                                      <a:solidFill>
+                                        <a:srgbClr val="FF0000"/>
+                                      </a:solidFill>
+                                      <a:latin typeface="Cambria Math" panose="02040503050406030204" pitchFamily="18" charset="0"/>
+                                      <a:ea typeface="Cambria Math" panose="02040503050406030204" pitchFamily="18" charset="0"/>
+                                    </a:rPr>
+                                  </m:ctrlPr>
+                                </m:sSupPr>
+                                <m:e>
+                                  <m:r>
+                                    <a:rPr lang="en-US" i="1">
+                                      <a:solidFill>
+                                        <a:srgbClr val="FF0000"/>
+                                      </a:solidFill>
+                                      <a:latin typeface="Cambria Math" panose="02040503050406030204" pitchFamily="18" charset="0"/>
+                                      <a:ea typeface="Cambria Math" panose="02040503050406030204" pitchFamily="18" charset="0"/>
+                                    </a:rPr>
+                                    <m:t>ℰ</m:t>
+                                  </m:r>
+                                </m:e>
+                                <m:sup>
+                                  <m:r>
+                                    <a:rPr lang="en-US" b="0" i="1" smtClean="0">
+                                      <a:solidFill>
+                                        <a:srgbClr val="FF0000"/>
+                                      </a:solidFill>
+                                      <a:latin typeface="Cambria Math" panose="02040503050406030204" pitchFamily="18" charset="0"/>
+                                      <a:ea typeface="Cambria Math" panose="02040503050406030204" pitchFamily="18" charset="0"/>
+                                    </a:rPr>
+                                    <m:t>′</m:t>
+                                  </m:r>
+                                </m:sup>
+                              </m:sSup>
+                              <m:r>
+                                <a:rPr lang="en-US" b="0" i="1" smtClean="0">
+                                  <a:solidFill>
+                                    <a:srgbClr val="FF0000"/>
+                                  </a:solidFill>
+                                  <a:latin typeface="Cambria Math" panose="02040503050406030204" pitchFamily="18" charset="0"/>
+                                  <a:ea typeface="Cambria Math" panose="02040503050406030204" pitchFamily="18" charset="0"/>
+                                </a:rPr>
+                                <m:t>⊆</m:t>
+                              </m:r>
+                              <m:r>
+                                <a:rPr lang="en-US" i="1">
+                                  <a:solidFill>
+                                    <a:srgbClr val="FF0000"/>
+                                  </a:solidFill>
+                                  <a:latin typeface="Cambria Math" panose="02040503050406030204" pitchFamily="18" charset="0"/>
+                                  <a:ea typeface="Cambria Math" panose="02040503050406030204" pitchFamily="18" charset="0"/>
+                                </a:rPr>
+                                <m:t>ℰ</m:t>
+                              </m:r>
+                            </m:oMath>
+                          </a14:m>
+                          <a:r>
+                            <a:rPr lang="en-US" dirty="0" smtClean="0">
+                              <a:solidFill>
+                                <a:srgbClr val="FF0000"/>
+                              </a:solidFill>
+                            </a:rPr>
+                            <a:t> is </a:t>
+                          </a:r>
+                          <a:r>
+                            <a:rPr lang="en-US" dirty="0" smtClean="0">
+                              <a:solidFill>
+                                <a:srgbClr val="FF0000"/>
+                              </a:solidFill>
+                            </a:rPr>
+                            <a:t>a </a:t>
+                          </a:r>
+                          <a:r>
+                            <a:rPr lang="en-US" dirty="0" smtClean="0">
+                              <a:solidFill>
+                                <a:srgbClr val="FF0000"/>
+                              </a:solidFill>
+                            </a:rPr>
+                            <a:t>sub-event space</a:t>
+                          </a:r>
+                          <a:endParaRPr lang="en-US" dirty="0">
+                            <a:latin typeface="Cambria Math" panose="02040503050406030204" pitchFamily="18" charset="0"/>
+                            <a:ea typeface="Cambria Math" panose="02040503050406030204" pitchFamily="18" charset="0"/>
+                          </a:endParaRPr>
+                        </a:p>
+                      </a:txBody>
+                      <a:tcPr anchor="ctr"/>
+                    </a:tc>
+                  </a:tr>
+                  <a:tr h="370840">
+                    <a:tc>
+                      <a:txBody>
+                        <a:bodyPr/>
+                        <a:lstStyle/>
+                        <a:p>
+                          <a:pPr algn="ctr"/>
+                          <a:r>
+                            <a:rPr lang="en-US" dirty="0" smtClean="0"/>
+                            <a:t>Infinitely</a:t>
+                          </a:r>
+                          <a:r>
+                            <a:rPr lang="en-US" baseline="0" dirty="0" smtClean="0"/>
+                            <a:t> Precise </a:t>
+                          </a:r>
+                          <a:r>
+                            <a:rPr lang="en-US" dirty="0" smtClean="0"/>
+                            <a:t>Real-valued</a:t>
+                          </a:r>
+                        </a:p>
+                        <a:p>
+                          <a:pPr algn="ctr"/>
+                          <a14:m>
+                            <m:oMathPara xmlns:m="http://schemas.openxmlformats.org/officeDocument/2006/math">
+                              <m:oMathParaPr>
+                                <m:jc m:val="centerGroup"/>
+                              </m:oMathParaPr>
+                              <m:oMath xmlns:m="http://schemas.openxmlformats.org/officeDocument/2006/math">
+                                <m:d>
+                                  <m:dPr>
+                                    <m:begChr m:val="["/>
+                                    <m:endChr m:val="]"/>
+                                    <m:ctrlPr>
+                                      <a:rPr lang="en-US" b="0" i="1" smtClean="0">
+                                        <a:solidFill>
+                                          <a:schemeClr val="accent2"/>
+                                        </a:solidFill>
+                                        <a:latin typeface="Cambria Math" panose="02040503050406030204" pitchFamily="18" charset="0"/>
+                                        <a:ea typeface="Cambria Math" panose="02040503050406030204" pitchFamily="18" charset="0"/>
+                                      </a:rPr>
+                                    </m:ctrlPr>
+                                  </m:dPr>
+                                  <m:e>
+                                    <m:r>
+                                      <a:rPr lang="en-US" b="0" i="1" smtClean="0">
+                                        <a:solidFill>
+                                          <a:schemeClr val="accent2"/>
+                                        </a:solidFill>
+                                        <a:latin typeface="Cambria Math" panose="02040503050406030204" pitchFamily="18" charset="0"/>
+                                        <a:ea typeface="Cambria Math" panose="02040503050406030204" pitchFamily="18" charset="0"/>
+                                      </a:rPr>
+                                      <m:t>0,1</m:t>
+                                    </m:r>
+                                  </m:e>
+                                </m:d>
+                              </m:oMath>
+                            </m:oMathPara>
+                          </a14:m>
+                          <a:endParaRPr lang="en-US" dirty="0"/>
+                        </a:p>
+                      </a:txBody>
+                      <a:tcPr anchor="ctr"/>
+                    </a:tc>
+                    <a:tc>
+                      <a:txBody>
+                        <a:bodyPr/>
+                        <a:lstStyle/>
+                        <a:p>
+                          <a:pPr algn="ctr"/>
+                          <a:endParaRPr lang="en-US" dirty="0">
+                            <a:solidFill>
+                              <a:schemeClr val="tx1"/>
+                            </a:solidFill>
+                          </a:endParaRPr>
+                        </a:p>
+                      </a:txBody>
+                      <a:tcPr anchor="ctr"/>
+                    </a:tc>
+                    <a:tc>
+                      <a:txBody>
+                        <a:bodyPr/>
+                        <a:lstStyle/>
+                        <a:p>
+                          <a:pPr algn="ctr"/>
+                          <a:r>
+                            <a:rPr lang="en-US" b="1" dirty="0" smtClean="0">
+                              <a:solidFill>
+                                <a:schemeClr val="tx1"/>
+                              </a:solidFill>
+                            </a:rPr>
+                            <a:t>Gleason’s Theorem</a:t>
+                          </a:r>
+                          <a:r>
+                            <a:rPr lang="en-US" b="0" dirty="0" smtClean="0">
+                              <a:solidFill>
+                                <a:schemeClr val="tx1"/>
+                              </a:solidFill>
+                            </a:rPr>
+                            <a:t/>
+                          </a:r>
+                          <a:br>
+                            <a:rPr lang="en-US" b="0" dirty="0" smtClean="0">
+                              <a:solidFill>
+                                <a:schemeClr val="tx1"/>
+                              </a:solidFill>
+                            </a:rPr>
+                          </a:br>
+                          <a:r>
+                            <a:rPr lang="en-US" b="0" dirty="0" smtClean="0">
+                              <a:solidFill>
+                                <a:schemeClr val="tx1"/>
+                              </a:solidFill>
+                            </a:rPr>
+                            <a:t>For </a:t>
+                          </a:r>
+                          <a14:m>
+                            <m:oMath xmlns:m="http://schemas.openxmlformats.org/officeDocument/2006/math">
+                              <m:r>
+                                <a:rPr lang="en-US" b="0" i="1" smtClean="0">
+                                  <a:solidFill>
+                                    <a:schemeClr val="tx1"/>
+                                  </a:solidFill>
+                                  <a:latin typeface="Cambria Math" panose="02040503050406030204" pitchFamily="18" charset="0"/>
+                                </a:rPr>
+                                <m:t>𝑑</m:t>
+                              </m:r>
+                              <m:r>
+                                <a:rPr lang="en-US" b="0" i="1" smtClean="0">
+                                  <a:solidFill>
+                                    <a:schemeClr val="tx1"/>
+                                  </a:solidFill>
+                                  <a:latin typeface="Cambria Math" panose="02040503050406030204" pitchFamily="18" charset="0"/>
+                                </a:rPr>
+                                <m:t>≥3</m:t>
+                              </m:r>
+                            </m:oMath>
+                          </a14:m>
+                          <a:r>
+                            <a:rPr lang="en-US" dirty="0" smtClean="0">
+                              <a:solidFill>
+                                <a:schemeClr val="tx1"/>
+                              </a:solidFill>
+                            </a:rPr>
+                            <a:t>, </a:t>
+                          </a:r>
+                          <a14:m>
+                            <m:oMath xmlns:m="http://schemas.openxmlformats.org/officeDocument/2006/math">
+                              <m:r>
+                                <a:rPr lang="en-US" b="0" i="1" smtClean="0">
+                                  <a:solidFill>
+                                    <a:schemeClr val="tx1"/>
+                                  </a:solidFill>
+                                  <a:latin typeface="Cambria Math" panose="02040503050406030204" pitchFamily="18" charset="0"/>
+                                </a:rPr>
+                                <m:t>∀</m:t>
+                              </m:r>
+                            </m:oMath>
+                          </a14:m>
+                          <a:r>
+                            <a:rPr lang="en-US" dirty="0" smtClean="0">
+                              <a:solidFill>
+                                <a:schemeClr val="tx1"/>
+                              </a:solidFill>
+                            </a:rPr>
+                            <a:t> QRVPM</a:t>
+                          </a:r>
+                          <a:r>
+                            <a:rPr lang="en-US" dirty="0">
+                              <a:solidFill>
+                                <a:schemeClr val="tx1"/>
+                              </a:solidFill>
+                            </a:rPr>
+                            <a:t> </a:t>
+                          </a:r>
+                          <a14:m>
+                            <m:oMath xmlns:m="http://schemas.openxmlformats.org/officeDocument/2006/math">
+                              <m:r>
+                                <a:rPr lang="en-US" i="1">
+                                  <a:solidFill>
+                                    <a:schemeClr val="tx1"/>
+                                  </a:solidFill>
+                                  <a:latin typeface="Cambria Math" panose="02040503050406030204" pitchFamily="18" charset="0"/>
+                                </a:rPr>
+                                <m:t>𝜇</m:t>
+                              </m:r>
+                              <m:r>
+                                <a:rPr lang="en-US" i="1">
+                                  <a:solidFill>
+                                    <a:schemeClr val="tx1"/>
+                                  </a:solidFill>
+                                  <a:latin typeface="Cambria Math" panose="02040503050406030204" pitchFamily="18" charset="0"/>
+                                </a:rPr>
+                                <m:t>:</m:t>
+                              </m:r>
+                              <m:r>
+                                <a:rPr lang="en-US" i="1" smtClean="0">
+                                  <a:solidFill>
+                                    <a:schemeClr val="accent2"/>
+                                  </a:solidFill>
+                                  <a:latin typeface="Cambria Math" panose="02040503050406030204" pitchFamily="18" charset="0"/>
+                                  <a:ea typeface="Cambria Math" panose="02040503050406030204" pitchFamily="18" charset="0"/>
+                                </a:rPr>
+                                <m:t>ℰ</m:t>
+                              </m:r>
+                              <m:r>
+                                <a:rPr lang="en-US" i="1">
+                                  <a:solidFill>
+                                    <a:schemeClr val="tx1"/>
+                                  </a:solidFill>
+                                  <a:latin typeface="Cambria Math" panose="02040503050406030204" pitchFamily="18" charset="0"/>
+                                  <a:ea typeface="Cambria Math" panose="02040503050406030204" pitchFamily="18" charset="0"/>
+                                </a:rPr>
+                                <m:t>→</m:t>
+                              </m:r>
+                              <m:d>
+                                <m:dPr>
+                                  <m:begChr m:val="["/>
+                                  <m:endChr m:val="]"/>
+                                  <m:ctrlPr>
+                                    <a:rPr lang="en-US" i="1">
+                                      <a:solidFill>
+                                        <a:schemeClr val="tx1"/>
+                                      </a:solidFill>
+                                      <a:latin typeface="Cambria Math" panose="02040503050406030204" pitchFamily="18" charset="0"/>
+                                      <a:ea typeface="Cambria Math" panose="02040503050406030204" pitchFamily="18" charset="0"/>
+                                    </a:rPr>
+                                  </m:ctrlPr>
+                                </m:dPr>
+                                <m:e>
+                                  <m:r>
+                                    <a:rPr lang="en-US" i="1">
+                                      <a:solidFill>
+                                        <a:schemeClr val="tx1"/>
+                                      </a:solidFill>
+                                      <a:latin typeface="Cambria Math" panose="02040503050406030204" pitchFamily="18" charset="0"/>
+                                      <a:ea typeface="Cambria Math" panose="02040503050406030204" pitchFamily="18" charset="0"/>
+                                    </a:rPr>
+                                    <m:t>0,1</m:t>
+                                  </m:r>
+                                </m:e>
+                              </m:d>
+                            </m:oMath>
+                          </a14:m>
+                          <a:r>
+                            <a:rPr lang="en-US" dirty="0" smtClean="0">
+                              <a:solidFill>
+                                <a:schemeClr val="tx1"/>
+                              </a:solidFill>
+                            </a:rPr>
+                            <a:t>, </a:t>
+                          </a:r>
+                          <a14:m>
+                            <m:oMath xmlns:m="http://schemas.openxmlformats.org/officeDocument/2006/math">
+                              <m:r>
+                                <a:rPr lang="en-US" b="0" i="1" smtClean="0">
+                                  <a:solidFill>
+                                    <a:schemeClr val="accent2"/>
+                                  </a:solidFill>
+                                  <a:latin typeface="Cambria Math" panose="02040503050406030204" pitchFamily="18" charset="0"/>
+                                </a:rPr>
+                                <m:t>∃</m:t>
+                              </m:r>
+                            </m:oMath>
+                          </a14:m>
+                          <a:r>
+                            <a:rPr lang="en-US" dirty="0" smtClean="0">
+                              <a:solidFill>
+                                <a:schemeClr val="tx1"/>
+                              </a:solidFill>
+                            </a:rPr>
+                            <a:t> mixed </a:t>
+                          </a:r>
+                          <a:r>
+                            <a:rPr lang="en-US" dirty="0" smtClean="0">
+                              <a:solidFill>
+                                <a:schemeClr val="tx1"/>
+                              </a:solidFill>
+                            </a:rPr>
+                            <a:t>state</a:t>
+                          </a:r>
+                          <a:r>
+                            <a:rPr lang="en-US" dirty="0">
+                              <a:solidFill>
+                                <a:schemeClr val="tx1"/>
+                              </a:solidFill>
+                            </a:rPr>
+                            <a:t> </a:t>
+                          </a:r>
+                          <a14:m>
+                            <m:oMath xmlns:m="http://schemas.openxmlformats.org/officeDocument/2006/math">
+                              <m:r>
+                                <a:rPr lang="en-US" b="0" i="1" smtClean="0">
+                                  <a:solidFill>
+                                    <a:schemeClr val="tx1"/>
+                                  </a:solidFill>
+                                  <a:latin typeface="Cambria Math" panose="02040503050406030204" pitchFamily="18" charset="0"/>
+                                </a:rPr>
+                                <m:t>𝜌</m:t>
+                              </m:r>
+                            </m:oMath>
+                          </a14:m>
+                          <a:r>
+                            <a:rPr lang="en-US" dirty="0" smtClean="0">
+                              <a:solidFill>
+                                <a:schemeClr val="tx1"/>
+                              </a:solidFill>
+                            </a:rPr>
+                            <a:t> </a:t>
+                          </a:r>
+                          <a:r>
+                            <a:rPr lang="en-US" dirty="0" smtClean="0">
+                              <a:solidFill>
+                                <a:schemeClr val="accent2"/>
+                              </a:solidFill>
+                            </a:rPr>
+                            <a:t>such that</a:t>
+                          </a:r>
+                          <a:r>
+                            <a:rPr lang="en-US" dirty="0" smtClean="0">
+                              <a:solidFill>
+                                <a:schemeClr val="tx1"/>
+                              </a:solidFill>
+                            </a:rPr>
+                            <a:t/>
+                          </a:r>
+                          <a:br>
+                            <a:rPr lang="en-US" dirty="0" smtClean="0">
+                              <a:solidFill>
+                                <a:schemeClr val="tx1"/>
+                              </a:solidFill>
+                            </a:rPr>
+                          </a:br>
+                          <a14:m>
+                            <m:oMath xmlns:m="http://schemas.openxmlformats.org/officeDocument/2006/math">
+                              <m:r>
+                                <a:rPr lang="en-US" b="0" i="1" smtClean="0">
+                                  <a:solidFill>
+                                    <a:schemeClr val="tx1"/>
+                                  </a:solidFill>
+                                  <a:latin typeface="Cambria Math" panose="02040503050406030204" pitchFamily="18" charset="0"/>
+                                </a:rPr>
+                                <m:t>∀</m:t>
+                              </m:r>
+                              <m:r>
+                                <a:rPr lang="en-US" b="0" i="1" smtClean="0">
+                                  <a:solidFill>
+                                    <a:schemeClr val="tx1"/>
+                                  </a:solidFill>
+                                  <a:latin typeface="Cambria Math" panose="02040503050406030204" pitchFamily="18" charset="0"/>
+                                </a:rPr>
+                                <m:t>𝑃</m:t>
+                              </m:r>
+                              <m:r>
+                                <a:rPr lang="en-US" b="0" i="1" smtClean="0">
+                                  <a:solidFill>
+                                    <a:schemeClr val="tx1"/>
+                                  </a:solidFill>
+                                  <a:latin typeface="Cambria Math" panose="02040503050406030204" pitchFamily="18" charset="0"/>
+                                </a:rPr>
+                                <m:t>∈</m:t>
+                              </m:r>
+                              <m:r>
+                                <a:rPr lang="en-US" i="1" smtClean="0">
+                                  <a:solidFill>
+                                    <a:schemeClr val="accent2"/>
+                                  </a:solidFill>
+                                  <a:latin typeface="Cambria Math" panose="02040503050406030204" pitchFamily="18" charset="0"/>
+                                  <a:ea typeface="Cambria Math" panose="02040503050406030204" pitchFamily="18" charset="0"/>
+                                </a:rPr>
+                                <m:t>ℰ</m:t>
+                              </m:r>
+                              <m:r>
+                                <a:rPr lang="en-US" b="0" i="0" smtClean="0">
+                                  <a:solidFill>
+                                    <a:schemeClr val="tx1"/>
+                                  </a:solidFill>
+                                  <a:latin typeface="Cambria Math" panose="02040503050406030204" pitchFamily="18" charset="0"/>
+                                </a:rPr>
+                                <m:t>.</m:t>
+                              </m:r>
+                              <m:sSubSup>
+                                <m:sSubSupPr>
+                                  <m:ctrlPr>
+                                    <a:rPr lang="en-US" b="0" i="1" smtClean="0">
+                                      <a:solidFill>
+                                        <a:schemeClr val="tx1"/>
+                                      </a:solidFill>
+                                      <a:latin typeface="Cambria Math" panose="02040503050406030204" pitchFamily="18" charset="0"/>
+                                    </a:rPr>
+                                  </m:ctrlPr>
+                                </m:sSubSupPr>
+                                <m:e>
+                                  <m:r>
+                                    <a:rPr lang="en-US" i="1">
+                                      <a:solidFill>
+                                        <a:schemeClr val="tx1"/>
+                                      </a:solidFill>
+                                      <a:latin typeface="Cambria Math" panose="02040503050406030204" pitchFamily="18" charset="0"/>
+                                    </a:rPr>
+                                    <m:t>𝜇</m:t>
+                                  </m:r>
+                                </m:e>
+                                <m:sub>
+                                  <m:r>
+                                    <a:rPr lang="en-US" b="0" i="1" smtClean="0">
+                                      <a:solidFill>
+                                        <a:schemeClr val="tx1"/>
+                                      </a:solidFill>
+                                      <a:latin typeface="Cambria Math" panose="02040503050406030204" pitchFamily="18" charset="0"/>
+                                    </a:rPr>
+                                    <m:t>𝜌</m:t>
+                                  </m:r>
+                                </m:sub>
+                                <m:sup>
+                                  <m:r>
+                                    <m:rPr>
+                                      <m:nor/>
+                                    </m:rPr>
+                                    <a:rPr lang="en-US" b="0" i="0" smtClean="0">
+                                      <a:solidFill>
+                                        <a:schemeClr val="tx1"/>
+                                      </a:solidFill>
+                                      <a:latin typeface="Cambria Math" panose="02040503050406030204" pitchFamily="18" charset="0"/>
+                                    </a:rPr>
+                                    <m:t>B</m:t>
+                                  </m:r>
+                                </m:sup>
+                              </m:sSubSup>
+                              <m:d>
+                                <m:dPr>
+                                  <m:ctrlPr>
+                                    <a:rPr lang="en-US" i="1">
+                                      <a:solidFill>
+                                        <a:schemeClr val="tx1"/>
+                                      </a:solidFill>
+                                      <a:latin typeface="Cambria Math" panose="02040503050406030204" pitchFamily="18" charset="0"/>
+                                    </a:rPr>
+                                  </m:ctrlPr>
+                                </m:dPr>
+                                <m:e>
+                                  <m:r>
+                                    <a:rPr lang="en-US" i="1">
+                                      <a:solidFill>
+                                        <a:schemeClr val="tx1"/>
+                                      </a:solidFill>
+                                      <a:latin typeface="Cambria Math" panose="02040503050406030204" pitchFamily="18" charset="0"/>
+                                    </a:rPr>
+                                    <m:t>𝑃</m:t>
+                                  </m:r>
+                                </m:e>
+                              </m:d>
+                              <m:r>
+                                <a:rPr lang="en-US" b="0" i="1" smtClean="0">
+                                  <a:solidFill>
+                                    <a:schemeClr val="tx1"/>
+                                  </a:solidFill>
+                                  <a:latin typeface="Cambria Math" panose="02040503050406030204" pitchFamily="18" charset="0"/>
+                                </a:rPr>
+                                <m:t>∈</m:t>
+                              </m:r>
+                              <m:r>
+                                <a:rPr lang="en-US" i="1">
+                                  <a:solidFill>
+                                    <a:schemeClr val="tx1"/>
+                                  </a:solidFill>
+                                  <a:latin typeface="Cambria Math" panose="02040503050406030204" pitchFamily="18" charset="0"/>
+                                </a:rPr>
+                                <m:t>𝜇</m:t>
+                              </m:r>
+                              <m:d>
+                                <m:dPr>
+                                  <m:ctrlPr>
+                                    <a:rPr lang="en-US" b="0" i="1" smtClean="0">
+                                      <a:solidFill>
+                                        <a:schemeClr val="tx1"/>
+                                      </a:solidFill>
+                                      <a:latin typeface="Cambria Math" panose="02040503050406030204" pitchFamily="18" charset="0"/>
+                                    </a:rPr>
+                                  </m:ctrlPr>
+                                </m:dPr>
+                                <m:e>
+                                  <m:r>
+                                    <a:rPr lang="en-US" b="0" i="1" smtClean="0">
+                                      <a:solidFill>
+                                        <a:schemeClr val="tx1"/>
+                                      </a:solidFill>
+                                      <a:latin typeface="Cambria Math" panose="02040503050406030204" pitchFamily="18" charset="0"/>
+                                    </a:rPr>
+                                    <m:t>𝑃</m:t>
+                                  </m:r>
+                                </m:e>
+                              </m:d>
+                            </m:oMath>
+                          </a14:m>
+                          <a:r>
+                            <a:rPr lang="en-US" dirty="0" smtClean="0">
+                              <a:solidFill>
+                                <a:schemeClr val="tx1"/>
+                              </a:solidFill>
+                            </a:rPr>
+                            <a:t>.</a:t>
+                          </a:r>
+                          <a:endParaRPr lang="en-US" dirty="0">
+                            <a:solidFill>
+                              <a:schemeClr val="tx1"/>
+                            </a:solidFill>
+                          </a:endParaRPr>
+                        </a:p>
+                      </a:txBody>
+                      <a:tcPr anchor="ctr"/>
+                    </a:tc>
+                  </a:tr>
+                  <a:tr h="370840">
+                    <a:tc>
+                      <a:txBody>
+                        <a:bodyPr/>
+                        <a:lstStyle/>
+                        <a:p>
+                          <a:pPr marL="0" marR="0" lvl="0" indent="0" algn="ctr" defTabSz="914400" rtl="0" eaLnBrk="1" fontAlgn="auto" latinLnBrk="0" hangingPunct="1">
+                            <a:lnSpc>
+                              <a:spcPct val="100000"/>
+                            </a:lnSpc>
+                            <a:spcBef>
+                              <a:spcPts val="0"/>
+                            </a:spcBef>
+                            <a:spcAft>
+                              <a:spcPts val="0"/>
+                            </a:spcAft>
+                            <a:buClrTx/>
+                            <a:buSzTx/>
+                            <a:buFontTx/>
+                            <a:buNone/>
+                            <a:tabLst/>
+                            <a:defRPr/>
+                          </a:pPr>
+                          <a:r>
+                            <a:rPr lang="en-US" dirty="0" smtClean="0"/>
+                            <a:t>Finite</a:t>
+                          </a:r>
+                          <a:r>
+                            <a:rPr lang="en-US" baseline="0" dirty="0" smtClean="0"/>
+                            <a:t>-Precision </a:t>
+                          </a:r>
+                          <a:r>
+                            <a:rPr lang="en-US" dirty="0" smtClean="0"/>
+                            <a:t>Interval-valued</a:t>
+                          </a:r>
+                        </a:p>
+                        <a:p>
+                          <a:pPr marL="0" marR="0" lvl="0" indent="0" algn="ctr" defTabSz="914400" rtl="0" eaLnBrk="1" fontAlgn="auto" latinLnBrk="0" hangingPunct="1">
+                            <a:lnSpc>
+                              <a:spcPct val="100000"/>
+                            </a:lnSpc>
+                            <a:spcBef>
+                              <a:spcPts val="0"/>
+                            </a:spcBef>
+                            <a:spcAft>
+                              <a:spcPts val="0"/>
+                            </a:spcAft>
+                            <a:buClrTx/>
+                            <a:buSzTx/>
+                            <a:buFontTx/>
+                            <a:buNone/>
+                            <a:tabLst/>
+                            <a:defRPr/>
+                          </a:pPr>
+                          <a14:m>
+                            <m:oMathPara xmlns:m="http://schemas.openxmlformats.org/officeDocument/2006/math">
+                              <m:oMathParaPr>
+                                <m:jc m:val="centerGroup"/>
+                              </m:oMathParaPr>
+                              <m:oMath xmlns:m="http://schemas.openxmlformats.org/officeDocument/2006/math">
+                                <m:d>
+                                  <m:dPr>
+                                    <m:begChr m:val=""/>
+                                    <m:endChr m:val=""/>
+                                    <m:ctrlPr>
+                                      <a:rPr lang="en-US" b="0" i="1" smtClean="0">
+                                        <a:solidFill>
+                                          <a:schemeClr val="accent2"/>
+                                        </a:solidFill>
+                                        <a:latin typeface="Cambria Math" panose="02040503050406030204" pitchFamily="18" charset="0"/>
+                                        <a:ea typeface="Cambria Math" panose="02040503050406030204" pitchFamily="18" charset="0"/>
+                                        <a:cs typeface="XITS Math" panose="02000503000000000000" pitchFamily="50" charset="0"/>
+                                      </a:rPr>
+                                    </m:ctrlPr>
+                                  </m:dPr>
+                                  <m:e>
+                                    <m:r>
+                                      <a:rPr lang="en-US" b="0" i="1" smtClean="0">
+                                        <a:solidFill>
+                                          <a:schemeClr val="accent2"/>
+                                        </a:solidFill>
+                                        <a:latin typeface="XITS Math" panose="02000503000000000000" pitchFamily="50" charset="0"/>
+                                        <a:ea typeface="XITS Math" panose="02000503000000000000" pitchFamily="50" charset="0"/>
+                                        <a:cs typeface="XITS Math" panose="02000503000000000000" pitchFamily="50" charset="0"/>
+                                      </a:rPr>
+                                      <m:t>ℐ</m:t>
+                                    </m:r>
+                                  </m:e>
+                                </m:d>
+                                <m:r>
+                                  <a:rPr lang="en-US" b="0" i="1" smtClean="0">
+                                    <a:solidFill>
+                                      <a:schemeClr val="accent2"/>
+                                    </a:solidFill>
+                                    <a:latin typeface="Cambria Math" panose="02040503050406030204" pitchFamily="18" charset="0"/>
+                                    <a:ea typeface="Cambria Math" panose="02040503050406030204" pitchFamily="18" charset="0"/>
+                                  </a:rPr>
+                                  <m:t>=</m:t>
+                                </m:r>
+                                <m:d>
+                                  <m:dPr>
+                                    <m:begChr m:val="{"/>
+                                    <m:endChr m:val="}"/>
+                                    <m:ctrlPr>
+                                      <a:rPr lang="en-US" b="0" i="1" smtClean="0">
+                                        <a:solidFill>
+                                          <a:schemeClr val="accent2"/>
+                                        </a:solidFill>
+                                        <a:latin typeface="Cambria Math" panose="02040503050406030204" pitchFamily="18" charset="0"/>
+                                        <a:ea typeface="Cambria Math" panose="02040503050406030204" pitchFamily="18" charset="0"/>
+                                      </a:rPr>
+                                    </m:ctrlPr>
+                                  </m:dPr>
+                                  <m:e>
+                                    <m:d>
+                                      <m:dPr>
+                                        <m:begChr m:val="["/>
+                                        <m:endChr m:val="]"/>
+                                        <m:ctrlPr>
+                                          <a:rPr lang="en-US" b="0" i="1" smtClean="0">
+                                            <a:solidFill>
+                                              <a:schemeClr val="accent2"/>
+                                            </a:solidFill>
+                                            <a:latin typeface="Cambria Math" panose="02040503050406030204" pitchFamily="18" charset="0"/>
+                                            <a:ea typeface="Cambria Math" panose="02040503050406030204" pitchFamily="18" charset="0"/>
+                                          </a:rPr>
+                                        </m:ctrlPr>
+                                      </m:dPr>
+                                      <m:e>
+                                        <m:sSub>
+                                          <m:sSubPr>
+                                            <m:ctrlPr>
+                                              <a:rPr lang="en-US" b="0" i="1" smtClean="0">
+                                                <a:solidFill>
+                                                  <a:schemeClr val="accent2"/>
+                                                </a:solidFill>
+                                                <a:latin typeface="Cambria Math" panose="02040503050406030204" pitchFamily="18" charset="0"/>
+                                                <a:ea typeface="Cambria Math" panose="02040503050406030204" pitchFamily="18" charset="0"/>
+                                              </a:rPr>
+                                            </m:ctrlPr>
+                                          </m:sSubPr>
+                                          <m:e>
+                                            <m:r>
+                                              <a:rPr lang="en-US" b="0" i="1" smtClean="0">
+                                                <a:solidFill>
+                                                  <a:schemeClr val="accent2"/>
+                                                </a:solidFill>
+                                                <a:latin typeface="Cambria Math" panose="02040503050406030204" pitchFamily="18" charset="0"/>
+                                                <a:ea typeface="Cambria Math" panose="02040503050406030204" pitchFamily="18" charset="0"/>
+                                              </a:rPr>
+                                              <m:t>𝑟</m:t>
+                                            </m:r>
+                                          </m:e>
+                                          <m:sub>
+                                            <m:r>
+                                              <a:rPr lang="en-US" b="0" i="1" smtClean="0">
+                                                <a:solidFill>
+                                                  <a:schemeClr val="accent2"/>
+                                                </a:solidFill>
+                                                <a:latin typeface="Cambria Math" panose="02040503050406030204" pitchFamily="18" charset="0"/>
+                                                <a:ea typeface="Cambria Math" panose="02040503050406030204" pitchFamily="18" charset="0"/>
+                                              </a:rPr>
+                                              <m:t>𝑖</m:t>
+                                            </m:r>
+                                          </m:sub>
+                                        </m:sSub>
+                                        <m:r>
+                                          <a:rPr lang="en-US" b="0" i="1" smtClean="0">
+                                            <a:solidFill>
+                                              <a:schemeClr val="accent2"/>
+                                            </a:solidFill>
+                                            <a:latin typeface="Cambria Math" panose="02040503050406030204" pitchFamily="18" charset="0"/>
+                                            <a:ea typeface="Cambria Math" panose="02040503050406030204" pitchFamily="18" charset="0"/>
+                                          </a:rPr>
+                                          <m:t>,</m:t>
+                                        </m:r>
+                                        <m:sSub>
+                                          <m:sSubPr>
+                                            <m:ctrlPr>
+                                              <a:rPr lang="en-US" b="0" i="1" smtClean="0">
+                                                <a:solidFill>
+                                                  <a:schemeClr val="accent2"/>
+                                                </a:solidFill>
+                                                <a:latin typeface="Cambria Math" panose="02040503050406030204" pitchFamily="18" charset="0"/>
+                                                <a:ea typeface="Cambria Math" panose="02040503050406030204" pitchFamily="18" charset="0"/>
+                                              </a:rPr>
+                                            </m:ctrlPr>
+                                          </m:sSubPr>
+                                          <m:e>
+                                            <m:r>
+                                              <a:rPr lang="en-US" b="0" i="1" smtClean="0">
+                                                <a:solidFill>
+                                                  <a:schemeClr val="accent2"/>
+                                                </a:solidFill>
+                                                <a:latin typeface="Cambria Math" panose="02040503050406030204" pitchFamily="18" charset="0"/>
+                                                <a:ea typeface="Cambria Math" panose="02040503050406030204" pitchFamily="18" charset="0"/>
+                                              </a:rPr>
+                                              <m:t>ℓ</m:t>
+                                            </m:r>
+                                          </m:e>
+                                          <m:sub>
+                                            <m:r>
+                                              <a:rPr lang="en-US" b="0" i="1" smtClean="0">
+                                                <a:solidFill>
+                                                  <a:schemeClr val="accent2"/>
+                                                </a:solidFill>
+                                                <a:latin typeface="Cambria Math" panose="02040503050406030204" pitchFamily="18" charset="0"/>
+                                                <a:ea typeface="Cambria Math" panose="02040503050406030204" pitchFamily="18" charset="0"/>
+                                              </a:rPr>
+                                              <m:t>𝑖</m:t>
+                                            </m:r>
+                                          </m:sub>
+                                        </m:sSub>
+                                      </m:e>
+                                    </m:d>
+                                    <m:r>
+                                      <a:rPr lang="en-US" b="0" i="1" smtClean="0">
+                                        <a:solidFill>
+                                          <a:schemeClr val="accent2"/>
+                                        </a:solidFill>
+                                        <a:latin typeface="Cambria Math" panose="02040503050406030204" pitchFamily="18" charset="0"/>
+                                        <a:ea typeface="Cambria Math" panose="02040503050406030204" pitchFamily="18" charset="0"/>
+                                      </a:rPr>
+                                      <m:t>⊆</m:t>
+                                    </m:r>
+                                    <m:d>
+                                      <m:dPr>
+                                        <m:begChr m:val="["/>
+                                        <m:endChr m:val="]"/>
+                                        <m:ctrlPr>
+                                          <a:rPr lang="en-US" b="0" i="1" smtClean="0">
+                                            <a:solidFill>
+                                              <a:schemeClr val="accent2"/>
+                                            </a:solidFill>
+                                            <a:latin typeface="Cambria Math" panose="02040503050406030204" pitchFamily="18" charset="0"/>
+                                            <a:ea typeface="Cambria Math" panose="02040503050406030204" pitchFamily="18" charset="0"/>
+                                          </a:rPr>
+                                        </m:ctrlPr>
+                                      </m:dPr>
+                                      <m:e>
+                                        <m:r>
+                                          <a:rPr lang="en-US" b="0" i="1" smtClean="0">
+                                            <a:solidFill>
+                                              <a:schemeClr val="accent2"/>
+                                            </a:solidFill>
+                                            <a:latin typeface="Cambria Math" panose="02040503050406030204" pitchFamily="18" charset="0"/>
+                                            <a:ea typeface="Cambria Math" panose="02040503050406030204" pitchFamily="18" charset="0"/>
+                                          </a:rPr>
+                                          <m:t>0,1</m:t>
+                                        </m:r>
+                                      </m:e>
+                                    </m:d>
+                                  </m:e>
+                                </m:d>
+                              </m:oMath>
+                            </m:oMathPara>
+                          </a14:m>
+                          <a:endParaRPr lang="en-US" dirty="0">
+                            <a:solidFill>
+                              <a:schemeClr val="accent2"/>
+                            </a:solidFill>
+                          </a:endParaRPr>
+                        </a:p>
+                      </a:txBody>
+                      <a:tcPr anchor="ctr"/>
+                    </a:tc>
+                    <a:tc>
+                      <a:txBody>
+                        <a:bodyPr/>
+                        <a:lstStyle/>
+                        <a:p>
+                          <a:pPr marL="0" marR="0" lvl="0" indent="0" algn="ctr" defTabSz="914400" rtl="0" eaLnBrk="1" fontAlgn="auto" latinLnBrk="0" hangingPunct="1">
+                            <a:lnSpc>
+                              <a:spcPct val="100000"/>
+                            </a:lnSpc>
+                            <a:spcBef>
+                              <a:spcPts val="0"/>
+                            </a:spcBef>
+                            <a:spcAft>
+                              <a:spcPts val="0"/>
+                            </a:spcAft>
+                            <a:buClrTx/>
+                            <a:buSzTx/>
+                            <a:buFontTx/>
+                            <a:buNone/>
+                            <a:tabLst/>
+                            <a:defRPr/>
+                          </a:pPr>
+                          <a:r>
+                            <a:rPr lang="en-US" dirty="0" smtClean="0">
+                              <a:solidFill>
+                                <a:schemeClr val="tx1"/>
+                              </a:solidFill>
+                            </a:rPr>
+                            <a:t>Given a CIVPM </a:t>
+                          </a:r>
+                          <a14:m>
+                            <m:oMath xmlns:m="http://schemas.openxmlformats.org/officeDocument/2006/math">
+                              <m:bar>
+                                <m:barPr>
+                                  <m:pos m:val="top"/>
+                                  <m:ctrlPr>
+                                    <a:rPr lang="en-US" i="1">
+                                      <a:solidFill>
+                                        <a:schemeClr val="tx1"/>
+                                      </a:solidFill>
+                                      <a:latin typeface="Cambria Math" panose="02040503050406030204" pitchFamily="18" charset="0"/>
+                                    </a:rPr>
+                                  </m:ctrlPr>
+                                </m:barPr>
+                                <m:e>
+                                  <m:r>
+                                    <a:rPr lang="en-US" i="1">
+                                      <a:solidFill>
+                                        <a:schemeClr val="tx1"/>
+                                      </a:solidFill>
+                                      <a:latin typeface="Cambria Math" panose="02040503050406030204" pitchFamily="18" charset="0"/>
+                                    </a:rPr>
+                                    <m:t>𝜇</m:t>
+                                  </m:r>
+                                </m:e>
+                              </m:bar>
+                              <m:r>
+                                <a:rPr lang="en-US" b="0" i="1" smtClean="0">
+                                  <a:solidFill>
+                                    <a:schemeClr val="tx1"/>
+                                  </a:solidFill>
+                                  <a:latin typeface="Cambria Math" panose="02040503050406030204" pitchFamily="18" charset="0"/>
+                                </a:rPr>
+                                <m:t>:</m:t>
+                              </m:r>
+                              <m:sSup>
+                                <m:sSupPr>
+                                  <m:ctrlPr>
+                                    <a:rPr lang="en-US" i="1" smtClean="0">
+                                      <a:solidFill>
+                                        <a:srgbClr val="FF0000"/>
+                                      </a:solidFill>
+                                      <a:latin typeface="Cambria Math" panose="02040503050406030204" pitchFamily="18" charset="0"/>
+                                      <a:ea typeface="Cambria Math" panose="02040503050406030204" pitchFamily="18" charset="0"/>
+                                    </a:rPr>
+                                  </m:ctrlPr>
+                                </m:sSupPr>
+                                <m:e>
+                                  <m:r>
+                                    <a:rPr lang="en-US" i="1">
+                                      <a:solidFill>
+                                        <a:srgbClr val="FF0000"/>
+                                      </a:solidFill>
+                                      <a:latin typeface="Cambria Math" panose="02040503050406030204" pitchFamily="18" charset="0"/>
+                                      <a:ea typeface="Cambria Math" panose="02040503050406030204" pitchFamily="18" charset="0"/>
+                                    </a:rPr>
+                                    <m:t>2</m:t>
+                                  </m:r>
+                                </m:e>
+                                <m:sup>
+                                  <m:r>
+                                    <m:rPr>
+                                      <m:sty m:val="p"/>
+                                    </m:rPr>
+                                    <a:rPr lang="el-GR" i="1">
+                                      <a:solidFill>
+                                        <a:srgbClr val="FF0000"/>
+                                      </a:solidFill>
+                                      <a:latin typeface="Cambria Math" panose="02040503050406030204" pitchFamily="18" charset="0"/>
+                                      <a:ea typeface="Cambria Math" panose="02040503050406030204" pitchFamily="18" charset="0"/>
+                                    </a:rPr>
+                                    <m:t>Ω</m:t>
+                                  </m:r>
+                                </m:sup>
+                              </m:sSup>
+                              <m:r>
+                                <a:rPr lang="en-US">
+                                  <a:solidFill>
+                                    <a:schemeClr val="tx1"/>
+                                  </a:solidFill>
+                                  <a:latin typeface="Cambria Math" panose="02040503050406030204" pitchFamily="18" charset="0"/>
+                                  <a:ea typeface="Cambria Math" panose="02040503050406030204" pitchFamily="18" charset="0"/>
+                                </a:rPr>
+                                <m:t>→</m:t>
+                              </m:r>
+                              <m:d>
+                                <m:dPr>
+                                  <m:begChr m:val=""/>
+                                  <m:endChr m:val=""/>
+                                  <m:ctrlPr>
+                                    <a:rPr lang="en-US" i="1" smtClean="0">
+                                      <a:solidFill>
+                                        <a:schemeClr val="tx1"/>
+                                      </a:solidFill>
+                                      <a:latin typeface="Cambria Math" panose="02040503050406030204" pitchFamily="18" charset="0"/>
+                                      <a:ea typeface="Cambria Math" panose="02040503050406030204" pitchFamily="18" charset="0"/>
+                                      <a:cs typeface="XITS Math" panose="02000503000000000000" pitchFamily="50" charset="0"/>
+                                    </a:rPr>
+                                  </m:ctrlPr>
+                                </m:dPr>
+                                <m:e>
+                                  <m:r>
+                                    <a:rPr lang="en-US" i="1">
+                                      <a:solidFill>
+                                        <a:schemeClr val="tx1"/>
+                                      </a:solidFill>
+                                      <a:latin typeface="XITS Math" panose="02000503000000000000" pitchFamily="50" charset="0"/>
+                                      <a:ea typeface="XITS Math" panose="02000503000000000000" pitchFamily="50" charset="0"/>
+                                      <a:cs typeface="XITS Math" panose="02000503000000000000" pitchFamily="50" charset="0"/>
+                                    </a:rPr>
+                                    <m:t>ℐ</m:t>
+                                  </m:r>
+                                </m:e>
+                              </m:d>
+                            </m:oMath>
+                          </a14:m>
+                          <a:r>
+                            <a:rPr lang="en-US" dirty="0" smtClean="0">
+                              <a:solidFill>
+                                <a:schemeClr val="tx1"/>
+                              </a:solidFill>
+                            </a:rPr>
+                            <a:t>, </a:t>
+                          </a:r>
+                          <a:br>
+                            <a:rPr lang="en-US" dirty="0" smtClean="0">
+                              <a:solidFill>
+                                <a:schemeClr val="tx1"/>
+                              </a:solidFill>
+                            </a:rPr>
+                          </a:br>
+                          <a:r>
+                            <a:rPr lang="en-US" dirty="0" smtClean="0">
+                              <a:solidFill>
+                                <a:schemeClr val="tx1"/>
+                              </a:solidFill>
+                            </a:rPr>
+                            <a:t>a </a:t>
+                          </a:r>
+                          <a:r>
+                            <a:rPr lang="en-US" dirty="0" smtClean="0">
+                              <a:solidFill>
+                                <a:srgbClr val="FF0000"/>
+                              </a:solidFill>
+                            </a:rPr>
+                            <a:t>CRVPM</a:t>
+                          </a:r>
+                          <a:r>
+                            <a:rPr lang="en-US" dirty="0" smtClean="0">
+                              <a:solidFill>
+                                <a:srgbClr val="FF0000"/>
+                              </a:solidFill>
+                            </a:rPr>
+                            <a:t> </a:t>
+                          </a:r>
+                          <a14:m>
+                            <m:oMath xmlns:m="http://schemas.openxmlformats.org/officeDocument/2006/math">
+                              <m:r>
+                                <a:rPr lang="en-US" i="1" smtClean="0">
+                                  <a:solidFill>
+                                    <a:srgbClr val="FF0000"/>
+                                  </a:solidFill>
+                                  <a:latin typeface="Cambria Math" panose="02040503050406030204" pitchFamily="18" charset="0"/>
+                                </a:rPr>
+                                <m:t>𝜇</m:t>
+                              </m:r>
+                              <m:r>
+                                <a:rPr lang="en-US" b="0" i="1" smtClean="0">
+                                  <a:solidFill>
+                                    <a:srgbClr val="FF0000"/>
+                                  </a:solidFill>
+                                  <a:latin typeface="Cambria Math" panose="02040503050406030204" pitchFamily="18" charset="0"/>
+                                </a:rPr>
+                                <m:t>∈</m:t>
+                              </m:r>
+                              <m:r>
+                                <m:rPr>
+                                  <m:nor/>
+                                </m:rPr>
+                                <a:rPr lang="en-US" b="0" i="0" smtClean="0">
+                                  <a:solidFill>
+                                    <a:srgbClr val="FF0000"/>
+                                  </a:solidFill>
+                                  <a:latin typeface="Cambria Math" panose="02040503050406030204" pitchFamily="18" charset="0"/>
+                                </a:rPr>
+                                <m:t>core</m:t>
+                              </m:r>
+                              <m:d>
+                                <m:dPr>
+                                  <m:ctrlPr>
+                                    <a:rPr lang="en-US" b="0" i="1" smtClean="0">
+                                      <a:solidFill>
+                                        <a:srgbClr val="FF0000"/>
+                                      </a:solidFill>
+                                      <a:latin typeface="Cambria Math" panose="02040503050406030204" pitchFamily="18" charset="0"/>
+                                    </a:rPr>
+                                  </m:ctrlPr>
+                                </m:dPr>
+                                <m:e>
+                                  <m:bar>
+                                    <m:barPr>
+                                      <m:pos m:val="top"/>
+                                      <m:ctrlPr>
+                                        <a:rPr lang="en-US" i="1">
+                                          <a:solidFill>
+                                            <a:srgbClr val="FF0000"/>
+                                          </a:solidFill>
+                                          <a:latin typeface="Cambria Math" panose="02040503050406030204" pitchFamily="18" charset="0"/>
+                                        </a:rPr>
+                                      </m:ctrlPr>
+                                    </m:barPr>
+                                    <m:e>
+                                      <m:r>
+                                        <a:rPr lang="en-US" i="1">
+                                          <a:solidFill>
+                                            <a:srgbClr val="FF0000"/>
+                                          </a:solidFill>
+                                          <a:latin typeface="Cambria Math" panose="02040503050406030204" pitchFamily="18" charset="0"/>
+                                        </a:rPr>
+                                        <m:t>𝜇</m:t>
+                                      </m:r>
+                                    </m:e>
+                                  </m:bar>
+                                </m:e>
+                              </m:d>
+                            </m:oMath>
+                          </a14:m>
+                          <a:r>
+                            <a:rPr lang="en-US" dirty="0" smtClean="0">
+                              <a:solidFill>
+                                <a:schemeClr val="tx1"/>
+                              </a:solidFill>
+                            </a:rPr>
+                            <a:t> if and only if </a:t>
+                          </a:r>
+                          <a14:m>
+                            <m:oMath xmlns:m="http://schemas.openxmlformats.org/officeDocument/2006/math">
+                              <m:r>
+                                <a:rPr lang="en-US" b="0" i="1" smtClean="0">
+                                  <a:solidFill>
+                                    <a:schemeClr val="tx1"/>
+                                  </a:solidFill>
+                                  <a:latin typeface="Cambria Math" panose="02040503050406030204" pitchFamily="18" charset="0"/>
+                                </a:rPr>
+                                <m:t>∀</m:t>
+                              </m:r>
+                              <m:r>
+                                <a:rPr lang="en-US" i="1" smtClean="0">
+                                  <a:solidFill>
+                                    <a:schemeClr val="tx1"/>
+                                  </a:solidFill>
+                                  <a:latin typeface="Cambria Math" panose="02040503050406030204" pitchFamily="18" charset="0"/>
+                                </a:rPr>
+                                <m:t>𝐸</m:t>
+                              </m:r>
+                              <m:r>
+                                <a:rPr lang="en-US" b="0" i="1" smtClean="0">
+                                  <a:solidFill>
+                                    <a:schemeClr val="tx1"/>
+                                  </a:solidFill>
+                                  <a:latin typeface="Cambria Math" panose="02040503050406030204" pitchFamily="18" charset="0"/>
+                                </a:rPr>
+                                <m:t>∈</m:t>
+                              </m:r>
+                              <m:sSup>
+                                <m:sSupPr>
+                                  <m:ctrlPr>
+                                    <a:rPr lang="en-US" i="1" smtClean="0">
+                                      <a:solidFill>
+                                        <a:srgbClr val="FF0000"/>
+                                      </a:solidFill>
+                                      <a:latin typeface="Cambria Math" panose="02040503050406030204" pitchFamily="18" charset="0"/>
+                                      <a:ea typeface="Cambria Math" panose="02040503050406030204" pitchFamily="18" charset="0"/>
+                                    </a:rPr>
+                                  </m:ctrlPr>
+                                </m:sSupPr>
+                                <m:e>
+                                  <m:r>
+                                    <a:rPr lang="en-US" i="1">
+                                      <a:solidFill>
+                                        <a:srgbClr val="FF0000"/>
+                                      </a:solidFill>
+                                      <a:latin typeface="Cambria Math" panose="02040503050406030204" pitchFamily="18" charset="0"/>
+                                      <a:ea typeface="Cambria Math" panose="02040503050406030204" pitchFamily="18" charset="0"/>
+                                    </a:rPr>
+                                    <m:t>2</m:t>
+                                  </m:r>
+                                </m:e>
+                                <m:sup>
+                                  <m:r>
+                                    <m:rPr>
+                                      <m:sty m:val="p"/>
+                                    </m:rPr>
+                                    <a:rPr lang="el-GR" i="1">
+                                      <a:solidFill>
+                                        <a:srgbClr val="FF0000"/>
+                                      </a:solidFill>
+                                      <a:latin typeface="Cambria Math" panose="02040503050406030204" pitchFamily="18" charset="0"/>
+                                      <a:ea typeface="Cambria Math" panose="02040503050406030204" pitchFamily="18" charset="0"/>
+                                    </a:rPr>
+                                    <m:t>Ω</m:t>
+                                  </m:r>
+                                </m:sup>
+                              </m:sSup>
+                              <m:r>
+                                <a:rPr lang="en-US" b="0" i="0" smtClean="0">
+                                  <a:solidFill>
+                                    <a:schemeClr val="tx1"/>
+                                  </a:solidFill>
+                                  <a:latin typeface="Cambria Math" panose="02040503050406030204" pitchFamily="18" charset="0"/>
+                                </a:rPr>
+                                <m:t>.</m:t>
+                              </m:r>
+                              <m:r>
+                                <a:rPr lang="en-US" i="1" smtClean="0">
+                                  <a:solidFill>
+                                    <a:srgbClr val="FF0000"/>
+                                  </a:solidFill>
+                                  <a:latin typeface="Cambria Math" panose="02040503050406030204" pitchFamily="18" charset="0"/>
+                                </a:rPr>
+                                <m:t>𝜇</m:t>
+                              </m:r>
+                              <m:d>
+                                <m:dPr>
+                                  <m:ctrlPr>
+                                    <a:rPr lang="en-US" b="0" i="1" smtClean="0">
+                                      <a:solidFill>
+                                        <a:schemeClr val="tx1"/>
+                                      </a:solidFill>
+                                      <a:latin typeface="Cambria Math" panose="02040503050406030204" pitchFamily="18" charset="0"/>
+                                    </a:rPr>
+                                  </m:ctrlPr>
+                                </m:dPr>
+                                <m:e>
+                                  <m:r>
+                                    <a:rPr lang="en-US" b="0" i="1" smtClean="0">
+                                      <a:solidFill>
+                                        <a:schemeClr val="tx1"/>
+                                      </a:solidFill>
+                                      <a:latin typeface="Cambria Math" panose="02040503050406030204" pitchFamily="18" charset="0"/>
+                                    </a:rPr>
+                                    <m:t>𝐸</m:t>
+                                  </m:r>
+                                </m:e>
+                              </m:d>
+                              <m:r>
+                                <a:rPr lang="en-US" b="0" i="1" smtClean="0">
+                                  <a:solidFill>
+                                    <a:schemeClr val="tx1"/>
+                                  </a:solidFill>
+                                  <a:latin typeface="Cambria Math" panose="02040503050406030204" pitchFamily="18" charset="0"/>
+                                </a:rPr>
+                                <m:t>∈</m:t>
+                              </m:r>
+                              <m:bar>
+                                <m:barPr>
+                                  <m:pos m:val="top"/>
+                                  <m:ctrlPr>
+                                    <a:rPr lang="en-US" i="1">
+                                      <a:solidFill>
+                                        <a:schemeClr val="tx1"/>
+                                      </a:solidFill>
+                                      <a:latin typeface="Cambria Math" panose="02040503050406030204" pitchFamily="18" charset="0"/>
+                                    </a:rPr>
+                                  </m:ctrlPr>
+                                </m:barPr>
+                                <m:e>
+                                  <m:r>
+                                    <a:rPr lang="en-US" i="1">
+                                      <a:solidFill>
+                                        <a:schemeClr val="tx1"/>
+                                      </a:solidFill>
+                                      <a:latin typeface="Cambria Math" panose="02040503050406030204" pitchFamily="18" charset="0"/>
+                                    </a:rPr>
+                                    <m:t>𝜇</m:t>
+                                  </m:r>
+                                </m:e>
+                              </m:bar>
+                              <m:d>
+                                <m:dPr>
+                                  <m:ctrlPr>
+                                    <a:rPr lang="en-US" i="1">
+                                      <a:solidFill>
+                                        <a:schemeClr val="tx1"/>
+                                      </a:solidFill>
+                                      <a:latin typeface="Cambria Math" panose="02040503050406030204" pitchFamily="18" charset="0"/>
+                                    </a:rPr>
+                                  </m:ctrlPr>
+                                </m:dPr>
+                                <m:e>
+                                  <m:r>
+                                    <a:rPr lang="en-US" b="0" i="1" smtClean="0">
+                                      <a:solidFill>
+                                        <a:schemeClr val="tx1"/>
+                                      </a:solidFill>
+                                      <a:latin typeface="Cambria Math" panose="02040503050406030204" pitchFamily="18" charset="0"/>
+                                    </a:rPr>
+                                    <m:t>𝐸</m:t>
+                                  </m:r>
+                                </m:e>
+                              </m:d>
+                            </m:oMath>
+                          </a14:m>
+                          <a:r>
+                            <a:rPr lang="en-US" dirty="0" smtClean="0">
+                              <a:solidFill>
+                                <a:schemeClr val="tx1"/>
+                              </a:solidFill>
+                            </a:rPr>
+                            <a:t>.</a:t>
+                          </a:r>
+                          <a:endParaRPr lang="en-US" dirty="0" smtClean="0">
+                            <a:solidFill>
+                              <a:schemeClr val="tx1"/>
+                            </a:solidFill>
+                          </a:endParaRPr>
+                        </a:p>
+                      </a:txBody>
+                      <a:tcPr anchor="ctr"/>
+                    </a:tc>
+                    <a:tc>
+                      <a:txBody>
+                        <a:bodyPr/>
+                        <a:lstStyle/>
+                        <a:p>
+                          <a:pPr marL="0" marR="0" lvl="0" indent="0" algn="ctr" defTabSz="914400" rtl="0" eaLnBrk="1" fontAlgn="auto" latinLnBrk="0" hangingPunct="1">
+                            <a:lnSpc>
+                              <a:spcPct val="100000"/>
+                            </a:lnSpc>
+                            <a:spcBef>
+                              <a:spcPts val="0"/>
+                            </a:spcBef>
+                            <a:spcAft>
+                              <a:spcPts val="0"/>
+                            </a:spcAft>
+                            <a:buClrTx/>
+                            <a:buSzTx/>
+                            <a:buFontTx/>
+                            <a:buNone/>
+                            <a:tabLst/>
+                            <a:defRPr/>
+                          </a:pPr>
+                          <a:r>
+                            <a:rPr lang="en-US" dirty="0" smtClean="0">
+                              <a:solidFill>
+                                <a:schemeClr val="tx1"/>
+                              </a:solidFill>
+                            </a:rPr>
+                            <a:t>Given a QIVPM </a:t>
+                          </a:r>
+                          <a14:m>
+                            <m:oMath xmlns:m="http://schemas.openxmlformats.org/officeDocument/2006/math">
+                              <m:bar>
+                                <m:barPr>
+                                  <m:pos m:val="top"/>
+                                  <m:ctrlPr>
+                                    <a:rPr lang="en-US" i="1">
+                                      <a:solidFill>
+                                        <a:schemeClr val="tx1"/>
+                                      </a:solidFill>
+                                      <a:latin typeface="Cambria Math" panose="02040503050406030204" pitchFamily="18" charset="0"/>
+                                    </a:rPr>
+                                  </m:ctrlPr>
+                                </m:barPr>
+                                <m:e>
+                                  <m:r>
+                                    <a:rPr lang="en-US" i="1">
+                                      <a:solidFill>
+                                        <a:schemeClr val="tx1"/>
+                                      </a:solidFill>
+                                      <a:latin typeface="Cambria Math" panose="02040503050406030204" pitchFamily="18" charset="0"/>
+                                    </a:rPr>
+                                    <m:t>𝜇</m:t>
+                                  </m:r>
+                                </m:e>
+                              </m:bar>
+                              <m:r>
+                                <a:rPr lang="en-US" b="0" i="1" smtClean="0">
+                                  <a:solidFill>
+                                    <a:schemeClr val="tx1"/>
+                                  </a:solidFill>
+                                  <a:latin typeface="Cambria Math" panose="02040503050406030204" pitchFamily="18" charset="0"/>
+                                </a:rPr>
+                                <m:t>:</m:t>
+                              </m:r>
+                              <m:r>
+                                <a:rPr lang="en-US" i="1" smtClean="0">
+                                  <a:solidFill>
+                                    <a:srgbClr val="FF0000"/>
+                                  </a:solidFill>
+                                  <a:latin typeface="Cambria Math" panose="02040503050406030204" pitchFamily="18" charset="0"/>
+                                  <a:ea typeface="Cambria Math" panose="02040503050406030204" pitchFamily="18" charset="0"/>
+                                </a:rPr>
+                                <m:t>ℰ</m:t>
+                              </m:r>
+                              <m:r>
+                                <a:rPr lang="en-US" b="0" i="1" smtClean="0">
+                                  <a:solidFill>
+                                    <a:srgbClr val="FF0000"/>
+                                  </a:solidFill>
+                                  <a:latin typeface="Cambria Math" panose="02040503050406030204" pitchFamily="18" charset="0"/>
+                                  <a:ea typeface="Cambria Math" panose="02040503050406030204" pitchFamily="18" charset="0"/>
+                                </a:rPr>
+                                <m:t>′</m:t>
+                              </m:r>
+                              <m:r>
+                                <a:rPr lang="en-US">
+                                  <a:solidFill>
+                                    <a:schemeClr val="tx1"/>
+                                  </a:solidFill>
+                                  <a:latin typeface="Cambria Math" panose="02040503050406030204" pitchFamily="18" charset="0"/>
+                                  <a:ea typeface="Cambria Math" panose="02040503050406030204" pitchFamily="18" charset="0"/>
+                                </a:rPr>
+                                <m:t>→</m:t>
+                              </m:r>
+                              <m:d>
+                                <m:dPr>
+                                  <m:begChr m:val=""/>
+                                  <m:endChr m:val=""/>
+                                  <m:ctrlPr>
+                                    <a:rPr lang="en-US" i="1" smtClean="0">
+                                      <a:solidFill>
+                                        <a:schemeClr val="tx1"/>
+                                      </a:solidFill>
+                                      <a:latin typeface="Cambria Math" panose="02040503050406030204" pitchFamily="18" charset="0"/>
+                                      <a:ea typeface="Cambria Math" panose="02040503050406030204" pitchFamily="18" charset="0"/>
+                                      <a:cs typeface="XITS Math" panose="02000503000000000000" pitchFamily="50" charset="0"/>
+                                    </a:rPr>
+                                  </m:ctrlPr>
+                                </m:dPr>
+                                <m:e>
+                                  <m:r>
+                                    <a:rPr lang="en-US" i="1">
+                                      <a:solidFill>
+                                        <a:schemeClr val="tx1"/>
+                                      </a:solidFill>
+                                      <a:latin typeface="XITS Math" panose="02000503000000000000" pitchFamily="50" charset="0"/>
+                                      <a:ea typeface="XITS Math" panose="02000503000000000000" pitchFamily="50" charset="0"/>
+                                      <a:cs typeface="XITS Math" panose="02000503000000000000" pitchFamily="50" charset="0"/>
+                                    </a:rPr>
+                                    <m:t>ℐ</m:t>
+                                  </m:r>
+                                </m:e>
+                              </m:d>
+                            </m:oMath>
+                          </a14:m>
+                          <a:r>
+                            <a:rPr lang="en-US" dirty="0" smtClean="0">
+                              <a:solidFill>
+                                <a:schemeClr val="tx1"/>
+                              </a:solidFill>
+                            </a:rPr>
+                            <a:t>, </a:t>
+                          </a:r>
+                          <a:br>
+                            <a:rPr lang="en-US" dirty="0" smtClean="0">
+                              <a:solidFill>
+                                <a:schemeClr val="tx1"/>
+                              </a:solidFill>
+                            </a:rPr>
+                          </a:br>
+                          <a:r>
+                            <a:rPr lang="en-US" dirty="0" smtClean="0">
+                              <a:solidFill>
+                                <a:schemeClr val="accent2"/>
+                              </a:solidFill>
+                            </a:rPr>
+                            <a:t>a</a:t>
+                          </a:r>
+                          <a:r>
+                            <a:rPr lang="en-US" dirty="0" smtClean="0">
+                              <a:solidFill>
+                                <a:schemeClr val="tx1"/>
+                              </a:solidFill>
+                            </a:rPr>
+                            <a:t> </a:t>
+                          </a:r>
+                          <a:r>
+                            <a:rPr lang="en-US" dirty="0" smtClean="0">
+                              <a:solidFill>
+                                <a:srgbClr val="FF0000"/>
+                              </a:solidFill>
+                            </a:rPr>
+                            <a:t>mixed state</a:t>
+                          </a:r>
+                          <a:r>
+                            <a:rPr lang="en-US" dirty="0">
+                              <a:solidFill>
+                                <a:srgbClr val="FF0000"/>
+                              </a:solidFill>
+                            </a:rPr>
+                            <a:t> </a:t>
+                          </a:r>
+                          <a14:m>
+                            <m:oMath xmlns:m="http://schemas.openxmlformats.org/officeDocument/2006/math">
+                              <m:r>
+                                <a:rPr lang="en-US" b="0" i="1" smtClean="0">
+                                  <a:solidFill>
+                                    <a:srgbClr val="FF0000"/>
+                                  </a:solidFill>
+                                  <a:latin typeface="Cambria Math" panose="02040503050406030204" pitchFamily="18" charset="0"/>
+                                </a:rPr>
+                                <m:t>𝜌</m:t>
+                              </m:r>
+                              <m:r>
+                                <a:rPr lang="en-US" b="0" i="1" smtClean="0">
+                                  <a:solidFill>
+                                    <a:srgbClr val="FF0000"/>
+                                  </a:solidFill>
+                                  <a:latin typeface="Cambria Math" panose="02040503050406030204" pitchFamily="18" charset="0"/>
+                                </a:rPr>
+                                <m:t>∈</m:t>
+                              </m:r>
+                              <m:r>
+                                <m:rPr>
+                                  <m:nor/>
+                                </m:rPr>
+                                <a:rPr lang="en-US" b="0" i="0" smtClean="0">
+                                  <a:solidFill>
+                                    <a:srgbClr val="FF0000"/>
+                                  </a:solidFill>
+                                  <a:latin typeface="Cambria Math" panose="02040503050406030204" pitchFamily="18" charset="0"/>
+                                </a:rPr>
+                                <m:t>C</m:t>
+                              </m:r>
+                              <m:d>
+                                <m:dPr>
+                                  <m:ctrlPr>
+                                    <a:rPr lang="en-US" b="0" i="1" smtClean="0">
+                                      <a:solidFill>
+                                        <a:srgbClr val="FF0000"/>
+                                      </a:solidFill>
+                                      <a:latin typeface="Cambria Math" panose="02040503050406030204" pitchFamily="18" charset="0"/>
+                                    </a:rPr>
+                                  </m:ctrlPr>
+                                </m:dPr>
+                                <m:e>
+                                  <m:bar>
+                                    <m:barPr>
+                                      <m:pos m:val="top"/>
+                                      <m:ctrlPr>
+                                        <a:rPr lang="en-US" i="1">
+                                          <a:solidFill>
+                                            <a:srgbClr val="FF0000"/>
+                                          </a:solidFill>
+                                          <a:latin typeface="Cambria Math" panose="02040503050406030204" pitchFamily="18" charset="0"/>
+                                        </a:rPr>
+                                      </m:ctrlPr>
+                                    </m:barPr>
+                                    <m:e>
+                                      <m:r>
+                                        <a:rPr lang="en-US" i="1">
+                                          <a:solidFill>
+                                            <a:srgbClr val="FF0000"/>
+                                          </a:solidFill>
+                                          <a:latin typeface="Cambria Math" panose="02040503050406030204" pitchFamily="18" charset="0"/>
+                                        </a:rPr>
+                                        <m:t>𝜇</m:t>
+                                      </m:r>
+                                    </m:e>
+                                  </m:bar>
+                                  <m:r>
+                                    <a:rPr lang="en-US" b="0" i="1" smtClean="0">
+                                      <a:solidFill>
+                                        <a:srgbClr val="FF0000"/>
+                                      </a:solidFill>
+                                      <a:latin typeface="Cambria Math" panose="02040503050406030204" pitchFamily="18" charset="0"/>
+                                    </a:rPr>
+                                    <m:t>,</m:t>
+                                  </m:r>
+                                  <m:r>
+                                    <a:rPr lang="en-US" i="1" smtClean="0">
+                                      <a:solidFill>
+                                        <a:srgbClr val="FF0000"/>
+                                      </a:solidFill>
+                                      <a:latin typeface="Cambria Math" panose="02040503050406030204" pitchFamily="18" charset="0"/>
+                                      <a:ea typeface="Cambria Math" panose="02040503050406030204" pitchFamily="18" charset="0"/>
+                                    </a:rPr>
+                                    <m:t>ℰ</m:t>
+                                  </m:r>
+                                  <m:r>
+                                    <a:rPr lang="en-US" b="0" i="1" smtClean="0">
+                                      <a:solidFill>
+                                        <a:srgbClr val="FF0000"/>
+                                      </a:solidFill>
+                                      <a:latin typeface="Cambria Math" panose="02040503050406030204" pitchFamily="18" charset="0"/>
+                                      <a:ea typeface="Cambria Math" panose="02040503050406030204" pitchFamily="18" charset="0"/>
+                                    </a:rPr>
+                                    <m:t>′</m:t>
+                                  </m:r>
+                                </m:e>
+                              </m:d>
+                            </m:oMath>
+                          </a14:m>
+                          <a:r>
+                            <a:rPr lang="en-US" dirty="0" smtClean="0">
+                              <a:solidFill>
+                                <a:schemeClr val="tx1"/>
+                              </a:solidFill>
+                            </a:rPr>
+                            <a:t> </a:t>
+                          </a:r>
+                          <a:r>
+                            <a:rPr lang="en-US" dirty="0" smtClean="0">
+                              <a:solidFill>
+                                <a:schemeClr val="accent2"/>
+                              </a:solidFill>
+                            </a:rPr>
+                            <a:t>if and only </a:t>
+                          </a:r>
+                          <a:r>
+                            <a:rPr lang="en-US" dirty="0" smtClean="0">
+                              <a:solidFill>
+                                <a:schemeClr val="accent2"/>
+                              </a:solidFill>
+                            </a:rPr>
+                            <a:t>if</a:t>
+                          </a:r>
+                          <a:r>
+                            <a:rPr lang="en-US" dirty="0" smtClean="0">
+                              <a:solidFill>
+                                <a:schemeClr val="tx1"/>
+                              </a:solidFill>
+                            </a:rPr>
+                            <a:t> </a:t>
+                          </a:r>
+                          <a14:m>
+                            <m:oMath xmlns:m="http://schemas.openxmlformats.org/officeDocument/2006/math">
+                              <m:r>
+                                <a:rPr lang="en-US" b="0" i="1" smtClean="0">
+                                  <a:solidFill>
+                                    <a:schemeClr val="tx1"/>
+                                  </a:solidFill>
+                                  <a:latin typeface="Cambria Math" panose="02040503050406030204" pitchFamily="18" charset="0"/>
+                                </a:rPr>
+                                <m:t>∀</m:t>
+                              </m:r>
+                              <m:r>
+                                <a:rPr lang="en-US" b="0" i="1" smtClean="0">
+                                  <a:solidFill>
+                                    <a:schemeClr val="tx1"/>
+                                  </a:solidFill>
+                                  <a:latin typeface="Cambria Math" panose="02040503050406030204" pitchFamily="18" charset="0"/>
+                                </a:rPr>
+                                <m:t>𝑃</m:t>
+                              </m:r>
+                              <m:r>
+                                <a:rPr lang="en-US" b="0" i="1" smtClean="0">
+                                  <a:solidFill>
+                                    <a:schemeClr val="tx1"/>
+                                  </a:solidFill>
+                                  <a:latin typeface="Cambria Math" panose="02040503050406030204" pitchFamily="18" charset="0"/>
+                                </a:rPr>
+                                <m:t>∈</m:t>
+                              </m:r>
+                              <m:r>
+                                <a:rPr lang="en-US" i="1" smtClean="0">
+                                  <a:solidFill>
+                                    <a:srgbClr val="FF0000"/>
+                                  </a:solidFill>
+                                  <a:latin typeface="Cambria Math" panose="02040503050406030204" pitchFamily="18" charset="0"/>
+                                  <a:ea typeface="Cambria Math" panose="02040503050406030204" pitchFamily="18" charset="0"/>
+                                </a:rPr>
+                                <m:t>ℰ</m:t>
+                              </m:r>
+                              <m:r>
+                                <a:rPr lang="en-US" b="0" i="1" smtClean="0">
+                                  <a:solidFill>
+                                    <a:srgbClr val="FF0000"/>
+                                  </a:solidFill>
+                                  <a:latin typeface="Cambria Math" panose="02040503050406030204" pitchFamily="18" charset="0"/>
+                                  <a:ea typeface="Cambria Math" panose="02040503050406030204" pitchFamily="18" charset="0"/>
+                                </a:rPr>
+                                <m:t>′</m:t>
+                              </m:r>
+                              <m:r>
+                                <a:rPr lang="en-US" b="0" i="0" smtClean="0">
+                                  <a:solidFill>
+                                    <a:schemeClr val="tx1"/>
+                                  </a:solidFill>
+                                  <a:latin typeface="Cambria Math" panose="02040503050406030204" pitchFamily="18" charset="0"/>
+                                </a:rPr>
+                                <m:t>.</m:t>
+                              </m:r>
+                              <m:sSubSup>
+                                <m:sSubSupPr>
+                                  <m:ctrlPr>
+                                    <a:rPr lang="en-US" b="0" i="1" smtClean="0">
+                                      <a:solidFill>
+                                        <a:srgbClr val="FF0000"/>
+                                      </a:solidFill>
+                                      <a:latin typeface="Cambria Math" panose="02040503050406030204" pitchFamily="18" charset="0"/>
+                                    </a:rPr>
+                                  </m:ctrlPr>
+                                </m:sSubSupPr>
+                                <m:e>
+                                  <m:r>
+                                    <a:rPr lang="en-US" i="1">
+                                      <a:solidFill>
+                                        <a:srgbClr val="FF0000"/>
+                                      </a:solidFill>
+                                      <a:latin typeface="Cambria Math" panose="02040503050406030204" pitchFamily="18" charset="0"/>
+                                    </a:rPr>
+                                    <m:t>𝜇</m:t>
+                                  </m:r>
+                                </m:e>
+                                <m:sub>
+                                  <m:r>
+                                    <a:rPr lang="en-US" b="0" i="1" smtClean="0">
+                                      <a:solidFill>
+                                        <a:srgbClr val="FF0000"/>
+                                      </a:solidFill>
+                                      <a:latin typeface="Cambria Math" panose="02040503050406030204" pitchFamily="18" charset="0"/>
+                                    </a:rPr>
+                                    <m:t>𝜌</m:t>
+                                  </m:r>
+                                </m:sub>
+                                <m:sup>
+                                  <m:r>
+                                    <m:rPr>
+                                      <m:nor/>
+                                    </m:rPr>
+                                    <a:rPr lang="en-US" b="0" i="0" smtClean="0">
+                                      <a:solidFill>
+                                        <a:srgbClr val="FF0000"/>
+                                      </a:solidFill>
+                                      <a:latin typeface="Cambria Math" panose="02040503050406030204" pitchFamily="18" charset="0"/>
+                                    </a:rPr>
+                                    <m:t>B</m:t>
+                                  </m:r>
+                                </m:sup>
+                              </m:sSubSup>
+                              <m:d>
+                                <m:dPr>
+                                  <m:ctrlPr>
+                                    <a:rPr lang="en-US" b="0" i="1" smtClean="0">
+                                      <a:solidFill>
+                                        <a:schemeClr val="tx1"/>
+                                      </a:solidFill>
+                                      <a:latin typeface="Cambria Math" panose="02040503050406030204" pitchFamily="18" charset="0"/>
+                                    </a:rPr>
+                                  </m:ctrlPr>
+                                </m:dPr>
+                                <m:e>
+                                  <m:r>
+                                    <a:rPr lang="en-US" b="0" i="1" smtClean="0">
+                                      <a:solidFill>
+                                        <a:schemeClr val="tx1"/>
+                                      </a:solidFill>
+                                      <a:latin typeface="Cambria Math" panose="02040503050406030204" pitchFamily="18" charset="0"/>
+                                    </a:rPr>
+                                    <m:t>𝑃</m:t>
+                                  </m:r>
+                                </m:e>
+                              </m:d>
+                              <m:r>
+                                <a:rPr lang="en-US" b="0" i="1" smtClean="0">
+                                  <a:solidFill>
+                                    <a:schemeClr val="tx1"/>
+                                  </a:solidFill>
+                                  <a:latin typeface="Cambria Math" panose="02040503050406030204" pitchFamily="18" charset="0"/>
+                                </a:rPr>
+                                <m:t>∈</m:t>
+                              </m:r>
+                              <m:bar>
+                                <m:barPr>
+                                  <m:pos m:val="top"/>
+                                  <m:ctrlPr>
+                                    <a:rPr lang="en-US" i="1">
+                                      <a:solidFill>
+                                        <a:schemeClr val="tx1"/>
+                                      </a:solidFill>
+                                      <a:latin typeface="Cambria Math" panose="02040503050406030204" pitchFamily="18" charset="0"/>
+                                    </a:rPr>
+                                  </m:ctrlPr>
+                                </m:barPr>
+                                <m:e>
+                                  <m:r>
+                                    <a:rPr lang="en-US" i="1">
+                                      <a:solidFill>
+                                        <a:schemeClr val="tx1"/>
+                                      </a:solidFill>
+                                      <a:latin typeface="Cambria Math" panose="02040503050406030204" pitchFamily="18" charset="0"/>
+                                    </a:rPr>
+                                    <m:t>𝜇</m:t>
+                                  </m:r>
+                                </m:e>
+                              </m:bar>
+                              <m:d>
+                                <m:dPr>
+                                  <m:ctrlPr>
+                                    <a:rPr lang="en-US" i="1">
+                                      <a:solidFill>
+                                        <a:schemeClr val="tx1"/>
+                                      </a:solidFill>
+                                      <a:latin typeface="Cambria Math" panose="02040503050406030204" pitchFamily="18" charset="0"/>
+                                    </a:rPr>
+                                  </m:ctrlPr>
+                                </m:dPr>
+                                <m:e>
+                                  <m:r>
+                                    <a:rPr lang="en-US" b="0" i="1" smtClean="0">
+                                      <a:solidFill>
+                                        <a:schemeClr val="tx1"/>
+                                      </a:solidFill>
+                                      <a:latin typeface="Cambria Math" panose="02040503050406030204" pitchFamily="18" charset="0"/>
+                                    </a:rPr>
+                                    <m:t>𝑃</m:t>
+                                  </m:r>
+                                </m:e>
+                              </m:d>
+                            </m:oMath>
+                          </a14:m>
+                          <a:r>
+                            <a:rPr lang="en-US" dirty="0" smtClean="0">
+                              <a:solidFill>
+                                <a:schemeClr val="tx1"/>
+                              </a:solidFill>
+                            </a:rPr>
+                            <a:t>.</a:t>
+                          </a:r>
+                          <a:endParaRPr lang="en-US" dirty="0" smtClean="0">
+                            <a:solidFill>
+                              <a:schemeClr val="tx1"/>
+                            </a:solidFill>
+                          </a:endParaRPr>
+                        </a:p>
+                      </a:txBody>
+                      <a:tcPr anchor="ctr"/>
+                    </a:tc>
+                  </a:tr>
+                </a:tbl>
+              </a:graphicData>
+            </a:graphic>
+          </p:graphicFrame>
+        </mc:Choice>
+        <mc:Fallback>
+          <p:graphicFrame>
+            <p:nvGraphicFramePr>
+              <p:cNvPr id="4" name="Content Placeholder 3"/>
+              <p:cNvGraphicFramePr>
+                <a:graphicFrameLocks noGrp="1"/>
+              </p:cNvGraphicFramePr>
+              <p:nvPr>
+                <p:ph idx="1"/>
+                <p:extLst>
+                  <p:ext uri="{D42A27DB-BD31-4B8C-83A1-F6EECF244321}">
+                    <p14:modId xmlns:p14="http://schemas.microsoft.com/office/powerpoint/2010/main" val="2703722320"/>
+                  </p:ext>
+                </p:extLst>
+              </p:nvPr>
+            </p:nvGraphicFramePr>
+            <p:xfrm>
+              <a:off x="838200" y="1825625"/>
+              <a:ext cx="10515600" cy="3816096"/>
+            </p:xfrm>
+            <a:graphic>
+              <a:graphicData uri="http://schemas.openxmlformats.org/drawingml/2006/table">
+                <a:tbl>
+                  <a:tblPr firstRow="1" bandRow="1">
+                    <a:tableStyleId>{5C22544A-7EE6-4342-B048-85BDC9FD1C3A}</a:tableStyleId>
+                  </a:tblPr>
+                  <a:tblGrid>
+                    <a:gridCol w="3505200"/>
+                    <a:gridCol w="3505200"/>
+                    <a:gridCol w="3505200"/>
+                  </a:tblGrid>
+                  <a:tr h="370840">
+                    <a:tc>
+                      <a:txBody>
+                        <a:bodyPr/>
+                        <a:lstStyle/>
+                        <a:p>
+                          <a:pPr algn="ctr"/>
+                          <a:endParaRPr lang="en-US" dirty="0"/>
+                        </a:p>
+                      </a:txBody>
+                      <a:tcPr anchor="ctr"/>
+                    </a:tc>
+                    <a:tc>
+                      <a:txBody>
+                        <a:bodyPr/>
+                        <a:lstStyle/>
+                        <a:p>
+                          <a:pPr algn="ctr"/>
+                          <a:r>
+                            <a:rPr lang="en-US" dirty="0" smtClean="0"/>
+                            <a:t>Classical</a:t>
+                          </a:r>
+                          <a:endParaRPr lang="en-US" dirty="0"/>
+                        </a:p>
+                      </a:txBody>
+                      <a:tcPr anchor="ctr"/>
+                    </a:tc>
+                    <a:tc>
+                      <a:txBody>
+                        <a:bodyPr/>
+                        <a:lstStyle/>
+                        <a:p>
+                          <a:pPr algn="ctr"/>
+                          <a:r>
+                            <a:rPr lang="en-US" dirty="0" smtClean="0"/>
+                            <a:t>Quantum</a:t>
+                          </a:r>
+                          <a:endParaRPr lang="en-US" dirty="0"/>
+                        </a:p>
+                      </a:txBody>
+                      <a:tcPr anchor="ctr"/>
+                    </a:tc>
+                  </a:tr>
+                  <a:tr h="1188720">
+                    <a:tc>
+                      <a:txBody>
+                        <a:bodyPr/>
+                        <a:lstStyle/>
+                        <a:p>
+                          <a:pPr algn="ctr"/>
+                          <a:endParaRPr lang="en-US" dirty="0"/>
+                        </a:p>
+                      </a:txBody>
+                      <a:tcPr anchor="ctr"/>
+                    </a:tc>
+                    <a:tc>
+                      <a:txBody>
+                        <a:bodyPr/>
+                        <a:lstStyle/>
+                        <a:p>
+                          <a:endParaRPr lang="en-US"/>
+                        </a:p>
+                      </a:txBody>
+                      <a:tcPr anchor="ctr">
+                        <a:blipFill rotWithShape="0">
+                          <a:blip r:embed="rId2"/>
+                          <a:stretch>
+                            <a:fillRect l="-100000" t="-33846" r="-100521" b="-196410"/>
+                          </a:stretch>
+                        </a:blipFill>
+                      </a:tcPr>
+                    </a:tc>
+                    <a:tc>
+                      <a:txBody>
+                        <a:bodyPr/>
+                        <a:lstStyle/>
+                        <a:p>
+                          <a:endParaRPr lang="en-US"/>
+                        </a:p>
+                      </a:txBody>
+                      <a:tcPr anchor="ctr">
+                        <a:blipFill rotWithShape="0">
+                          <a:blip r:embed="rId2"/>
+                          <a:stretch>
+                            <a:fillRect l="-200348" t="-33846" r="-696" b="-196410"/>
+                          </a:stretch>
+                        </a:blipFill>
+                      </a:tcPr>
+                    </a:tc>
+                  </a:tr>
+                  <a:tr h="1265428">
+                    <a:tc>
+                      <a:txBody>
+                        <a:bodyPr/>
+                        <a:lstStyle/>
+                        <a:p>
+                          <a:endParaRPr lang="en-US"/>
+                        </a:p>
+                      </a:txBody>
+                      <a:tcPr anchor="ctr">
+                        <a:blipFill rotWithShape="0">
+                          <a:blip r:embed="rId2"/>
+                          <a:stretch>
+                            <a:fillRect l="-174" t="-125481" r="-200870" b="-84135"/>
+                          </a:stretch>
+                        </a:blipFill>
+                      </a:tcPr>
+                    </a:tc>
+                    <a:tc>
+                      <a:txBody>
+                        <a:bodyPr/>
+                        <a:lstStyle/>
+                        <a:p>
+                          <a:pPr algn="ctr"/>
+                          <a:endParaRPr lang="en-US" dirty="0">
+                            <a:solidFill>
+                              <a:schemeClr val="tx1"/>
+                            </a:solidFill>
+                          </a:endParaRPr>
+                        </a:p>
+                      </a:txBody>
+                      <a:tcPr anchor="ctr"/>
+                    </a:tc>
+                    <a:tc>
+                      <a:txBody>
+                        <a:bodyPr/>
+                        <a:lstStyle/>
+                        <a:p>
+                          <a:endParaRPr lang="en-US"/>
+                        </a:p>
+                      </a:txBody>
+                      <a:tcPr anchor="ctr">
+                        <a:blipFill rotWithShape="0">
+                          <a:blip r:embed="rId2"/>
+                          <a:stretch>
+                            <a:fillRect l="-200348" t="-125481" r="-696" b="-84135"/>
+                          </a:stretch>
+                        </a:blipFill>
+                      </a:tcPr>
+                    </a:tc>
+                  </a:tr>
+                  <a:tr h="991108">
+                    <a:tc>
+                      <a:txBody>
+                        <a:bodyPr/>
+                        <a:lstStyle/>
+                        <a:p>
+                          <a:endParaRPr lang="en-US"/>
+                        </a:p>
+                      </a:txBody>
+                      <a:tcPr anchor="ctr">
+                        <a:blipFill rotWithShape="0">
+                          <a:blip r:embed="rId2"/>
+                          <a:stretch>
+                            <a:fillRect l="-174" t="-287730" r="-200870" b="-7362"/>
+                          </a:stretch>
+                        </a:blipFill>
+                      </a:tcPr>
+                    </a:tc>
+                    <a:tc>
+                      <a:txBody>
+                        <a:bodyPr/>
+                        <a:lstStyle/>
+                        <a:p>
+                          <a:endParaRPr lang="en-US"/>
+                        </a:p>
+                      </a:txBody>
+                      <a:tcPr anchor="ctr">
+                        <a:blipFill rotWithShape="0">
+                          <a:blip r:embed="rId2"/>
+                          <a:stretch>
+                            <a:fillRect l="-100000" t="-287730" r="-100521" b="-7362"/>
+                          </a:stretch>
+                        </a:blipFill>
+                      </a:tcPr>
+                    </a:tc>
+                    <a:tc>
+                      <a:txBody>
+                        <a:bodyPr/>
+                        <a:lstStyle/>
+                        <a:p>
+                          <a:endParaRPr lang="en-US"/>
+                        </a:p>
+                      </a:txBody>
+                      <a:tcPr anchor="ctr">
+                        <a:blipFill rotWithShape="0">
+                          <a:blip r:embed="rId2"/>
+                          <a:stretch>
+                            <a:fillRect l="-200348" t="-287730" r="-696" b="-7362"/>
+                          </a:stretch>
+                        </a:blipFill>
+                      </a:tcPr>
+                    </a:tc>
+                  </a:tr>
+                </a:tbl>
+              </a:graphicData>
+            </a:graphic>
+          </p:graphicFrame>
+        </mc:Fallback>
+      </mc:AlternateContent>
+    </p:spTree>
+    <p:extLst>
+      <p:ext uri="{BB962C8B-B14F-4D97-AF65-F5344CB8AC3E}">
+        <p14:creationId xmlns:p14="http://schemas.microsoft.com/office/powerpoint/2010/main" val="2061214559"/>
+      </p:ext>
+    </p:extLst>
+  </p:cSld>
+  <p:clrMapOvr>
+    <a:masterClrMapping/>
+  </p:clrMapOvr>
+  <p:timing>
+    <p:tnLst>
+      <p:par>
+        <p:cTn id="1" dur="indefinite" restart="never" nodeType="tmRoot"/>
+      </p:par>
+    </p:tnLst>
+  </p:timing>
+</p:sld>
+</file>
+
+<file path=ppt/slides/slide18.xml><?xml version="1.0" encoding="utf-8"?>
 <p:sld xmlns:a="http://schemas.openxmlformats.org/drawingml/2006/main" xmlns:r="http://schemas.openxmlformats.org/officeDocument/2006/relationships" xmlns:p="http://schemas.openxmlformats.org/presentationml/2006/main">
   <p:cSld>
     <p:spTree>
@@ -8640,7 +12217,7 @@
 </p:sld>
 </file>
 
-<file path=ppt/slides/slide17.xml><?xml version="1.0" encoding="utf-8"?>
+<file path=ppt/slides/slide19.xml><?xml version="1.0" encoding="utf-8"?>
 <p:sld xmlns:a="http://schemas.openxmlformats.org/drawingml/2006/main" xmlns:r="http://schemas.openxmlformats.org/officeDocument/2006/relationships" xmlns:p="http://schemas.openxmlformats.org/presentationml/2006/main">
   <p:cSld>
     <p:spTree>
@@ -10033,684 +13610,6 @@
 </p:sld>
 </file>
 
-<file path=ppt/slides/slide18.xml><?xml version="1.0" encoding="utf-8"?>
-<p:sld xmlns:a="http://schemas.openxmlformats.org/drawingml/2006/main" xmlns:r="http://schemas.openxmlformats.org/officeDocument/2006/relationships" xmlns:p="http://schemas.openxmlformats.org/presentationml/2006/main">
-  <p:cSld>
-    <p:spTree>
-      <p:nvGrpSpPr>
-        <p:cNvPr id="1" name=""/>
-        <p:cNvGrpSpPr/>
-        <p:nvPr/>
-      </p:nvGrpSpPr>
-      <p:grpSpPr>
-        <a:xfrm>
-          <a:off x="0" y="0"/>
-          <a:ext cx="0" cy="0"/>
-          <a:chOff x="0" y="0"/>
-          <a:chExt cx="0" cy="0"/>
-        </a:xfrm>
-      </p:grpSpPr>
-      <p:sp>
-        <p:nvSpPr>
-          <p:cNvPr id="2" name="Title 1"/>
-          <p:cNvSpPr>
-            <a:spLocks noGrp="1"/>
-          </p:cNvSpPr>
-          <p:nvPr>
-            <p:ph type="title"/>
-          </p:nvPr>
-        </p:nvSpPr>
-        <p:spPr/>
-        <p:txBody>
-          <a:bodyPr/>
-          <a:lstStyle/>
-          <a:p>
-            <a:r>
-              <a:rPr lang="en-US" dirty="0"/>
-              <a:t>Kochen-Specker Theorem</a:t>
-            </a:r>
-            <a:br>
-              <a:rPr lang="en-US" dirty="0"/>
-            </a:br>
-            <a:r>
-              <a:rPr lang="en-US" dirty="0"/>
-              <a:t>with Finite Precision Measurement</a:t>
-            </a:r>
-          </a:p>
-        </p:txBody>
-      </p:sp>
-      <p:sp>
-        <p:nvSpPr>
-          <p:cNvPr id="3" name="Text Placeholder 2"/>
-          <p:cNvSpPr>
-            <a:spLocks noGrp="1"/>
-          </p:cNvSpPr>
-          <p:nvPr>
-            <p:ph type="body" idx="1"/>
-          </p:nvPr>
-        </p:nvSpPr>
-        <p:spPr/>
-        <p:txBody>
-          <a:bodyPr/>
-          <a:lstStyle/>
-          <a:p>
-            <a:r>
-              <a:rPr lang="en-US" dirty="0" smtClean="0"/>
-              <a:t>Yes, the Kochen-Specker Theorem still works even consider finite precision measurement modelled by QIVPM.</a:t>
-            </a:r>
-            <a:endParaRPr lang="en-US" dirty="0"/>
-          </a:p>
-        </p:txBody>
-      </p:sp>
-    </p:spTree>
-    <p:extLst>
-      <p:ext uri="{BB962C8B-B14F-4D97-AF65-F5344CB8AC3E}">
-        <p14:creationId xmlns:p14="http://schemas.microsoft.com/office/powerpoint/2010/main" val="881549114"/>
-      </p:ext>
-    </p:extLst>
-  </p:cSld>
-  <p:clrMapOvr>
-    <a:masterClrMapping/>
-  </p:clrMapOvr>
-  <p:timing>
-    <p:tnLst>
-      <p:par>
-        <p:cTn id="1" dur="indefinite" restart="never" nodeType="tmRoot"/>
-      </p:par>
-    </p:tnLst>
-  </p:timing>
-</p:sld>
-</file>
-
-<file path=ppt/slides/slide19.xml><?xml version="1.0" encoding="utf-8"?>
-<p:sld xmlns:a="http://schemas.openxmlformats.org/drawingml/2006/main" xmlns:r="http://schemas.openxmlformats.org/officeDocument/2006/relationships" xmlns:p="http://schemas.openxmlformats.org/presentationml/2006/main">
-  <p:cSld>
-    <p:spTree>
-      <p:nvGrpSpPr>
-        <p:cNvPr id="1" name=""/>
-        <p:cNvGrpSpPr/>
-        <p:nvPr/>
-      </p:nvGrpSpPr>
-      <p:grpSpPr>
-        <a:xfrm>
-          <a:off x="0" y="0"/>
-          <a:ext cx="0" cy="0"/>
-          <a:chOff x="0" y="0"/>
-          <a:chExt cx="0" cy="0"/>
-        </a:xfrm>
-      </p:grpSpPr>
-      <p:sp>
-        <p:nvSpPr>
-          <p:cNvPr id="2" name="Title 1"/>
-          <p:cNvSpPr>
-            <a:spLocks noGrp="1"/>
-          </p:cNvSpPr>
-          <p:nvPr>
-            <p:ph type="title"/>
-          </p:nvPr>
-        </p:nvSpPr>
-        <p:spPr/>
-        <p:txBody>
-          <a:bodyPr/>
-          <a:lstStyle/>
-          <a:p>
-            <a:r>
-              <a:rPr lang="en-US" dirty="0"/>
-              <a:t>Kochen-Specker Theorem</a:t>
-            </a:r>
-          </a:p>
-        </p:txBody>
-      </p:sp>
-      <mc:AlternateContent xmlns:mc="http://schemas.openxmlformats.org/markup-compatibility/2006" xmlns:a14="http://schemas.microsoft.com/office/drawing/2010/main">
-        <mc:Choice Requires="a14">
-          <p:sp>
-            <p:nvSpPr>
-              <p:cNvPr id="3" name="Content Placeholder 2"/>
-              <p:cNvSpPr>
-                <a:spLocks noGrp="1"/>
-              </p:cNvSpPr>
-              <p:nvPr>
-                <p:ph idx="1"/>
-              </p:nvPr>
-            </p:nvSpPr>
-            <p:spPr/>
-            <p:txBody>
-              <a:bodyPr>
-                <a:normAutofit/>
-              </a:bodyPr>
-              <a:lstStyle/>
-              <a:p>
-                <a:r>
-                  <a:rPr lang="en-US" dirty="0" smtClean="0"/>
-                  <a:t>The Kochen-Specker theorem claims quantum theory cannot be simulated by a non-contextual hidden variable theory, i.e., </a:t>
-                </a:r>
-                <a:endParaRPr lang="en-US" dirty="0"/>
-              </a:p>
-              <a:p>
-                <a:pPr marL="0" indent="0">
-                  <a:buNone/>
-                </a:pPr>
-                <a:r>
-                  <a:rPr lang="en-US" b="1" dirty="0"/>
-                  <a:t>Theorem</a:t>
-                </a:r>
-                <a:r>
-                  <a:rPr lang="en-US" dirty="0"/>
-                  <a:t> There is no QIVPM </a:t>
-                </a:r>
-                <a14:m>
-                  <m:oMath xmlns:m="http://schemas.openxmlformats.org/officeDocument/2006/math">
-                    <m:sSup>
-                      <m:sSupPr>
-                        <m:ctrlPr>
-                          <a:rPr lang="en-US" i="1">
-                            <a:latin typeface="Cambria Math" panose="02040503050406030204" pitchFamily="18" charset="0"/>
-                          </a:rPr>
-                        </m:ctrlPr>
-                      </m:sSupPr>
-                      <m:e>
-                        <m:acc>
-                          <m:accPr>
-                            <m:chr m:val="̅"/>
-                            <m:ctrlPr>
-                              <a:rPr lang="en-US" i="1">
-                                <a:latin typeface="Cambria Math" panose="02040503050406030204" pitchFamily="18" charset="0"/>
-                              </a:rPr>
-                            </m:ctrlPr>
-                          </m:accPr>
-                          <m:e>
-                            <m:r>
-                              <a:rPr lang="en-US" i="1">
-                                <a:latin typeface="Cambria Math" panose="02040503050406030204" pitchFamily="18" charset="0"/>
-                              </a:rPr>
-                              <m:t>𝜇</m:t>
-                            </m:r>
-                          </m:e>
-                        </m:acc>
-                      </m:e>
-                      <m:sup>
-                        <m:r>
-                          <m:rPr>
-                            <m:nor/>
-                          </m:rPr>
-                          <a:rPr lang="en-US">
-                            <a:latin typeface="Cambria Math" panose="02040503050406030204" pitchFamily="18" charset="0"/>
-                          </a:rPr>
-                          <m:t>D</m:t>
-                        </m:r>
-                      </m:sup>
-                    </m:sSup>
-                    <m:r>
-                      <a:rPr lang="en-US" i="1">
-                        <a:latin typeface="Cambria Math" panose="02040503050406030204" pitchFamily="18" charset="0"/>
-                      </a:rPr>
-                      <m:t>:</m:t>
-                    </m:r>
-                    <m:r>
-                      <a:rPr lang="en-US" i="1">
-                        <a:latin typeface="Cambria Math" panose="02040503050406030204" pitchFamily="18" charset="0"/>
-                        <a:ea typeface="Cambria Math" panose="02040503050406030204" pitchFamily="18" charset="0"/>
-                      </a:rPr>
-                      <m:t>ℰ</m:t>
-                    </m:r>
-                    <m:r>
-                      <a:rPr lang="en-US" i="1">
-                        <a:latin typeface="Cambria Math" panose="02040503050406030204" pitchFamily="18" charset="0"/>
-                        <a:ea typeface="Cambria Math" panose="02040503050406030204" pitchFamily="18" charset="0"/>
-                      </a:rPr>
-                      <m:t>→</m:t>
-                    </m:r>
-                    <m:d>
-                      <m:dPr>
-                        <m:begChr m:val="{"/>
-                        <m:endChr m:val="}"/>
-                        <m:ctrlPr>
-                          <a:rPr lang="en-US" i="1">
-                            <a:latin typeface="Cambria Math" panose="02040503050406030204" pitchFamily="18" charset="0"/>
-                            <a:ea typeface="Cambria Math" panose="02040503050406030204" pitchFamily="18" charset="0"/>
-                          </a:rPr>
-                        </m:ctrlPr>
-                      </m:dPr>
-                      <m:e>
-                        <m:d>
-                          <m:dPr>
-                            <m:begChr m:val="["/>
-                            <m:endChr m:val="]"/>
-                            <m:ctrlPr>
-                              <a:rPr lang="en-US" i="1">
-                                <a:latin typeface="Cambria Math" panose="02040503050406030204" pitchFamily="18" charset="0"/>
-                              </a:rPr>
-                            </m:ctrlPr>
-                          </m:dPr>
-                          <m:e>
-                            <m:r>
-                              <a:rPr lang="en-US" i="1">
-                                <a:latin typeface="Cambria Math" panose="02040503050406030204" pitchFamily="18" charset="0"/>
-                              </a:rPr>
-                              <m:t>0,0</m:t>
-                            </m:r>
-                          </m:e>
-                        </m:d>
-                        <m:r>
-                          <a:rPr lang="en-US" i="1">
-                            <a:latin typeface="Cambria Math" panose="02040503050406030204" pitchFamily="18" charset="0"/>
-                            <a:ea typeface="Cambria Math" panose="02040503050406030204" pitchFamily="18" charset="0"/>
-                          </a:rPr>
-                          <m:t>,</m:t>
-                        </m:r>
-                        <m:d>
-                          <m:dPr>
-                            <m:begChr m:val="["/>
-                            <m:endChr m:val="]"/>
-                            <m:ctrlPr>
-                              <a:rPr lang="en-US" i="1">
-                                <a:latin typeface="Cambria Math" panose="02040503050406030204" pitchFamily="18" charset="0"/>
-                              </a:rPr>
-                            </m:ctrlPr>
-                          </m:dPr>
-                          <m:e>
-                            <m:r>
-                              <a:rPr lang="en-US" i="1">
-                                <a:latin typeface="Cambria Math" panose="02040503050406030204" pitchFamily="18" charset="0"/>
-                              </a:rPr>
-                              <m:t>1,1</m:t>
-                            </m:r>
-                          </m:e>
-                        </m:d>
-                      </m:e>
-                    </m:d>
-                  </m:oMath>
-                </a14:m>
-                <a:r>
-                  <a:rPr lang="en-US" dirty="0"/>
-                  <a:t>.</a:t>
-                </a:r>
-              </a:p>
-              <a:p>
-                <a14:m>
-                  <m:oMath xmlns:m="http://schemas.openxmlformats.org/officeDocument/2006/math">
-                    <m:d>
-                      <m:dPr>
-                        <m:begChr m:val="{"/>
-                        <m:endChr m:val="}"/>
-                        <m:ctrlPr>
-                          <a:rPr lang="en-US" i="1">
-                            <a:latin typeface="Cambria Math" panose="02040503050406030204" pitchFamily="18" charset="0"/>
-                            <a:ea typeface="Cambria Math" panose="02040503050406030204" pitchFamily="18" charset="0"/>
-                          </a:rPr>
-                        </m:ctrlPr>
-                      </m:dPr>
-                      <m:e>
-                        <m:d>
-                          <m:dPr>
-                            <m:begChr m:val="["/>
-                            <m:endChr m:val="]"/>
-                            <m:ctrlPr>
-                              <a:rPr lang="en-US" i="1">
-                                <a:latin typeface="Cambria Math" panose="02040503050406030204" pitchFamily="18" charset="0"/>
-                              </a:rPr>
-                            </m:ctrlPr>
-                          </m:dPr>
-                          <m:e>
-                            <m:r>
-                              <a:rPr lang="en-US" i="1">
-                                <a:latin typeface="Cambria Math" panose="02040503050406030204" pitchFamily="18" charset="0"/>
-                              </a:rPr>
-                              <m:t>0,0</m:t>
-                            </m:r>
-                          </m:e>
-                        </m:d>
-                        <m:r>
-                          <a:rPr lang="en-US" i="1">
-                            <a:latin typeface="Cambria Math" panose="02040503050406030204" pitchFamily="18" charset="0"/>
-                            <a:ea typeface="Cambria Math" panose="02040503050406030204" pitchFamily="18" charset="0"/>
-                          </a:rPr>
-                          <m:t>,</m:t>
-                        </m:r>
-                        <m:d>
-                          <m:dPr>
-                            <m:begChr m:val="["/>
-                            <m:endChr m:val="]"/>
-                            <m:ctrlPr>
-                              <a:rPr lang="en-US" i="1">
-                                <a:latin typeface="Cambria Math" panose="02040503050406030204" pitchFamily="18" charset="0"/>
-                              </a:rPr>
-                            </m:ctrlPr>
-                          </m:dPr>
-                          <m:e>
-                            <m:r>
-                              <a:rPr lang="en-US" i="1">
-                                <a:latin typeface="Cambria Math" panose="02040503050406030204" pitchFamily="18" charset="0"/>
-                              </a:rPr>
-                              <m:t>1,1</m:t>
-                            </m:r>
-                          </m:e>
-                        </m:d>
-                      </m:e>
-                    </m:d>
-                  </m:oMath>
-                </a14:m>
-                <a:r>
-                  <a:rPr lang="en-US" dirty="0" smtClean="0"/>
-                  <a:t> means the </a:t>
-                </a:r>
-                <a:r>
-                  <a:rPr lang="en-US" dirty="0"/>
-                  <a:t>hidden variable </a:t>
-                </a:r>
-                <a:r>
-                  <a:rPr lang="en-US" dirty="0" smtClean="0"/>
-                  <a:t>theory is deterministic.</a:t>
-                </a:r>
-              </a:p>
-              <a:p>
-                <a:r>
-                  <a:rPr lang="en-US" dirty="0" smtClean="0"/>
-                  <a:t>The definition of QIVPM, especially </a:t>
-                </a:r>
-              </a:p>
-              <a:p>
-                <a:pPr lvl="1"/>
-                <a:r>
-                  <a:rPr lang="en-US" dirty="0" smtClean="0"/>
-                  <a:t>mapping every projectors to a value and</a:t>
-                </a:r>
-              </a:p>
-              <a:p>
-                <a:pPr lvl="1"/>
-                <a14:m>
-                  <m:oMath xmlns:m="http://schemas.openxmlformats.org/officeDocument/2006/math">
-                    <m:acc>
-                      <m:accPr>
-                        <m:chr m:val="̅"/>
-                        <m:ctrlPr>
-                          <a:rPr lang="en-US" i="1">
-                            <a:latin typeface="Cambria Math" panose="02040503050406030204" pitchFamily="18" charset="0"/>
-                          </a:rPr>
-                        </m:ctrlPr>
-                      </m:accPr>
-                      <m:e>
-                        <m:r>
-                          <a:rPr lang="en-US" i="1">
-                            <a:latin typeface="Cambria Math" panose="02040503050406030204" pitchFamily="18" charset="0"/>
-                          </a:rPr>
-                          <m:t>𝜇</m:t>
-                        </m:r>
-                      </m:e>
-                    </m:acc>
-                    <m:d>
-                      <m:dPr>
-                        <m:ctrlPr>
-                          <a:rPr lang="en-US" i="1">
-                            <a:latin typeface="Cambria Math" panose="02040503050406030204" pitchFamily="18" charset="0"/>
-                          </a:rPr>
-                        </m:ctrlPr>
-                      </m:dPr>
-                      <m:e>
-                        <m:sSub>
-                          <m:sSubPr>
-                            <m:ctrlPr>
-                              <a:rPr lang="en-US" i="1">
-                                <a:latin typeface="Cambria Math" panose="02040503050406030204" pitchFamily="18" charset="0"/>
-                              </a:rPr>
-                            </m:ctrlPr>
-                          </m:sSubPr>
-                          <m:e>
-                            <m:r>
-                              <a:rPr lang="en-US" i="1">
-                                <a:latin typeface="Cambria Math" panose="02040503050406030204" pitchFamily="18" charset="0"/>
-                              </a:rPr>
-                              <m:t>𝑃</m:t>
-                            </m:r>
-                          </m:e>
-                          <m:sub>
-                            <m:r>
-                              <a:rPr lang="en-US" i="1">
-                                <a:latin typeface="Cambria Math" panose="02040503050406030204" pitchFamily="18" charset="0"/>
-                              </a:rPr>
-                              <m:t>0</m:t>
-                            </m:r>
-                          </m:sub>
-                        </m:sSub>
-                        <m:r>
-                          <a:rPr lang="en-US" i="1">
-                            <a:solidFill>
-                              <a:srgbClr val="FF0000"/>
-                            </a:solidFill>
-                            <a:latin typeface="Cambria Math" panose="02040503050406030204" pitchFamily="18" charset="0"/>
-                          </a:rPr>
-                          <m:t>+</m:t>
-                        </m:r>
-                        <m:sSub>
-                          <m:sSubPr>
-                            <m:ctrlPr>
-                              <a:rPr lang="en-US" i="1">
-                                <a:latin typeface="Cambria Math" panose="02040503050406030204" pitchFamily="18" charset="0"/>
-                              </a:rPr>
-                            </m:ctrlPr>
-                          </m:sSubPr>
-                          <m:e>
-                            <m:r>
-                              <a:rPr lang="en-US" i="1">
-                                <a:latin typeface="Cambria Math" panose="02040503050406030204" pitchFamily="18" charset="0"/>
-                              </a:rPr>
-                              <m:t>𝑃</m:t>
-                            </m:r>
-                          </m:e>
-                          <m:sub>
-                            <m:r>
-                              <a:rPr lang="en-US" i="1">
-                                <a:latin typeface="Cambria Math" panose="02040503050406030204" pitchFamily="18" charset="0"/>
-                              </a:rPr>
-                              <m:t>1</m:t>
-                            </m:r>
-                          </m:sub>
-                        </m:sSub>
-                      </m:e>
-                    </m:d>
-                    <m:r>
-                      <a:rPr lang="en-US" i="1">
-                        <a:solidFill>
-                          <a:schemeClr val="accent2"/>
-                        </a:solidFill>
-                        <a:latin typeface="Cambria Math" panose="02040503050406030204" pitchFamily="18" charset="0"/>
-                      </a:rPr>
-                      <m:t>⊆</m:t>
-                    </m:r>
-                    <m:acc>
-                      <m:accPr>
-                        <m:chr m:val="̅"/>
-                        <m:ctrlPr>
-                          <a:rPr lang="en-US" i="1">
-                            <a:latin typeface="Cambria Math" panose="02040503050406030204" pitchFamily="18" charset="0"/>
-                          </a:rPr>
-                        </m:ctrlPr>
-                      </m:accPr>
-                      <m:e>
-                        <m:r>
-                          <a:rPr lang="en-US" i="1">
-                            <a:latin typeface="Cambria Math" panose="02040503050406030204" pitchFamily="18" charset="0"/>
-                          </a:rPr>
-                          <m:t>𝜇</m:t>
-                        </m:r>
-                      </m:e>
-                    </m:acc>
-                    <m:d>
-                      <m:dPr>
-                        <m:ctrlPr>
-                          <a:rPr lang="en-US" i="1">
-                            <a:latin typeface="Cambria Math" panose="02040503050406030204" pitchFamily="18" charset="0"/>
-                          </a:rPr>
-                        </m:ctrlPr>
-                      </m:dPr>
-                      <m:e>
-                        <m:sSub>
-                          <m:sSubPr>
-                            <m:ctrlPr>
-                              <a:rPr lang="en-US" i="1">
-                                <a:latin typeface="Cambria Math" panose="02040503050406030204" pitchFamily="18" charset="0"/>
-                              </a:rPr>
-                            </m:ctrlPr>
-                          </m:sSubPr>
-                          <m:e>
-                            <m:r>
-                              <a:rPr lang="en-US" i="1">
-                                <a:latin typeface="Cambria Math" panose="02040503050406030204" pitchFamily="18" charset="0"/>
-                              </a:rPr>
-                              <m:t>𝑃</m:t>
-                            </m:r>
-                          </m:e>
-                          <m:sub>
-                            <m:r>
-                              <a:rPr lang="en-US" i="1">
-                                <a:latin typeface="Cambria Math" panose="02040503050406030204" pitchFamily="18" charset="0"/>
-                              </a:rPr>
-                              <m:t>0</m:t>
-                            </m:r>
-                          </m:sub>
-                        </m:sSub>
-                      </m:e>
-                    </m:d>
-                    <m:r>
-                      <a:rPr lang="en-US" i="1">
-                        <a:solidFill>
-                          <a:schemeClr val="accent2"/>
-                        </a:solidFill>
-                        <a:latin typeface="Cambria Math" panose="02040503050406030204" pitchFamily="18" charset="0"/>
-                      </a:rPr>
-                      <m:t>+</m:t>
-                    </m:r>
-                    <m:acc>
-                      <m:accPr>
-                        <m:chr m:val="̅"/>
-                        <m:ctrlPr>
-                          <a:rPr lang="en-US" i="1">
-                            <a:latin typeface="Cambria Math" panose="02040503050406030204" pitchFamily="18" charset="0"/>
-                          </a:rPr>
-                        </m:ctrlPr>
-                      </m:accPr>
-                      <m:e>
-                        <m:r>
-                          <a:rPr lang="en-US" i="1">
-                            <a:latin typeface="Cambria Math" panose="02040503050406030204" pitchFamily="18" charset="0"/>
-                          </a:rPr>
-                          <m:t>𝜇</m:t>
-                        </m:r>
-                      </m:e>
-                    </m:acc>
-                    <m:d>
-                      <m:dPr>
-                        <m:ctrlPr>
-                          <a:rPr lang="en-US" i="1">
-                            <a:latin typeface="Cambria Math" panose="02040503050406030204" pitchFamily="18" charset="0"/>
-                          </a:rPr>
-                        </m:ctrlPr>
-                      </m:dPr>
-                      <m:e>
-                        <m:sSub>
-                          <m:sSubPr>
-                            <m:ctrlPr>
-                              <a:rPr lang="en-US" i="1">
-                                <a:latin typeface="Cambria Math" panose="02040503050406030204" pitchFamily="18" charset="0"/>
-                              </a:rPr>
-                            </m:ctrlPr>
-                          </m:sSubPr>
-                          <m:e>
-                            <m:r>
-                              <a:rPr lang="en-US" i="1">
-                                <a:latin typeface="Cambria Math" panose="02040503050406030204" pitchFamily="18" charset="0"/>
-                              </a:rPr>
-                              <m:t>𝑃</m:t>
-                            </m:r>
-                          </m:e>
-                          <m:sub>
-                            <m:r>
-                              <a:rPr lang="en-US" i="1">
-                                <a:latin typeface="Cambria Math" panose="02040503050406030204" pitchFamily="18" charset="0"/>
-                              </a:rPr>
-                              <m:t>1</m:t>
-                            </m:r>
-                          </m:sub>
-                        </m:sSub>
-                      </m:e>
-                    </m:d>
-                  </m:oMath>
-                </a14:m>
-                <a:r>
-                  <a:rPr lang="en-US" dirty="0" smtClean="0"/>
-                  <a:t>,</a:t>
-                </a:r>
-              </a:p>
-              <a:p>
-                <a:pPr>
-                  <a:buFont typeface="Calibri" panose="020F0502020204030204" pitchFamily="34" charset="0"/>
-                  <a:buChar char="‖"/>
-                </a:pPr>
-                <a:r>
-                  <a:rPr lang="en-US" dirty="0" smtClean="0"/>
-                  <a:t>means non-contextuality since it requires the measurement results is independent of the measurement basis.</a:t>
-                </a:r>
-              </a:p>
-              <a:p>
-                <a:endParaRPr lang="en-US" dirty="0"/>
-              </a:p>
-            </p:txBody>
-          </p:sp>
-        </mc:Choice>
-        <mc:Fallback xmlns="">
-          <p:sp>
-            <p:nvSpPr>
-              <p:cNvPr id="3" name="Content Placeholder 2"/>
-              <p:cNvSpPr>
-                <a:spLocks noGrp="1" noRot="1" noChangeAspect="1" noMove="1" noResize="1" noEditPoints="1" noAdjustHandles="1" noChangeArrowheads="1" noChangeShapeType="1" noTextEdit="1"/>
-              </p:cNvSpPr>
-              <p:nvPr>
-                <p:ph idx="1"/>
-              </p:nvPr>
-            </p:nvSpPr>
-            <p:spPr>
-              <a:blipFill rotWithShape="0">
-                <a:blip r:embed="rId2"/>
-                <a:stretch>
-                  <a:fillRect l="-1217" t="-2241" r="-580"/>
-                </a:stretch>
-              </a:blipFill>
-            </p:spPr>
-            <p:txBody>
-              <a:bodyPr/>
-              <a:lstStyle/>
-              <a:p>
-                <a:r>
-                  <a:rPr lang="en-US">
-                    <a:noFill/>
-                  </a:rPr>
-                  <a:t> </a:t>
-                </a:r>
-              </a:p>
-            </p:txBody>
-          </p:sp>
-        </mc:Fallback>
-      </mc:AlternateContent>
-    </p:spTree>
-    <p:extLst>
-      <p:ext uri="{BB962C8B-B14F-4D97-AF65-F5344CB8AC3E}">
-        <p14:creationId xmlns:p14="http://schemas.microsoft.com/office/powerpoint/2010/main" val="4249772335"/>
-      </p:ext>
-    </p:extLst>
-  </p:cSld>
-  <p:clrMapOvr>
-    <a:masterClrMapping/>
-  </p:clrMapOvr>
-  <p:timing>
-    <p:tnLst>
-      <p:par>
-        <p:cTn id="1" dur="indefinite" restart="never" nodeType="tmRoot"/>
-      </p:par>
-    </p:tnLst>
-  </p:timing>
-</p:sld>
-</file>
-
 <file path=ppt/slides/slide2.xml><?xml version="1.0" encoding="utf-8"?>
 <p:sld xmlns:a="http://schemas.openxmlformats.org/drawingml/2006/main" xmlns:r="http://schemas.openxmlformats.org/officeDocument/2006/relationships" xmlns:p="http://schemas.openxmlformats.org/presentationml/2006/main">
   <p:cSld>
@@ -10751,8 +13650,8 @@
           </a:p>
         </p:txBody>
       </p:sp>
-      <mc:AlternateContent xmlns:mc="http://schemas.openxmlformats.org/markup-compatibility/2006">
-        <mc:Choice xmlns:a14="http://schemas.microsoft.com/office/drawing/2010/main" Requires="a14">
+      <mc:AlternateContent xmlns:mc="http://schemas.openxmlformats.org/markup-compatibility/2006" xmlns:a14="http://schemas.microsoft.com/office/drawing/2010/main">
+        <mc:Choice Requires="a14">
           <p:graphicFrame>
             <p:nvGraphicFramePr>
               <p:cNvPr id="4" name="Content Placeholder 3"/>
@@ -13216,7 +16115,7 @@
             </a:graphic>
           </p:graphicFrame>
         </mc:Choice>
-        <mc:Fallback>
+        <mc:Fallback xmlns="">
           <p:graphicFrame>
             <p:nvGraphicFramePr>
               <p:cNvPr id="4" name="Content Placeholder 3"/>
@@ -13593,6 +16492,684 @@
           <a:p>
             <a:r>
               <a:rPr lang="en-US" dirty="0"/>
+              <a:t>Kochen-Specker Theorem</a:t>
+            </a:r>
+            <a:br>
+              <a:rPr lang="en-US" dirty="0"/>
+            </a:br>
+            <a:r>
+              <a:rPr lang="en-US" dirty="0"/>
+              <a:t>with Finite Precision Measurement</a:t>
+            </a:r>
+          </a:p>
+        </p:txBody>
+      </p:sp>
+      <p:sp>
+        <p:nvSpPr>
+          <p:cNvPr id="3" name="Text Placeholder 2"/>
+          <p:cNvSpPr>
+            <a:spLocks noGrp="1"/>
+          </p:cNvSpPr>
+          <p:nvPr>
+            <p:ph type="body" idx="1"/>
+          </p:nvPr>
+        </p:nvSpPr>
+        <p:spPr/>
+        <p:txBody>
+          <a:bodyPr/>
+          <a:lstStyle/>
+          <a:p>
+            <a:r>
+              <a:rPr lang="en-US" dirty="0" smtClean="0"/>
+              <a:t>Yes, the Kochen-Specker Theorem still works even consider finite precision measurement modelled by QIVPM.</a:t>
+            </a:r>
+            <a:endParaRPr lang="en-US" dirty="0"/>
+          </a:p>
+        </p:txBody>
+      </p:sp>
+    </p:spTree>
+    <p:extLst>
+      <p:ext uri="{BB962C8B-B14F-4D97-AF65-F5344CB8AC3E}">
+        <p14:creationId xmlns:p14="http://schemas.microsoft.com/office/powerpoint/2010/main" val="881549114"/>
+      </p:ext>
+    </p:extLst>
+  </p:cSld>
+  <p:clrMapOvr>
+    <a:masterClrMapping/>
+  </p:clrMapOvr>
+  <p:timing>
+    <p:tnLst>
+      <p:par>
+        <p:cTn id="1" dur="indefinite" restart="never" nodeType="tmRoot"/>
+      </p:par>
+    </p:tnLst>
+  </p:timing>
+</p:sld>
+</file>
+
+<file path=ppt/slides/slide21.xml><?xml version="1.0" encoding="utf-8"?>
+<p:sld xmlns:a="http://schemas.openxmlformats.org/drawingml/2006/main" xmlns:r="http://schemas.openxmlformats.org/officeDocument/2006/relationships" xmlns:p="http://schemas.openxmlformats.org/presentationml/2006/main">
+  <p:cSld>
+    <p:spTree>
+      <p:nvGrpSpPr>
+        <p:cNvPr id="1" name=""/>
+        <p:cNvGrpSpPr/>
+        <p:nvPr/>
+      </p:nvGrpSpPr>
+      <p:grpSpPr>
+        <a:xfrm>
+          <a:off x="0" y="0"/>
+          <a:ext cx="0" cy="0"/>
+          <a:chOff x="0" y="0"/>
+          <a:chExt cx="0" cy="0"/>
+        </a:xfrm>
+      </p:grpSpPr>
+      <p:sp>
+        <p:nvSpPr>
+          <p:cNvPr id="2" name="Title 1"/>
+          <p:cNvSpPr>
+            <a:spLocks noGrp="1"/>
+          </p:cNvSpPr>
+          <p:nvPr>
+            <p:ph type="title"/>
+          </p:nvPr>
+        </p:nvSpPr>
+        <p:spPr/>
+        <p:txBody>
+          <a:bodyPr/>
+          <a:lstStyle/>
+          <a:p>
+            <a:r>
+              <a:rPr lang="en-US" dirty="0"/>
+              <a:t>Kochen-Specker Theorem</a:t>
+            </a:r>
+          </a:p>
+        </p:txBody>
+      </p:sp>
+      <mc:AlternateContent xmlns:mc="http://schemas.openxmlformats.org/markup-compatibility/2006" xmlns:a14="http://schemas.microsoft.com/office/drawing/2010/main">
+        <mc:Choice Requires="a14">
+          <p:sp>
+            <p:nvSpPr>
+              <p:cNvPr id="3" name="Content Placeholder 2"/>
+              <p:cNvSpPr>
+                <a:spLocks noGrp="1"/>
+              </p:cNvSpPr>
+              <p:nvPr>
+                <p:ph idx="1"/>
+              </p:nvPr>
+            </p:nvSpPr>
+            <p:spPr/>
+            <p:txBody>
+              <a:bodyPr>
+                <a:normAutofit/>
+              </a:bodyPr>
+              <a:lstStyle/>
+              <a:p>
+                <a:r>
+                  <a:rPr lang="en-US" dirty="0" smtClean="0"/>
+                  <a:t>The Kochen-Specker theorem claims quantum theory cannot be simulated by a non-contextual hidden variable theory, i.e., </a:t>
+                </a:r>
+                <a:endParaRPr lang="en-US" dirty="0"/>
+              </a:p>
+              <a:p>
+                <a:pPr marL="0" indent="0">
+                  <a:buNone/>
+                </a:pPr>
+                <a:r>
+                  <a:rPr lang="en-US" b="1" dirty="0"/>
+                  <a:t>Theorem</a:t>
+                </a:r>
+                <a:r>
+                  <a:rPr lang="en-US" dirty="0"/>
+                  <a:t> There is no QIVPM </a:t>
+                </a:r>
+                <a14:m>
+                  <m:oMath xmlns:m="http://schemas.openxmlformats.org/officeDocument/2006/math">
+                    <m:sSup>
+                      <m:sSupPr>
+                        <m:ctrlPr>
+                          <a:rPr lang="en-US" i="1">
+                            <a:latin typeface="Cambria Math" panose="02040503050406030204" pitchFamily="18" charset="0"/>
+                          </a:rPr>
+                        </m:ctrlPr>
+                      </m:sSupPr>
+                      <m:e>
+                        <m:acc>
+                          <m:accPr>
+                            <m:chr m:val="̅"/>
+                            <m:ctrlPr>
+                              <a:rPr lang="en-US" i="1">
+                                <a:latin typeface="Cambria Math" panose="02040503050406030204" pitchFamily="18" charset="0"/>
+                              </a:rPr>
+                            </m:ctrlPr>
+                          </m:accPr>
+                          <m:e>
+                            <m:r>
+                              <a:rPr lang="en-US" i="1">
+                                <a:latin typeface="Cambria Math" panose="02040503050406030204" pitchFamily="18" charset="0"/>
+                              </a:rPr>
+                              <m:t>𝜇</m:t>
+                            </m:r>
+                          </m:e>
+                        </m:acc>
+                      </m:e>
+                      <m:sup>
+                        <m:r>
+                          <m:rPr>
+                            <m:nor/>
+                          </m:rPr>
+                          <a:rPr lang="en-US">
+                            <a:latin typeface="Cambria Math" panose="02040503050406030204" pitchFamily="18" charset="0"/>
+                          </a:rPr>
+                          <m:t>D</m:t>
+                        </m:r>
+                      </m:sup>
+                    </m:sSup>
+                    <m:r>
+                      <a:rPr lang="en-US" i="1">
+                        <a:latin typeface="Cambria Math" panose="02040503050406030204" pitchFamily="18" charset="0"/>
+                      </a:rPr>
+                      <m:t>:</m:t>
+                    </m:r>
+                    <m:r>
+                      <a:rPr lang="en-US" i="1">
+                        <a:latin typeface="Cambria Math" panose="02040503050406030204" pitchFamily="18" charset="0"/>
+                        <a:ea typeface="Cambria Math" panose="02040503050406030204" pitchFamily="18" charset="0"/>
+                      </a:rPr>
+                      <m:t>ℰ</m:t>
+                    </m:r>
+                    <m:r>
+                      <a:rPr lang="en-US" i="1">
+                        <a:latin typeface="Cambria Math" panose="02040503050406030204" pitchFamily="18" charset="0"/>
+                        <a:ea typeface="Cambria Math" panose="02040503050406030204" pitchFamily="18" charset="0"/>
+                      </a:rPr>
+                      <m:t>→</m:t>
+                    </m:r>
+                    <m:d>
+                      <m:dPr>
+                        <m:begChr m:val="{"/>
+                        <m:endChr m:val="}"/>
+                        <m:ctrlPr>
+                          <a:rPr lang="en-US" i="1">
+                            <a:latin typeface="Cambria Math" panose="02040503050406030204" pitchFamily="18" charset="0"/>
+                            <a:ea typeface="Cambria Math" panose="02040503050406030204" pitchFamily="18" charset="0"/>
+                          </a:rPr>
+                        </m:ctrlPr>
+                      </m:dPr>
+                      <m:e>
+                        <m:d>
+                          <m:dPr>
+                            <m:begChr m:val="["/>
+                            <m:endChr m:val="]"/>
+                            <m:ctrlPr>
+                              <a:rPr lang="en-US" i="1">
+                                <a:latin typeface="Cambria Math" panose="02040503050406030204" pitchFamily="18" charset="0"/>
+                              </a:rPr>
+                            </m:ctrlPr>
+                          </m:dPr>
+                          <m:e>
+                            <m:r>
+                              <a:rPr lang="en-US" i="1">
+                                <a:latin typeface="Cambria Math" panose="02040503050406030204" pitchFamily="18" charset="0"/>
+                              </a:rPr>
+                              <m:t>0,0</m:t>
+                            </m:r>
+                          </m:e>
+                        </m:d>
+                        <m:r>
+                          <a:rPr lang="en-US" i="1">
+                            <a:latin typeface="Cambria Math" panose="02040503050406030204" pitchFamily="18" charset="0"/>
+                            <a:ea typeface="Cambria Math" panose="02040503050406030204" pitchFamily="18" charset="0"/>
+                          </a:rPr>
+                          <m:t>,</m:t>
+                        </m:r>
+                        <m:d>
+                          <m:dPr>
+                            <m:begChr m:val="["/>
+                            <m:endChr m:val="]"/>
+                            <m:ctrlPr>
+                              <a:rPr lang="en-US" i="1">
+                                <a:latin typeface="Cambria Math" panose="02040503050406030204" pitchFamily="18" charset="0"/>
+                              </a:rPr>
+                            </m:ctrlPr>
+                          </m:dPr>
+                          <m:e>
+                            <m:r>
+                              <a:rPr lang="en-US" i="1">
+                                <a:latin typeface="Cambria Math" panose="02040503050406030204" pitchFamily="18" charset="0"/>
+                              </a:rPr>
+                              <m:t>1,1</m:t>
+                            </m:r>
+                          </m:e>
+                        </m:d>
+                      </m:e>
+                    </m:d>
+                  </m:oMath>
+                </a14:m>
+                <a:r>
+                  <a:rPr lang="en-US" dirty="0"/>
+                  <a:t>.</a:t>
+                </a:r>
+              </a:p>
+              <a:p>
+                <a14:m>
+                  <m:oMath xmlns:m="http://schemas.openxmlformats.org/officeDocument/2006/math">
+                    <m:d>
+                      <m:dPr>
+                        <m:begChr m:val="{"/>
+                        <m:endChr m:val="}"/>
+                        <m:ctrlPr>
+                          <a:rPr lang="en-US" i="1">
+                            <a:latin typeface="Cambria Math" panose="02040503050406030204" pitchFamily="18" charset="0"/>
+                            <a:ea typeface="Cambria Math" panose="02040503050406030204" pitchFamily="18" charset="0"/>
+                          </a:rPr>
+                        </m:ctrlPr>
+                      </m:dPr>
+                      <m:e>
+                        <m:d>
+                          <m:dPr>
+                            <m:begChr m:val="["/>
+                            <m:endChr m:val="]"/>
+                            <m:ctrlPr>
+                              <a:rPr lang="en-US" i="1">
+                                <a:latin typeface="Cambria Math" panose="02040503050406030204" pitchFamily="18" charset="0"/>
+                              </a:rPr>
+                            </m:ctrlPr>
+                          </m:dPr>
+                          <m:e>
+                            <m:r>
+                              <a:rPr lang="en-US" i="1">
+                                <a:latin typeface="Cambria Math" panose="02040503050406030204" pitchFamily="18" charset="0"/>
+                              </a:rPr>
+                              <m:t>0,0</m:t>
+                            </m:r>
+                          </m:e>
+                        </m:d>
+                        <m:r>
+                          <a:rPr lang="en-US" i="1">
+                            <a:latin typeface="Cambria Math" panose="02040503050406030204" pitchFamily="18" charset="0"/>
+                            <a:ea typeface="Cambria Math" panose="02040503050406030204" pitchFamily="18" charset="0"/>
+                          </a:rPr>
+                          <m:t>,</m:t>
+                        </m:r>
+                        <m:d>
+                          <m:dPr>
+                            <m:begChr m:val="["/>
+                            <m:endChr m:val="]"/>
+                            <m:ctrlPr>
+                              <a:rPr lang="en-US" i="1">
+                                <a:latin typeface="Cambria Math" panose="02040503050406030204" pitchFamily="18" charset="0"/>
+                              </a:rPr>
+                            </m:ctrlPr>
+                          </m:dPr>
+                          <m:e>
+                            <m:r>
+                              <a:rPr lang="en-US" i="1">
+                                <a:latin typeface="Cambria Math" panose="02040503050406030204" pitchFamily="18" charset="0"/>
+                              </a:rPr>
+                              <m:t>1,1</m:t>
+                            </m:r>
+                          </m:e>
+                        </m:d>
+                      </m:e>
+                    </m:d>
+                  </m:oMath>
+                </a14:m>
+                <a:r>
+                  <a:rPr lang="en-US" dirty="0" smtClean="0"/>
+                  <a:t> means the </a:t>
+                </a:r>
+                <a:r>
+                  <a:rPr lang="en-US" dirty="0"/>
+                  <a:t>hidden variable </a:t>
+                </a:r>
+                <a:r>
+                  <a:rPr lang="en-US" dirty="0" smtClean="0"/>
+                  <a:t>theory is deterministic.</a:t>
+                </a:r>
+              </a:p>
+              <a:p>
+                <a:r>
+                  <a:rPr lang="en-US" dirty="0" smtClean="0"/>
+                  <a:t>The definition of QIVPM, especially </a:t>
+                </a:r>
+              </a:p>
+              <a:p>
+                <a:pPr lvl="1"/>
+                <a:r>
+                  <a:rPr lang="en-US" dirty="0" smtClean="0"/>
+                  <a:t>mapping every projectors to a value and</a:t>
+                </a:r>
+              </a:p>
+              <a:p>
+                <a:pPr lvl="1"/>
+                <a14:m>
+                  <m:oMath xmlns:m="http://schemas.openxmlformats.org/officeDocument/2006/math">
+                    <m:acc>
+                      <m:accPr>
+                        <m:chr m:val="̅"/>
+                        <m:ctrlPr>
+                          <a:rPr lang="en-US" i="1">
+                            <a:latin typeface="Cambria Math" panose="02040503050406030204" pitchFamily="18" charset="0"/>
+                          </a:rPr>
+                        </m:ctrlPr>
+                      </m:accPr>
+                      <m:e>
+                        <m:r>
+                          <a:rPr lang="en-US" i="1">
+                            <a:latin typeface="Cambria Math" panose="02040503050406030204" pitchFamily="18" charset="0"/>
+                          </a:rPr>
+                          <m:t>𝜇</m:t>
+                        </m:r>
+                      </m:e>
+                    </m:acc>
+                    <m:d>
+                      <m:dPr>
+                        <m:ctrlPr>
+                          <a:rPr lang="en-US" i="1">
+                            <a:latin typeface="Cambria Math" panose="02040503050406030204" pitchFamily="18" charset="0"/>
+                          </a:rPr>
+                        </m:ctrlPr>
+                      </m:dPr>
+                      <m:e>
+                        <m:sSub>
+                          <m:sSubPr>
+                            <m:ctrlPr>
+                              <a:rPr lang="en-US" i="1">
+                                <a:latin typeface="Cambria Math" panose="02040503050406030204" pitchFamily="18" charset="0"/>
+                              </a:rPr>
+                            </m:ctrlPr>
+                          </m:sSubPr>
+                          <m:e>
+                            <m:r>
+                              <a:rPr lang="en-US" i="1">
+                                <a:latin typeface="Cambria Math" panose="02040503050406030204" pitchFamily="18" charset="0"/>
+                              </a:rPr>
+                              <m:t>𝑃</m:t>
+                            </m:r>
+                          </m:e>
+                          <m:sub>
+                            <m:r>
+                              <a:rPr lang="en-US" i="1">
+                                <a:latin typeface="Cambria Math" panose="02040503050406030204" pitchFamily="18" charset="0"/>
+                              </a:rPr>
+                              <m:t>0</m:t>
+                            </m:r>
+                          </m:sub>
+                        </m:sSub>
+                        <m:r>
+                          <a:rPr lang="en-US" i="1">
+                            <a:solidFill>
+                              <a:srgbClr val="FF0000"/>
+                            </a:solidFill>
+                            <a:latin typeface="Cambria Math" panose="02040503050406030204" pitchFamily="18" charset="0"/>
+                          </a:rPr>
+                          <m:t>+</m:t>
+                        </m:r>
+                        <m:sSub>
+                          <m:sSubPr>
+                            <m:ctrlPr>
+                              <a:rPr lang="en-US" i="1">
+                                <a:latin typeface="Cambria Math" panose="02040503050406030204" pitchFamily="18" charset="0"/>
+                              </a:rPr>
+                            </m:ctrlPr>
+                          </m:sSubPr>
+                          <m:e>
+                            <m:r>
+                              <a:rPr lang="en-US" i="1">
+                                <a:latin typeface="Cambria Math" panose="02040503050406030204" pitchFamily="18" charset="0"/>
+                              </a:rPr>
+                              <m:t>𝑃</m:t>
+                            </m:r>
+                          </m:e>
+                          <m:sub>
+                            <m:r>
+                              <a:rPr lang="en-US" i="1">
+                                <a:latin typeface="Cambria Math" panose="02040503050406030204" pitchFamily="18" charset="0"/>
+                              </a:rPr>
+                              <m:t>1</m:t>
+                            </m:r>
+                          </m:sub>
+                        </m:sSub>
+                      </m:e>
+                    </m:d>
+                    <m:r>
+                      <a:rPr lang="en-US" i="1">
+                        <a:solidFill>
+                          <a:schemeClr val="accent2"/>
+                        </a:solidFill>
+                        <a:latin typeface="Cambria Math" panose="02040503050406030204" pitchFamily="18" charset="0"/>
+                      </a:rPr>
+                      <m:t>⊆</m:t>
+                    </m:r>
+                    <m:acc>
+                      <m:accPr>
+                        <m:chr m:val="̅"/>
+                        <m:ctrlPr>
+                          <a:rPr lang="en-US" i="1">
+                            <a:latin typeface="Cambria Math" panose="02040503050406030204" pitchFamily="18" charset="0"/>
+                          </a:rPr>
+                        </m:ctrlPr>
+                      </m:accPr>
+                      <m:e>
+                        <m:r>
+                          <a:rPr lang="en-US" i="1">
+                            <a:latin typeface="Cambria Math" panose="02040503050406030204" pitchFamily="18" charset="0"/>
+                          </a:rPr>
+                          <m:t>𝜇</m:t>
+                        </m:r>
+                      </m:e>
+                    </m:acc>
+                    <m:d>
+                      <m:dPr>
+                        <m:ctrlPr>
+                          <a:rPr lang="en-US" i="1">
+                            <a:latin typeface="Cambria Math" panose="02040503050406030204" pitchFamily="18" charset="0"/>
+                          </a:rPr>
+                        </m:ctrlPr>
+                      </m:dPr>
+                      <m:e>
+                        <m:sSub>
+                          <m:sSubPr>
+                            <m:ctrlPr>
+                              <a:rPr lang="en-US" i="1">
+                                <a:latin typeface="Cambria Math" panose="02040503050406030204" pitchFamily="18" charset="0"/>
+                              </a:rPr>
+                            </m:ctrlPr>
+                          </m:sSubPr>
+                          <m:e>
+                            <m:r>
+                              <a:rPr lang="en-US" i="1">
+                                <a:latin typeface="Cambria Math" panose="02040503050406030204" pitchFamily="18" charset="0"/>
+                              </a:rPr>
+                              <m:t>𝑃</m:t>
+                            </m:r>
+                          </m:e>
+                          <m:sub>
+                            <m:r>
+                              <a:rPr lang="en-US" i="1">
+                                <a:latin typeface="Cambria Math" panose="02040503050406030204" pitchFamily="18" charset="0"/>
+                              </a:rPr>
+                              <m:t>0</m:t>
+                            </m:r>
+                          </m:sub>
+                        </m:sSub>
+                      </m:e>
+                    </m:d>
+                    <m:r>
+                      <a:rPr lang="en-US" i="1">
+                        <a:solidFill>
+                          <a:schemeClr val="accent2"/>
+                        </a:solidFill>
+                        <a:latin typeface="Cambria Math" panose="02040503050406030204" pitchFamily="18" charset="0"/>
+                      </a:rPr>
+                      <m:t>+</m:t>
+                    </m:r>
+                    <m:acc>
+                      <m:accPr>
+                        <m:chr m:val="̅"/>
+                        <m:ctrlPr>
+                          <a:rPr lang="en-US" i="1">
+                            <a:latin typeface="Cambria Math" panose="02040503050406030204" pitchFamily="18" charset="0"/>
+                          </a:rPr>
+                        </m:ctrlPr>
+                      </m:accPr>
+                      <m:e>
+                        <m:r>
+                          <a:rPr lang="en-US" i="1">
+                            <a:latin typeface="Cambria Math" panose="02040503050406030204" pitchFamily="18" charset="0"/>
+                          </a:rPr>
+                          <m:t>𝜇</m:t>
+                        </m:r>
+                      </m:e>
+                    </m:acc>
+                    <m:d>
+                      <m:dPr>
+                        <m:ctrlPr>
+                          <a:rPr lang="en-US" i="1">
+                            <a:latin typeface="Cambria Math" panose="02040503050406030204" pitchFamily="18" charset="0"/>
+                          </a:rPr>
+                        </m:ctrlPr>
+                      </m:dPr>
+                      <m:e>
+                        <m:sSub>
+                          <m:sSubPr>
+                            <m:ctrlPr>
+                              <a:rPr lang="en-US" i="1">
+                                <a:latin typeface="Cambria Math" panose="02040503050406030204" pitchFamily="18" charset="0"/>
+                              </a:rPr>
+                            </m:ctrlPr>
+                          </m:sSubPr>
+                          <m:e>
+                            <m:r>
+                              <a:rPr lang="en-US" i="1">
+                                <a:latin typeface="Cambria Math" panose="02040503050406030204" pitchFamily="18" charset="0"/>
+                              </a:rPr>
+                              <m:t>𝑃</m:t>
+                            </m:r>
+                          </m:e>
+                          <m:sub>
+                            <m:r>
+                              <a:rPr lang="en-US" i="1">
+                                <a:latin typeface="Cambria Math" panose="02040503050406030204" pitchFamily="18" charset="0"/>
+                              </a:rPr>
+                              <m:t>1</m:t>
+                            </m:r>
+                          </m:sub>
+                        </m:sSub>
+                      </m:e>
+                    </m:d>
+                  </m:oMath>
+                </a14:m>
+                <a:r>
+                  <a:rPr lang="en-US" dirty="0" smtClean="0"/>
+                  <a:t>,</a:t>
+                </a:r>
+              </a:p>
+              <a:p>
+                <a:pPr>
+                  <a:buFont typeface="Calibri" panose="020F0502020204030204" pitchFamily="34" charset="0"/>
+                  <a:buChar char="‖"/>
+                </a:pPr>
+                <a:r>
+                  <a:rPr lang="en-US" dirty="0" smtClean="0"/>
+                  <a:t>means non-contextuality since it requires the measurement results is independent of the measurement basis.</a:t>
+                </a:r>
+              </a:p>
+              <a:p>
+                <a:endParaRPr lang="en-US" dirty="0"/>
+              </a:p>
+            </p:txBody>
+          </p:sp>
+        </mc:Choice>
+        <mc:Fallback xmlns="">
+          <p:sp>
+            <p:nvSpPr>
+              <p:cNvPr id="3" name="Content Placeholder 2"/>
+              <p:cNvSpPr>
+                <a:spLocks noGrp="1" noRot="1" noChangeAspect="1" noMove="1" noResize="1" noEditPoints="1" noAdjustHandles="1" noChangeArrowheads="1" noChangeShapeType="1" noTextEdit="1"/>
+              </p:cNvSpPr>
+              <p:nvPr>
+                <p:ph idx="1"/>
+              </p:nvPr>
+            </p:nvSpPr>
+            <p:spPr>
+              <a:blipFill rotWithShape="0">
+                <a:blip r:embed="rId2"/>
+                <a:stretch>
+                  <a:fillRect l="-1217" t="-2241" r="-580"/>
+                </a:stretch>
+              </a:blipFill>
+            </p:spPr>
+            <p:txBody>
+              <a:bodyPr/>
+              <a:lstStyle/>
+              <a:p>
+                <a:r>
+                  <a:rPr lang="en-US">
+                    <a:noFill/>
+                  </a:rPr>
+                  <a:t> </a:t>
+                </a:r>
+              </a:p>
+            </p:txBody>
+          </p:sp>
+        </mc:Fallback>
+      </mc:AlternateContent>
+    </p:spTree>
+    <p:extLst>
+      <p:ext uri="{BB962C8B-B14F-4D97-AF65-F5344CB8AC3E}">
+        <p14:creationId xmlns:p14="http://schemas.microsoft.com/office/powerpoint/2010/main" val="4249772335"/>
+      </p:ext>
+    </p:extLst>
+  </p:cSld>
+  <p:clrMapOvr>
+    <a:masterClrMapping/>
+  </p:clrMapOvr>
+  <p:timing>
+    <p:tnLst>
+      <p:par>
+        <p:cTn id="1" dur="indefinite" restart="never" nodeType="tmRoot"/>
+      </p:par>
+    </p:tnLst>
+  </p:timing>
+</p:sld>
+</file>
+
+<file path=ppt/slides/slide22.xml><?xml version="1.0" encoding="utf-8"?>
+<p:sld xmlns:a="http://schemas.openxmlformats.org/drawingml/2006/main" xmlns:r="http://schemas.openxmlformats.org/officeDocument/2006/relationships" xmlns:p="http://schemas.openxmlformats.org/presentationml/2006/main">
+  <p:cSld>
+    <p:spTree>
+      <p:nvGrpSpPr>
+        <p:cNvPr id="1" name=""/>
+        <p:cNvGrpSpPr/>
+        <p:nvPr/>
+      </p:nvGrpSpPr>
+      <p:grpSpPr>
+        <a:xfrm>
+          <a:off x="0" y="0"/>
+          <a:ext cx="0" cy="0"/>
+          <a:chOff x="0" y="0"/>
+          <a:chExt cx="0" cy="0"/>
+        </a:xfrm>
+      </p:grpSpPr>
+      <p:sp>
+        <p:nvSpPr>
+          <p:cNvPr id="2" name="Title 1"/>
+          <p:cNvSpPr>
+            <a:spLocks noGrp="1"/>
+          </p:cNvSpPr>
+          <p:nvPr>
+            <p:ph type="title"/>
+          </p:nvPr>
+        </p:nvSpPr>
+        <p:spPr/>
+        <p:txBody>
+          <a:bodyPr/>
+          <a:lstStyle/>
+          <a:p>
+            <a:r>
+              <a:rPr lang="en-US" dirty="0"/>
               <a:t>Finite Precision </a:t>
             </a:r>
             <a:r>
@@ -14414,7 +17991,7 @@
 </p:sld>
 </file>
 
-<file path=ppt/slides/slide21.xml><?xml version="1.0" encoding="utf-8"?>
+<file path=ppt/slides/slide23.xml><?xml version="1.0" encoding="utf-8"?>
 <p:sld xmlns:a="http://schemas.openxmlformats.org/drawingml/2006/main" xmlns:r="http://schemas.openxmlformats.org/officeDocument/2006/relationships" xmlns:p="http://schemas.openxmlformats.org/presentationml/2006/main">
   <p:cSld>
     <p:spTree>
@@ -15504,7 +19081,7 @@
 </p:sld>
 </file>
 
-<file path=ppt/slides/slide22.xml><?xml version="1.0" encoding="utf-8"?>
+<file path=ppt/slides/slide24.xml><?xml version="1.0" encoding="utf-8"?>
 <p:sld xmlns:a="http://schemas.openxmlformats.org/drawingml/2006/main" xmlns:r="http://schemas.openxmlformats.org/officeDocument/2006/relationships" xmlns:p="http://schemas.openxmlformats.org/presentationml/2006/main">
   <p:cSld>
     <p:spTree>
@@ -26259,8 +29836,8 @@
           </a:p>
         </p:txBody>
       </p:sp>
-      <mc:AlternateContent xmlns:mc="http://schemas.openxmlformats.org/markup-compatibility/2006">
-        <mc:Choice xmlns:a14="http://schemas.microsoft.com/office/drawing/2010/main" Requires="a14">
+      <mc:AlternateContent xmlns:mc="http://schemas.openxmlformats.org/markup-compatibility/2006" xmlns:a14="http://schemas.microsoft.com/office/drawing/2010/main">
+        <mc:Choice Requires="a14">
           <p:sp>
             <p:nvSpPr>
               <p:cNvPr id="6" name="Content Placeholder 5"/>
@@ -27298,7 +30875,7 @@
             </p:txBody>
           </p:sp>
         </mc:Choice>
-        <mc:Fallback>
+        <mc:Fallback xmlns="">
           <p:sp>
             <p:nvSpPr>
               <p:cNvPr id="6" name="Content Placeholder 5"/>

--- a/prop_letter.pptx
+++ b/prop_letter.pptx
@@ -5,10 +5,10 @@
     <p:sldMasterId id="2147483648" r:id="rId1"/>
   </p:sldMasterIdLst>
   <p:notesMasterIdLst>
-    <p:notesMasterId r:id="rId25"/>
+    <p:notesMasterId r:id="rId27"/>
   </p:notesMasterIdLst>
   <p:handoutMasterIdLst>
-    <p:handoutMasterId r:id="rId26"/>
+    <p:handoutMasterId r:id="rId28"/>
   </p:handoutMasterIdLst>
   <p:sldIdLst>
     <p:sldId id="256" r:id="rId2"/>
@@ -27,13 +27,15 @@
     <p:sldId id="291" r:id="rId15"/>
     <p:sldId id="276" r:id="rId16"/>
     <p:sldId id="292" r:id="rId17"/>
-    <p:sldId id="281" r:id="rId18"/>
-    <p:sldId id="280" r:id="rId19"/>
-    <p:sldId id="273" r:id="rId20"/>
-    <p:sldId id="274" r:id="rId21"/>
-    <p:sldId id="275" r:id="rId22"/>
-    <p:sldId id="259" r:id="rId23"/>
-    <p:sldId id="260" r:id="rId24"/>
+    <p:sldId id="293" r:id="rId18"/>
+    <p:sldId id="294" r:id="rId19"/>
+    <p:sldId id="281" r:id="rId20"/>
+    <p:sldId id="280" r:id="rId21"/>
+    <p:sldId id="273" r:id="rId22"/>
+    <p:sldId id="274" r:id="rId23"/>
+    <p:sldId id="275" r:id="rId24"/>
+    <p:sldId id="259" r:id="rId25"/>
+    <p:sldId id="260" r:id="rId26"/>
   </p:sldIdLst>
   <p:sldSz cx="12192000" cy="6858000"/>
   <p:notesSz cx="6858000" cy="9144000"/>
@@ -165,6 +167,8 @@
           <p14:sldIdLst>
             <p14:sldId id="276"/>
             <p14:sldId id="292"/>
+            <p14:sldId id="293"/>
+            <p14:sldId id="294"/>
           </p14:sldIdLst>
         </p14:section>
         <p14:section name="Expectation Value" id="{95A84B62-3EDD-4027-9F89-8BA5CDC87F1A}">
@@ -185,7 +189,18 @@
       </p14:sectionLst>
     </p:ext>
     <p:ext uri="{EFAFB233-063F-42B5-8137-9DF3F51BA10A}">
-      <p15:sldGuideLst xmlns:p15="http://schemas.microsoft.com/office/powerpoint/2012/main"/>
+      <p15:sldGuideLst xmlns:p15="http://schemas.microsoft.com/office/powerpoint/2012/main">
+        <p15:guide id="1" orient="horz" pos="2160" userDrawn="1">
+          <p15:clr>
+            <a:srgbClr val="A4A3A4"/>
+          </p15:clr>
+        </p15:guide>
+        <p15:guide id="2" pos="3840" userDrawn="1">
+          <p15:clr>
+            <a:srgbClr val="A4A3A4"/>
+          </p15:clr>
+        </p15:guide>
+      </p15:sldGuideLst>
     </p:ext>
   </p:extLst>
 </p:presentation>
@@ -1229,6 +1244,23 @@
           <a:bodyPr/>
           <a:lstStyle/>
           <a:p>
+            <a:pPr marL="0" marR="0" lvl="0" indent="0" algn="l" defTabSz="914400" rtl="0" eaLnBrk="1" fontAlgn="auto" latinLnBrk="0" hangingPunct="1">
+              <a:lnSpc>
+                <a:spcPct val="100000"/>
+              </a:lnSpc>
+              <a:spcBef>
+                <a:spcPts val="0"/>
+              </a:spcBef>
+              <a:spcAft>
+                <a:spcPts val="0"/>
+              </a:spcAft>
+              <a:buClrTx/>
+              <a:buSzTx/>
+              <a:buFontTx/>
+              <a:buNone/>
+              <a:tabLst/>
+              <a:defRPr/>
+            </a:pPr>
             <a:endParaRPr lang="en-US" dirty="0"/>
           </a:p>
         </p:txBody>
@@ -1250,7 +1282,7 @@
           <a:p>
             <a:fld id="{553141C9-E3AF-4773-84E5-4C6860670B56}" type="slidenum">
               <a:rPr lang="en-US" smtClean="0"/>
-              <a:t>22</a:t>
+              <a:t>17</a:t>
             </a:fld>
             <a:endParaRPr lang="en-US"/>
           </a:p>
@@ -1259,7 +1291,7 @@
     </p:spTree>
     <p:extLst>
       <p:ext uri="{BB962C8B-B14F-4D97-AF65-F5344CB8AC3E}">
-        <p14:creationId xmlns:p14="http://schemas.microsoft.com/office/powerpoint/2010/main" val="4134836130"/>
+        <p14:creationId xmlns:p14="http://schemas.microsoft.com/office/powerpoint/2010/main" val="3359207550"/>
       </p:ext>
     </p:extLst>
   </p:cSld>
@@ -1334,7 +1366,91 @@
           <a:p>
             <a:fld id="{553141C9-E3AF-4773-84E5-4C6860670B56}" type="slidenum">
               <a:rPr lang="en-US" smtClean="0"/>
-              <a:t>23</a:t>
+              <a:t>24</a:t>
+            </a:fld>
+            <a:endParaRPr lang="en-US"/>
+          </a:p>
+        </p:txBody>
+      </p:sp>
+    </p:spTree>
+    <p:extLst>
+      <p:ext uri="{BB962C8B-B14F-4D97-AF65-F5344CB8AC3E}">
+        <p14:creationId xmlns:p14="http://schemas.microsoft.com/office/powerpoint/2010/main" val="4134836130"/>
+      </p:ext>
+    </p:extLst>
+  </p:cSld>
+  <p:clrMapOvr>
+    <a:masterClrMapping/>
+  </p:clrMapOvr>
+</p:notes>
+</file>
+
+<file path=ppt/notesSlides/notesSlide8.xml><?xml version="1.0" encoding="utf-8"?>
+<p:notes xmlns:a="http://schemas.openxmlformats.org/drawingml/2006/main" xmlns:r="http://schemas.openxmlformats.org/officeDocument/2006/relationships" xmlns:p="http://schemas.openxmlformats.org/presentationml/2006/main">
+  <p:cSld>
+    <p:spTree>
+      <p:nvGrpSpPr>
+        <p:cNvPr id="1" name=""/>
+        <p:cNvGrpSpPr/>
+        <p:nvPr/>
+      </p:nvGrpSpPr>
+      <p:grpSpPr>
+        <a:xfrm>
+          <a:off x="0" y="0"/>
+          <a:ext cx="0" cy="0"/>
+          <a:chOff x="0" y="0"/>
+          <a:chExt cx="0" cy="0"/>
+        </a:xfrm>
+      </p:grpSpPr>
+      <p:sp>
+        <p:nvSpPr>
+          <p:cNvPr id="2" name="Slide Image Placeholder 1"/>
+          <p:cNvSpPr>
+            <a:spLocks noGrp="1" noRot="1" noChangeAspect="1"/>
+          </p:cNvSpPr>
+          <p:nvPr>
+            <p:ph type="sldImg"/>
+          </p:nvPr>
+        </p:nvSpPr>
+        <p:spPr/>
+      </p:sp>
+      <p:sp>
+        <p:nvSpPr>
+          <p:cNvPr id="3" name="Notes Placeholder 2"/>
+          <p:cNvSpPr>
+            <a:spLocks noGrp="1"/>
+          </p:cNvSpPr>
+          <p:nvPr>
+            <p:ph type="body" idx="1"/>
+          </p:nvPr>
+        </p:nvSpPr>
+        <p:spPr/>
+        <p:txBody>
+          <a:bodyPr/>
+          <a:lstStyle/>
+          <a:p>
+            <a:endParaRPr lang="en-US" dirty="0"/>
+          </a:p>
+        </p:txBody>
+      </p:sp>
+      <p:sp>
+        <p:nvSpPr>
+          <p:cNvPr id="4" name="Slide Number Placeholder 3"/>
+          <p:cNvSpPr>
+            <a:spLocks noGrp="1"/>
+          </p:cNvSpPr>
+          <p:nvPr>
+            <p:ph type="sldNum" sz="quarter" idx="10"/>
+          </p:nvPr>
+        </p:nvSpPr>
+        <p:spPr/>
+        <p:txBody>
+          <a:bodyPr/>
+          <a:lstStyle/>
+          <a:p>
+            <a:fld id="{553141C9-E3AF-4773-84E5-4C6860670B56}" type="slidenum">
+              <a:rPr lang="en-US" smtClean="0"/>
+              <a:t>25</a:t>
             </a:fld>
             <a:endParaRPr lang="en-US"/>
           </a:p>
@@ -2062,6 +2178,13 @@
   <p:clrMapOvr>
     <a:masterClrMapping/>
   </p:clrMapOvr>
+  <p:timing>
+    <p:tnLst>
+      <p:par>
+        <p:cTn id="1" dur="indefinite" restart="never" nodeType="tmRoot"/>
+      </p:par>
+    </p:tnLst>
+  </p:timing>
 </p:sldLayout>
 </file>
 
@@ -4228,8 +4351,28 @@
           <a:lstStyle/>
           <a:p>
             <a:r>
+              <a:rPr lang="en-US" dirty="0">
+                <a:solidFill>
+                  <a:schemeClr val="accent2"/>
+                </a:solidFill>
+              </a:rPr>
+              <a:t>Interval</a:t>
+            </a:r>
+            <a:r>
               <a:rPr lang="en-US" dirty="0"/>
-              <a:t>Interval-Valued Quantum </a:t>
+              <a:t>-Valued </a:t>
+            </a:r>
+            <a:r>
+              <a:rPr lang="en-US" dirty="0">
+                <a:solidFill>
+                  <a:srgbClr val="FF0000"/>
+                </a:solidFill>
+              </a:rPr>
+              <a:t>Quantum</a:t>
+            </a:r>
+            <a:r>
+              <a:rPr lang="en-US" dirty="0"/>
+              <a:t> </a:t>
             </a:r>
             <a:r>
               <a:rPr lang="en-US" dirty="0" smtClean="0"/>
@@ -4337,8 +4480,78 @@
           <a:lstStyle/>
           <a:p>
             <a:r>
+              <a:rPr lang="en-US" dirty="0"/>
+              <a:t>Can we recover </a:t>
+            </a:r>
+            <a:r>
+              <a:rPr lang="en-US" dirty="0">
+                <a:solidFill>
+                  <a:srgbClr val="FF0000"/>
+                </a:solidFill>
+              </a:rPr>
+              <a:t>Q</a:t>
+            </a:r>
+            <a:r>
+              <a:rPr lang="en-US" dirty="0">
+                <a:solidFill>
+                  <a:schemeClr val="accent2"/>
+                </a:solidFill>
+              </a:rPr>
+              <a:t>R</a:t>
+            </a:r>
+            <a:r>
+              <a:rPr lang="en-US" dirty="0"/>
+              <a:t>VPM and </a:t>
+            </a:r>
+            <a:r>
+              <a:rPr lang="en-US" dirty="0">
+                <a:solidFill>
+                  <a:srgbClr val="FF0000"/>
+                </a:solidFill>
+              </a:rPr>
+              <a:t>C</a:t>
+            </a:r>
+            <a:r>
+              <a:rPr lang="en-US" dirty="0">
+                <a:solidFill>
+                  <a:schemeClr val="accent2"/>
+                </a:solidFill>
+              </a:rPr>
+              <a:t>I</a:t>
+            </a:r>
+            <a:r>
+              <a:rPr lang="en-US" dirty="0"/>
+              <a:t>VPM as a special case of </a:t>
+            </a:r>
+            <a:r>
+              <a:rPr lang="en-US" dirty="0">
+                <a:solidFill>
+                  <a:srgbClr val="FF0000"/>
+                </a:solidFill>
+              </a:rPr>
+              <a:t>Q</a:t>
+            </a:r>
+            <a:r>
+              <a:rPr lang="en-US" dirty="0">
+                <a:solidFill>
+                  <a:schemeClr val="accent2"/>
+                </a:solidFill>
+              </a:rPr>
+              <a:t>I</a:t>
+            </a:r>
+            <a:r>
+              <a:rPr lang="en-US" dirty="0"/>
+              <a:t>VPM?</a:t>
+            </a:r>
+          </a:p>
+          <a:p>
+            <a:r>
               <a:rPr lang="en-US" dirty="0" smtClean="0"/>
-              <a:t>Can we define </a:t>
+              <a:t>Can </a:t>
+            </a:r>
+            <a:r>
+              <a:rPr lang="en-US" dirty="0" smtClean="0"/>
+              <a:t>we define </a:t>
             </a:r>
             <a:r>
               <a:rPr lang="en-US" dirty="0" smtClean="0">
@@ -4525,74 +4738,11 @@
           <a:p>
             <a:r>
               <a:rPr lang="en-US" dirty="0" smtClean="0"/>
-              <a:t>Can we recover </a:t>
-            </a:r>
-            <a:r>
-              <a:rPr lang="en-US" dirty="0" smtClean="0">
-                <a:solidFill>
-                  <a:srgbClr val="FF0000"/>
-                </a:solidFill>
-              </a:rPr>
-              <a:t>Q</a:t>
-            </a:r>
-            <a:r>
-              <a:rPr lang="en-US" dirty="0" smtClean="0">
-                <a:solidFill>
-                  <a:schemeClr val="accent2"/>
-                </a:solidFill>
-              </a:rPr>
-              <a:t>R</a:t>
+              <a:t>Since </a:t>
             </a:r>
             <a:r>
               <a:rPr lang="en-US" dirty="0" smtClean="0"/>
-              <a:t>VPM and </a:t>
-            </a:r>
-            <a:r>
-              <a:rPr lang="en-US" dirty="0" smtClean="0">
-                <a:solidFill>
-                  <a:srgbClr val="FF0000"/>
-                </a:solidFill>
-              </a:rPr>
-              <a:t>C</a:t>
-            </a:r>
-            <a:r>
-              <a:rPr lang="en-US" dirty="0" smtClean="0">
-                <a:solidFill>
-                  <a:schemeClr val="accent2"/>
-                </a:solidFill>
-              </a:rPr>
-              <a:t>I</a:t>
-            </a:r>
-            <a:r>
-              <a:rPr lang="en-US" dirty="0" smtClean="0"/>
-              <a:t>VPM as a special case of </a:t>
-            </a:r>
-            <a:r>
-              <a:rPr lang="en-US" dirty="0">
-                <a:solidFill>
-                  <a:srgbClr val="FF0000"/>
-                </a:solidFill>
-              </a:rPr>
-              <a:t>Q</a:t>
-            </a:r>
-            <a:r>
-              <a:rPr lang="en-US" dirty="0">
-                <a:solidFill>
-                  <a:schemeClr val="accent2"/>
-                </a:solidFill>
-              </a:rPr>
-              <a:t>I</a:t>
-            </a:r>
-            <a:r>
-              <a:rPr lang="en-US" dirty="0"/>
-              <a:t>VPM?</a:t>
-            </a:r>
-            <a:endParaRPr lang="en-US" dirty="0" smtClean="0"/>
-          </a:p>
-          <a:p>
-            <a:r>
-              <a:rPr lang="en-US" dirty="0" smtClean="0"/>
-              <a:t>Since there is a tension between </a:t>
+              <a:t>there is a tension between </a:t>
             </a:r>
             <a:r>
               <a:rPr lang="en-US" dirty="0" smtClean="0">
@@ -4870,8 +5020,8 @@
           <a:chExt cx="0" cy="0"/>
         </a:xfrm>
       </p:grpSpPr>
-      <mc:AlternateContent xmlns:mc="http://schemas.openxmlformats.org/markup-compatibility/2006">
-        <mc:Choice xmlns:a14="http://schemas.microsoft.com/office/drawing/2010/main" Requires="a14">
+      <mc:AlternateContent xmlns:mc="http://schemas.openxmlformats.org/markup-compatibility/2006" xmlns:a14="http://schemas.microsoft.com/office/drawing/2010/main">
+        <mc:Choice Requires="a14">
           <p:sp>
             <p:nvSpPr>
               <p:cNvPr id="2" name="Title 1"/>
@@ -5101,7 +5251,7 @@
             </p:txBody>
           </p:sp>
         </mc:Choice>
-        <mc:Fallback>
+        <mc:Fallback xmlns="">
           <p:sp>
             <p:nvSpPr>
               <p:cNvPr id="2" name="Title 1"/>
@@ -5462,8 +5612,8 @@
           </a:p>
         </p:txBody>
       </p:sp>
-      <mc:AlternateContent xmlns:mc="http://schemas.openxmlformats.org/markup-compatibility/2006">
-        <mc:Choice xmlns:a14="http://schemas.microsoft.com/office/drawing/2010/main" Requires="a14">
+      <mc:AlternateContent xmlns:mc="http://schemas.openxmlformats.org/markup-compatibility/2006" xmlns:a14="http://schemas.microsoft.com/office/drawing/2010/main">
+        <mc:Choice Requires="a14">
           <p:sp>
             <p:nvSpPr>
               <p:cNvPr id="6" name="Content Placeholder 5"/>
@@ -5798,7 +5948,7 @@
             </p:txBody>
           </p:sp>
         </mc:Choice>
-        <mc:Fallback>
+        <mc:Fallback xmlns="">
           <p:sp>
             <p:nvSpPr>
               <p:cNvPr id="6" name="Content Placeholder 5"/>
@@ -5962,8 +6112,8 @@
           </a:p>
         </p:txBody>
       </p:sp>
-      <mc:AlternateContent xmlns:mc="http://schemas.openxmlformats.org/markup-compatibility/2006" xmlns:a14="http://schemas.microsoft.com/office/drawing/2010/main">
-        <mc:Choice Requires="a14">
+      <mc:AlternateContent xmlns:mc="http://schemas.openxmlformats.org/markup-compatibility/2006">
+        <mc:Choice xmlns:a14="http://schemas.microsoft.com/office/drawing/2010/main" Requires="a14">
           <p:sp>
             <p:nvSpPr>
               <p:cNvPr id="3" name="Content Placeholder 2"/>
@@ -6007,9 +6157,9 @@
                         <m:begChr m:val="{"/>
                         <m:endChr m:val="}"/>
                         <m:ctrlPr>
-                          <a:rPr lang="en-US" i="1">
+                          <a:rPr lang="en-US" i="1" smtClean="0">
                             <a:solidFill>
-                              <a:srgbClr val="FF0000"/>
+                              <a:schemeClr val="tx1"/>
                             </a:solidFill>
                             <a:latin typeface="Cambria Math" panose="02040503050406030204" pitchFamily="18" charset="0"/>
                             <a:ea typeface="Cambria Math" panose="02040503050406030204" pitchFamily="18" charset="0"/>
@@ -6023,7 +6173,7 @@
                           </m:rPr>
                           <a:rPr lang="en-US">
                             <a:solidFill>
-                              <a:srgbClr val="FF0000"/>
+                              <a:schemeClr val="tx1"/>
                             </a:solidFill>
                             <a:latin typeface="Cambria Math" panose="02040503050406030204" pitchFamily="18" charset="0"/>
                             <a:ea typeface="Cambria Math" panose="02040503050406030204" pitchFamily="18" charset="0"/>
@@ -6036,7 +6186,7 @@
                           </m:rPr>
                           <a:rPr lang="en-US">
                             <a:solidFill>
-                              <a:srgbClr val="FF0000"/>
+                              <a:schemeClr val="tx1"/>
                             </a:solidFill>
                             <a:latin typeface="Cambria Math" panose="02040503050406030204" pitchFamily="18" charset="0"/>
                             <a:ea typeface="Cambria Math" panose="02040503050406030204" pitchFamily="18" charset="0"/>
@@ -6049,7 +6199,7 @@
                           </m:rPr>
                           <a:rPr lang="en-US">
                             <a:solidFill>
-                              <a:srgbClr val="FF0000"/>
+                              <a:schemeClr val="tx1"/>
                             </a:solidFill>
                             <a:latin typeface="Cambria Math" panose="02040503050406030204" pitchFamily="18" charset="0"/>
                             <a:ea typeface="Cambria Math" panose="02040503050406030204" pitchFamily="18" charset="0"/>
@@ -6062,7 +6212,7 @@
                           </m:rPr>
                           <a:rPr lang="en-US">
                             <a:solidFill>
-                              <a:srgbClr val="FF0000"/>
+                              <a:schemeClr val="tx1"/>
                             </a:solidFill>
                             <a:latin typeface="Cambria Math" panose="02040503050406030204" pitchFamily="18" charset="0"/>
                             <a:ea typeface="Cambria Math" panose="02040503050406030204" pitchFamily="18" charset="0"/>
@@ -6075,7 +6225,7 @@
                           </m:rPr>
                           <a:rPr lang="en-US">
                             <a:solidFill>
-                              <a:srgbClr val="FF0000"/>
+                              <a:schemeClr val="tx1"/>
                             </a:solidFill>
                             <a:latin typeface="Cambria Math" panose="02040503050406030204" pitchFamily="18" charset="0"/>
                             <a:ea typeface="Cambria Math" panose="02040503050406030204" pitchFamily="18" charset="0"/>
@@ -6088,7 +6238,7 @@
                           </m:rPr>
                           <a:rPr lang="en-US">
                             <a:solidFill>
-                              <a:srgbClr val="FF0000"/>
+                              <a:schemeClr val="tx1"/>
                             </a:solidFill>
                             <a:latin typeface="Cambria Math" panose="02040503050406030204" pitchFamily="18" charset="0"/>
                             <a:ea typeface="Cambria Math" panose="02040503050406030204" pitchFamily="18" charset="0"/>
@@ -6101,7 +6251,7 @@
                           </m:rPr>
                           <a:rPr lang="en-US">
                             <a:solidFill>
-                              <a:srgbClr val="FF0000"/>
+                              <a:schemeClr val="tx1"/>
                             </a:solidFill>
                             <a:latin typeface="Cambria Math" panose="02040503050406030204" pitchFamily="18" charset="0"/>
                             <a:ea typeface="Cambria Math" panose="02040503050406030204" pitchFamily="18" charset="0"/>
@@ -6114,7 +6264,7 @@
                           </m:rPr>
                           <a:rPr lang="en-US">
                             <a:solidFill>
-                              <a:srgbClr val="FF0000"/>
+                              <a:schemeClr val="tx1"/>
                             </a:solidFill>
                             <a:latin typeface="Cambria Math" panose="02040503050406030204" pitchFamily="18" charset="0"/>
                             <a:ea typeface="Cambria Math" panose="02040503050406030204" pitchFamily="18" charset="0"/>
@@ -6127,7 +6277,7 @@
                           </m:rPr>
                           <a:rPr lang="en-US">
                             <a:solidFill>
-                              <a:srgbClr val="FF0000"/>
+                              <a:schemeClr val="tx1"/>
                             </a:solidFill>
                             <a:latin typeface="Cambria Math" panose="02040503050406030204" pitchFamily="18" charset="0"/>
                             <a:ea typeface="Cambria Math" panose="02040503050406030204" pitchFamily="18" charset="0"/>
@@ -6140,7 +6290,7 @@
                           </m:rPr>
                           <a:rPr lang="en-US">
                             <a:solidFill>
-                              <a:srgbClr val="FF0000"/>
+                              <a:schemeClr val="tx1"/>
                             </a:solidFill>
                             <a:latin typeface="Cambria Math" panose="02040503050406030204" pitchFamily="18" charset="0"/>
                             <a:ea typeface="Cambria Math" panose="02040503050406030204" pitchFamily="18" charset="0"/>
@@ -6153,7 +6303,7 @@
                           </m:rPr>
                           <a:rPr lang="en-US">
                             <a:solidFill>
-                              <a:srgbClr val="FF0000"/>
+                              <a:schemeClr val="tx1"/>
                             </a:solidFill>
                             <a:latin typeface="Cambria Math" panose="02040503050406030204" pitchFamily="18" charset="0"/>
                             <a:ea typeface="Cambria Math" panose="02040503050406030204" pitchFamily="18" charset="0"/>
@@ -6166,7 +6316,7 @@
                           </m:rPr>
                           <a:rPr lang="en-US">
                             <a:solidFill>
-                              <a:srgbClr val="FF0000"/>
+                              <a:schemeClr val="tx1"/>
                             </a:solidFill>
                             <a:latin typeface="Cambria Math" panose="02040503050406030204" pitchFamily="18" charset="0"/>
                             <a:ea typeface="Cambria Math" panose="02040503050406030204" pitchFamily="18" charset="0"/>
@@ -6179,7 +6329,7 @@
                           </m:rPr>
                           <a:rPr lang="en-US">
                             <a:solidFill>
-                              <a:srgbClr val="FF0000"/>
+                              <a:schemeClr val="tx1"/>
                             </a:solidFill>
                             <a:latin typeface="Cambria Math" panose="02040503050406030204" pitchFamily="18" charset="0"/>
                             <a:ea typeface="Cambria Math" panose="02040503050406030204" pitchFamily="18" charset="0"/>
@@ -6192,7 +6342,7 @@
                           </m:rPr>
                           <a:rPr lang="en-US">
                             <a:solidFill>
-                              <a:srgbClr val="FF0000"/>
+                              <a:schemeClr val="tx1"/>
                             </a:solidFill>
                             <a:latin typeface="Cambria Math" panose="02040503050406030204" pitchFamily="18" charset="0"/>
                             <a:ea typeface="Cambria Math" panose="02040503050406030204" pitchFamily="18" charset="0"/>
@@ -6202,7 +6352,7 @@
                         <m:r>
                           <a:rPr lang="el-GR" i="1">
                             <a:solidFill>
-                              <a:srgbClr val="FF0000"/>
+                              <a:schemeClr val="tx1"/>
                             </a:solidFill>
                             <a:latin typeface="Cambria Math" panose="02040503050406030204" pitchFamily="18" charset="0"/>
                             <a:ea typeface="Cambria Math" panose="02040503050406030204" pitchFamily="18" charset="0"/>
@@ -6215,12 +6365,18 @@
                 </a14:m>
                 <a:r>
                   <a:rPr lang="en-US" dirty="0" smtClean="0">
+                    <a:solidFill>
+                      <a:schemeClr val="tx1"/>
+                    </a:solidFill>
                     <a:latin typeface="Cambria Math" panose="02040503050406030204" pitchFamily="18" charset="0"/>
                     <a:ea typeface="Cambria Math" panose="02040503050406030204" pitchFamily="18" charset="0"/>
                   </a:rPr>
                   <a:t>.</a:t>
                 </a:r>
                 <a:endParaRPr lang="en-US" dirty="0">
+                  <a:solidFill>
+                    <a:schemeClr val="tx1"/>
+                  </a:solidFill>
                   <a:latin typeface="Cambria Math" panose="02040503050406030204" pitchFamily="18" charset="0"/>
                   <a:ea typeface="Cambria Math" panose="02040503050406030204" pitchFamily="18" charset="0"/>
                 </a:endParaRPr>
@@ -6277,7 +6433,19 @@
                 </a14:m>
                 <a:r>
                   <a:rPr lang="en-US" dirty="0" smtClean="0"/>
-                  <a:t> is called a sub-event space if:</a:t>
+                  <a:t> is called a </a:t>
+                </a:r>
+                <a:r>
+                  <a:rPr lang="en-US" dirty="0" smtClean="0">
+                    <a:solidFill>
+                      <a:srgbClr val="FF0000"/>
+                    </a:solidFill>
+                  </a:rPr>
+                  <a:t>sub-event space</a:t>
+                </a:r>
+                <a:r>
+                  <a:rPr lang="en-US" dirty="0" smtClean="0"/>
+                  <a:t> if:</a:t>
                 </a:r>
               </a:p>
               <a:p>
@@ -6657,8 +6825,16 @@
                   <a:t>space is called </a:t>
                 </a:r>
                 <a:r>
+                  <a:rPr lang="en-US" dirty="0">
+                    <a:solidFill>
+                      <a:srgbClr val="FF0000"/>
+                    </a:solidFill>
+                  </a:rPr>
+                  <a:t>commuting</a:t>
+                </a:r>
+                <a:r>
                   <a:rPr lang="en-US" dirty="0"/>
-                  <a:t>commuting </a:t>
+                  <a:t> </a:t>
                 </a:r>
                 <a:r>
                   <a:rPr lang="en-US" dirty="0" smtClean="0"/>
@@ -6669,7 +6845,7 @@
             </p:txBody>
           </p:sp>
         </mc:Choice>
-        <mc:Fallback xmlns="">
+        <mc:Fallback>
           <p:sp>
             <p:nvSpPr>
               <p:cNvPr id="3" name="Content Placeholder 2"/>
@@ -6766,7 +6942,6 @@
               <a:rPr lang="en-US" dirty="0"/>
               <a:t>On a commuting sub-event space</a:t>
             </a:r>
-            <a:endParaRPr lang="en-US" dirty="0"/>
           </a:p>
         </p:txBody>
       </p:sp>
@@ -6782,7 +6957,7 @@
                 <p:ph idx="1"/>
                 <p:extLst>
                   <p:ext uri="{D42A27DB-BD31-4B8C-83A1-F6EECF244321}">
-                    <p14:modId xmlns:p14="http://schemas.microsoft.com/office/powerpoint/2010/main" val="3553810115"/>
+                    <p14:modId xmlns:p14="http://schemas.microsoft.com/office/powerpoint/2010/main" val="2977789816"/>
                   </p:ext>
                 </p:extLst>
               </p:nvPr>
@@ -7388,15 +7563,7 @@
                                 <a:schemeClr val="tx1"/>
                               </a:solidFill>
                             </a:rPr>
-                            <a:t> </a:t>
-                          </a:r>
-                          <a:r>
-                            <a:rPr lang="en-US" dirty="0" smtClean="0">
-                              <a:solidFill>
-                                <a:schemeClr val="tx1"/>
-                              </a:solidFill>
-                            </a:rPr>
-                            <a:t>a </a:t>
+                            <a:t> a </a:t>
                           </a:r>
                           <a:r>
                             <a:rPr lang="en-US" dirty="0" smtClean="0">
@@ -7412,15 +7579,7 @@
                                 <a:schemeClr val="tx1"/>
                               </a:solidFill>
                             </a:rPr>
-                            <a:t> sub-event </a:t>
-                          </a:r>
-                          <a:r>
-                            <a:rPr lang="en-US" dirty="0" smtClean="0">
-                              <a:solidFill>
-                                <a:schemeClr val="tx1"/>
-                              </a:solidFill>
-                            </a:rPr>
-                            <a:t>space</a:t>
+                            <a:t> sub-event space</a:t>
                           </a:r>
                           <a:endParaRPr lang="en-US" dirty="0">
                             <a:solidFill>
@@ -7767,7 +7926,15 @@
                                 <a:srgbClr val="FF0000"/>
                               </a:solidFill>
                             </a:rPr>
-                            <a:t>Radon-Nikodym derivative w.r.t</a:t>
+                            <a:t>Radon-Nikodym derivative </a:t>
+                          </a:r>
+                          <a:r>
+                            <a:rPr lang="en-US" dirty="0" smtClean="0">
+                              <a:solidFill>
+                                <a:srgbClr val="FF0000"/>
+                              </a:solidFill>
+                            </a:rPr>
+                            <a:t>w.r.t.</a:t>
                           </a:r>
                           <a:r>
                             <a:rPr lang="en-US" baseline="0" dirty="0" smtClean="0">
@@ -7775,7 +7942,15 @@
                                 <a:srgbClr val="FF0000"/>
                               </a:solidFill>
                             </a:rPr>
-                            <a:t> counting measure</a:t>
+                            <a:t> </a:t>
+                          </a:r>
+                          <a:r>
+                            <a:rPr lang="en-US" baseline="0" dirty="0" smtClean="0">
+                              <a:solidFill>
+                                <a:srgbClr val="FF0000"/>
+                              </a:solidFill>
+                            </a:rPr>
+                            <a:t>counting measure</a:t>
                           </a:r>
                           <a:endParaRPr lang="en-US" dirty="0">
                             <a:solidFill>
@@ -9581,7 +9756,7 @@
                 <p:ph idx="1"/>
                 <p:extLst>
                   <p:ext uri="{D42A27DB-BD31-4B8C-83A1-F6EECF244321}">
-                    <p14:modId xmlns:p14="http://schemas.microsoft.com/office/powerpoint/2010/main" val="3553810115"/>
+                    <p14:modId xmlns:p14="http://schemas.microsoft.com/office/powerpoint/2010/main" val="2977789816"/>
                   </p:ext>
                 </p:extLst>
               </p:nvPr>
@@ -9780,7 +9955,15 @@
                                 <a:srgbClr val="FF0000"/>
                               </a:solidFill>
                             </a:rPr>
-                            <a:t>Radon-Nikodym derivative w.r.t</a:t>
+                            <a:t>Radon-Nikodym derivative </a:t>
+                          </a:r>
+                          <a:r>
+                            <a:rPr lang="en-US" dirty="0" smtClean="0">
+                              <a:solidFill>
+                                <a:srgbClr val="FF0000"/>
+                              </a:solidFill>
+                            </a:rPr>
+                            <a:t>w.r.t.</a:t>
                           </a:r>
                           <a:r>
                             <a:rPr lang="en-US" baseline="0" dirty="0" smtClean="0">
@@ -9788,7 +9971,15 @@
                                 <a:srgbClr val="FF0000"/>
                               </a:solidFill>
                             </a:rPr>
-                            <a:t> counting measure</a:t>
+                            <a:t> </a:t>
+                          </a:r>
+                          <a:r>
+                            <a:rPr lang="en-US" baseline="0" dirty="0" smtClean="0">
+                              <a:solidFill>
+                                <a:srgbClr val="FF0000"/>
+                              </a:solidFill>
+                            </a:rPr>
+                            <a:t>counting measure</a:t>
                           </a:r>
                           <a:endParaRPr lang="en-US" dirty="0">
                             <a:solidFill>
@@ -10273,11 +10464,7 @@
             </a:r>
             <a:r>
               <a:rPr lang="en-US" dirty="0" smtClean="0"/>
-              <a:t> </a:t>
-            </a:r>
-            <a:r>
-              <a:rPr lang="en-US" dirty="0" smtClean="0"/>
-              <a:t>and </a:t>
+              <a:t> and </a:t>
             </a:r>
             <a:r>
               <a:rPr lang="en-US" dirty="0" smtClean="0">
@@ -10312,11 +10499,7 @@
           <a:p>
             <a:r>
               <a:rPr lang="en-US" dirty="0" smtClean="0"/>
-              <a:t>We can </a:t>
-            </a:r>
-            <a:r>
-              <a:rPr lang="en-US" dirty="0" smtClean="0"/>
-              <a:t>unify the idea of </a:t>
+              <a:t>We can unify the idea of </a:t>
             </a:r>
             <a:r>
               <a:rPr lang="en-US" dirty="0" smtClean="0">
@@ -10441,11 +10624,6 @@
               </a:rPr>
               <a:t>Gleason’s theorem</a:t>
             </a:r>
-            <a:endParaRPr lang="en-US" dirty="0">
-              <a:solidFill>
-                <a:srgbClr val="FF0000"/>
-              </a:solidFill>
-            </a:endParaRPr>
           </a:p>
         </p:txBody>
       </p:sp>
@@ -10461,7 +10639,7 @@
                 <p:ph idx="1"/>
                 <p:extLst>
                   <p:ext uri="{D42A27DB-BD31-4B8C-83A1-F6EECF244321}">
-                    <p14:modId xmlns:p14="http://schemas.microsoft.com/office/powerpoint/2010/main" val="1629387243"/>
+                    <p14:modId xmlns:p14="http://schemas.microsoft.com/office/powerpoint/2010/main" val="616473423"/>
                   </p:ext>
                 </p:extLst>
               </p:nvPr>
@@ -11447,12 +11625,24 @@
                                 <m:jc m:val="centerGroup"/>
                               </m:oMathParaPr>
                               <m:oMath xmlns:m="http://schemas.openxmlformats.org/officeDocument/2006/math">
-                                <m:r>
-                                  <a:rPr lang="en-US" b="0" i="1" smtClean="0">
-                                    <a:latin typeface="Cambria Math" panose="02040503050406030204" pitchFamily="18" charset="0"/>
-                                  </a:rPr>
-                                  <m:t>𝜇</m:t>
-                                </m:r>
+                                <m:bar>
+                                  <m:barPr>
+                                    <m:pos m:val="top"/>
+                                    <m:ctrlPr>
+                                      <a:rPr lang="en-US" b="0" i="1" smtClean="0">
+                                        <a:latin typeface="Cambria Math" panose="02040503050406030204" pitchFamily="18" charset="0"/>
+                                      </a:rPr>
+                                    </m:ctrlPr>
+                                  </m:barPr>
+                                  <m:e>
+                                    <m:r>
+                                      <a:rPr lang="en-US" b="0" i="1" smtClean="0">
+                                        <a:latin typeface="Cambria Math" panose="02040503050406030204" pitchFamily="18" charset="0"/>
+                                      </a:rPr>
+                                      <m:t>𝜇</m:t>
+                                    </m:r>
+                                  </m:e>
+                                </m:bar>
                                 <m:r>
                                   <a:rPr lang="en-US" b="0" i="1" smtClean="0">
                                     <a:latin typeface="Cambria Math" panose="02040503050406030204" pitchFamily="18" charset="0"/>
@@ -12438,7 +12628,7 @@
                                 </m:rPr>
                                 <a:rPr lang="en-US" b="0" i="0" smtClean="0">
                                   <a:solidFill>
-                                    <a:schemeClr val="tx1"/>
+                                    <a:schemeClr val="accent2"/>
                                   </a:solidFill>
                                   <a:latin typeface="Cambria Math" panose="02040503050406030204" pitchFamily="18" charset="0"/>
                                 </a:rPr>
@@ -12490,23 +12680,7 @@
                                 <a:schemeClr val="tx1"/>
                               </a:solidFill>
                             </a:rPr>
-                            <a:t> </a:t>
-                          </a:r>
-                          <a:r>
-                            <a:rPr lang="en-US" dirty="0" smtClean="0">
-                              <a:solidFill>
-                                <a:schemeClr val="tx1"/>
-                              </a:solidFill>
-                            </a:rPr>
-                            <a:t>if and only </a:t>
-                          </a:r>
-                          <a:r>
-                            <a:rPr lang="en-US" dirty="0" smtClean="0">
-                              <a:solidFill>
-                                <a:schemeClr val="tx1"/>
-                              </a:solidFill>
-                            </a:rPr>
-                            <a:t>if</a:t>
+                            <a:t> if and only if</a:t>
                           </a:r>
                           <a:br>
                             <a:rPr lang="en-US" dirty="0" smtClean="0">
@@ -13487,7 +13661,7 @@
                 <p:ph idx="1"/>
                 <p:extLst>
                   <p:ext uri="{D42A27DB-BD31-4B8C-83A1-F6EECF244321}">
-                    <p14:modId xmlns:p14="http://schemas.microsoft.com/office/powerpoint/2010/main" val="1629387243"/>
+                    <p14:modId xmlns:p14="http://schemas.microsoft.com/office/powerpoint/2010/main" val="616473423"/>
                   </p:ext>
                 </p:extLst>
               </p:nvPr>
@@ -14106,43 +14280,4081 @@
           <a:lstStyle/>
           <a:p>
             <a:r>
-              <a:rPr lang="en-US" dirty="0" smtClean="0"/>
-              <a:t>Expectation </a:t>
+              <a:rPr lang="en-US" dirty="0" smtClean="0">
+                <a:solidFill>
+                  <a:schemeClr val="accent2"/>
+                </a:solidFill>
+              </a:rPr>
+              <a:t>Convexity</a:t>
             </a:r>
             <a:r>
-              <a:rPr lang="en-US" dirty="0"/>
-              <a:t>Value</a:t>
+              <a:rPr lang="en-US" dirty="0" smtClean="0"/>
+              <a:t> vs Consistent State</a:t>
             </a:r>
+            <a:endParaRPr lang="en-US" dirty="0">
+              <a:solidFill>
+                <a:srgbClr val="FF0000"/>
+              </a:solidFill>
+            </a:endParaRPr>
           </a:p>
         </p:txBody>
       </p:sp>
-      <p:sp>
-        <p:nvSpPr>
-          <p:cNvPr id="3" name="Text Placeholder 2"/>
-          <p:cNvSpPr>
-            <a:spLocks noGrp="1"/>
-          </p:cNvSpPr>
-          <p:nvPr>
-            <p:ph type="body" idx="1"/>
-          </p:nvPr>
-        </p:nvSpPr>
-        <p:spPr/>
-        <p:txBody>
-          <a:bodyPr/>
-          <a:lstStyle/>
-          <a:p>
-            <a:r>
-              <a:rPr lang="en-US" dirty="0" smtClean="0"/>
-              <a:t>Yes, a convex QIVPM has an expectation value.</a:t>
-            </a:r>
-            <a:endParaRPr lang="en-US" dirty="0"/>
-          </a:p>
-        </p:txBody>
-      </p:sp>
+      <mc:AlternateContent xmlns:mc="http://schemas.openxmlformats.org/markup-compatibility/2006">
+        <mc:Choice xmlns:a14="http://schemas.microsoft.com/office/drawing/2010/main" Requires="a14">
+          <p:graphicFrame>
+            <p:nvGraphicFramePr>
+              <p:cNvPr id="4" name="Content Placeholder 3"/>
+              <p:cNvGraphicFramePr>
+                <a:graphicFrameLocks noGrp="1"/>
+              </p:cNvGraphicFramePr>
+              <p:nvPr>
+                <p:ph idx="1"/>
+                <p:extLst>
+                  <p:ext uri="{D42A27DB-BD31-4B8C-83A1-F6EECF244321}">
+                    <p14:modId xmlns:p14="http://schemas.microsoft.com/office/powerpoint/2010/main" val="2343153197"/>
+                  </p:ext>
+                </p:extLst>
+              </p:nvPr>
+            </p:nvGraphicFramePr>
+            <p:xfrm>
+              <a:off x="838200" y="1825625"/>
+              <a:ext cx="10515600" cy="4394708"/>
+            </p:xfrm>
+            <a:graphic>
+              <a:graphicData uri="http://schemas.openxmlformats.org/drawingml/2006/table">
+                <a:tbl>
+                  <a:tblPr firstRow="1" bandRow="1">
+                    <a:tableStyleId>{5C22544A-7EE6-4342-B048-85BDC9FD1C3A}</a:tableStyleId>
+                  </a:tblPr>
+                  <a:tblGrid>
+                    <a:gridCol w="3505200"/>
+                    <a:gridCol w="3505200"/>
+                    <a:gridCol w="3505200"/>
+                  </a:tblGrid>
+                  <a:tr h="370840">
+                    <a:tc>
+                      <a:txBody>
+                        <a:bodyPr/>
+                        <a:lstStyle/>
+                        <a:p>
+                          <a:pPr algn="ctr"/>
+                          <a:endParaRPr lang="en-US" dirty="0"/>
+                        </a:p>
+                      </a:txBody>
+                      <a:tcPr anchor="ctr"/>
+                    </a:tc>
+                    <a:tc>
+                      <a:txBody>
+                        <a:bodyPr/>
+                        <a:lstStyle/>
+                        <a:p>
+                          <a:pPr algn="ctr"/>
+                          <a:r>
+                            <a:rPr lang="en-US" dirty="0" smtClean="0"/>
+                            <a:t>“Classical”</a:t>
+                          </a:r>
+                          <a:endParaRPr lang="en-US" dirty="0"/>
+                        </a:p>
+                      </a:txBody>
+                      <a:tcPr anchor="ctr"/>
+                    </a:tc>
+                    <a:tc>
+                      <a:txBody>
+                        <a:bodyPr/>
+                        <a:lstStyle/>
+                        <a:p>
+                          <a:pPr algn="ctr"/>
+                          <a:r>
+                            <a:rPr lang="en-US" dirty="0" smtClean="0"/>
+                            <a:t>Quantum</a:t>
+                          </a:r>
+                          <a:endParaRPr lang="en-US" dirty="0"/>
+                        </a:p>
+                      </a:txBody>
+                      <a:tcPr anchor="ctr"/>
+                    </a:tc>
+                  </a:tr>
+                  <a:tr h="370840">
+                    <a:tc>
+                      <a:txBody>
+                        <a:bodyPr/>
+                        <a:lstStyle/>
+                        <a:p>
+                          <a:pPr algn="ctr"/>
+                          <a:r>
+                            <a:rPr lang="en-US" dirty="0" smtClean="0">
+                              <a:solidFill>
+                                <a:schemeClr val="tx1"/>
+                              </a:solidFill>
+                            </a:rPr>
+                            <a:t>Hilbert Space </a:t>
+                          </a:r>
+                          <a14:m>
+                            <m:oMath xmlns:m="http://schemas.openxmlformats.org/officeDocument/2006/math">
+                              <m:r>
+                                <a:rPr lang="el-GR" i="1" smtClean="0">
+                                  <a:solidFill>
+                                    <a:schemeClr val="tx1"/>
+                                  </a:solidFill>
+                                  <a:latin typeface="Cambria Math" panose="02040503050406030204" pitchFamily="18" charset="0"/>
+                                  <a:ea typeface="Cambria Math" panose="02040503050406030204" pitchFamily="18" charset="0"/>
+                                </a:rPr>
+                                <m:t>ℋ</m:t>
+                              </m:r>
+                            </m:oMath>
+                          </a14:m>
+                          <a:r>
+                            <a:rPr lang="en-US" dirty="0" smtClean="0">
+                              <a:solidFill>
+                                <a:schemeClr val="tx1"/>
+                              </a:solidFill>
+                            </a:rPr>
+                            <a:t> with </a:t>
+                          </a:r>
+                          <a14:m>
+                            <m:oMath xmlns:m="http://schemas.openxmlformats.org/officeDocument/2006/math">
+                              <m:r>
+                                <a:rPr lang="en-US" b="0" i="0" smtClean="0">
+                                  <a:solidFill>
+                                    <a:srgbClr val="FF0000"/>
+                                  </a:solidFill>
+                                  <a:latin typeface="Cambria Math" panose="02040503050406030204" pitchFamily="18" charset="0"/>
+                                </a:rPr>
+                                <m:t>3</m:t>
+                              </m:r>
+                              <m:r>
+                                <a:rPr lang="en-US" b="0" i="1" smtClean="0">
+                                  <a:solidFill>
+                                    <a:srgbClr val="FF0000"/>
+                                  </a:solidFill>
+                                  <a:latin typeface="Cambria Math" panose="02040503050406030204" pitchFamily="18" charset="0"/>
+                                </a:rPr>
+                                <m:t>≤</m:t>
+                              </m:r>
+                              <m:r>
+                                <a:rPr lang="en-US" b="0" i="1" smtClean="0">
+                                  <a:solidFill>
+                                    <a:srgbClr val="FF0000"/>
+                                  </a:solidFill>
+                                  <a:latin typeface="Cambria Math" panose="02040503050406030204" pitchFamily="18" charset="0"/>
+                                </a:rPr>
+                                <m:t>𝑑</m:t>
+                              </m:r>
+                              <m:r>
+                                <a:rPr lang="en-US" b="0" i="1" smtClean="0">
+                                  <a:solidFill>
+                                    <a:schemeClr val="tx1"/>
+                                  </a:solidFill>
+                                  <a:latin typeface="Cambria Math" panose="02040503050406030204" pitchFamily="18" charset="0"/>
+                                </a:rPr>
+                                <m:t>&lt;∞</m:t>
+                              </m:r>
+                            </m:oMath>
+                          </a14:m>
+                          <a:endParaRPr lang="en-US" dirty="0" smtClean="0">
+                            <a:solidFill>
+                              <a:schemeClr val="tx1"/>
+                            </a:solidFill>
+                          </a:endParaRPr>
+                        </a:p>
+                        <a:p>
+                          <a:pPr marL="0" marR="0" lvl="0" indent="0" algn="ctr" defTabSz="914400" rtl="0" eaLnBrk="1" fontAlgn="auto" latinLnBrk="0" hangingPunct="1">
+                            <a:lnSpc>
+                              <a:spcPct val="100000"/>
+                            </a:lnSpc>
+                            <a:spcBef>
+                              <a:spcPts val="0"/>
+                            </a:spcBef>
+                            <a:spcAft>
+                              <a:spcPts val="0"/>
+                            </a:spcAft>
+                            <a:buClrTx/>
+                            <a:buSzTx/>
+                            <a:buFontTx/>
+                            <a:buNone/>
+                            <a:tabLst/>
+                            <a:defRPr/>
+                          </a:pPr>
+                          <a:r>
+                            <a:rPr lang="en-US" dirty="0" smtClean="0">
+                              <a:solidFill>
+                                <a:schemeClr val="tx1"/>
+                              </a:solidFill>
+                            </a:rPr>
+                            <a:t>Event Space: </a:t>
+                          </a:r>
+                          <a14:m>
+                            <m:oMath xmlns:m="http://schemas.openxmlformats.org/officeDocument/2006/math">
+                              <m:r>
+                                <a:rPr lang="en-US" b="0" i="1" smtClean="0">
+                                  <a:solidFill>
+                                    <a:schemeClr val="tx1"/>
+                                  </a:solidFill>
+                                  <a:latin typeface="Cambria Math" panose="02040503050406030204" pitchFamily="18" charset="0"/>
+                                  <a:ea typeface="Cambria Math" panose="02040503050406030204" pitchFamily="18" charset="0"/>
+                                </a:rPr>
+                                <m:t>ℰ</m:t>
+                              </m:r>
+                              <m:r>
+                                <a:rPr lang="en-US" b="0" i="1" smtClean="0">
+                                  <a:solidFill>
+                                    <a:schemeClr val="tx1"/>
+                                  </a:solidFill>
+                                  <a:latin typeface="Cambria Math" panose="02040503050406030204" pitchFamily="18" charset="0"/>
+                                  <a:ea typeface="Cambria Math" panose="02040503050406030204" pitchFamily="18" charset="0"/>
+                                </a:rPr>
+                                <m:t>=</m:t>
+                              </m:r>
+                              <m:d>
+                                <m:dPr>
+                                  <m:begChr m:val="{"/>
+                                  <m:endChr m:val="}"/>
+                                  <m:ctrlPr>
+                                    <a:rPr lang="en-US" b="0" i="1" smtClean="0">
+                                      <a:solidFill>
+                                        <a:schemeClr val="tx1"/>
+                                      </a:solidFill>
+                                      <a:latin typeface="Cambria Math" panose="02040503050406030204" pitchFamily="18" charset="0"/>
+                                      <a:ea typeface="Cambria Math" panose="02040503050406030204" pitchFamily="18" charset="0"/>
+                                    </a:rPr>
+                                  </m:ctrlPr>
+                                </m:dPr>
+                                <m:e>
+                                  <m:r>
+                                    <m:rPr>
+                                      <m:nor/>
+                                    </m:rPr>
+                                    <a:rPr lang="en-US" b="0" i="0" smtClean="0">
+                                      <a:solidFill>
+                                        <a:schemeClr val="tx1"/>
+                                      </a:solidFill>
+                                      <a:latin typeface="Cambria Math" panose="02040503050406030204" pitchFamily="18" charset="0"/>
+                                      <a:ea typeface="Cambria Math" panose="02040503050406030204" pitchFamily="18" charset="0"/>
+                                    </a:rPr>
+                                    <m:t>all</m:t>
+                                  </m:r>
+                                  <m:r>
+                                    <m:rPr>
+                                      <m:nor/>
+                                    </m:rPr>
+                                    <a:rPr lang="en-US" b="0" i="0" smtClean="0">
+                                      <a:solidFill>
+                                        <a:schemeClr val="tx1"/>
+                                      </a:solidFill>
+                                      <a:latin typeface="Cambria Math" panose="02040503050406030204" pitchFamily="18" charset="0"/>
+                                      <a:ea typeface="Cambria Math" panose="02040503050406030204" pitchFamily="18" charset="0"/>
+                                    </a:rPr>
+                                    <m:t> </m:t>
+                                  </m:r>
+                                  <m:r>
+                                    <m:rPr>
+                                      <m:nor/>
+                                    </m:rPr>
+                                    <a:rPr lang="en-US" b="0" i="0" smtClean="0">
+                                      <a:solidFill>
+                                        <a:schemeClr val="tx1"/>
+                                      </a:solidFill>
+                                      <a:latin typeface="Cambria Math" panose="02040503050406030204" pitchFamily="18" charset="0"/>
+                                      <a:ea typeface="Cambria Math" panose="02040503050406030204" pitchFamily="18" charset="0"/>
+                                    </a:rPr>
+                                    <m:t>projectors</m:t>
+                                  </m:r>
+                                  <m:r>
+                                    <m:rPr>
+                                      <m:nor/>
+                                    </m:rPr>
+                                    <a:rPr lang="en-US" b="0" i="0" smtClean="0">
+                                      <a:solidFill>
+                                        <a:schemeClr val="tx1"/>
+                                      </a:solidFill>
+                                      <a:latin typeface="Cambria Math" panose="02040503050406030204" pitchFamily="18" charset="0"/>
+                                      <a:ea typeface="Cambria Math" panose="02040503050406030204" pitchFamily="18" charset="0"/>
+                                    </a:rPr>
+                                    <m:t> </m:t>
+                                  </m:r>
+                                  <m:r>
+                                    <m:rPr>
+                                      <m:nor/>
+                                    </m:rPr>
+                                    <a:rPr lang="en-US" b="0" i="0" smtClean="0">
+                                      <a:solidFill>
+                                        <a:schemeClr val="tx1"/>
+                                      </a:solidFill>
+                                      <a:latin typeface="Cambria Math" panose="02040503050406030204" pitchFamily="18" charset="0"/>
+                                      <a:ea typeface="Cambria Math" panose="02040503050406030204" pitchFamily="18" charset="0"/>
+                                    </a:rPr>
+                                    <m:t>on</m:t>
+                                  </m:r>
+                                  <m:r>
+                                    <m:rPr>
+                                      <m:nor/>
+                                    </m:rPr>
+                                    <a:rPr lang="en-US" b="0" i="0" smtClean="0">
+                                      <a:solidFill>
+                                        <a:schemeClr val="tx1"/>
+                                      </a:solidFill>
+                                      <a:latin typeface="Cambria Math" panose="02040503050406030204" pitchFamily="18" charset="0"/>
+                                      <a:ea typeface="Cambria Math" panose="02040503050406030204" pitchFamily="18" charset="0"/>
+                                    </a:rPr>
+                                    <m:t> </m:t>
+                                  </m:r>
+                                  <m:r>
+                                    <m:rPr>
+                                      <m:nor/>
+                                    </m:rPr>
+                                    <a:rPr lang="en-US" smtClean="0">
+                                      <a:solidFill>
+                                        <a:schemeClr val="tx1"/>
+                                      </a:solidFill>
+                                      <a:effectLst/>
+                                      <a:latin typeface="Cambria Math" panose="02040503050406030204" pitchFamily="18" charset="0"/>
+                                      <a:ea typeface="Cambria Math" panose="02040503050406030204" pitchFamily="18" charset="0"/>
+                                    </a:rPr>
+                                    <m:t>a</m:t>
+                                  </m:r>
+                                  <m:r>
+                                    <m:rPr>
+                                      <m:nor/>
+                                    </m:rPr>
+                                    <a:rPr lang="en-US" smtClean="0">
+                                      <a:solidFill>
+                                        <a:schemeClr val="tx1"/>
+                                      </a:solidFill>
+                                      <a:effectLst/>
+                                      <a:latin typeface="Cambria Math" panose="02040503050406030204" pitchFamily="18" charset="0"/>
+                                      <a:ea typeface="Cambria Math" panose="02040503050406030204" pitchFamily="18" charset="0"/>
+                                    </a:rPr>
+                                    <m:t> </m:t>
+                                  </m:r>
+                                  <m:r>
+                                    <m:rPr>
+                                      <m:nor/>
+                                    </m:rPr>
+                                    <a:rPr lang="en-US" smtClean="0">
+                                      <a:solidFill>
+                                        <a:schemeClr val="tx1"/>
+                                      </a:solidFill>
+                                      <a:effectLst/>
+                                      <a:latin typeface="Cambria Math" panose="02040503050406030204" pitchFamily="18" charset="0"/>
+                                      <a:ea typeface="Cambria Math" panose="02040503050406030204" pitchFamily="18" charset="0"/>
+                                    </a:rPr>
+                                    <m:t>linear</m:t>
+                                  </m:r>
+                                  <m:r>
+                                    <m:rPr>
+                                      <m:nor/>
+                                    </m:rPr>
+                                    <a:rPr lang="en-US" smtClean="0">
+                                      <a:solidFill>
+                                        <a:schemeClr val="tx1"/>
+                                      </a:solidFill>
+                                      <a:effectLst/>
+                                      <a:latin typeface="Cambria Math" panose="02040503050406030204" pitchFamily="18" charset="0"/>
+                                      <a:ea typeface="Cambria Math" panose="02040503050406030204" pitchFamily="18" charset="0"/>
+                                    </a:rPr>
+                                    <m:t> </m:t>
+                                  </m:r>
+                                  <m:r>
+                                    <m:rPr>
+                                      <m:nor/>
+                                    </m:rPr>
+                                    <a:rPr lang="en-US" smtClean="0">
+                                      <a:solidFill>
+                                        <a:schemeClr val="tx1"/>
+                                      </a:solidFill>
+                                      <a:effectLst/>
+                                      <a:latin typeface="Cambria Math" panose="02040503050406030204" pitchFamily="18" charset="0"/>
+                                      <a:ea typeface="Cambria Math" panose="02040503050406030204" pitchFamily="18" charset="0"/>
+                                    </a:rPr>
+                                    <m:t>subspace</m:t>
+                                  </m:r>
+                                  <m:r>
+                                    <m:rPr>
+                                      <m:nor/>
+                                    </m:rPr>
+                                    <a:rPr lang="en-US" smtClean="0">
+                                      <a:solidFill>
+                                        <a:schemeClr val="tx1"/>
+                                      </a:solidFill>
+                                      <a:effectLst/>
+                                      <a:latin typeface="Cambria Math" panose="02040503050406030204" pitchFamily="18" charset="0"/>
+                                      <a:ea typeface="Cambria Math" panose="02040503050406030204" pitchFamily="18" charset="0"/>
+                                    </a:rPr>
+                                    <m:t> </m:t>
+                                  </m:r>
+                                  <m:r>
+                                    <m:rPr>
+                                      <m:nor/>
+                                    </m:rPr>
+                                    <a:rPr lang="en-US" smtClean="0">
+                                      <a:solidFill>
+                                        <a:schemeClr val="tx1"/>
+                                      </a:solidFill>
+                                      <a:effectLst/>
+                                      <a:latin typeface="Cambria Math" panose="02040503050406030204" pitchFamily="18" charset="0"/>
+                                      <a:ea typeface="Cambria Math" panose="02040503050406030204" pitchFamily="18" charset="0"/>
+                                    </a:rPr>
+                                    <m:t>of</m:t>
+                                  </m:r>
+                                  <m:r>
+                                    <m:rPr>
+                                      <m:nor/>
+                                    </m:rPr>
+                                    <a:rPr lang="en-US" b="0" i="0" smtClean="0">
+                                      <a:solidFill>
+                                        <a:schemeClr val="tx1"/>
+                                      </a:solidFill>
+                                      <a:effectLst/>
+                                      <a:latin typeface="Cambria Math" panose="02040503050406030204" pitchFamily="18" charset="0"/>
+                                      <a:ea typeface="Cambria Math" panose="02040503050406030204" pitchFamily="18" charset="0"/>
+                                    </a:rPr>
+                                    <m:t> </m:t>
+                                  </m:r>
+                                  <m:r>
+                                    <a:rPr lang="el-GR" i="1" smtClean="0">
+                                      <a:solidFill>
+                                        <a:schemeClr val="tx1"/>
+                                      </a:solidFill>
+                                      <a:latin typeface="Cambria Math" panose="02040503050406030204" pitchFamily="18" charset="0"/>
+                                      <a:ea typeface="Cambria Math" panose="02040503050406030204" pitchFamily="18" charset="0"/>
+                                    </a:rPr>
+                                    <m:t>ℋ</m:t>
+                                  </m:r>
+                                </m:e>
+                              </m:d>
+                            </m:oMath>
+                          </a14:m>
+                          <a:endParaRPr lang="en-US" dirty="0"/>
+                        </a:p>
+                      </a:txBody>
+                      <a:tcPr anchor="ctr"/>
+                    </a:tc>
+                    <a:tc>
+                      <a:txBody>
+                        <a:bodyPr/>
+                        <a:lstStyle/>
+                        <a:p>
+                          <a:pPr algn="ctr"/>
+                          <a:r>
+                            <a:rPr lang="en-US" dirty="0" smtClean="0">
+                              <a:solidFill>
+                                <a:schemeClr val="tx1"/>
+                              </a:solidFill>
+                              <a:latin typeface="Cambria Math" panose="02040503050406030204" pitchFamily="18" charset="0"/>
+                              <a:ea typeface="Cambria Math" panose="02040503050406030204" pitchFamily="18" charset="0"/>
+                            </a:rPr>
+                            <a:t/>
+                          </a:r>
+                          <a:br>
+                            <a:rPr lang="en-US" dirty="0" smtClean="0">
+                              <a:solidFill>
+                                <a:schemeClr val="tx1"/>
+                              </a:solidFill>
+                              <a:latin typeface="Cambria Math" panose="02040503050406030204" pitchFamily="18" charset="0"/>
+                              <a:ea typeface="Cambria Math" panose="02040503050406030204" pitchFamily="18" charset="0"/>
+                            </a:rPr>
+                          </a:br>
+                          <a14:m>
+                            <m:oMath xmlns:m="http://schemas.openxmlformats.org/officeDocument/2006/math">
+                              <m:sSup>
+                                <m:sSupPr>
+                                  <m:ctrlPr>
+                                    <a:rPr lang="en-US" b="0" i="1" smtClean="0">
+                                      <a:solidFill>
+                                        <a:srgbClr val="FF0000"/>
+                                      </a:solidFill>
+                                      <a:latin typeface="Cambria Math" panose="02040503050406030204" pitchFamily="18" charset="0"/>
+                                      <a:ea typeface="Cambria Math" panose="02040503050406030204" pitchFamily="18" charset="0"/>
+                                    </a:rPr>
+                                  </m:ctrlPr>
+                                </m:sSupPr>
+                                <m:e>
+                                  <m:r>
+                                    <a:rPr lang="en-US" i="1">
+                                      <a:solidFill>
+                                        <a:srgbClr val="FF0000"/>
+                                      </a:solidFill>
+                                      <a:latin typeface="Cambria Math" panose="02040503050406030204" pitchFamily="18" charset="0"/>
+                                      <a:ea typeface="Cambria Math" panose="02040503050406030204" pitchFamily="18" charset="0"/>
+                                    </a:rPr>
+                                    <m:t>ℰ</m:t>
+                                  </m:r>
+                                </m:e>
+                                <m:sup>
+                                  <m:r>
+                                    <a:rPr lang="en-US" b="0" i="1" smtClean="0">
+                                      <a:solidFill>
+                                        <a:srgbClr val="FF0000"/>
+                                      </a:solidFill>
+                                      <a:latin typeface="Cambria Math" panose="02040503050406030204" pitchFamily="18" charset="0"/>
+                                      <a:ea typeface="Cambria Math" panose="02040503050406030204" pitchFamily="18" charset="0"/>
+                                    </a:rPr>
+                                    <m:t>′</m:t>
+                                  </m:r>
+                                </m:sup>
+                              </m:sSup>
+                              <m:r>
+                                <a:rPr lang="en-US" b="0" i="1" smtClean="0">
+                                  <a:solidFill>
+                                    <a:schemeClr val="tx1"/>
+                                  </a:solidFill>
+                                  <a:latin typeface="Cambria Math" panose="02040503050406030204" pitchFamily="18" charset="0"/>
+                                  <a:ea typeface="Cambria Math" panose="02040503050406030204" pitchFamily="18" charset="0"/>
+                                </a:rPr>
+                                <m:t>⊆</m:t>
+                              </m:r>
+                              <m:r>
+                                <a:rPr lang="en-US" i="1">
+                                  <a:solidFill>
+                                    <a:schemeClr val="tx1"/>
+                                  </a:solidFill>
+                                  <a:latin typeface="Cambria Math" panose="02040503050406030204" pitchFamily="18" charset="0"/>
+                                  <a:ea typeface="Cambria Math" panose="02040503050406030204" pitchFamily="18" charset="0"/>
+                                </a:rPr>
+                                <m:t>ℰ</m:t>
+                              </m:r>
+                            </m:oMath>
+                          </a14:m>
+                          <a:r>
+                            <a:rPr lang="en-US" dirty="0" smtClean="0">
+                              <a:solidFill>
+                                <a:schemeClr val="tx1"/>
+                              </a:solidFill>
+                            </a:rPr>
+                            <a:t> is a </a:t>
+                          </a:r>
+                          <a:r>
+                            <a:rPr lang="en-US" dirty="0" smtClean="0">
+                              <a:solidFill>
+                                <a:srgbClr val="FF0000"/>
+                              </a:solidFill>
+                            </a:rPr>
+                            <a:t>commuting</a:t>
+                          </a:r>
+                          <a:r>
+                            <a:rPr lang="en-US" dirty="0" smtClean="0">
+                              <a:solidFill>
+                                <a:schemeClr val="tx1"/>
+                              </a:solidFill>
+                            </a:rPr>
+                            <a:t> sub-event space</a:t>
+                          </a:r>
+                          <a:endParaRPr lang="en-US" dirty="0">
+                            <a:solidFill>
+                              <a:schemeClr val="tx1"/>
+                            </a:solidFill>
+                            <a:latin typeface="Cambria Math" panose="02040503050406030204" pitchFamily="18" charset="0"/>
+                            <a:ea typeface="Cambria Math" panose="02040503050406030204" pitchFamily="18" charset="0"/>
+                          </a:endParaRPr>
+                        </a:p>
+                      </a:txBody>
+                      <a:tcPr anchor="ctr"/>
+                    </a:tc>
+                    <a:tc>
+                      <a:txBody>
+                        <a:bodyPr/>
+                        <a:lstStyle/>
+                        <a:p>
+                          <a:pPr algn="ctr"/>
+                          <a14:m>
+                            <m:oMathPara xmlns:m="http://schemas.openxmlformats.org/officeDocument/2006/math">
+                              <m:oMathParaPr>
+                                <m:jc m:val="centerGroup"/>
+                              </m:oMathParaPr>
+                              <m:oMath xmlns:m="http://schemas.openxmlformats.org/officeDocument/2006/math">
+                                <m:r>
+                                  <a:rPr lang="en-US" i="1" smtClean="0">
+                                    <a:solidFill>
+                                      <a:srgbClr val="FF0000"/>
+                                    </a:solidFill>
+                                    <a:latin typeface="Cambria Math" panose="02040503050406030204" pitchFamily="18" charset="0"/>
+                                    <a:ea typeface="Cambria Math" panose="02040503050406030204" pitchFamily="18" charset="0"/>
+                                  </a:rPr>
+                                  <m:t>ℰ</m:t>
+                                </m:r>
+                              </m:oMath>
+                            </m:oMathPara>
+                          </a14:m>
+                          <a:endParaRPr lang="en-US" dirty="0">
+                            <a:solidFill>
+                              <a:schemeClr val="tx1"/>
+                            </a:solidFill>
+                            <a:latin typeface="Cambria Math" panose="02040503050406030204" pitchFamily="18" charset="0"/>
+                            <a:ea typeface="Cambria Math" panose="02040503050406030204" pitchFamily="18" charset="0"/>
+                          </a:endParaRPr>
+                        </a:p>
+                      </a:txBody>
+                      <a:tcPr anchor="ctr"/>
+                    </a:tc>
+                  </a:tr>
+                  <a:tr h="370840">
+                    <a:tc>
+                      <a:txBody>
+                        <a:bodyPr/>
+                        <a:lstStyle/>
+                        <a:p>
+                          <a:pPr marL="0" marR="0" lvl="0" indent="0" algn="ctr" defTabSz="914400" rtl="0" eaLnBrk="1" fontAlgn="auto" latinLnBrk="0" hangingPunct="1">
+                            <a:lnSpc>
+                              <a:spcPct val="100000"/>
+                            </a:lnSpc>
+                            <a:spcBef>
+                              <a:spcPts val="0"/>
+                            </a:spcBef>
+                            <a:spcAft>
+                              <a:spcPts val="0"/>
+                            </a:spcAft>
+                            <a:buClrTx/>
+                            <a:buSzTx/>
+                            <a:buFontTx/>
+                            <a:buNone/>
+                            <a:tabLst/>
+                            <a:defRPr/>
+                          </a:pPr>
+                          <a:r>
+                            <a:rPr lang="en-US" dirty="0" smtClean="0">
+                              <a:solidFill>
+                                <a:schemeClr val="tx1"/>
+                              </a:solidFill>
+                            </a:rPr>
+                            <a:t>Finite</a:t>
+                          </a:r>
+                          <a:r>
+                            <a:rPr lang="en-US" baseline="0" dirty="0" smtClean="0">
+                              <a:solidFill>
+                                <a:schemeClr val="tx1"/>
+                              </a:solidFill>
+                            </a:rPr>
+                            <a:t>-Precision </a:t>
+                          </a:r>
+                          <a:r>
+                            <a:rPr lang="en-US" dirty="0" smtClean="0">
+                              <a:solidFill>
+                                <a:schemeClr val="tx1"/>
+                              </a:solidFill>
+                            </a:rPr>
+                            <a:t>Interval-valued </a:t>
+                          </a:r>
+                          <a14:m>
+                            <m:oMath xmlns:m="http://schemas.openxmlformats.org/officeDocument/2006/math">
+                              <m:d>
+                                <m:dPr>
+                                  <m:begChr m:val=""/>
+                                  <m:endChr m:val=""/>
+                                  <m:ctrlPr>
+                                    <a:rPr lang="en-US" b="0" i="1" smtClean="0">
+                                      <a:solidFill>
+                                        <a:schemeClr val="accent2"/>
+                                      </a:solidFill>
+                                      <a:latin typeface="Cambria Math" panose="02040503050406030204" pitchFamily="18" charset="0"/>
+                                      <a:ea typeface="Cambria Math" panose="02040503050406030204" pitchFamily="18" charset="0"/>
+                                      <a:cs typeface="XITS Math" panose="02000503000000000000" pitchFamily="50" charset="0"/>
+                                    </a:rPr>
+                                  </m:ctrlPr>
+                                </m:dPr>
+                                <m:e>
+                                  <m:r>
+                                    <a:rPr lang="en-US" b="0" i="1" smtClean="0">
+                                      <a:solidFill>
+                                        <a:schemeClr val="accent2"/>
+                                      </a:solidFill>
+                                      <a:latin typeface="XITS Math" panose="02000503000000000000" pitchFamily="50" charset="0"/>
+                                      <a:ea typeface="XITS Math" panose="02000503000000000000" pitchFamily="50" charset="0"/>
+                                      <a:cs typeface="XITS Math" panose="02000503000000000000" pitchFamily="50" charset="0"/>
+                                    </a:rPr>
+                                    <m:t>ℐ</m:t>
+                                  </m:r>
+                                </m:e>
+                              </m:d>
+                            </m:oMath>
+                          </a14:m>
+                          <a:endParaRPr lang="en-US" dirty="0">
+                            <a:solidFill>
+                              <a:schemeClr val="tx1"/>
+                            </a:solidFill>
+                          </a:endParaRPr>
+                        </a:p>
+                      </a:txBody>
+                      <a:tcPr anchor="ctr"/>
+                    </a:tc>
+                    <a:tc>
+                      <a:txBody>
+                        <a:bodyPr/>
+                        <a:lstStyle/>
+                        <a:p>
+                          <a:pPr marL="0" marR="0" lvl="0" indent="0" algn="ctr" defTabSz="914400" rtl="0" eaLnBrk="1" fontAlgn="auto" latinLnBrk="0" hangingPunct="1">
+                            <a:lnSpc>
+                              <a:spcPct val="100000"/>
+                            </a:lnSpc>
+                            <a:spcBef>
+                              <a:spcPts val="0"/>
+                            </a:spcBef>
+                            <a:spcAft>
+                              <a:spcPts val="0"/>
+                            </a:spcAft>
+                            <a:buClrTx/>
+                            <a:buSzTx/>
+                            <a:buFontTx/>
+                            <a:buNone/>
+                            <a:tabLst/>
+                            <a:defRPr/>
+                          </a:pPr>
+                          <a14:m>
+                            <m:oMathPara xmlns:m="http://schemas.openxmlformats.org/officeDocument/2006/math">
+                              <m:oMathParaPr>
+                                <m:jc m:val="centerGroup"/>
+                              </m:oMathParaPr>
+                              <m:oMath xmlns:m="http://schemas.openxmlformats.org/officeDocument/2006/math">
+                                <m:bar>
+                                  <m:barPr>
+                                    <m:pos m:val="top"/>
+                                    <m:ctrlPr>
+                                      <a:rPr lang="en-US" b="0" i="1" smtClean="0">
+                                        <a:latin typeface="Cambria Math" panose="02040503050406030204" pitchFamily="18" charset="0"/>
+                                      </a:rPr>
+                                    </m:ctrlPr>
+                                  </m:barPr>
+                                  <m:e>
+                                    <m:r>
+                                      <a:rPr lang="en-US" b="0" i="1" smtClean="0">
+                                        <a:latin typeface="Cambria Math" panose="02040503050406030204" pitchFamily="18" charset="0"/>
+                                      </a:rPr>
+                                      <m:t>𝜇</m:t>
+                                    </m:r>
+                                  </m:e>
+                                </m:bar>
+                                <m:r>
+                                  <a:rPr lang="en-US" b="0" i="1" smtClean="0">
+                                    <a:latin typeface="Cambria Math" panose="02040503050406030204" pitchFamily="18" charset="0"/>
+                                  </a:rPr>
+                                  <m:t>:</m:t>
+                                </m:r>
+                                <m:sSup>
+                                  <m:sSupPr>
+                                    <m:ctrlPr>
+                                      <a:rPr lang="en-US" b="0" i="1" smtClean="0">
+                                        <a:solidFill>
+                                          <a:srgbClr val="FF0000"/>
+                                        </a:solidFill>
+                                        <a:latin typeface="Cambria Math" panose="02040503050406030204" pitchFamily="18" charset="0"/>
+                                        <a:ea typeface="Cambria Math" panose="02040503050406030204" pitchFamily="18" charset="0"/>
+                                      </a:rPr>
+                                    </m:ctrlPr>
+                                  </m:sSupPr>
+                                  <m:e>
+                                    <m:r>
+                                      <a:rPr lang="en-US" i="1">
+                                        <a:solidFill>
+                                          <a:srgbClr val="FF0000"/>
+                                        </a:solidFill>
+                                        <a:latin typeface="Cambria Math" panose="02040503050406030204" pitchFamily="18" charset="0"/>
+                                        <a:ea typeface="Cambria Math" panose="02040503050406030204" pitchFamily="18" charset="0"/>
+                                      </a:rPr>
+                                      <m:t>ℰ</m:t>
+                                    </m:r>
+                                  </m:e>
+                                  <m:sup>
+                                    <m:r>
+                                      <a:rPr lang="en-US" b="0" i="1" smtClean="0">
+                                        <a:solidFill>
+                                          <a:srgbClr val="FF0000"/>
+                                        </a:solidFill>
+                                        <a:latin typeface="Cambria Math" panose="02040503050406030204" pitchFamily="18" charset="0"/>
+                                        <a:ea typeface="Cambria Math" panose="02040503050406030204" pitchFamily="18" charset="0"/>
+                                      </a:rPr>
+                                      <m:t>′</m:t>
+                                    </m:r>
+                                  </m:sup>
+                                </m:sSup>
+                                <m:r>
+                                  <a:rPr lang="en-US" b="0" i="0" smtClean="0">
+                                    <a:latin typeface="Cambria Math" panose="02040503050406030204" pitchFamily="18" charset="0"/>
+                                    <a:ea typeface="Cambria Math" panose="02040503050406030204" pitchFamily="18" charset="0"/>
+                                  </a:rPr>
+                                  <m:t>→</m:t>
+                                </m:r>
+                                <m:r>
+                                  <m:rPr>
+                                    <m:nor/>
+                                  </m:rPr>
+                                  <a:rPr lang="en-US" dirty="0" smtClean="0">
+                                    <a:solidFill>
+                                      <a:schemeClr val="accent2"/>
+                                    </a:solidFill>
+                                    <a:latin typeface="XITS Math" panose="02000503000000000000" pitchFamily="50" charset="0"/>
+                                    <a:ea typeface="XITS Math" panose="02000503000000000000" pitchFamily="50" charset="0"/>
+                                    <a:cs typeface="XITS Math" panose="02000503000000000000" pitchFamily="50" charset="0"/>
+                                  </a:rPr>
+                                  <m:t>ℐ</m:t>
+                                </m:r>
+                              </m:oMath>
+                            </m:oMathPara>
+                          </a14:m>
+                          <a:endParaRPr lang="en-US" dirty="0"/>
+                        </a:p>
+                      </a:txBody>
+                      <a:tcPr anchor="ctr"/>
+                    </a:tc>
+                    <a:tc>
+                      <a:txBody>
+                        <a:bodyPr/>
+                        <a:lstStyle/>
+                        <a:p>
+                          <a:pPr marL="0" marR="0" lvl="0" indent="0" algn="ctr" defTabSz="914400" rtl="0" eaLnBrk="1" fontAlgn="auto" latinLnBrk="0" hangingPunct="1">
+                            <a:lnSpc>
+                              <a:spcPct val="100000"/>
+                            </a:lnSpc>
+                            <a:spcBef>
+                              <a:spcPts val="0"/>
+                            </a:spcBef>
+                            <a:spcAft>
+                              <a:spcPts val="0"/>
+                            </a:spcAft>
+                            <a:buClrTx/>
+                            <a:buSzTx/>
+                            <a:buFontTx/>
+                            <a:buNone/>
+                            <a:tabLst/>
+                            <a:defRPr/>
+                          </a:pPr>
+                          <a14:m>
+                            <m:oMathPara xmlns:m="http://schemas.openxmlformats.org/officeDocument/2006/math">
+                              <m:oMathParaPr>
+                                <m:jc m:val="centerGroup"/>
+                              </m:oMathParaPr>
+                              <m:oMath xmlns:m="http://schemas.openxmlformats.org/officeDocument/2006/math">
+                                <m:bar>
+                                  <m:barPr>
+                                    <m:pos m:val="top"/>
+                                    <m:ctrlPr>
+                                      <a:rPr lang="en-US" b="0" i="1" smtClean="0">
+                                        <a:latin typeface="Cambria Math" panose="02040503050406030204" pitchFamily="18" charset="0"/>
+                                      </a:rPr>
+                                    </m:ctrlPr>
+                                  </m:barPr>
+                                  <m:e>
+                                    <m:r>
+                                      <a:rPr lang="en-US" b="0" i="1" smtClean="0">
+                                        <a:latin typeface="Cambria Math" panose="02040503050406030204" pitchFamily="18" charset="0"/>
+                                      </a:rPr>
+                                      <m:t>𝜇</m:t>
+                                    </m:r>
+                                  </m:e>
+                                </m:bar>
+                                <m:r>
+                                  <a:rPr lang="en-US" b="0" i="1" smtClean="0">
+                                    <a:latin typeface="Cambria Math" panose="02040503050406030204" pitchFamily="18" charset="0"/>
+                                  </a:rPr>
+                                  <m:t>:</m:t>
+                                </m:r>
+                                <m:r>
+                                  <a:rPr lang="en-US" i="1" smtClean="0">
+                                    <a:solidFill>
+                                      <a:srgbClr val="FF0000"/>
+                                    </a:solidFill>
+                                    <a:latin typeface="Cambria Math" panose="02040503050406030204" pitchFamily="18" charset="0"/>
+                                    <a:ea typeface="Cambria Math" panose="02040503050406030204" pitchFamily="18" charset="0"/>
+                                  </a:rPr>
+                                  <m:t>ℰ</m:t>
+                                </m:r>
+                                <m:r>
+                                  <a:rPr lang="en-US" b="0" i="0" smtClean="0">
+                                    <a:latin typeface="Cambria Math" panose="02040503050406030204" pitchFamily="18" charset="0"/>
+                                    <a:ea typeface="Cambria Math" panose="02040503050406030204" pitchFamily="18" charset="0"/>
+                                  </a:rPr>
+                                  <m:t>→</m:t>
+                                </m:r>
+                                <m:r>
+                                  <m:rPr>
+                                    <m:nor/>
+                                  </m:rPr>
+                                  <a:rPr lang="en-US" dirty="0" smtClean="0">
+                                    <a:solidFill>
+                                      <a:schemeClr val="accent2"/>
+                                    </a:solidFill>
+                                    <a:latin typeface="XITS Math" panose="02000503000000000000" pitchFamily="50" charset="0"/>
+                                    <a:ea typeface="XITS Math" panose="02000503000000000000" pitchFamily="50" charset="0"/>
+                                    <a:cs typeface="XITS Math" panose="02000503000000000000" pitchFamily="50" charset="0"/>
+                                  </a:rPr>
+                                  <m:t>ℐ</m:t>
+                                </m:r>
+                              </m:oMath>
+                            </m:oMathPara>
+                          </a14:m>
+                          <a:endParaRPr lang="en-US" dirty="0"/>
+                        </a:p>
+                      </a:txBody>
+                      <a:tcPr anchor="ctr"/>
+                    </a:tc>
+                  </a:tr>
+                  <a:tr h="370840">
+                    <a:tc>
+                      <a:txBody>
+                        <a:bodyPr/>
+                        <a:lstStyle/>
+                        <a:p>
+                          <a:pPr marL="0" marR="0" lvl="0" indent="0" algn="ctr" defTabSz="914400" rtl="0" eaLnBrk="1" fontAlgn="auto" latinLnBrk="0" hangingPunct="1">
+                            <a:lnSpc>
+                              <a:spcPct val="100000"/>
+                            </a:lnSpc>
+                            <a:spcBef>
+                              <a:spcPts val="0"/>
+                            </a:spcBef>
+                            <a:spcAft>
+                              <a:spcPts val="0"/>
+                            </a:spcAft>
+                            <a:buClrTx/>
+                            <a:buSzTx/>
+                            <a:buFontTx/>
+                            <a:buNone/>
+                            <a:tabLst/>
+                            <a:defRPr/>
+                          </a:pPr>
+                          <a:r>
+                            <a:rPr lang="en-US" dirty="0" smtClean="0">
+                              <a:solidFill>
+                                <a:schemeClr val="accent2"/>
+                              </a:solidFill>
+                            </a:rPr>
+                            <a:t>Convexity</a:t>
+                          </a:r>
+                        </a:p>
+                      </a:txBody>
+                      <a:tcPr anchor="ctr"/>
+                    </a:tc>
+                    <a:tc gridSpan="2">
+                      <a:txBody>
+                        <a:bodyPr/>
+                        <a:lstStyle/>
+                        <a:p>
+                          <a:pPr marL="0" marR="0" lvl="0" indent="0" algn="ctr" defTabSz="914400" rtl="0" eaLnBrk="1" fontAlgn="auto" latinLnBrk="0" hangingPunct="1">
+                            <a:lnSpc>
+                              <a:spcPct val="100000"/>
+                            </a:lnSpc>
+                            <a:spcBef>
+                              <a:spcPts val="0"/>
+                            </a:spcBef>
+                            <a:spcAft>
+                              <a:spcPts val="0"/>
+                            </a:spcAft>
+                            <a:buClrTx/>
+                            <a:buSzTx/>
+                            <a:buFontTx/>
+                            <a:buNone/>
+                            <a:tabLst/>
+                            <a:defRPr/>
+                          </a:pPr>
+                          <a14:m>
+                            <m:oMathPara xmlns:m="http://schemas.openxmlformats.org/officeDocument/2006/math">
+                              <m:oMathParaPr>
+                                <m:jc m:val="centerGroup"/>
+                              </m:oMathParaPr>
+                              <m:oMath xmlns:m="http://schemas.openxmlformats.org/officeDocument/2006/math">
+                                <m:bar>
+                                  <m:barPr>
+                                    <m:pos m:val="top"/>
+                                    <m:ctrlPr>
+                                      <a:rPr lang="en-US" i="1" smtClean="0">
+                                        <a:solidFill>
+                                          <a:schemeClr val="tx1"/>
+                                        </a:solidFill>
+                                        <a:latin typeface="Cambria Math" panose="02040503050406030204" pitchFamily="18" charset="0"/>
+                                      </a:rPr>
+                                    </m:ctrlPr>
+                                  </m:barPr>
+                                  <m:e>
+                                    <m:r>
+                                      <a:rPr lang="en-US" i="1">
+                                        <a:solidFill>
+                                          <a:schemeClr val="tx1"/>
+                                        </a:solidFill>
+                                        <a:latin typeface="Cambria Math" panose="02040503050406030204" pitchFamily="18" charset="0"/>
+                                      </a:rPr>
+                                      <m:t>𝜇</m:t>
+                                    </m:r>
+                                  </m:e>
+                                </m:bar>
+                                <m:d>
+                                  <m:dPr>
+                                    <m:ctrlPr>
+                                      <a:rPr lang="en-US" i="1">
+                                        <a:solidFill>
+                                          <a:schemeClr val="tx1"/>
+                                        </a:solidFill>
+                                        <a:latin typeface="Cambria Math" panose="02040503050406030204" pitchFamily="18" charset="0"/>
+                                      </a:rPr>
+                                    </m:ctrlPr>
+                                  </m:dPr>
+                                  <m:e>
+                                    <m:sSub>
+                                      <m:sSubPr>
+                                        <m:ctrlPr>
+                                          <a:rPr lang="en-US" i="1" smtClean="0">
+                                            <a:solidFill>
+                                              <a:schemeClr val="tx1"/>
+                                            </a:solidFill>
+                                            <a:latin typeface="Cambria Math" panose="02040503050406030204" pitchFamily="18" charset="0"/>
+                                          </a:rPr>
+                                        </m:ctrlPr>
+                                      </m:sSubPr>
+                                      <m:e>
+                                        <m:r>
+                                          <a:rPr lang="en-US" b="0" i="1" smtClean="0">
+                                            <a:solidFill>
+                                              <a:schemeClr val="tx1"/>
+                                            </a:solidFill>
+                                            <a:latin typeface="Cambria Math" panose="02040503050406030204" pitchFamily="18" charset="0"/>
+                                          </a:rPr>
+                                          <m:t>𝑃</m:t>
+                                        </m:r>
+                                      </m:e>
+                                      <m:sub>
+                                        <m:r>
+                                          <a:rPr lang="en-US" i="1">
+                                            <a:solidFill>
+                                              <a:schemeClr val="tx1"/>
+                                            </a:solidFill>
+                                            <a:latin typeface="Cambria Math" panose="02040503050406030204" pitchFamily="18" charset="0"/>
+                                          </a:rPr>
+                                          <m:t>0</m:t>
+                                        </m:r>
+                                      </m:sub>
+                                    </m:sSub>
+                                    <m:r>
+                                      <a:rPr lang="en-US" b="0" i="1" smtClean="0">
+                                        <a:solidFill>
+                                          <a:schemeClr val="tx1"/>
+                                        </a:solidFill>
+                                        <a:latin typeface="Cambria Math" panose="02040503050406030204" pitchFamily="18" charset="0"/>
+                                        <a:ea typeface="Cambria Math" panose="02040503050406030204" pitchFamily="18" charset="0"/>
+                                      </a:rPr>
+                                      <m:t>+</m:t>
+                                    </m:r>
+                                    <m:sSub>
+                                      <m:sSubPr>
+                                        <m:ctrlPr>
+                                          <a:rPr lang="en-US" i="1">
+                                            <a:solidFill>
+                                              <a:schemeClr val="tx1"/>
+                                            </a:solidFill>
+                                            <a:latin typeface="Cambria Math" panose="02040503050406030204" pitchFamily="18" charset="0"/>
+                                          </a:rPr>
+                                        </m:ctrlPr>
+                                      </m:sSubPr>
+                                      <m:e>
+                                        <m:r>
+                                          <a:rPr lang="en-US" b="0" i="1" smtClean="0">
+                                            <a:solidFill>
+                                              <a:schemeClr val="tx1"/>
+                                            </a:solidFill>
+                                            <a:latin typeface="Cambria Math" panose="02040503050406030204" pitchFamily="18" charset="0"/>
+                                          </a:rPr>
+                                          <m:t>𝑃</m:t>
+                                        </m:r>
+                                      </m:e>
+                                      <m:sub>
+                                        <m:r>
+                                          <a:rPr lang="en-US" i="1">
+                                            <a:solidFill>
+                                              <a:schemeClr val="tx1"/>
+                                            </a:solidFill>
+                                            <a:latin typeface="Cambria Math" panose="02040503050406030204" pitchFamily="18" charset="0"/>
+                                          </a:rPr>
+                                          <m:t>1</m:t>
+                                        </m:r>
+                                      </m:sub>
+                                    </m:sSub>
+                                    <m:r>
+                                      <a:rPr lang="en-US" b="0" i="1" smtClean="0">
+                                        <a:solidFill>
+                                          <a:schemeClr val="tx1"/>
+                                        </a:solidFill>
+                                        <a:latin typeface="Cambria Math" panose="02040503050406030204" pitchFamily="18" charset="0"/>
+                                      </a:rPr>
+                                      <m:t>−</m:t>
+                                    </m:r>
+                                    <m:sSub>
+                                      <m:sSubPr>
+                                        <m:ctrlPr>
+                                          <a:rPr lang="en-US" i="1">
+                                            <a:solidFill>
+                                              <a:schemeClr val="tx1"/>
+                                            </a:solidFill>
+                                            <a:latin typeface="Cambria Math" panose="02040503050406030204" pitchFamily="18" charset="0"/>
+                                          </a:rPr>
+                                        </m:ctrlPr>
+                                      </m:sSubPr>
+                                      <m:e>
+                                        <m:r>
+                                          <a:rPr lang="en-US" i="1">
+                                            <a:solidFill>
+                                              <a:schemeClr val="tx1"/>
+                                            </a:solidFill>
+                                            <a:latin typeface="Cambria Math" panose="02040503050406030204" pitchFamily="18" charset="0"/>
+                                          </a:rPr>
+                                          <m:t>𝑃</m:t>
+                                        </m:r>
+                                      </m:e>
+                                      <m:sub>
+                                        <m:r>
+                                          <a:rPr lang="en-US" i="1">
+                                            <a:solidFill>
+                                              <a:schemeClr val="tx1"/>
+                                            </a:solidFill>
+                                            <a:latin typeface="Cambria Math" panose="02040503050406030204" pitchFamily="18" charset="0"/>
+                                          </a:rPr>
+                                          <m:t>0</m:t>
+                                        </m:r>
+                                      </m:sub>
+                                    </m:sSub>
+                                    <m:sSub>
+                                      <m:sSubPr>
+                                        <m:ctrlPr>
+                                          <a:rPr lang="en-US" i="1">
+                                            <a:solidFill>
+                                              <a:schemeClr val="tx1"/>
+                                            </a:solidFill>
+                                            <a:latin typeface="Cambria Math" panose="02040503050406030204" pitchFamily="18" charset="0"/>
+                                          </a:rPr>
+                                        </m:ctrlPr>
+                                      </m:sSubPr>
+                                      <m:e>
+                                        <m:r>
+                                          <a:rPr lang="en-US" i="1">
+                                            <a:solidFill>
+                                              <a:schemeClr val="tx1"/>
+                                            </a:solidFill>
+                                            <a:latin typeface="Cambria Math" panose="02040503050406030204" pitchFamily="18" charset="0"/>
+                                          </a:rPr>
+                                          <m:t>𝑃</m:t>
+                                        </m:r>
+                                      </m:e>
+                                      <m:sub>
+                                        <m:r>
+                                          <a:rPr lang="en-US" i="1">
+                                            <a:solidFill>
+                                              <a:schemeClr val="tx1"/>
+                                            </a:solidFill>
+                                            <a:latin typeface="Cambria Math" panose="02040503050406030204" pitchFamily="18" charset="0"/>
+                                          </a:rPr>
+                                          <m:t>1</m:t>
+                                        </m:r>
+                                      </m:sub>
+                                    </m:sSub>
+                                  </m:e>
+                                </m:d>
+                                <m:r>
+                                  <a:rPr lang="en-US" i="1">
+                                    <a:solidFill>
+                                      <a:schemeClr val="tx1"/>
+                                    </a:solidFill>
+                                    <a:latin typeface="Cambria Math" panose="02040503050406030204" pitchFamily="18" charset="0"/>
+                                  </a:rPr>
+                                  <m:t>+</m:t>
+                                </m:r>
+                                <m:bar>
+                                  <m:barPr>
+                                    <m:pos m:val="top"/>
+                                    <m:ctrlPr>
+                                      <a:rPr lang="en-US" i="1">
+                                        <a:solidFill>
+                                          <a:schemeClr val="tx1"/>
+                                        </a:solidFill>
+                                        <a:latin typeface="Cambria Math" panose="02040503050406030204" pitchFamily="18" charset="0"/>
+                                      </a:rPr>
+                                    </m:ctrlPr>
+                                  </m:barPr>
+                                  <m:e>
+                                    <m:r>
+                                      <a:rPr lang="en-US" i="1">
+                                        <a:solidFill>
+                                          <a:schemeClr val="tx1"/>
+                                        </a:solidFill>
+                                        <a:latin typeface="Cambria Math" panose="02040503050406030204" pitchFamily="18" charset="0"/>
+                                      </a:rPr>
+                                      <m:t>𝜇</m:t>
+                                    </m:r>
+                                  </m:e>
+                                </m:bar>
+                                <m:d>
+                                  <m:dPr>
+                                    <m:ctrlPr>
+                                      <a:rPr lang="en-US" i="1">
+                                        <a:solidFill>
+                                          <a:schemeClr val="tx1"/>
+                                        </a:solidFill>
+                                        <a:latin typeface="Cambria Math" panose="02040503050406030204" pitchFamily="18" charset="0"/>
+                                      </a:rPr>
+                                    </m:ctrlPr>
+                                  </m:dPr>
+                                  <m:e>
+                                    <m:sSub>
+                                      <m:sSubPr>
+                                        <m:ctrlPr>
+                                          <a:rPr lang="en-US" i="1" smtClean="0">
+                                            <a:solidFill>
+                                              <a:schemeClr val="tx1"/>
+                                            </a:solidFill>
+                                            <a:latin typeface="Cambria Math" panose="02040503050406030204" pitchFamily="18" charset="0"/>
+                                          </a:rPr>
+                                        </m:ctrlPr>
+                                      </m:sSubPr>
+                                      <m:e>
+                                        <m:r>
+                                          <a:rPr lang="en-US" b="0" i="1" smtClean="0">
+                                            <a:solidFill>
+                                              <a:schemeClr val="tx1"/>
+                                            </a:solidFill>
+                                            <a:latin typeface="Cambria Math" panose="02040503050406030204" pitchFamily="18" charset="0"/>
+                                          </a:rPr>
+                                          <m:t>𝑃</m:t>
+                                        </m:r>
+                                      </m:e>
+                                      <m:sub>
+                                        <m:r>
+                                          <a:rPr lang="en-US" i="1">
+                                            <a:solidFill>
+                                              <a:schemeClr val="tx1"/>
+                                            </a:solidFill>
+                                            <a:latin typeface="Cambria Math" panose="02040503050406030204" pitchFamily="18" charset="0"/>
+                                          </a:rPr>
+                                          <m:t>0</m:t>
+                                        </m:r>
+                                      </m:sub>
+                                    </m:sSub>
+                                    <m:sSub>
+                                      <m:sSubPr>
+                                        <m:ctrlPr>
+                                          <a:rPr lang="en-US" i="1">
+                                            <a:solidFill>
+                                              <a:schemeClr val="tx1"/>
+                                            </a:solidFill>
+                                            <a:latin typeface="Cambria Math" panose="02040503050406030204" pitchFamily="18" charset="0"/>
+                                          </a:rPr>
+                                        </m:ctrlPr>
+                                      </m:sSubPr>
+                                      <m:e>
+                                        <m:r>
+                                          <a:rPr lang="en-US" b="0" i="1" smtClean="0">
+                                            <a:solidFill>
+                                              <a:schemeClr val="tx1"/>
+                                            </a:solidFill>
+                                            <a:latin typeface="Cambria Math" panose="02040503050406030204" pitchFamily="18" charset="0"/>
+                                          </a:rPr>
+                                          <m:t>𝑃</m:t>
+                                        </m:r>
+                                      </m:e>
+                                      <m:sub>
+                                        <m:r>
+                                          <a:rPr lang="en-US" i="1">
+                                            <a:solidFill>
+                                              <a:schemeClr val="tx1"/>
+                                            </a:solidFill>
+                                            <a:latin typeface="Cambria Math" panose="02040503050406030204" pitchFamily="18" charset="0"/>
+                                          </a:rPr>
+                                          <m:t>1</m:t>
+                                        </m:r>
+                                      </m:sub>
+                                    </m:sSub>
+                                  </m:e>
+                                </m:d>
+                                <m:r>
+                                  <a:rPr lang="en-US" i="1">
+                                    <a:solidFill>
+                                      <a:schemeClr val="tx1"/>
+                                    </a:solidFill>
+                                    <a:latin typeface="Cambria Math" panose="02040503050406030204" pitchFamily="18" charset="0"/>
+                                  </a:rPr>
+                                  <m:t>⊆</m:t>
+                                </m:r>
+                                <m:bar>
+                                  <m:barPr>
+                                    <m:pos m:val="top"/>
+                                    <m:ctrlPr>
+                                      <a:rPr lang="en-US" i="1">
+                                        <a:solidFill>
+                                          <a:schemeClr val="tx1"/>
+                                        </a:solidFill>
+                                        <a:latin typeface="Cambria Math" panose="02040503050406030204" pitchFamily="18" charset="0"/>
+                                      </a:rPr>
+                                    </m:ctrlPr>
+                                  </m:barPr>
+                                  <m:e>
+                                    <m:r>
+                                      <a:rPr lang="en-US" i="1">
+                                        <a:solidFill>
+                                          <a:schemeClr val="tx1"/>
+                                        </a:solidFill>
+                                        <a:latin typeface="Cambria Math" panose="02040503050406030204" pitchFamily="18" charset="0"/>
+                                      </a:rPr>
+                                      <m:t>𝜇</m:t>
+                                    </m:r>
+                                  </m:e>
+                                </m:bar>
+                                <m:d>
+                                  <m:dPr>
+                                    <m:ctrlPr>
+                                      <a:rPr lang="en-US" i="1">
+                                        <a:solidFill>
+                                          <a:schemeClr val="tx1"/>
+                                        </a:solidFill>
+                                        <a:latin typeface="Cambria Math" panose="02040503050406030204" pitchFamily="18" charset="0"/>
+                                      </a:rPr>
+                                    </m:ctrlPr>
+                                  </m:dPr>
+                                  <m:e>
+                                    <m:sSub>
+                                      <m:sSubPr>
+                                        <m:ctrlPr>
+                                          <a:rPr lang="en-US" i="1">
+                                            <a:solidFill>
+                                              <a:schemeClr val="tx1"/>
+                                            </a:solidFill>
+                                            <a:latin typeface="Cambria Math" panose="02040503050406030204" pitchFamily="18" charset="0"/>
+                                          </a:rPr>
+                                        </m:ctrlPr>
+                                      </m:sSubPr>
+                                      <m:e>
+                                        <m:r>
+                                          <a:rPr lang="en-US" b="0" i="1" smtClean="0">
+                                            <a:solidFill>
+                                              <a:schemeClr val="tx1"/>
+                                            </a:solidFill>
+                                            <a:latin typeface="Cambria Math" panose="02040503050406030204" pitchFamily="18" charset="0"/>
+                                          </a:rPr>
+                                          <m:t>𝑃</m:t>
+                                        </m:r>
+                                      </m:e>
+                                      <m:sub>
+                                        <m:r>
+                                          <a:rPr lang="en-US" i="1">
+                                            <a:solidFill>
+                                              <a:schemeClr val="tx1"/>
+                                            </a:solidFill>
+                                            <a:latin typeface="Cambria Math" panose="02040503050406030204" pitchFamily="18" charset="0"/>
+                                          </a:rPr>
+                                          <m:t>0</m:t>
+                                        </m:r>
+                                      </m:sub>
+                                    </m:sSub>
+                                  </m:e>
+                                </m:d>
+                                <m:r>
+                                  <a:rPr lang="en-US" i="1">
+                                    <a:solidFill>
+                                      <a:schemeClr val="tx1"/>
+                                    </a:solidFill>
+                                    <a:latin typeface="Cambria Math" panose="02040503050406030204" pitchFamily="18" charset="0"/>
+                                  </a:rPr>
+                                  <m:t>+</m:t>
+                                </m:r>
+                                <m:bar>
+                                  <m:barPr>
+                                    <m:pos m:val="top"/>
+                                    <m:ctrlPr>
+                                      <a:rPr lang="en-US" i="1">
+                                        <a:solidFill>
+                                          <a:schemeClr val="tx1"/>
+                                        </a:solidFill>
+                                        <a:latin typeface="Cambria Math" panose="02040503050406030204" pitchFamily="18" charset="0"/>
+                                      </a:rPr>
+                                    </m:ctrlPr>
+                                  </m:barPr>
+                                  <m:e>
+                                    <m:r>
+                                      <a:rPr lang="en-US" i="1">
+                                        <a:solidFill>
+                                          <a:schemeClr val="tx1"/>
+                                        </a:solidFill>
+                                        <a:latin typeface="Cambria Math" panose="02040503050406030204" pitchFamily="18" charset="0"/>
+                                      </a:rPr>
+                                      <m:t>𝜇</m:t>
+                                    </m:r>
+                                  </m:e>
+                                </m:bar>
+                                <m:d>
+                                  <m:dPr>
+                                    <m:ctrlPr>
+                                      <a:rPr lang="en-US" i="1">
+                                        <a:solidFill>
+                                          <a:schemeClr val="tx1"/>
+                                        </a:solidFill>
+                                        <a:latin typeface="Cambria Math" panose="02040503050406030204" pitchFamily="18" charset="0"/>
+                                      </a:rPr>
+                                    </m:ctrlPr>
+                                  </m:dPr>
+                                  <m:e>
+                                    <m:sSub>
+                                      <m:sSubPr>
+                                        <m:ctrlPr>
+                                          <a:rPr lang="en-US" i="1">
+                                            <a:solidFill>
+                                              <a:schemeClr val="tx1"/>
+                                            </a:solidFill>
+                                            <a:latin typeface="Cambria Math" panose="02040503050406030204" pitchFamily="18" charset="0"/>
+                                          </a:rPr>
+                                        </m:ctrlPr>
+                                      </m:sSubPr>
+                                      <m:e>
+                                        <m:r>
+                                          <a:rPr lang="en-US" b="0" i="1" smtClean="0">
+                                            <a:solidFill>
+                                              <a:schemeClr val="tx1"/>
+                                            </a:solidFill>
+                                            <a:latin typeface="Cambria Math" panose="02040503050406030204" pitchFamily="18" charset="0"/>
+                                          </a:rPr>
+                                          <m:t>𝑃</m:t>
+                                        </m:r>
+                                      </m:e>
+                                      <m:sub>
+                                        <m:r>
+                                          <a:rPr lang="en-US" i="1">
+                                            <a:solidFill>
+                                              <a:schemeClr val="tx1"/>
+                                            </a:solidFill>
+                                            <a:latin typeface="Cambria Math" panose="02040503050406030204" pitchFamily="18" charset="0"/>
+                                          </a:rPr>
+                                          <m:t>1</m:t>
+                                        </m:r>
+                                      </m:sub>
+                                    </m:sSub>
+                                  </m:e>
+                                </m:d>
+                              </m:oMath>
+                            </m:oMathPara>
+                          </a14:m>
+                          <a:r>
+                            <a:rPr lang="en-US" dirty="0" smtClean="0">
+                              <a:solidFill>
+                                <a:schemeClr val="tx1"/>
+                              </a:solidFill>
+                            </a:rPr>
+                            <a:t/>
+                          </a:r>
+                          <a:br>
+                            <a:rPr lang="en-US" dirty="0" smtClean="0">
+                              <a:solidFill>
+                                <a:schemeClr val="tx1"/>
+                              </a:solidFill>
+                            </a:rPr>
+                          </a:br>
+                          <a:r>
+                            <a:rPr lang="en-US" dirty="0" smtClean="0">
+                              <a:solidFill>
+                                <a:schemeClr val="tx1"/>
+                              </a:solidFill>
+                            </a:rPr>
+                            <a:t>for </a:t>
+                          </a:r>
+                          <a:r>
+                            <a:rPr lang="en-US" dirty="0">
+                              <a:solidFill>
+                                <a:schemeClr val="tx1"/>
+                              </a:solidFill>
+                            </a:rPr>
+                            <a:t>any </a:t>
+                          </a:r>
+                          <a:r>
+                            <a:rPr lang="en-US" dirty="0" smtClean="0">
+                              <a:solidFill>
+                                <a:schemeClr val="tx1"/>
+                              </a:solidFill>
+                            </a:rPr>
+                            <a:t>commuting </a:t>
+                          </a:r>
+                          <a14:m>
+                            <m:oMath xmlns:m="http://schemas.openxmlformats.org/officeDocument/2006/math">
+                              <m:sSub>
+                                <m:sSubPr>
+                                  <m:ctrlPr>
+                                    <a:rPr lang="en-US" i="1">
+                                      <a:solidFill>
+                                        <a:schemeClr val="tx1"/>
+                                      </a:solidFill>
+                                      <a:latin typeface="Cambria Math" panose="02040503050406030204" pitchFamily="18" charset="0"/>
+                                    </a:rPr>
+                                  </m:ctrlPr>
+                                </m:sSubPr>
+                                <m:e>
+                                  <m:r>
+                                    <a:rPr lang="en-US" b="0" i="1" smtClean="0">
+                                      <a:solidFill>
+                                        <a:schemeClr val="tx1"/>
+                                      </a:solidFill>
+                                      <a:latin typeface="Cambria Math" panose="02040503050406030204" pitchFamily="18" charset="0"/>
+                                    </a:rPr>
+                                    <m:t>𝑃</m:t>
+                                  </m:r>
+                                </m:e>
+                                <m:sub>
+                                  <m:r>
+                                    <a:rPr lang="en-US" i="1">
+                                      <a:solidFill>
+                                        <a:schemeClr val="tx1"/>
+                                      </a:solidFill>
+                                      <a:latin typeface="Cambria Math" panose="02040503050406030204" pitchFamily="18" charset="0"/>
+                                    </a:rPr>
+                                    <m:t>0</m:t>
+                                  </m:r>
+                                </m:sub>
+                              </m:sSub>
+                            </m:oMath>
+                          </a14:m>
+                          <a:r>
+                            <a:rPr lang="en-US" dirty="0">
+                              <a:solidFill>
+                                <a:schemeClr val="tx1"/>
+                              </a:solidFill>
+                            </a:rPr>
+                            <a:t> and </a:t>
+                          </a:r>
+                          <a14:m>
+                            <m:oMath xmlns:m="http://schemas.openxmlformats.org/officeDocument/2006/math">
+                              <m:sSub>
+                                <m:sSubPr>
+                                  <m:ctrlPr>
+                                    <a:rPr lang="en-US" i="1">
+                                      <a:solidFill>
+                                        <a:schemeClr val="tx1"/>
+                                      </a:solidFill>
+                                      <a:latin typeface="Cambria Math" panose="02040503050406030204" pitchFamily="18" charset="0"/>
+                                    </a:rPr>
+                                  </m:ctrlPr>
+                                </m:sSubPr>
+                                <m:e>
+                                  <m:r>
+                                    <a:rPr lang="en-US" b="0" i="1" smtClean="0">
+                                      <a:solidFill>
+                                        <a:schemeClr val="tx1"/>
+                                      </a:solidFill>
+                                      <a:latin typeface="Cambria Math" panose="02040503050406030204" pitchFamily="18" charset="0"/>
+                                    </a:rPr>
+                                    <m:t>𝑃</m:t>
+                                  </m:r>
+                                </m:e>
+                                <m:sub>
+                                  <m:r>
+                                    <a:rPr lang="en-US" i="1">
+                                      <a:solidFill>
+                                        <a:schemeClr val="tx1"/>
+                                      </a:solidFill>
+                                      <a:latin typeface="Cambria Math" panose="02040503050406030204" pitchFamily="18" charset="0"/>
+                                    </a:rPr>
+                                    <m:t>1</m:t>
+                                  </m:r>
+                                </m:sub>
+                              </m:sSub>
+                            </m:oMath>
+                          </a14:m>
+                          <a:r>
+                            <a:rPr lang="en-US" dirty="0" smtClean="0">
+                              <a:solidFill>
+                                <a:schemeClr val="tx1"/>
+                              </a:solidFill>
+                            </a:rPr>
+                            <a:t>.</a:t>
+                          </a:r>
+                        </a:p>
+                      </a:txBody>
+                      <a:tcPr anchor="ctr"/>
+                    </a:tc>
+                    <a:tc hMerge="1">
+                      <a:txBody>
+                        <a:bodyPr/>
+                        <a:lstStyle/>
+                        <a:p>
+                          <a:pPr marL="0" marR="0" lvl="0" indent="0" algn="ctr" defTabSz="914400" rtl="0" eaLnBrk="1" fontAlgn="auto" latinLnBrk="0" hangingPunct="1">
+                            <a:lnSpc>
+                              <a:spcPct val="100000"/>
+                            </a:lnSpc>
+                            <a:spcBef>
+                              <a:spcPts val="0"/>
+                            </a:spcBef>
+                            <a:spcAft>
+                              <a:spcPts val="0"/>
+                            </a:spcAft>
+                            <a:buClrTx/>
+                            <a:buSzTx/>
+                            <a:buFontTx/>
+                            <a:buNone/>
+                            <a:tabLst/>
+                            <a:defRPr/>
+                          </a:pPr>
+                          <a:endParaRPr lang="en-US" dirty="0" smtClean="0">
+                            <a:solidFill>
+                              <a:schemeClr val="tx1"/>
+                            </a:solidFill>
+                          </a:endParaRPr>
+                        </a:p>
+                      </a:txBody>
+                      <a:tcPr anchor="ctr"/>
+                    </a:tc>
+                  </a:tr>
+                  <a:tr h="370840">
+                    <a:tc>
+                      <a:txBody>
+                        <a:bodyPr/>
+                        <a:lstStyle/>
+                        <a:p>
+                          <a:pPr marL="0" marR="0" lvl="0" indent="0" algn="ctr" defTabSz="914400" rtl="0" eaLnBrk="1" fontAlgn="auto" latinLnBrk="0" hangingPunct="1">
+                            <a:lnSpc>
+                              <a:spcPct val="100000"/>
+                            </a:lnSpc>
+                            <a:spcBef>
+                              <a:spcPts val="0"/>
+                            </a:spcBef>
+                            <a:spcAft>
+                              <a:spcPts val="0"/>
+                            </a:spcAft>
+                            <a:buClrTx/>
+                            <a:buSzTx/>
+                            <a:buFontTx/>
+                            <a:buNone/>
+                            <a:tabLst/>
+                            <a:defRPr/>
+                          </a:pPr>
+                          <a:r>
+                            <a:rPr lang="en-US" dirty="0" smtClean="0">
+                              <a:solidFill>
+                                <a:schemeClr val="accent2"/>
+                              </a:solidFill>
+                            </a:rPr>
+                            <a:t>Core</a:t>
+                          </a:r>
+                          <a:endParaRPr lang="en-US" dirty="0">
+                            <a:solidFill>
+                              <a:schemeClr val="accent2"/>
+                            </a:solidFill>
+                          </a:endParaRPr>
+                        </a:p>
+                      </a:txBody>
+                      <a:tcPr anchor="ctr"/>
+                    </a:tc>
+                    <a:tc>
+                      <a:txBody>
+                        <a:bodyPr/>
+                        <a:lstStyle/>
+                        <a:p>
+                          <a:pPr marL="0" marR="0" lvl="0" indent="0" algn="ctr" defTabSz="914400" rtl="0" eaLnBrk="1" fontAlgn="auto" latinLnBrk="0" hangingPunct="1">
+                            <a:lnSpc>
+                              <a:spcPct val="100000"/>
+                            </a:lnSpc>
+                            <a:spcBef>
+                              <a:spcPts val="0"/>
+                            </a:spcBef>
+                            <a:spcAft>
+                              <a:spcPts val="0"/>
+                            </a:spcAft>
+                            <a:buClrTx/>
+                            <a:buSzTx/>
+                            <a:buFontTx/>
+                            <a:buNone/>
+                            <a:tabLst/>
+                            <a:defRPr/>
+                          </a:pPr>
+                          <a14:m>
+                            <m:oMath xmlns:m="http://schemas.openxmlformats.org/officeDocument/2006/math">
+                              <m:r>
+                                <a:rPr lang="en-US" i="1" smtClean="0">
+                                  <a:solidFill>
+                                    <a:schemeClr val="tx1"/>
+                                  </a:solidFill>
+                                  <a:latin typeface="Cambria Math" panose="02040503050406030204" pitchFamily="18" charset="0"/>
+                                </a:rPr>
+                                <m:t>𝜇</m:t>
+                              </m:r>
+                              <m:r>
+                                <a:rPr lang="en-US" b="0" i="1" smtClean="0">
+                                  <a:solidFill>
+                                    <a:schemeClr val="tx1"/>
+                                  </a:solidFill>
+                                  <a:latin typeface="Cambria Math" panose="02040503050406030204" pitchFamily="18" charset="0"/>
+                                </a:rPr>
+                                <m:t>∈</m:t>
+                              </m:r>
+                              <m:r>
+                                <m:rPr>
+                                  <m:nor/>
+                                </m:rPr>
+                                <a:rPr lang="en-US" b="0" i="0" smtClean="0">
+                                  <a:solidFill>
+                                    <a:schemeClr val="accent2"/>
+                                  </a:solidFill>
+                                  <a:latin typeface="Cambria Math" panose="02040503050406030204" pitchFamily="18" charset="0"/>
+                                </a:rPr>
+                                <m:t>core</m:t>
+                              </m:r>
+                              <m:d>
+                                <m:dPr>
+                                  <m:ctrlPr>
+                                    <a:rPr lang="en-US" b="0" i="1" smtClean="0">
+                                      <a:solidFill>
+                                        <a:schemeClr val="tx1"/>
+                                      </a:solidFill>
+                                      <a:latin typeface="Cambria Math" panose="02040503050406030204" pitchFamily="18" charset="0"/>
+                                    </a:rPr>
+                                  </m:ctrlPr>
+                                </m:dPr>
+                                <m:e>
+                                  <m:bar>
+                                    <m:barPr>
+                                      <m:pos m:val="top"/>
+                                      <m:ctrlPr>
+                                        <a:rPr lang="en-US" i="1">
+                                          <a:solidFill>
+                                            <a:schemeClr val="tx1"/>
+                                          </a:solidFill>
+                                          <a:latin typeface="Cambria Math" panose="02040503050406030204" pitchFamily="18" charset="0"/>
+                                        </a:rPr>
+                                      </m:ctrlPr>
+                                    </m:barPr>
+                                    <m:e>
+                                      <m:r>
+                                        <a:rPr lang="en-US" i="1">
+                                          <a:solidFill>
+                                            <a:schemeClr val="tx1"/>
+                                          </a:solidFill>
+                                          <a:latin typeface="Cambria Math" panose="02040503050406030204" pitchFamily="18" charset="0"/>
+                                        </a:rPr>
+                                        <m:t>𝜇</m:t>
+                                      </m:r>
+                                    </m:e>
+                                  </m:bar>
+                                </m:e>
+                              </m:d>
+                            </m:oMath>
+                          </a14:m>
+                          <a:r>
+                            <a:rPr lang="en-US" dirty="0" smtClean="0">
+                              <a:solidFill>
+                                <a:schemeClr val="tx1"/>
+                              </a:solidFill>
+                            </a:rPr>
+                            <a:t> if and only if</a:t>
+                          </a:r>
+                          <a:br>
+                            <a:rPr lang="en-US" dirty="0" smtClean="0">
+                              <a:solidFill>
+                                <a:schemeClr val="tx1"/>
+                              </a:solidFill>
+                            </a:rPr>
+                          </a:br>
+                          <a14:m>
+                            <m:oMathPara xmlns:m="http://schemas.openxmlformats.org/officeDocument/2006/math">
+                              <m:oMathParaPr>
+                                <m:jc m:val="centerGroup"/>
+                              </m:oMathParaPr>
+                              <m:oMath xmlns:m="http://schemas.openxmlformats.org/officeDocument/2006/math">
+                                <m:r>
+                                  <a:rPr lang="en-US" b="0" i="1" smtClean="0">
+                                    <a:solidFill>
+                                      <a:schemeClr val="tx1"/>
+                                    </a:solidFill>
+                                    <a:latin typeface="Cambria Math" panose="02040503050406030204" pitchFamily="18" charset="0"/>
+                                  </a:rPr>
+                                  <m:t>∀</m:t>
+                                </m:r>
+                                <m:r>
+                                  <a:rPr lang="en-US" b="0" i="1" smtClean="0">
+                                    <a:solidFill>
+                                      <a:schemeClr val="tx1"/>
+                                    </a:solidFill>
+                                    <a:latin typeface="Cambria Math" panose="02040503050406030204" pitchFamily="18" charset="0"/>
+                                  </a:rPr>
+                                  <m:t>𝑃</m:t>
+                                </m:r>
+                                <m:r>
+                                  <a:rPr lang="en-US" b="0" i="1" smtClean="0">
+                                    <a:solidFill>
+                                      <a:schemeClr val="tx1"/>
+                                    </a:solidFill>
+                                    <a:latin typeface="Cambria Math" panose="02040503050406030204" pitchFamily="18" charset="0"/>
+                                  </a:rPr>
+                                  <m:t>∈</m:t>
+                                </m:r>
+                                <m:sSup>
+                                  <m:sSupPr>
+                                    <m:ctrlPr>
+                                      <a:rPr lang="en-US" b="0" i="1" smtClean="0">
+                                        <a:solidFill>
+                                          <a:srgbClr val="FF0000"/>
+                                        </a:solidFill>
+                                        <a:latin typeface="Cambria Math" panose="02040503050406030204" pitchFamily="18" charset="0"/>
+                                        <a:ea typeface="Cambria Math" panose="02040503050406030204" pitchFamily="18" charset="0"/>
+                                      </a:rPr>
+                                    </m:ctrlPr>
+                                  </m:sSupPr>
+                                  <m:e>
+                                    <m:r>
+                                      <a:rPr lang="en-US" i="1">
+                                        <a:solidFill>
+                                          <a:srgbClr val="FF0000"/>
+                                        </a:solidFill>
+                                        <a:latin typeface="Cambria Math" panose="02040503050406030204" pitchFamily="18" charset="0"/>
+                                        <a:ea typeface="Cambria Math" panose="02040503050406030204" pitchFamily="18" charset="0"/>
+                                      </a:rPr>
+                                      <m:t>ℰ</m:t>
+                                    </m:r>
+                                  </m:e>
+                                  <m:sup>
+                                    <m:r>
+                                      <a:rPr lang="en-US" b="0" i="1" smtClean="0">
+                                        <a:solidFill>
+                                          <a:srgbClr val="FF0000"/>
+                                        </a:solidFill>
+                                        <a:latin typeface="Cambria Math" panose="02040503050406030204" pitchFamily="18" charset="0"/>
+                                        <a:ea typeface="Cambria Math" panose="02040503050406030204" pitchFamily="18" charset="0"/>
+                                      </a:rPr>
+                                      <m:t>′</m:t>
+                                    </m:r>
+                                  </m:sup>
+                                </m:sSup>
+                                <m:r>
+                                  <a:rPr lang="en-US" b="0" i="0" smtClean="0">
+                                    <a:solidFill>
+                                      <a:schemeClr val="tx1"/>
+                                    </a:solidFill>
+                                    <a:latin typeface="Cambria Math" panose="02040503050406030204" pitchFamily="18" charset="0"/>
+                                  </a:rPr>
+                                  <m:t>.</m:t>
+                                </m:r>
+                                <m:r>
+                                  <a:rPr lang="en-US" i="1" smtClean="0">
+                                    <a:solidFill>
+                                      <a:schemeClr val="tx1"/>
+                                    </a:solidFill>
+                                    <a:latin typeface="Cambria Math" panose="02040503050406030204" pitchFamily="18" charset="0"/>
+                                  </a:rPr>
+                                  <m:t>𝜇</m:t>
+                                </m:r>
+                                <m:d>
+                                  <m:dPr>
+                                    <m:ctrlPr>
+                                      <a:rPr lang="en-US" b="0" i="1" smtClean="0">
+                                        <a:solidFill>
+                                          <a:schemeClr val="tx1"/>
+                                        </a:solidFill>
+                                        <a:latin typeface="Cambria Math" panose="02040503050406030204" pitchFamily="18" charset="0"/>
+                                      </a:rPr>
+                                    </m:ctrlPr>
+                                  </m:dPr>
+                                  <m:e>
+                                    <m:r>
+                                      <a:rPr lang="en-US" b="0" i="1" smtClean="0">
+                                        <a:solidFill>
+                                          <a:schemeClr val="tx1"/>
+                                        </a:solidFill>
+                                        <a:latin typeface="Cambria Math" panose="02040503050406030204" pitchFamily="18" charset="0"/>
+                                      </a:rPr>
+                                      <m:t>𝑃</m:t>
+                                    </m:r>
+                                  </m:e>
+                                </m:d>
+                                <m:r>
+                                  <a:rPr lang="en-US" b="0" i="1" smtClean="0">
+                                    <a:solidFill>
+                                      <a:schemeClr val="tx1"/>
+                                    </a:solidFill>
+                                    <a:latin typeface="Cambria Math" panose="02040503050406030204" pitchFamily="18" charset="0"/>
+                                  </a:rPr>
+                                  <m:t>∈</m:t>
+                                </m:r>
+                                <m:bar>
+                                  <m:barPr>
+                                    <m:pos m:val="top"/>
+                                    <m:ctrlPr>
+                                      <a:rPr lang="en-US" i="1">
+                                        <a:solidFill>
+                                          <a:schemeClr val="tx1"/>
+                                        </a:solidFill>
+                                        <a:latin typeface="Cambria Math" panose="02040503050406030204" pitchFamily="18" charset="0"/>
+                                      </a:rPr>
+                                    </m:ctrlPr>
+                                  </m:barPr>
+                                  <m:e>
+                                    <m:r>
+                                      <a:rPr lang="en-US" i="1">
+                                        <a:solidFill>
+                                          <a:schemeClr val="tx1"/>
+                                        </a:solidFill>
+                                        <a:latin typeface="Cambria Math" panose="02040503050406030204" pitchFamily="18" charset="0"/>
+                                      </a:rPr>
+                                      <m:t>𝜇</m:t>
+                                    </m:r>
+                                  </m:e>
+                                </m:bar>
+                                <m:d>
+                                  <m:dPr>
+                                    <m:ctrlPr>
+                                      <a:rPr lang="en-US" i="1">
+                                        <a:solidFill>
+                                          <a:schemeClr val="tx1"/>
+                                        </a:solidFill>
+                                        <a:latin typeface="Cambria Math" panose="02040503050406030204" pitchFamily="18" charset="0"/>
+                                      </a:rPr>
+                                    </m:ctrlPr>
+                                  </m:dPr>
+                                  <m:e>
+                                    <m:r>
+                                      <a:rPr lang="en-US" b="0" i="1" smtClean="0">
+                                        <a:solidFill>
+                                          <a:schemeClr val="tx1"/>
+                                        </a:solidFill>
+                                        <a:latin typeface="Cambria Math" panose="02040503050406030204" pitchFamily="18" charset="0"/>
+                                      </a:rPr>
+                                      <m:t>𝑃</m:t>
+                                    </m:r>
+                                  </m:e>
+                                </m:d>
+                              </m:oMath>
+                            </m:oMathPara>
+                          </a14:m>
+                          <a:endParaRPr lang="en-US" dirty="0" smtClean="0">
+                            <a:solidFill>
+                              <a:schemeClr val="tx1"/>
+                            </a:solidFill>
+                          </a:endParaRPr>
+                        </a:p>
+                      </a:txBody>
+                      <a:tcPr anchor="ctr"/>
+                    </a:tc>
+                    <a:tc>
+                      <a:txBody>
+                        <a:bodyPr/>
+                        <a:lstStyle/>
+                        <a:p>
+                          <a:pPr marL="0" marR="0" lvl="0" indent="0" algn="ctr" defTabSz="914400" rtl="0" eaLnBrk="1" fontAlgn="auto" latinLnBrk="0" hangingPunct="1">
+                            <a:lnSpc>
+                              <a:spcPct val="100000"/>
+                            </a:lnSpc>
+                            <a:spcBef>
+                              <a:spcPts val="0"/>
+                            </a:spcBef>
+                            <a:spcAft>
+                              <a:spcPts val="0"/>
+                            </a:spcAft>
+                            <a:buClrTx/>
+                            <a:buSzTx/>
+                            <a:buFontTx/>
+                            <a:buNone/>
+                            <a:tabLst/>
+                            <a:defRPr/>
+                          </a:pPr>
+                          <a:endParaRPr lang="en-US" dirty="0" smtClean="0">
+                            <a:solidFill>
+                              <a:schemeClr val="tx1"/>
+                            </a:solidFill>
+                          </a:endParaRPr>
+                        </a:p>
+                      </a:txBody>
+                      <a:tcPr anchor="ctr"/>
+                    </a:tc>
+                  </a:tr>
+                  <a:tr h="370840">
+                    <a:tc>
+                      <a:txBody>
+                        <a:bodyPr/>
+                        <a:lstStyle/>
+                        <a:p>
+                          <a:pPr marL="0" marR="0" lvl="0" indent="0" algn="ctr" defTabSz="914400" rtl="0" eaLnBrk="1" fontAlgn="auto" latinLnBrk="0" hangingPunct="1">
+                            <a:lnSpc>
+                              <a:spcPct val="100000"/>
+                            </a:lnSpc>
+                            <a:spcBef>
+                              <a:spcPts val="0"/>
+                            </a:spcBef>
+                            <a:spcAft>
+                              <a:spcPts val="0"/>
+                            </a:spcAft>
+                            <a:buClrTx/>
+                            <a:buSzTx/>
+                            <a:buFontTx/>
+                            <a:buNone/>
+                            <a:tabLst/>
+                            <a:defRPr/>
+                          </a:pPr>
+                          <a:r>
+                            <a:rPr lang="en-US" dirty="0" smtClean="0">
+                              <a:solidFill>
+                                <a:schemeClr val="accent2"/>
+                              </a:solidFill>
+                            </a:rPr>
+                            <a:t>Theorem</a:t>
+                          </a:r>
+                          <a:r>
+                            <a:rPr lang="en-US" baseline="0" dirty="0" smtClean="0">
+                              <a:solidFill>
+                                <a:schemeClr val="accent2"/>
+                              </a:solidFill>
+                            </a:rPr>
+                            <a:t> (Shapley)</a:t>
+                          </a:r>
+                          <a:endParaRPr lang="en-US" dirty="0">
+                            <a:solidFill>
+                              <a:schemeClr val="accent2"/>
+                            </a:solidFill>
+                          </a:endParaRPr>
+                        </a:p>
+                      </a:txBody>
+                      <a:tcPr anchor="ctr"/>
+                    </a:tc>
+                    <a:tc>
+                      <a:txBody>
+                        <a:bodyPr/>
+                        <a:lstStyle/>
+                        <a:p>
+                          <a:pPr marL="0" marR="0" lvl="0" indent="0" algn="ctr" defTabSz="914400" rtl="0" eaLnBrk="1" fontAlgn="auto" latinLnBrk="0" hangingPunct="1">
+                            <a:lnSpc>
+                              <a:spcPct val="100000"/>
+                            </a:lnSpc>
+                            <a:spcBef>
+                              <a:spcPts val="0"/>
+                            </a:spcBef>
+                            <a:spcAft>
+                              <a:spcPts val="0"/>
+                            </a:spcAft>
+                            <a:buClrTx/>
+                            <a:buSzTx/>
+                            <a:buFontTx/>
+                            <a:buNone/>
+                            <a:tabLst/>
+                            <a:defRPr/>
+                          </a:pPr>
+                          <a:r>
+                            <a:rPr lang="en-US" dirty="0" smtClean="0">
+                              <a:solidFill>
+                                <a:schemeClr val="tx1"/>
+                              </a:solidFill>
+                            </a:rPr>
+                            <a:t>If </a:t>
+                          </a:r>
+                          <a14:m>
+                            <m:oMath xmlns:m="http://schemas.openxmlformats.org/officeDocument/2006/math">
+                              <m:bar>
+                                <m:barPr>
+                                  <m:pos m:val="top"/>
+                                  <m:ctrlPr>
+                                    <a:rPr lang="en-US" b="0" i="1" smtClean="0">
+                                      <a:latin typeface="Cambria Math" panose="02040503050406030204" pitchFamily="18" charset="0"/>
+                                    </a:rPr>
+                                  </m:ctrlPr>
+                                </m:barPr>
+                                <m:e>
+                                  <m:r>
+                                    <a:rPr lang="en-US" b="0" i="1" smtClean="0">
+                                      <a:latin typeface="Cambria Math" panose="02040503050406030204" pitchFamily="18" charset="0"/>
+                                    </a:rPr>
+                                    <m:t>𝜇</m:t>
+                                  </m:r>
+                                </m:e>
+                              </m:bar>
+                            </m:oMath>
+                          </a14:m>
+                          <a:r>
+                            <a:rPr lang="en-US" dirty="0" smtClean="0">
+                              <a:solidFill>
+                                <a:schemeClr val="tx1"/>
+                              </a:solidFill>
+                            </a:rPr>
+                            <a:t> is </a:t>
+                          </a:r>
+                          <a:r>
+                            <a:rPr lang="en-US" dirty="0" smtClean="0">
+                              <a:solidFill>
+                                <a:schemeClr val="accent2"/>
+                              </a:solidFill>
+                            </a:rPr>
+                            <a:t>convex</a:t>
+                          </a:r>
+                          <a:r>
+                            <a:rPr lang="en-US" dirty="0" smtClean="0">
+                              <a:solidFill>
+                                <a:schemeClr val="tx1"/>
+                              </a:solidFill>
+                            </a:rPr>
+                            <a:t>, then </a:t>
+                          </a:r>
+                          <a14:m>
+                            <m:oMath xmlns:m="http://schemas.openxmlformats.org/officeDocument/2006/math">
+                              <m:r>
+                                <m:rPr>
+                                  <m:nor/>
+                                </m:rPr>
+                                <a:rPr lang="en-US" b="0" i="0" smtClean="0">
+                                  <a:solidFill>
+                                    <a:schemeClr val="accent2"/>
+                                  </a:solidFill>
+                                  <a:latin typeface="Cambria Math" panose="02040503050406030204" pitchFamily="18" charset="0"/>
+                                </a:rPr>
+                                <m:t>core</m:t>
+                              </m:r>
+                              <m:d>
+                                <m:dPr>
+                                  <m:ctrlPr>
+                                    <a:rPr lang="en-US" b="0" i="1" smtClean="0">
+                                      <a:solidFill>
+                                        <a:schemeClr val="tx1"/>
+                                      </a:solidFill>
+                                      <a:latin typeface="Cambria Math" panose="02040503050406030204" pitchFamily="18" charset="0"/>
+                                    </a:rPr>
+                                  </m:ctrlPr>
+                                </m:dPr>
+                                <m:e>
+                                  <m:bar>
+                                    <m:barPr>
+                                      <m:pos m:val="top"/>
+                                      <m:ctrlPr>
+                                        <a:rPr lang="en-US" i="1">
+                                          <a:solidFill>
+                                            <a:schemeClr val="tx1"/>
+                                          </a:solidFill>
+                                          <a:latin typeface="Cambria Math" panose="02040503050406030204" pitchFamily="18" charset="0"/>
+                                        </a:rPr>
+                                      </m:ctrlPr>
+                                    </m:barPr>
+                                    <m:e>
+                                      <m:r>
+                                        <a:rPr lang="en-US" i="1">
+                                          <a:solidFill>
+                                            <a:schemeClr val="tx1"/>
+                                          </a:solidFill>
+                                          <a:latin typeface="Cambria Math" panose="02040503050406030204" pitchFamily="18" charset="0"/>
+                                        </a:rPr>
+                                        <m:t>𝜇</m:t>
+                                      </m:r>
+                                    </m:e>
+                                  </m:bar>
+                                </m:e>
+                              </m:d>
+                              <m:r>
+                                <a:rPr lang="en-US" b="0" i="1" smtClean="0">
+                                  <a:solidFill>
+                                    <a:srgbClr val="FF0000"/>
+                                  </a:solidFill>
+                                  <a:latin typeface="Cambria Math" panose="02040503050406030204" pitchFamily="18" charset="0"/>
+                                </a:rPr>
+                                <m:t>≠</m:t>
+                              </m:r>
+                              <m:r>
+                                <a:rPr lang="en-US" b="0" i="1" smtClean="0">
+                                  <a:solidFill>
+                                    <a:schemeClr val="tx1"/>
+                                  </a:solidFill>
+                                  <a:latin typeface="Cambria Math" panose="02040503050406030204" pitchFamily="18" charset="0"/>
+                                </a:rPr>
+                                <m:t>∅</m:t>
+                              </m:r>
+                            </m:oMath>
+                          </a14:m>
+                          <a:r>
+                            <a:rPr lang="en-US" dirty="0" smtClean="0">
+                              <a:solidFill>
+                                <a:schemeClr val="tx1"/>
+                              </a:solidFill>
+                            </a:rPr>
+                            <a:t>.</a:t>
+                          </a:r>
+                          <a:endParaRPr lang="en-US" dirty="0" smtClean="0">
+                            <a:solidFill>
+                              <a:schemeClr val="tx1"/>
+                            </a:solidFill>
+                          </a:endParaRPr>
+                        </a:p>
+                      </a:txBody>
+                      <a:tcPr anchor="ctr"/>
+                    </a:tc>
+                    <a:tc>
+                      <a:txBody>
+                        <a:bodyPr/>
+                        <a:lstStyle/>
+                        <a:p>
+                          <a:pPr marL="0" marR="0" lvl="0" indent="0" algn="ctr" defTabSz="914400" rtl="0" eaLnBrk="1" fontAlgn="auto" latinLnBrk="0" hangingPunct="1">
+                            <a:lnSpc>
+                              <a:spcPct val="100000"/>
+                            </a:lnSpc>
+                            <a:spcBef>
+                              <a:spcPts val="0"/>
+                            </a:spcBef>
+                            <a:spcAft>
+                              <a:spcPts val="0"/>
+                            </a:spcAft>
+                            <a:buClrTx/>
+                            <a:buSzTx/>
+                            <a:buFontTx/>
+                            <a:buNone/>
+                            <a:tabLst/>
+                            <a:defRPr/>
+                          </a:pPr>
+                          <a:endParaRPr lang="en-US" dirty="0" smtClean="0">
+                            <a:solidFill>
+                              <a:schemeClr val="tx1"/>
+                            </a:solidFill>
+                          </a:endParaRPr>
+                        </a:p>
+                      </a:txBody>
+                      <a:tcPr anchor="ctr"/>
+                    </a:tc>
+                  </a:tr>
+                  <a:tr h="370840">
+                    <a:tc>
+                      <a:txBody>
+                        <a:bodyPr/>
+                        <a:lstStyle/>
+                        <a:p>
+                          <a:pPr marL="0" marR="0" lvl="0" indent="0" algn="ctr" defTabSz="914400" rtl="0" eaLnBrk="1" fontAlgn="auto" latinLnBrk="0" hangingPunct="1">
+                            <a:lnSpc>
+                              <a:spcPct val="100000"/>
+                            </a:lnSpc>
+                            <a:spcBef>
+                              <a:spcPts val="0"/>
+                            </a:spcBef>
+                            <a:spcAft>
+                              <a:spcPts val="0"/>
+                            </a:spcAft>
+                            <a:buClrTx/>
+                            <a:buSzTx/>
+                            <a:buFontTx/>
+                            <a:buNone/>
+                            <a:tabLst/>
+                            <a:defRPr/>
+                          </a:pPr>
+                          <a:r>
+                            <a:rPr lang="en-US" dirty="0" smtClean="0">
+                              <a:solidFill>
+                                <a:schemeClr val="tx1"/>
+                              </a:solidFill>
+                            </a:rPr>
+                            <a:t>Consistent</a:t>
+                          </a:r>
+                          <a:r>
+                            <a:rPr lang="en-US" baseline="0" dirty="0" smtClean="0">
+                              <a:solidFill>
+                                <a:schemeClr val="tx1"/>
+                              </a:solidFill>
+                            </a:rPr>
+                            <a:t> State</a:t>
+                          </a:r>
+                          <a:endParaRPr lang="en-US" dirty="0">
+                            <a:solidFill>
+                              <a:schemeClr val="tx1"/>
+                            </a:solidFill>
+                          </a:endParaRPr>
+                        </a:p>
+                      </a:txBody>
+                      <a:tcPr anchor="ctr"/>
+                    </a:tc>
+                    <a:tc>
+                      <a:txBody>
+                        <a:bodyPr/>
+                        <a:lstStyle/>
+                        <a:p>
+                          <a:pPr marL="0" marR="0" lvl="0" indent="0" algn="ctr" defTabSz="914400" rtl="0" eaLnBrk="1" fontAlgn="auto" latinLnBrk="0" hangingPunct="1">
+                            <a:lnSpc>
+                              <a:spcPct val="100000"/>
+                            </a:lnSpc>
+                            <a:spcBef>
+                              <a:spcPts val="0"/>
+                            </a:spcBef>
+                            <a:spcAft>
+                              <a:spcPts val="0"/>
+                            </a:spcAft>
+                            <a:buClrTx/>
+                            <a:buSzTx/>
+                            <a:buFontTx/>
+                            <a:buNone/>
+                            <a:tabLst/>
+                            <a:defRPr/>
+                          </a:pPr>
+                          <a14:m>
+                            <m:oMath xmlns:m="http://schemas.openxmlformats.org/officeDocument/2006/math">
+                              <m:r>
+                                <a:rPr lang="en-US" sz="1800" b="0" i="1" kern="1200" smtClean="0">
+                                  <a:solidFill>
+                                    <a:schemeClr val="tx1"/>
+                                  </a:solidFill>
+                                  <a:latin typeface="Cambria Math" panose="02040503050406030204" pitchFamily="18" charset="0"/>
+                                  <a:ea typeface="+mn-ea"/>
+                                  <a:cs typeface="+mn-cs"/>
+                                </a:rPr>
+                                <m:t>𝜌</m:t>
+                              </m:r>
+                              <m:r>
+                                <a:rPr lang="en-US" b="0" i="1" smtClean="0">
+                                  <a:solidFill>
+                                    <a:schemeClr val="tx1"/>
+                                  </a:solidFill>
+                                  <a:latin typeface="Cambria Math" panose="02040503050406030204" pitchFamily="18" charset="0"/>
+                                </a:rPr>
+                                <m:t>∈</m:t>
+                              </m:r>
+                              <m:r>
+                                <m:rPr>
+                                  <m:nor/>
+                                </m:rPr>
+                                <a:rPr lang="en-US" b="0" i="0" smtClean="0">
+                                  <a:solidFill>
+                                    <a:schemeClr val="tx1"/>
+                                  </a:solidFill>
+                                  <a:latin typeface="Cambria Math" panose="02040503050406030204" pitchFamily="18" charset="0"/>
+                                </a:rPr>
+                                <m:t>C</m:t>
+                              </m:r>
+                              <m:d>
+                                <m:dPr>
+                                  <m:ctrlPr>
+                                    <a:rPr lang="en-US" b="0" i="1" smtClean="0">
+                                      <a:solidFill>
+                                        <a:schemeClr val="tx1"/>
+                                      </a:solidFill>
+                                      <a:latin typeface="Cambria Math" panose="02040503050406030204" pitchFamily="18" charset="0"/>
+                                    </a:rPr>
+                                  </m:ctrlPr>
+                                </m:dPr>
+                                <m:e>
+                                  <m:bar>
+                                    <m:barPr>
+                                      <m:pos m:val="top"/>
+                                      <m:ctrlPr>
+                                        <a:rPr lang="en-US" i="1">
+                                          <a:solidFill>
+                                            <a:schemeClr val="tx1"/>
+                                          </a:solidFill>
+                                          <a:latin typeface="Cambria Math" panose="02040503050406030204" pitchFamily="18" charset="0"/>
+                                        </a:rPr>
+                                      </m:ctrlPr>
+                                    </m:barPr>
+                                    <m:e>
+                                      <m:r>
+                                        <a:rPr lang="en-US" i="1">
+                                          <a:solidFill>
+                                            <a:schemeClr val="tx1"/>
+                                          </a:solidFill>
+                                          <a:latin typeface="Cambria Math" panose="02040503050406030204" pitchFamily="18" charset="0"/>
+                                        </a:rPr>
+                                        <m:t>𝜇</m:t>
+                                      </m:r>
+                                    </m:e>
+                                  </m:bar>
+                                  <m:r>
+                                    <a:rPr lang="en-US" b="0" i="1" smtClean="0">
+                                      <a:solidFill>
+                                        <a:schemeClr val="tx1"/>
+                                      </a:solidFill>
+                                      <a:latin typeface="Cambria Math" panose="02040503050406030204" pitchFamily="18" charset="0"/>
+                                    </a:rPr>
+                                    <m:t>,</m:t>
+                                  </m:r>
+                                  <m:sSup>
+                                    <m:sSupPr>
+                                      <m:ctrlPr>
+                                        <a:rPr lang="en-US" b="0" i="1" smtClean="0">
+                                          <a:solidFill>
+                                            <a:srgbClr val="FF0000"/>
+                                          </a:solidFill>
+                                          <a:latin typeface="Cambria Math" panose="02040503050406030204" pitchFamily="18" charset="0"/>
+                                          <a:ea typeface="Cambria Math" panose="02040503050406030204" pitchFamily="18" charset="0"/>
+                                        </a:rPr>
+                                      </m:ctrlPr>
+                                    </m:sSupPr>
+                                    <m:e>
+                                      <m:r>
+                                        <a:rPr lang="en-US" i="1">
+                                          <a:solidFill>
+                                            <a:srgbClr val="FF0000"/>
+                                          </a:solidFill>
+                                          <a:latin typeface="Cambria Math" panose="02040503050406030204" pitchFamily="18" charset="0"/>
+                                          <a:ea typeface="Cambria Math" panose="02040503050406030204" pitchFamily="18" charset="0"/>
+                                        </a:rPr>
+                                        <m:t>ℰ</m:t>
+                                      </m:r>
+                                    </m:e>
+                                    <m:sup>
+                                      <m:r>
+                                        <a:rPr lang="en-US" b="0" i="1" smtClean="0">
+                                          <a:solidFill>
+                                            <a:srgbClr val="FF0000"/>
+                                          </a:solidFill>
+                                          <a:latin typeface="Cambria Math" panose="02040503050406030204" pitchFamily="18" charset="0"/>
+                                          <a:ea typeface="Cambria Math" panose="02040503050406030204" pitchFamily="18" charset="0"/>
+                                        </a:rPr>
+                                        <m:t>′</m:t>
+                                      </m:r>
+                                    </m:sup>
+                                  </m:sSup>
+                                </m:e>
+                              </m:d>
+                            </m:oMath>
+                          </a14:m>
+                          <a:r>
+                            <a:rPr lang="en-US" dirty="0" smtClean="0">
+                              <a:solidFill>
+                                <a:schemeClr val="tx1"/>
+                              </a:solidFill>
+                            </a:rPr>
+                            <a:t> if and only if</a:t>
+                          </a:r>
+                          <a:br>
+                            <a:rPr lang="en-US" dirty="0" smtClean="0">
+                              <a:solidFill>
+                                <a:schemeClr val="tx1"/>
+                              </a:solidFill>
+                            </a:rPr>
+                          </a:br>
+                          <a14:m>
+                            <m:oMathPara xmlns:m="http://schemas.openxmlformats.org/officeDocument/2006/math">
+                              <m:oMathParaPr>
+                                <m:jc m:val="centerGroup"/>
+                              </m:oMathParaPr>
+                              <m:oMath xmlns:m="http://schemas.openxmlformats.org/officeDocument/2006/math">
+                                <m:r>
+                                  <a:rPr lang="en-US" b="0" i="1" smtClean="0">
+                                    <a:solidFill>
+                                      <a:schemeClr val="tx1"/>
+                                    </a:solidFill>
+                                    <a:latin typeface="Cambria Math" panose="02040503050406030204" pitchFamily="18" charset="0"/>
+                                  </a:rPr>
+                                  <m:t>∀</m:t>
+                                </m:r>
+                                <m:r>
+                                  <a:rPr lang="en-US" b="0" i="1" smtClean="0">
+                                    <a:solidFill>
+                                      <a:schemeClr val="tx1"/>
+                                    </a:solidFill>
+                                    <a:latin typeface="Cambria Math" panose="02040503050406030204" pitchFamily="18" charset="0"/>
+                                  </a:rPr>
+                                  <m:t>𝑃</m:t>
+                                </m:r>
+                                <m:r>
+                                  <a:rPr lang="en-US" b="0" i="1" smtClean="0">
+                                    <a:solidFill>
+                                      <a:schemeClr val="tx1"/>
+                                    </a:solidFill>
+                                    <a:latin typeface="Cambria Math" panose="02040503050406030204" pitchFamily="18" charset="0"/>
+                                  </a:rPr>
+                                  <m:t>∈</m:t>
+                                </m:r>
+                                <m:sSup>
+                                  <m:sSupPr>
+                                    <m:ctrlPr>
+                                      <a:rPr lang="en-US" b="0" i="1" smtClean="0">
+                                        <a:solidFill>
+                                          <a:srgbClr val="FF0000"/>
+                                        </a:solidFill>
+                                        <a:latin typeface="Cambria Math" panose="02040503050406030204" pitchFamily="18" charset="0"/>
+                                        <a:ea typeface="Cambria Math" panose="02040503050406030204" pitchFamily="18" charset="0"/>
+                                      </a:rPr>
+                                    </m:ctrlPr>
+                                  </m:sSupPr>
+                                  <m:e>
+                                    <m:r>
+                                      <a:rPr lang="en-US" i="1">
+                                        <a:solidFill>
+                                          <a:srgbClr val="FF0000"/>
+                                        </a:solidFill>
+                                        <a:latin typeface="Cambria Math" panose="02040503050406030204" pitchFamily="18" charset="0"/>
+                                        <a:ea typeface="Cambria Math" panose="02040503050406030204" pitchFamily="18" charset="0"/>
+                                      </a:rPr>
+                                      <m:t>ℰ</m:t>
+                                    </m:r>
+                                  </m:e>
+                                  <m:sup>
+                                    <m:r>
+                                      <a:rPr lang="en-US" b="0" i="1" smtClean="0">
+                                        <a:solidFill>
+                                          <a:srgbClr val="FF0000"/>
+                                        </a:solidFill>
+                                        <a:latin typeface="Cambria Math" panose="02040503050406030204" pitchFamily="18" charset="0"/>
+                                        <a:ea typeface="Cambria Math" panose="02040503050406030204" pitchFamily="18" charset="0"/>
+                                      </a:rPr>
+                                      <m:t>′</m:t>
+                                    </m:r>
+                                  </m:sup>
+                                </m:sSup>
+                                <m:r>
+                                  <a:rPr lang="en-US" b="0" i="0" smtClean="0">
+                                    <a:solidFill>
+                                      <a:schemeClr val="tx1"/>
+                                    </a:solidFill>
+                                    <a:latin typeface="Cambria Math" panose="02040503050406030204" pitchFamily="18" charset="0"/>
+                                  </a:rPr>
+                                  <m:t>.</m:t>
+                                </m:r>
+                                <m:sSubSup>
+                                  <m:sSubSupPr>
+                                    <m:ctrlPr>
+                                      <a:rPr lang="en-US" sz="1800" b="0" i="1" smtClean="0">
+                                        <a:solidFill>
+                                          <a:schemeClr val="accent2"/>
+                                        </a:solidFill>
+                                        <a:latin typeface="Cambria Math" panose="02040503050406030204" pitchFamily="18" charset="0"/>
+                                      </a:rPr>
+                                    </m:ctrlPr>
+                                  </m:sSubSupPr>
+                                  <m:e>
+                                    <m:r>
+                                      <a:rPr lang="en-US" sz="1800" i="1">
+                                        <a:solidFill>
+                                          <a:schemeClr val="accent2"/>
+                                        </a:solidFill>
+                                        <a:latin typeface="Cambria Math" panose="02040503050406030204" pitchFamily="18" charset="0"/>
+                                      </a:rPr>
+                                      <m:t>𝜇</m:t>
+                                    </m:r>
+                                  </m:e>
+                                  <m:sub>
+                                    <m:r>
+                                      <a:rPr lang="en-US" sz="1800" b="0" i="1" smtClean="0">
+                                        <a:solidFill>
+                                          <a:schemeClr val="accent2"/>
+                                        </a:solidFill>
+                                        <a:latin typeface="Cambria Math" panose="02040503050406030204" pitchFamily="18" charset="0"/>
+                                      </a:rPr>
+                                      <m:t>𝜌</m:t>
+                                    </m:r>
+                                  </m:sub>
+                                  <m:sup>
+                                    <m:r>
+                                      <m:rPr>
+                                        <m:nor/>
+                                      </m:rPr>
+                                      <a:rPr lang="en-US" sz="1800" b="0" i="0" smtClean="0">
+                                        <a:solidFill>
+                                          <a:schemeClr val="accent2"/>
+                                        </a:solidFill>
+                                        <a:latin typeface="Cambria Math" panose="02040503050406030204" pitchFamily="18" charset="0"/>
+                                      </a:rPr>
+                                      <m:t>B</m:t>
+                                    </m:r>
+                                  </m:sup>
+                                </m:sSubSup>
+                                <m:d>
+                                  <m:dPr>
+                                    <m:ctrlPr>
+                                      <a:rPr lang="en-US" b="0" i="1" smtClean="0">
+                                        <a:solidFill>
+                                          <a:schemeClr val="accent2"/>
+                                        </a:solidFill>
+                                        <a:latin typeface="Cambria Math" panose="02040503050406030204" pitchFamily="18" charset="0"/>
+                                      </a:rPr>
+                                    </m:ctrlPr>
+                                  </m:dPr>
+                                  <m:e>
+                                    <m:r>
+                                      <a:rPr lang="en-US" b="0" i="1" smtClean="0">
+                                        <a:solidFill>
+                                          <a:schemeClr val="accent2"/>
+                                        </a:solidFill>
+                                        <a:latin typeface="Cambria Math" panose="02040503050406030204" pitchFamily="18" charset="0"/>
+                                      </a:rPr>
+                                      <m:t>𝑃</m:t>
+                                    </m:r>
+                                  </m:e>
+                                </m:d>
+                                <m:r>
+                                  <a:rPr lang="en-US" b="0" i="1" smtClean="0">
+                                    <a:solidFill>
+                                      <a:schemeClr val="accent2"/>
+                                    </a:solidFill>
+                                    <a:latin typeface="Cambria Math" panose="02040503050406030204" pitchFamily="18" charset="0"/>
+                                  </a:rPr>
+                                  <m:t>∈</m:t>
+                                </m:r>
+                                <m:bar>
+                                  <m:barPr>
+                                    <m:pos m:val="top"/>
+                                    <m:ctrlPr>
+                                      <a:rPr lang="en-US" i="1">
+                                        <a:solidFill>
+                                          <a:schemeClr val="tx1"/>
+                                        </a:solidFill>
+                                        <a:latin typeface="Cambria Math" panose="02040503050406030204" pitchFamily="18" charset="0"/>
+                                      </a:rPr>
+                                    </m:ctrlPr>
+                                  </m:barPr>
+                                  <m:e>
+                                    <m:r>
+                                      <a:rPr lang="en-US" i="1">
+                                        <a:solidFill>
+                                          <a:schemeClr val="tx1"/>
+                                        </a:solidFill>
+                                        <a:latin typeface="Cambria Math" panose="02040503050406030204" pitchFamily="18" charset="0"/>
+                                      </a:rPr>
+                                      <m:t>𝜇</m:t>
+                                    </m:r>
+                                  </m:e>
+                                </m:bar>
+                                <m:d>
+                                  <m:dPr>
+                                    <m:ctrlPr>
+                                      <a:rPr lang="en-US" i="1">
+                                        <a:solidFill>
+                                          <a:schemeClr val="tx1"/>
+                                        </a:solidFill>
+                                        <a:latin typeface="Cambria Math" panose="02040503050406030204" pitchFamily="18" charset="0"/>
+                                      </a:rPr>
+                                    </m:ctrlPr>
+                                  </m:dPr>
+                                  <m:e>
+                                    <m:r>
+                                      <a:rPr lang="en-US" b="0" i="1" smtClean="0">
+                                        <a:solidFill>
+                                          <a:schemeClr val="tx1"/>
+                                        </a:solidFill>
+                                        <a:latin typeface="Cambria Math" panose="02040503050406030204" pitchFamily="18" charset="0"/>
+                                      </a:rPr>
+                                      <m:t>𝑃</m:t>
+                                    </m:r>
+                                  </m:e>
+                                </m:d>
+                              </m:oMath>
+                            </m:oMathPara>
+                          </a14:m>
+                          <a:endParaRPr lang="en-US" dirty="0" smtClean="0">
+                            <a:solidFill>
+                              <a:schemeClr val="tx1"/>
+                            </a:solidFill>
+                          </a:endParaRPr>
+                        </a:p>
+                      </a:txBody>
+                      <a:tcPr anchor="ctr"/>
+                    </a:tc>
+                    <a:tc>
+                      <a:txBody>
+                        <a:bodyPr/>
+                        <a:lstStyle/>
+                        <a:p>
+                          <a:pPr marL="0" marR="0" lvl="0" indent="0" algn="ctr" defTabSz="914400" rtl="0" eaLnBrk="1" fontAlgn="auto" latinLnBrk="0" hangingPunct="1">
+                            <a:lnSpc>
+                              <a:spcPct val="100000"/>
+                            </a:lnSpc>
+                            <a:spcBef>
+                              <a:spcPts val="0"/>
+                            </a:spcBef>
+                            <a:spcAft>
+                              <a:spcPts val="0"/>
+                            </a:spcAft>
+                            <a:buClrTx/>
+                            <a:buSzTx/>
+                            <a:buFontTx/>
+                            <a:buNone/>
+                            <a:tabLst/>
+                            <a:defRPr/>
+                          </a:pPr>
+                          <a14:m>
+                            <m:oMath xmlns:m="http://schemas.openxmlformats.org/officeDocument/2006/math">
+                              <m:r>
+                                <a:rPr lang="en-US" sz="1800" b="0" i="1" kern="1200" smtClean="0">
+                                  <a:solidFill>
+                                    <a:schemeClr val="tx1"/>
+                                  </a:solidFill>
+                                  <a:latin typeface="Cambria Math" panose="02040503050406030204" pitchFamily="18" charset="0"/>
+                                  <a:ea typeface="+mn-ea"/>
+                                  <a:cs typeface="+mn-cs"/>
+                                </a:rPr>
+                                <m:t>𝜌</m:t>
+                              </m:r>
+                              <m:r>
+                                <a:rPr lang="en-US" b="0" i="1" smtClean="0">
+                                  <a:solidFill>
+                                    <a:schemeClr val="tx1"/>
+                                  </a:solidFill>
+                                  <a:latin typeface="Cambria Math" panose="02040503050406030204" pitchFamily="18" charset="0"/>
+                                </a:rPr>
+                                <m:t>∈</m:t>
+                              </m:r>
+                              <m:r>
+                                <m:rPr>
+                                  <m:nor/>
+                                </m:rPr>
+                                <a:rPr lang="en-US" b="0" i="0" smtClean="0">
+                                  <a:solidFill>
+                                    <a:schemeClr val="tx1"/>
+                                  </a:solidFill>
+                                  <a:latin typeface="Cambria Math" panose="02040503050406030204" pitchFamily="18" charset="0"/>
+                                </a:rPr>
+                                <m:t>C</m:t>
+                              </m:r>
+                              <m:d>
+                                <m:dPr>
+                                  <m:ctrlPr>
+                                    <a:rPr lang="en-US" b="0" i="1" smtClean="0">
+                                      <a:solidFill>
+                                        <a:schemeClr val="tx1"/>
+                                      </a:solidFill>
+                                      <a:latin typeface="Cambria Math" panose="02040503050406030204" pitchFamily="18" charset="0"/>
+                                    </a:rPr>
+                                  </m:ctrlPr>
+                                </m:dPr>
+                                <m:e>
+                                  <m:bar>
+                                    <m:barPr>
+                                      <m:pos m:val="top"/>
+                                      <m:ctrlPr>
+                                        <a:rPr lang="en-US" i="1">
+                                          <a:solidFill>
+                                            <a:schemeClr val="tx1"/>
+                                          </a:solidFill>
+                                          <a:latin typeface="Cambria Math" panose="02040503050406030204" pitchFamily="18" charset="0"/>
+                                        </a:rPr>
+                                      </m:ctrlPr>
+                                    </m:barPr>
+                                    <m:e>
+                                      <m:r>
+                                        <a:rPr lang="en-US" i="1">
+                                          <a:solidFill>
+                                            <a:schemeClr val="tx1"/>
+                                          </a:solidFill>
+                                          <a:latin typeface="Cambria Math" panose="02040503050406030204" pitchFamily="18" charset="0"/>
+                                        </a:rPr>
+                                        <m:t>𝜇</m:t>
+                                      </m:r>
+                                    </m:e>
+                                  </m:bar>
+                                  <m:r>
+                                    <a:rPr lang="en-US" b="0" i="1" smtClean="0">
+                                      <a:solidFill>
+                                        <a:schemeClr val="tx1"/>
+                                      </a:solidFill>
+                                      <a:latin typeface="Cambria Math" panose="02040503050406030204" pitchFamily="18" charset="0"/>
+                                    </a:rPr>
+                                    <m:t>,</m:t>
+                                  </m:r>
+                                  <m:r>
+                                    <a:rPr lang="en-US" i="1" smtClean="0">
+                                      <a:solidFill>
+                                        <a:srgbClr val="FF0000"/>
+                                      </a:solidFill>
+                                      <a:latin typeface="Cambria Math" panose="02040503050406030204" pitchFamily="18" charset="0"/>
+                                      <a:ea typeface="Cambria Math" panose="02040503050406030204" pitchFamily="18" charset="0"/>
+                                    </a:rPr>
+                                    <m:t>ℰ</m:t>
+                                  </m:r>
+                                </m:e>
+                              </m:d>
+                            </m:oMath>
+                          </a14:m>
+                          <a:r>
+                            <a:rPr lang="en-US" dirty="0" smtClean="0">
+                              <a:solidFill>
+                                <a:schemeClr val="tx1"/>
+                              </a:solidFill>
+                            </a:rPr>
+                            <a:t> if and only if</a:t>
+                          </a:r>
+                          <a:br>
+                            <a:rPr lang="en-US" dirty="0" smtClean="0">
+                              <a:solidFill>
+                                <a:schemeClr val="tx1"/>
+                              </a:solidFill>
+                            </a:rPr>
+                          </a:br>
+                          <a14:m>
+                            <m:oMathPara xmlns:m="http://schemas.openxmlformats.org/officeDocument/2006/math">
+                              <m:oMathParaPr>
+                                <m:jc m:val="centerGroup"/>
+                              </m:oMathParaPr>
+                              <m:oMath xmlns:m="http://schemas.openxmlformats.org/officeDocument/2006/math">
+                                <m:r>
+                                  <a:rPr lang="en-US" b="0" i="1" smtClean="0">
+                                    <a:solidFill>
+                                      <a:schemeClr val="tx1"/>
+                                    </a:solidFill>
+                                    <a:latin typeface="Cambria Math" panose="02040503050406030204" pitchFamily="18" charset="0"/>
+                                  </a:rPr>
+                                  <m:t>∀</m:t>
+                                </m:r>
+                                <m:r>
+                                  <a:rPr lang="en-US" b="0" i="1" smtClean="0">
+                                    <a:solidFill>
+                                      <a:schemeClr val="tx1"/>
+                                    </a:solidFill>
+                                    <a:latin typeface="Cambria Math" panose="02040503050406030204" pitchFamily="18" charset="0"/>
+                                  </a:rPr>
+                                  <m:t>𝑃</m:t>
+                                </m:r>
+                                <m:r>
+                                  <a:rPr lang="en-US" b="0" i="1" smtClean="0">
+                                    <a:solidFill>
+                                      <a:schemeClr val="tx1"/>
+                                    </a:solidFill>
+                                    <a:latin typeface="Cambria Math" panose="02040503050406030204" pitchFamily="18" charset="0"/>
+                                  </a:rPr>
+                                  <m:t>∈</m:t>
+                                </m:r>
+                                <m:r>
+                                  <a:rPr lang="en-US" i="1" smtClean="0">
+                                    <a:solidFill>
+                                      <a:srgbClr val="FF0000"/>
+                                    </a:solidFill>
+                                    <a:latin typeface="Cambria Math" panose="02040503050406030204" pitchFamily="18" charset="0"/>
+                                    <a:ea typeface="Cambria Math" panose="02040503050406030204" pitchFamily="18" charset="0"/>
+                                  </a:rPr>
+                                  <m:t>ℰ</m:t>
+                                </m:r>
+                                <m:r>
+                                  <a:rPr lang="en-US" b="0" i="0" smtClean="0">
+                                    <a:solidFill>
+                                      <a:schemeClr val="tx1"/>
+                                    </a:solidFill>
+                                    <a:latin typeface="Cambria Math" panose="02040503050406030204" pitchFamily="18" charset="0"/>
+                                  </a:rPr>
+                                  <m:t>.</m:t>
+                                </m:r>
+                                <m:sSubSup>
+                                  <m:sSubSupPr>
+                                    <m:ctrlPr>
+                                      <a:rPr lang="en-US" sz="1800" b="0" i="1" smtClean="0">
+                                        <a:solidFill>
+                                          <a:schemeClr val="accent2"/>
+                                        </a:solidFill>
+                                        <a:latin typeface="Cambria Math" panose="02040503050406030204" pitchFamily="18" charset="0"/>
+                                      </a:rPr>
+                                    </m:ctrlPr>
+                                  </m:sSubSupPr>
+                                  <m:e>
+                                    <m:r>
+                                      <a:rPr lang="en-US" sz="1800" i="1">
+                                        <a:solidFill>
+                                          <a:schemeClr val="accent2"/>
+                                        </a:solidFill>
+                                        <a:latin typeface="Cambria Math" panose="02040503050406030204" pitchFamily="18" charset="0"/>
+                                      </a:rPr>
+                                      <m:t>𝜇</m:t>
+                                    </m:r>
+                                  </m:e>
+                                  <m:sub>
+                                    <m:r>
+                                      <a:rPr lang="en-US" sz="1800" b="0" i="1" smtClean="0">
+                                        <a:solidFill>
+                                          <a:schemeClr val="accent2"/>
+                                        </a:solidFill>
+                                        <a:latin typeface="Cambria Math" panose="02040503050406030204" pitchFamily="18" charset="0"/>
+                                      </a:rPr>
+                                      <m:t>𝜌</m:t>
+                                    </m:r>
+                                  </m:sub>
+                                  <m:sup>
+                                    <m:r>
+                                      <m:rPr>
+                                        <m:nor/>
+                                      </m:rPr>
+                                      <a:rPr lang="en-US" sz="1800" b="0" i="0" smtClean="0">
+                                        <a:solidFill>
+                                          <a:schemeClr val="accent2"/>
+                                        </a:solidFill>
+                                        <a:latin typeface="Cambria Math" panose="02040503050406030204" pitchFamily="18" charset="0"/>
+                                      </a:rPr>
+                                      <m:t>B</m:t>
+                                    </m:r>
+                                  </m:sup>
+                                </m:sSubSup>
+                                <m:d>
+                                  <m:dPr>
+                                    <m:ctrlPr>
+                                      <a:rPr lang="en-US" b="0" i="1" smtClean="0">
+                                        <a:solidFill>
+                                          <a:schemeClr val="accent2"/>
+                                        </a:solidFill>
+                                        <a:latin typeface="Cambria Math" panose="02040503050406030204" pitchFamily="18" charset="0"/>
+                                      </a:rPr>
+                                    </m:ctrlPr>
+                                  </m:dPr>
+                                  <m:e>
+                                    <m:r>
+                                      <a:rPr lang="en-US" b="0" i="1" smtClean="0">
+                                        <a:solidFill>
+                                          <a:schemeClr val="accent2"/>
+                                        </a:solidFill>
+                                        <a:latin typeface="Cambria Math" panose="02040503050406030204" pitchFamily="18" charset="0"/>
+                                      </a:rPr>
+                                      <m:t>𝑃</m:t>
+                                    </m:r>
+                                  </m:e>
+                                </m:d>
+                                <m:r>
+                                  <a:rPr lang="en-US" b="0" i="1" smtClean="0">
+                                    <a:solidFill>
+                                      <a:schemeClr val="accent2"/>
+                                    </a:solidFill>
+                                    <a:latin typeface="Cambria Math" panose="02040503050406030204" pitchFamily="18" charset="0"/>
+                                  </a:rPr>
+                                  <m:t>∈</m:t>
+                                </m:r>
+                                <m:bar>
+                                  <m:barPr>
+                                    <m:pos m:val="top"/>
+                                    <m:ctrlPr>
+                                      <a:rPr lang="en-US" i="1">
+                                        <a:solidFill>
+                                          <a:schemeClr val="tx1"/>
+                                        </a:solidFill>
+                                        <a:latin typeface="Cambria Math" panose="02040503050406030204" pitchFamily="18" charset="0"/>
+                                      </a:rPr>
+                                    </m:ctrlPr>
+                                  </m:barPr>
+                                  <m:e>
+                                    <m:r>
+                                      <a:rPr lang="en-US" i="1">
+                                        <a:solidFill>
+                                          <a:schemeClr val="tx1"/>
+                                        </a:solidFill>
+                                        <a:latin typeface="Cambria Math" panose="02040503050406030204" pitchFamily="18" charset="0"/>
+                                      </a:rPr>
+                                      <m:t>𝜇</m:t>
+                                    </m:r>
+                                  </m:e>
+                                </m:bar>
+                                <m:d>
+                                  <m:dPr>
+                                    <m:ctrlPr>
+                                      <a:rPr lang="en-US" i="1">
+                                        <a:solidFill>
+                                          <a:schemeClr val="tx1"/>
+                                        </a:solidFill>
+                                        <a:latin typeface="Cambria Math" panose="02040503050406030204" pitchFamily="18" charset="0"/>
+                                      </a:rPr>
+                                    </m:ctrlPr>
+                                  </m:dPr>
+                                  <m:e>
+                                    <m:r>
+                                      <a:rPr lang="en-US" b="0" i="1" smtClean="0">
+                                        <a:solidFill>
+                                          <a:schemeClr val="tx1"/>
+                                        </a:solidFill>
+                                        <a:latin typeface="Cambria Math" panose="02040503050406030204" pitchFamily="18" charset="0"/>
+                                      </a:rPr>
+                                      <m:t>𝑃</m:t>
+                                    </m:r>
+                                  </m:e>
+                                </m:d>
+                              </m:oMath>
+                            </m:oMathPara>
+                          </a14:m>
+                          <a:endParaRPr lang="en-US" dirty="0" smtClean="0">
+                            <a:solidFill>
+                              <a:schemeClr val="tx1"/>
+                            </a:solidFill>
+                          </a:endParaRPr>
+                        </a:p>
+                      </a:txBody>
+                      <a:tcPr anchor="ctr"/>
+                    </a:tc>
+                  </a:tr>
+                  <a:tr h="370840">
+                    <a:tc>
+                      <a:txBody>
+                        <a:bodyPr/>
+                        <a:lstStyle/>
+                        <a:p>
+                          <a:pPr marL="0" marR="0" lvl="0" indent="0" algn="ctr" defTabSz="914400" rtl="0" eaLnBrk="1" fontAlgn="auto" latinLnBrk="0" hangingPunct="1">
+                            <a:lnSpc>
+                              <a:spcPct val="100000"/>
+                            </a:lnSpc>
+                            <a:spcBef>
+                              <a:spcPts val="0"/>
+                            </a:spcBef>
+                            <a:spcAft>
+                              <a:spcPts val="0"/>
+                            </a:spcAft>
+                            <a:buClrTx/>
+                            <a:buSzTx/>
+                            <a:buFontTx/>
+                            <a:buNone/>
+                            <a:tabLst/>
+                            <a:defRPr/>
+                          </a:pPr>
+                          <a:r>
+                            <a:rPr lang="en-US" dirty="0" smtClean="0">
+                              <a:solidFill>
+                                <a:schemeClr val="tx1"/>
+                              </a:solidFill>
+                            </a:rPr>
+                            <a:t>Theorem</a:t>
+                          </a:r>
+                          <a:r>
+                            <a:rPr lang="en-US" baseline="0" dirty="0" smtClean="0">
+                              <a:solidFill>
+                                <a:schemeClr val="tx1"/>
+                              </a:solidFill>
+                            </a:rPr>
+                            <a:t> for </a:t>
+                          </a:r>
+                          <a:r>
+                            <a:rPr lang="en-US" dirty="0" smtClean="0">
+                              <a:solidFill>
+                                <a:schemeClr val="tx1"/>
+                              </a:solidFill>
+                            </a:rPr>
+                            <a:t>Consistent</a:t>
+                          </a:r>
+                          <a:r>
+                            <a:rPr lang="en-US" baseline="0" dirty="0" smtClean="0">
+                              <a:solidFill>
+                                <a:schemeClr val="tx1"/>
+                              </a:solidFill>
+                            </a:rPr>
+                            <a:t> State</a:t>
+                          </a:r>
+                          <a:endParaRPr lang="en-US" dirty="0" smtClean="0">
+                            <a:solidFill>
+                              <a:schemeClr val="tx1"/>
+                            </a:solidFill>
+                          </a:endParaRPr>
+                        </a:p>
+                      </a:txBody>
+                      <a:tcPr anchor="ctr"/>
+                    </a:tc>
+                    <a:tc>
+                      <a:txBody>
+                        <a:bodyPr/>
+                        <a:lstStyle/>
+                        <a:p>
+                          <a:pPr marL="0" marR="0" lvl="0" indent="0" algn="ctr" defTabSz="914400" rtl="0" eaLnBrk="1" fontAlgn="auto" latinLnBrk="0" hangingPunct="1">
+                            <a:lnSpc>
+                              <a:spcPct val="100000"/>
+                            </a:lnSpc>
+                            <a:spcBef>
+                              <a:spcPts val="0"/>
+                            </a:spcBef>
+                            <a:spcAft>
+                              <a:spcPts val="0"/>
+                            </a:spcAft>
+                            <a:buClrTx/>
+                            <a:buSzTx/>
+                            <a:buFontTx/>
+                            <a:buNone/>
+                            <a:tabLst/>
+                            <a:defRPr/>
+                          </a:pPr>
+                          <a:r>
+                            <a:rPr lang="en-US" dirty="0" smtClean="0">
+                              <a:solidFill>
+                                <a:schemeClr val="tx1"/>
+                              </a:solidFill>
+                            </a:rPr>
+                            <a:t>If </a:t>
+                          </a:r>
+                          <a14:m>
+                            <m:oMath xmlns:m="http://schemas.openxmlformats.org/officeDocument/2006/math">
+                              <m:bar>
+                                <m:barPr>
+                                  <m:pos m:val="top"/>
+                                  <m:ctrlPr>
+                                    <a:rPr lang="en-US" b="0" i="1" smtClean="0">
+                                      <a:latin typeface="Cambria Math" panose="02040503050406030204" pitchFamily="18" charset="0"/>
+                                    </a:rPr>
+                                  </m:ctrlPr>
+                                </m:barPr>
+                                <m:e>
+                                  <m:r>
+                                    <a:rPr lang="en-US" b="0" i="1" smtClean="0">
+                                      <a:latin typeface="Cambria Math" panose="02040503050406030204" pitchFamily="18" charset="0"/>
+                                    </a:rPr>
+                                    <m:t>𝜇</m:t>
+                                  </m:r>
+                                </m:e>
+                              </m:bar>
+                            </m:oMath>
+                          </a14:m>
+                          <a:r>
+                            <a:rPr lang="en-US" dirty="0" smtClean="0">
+                              <a:solidFill>
+                                <a:schemeClr val="tx1"/>
+                              </a:solidFill>
+                            </a:rPr>
+                            <a:t> is </a:t>
+                          </a:r>
+                          <a:r>
+                            <a:rPr lang="en-US" dirty="0" smtClean="0">
+                              <a:solidFill>
+                                <a:schemeClr val="accent2"/>
+                              </a:solidFill>
+                            </a:rPr>
+                            <a:t>convex</a:t>
+                          </a:r>
+                          <a:r>
+                            <a:rPr lang="en-US" dirty="0" smtClean="0">
+                              <a:solidFill>
+                                <a:schemeClr val="tx1"/>
+                              </a:solidFill>
+                            </a:rPr>
+                            <a:t>, then</a:t>
+                          </a:r>
+                          <a:r>
+                            <a:rPr lang="en-US" dirty="0" smtClean="0">
+                              <a:solidFill>
+                                <a:schemeClr val="tx1"/>
+                              </a:solidFill>
+                            </a:rPr>
+                            <a:t> </a:t>
+                          </a:r>
+                          <a14:m>
+                            <m:oMath xmlns:m="http://schemas.openxmlformats.org/officeDocument/2006/math">
+                              <m:r>
+                                <m:rPr>
+                                  <m:nor/>
+                                </m:rPr>
+                                <a:rPr lang="en-US" b="0" i="0" smtClean="0">
+                                  <a:solidFill>
+                                    <a:schemeClr val="tx1"/>
+                                  </a:solidFill>
+                                  <a:latin typeface="Cambria Math" panose="02040503050406030204" pitchFamily="18" charset="0"/>
+                                </a:rPr>
+                                <m:t>C</m:t>
+                              </m:r>
+                              <m:d>
+                                <m:dPr>
+                                  <m:ctrlPr>
+                                    <a:rPr lang="en-US" b="0" i="1" smtClean="0">
+                                      <a:solidFill>
+                                        <a:schemeClr val="tx1"/>
+                                      </a:solidFill>
+                                      <a:latin typeface="Cambria Math" panose="02040503050406030204" pitchFamily="18" charset="0"/>
+                                    </a:rPr>
+                                  </m:ctrlPr>
+                                </m:dPr>
+                                <m:e>
+                                  <m:bar>
+                                    <m:barPr>
+                                      <m:pos m:val="top"/>
+                                      <m:ctrlPr>
+                                        <a:rPr lang="en-US" i="1">
+                                          <a:solidFill>
+                                            <a:schemeClr val="tx1"/>
+                                          </a:solidFill>
+                                          <a:latin typeface="Cambria Math" panose="02040503050406030204" pitchFamily="18" charset="0"/>
+                                        </a:rPr>
+                                      </m:ctrlPr>
+                                    </m:barPr>
+                                    <m:e>
+                                      <m:r>
+                                        <a:rPr lang="en-US" i="1">
+                                          <a:solidFill>
+                                            <a:schemeClr val="tx1"/>
+                                          </a:solidFill>
+                                          <a:latin typeface="Cambria Math" panose="02040503050406030204" pitchFamily="18" charset="0"/>
+                                        </a:rPr>
+                                        <m:t>𝜇</m:t>
+                                      </m:r>
+                                    </m:e>
+                                  </m:bar>
+                                  <m:r>
+                                    <a:rPr lang="en-US" b="0" i="1" smtClean="0">
+                                      <a:solidFill>
+                                        <a:schemeClr val="tx1"/>
+                                      </a:solidFill>
+                                      <a:latin typeface="Cambria Math" panose="02040503050406030204" pitchFamily="18" charset="0"/>
+                                    </a:rPr>
+                                    <m:t>,</m:t>
+                                  </m:r>
+                                  <m:sSup>
+                                    <m:sSupPr>
+                                      <m:ctrlPr>
+                                        <a:rPr lang="en-US" b="0" i="1" smtClean="0">
+                                          <a:solidFill>
+                                            <a:srgbClr val="FF0000"/>
+                                          </a:solidFill>
+                                          <a:latin typeface="Cambria Math" panose="02040503050406030204" pitchFamily="18" charset="0"/>
+                                          <a:ea typeface="Cambria Math" panose="02040503050406030204" pitchFamily="18" charset="0"/>
+                                        </a:rPr>
+                                      </m:ctrlPr>
+                                    </m:sSupPr>
+                                    <m:e>
+                                      <m:r>
+                                        <a:rPr lang="en-US" i="1">
+                                          <a:solidFill>
+                                            <a:srgbClr val="FF0000"/>
+                                          </a:solidFill>
+                                          <a:latin typeface="Cambria Math" panose="02040503050406030204" pitchFamily="18" charset="0"/>
+                                          <a:ea typeface="Cambria Math" panose="02040503050406030204" pitchFamily="18" charset="0"/>
+                                        </a:rPr>
+                                        <m:t>ℰ</m:t>
+                                      </m:r>
+                                    </m:e>
+                                    <m:sup>
+                                      <m:r>
+                                        <a:rPr lang="en-US" b="0" i="1" smtClean="0">
+                                          <a:solidFill>
+                                            <a:srgbClr val="FF0000"/>
+                                          </a:solidFill>
+                                          <a:latin typeface="Cambria Math" panose="02040503050406030204" pitchFamily="18" charset="0"/>
+                                          <a:ea typeface="Cambria Math" panose="02040503050406030204" pitchFamily="18" charset="0"/>
+                                        </a:rPr>
+                                        <m:t>′</m:t>
+                                      </m:r>
+                                    </m:sup>
+                                  </m:sSup>
+                                </m:e>
+                              </m:d>
+                              <m:r>
+                                <a:rPr lang="en-US" b="0" i="1" smtClean="0">
+                                  <a:solidFill>
+                                    <a:srgbClr val="FF0000"/>
+                                  </a:solidFill>
+                                  <a:latin typeface="Cambria Math" panose="02040503050406030204" pitchFamily="18" charset="0"/>
+                                </a:rPr>
+                                <m:t>≠</m:t>
+                              </m:r>
+                              <m:r>
+                                <a:rPr lang="en-US" b="0" i="1" smtClean="0">
+                                  <a:solidFill>
+                                    <a:schemeClr val="tx1"/>
+                                  </a:solidFill>
+                                  <a:latin typeface="Cambria Math" panose="02040503050406030204" pitchFamily="18" charset="0"/>
+                                </a:rPr>
+                                <m:t>∅</m:t>
+                              </m:r>
+                            </m:oMath>
+                          </a14:m>
+                          <a:r>
+                            <a:rPr lang="en-US" dirty="0" smtClean="0">
+                              <a:solidFill>
+                                <a:schemeClr val="tx1"/>
+                              </a:solidFill>
+                            </a:rPr>
+                            <a:t>.</a:t>
+                          </a:r>
+                        </a:p>
+                      </a:txBody>
+                      <a:tcPr anchor="ctr"/>
+                    </a:tc>
+                    <a:tc>
+                      <a:txBody>
+                        <a:bodyPr/>
+                        <a:lstStyle/>
+                        <a:p>
+                          <a:pPr marL="0" marR="0" lvl="0" indent="0" algn="ctr" defTabSz="914400" rtl="0" eaLnBrk="1" fontAlgn="auto" latinLnBrk="0" hangingPunct="1">
+                            <a:lnSpc>
+                              <a:spcPct val="100000"/>
+                            </a:lnSpc>
+                            <a:spcBef>
+                              <a:spcPts val="0"/>
+                            </a:spcBef>
+                            <a:spcAft>
+                              <a:spcPts val="0"/>
+                            </a:spcAft>
+                            <a:buClrTx/>
+                            <a:buSzTx/>
+                            <a:buFontTx/>
+                            <a:buNone/>
+                            <a:tabLst/>
+                            <a:defRPr/>
+                          </a:pPr>
+                          <a14:m>
+                            <m:oMath xmlns:m="http://schemas.openxmlformats.org/officeDocument/2006/math">
+                              <m:r>
+                                <a:rPr lang="en-US" b="0" i="1" smtClean="0">
+                                  <a:latin typeface="Cambria Math" panose="02040503050406030204" pitchFamily="18" charset="0"/>
+                                </a:rPr>
+                                <m:t>∃</m:t>
+                              </m:r>
+                            </m:oMath>
+                          </a14:m>
+                          <a:r>
+                            <a:rPr lang="en-US" dirty="0" smtClean="0">
+                              <a:solidFill>
+                                <a:schemeClr val="tx1"/>
+                              </a:solidFill>
+                            </a:rPr>
+                            <a:t> </a:t>
+                          </a:r>
+                          <a:r>
+                            <a:rPr lang="en-US" dirty="0" smtClean="0">
+                              <a:solidFill>
+                                <a:schemeClr val="accent2"/>
+                              </a:solidFill>
+                            </a:rPr>
+                            <a:t>convex</a:t>
+                          </a:r>
+                          <a:r>
+                            <a:rPr lang="en-US" b="0" dirty="0" smtClean="0"/>
+                            <a:t> </a:t>
+                          </a:r>
+                          <a14:m>
+                            <m:oMath xmlns:m="http://schemas.openxmlformats.org/officeDocument/2006/math">
+                              <m:bar>
+                                <m:barPr>
+                                  <m:pos m:val="top"/>
+                                  <m:ctrlPr>
+                                    <a:rPr lang="en-US" b="0" i="1" smtClean="0">
+                                      <a:latin typeface="Cambria Math" panose="02040503050406030204" pitchFamily="18" charset="0"/>
+                                    </a:rPr>
+                                  </m:ctrlPr>
+                                </m:barPr>
+                                <m:e>
+                                  <m:r>
+                                    <a:rPr lang="en-US" b="0" i="1" smtClean="0">
+                                      <a:latin typeface="Cambria Math" panose="02040503050406030204" pitchFamily="18" charset="0"/>
+                                    </a:rPr>
+                                    <m:t>𝜇</m:t>
+                                  </m:r>
+                                </m:e>
+                              </m:bar>
+                            </m:oMath>
+                          </a14:m>
+                          <a:r>
+                            <a:rPr lang="en-US" dirty="0" smtClean="0">
+                              <a:solidFill>
+                                <a:schemeClr val="tx1"/>
+                              </a:solidFill>
+                            </a:rPr>
+                            <a:t>, </a:t>
+                          </a:r>
+                          <a14:m>
+                            <m:oMath xmlns:m="http://schemas.openxmlformats.org/officeDocument/2006/math">
+                              <m:r>
+                                <m:rPr>
+                                  <m:nor/>
+                                </m:rPr>
+                                <a:rPr lang="en-US" b="0" i="0" smtClean="0">
+                                  <a:solidFill>
+                                    <a:schemeClr val="tx1"/>
+                                  </a:solidFill>
+                                  <a:latin typeface="Cambria Math" panose="02040503050406030204" pitchFamily="18" charset="0"/>
+                                </a:rPr>
+                                <m:t>C</m:t>
+                              </m:r>
+                              <m:d>
+                                <m:dPr>
+                                  <m:ctrlPr>
+                                    <a:rPr lang="en-US" b="0" i="1" smtClean="0">
+                                      <a:solidFill>
+                                        <a:schemeClr val="tx1"/>
+                                      </a:solidFill>
+                                      <a:latin typeface="Cambria Math" panose="02040503050406030204" pitchFamily="18" charset="0"/>
+                                    </a:rPr>
+                                  </m:ctrlPr>
+                                </m:dPr>
+                                <m:e>
+                                  <m:bar>
+                                    <m:barPr>
+                                      <m:pos m:val="top"/>
+                                      <m:ctrlPr>
+                                        <a:rPr lang="en-US" i="1">
+                                          <a:solidFill>
+                                            <a:schemeClr val="tx1"/>
+                                          </a:solidFill>
+                                          <a:latin typeface="Cambria Math" panose="02040503050406030204" pitchFamily="18" charset="0"/>
+                                        </a:rPr>
+                                      </m:ctrlPr>
+                                    </m:barPr>
+                                    <m:e>
+                                      <m:r>
+                                        <a:rPr lang="en-US" i="1">
+                                          <a:solidFill>
+                                            <a:schemeClr val="tx1"/>
+                                          </a:solidFill>
+                                          <a:latin typeface="Cambria Math" panose="02040503050406030204" pitchFamily="18" charset="0"/>
+                                        </a:rPr>
+                                        <m:t>𝜇</m:t>
+                                      </m:r>
+                                    </m:e>
+                                  </m:bar>
+                                  <m:r>
+                                    <a:rPr lang="en-US" b="0" i="1" smtClean="0">
+                                      <a:solidFill>
+                                        <a:schemeClr val="tx1"/>
+                                      </a:solidFill>
+                                      <a:latin typeface="Cambria Math" panose="02040503050406030204" pitchFamily="18" charset="0"/>
+                                    </a:rPr>
+                                    <m:t>,</m:t>
+                                  </m:r>
+                                  <m:r>
+                                    <a:rPr lang="en-US" i="1" smtClean="0">
+                                      <a:solidFill>
+                                        <a:srgbClr val="FF0000"/>
+                                      </a:solidFill>
+                                      <a:latin typeface="Cambria Math" panose="02040503050406030204" pitchFamily="18" charset="0"/>
+                                      <a:ea typeface="Cambria Math" panose="02040503050406030204" pitchFamily="18" charset="0"/>
+                                    </a:rPr>
+                                    <m:t>ℰ</m:t>
+                                  </m:r>
+                                </m:e>
+                              </m:d>
+                              <m:r>
+                                <a:rPr lang="en-US" b="0" i="1" smtClean="0">
+                                  <a:solidFill>
+                                    <a:srgbClr val="FF0000"/>
+                                  </a:solidFill>
+                                  <a:latin typeface="Cambria Math" panose="02040503050406030204" pitchFamily="18" charset="0"/>
+                                </a:rPr>
+                                <m:t>=</m:t>
+                              </m:r>
+                              <m:r>
+                                <a:rPr lang="en-US" b="0" i="1" smtClean="0">
+                                  <a:solidFill>
+                                    <a:schemeClr val="tx1"/>
+                                  </a:solidFill>
+                                  <a:latin typeface="Cambria Math" panose="02040503050406030204" pitchFamily="18" charset="0"/>
+                                </a:rPr>
+                                <m:t>∅</m:t>
+                              </m:r>
+                            </m:oMath>
+                          </a14:m>
+                          <a:r>
+                            <a:rPr lang="en-US" dirty="0" smtClean="0">
+                              <a:solidFill>
+                                <a:schemeClr val="tx1"/>
+                              </a:solidFill>
+                            </a:rPr>
+                            <a:t>.</a:t>
+                          </a:r>
+                          <a:endParaRPr lang="en-US" dirty="0" smtClean="0">
+                            <a:solidFill>
+                              <a:schemeClr val="tx1"/>
+                            </a:solidFill>
+                          </a:endParaRPr>
+                        </a:p>
+                      </a:txBody>
+                      <a:tcPr anchor="ctr"/>
+                    </a:tc>
+                  </a:tr>
+                </a:tbl>
+              </a:graphicData>
+            </a:graphic>
+          </p:graphicFrame>
+        </mc:Choice>
+        <mc:Fallback>
+          <p:graphicFrame>
+            <p:nvGraphicFramePr>
+              <p:cNvPr id="4" name="Content Placeholder 3"/>
+              <p:cNvGraphicFramePr>
+                <a:graphicFrameLocks noGrp="1"/>
+              </p:cNvGraphicFramePr>
+              <p:nvPr>
+                <p:ph idx="1"/>
+                <p:extLst>
+                  <p:ext uri="{D42A27DB-BD31-4B8C-83A1-F6EECF244321}">
+                    <p14:modId xmlns:p14="http://schemas.microsoft.com/office/powerpoint/2010/main" val="2343153197"/>
+                  </p:ext>
+                </p:extLst>
+              </p:nvPr>
+            </p:nvGraphicFramePr>
+            <p:xfrm>
+              <a:off x="838200" y="1825625"/>
+              <a:ext cx="10515600" cy="4394708"/>
+            </p:xfrm>
+            <a:graphic>
+              <a:graphicData uri="http://schemas.openxmlformats.org/drawingml/2006/table">
+                <a:tbl>
+                  <a:tblPr firstRow="1" bandRow="1">
+                    <a:tableStyleId>{5C22544A-7EE6-4342-B048-85BDC9FD1C3A}</a:tableStyleId>
+                  </a:tblPr>
+                  <a:tblGrid>
+                    <a:gridCol w="3505200"/>
+                    <a:gridCol w="3505200"/>
+                    <a:gridCol w="3505200"/>
+                  </a:tblGrid>
+                  <a:tr h="370840">
+                    <a:tc>
+                      <a:txBody>
+                        <a:bodyPr/>
+                        <a:lstStyle/>
+                        <a:p>
+                          <a:pPr algn="ctr"/>
+                          <a:endParaRPr lang="en-US" dirty="0"/>
+                        </a:p>
+                      </a:txBody>
+                      <a:tcPr anchor="ctr"/>
+                    </a:tc>
+                    <a:tc>
+                      <a:txBody>
+                        <a:bodyPr/>
+                        <a:lstStyle/>
+                        <a:p>
+                          <a:pPr algn="ctr"/>
+                          <a:r>
+                            <a:rPr lang="en-US" dirty="0" smtClean="0"/>
+                            <a:t>“Classical”</a:t>
+                          </a:r>
+                          <a:endParaRPr lang="en-US" dirty="0"/>
+                        </a:p>
+                      </a:txBody>
+                      <a:tcPr anchor="ctr"/>
+                    </a:tc>
+                    <a:tc>
+                      <a:txBody>
+                        <a:bodyPr/>
+                        <a:lstStyle/>
+                        <a:p>
+                          <a:pPr algn="ctr"/>
+                          <a:r>
+                            <a:rPr lang="en-US" dirty="0" smtClean="0"/>
+                            <a:t>Quantum</a:t>
+                          </a:r>
+                          <a:endParaRPr lang="en-US" dirty="0"/>
+                        </a:p>
+                      </a:txBody>
+                      <a:tcPr anchor="ctr"/>
+                    </a:tc>
+                  </a:tr>
+                  <a:tr h="914400">
+                    <a:tc>
+                      <a:txBody>
+                        <a:bodyPr/>
+                        <a:lstStyle/>
+                        <a:p>
+                          <a:endParaRPr lang="en-US"/>
+                        </a:p>
+                      </a:txBody>
+                      <a:tcPr anchor="ctr">
+                        <a:blipFill rotWithShape="0">
+                          <a:blip r:embed="rId3"/>
+                          <a:stretch>
+                            <a:fillRect l="-174" t="-44000" r="-200870" b="-350667"/>
+                          </a:stretch>
+                        </a:blipFill>
+                      </a:tcPr>
+                    </a:tc>
+                    <a:tc>
+                      <a:txBody>
+                        <a:bodyPr/>
+                        <a:lstStyle/>
+                        <a:p>
+                          <a:endParaRPr lang="en-US"/>
+                        </a:p>
+                      </a:txBody>
+                      <a:tcPr anchor="ctr">
+                        <a:blipFill rotWithShape="0">
+                          <a:blip r:embed="rId3"/>
+                          <a:stretch>
+                            <a:fillRect l="-100000" t="-44000" r="-100521" b="-350667"/>
+                          </a:stretch>
+                        </a:blipFill>
+                      </a:tcPr>
+                    </a:tc>
+                    <a:tc>
+                      <a:txBody>
+                        <a:bodyPr/>
+                        <a:lstStyle/>
+                        <a:p>
+                          <a:endParaRPr lang="en-US"/>
+                        </a:p>
+                      </a:txBody>
+                      <a:tcPr anchor="ctr">
+                        <a:blipFill rotWithShape="0">
+                          <a:blip r:embed="rId3"/>
+                          <a:stretch>
+                            <a:fillRect l="-200348" t="-44000" r="-696" b="-350667"/>
+                          </a:stretch>
+                        </a:blipFill>
+                      </a:tcPr>
+                    </a:tc>
+                  </a:tr>
+                  <a:tr h="370840">
+                    <a:tc>
+                      <a:txBody>
+                        <a:bodyPr/>
+                        <a:lstStyle/>
+                        <a:p>
+                          <a:endParaRPr lang="en-US"/>
+                        </a:p>
+                      </a:txBody>
+                      <a:tcPr anchor="ctr">
+                        <a:blipFill rotWithShape="0">
+                          <a:blip r:embed="rId3"/>
+                          <a:stretch>
+                            <a:fillRect l="-174" t="-354098" r="-200870" b="-762295"/>
+                          </a:stretch>
+                        </a:blipFill>
+                      </a:tcPr>
+                    </a:tc>
+                    <a:tc>
+                      <a:txBody>
+                        <a:bodyPr/>
+                        <a:lstStyle/>
+                        <a:p>
+                          <a:endParaRPr lang="en-US"/>
+                        </a:p>
+                      </a:txBody>
+                      <a:tcPr anchor="ctr">
+                        <a:blipFill rotWithShape="0">
+                          <a:blip r:embed="rId3"/>
+                          <a:stretch>
+                            <a:fillRect l="-100000" t="-354098" r="-100521" b="-762295"/>
+                          </a:stretch>
+                        </a:blipFill>
+                      </a:tcPr>
+                    </a:tc>
+                    <a:tc>
+                      <a:txBody>
+                        <a:bodyPr/>
+                        <a:lstStyle/>
+                        <a:p>
+                          <a:endParaRPr lang="en-US"/>
+                        </a:p>
+                      </a:txBody>
+                      <a:tcPr anchor="ctr">
+                        <a:blipFill rotWithShape="0">
+                          <a:blip r:embed="rId3"/>
+                          <a:stretch>
+                            <a:fillRect l="-200348" t="-354098" r="-696" b="-762295"/>
+                          </a:stretch>
+                        </a:blipFill>
+                      </a:tcPr>
+                    </a:tc>
+                  </a:tr>
+                  <a:tr h="640080">
+                    <a:tc>
+                      <a:txBody>
+                        <a:bodyPr/>
+                        <a:lstStyle/>
+                        <a:p>
+                          <a:pPr marL="0" marR="0" lvl="0" indent="0" algn="ctr" defTabSz="914400" rtl="0" eaLnBrk="1" fontAlgn="auto" latinLnBrk="0" hangingPunct="1">
+                            <a:lnSpc>
+                              <a:spcPct val="100000"/>
+                            </a:lnSpc>
+                            <a:spcBef>
+                              <a:spcPts val="0"/>
+                            </a:spcBef>
+                            <a:spcAft>
+                              <a:spcPts val="0"/>
+                            </a:spcAft>
+                            <a:buClrTx/>
+                            <a:buSzTx/>
+                            <a:buFontTx/>
+                            <a:buNone/>
+                            <a:tabLst/>
+                            <a:defRPr/>
+                          </a:pPr>
+                          <a:r>
+                            <a:rPr lang="en-US" dirty="0" smtClean="0">
+                              <a:solidFill>
+                                <a:schemeClr val="accent2"/>
+                              </a:solidFill>
+                            </a:rPr>
+                            <a:t>Convexity</a:t>
+                          </a:r>
+                        </a:p>
+                      </a:txBody>
+                      <a:tcPr anchor="ctr"/>
+                    </a:tc>
+                    <a:tc gridSpan="2">
+                      <a:txBody>
+                        <a:bodyPr/>
+                        <a:lstStyle/>
+                        <a:p>
+                          <a:endParaRPr lang="en-US"/>
+                        </a:p>
+                      </a:txBody>
+                      <a:tcPr anchor="ctr">
+                        <a:blipFill rotWithShape="0">
+                          <a:blip r:embed="rId3"/>
+                          <a:stretch>
+                            <a:fillRect l="-50043" t="-263810" r="-348" b="-342857"/>
+                          </a:stretch>
+                        </a:blipFill>
+                      </a:tcPr>
+                    </a:tc>
+                    <a:tc hMerge="1">
+                      <a:txBody>
+                        <a:bodyPr/>
+                        <a:lstStyle/>
+                        <a:p>
+                          <a:pPr marL="0" marR="0" lvl="0" indent="0" algn="ctr" defTabSz="914400" rtl="0" eaLnBrk="1" fontAlgn="auto" latinLnBrk="0" hangingPunct="1">
+                            <a:lnSpc>
+                              <a:spcPct val="100000"/>
+                            </a:lnSpc>
+                            <a:spcBef>
+                              <a:spcPts val="0"/>
+                            </a:spcBef>
+                            <a:spcAft>
+                              <a:spcPts val="0"/>
+                            </a:spcAft>
+                            <a:buClrTx/>
+                            <a:buSzTx/>
+                            <a:buFontTx/>
+                            <a:buNone/>
+                            <a:tabLst/>
+                            <a:defRPr/>
+                          </a:pPr>
+                          <a:endParaRPr lang="en-US" dirty="0" smtClean="0">
+                            <a:solidFill>
+                              <a:schemeClr val="tx1"/>
+                            </a:solidFill>
+                          </a:endParaRPr>
+                        </a:p>
+                      </a:txBody>
+                      <a:tcPr anchor="ctr"/>
+                    </a:tc>
+                  </a:tr>
+                  <a:tr h="640080">
+                    <a:tc>
+                      <a:txBody>
+                        <a:bodyPr/>
+                        <a:lstStyle/>
+                        <a:p>
+                          <a:pPr marL="0" marR="0" lvl="0" indent="0" algn="ctr" defTabSz="914400" rtl="0" eaLnBrk="1" fontAlgn="auto" latinLnBrk="0" hangingPunct="1">
+                            <a:lnSpc>
+                              <a:spcPct val="100000"/>
+                            </a:lnSpc>
+                            <a:spcBef>
+                              <a:spcPts val="0"/>
+                            </a:spcBef>
+                            <a:spcAft>
+                              <a:spcPts val="0"/>
+                            </a:spcAft>
+                            <a:buClrTx/>
+                            <a:buSzTx/>
+                            <a:buFontTx/>
+                            <a:buNone/>
+                            <a:tabLst/>
+                            <a:defRPr/>
+                          </a:pPr>
+                          <a:r>
+                            <a:rPr lang="en-US" dirty="0" smtClean="0">
+                              <a:solidFill>
+                                <a:schemeClr val="accent2"/>
+                              </a:solidFill>
+                            </a:rPr>
+                            <a:t>Core</a:t>
+                          </a:r>
+                          <a:endParaRPr lang="en-US" dirty="0">
+                            <a:solidFill>
+                              <a:schemeClr val="accent2"/>
+                            </a:solidFill>
+                          </a:endParaRPr>
+                        </a:p>
+                      </a:txBody>
+                      <a:tcPr anchor="ctr"/>
+                    </a:tc>
+                    <a:tc>
+                      <a:txBody>
+                        <a:bodyPr/>
+                        <a:lstStyle/>
+                        <a:p>
+                          <a:endParaRPr lang="en-US"/>
+                        </a:p>
+                      </a:txBody>
+                      <a:tcPr anchor="ctr">
+                        <a:blipFill rotWithShape="0">
+                          <a:blip r:embed="rId3"/>
+                          <a:stretch>
+                            <a:fillRect l="-100000" t="-363810" r="-100521" b="-242857"/>
+                          </a:stretch>
+                        </a:blipFill>
+                      </a:tcPr>
+                    </a:tc>
+                    <a:tc>
+                      <a:txBody>
+                        <a:bodyPr/>
+                        <a:lstStyle/>
+                        <a:p>
+                          <a:pPr marL="0" marR="0" lvl="0" indent="0" algn="ctr" defTabSz="914400" rtl="0" eaLnBrk="1" fontAlgn="auto" latinLnBrk="0" hangingPunct="1">
+                            <a:lnSpc>
+                              <a:spcPct val="100000"/>
+                            </a:lnSpc>
+                            <a:spcBef>
+                              <a:spcPts val="0"/>
+                            </a:spcBef>
+                            <a:spcAft>
+                              <a:spcPts val="0"/>
+                            </a:spcAft>
+                            <a:buClrTx/>
+                            <a:buSzTx/>
+                            <a:buFontTx/>
+                            <a:buNone/>
+                            <a:tabLst/>
+                            <a:defRPr/>
+                          </a:pPr>
+                          <a:endParaRPr lang="en-US" dirty="0" smtClean="0">
+                            <a:solidFill>
+                              <a:schemeClr val="tx1"/>
+                            </a:solidFill>
+                          </a:endParaRPr>
+                        </a:p>
+                      </a:txBody>
+                      <a:tcPr anchor="ctr"/>
+                    </a:tc>
+                  </a:tr>
+                  <a:tr h="370840">
+                    <a:tc>
+                      <a:txBody>
+                        <a:bodyPr/>
+                        <a:lstStyle/>
+                        <a:p>
+                          <a:pPr marL="0" marR="0" lvl="0" indent="0" algn="ctr" defTabSz="914400" rtl="0" eaLnBrk="1" fontAlgn="auto" latinLnBrk="0" hangingPunct="1">
+                            <a:lnSpc>
+                              <a:spcPct val="100000"/>
+                            </a:lnSpc>
+                            <a:spcBef>
+                              <a:spcPts val="0"/>
+                            </a:spcBef>
+                            <a:spcAft>
+                              <a:spcPts val="0"/>
+                            </a:spcAft>
+                            <a:buClrTx/>
+                            <a:buSzTx/>
+                            <a:buFontTx/>
+                            <a:buNone/>
+                            <a:tabLst/>
+                            <a:defRPr/>
+                          </a:pPr>
+                          <a:r>
+                            <a:rPr lang="en-US" dirty="0" smtClean="0">
+                              <a:solidFill>
+                                <a:schemeClr val="accent2"/>
+                              </a:solidFill>
+                            </a:rPr>
+                            <a:t>Theorem</a:t>
+                          </a:r>
+                          <a:r>
+                            <a:rPr lang="en-US" baseline="0" dirty="0" smtClean="0">
+                              <a:solidFill>
+                                <a:schemeClr val="accent2"/>
+                              </a:solidFill>
+                            </a:rPr>
+                            <a:t> (Shapley)</a:t>
+                          </a:r>
+                          <a:endParaRPr lang="en-US" dirty="0">
+                            <a:solidFill>
+                              <a:schemeClr val="accent2"/>
+                            </a:solidFill>
+                          </a:endParaRPr>
+                        </a:p>
+                      </a:txBody>
+                      <a:tcPr anchor="ctr"/>
+                    </a:tc>
+                    <a:tc>
+                      <a:txBody>
+                        <a:bodyPr/>
+                        <a:lstStyle/>
+                        <a:p>
+                          <a:endParaRPr lang="en-US"/>
+                        </a:p>
+                      </a:txBody>
+                      <a:tcPr anchor="ctr">
+                        <a:blipFill rotWithShape="0">
+                          <a:blip r:embed="rId3"/>
+                          <a:stretch>
+                            <a:fillRect l="-100000" t="-798361" r="-100521" b="-318033"/>
+                          </a:stretch>
+                        </a:blipFill>
+                      </a:tcPr>
+                    </a:tc>
+                    <a:tc>
+                      <a:txBody>
+                        <a:bodyPr/>
+                        <a:lstStyle/>
+                        <a:p>
+                          <a:pPr marL="0" marR="0" lvl="0" indent="0" algn="ctr" defTabSz="914400" rtl="0" eaLnBrk="1" fontAlgn="auto" latinLnBrk="0" hangingPunct="1">
+                            <a:lnSpc>
+                              <a:spcPct val="100000"/>
+                            </a:lnSpc>
+                            <a:spcBef>
+                              <a:spcPts val="0"/>
+                            </a:spcBef>
+                            <a:spcAft>
+                              <a:spcPts val="0"/>
+                            </a:spcAft>
+                            <a:buClrTx/>
+                            <a:buSzTx/>
+                            <a:buFontTx/>
+                            <a:buNone/>
+                            <a:tabLst/>
+                            <a:defRPr/>
+                          </a:pPr>
+                          <a:endParaRPr lang="en-US" dirty="0" smtClean="0">
+                            <a:solidFill>
+                              <a:schemeClr val="tx1"/>
+                            </a:solidFill>
+                          </a:endParaRPr>
+                        </a:p>
+                      </a:txBody>
+                      <a:tcPr anchor="ctr"/>
+                    </a:tc>
+                  </a:tr>
+                  <a:tr h="716788">
+                    <a:tc>
+                      <a:txBody>
+                        <a:bodyPr/>
+                        <a:lstStyle/>
+                        <a:p>
+                          <a:pPr marL="0" marR="0" lvl="0" indent="0" algn="ctr" defTabSz="914400" rtl="0" eaLnBrk="1" fontAlgn="auto" latinLnBrk="0" hangingPunct="1">
+                            <a:lnSpc>
+                              <a:spcPct val="100000"/>
+                            </a:lnSpc>
+                            <a:spcBef>
+                              <a:spcPts val="0"/>
+                            </a:spcBef>
+                            <a:spcAft>
+                              <a:spcPts val="0"/>
+                            </a:spcAft>
+                            <a:buClrTx/>
+                            <a:buSzTx/>
+                            <a:buFontTx/>
+                            <a:buNone/>
+                            <a:tabLst/>
+                            <a:defRPr/>
+                          </a:pPr>
+                          <a:r>
+                            <a:rPr lang="en-US" dirty="0" smtClean="0">
+                              <a:solidFill>
+                                <a:schemeClr val="tx1"/>
+                              </a:solidFill>
+                            </a:rPr>
+                            <a:t>Consistent</a:t>
+                          </a:r>
+                          <a:r>
+                            <a:rPr lang="en-US" baseline="0" dirty="0" smtClean="0">
+                              <a:solidFill>
+                                <a:schemeClr val="tx1"/>
+                              </a:solidFill>
+                            </a:rPr>
+                            <a:t> State</a:t>
+                          </a:r>
+                          <a:endParaRPr lang="en-US" dirty="0">
+                            <a:solidFill>
+                              <a:schemeClr val="tx1"/>
+                            </a:solidFill>
+                          </a:endParaRPr>
+                        </a:p>
+                      </a:txBody>
+                      <a:tcPr anchor="ctr"/>
+                    </a:tc>
+                    <a:tc>
+                      <a:txBody>
+                        <a:bodyPr/>
+                        <a:lstStyle/>
+                        <a:p>
+                          <a:endParaRPr lang="en-US"/>
+                        </a:p>
+                      </a:txBody>
+                      <a:tcPr anchor="ctr">
+                        <a:blipFill rotWithShape="0">
+                          <a:blip r:embed="rId3"/>
+                          <a:stretch>
+                            <a:fillRect l="-100000" t="-464407" r="-100521" b="-64407"/>
+                          </a:stretch>
+                        </a:blipFill>
+                      </a:tcPr>
+                    </a:tc>
+                    <a:tc>
+                      <a:txBody>
+                        <a:bodyPr/>
+                        <a:lstStyle/>
+                        <a:p>
+                          <a:endParaRPr lang="en-US"/>
+                        </a:p>
+                      </a:txBody>
+                      <a:tcPr anchor="ctr">
+                        <a:blipFill rotWithShape="0">
+                          <a:blip r:embed="rId3"/>
+                          <a:stretch>
+                            <a:fillRect l="-200348" t="-464407" r="-696" b="-64407"/>
+                          </a:stretch>
+                        </a:blipFill>
+                      </a:tcPr>
+                    </a:tc>
+                  </a:tr>
+                  <a:tr h="370840">
+                    <a:tc>
+                      <a:txBody>
+                        <a:bodyPr/>
+                        <a:lstStyle/>
+                        <a:p>
+                          <a:pPr marL="0" marR="0" lvl="0" indent="0" algn="ctr" defTabSz="914400" rtl="0" eaLnBrk="1" fontAlgn="auto" latinLnBrk="0" hangingPunct="1">
+                            <a:lnSpc>
+                              <a:spcPct val="100000"/>
+                            </a:lnSpc>
+                            <a:spcBef>
+                              <a:spcPts val="0"/>
+                            </a:spcBef>
+                            <a:spcAft>
+                              <a:spcPts val="0"/>
+                            </a:spcAft>
+                            <a:buClrTx/>
+                            <a:buSzTx/>
+                            <a:buFontTx/>
+                            <a:buNone/>
+                            <a:tabLst/>
+                            <a:defRPr/>
+                          </a:pPr>
+                          <a:r>
+                            <a:rPr lang="en-US" dirty="0" smtClean="0">
+                              <a:solidFill>
+                                <a:schemeClr val="tx1"/>
+                              </a:solidFill>
+                            </a:rPr>
+                            <a:t>Theorem</a:t>
+                          </a:r>
+                          <a:r>
+                            <a:rPr lang="en-US" baseline="0" dirty="0" smtClean="0">
+                              <a:solidFill>
+                                <a:schemeClr val="tx1"/>
+                              </a:solidFill>
+                            </a:rPr>
+                            <a:t> for </a:t>
+                          </a:r>
+                          <a:r>
+                            <a:rPr lang="en-US" dirty="0" smtClean="0">
+                              <a:solidFill>
+                                <a:schemeClr val="tx1"/>
+                              </a:solidFill>
+                            </a:rPr>
+                            <a:t>Consistent</a:t>
+                          </a:r>
+                          <a:r>
+                            <a:rPr lang="en-US" baseline="0" dirty="0" smtClean="0">
+                              <a:solidFill>
+                                <a:schemeClr val="tx1"/>
+                              </a:solidFill>
+                            </a:rPr>
+                            <a:t> State</a:t>
+                          </a:r>
+                          <a:endParaRPr lang="en-US" dirty="0" smtClean="0">
+                            <a:solidFill>
+                              <a:schemeClr val="tx1"/>
+                            </a:solidFill>
+                          </a:endParaRPr>
+                        </a:p>
+                      </a:txBody>
+                      <a:tcPr anchor="ctr"/>
+                    </a:tc>
+                    <a:tc>
+                      <a:txBody>
+                        <a:bodyPr/>
+                        <a:lstStyle/>
+                        <a:p>
+                          <a:endParaRPr lang="en-US"/>
+                        </a:p>
+                      </a:txBody>
+                      <a:tcPr anchor="ctr">
+                        <a:blipFill rotWithShape="0">
+                          <a:blip r:embed="rId3"/>
+                          <a:stretch>
+                            <a:fillRect l="-100000" t="-1091803" r="-100521" b="-24590"/>
+                          </a:stretch>
+                        </a:blipFill>
+                      </a:tcPr>
+                    </a:tc>
+                    <a:tc>
+                      <a:txBody>
+                        <a:bodyPr/>
+                        <a:lstStyle/>
+                        <a:p>
+                          <a:endParaRPr lang="en-US"/>
+                        </a:p>
+                      </a:txBody>
+                      <a:tcPr anchor="ctr">
+                        <a:blipFill rotWithShape="0">
+                          <a:blip r:embed="rId3"/>
+                          <a:stretch>
+                            <a:fillRect l="-200348" t="-1091803" r="-696" b="-24590"/>
+                          </a:stretch>
+                        </a:blipFill>
+                      </a:tcPr>
+                    </a:tc>
+                  </a:tr>
+                </a:tbl>
+              </a:graphicData>
+            </a:graphic>
+          </p:graphicFrame>
+        </mc:Fallback>
+      </mc:AlternateContent>
     </p:spTree>
     <p:extLst>
       <p:ext uri="{BB962C8B-B14F-4D97-AF65-F5344CB8AC3E}">
-        <p14:creationId xmlns:p14="http://schemas.microsoft.com/office/powerpoint/2010/main" val="134585658"/>
+        <p14:creationId xmlns:p14="http://schemas.microsoft.com/office/powerpoint/2010/main" val="969316638"/>
       </p:ext>
     </p:extLst>
   </p:cSld>
@@ -14192,749 +18404,20 @@
           <a:lstStyle/>
           <a:p>
             <a:r>
-              <a:rPr lang="en-US"/>
-              <a:t>Expectation Value</a:t>
+              <a:rPr lang="en-US" dirty="0" smtClean="0"/>
+              <a:t>A </a:t>
             </a:r>
-            <a:endParaRPr lang="en-US" dirty="0"/>
-          </a:p>
-        </p:txBody>
-      </p:sp>
-      <p:sp>
-        <p:nvSpPr>
-          <p:cNvPr id="3" name="Text Placeholder 2"/>
-          <p:cNvSpPr>
-            <a:spLocks noGrp="1"/>
-          </p:cNvSpPr>
-          <p:nvPr>
-            <p:ph type="body" idx="1"/>
-          </p:nvPr>
-        </p:nvSpPr>
-        <p:spPr/>
-        <p:txBody>
-          <a:bodyPr/>
-          <a:lstStyle/>
-          <a:p>
-            <a:r>
-              <a:rPr lang="en-US" dirty="0">
-                <a:solidFill>
-                  <a:srgbClr val="FF0000"/>
-                </a:solidFill>
-              </a:rPr>
-              <a:t>Classical</a:t>
-            </a:r>
-            <a:r>
-              <a:rPr lang="en-US" dirty="0"/>
-              <a:t> Interval-Valued Probability Measure (</a:t>
-            </a:r>
-            <a:r>
-              <a:rPr lang="en-US" dirty="0">
-                <a:solidFill>
-                  <a:srgbClr val="FF0000"/>
-                </a:solidFill>
-              </a:rPr>
-              <a:t>C</a:t>
-            </a:r>
-            <a:r>
-              <a:rPr lang="en-US" dirty="0"/>
-              <a:t>IVPM</a:t>
-            </a:r>
-            <a:r>
-              <a:rPr lang="en-US" dirty="0" smtClean="0"/>
-              <a:t>)</a:t>
-            </a:r>
-            <a:endParaRPr lang="en-US" dirty="0"/>
-          </a:p>
-        </p:txBody>
-      </p:sp>
-      <mc:AlternateContent xmlns:mc="http://schemas.openxmlformats.org/markup-compatibility/2006" xmlns:a14="http://schemas.microsoft.com/office/drawing/2010/main">
-        <mc:Choice Requires="a14">
-          <p:sp>
-            <p:nvSpPr>
-              <p:cNvPr id="4" name="Content Placeholder 3"/>
-              <p:cNvSpPr>
-                <a:spLocks noGrp="1"/>
-              </p:cNvSpPr>
-              <p:nvPr>
-                <p:ph sz="half" idx="2"/>
-              </p:nvPr>
-            </p:nvSpPr>
-            <p:spPr/>
-            <p:txBody>
-              <a:bodyPr>
-                <a:normAutofit fontScale="85000" lnSpcReduction="10000"/>
-              </a:bodyPr>
-              <a:lstStyle/>
-              <a:p>
-                <a:pPr>
-                  <a:lnSpc>
-                    <a:spcPct val="95000"/>
-                  </a:lnSpc>
-                </a:pPr>
-                <a:r>
-                  <a:rPr lang="en-US" dirty="0" smtClean="0">
-                    <a:solidFill>
-                      <a:schemeClr val="tx1"/>
-                    </a:solidFill>
-                  </a:rPr>
-                  <a:t>For every convex CIVPM</a:t>
-                </a:r>
-                <a:r>
-                  <a:rPr lang="en-US" dirty="0">
-                    <a:solidFill>
-                      <a:schemeClr val="tx1"/>
-                    </a:solidFill>
-                  </a:rPr>
-                  <a:t> </a:t>
-                </a:r>
-                <a14:m>
-                  <m:oMath xmlns:m="http://schemas.openxmlformats.org/officeDocument/2006/math">
-                    <m:bar>
-                      <m:barPr>
-                        <m:pos m:val="top"/>
-                        <m:ctrlPr>
-                          <a:rPr lang="en-US" i="1">
-                            <a:solidFill>
-                              <a:schemeClr val="tx1"/>
-                            </a:solidFill>
-                            <a:latin typeface="Cambria Math" panose="02040503050406030204" pitchFamily="18" charset="0"/>
-                          </a:rPr>
-                        </m:ctrlPr>
-                      </m:barPr>
-                      <m:e>
-                        <m:r>
-                          <a:rPr lang="en-US" i="1">
-                            <a:solidFill>
-                              <a:schemeClr val="tx1"/>
-                            </a:solidFill>
-                            <a:latin typeface="Cambria Math" panose="02040503050406030204" pitchFamily="18" charset="0"/>
-                          </a:rPr>
-                          <m:t>𝜇</m:t>
-                        </m:r>
-                      </m:e>
-                    </m:bar>
-                    <m:r>
-                      <a:rPr lang="en-US" i="1">
-                        <a:solidFill>
-                          <a:schemeClr val="tx1"/>
-                        </a:solidFill>
-                        <a:latin typeface="Cambria Math" panose="02040503050406030204" pitchFamily="18" charset="0"/>
-                      </a:rPr>
-                      <m:t>:</m:t>
-                    </m:r>
-                    <m:r>
-                      <a:rPr lang="en-US" i="1">
-                        <a:latin typeface="Cambria Math" panose="02040503050406030204" pitchFamily="18" charset="0"/>
-                        <a:ea typeface="Cambria Math" panose="02040503050406030204" pitchFamily="18" charset="0"/>
-                      </a:rPr>
-                      <m:t>ℰ</m:t>
-                    </m:r>
-                    <m:r>
-                      <a:rPr lang="en-US">
-                        <a:solidFill>
-                          <a:schemeClr val="tx1"/>
-                        </a:solidFill>
-                        <a:latin typeface="Cambria Math" panose="02040503050406030204" pitchFamily="18" charset="0"/>
-                        <a:ea typeface="Cambria Math" panose="02040503050406030204" pitchFamily="18" charset="0"/>
-                      </a:rPr>
-                      <m:t>→</m:t>
-                    </m:r>
-                    <m:d>
-                      <m:dPr>
-                        <m:begChr m:val=""/>
-                        <m:endChr m:val=""/>
-                        <m:ctrlPr>
-                          <a:rPr lang="en-US" i="1">
-                            <a:solidFill>
-                              <a:schemeClr val="tx1"/>
-                            </a:solidFill>
-                            <a:latin typeface="Cambria Math" panose="02040503050406030204" pitchFamily="18" charset="0"/>
-                            <a:ea typeface="Cambria Math" panose="02040503050406030204" pitchFamily="18" charset="0"/>
-                            <a:cs typeface="XITS Math" panose="02000503000000000000" pitchFamily="50" charset="0"/>
-                          </a:rPr>
-                        </m:ctrlPr>
-                      </m:dPr>
-                      <m:e>
-                        <m:r>
-                          <a:rPr lang="en-US" i="1">
-                            <a:solidFill>
-                              <a:schemeClr val="tx1"/>
-                            </a:solidFill>
-                            <a:latin typeface="XITS Math" panose="02000503000000000000" pitchFamily="50" charset="0"/>
-                            <a:ea typeface="XITS Math" panose="02000503000000000000" pitchFamily="50" charset="0"/>
-                            <a:cs typeface="XITS Math" panose="02000503000000000000" pitchFamily="50" charset="0"/>
-                          </a:rPr>
-                          <m:t>ℐ</m:t>
-                        </m:r>
-                      </m:e>
-                    </m:d>
-                  </m:oMath>
-                </a14:m>
-                <a:r>
-                  <a:rPr lang="en-US" dirty="0">
-                    <a:solidFill>
-                      <a:schemeClr val="tx1"/>
-                    </a:solidFill>
-                  </a:rPr>
-                  <a:t> and any random variable </a:t>
-                </a:r>
-                <a14:m>
-                  <m:oMath xmlns:m="http://schemas.openxmlformats.org/officeDocument/2006/math">
-                    <m:r>
-                      <a:rPr lang="en-US" i="1">
-                        <a:solidFill>
-                          <a:schemeClr val="tx1"/>
-                        </a:solidFill>
-                        <a:latin typeface="Cambria Math" panose="02040503050406030204" pitchFamily="18" charset="0"/>
-                      </a:rPr>
-                      <m:t>𝑋</m:t>
-                    </m:r>
-                    <m:r>
-                      <a:rPr lang="en-US" i="1">
-                        <a:solidFill>
-                          <a:schemeClr val="tx1"/>
-                        </a:solidFill>
-                        <a:latin typeface="Cambria Math" panose="02040503050406030204" pitchFamily="18" charset="0"/>
-                      </a:rPr>
-                      <m:t>:</m:t>
-                    </m:r>
-                    <m:r>
-                      <m:rPr>
-                        <m:sty m:val="p"/>
-                      </m:rPr>
-                      <a:rPr lang="el-GR" i="1">
-                        <a:solidFill>
-                          <a:schemeClr val="tx1"/>
-                        </a:solidFill>
-                        <a:latin typeface="Cambria Math" panose="02040503050406030204" pitchFamily="18" charset="0"/>
-                        <a:ea typeface="Cambria Math" panose="02040503050406030204" pitchFamily="18" charset="0"/>
-                      </a:rPr>
-                      <m:t>Ω</m:t>
-                    </m:r>
-                    <m:r>
-                      <a:rPr lang="en-US">
-                        <a:solidFill>
-                          <a:schemeClr val="tx1"/>
-                        </a:solidFill>
-                        <a:latin typeface="Cambria Math" panose="02040503050406030204" pitchFamily="18" charset="0"/>
-                        <a:ea typeface="Cambria Math" panose="02040503050406030204" pitchFamily="18" charset="0"/>
-                      </a:rPr>
-                      <m:t>→</m:t>
-                    </m:r>
-                    <m:r>
-                      <a:rPr lang="en-US" i="1">
-                        <a:solidFill>
-                          <a:schemeClr val="tx1"/>
-                        </a:solidFill>
-                        <a:latin typeface="Cambria Math" panose="02040503050406030204" pitchFamily="18" charset="0"/>
-                        <a:ea typeface="Cambria Math" panose="02040503050406030204" pitchFamily="18" charset="0"/>
-                      </a:rPr>
-                      <m:t>ℝ</m:t>
-                    </m:r>
-                  </m:oMath>
-                </a14:m>
-                <a:r>
-                  <a:rPr lang="en-US" dirty="0">
-                    <a:solidFill>
-                      <a:schemeClr val="tx1"/>
-                    </a:solidFill>
-                  </a:rPr>
-                  <a:t>, </a:t>
-                </a:r>
-                <a:br>
-                  <a:rPr lang="en-US" dirty="0">
-                    <a:solidFill>
-                      <a:schemeClr val="tx1"/>
-                    </a:solidFill>
-                  </a:rPr>
-                </a:br>
-                <a14:m>
-                  <m:oMath xmlns:m="http://schemas.openxmlformats.org/officeDocument/2006/math">
-                    <m:nary>
-                      <m:naryPr>
-                        <m:limLoc m:val="undOvr"/>
-                        <m:subHide m:val="on"/>
-                        <m:supHide m:val="on"/>
-                        <m:ctrlPr>
-                          <a:rPr lang="en-US" i="1">
-                            <a:solidFill>
-                              <a:schemeClr val="tx1"/>
-                            </a:solidFill>
-                            <a:latin typeface="Cambria Math" panose="02040503050406030204" pitchFamily="18" charset="0"/>
-                          </a:rPr>
-                        </m:ctrlPr>
-                      </m:naryPr>
-                      <m:sub/>
-                      <m:sup/>
-                      <m:e>
-                        <m:r>
-                          <a:rPr lang="en-US" i="1">
-                            <a:solidFill>
-                              <a:schemeClr val="tx1"/>
-                            </a:solidFill>
-                            <a:latin typeface="Cambria Math" panose="02040503050406030204" pitchFamily="18" charset="0"/>
-                          </a:rPr>
-                          <m:t>𝑋</m:t>
-                        </m:r>
-                      </m:e>
-                    </m:nary>
-                    <m:r>
-                      <a:rPr lang="en-US" i="1">
-                        <a:solidFill>
-                          <a:schemeClr val="tx1"/>
-                        </a:solidFill>
-                        <a:latin typeface="Cambria Math" panose="02040503050406030204" pitchFamily="18" charset="0"/>
-                      </a:rPr>
-                      <m:t>ⅆ</m:t>
-                    </m:r>
-                    <m:bar>
-                      <m:barPr>
-                        <m:pos m:val="top"/>
-                        <m:ctrlPr>
-                          <a:rPr lang="en-US" i="1">
-                            <a:solidFill>
-                              <a:schemeClr val="tx1"/>
-                            </a:solidFill>
-                            <a:latin typeface="Cambria Math" panose="02040503050406030204" pitchFamily="18" charset="0"/>
-                          </a:rPr>
-                        </m:ctrlPr>
-                      </m:barPr>
-                      <m:e>
-                        <m:r>
-                          <a:rPr lang="en-US" i="1">
-                            <a:solidFill>
-                              <a:schemeClr val="tx1"/>
-                            </a:solidFill>
-                            <a:latin typeface="Cambria Math" panose="02040503050406030204" pitchFamily="18" charset="0"/>
-                          </a:rPr>
-                          <m:t>𝜇</m:t>
-                        </m:r>
-                      </m:e>
-                    </m:bar>
-                    <m:r>
-                      <a:rPr lang="en-US" i="1">
-                        <a:solidFill>
-                          <a:schemeClr val="tx1"/>
-                        </a:solidFill>
-                        <a:latin typeface="Cambria Math" panose="02040503050406030204" pitchFamily="18" charset="0"/>
-                      </a:rPr>
-                      <m:t>=</m:t>
-                    </m:r>
-                    <m:d>
-                      <m:dPr>
-                        <m:begChr m:val="["/>
-                        <m:endChr m:val="]"/>
-                        <m:ctrlPr>
-                          <a:rPr lang="en-US" i="1">
-                            <a:solidFill>
-                              <a:schemeClr val="tx1"/>
-                            </a:solidFill>
-                            <a:latin typeface="Cambria Math" panose="02040503050406030204" pitchFamily="18" charset="0"/>
-                          </a:rPr>
-                        </m:ctrlPr>
-                      </m:dPr>
-                      <m:e>
-                        <m:func>
-                          <m:funcPr>
-                            <m:ctrlPr>
-                              <a:rPr lang="en-US" i="1">
-                                <a:solidFill>
-                                  <a:schemeClr val="tx1"/>
-                                </a:solidFill>
-                                <a:latin typeface="Cambria Math" panose="02040503050406030204" pitchFamily="18" charset="0"/>
-                              </a:rPr>
-                            </m:ctrlPr>
-                          </m:funcPr>
-                          <m:fName>
-                            <m:limLow>
-                              <m:limLowPr>
-                                <m:ctrlPr>
-                                  <a:rPr lang="en-US" i="1">
-                                    <a:solidFill>
-                                      <a:schemeClr val="tx1"/>
-                                    </a:solidFill>
-                                    <a:latin typeface="Cambria Math" panose="02040503050406030204" pitchFamily="18" charset="0"/>
-                                  </a:rPr>
-                                </m:ctrlPr>
-                              </m:limLowPr>
-                              <m:e>
-                                <m:r>
-                                  <m:rPr>
-                                    <m:sty m:val="p"/>
-                                  </m:rPr>
-                                  <a:rPr lang="en-US">
-                                    <a:solidFill>
-                                      <a:schemeClr val="tx1"/>
-                                    </a:solidFill>
-                                    <a:latin typeface="Cambria Math" panose="02040503050406030204" pitchFamily="18" charset="0"/>
-                                  </a:rPr>
-                                  <m:t>min</m:t>
-                                </m:r>
-                              </m:e>
-                              <m:lim>
-                                <m:r>
-                                  <a:rPr lang="en-US" i="1">
-                                    <a:solidFill>
-                                      <a:schemeClr val="tx1"/>
-                                    </a:solidFill>
-                                    <a:latin typeface="Cambria Math" panose="02040503050406030204" pitchFamily="18" charset="0"/>
-                                  </a:rPr>
-                                  <m:t>𝜇</m:t>
-                                </m:r>
-                                <m:r>
-                                  <a:rPr lang="en-US" i="1">
-                                    <a:solidFill>
-                                      <a:schemeClr val="tx1"/>
-                                    </a:solidFill>
-                                    <a:latin typeface="Cambria Math" panose="02040503050406030204" pitchFamily="18" charset="0"/>
-                                  </a:rPr>
-                                  <m:t>∈</m:t>
-                                </m:r>
-                                <m:r>
-                                  <m:rPr>
-                                    <m:nor/>
-                                  </m:rPr>
-                                  <a:rPr lang="en-US">
-                                    <a:solidFill>
-                                      <a:schemeClr val="tx1"/>
-                                    </a:solidFill>
-                                    <a:latin typeface="Cambria Math" panose="02040503050406030204" pitchFamily="18" charset="0"/>
-                                  </a:rPr>
-                                  <m:t>core</m:t>
-                                </m:r>
-                                <m:d>
-                                  <m:dPr>
-                                    <m:ctrlPr>
-                                      <a:rPr lang="en-US" i="1">
-                                        <a:solidFill>
-                                          <a:schemeClr val="tx1"/>
-                                        </a:solidFill>
-                                        <a:latin typeface="Cambria Math" panose="02040503050406030204" pitchFamily="18" charset="0"/>
-                                      </a:rPr>
-                                    </m:ctrlPr>
-                                  </m:dPr>
-                                  <m:e>
-                                    <m:bar>
-                                      <m:barPr>
-                                        <m:pos m:val="top"/>
-                                        <m:ctrlPr>
-                                          <a:rPr lang="en-US" i="1">
-                                            <a:solidFill>
-                                              <a:schemeClr val="tx1"/>
-                                            </a:solidFill>
-                                            <a:latin typeface="Cambria Math" panose="02040503050406030204" pitchFamily="18" charset="0"/>
-                                          </a:rPr>
-                                        </m:ctrlPr>
-                                      </m:barPr>
-                                      <m:e>
-                                        <m:r>
-                                          <a:rPr lang="en-US" i="1">
-                                            <a:solidFill>
-                                              <a:schemeClr val="tx1"/>
-                                            </a:solidFill>
-                                            <a:latin typeface="Cambria Math" panose="02040503050406030204" pitchFamily="18" charset="0"/>
-                                          </a:rPr>
-                                          <m:t>𝜇</m:t>
-                                        </m:r>
-                                      </m:e>
-                                    </m:bar>
-                                  </m:e>
-                                </m:d>
-                              </m:lim>
-                            </m:limLow>
-                          </m:fName>
-                          <m:e>
-                            <m:nary>
-                              <m:naryPr>
-                                <m:limLoc m:val="undOvr"/>
-                                <m:subHide m:val="on"/>
-                                <m:supHide m:val="on"/>
-                                <m:ctrlPr>
-                                  <a:rPr lang="en-US" i="1">
-                                    <a:solidFill>
-                                      <a:schemeClr val="tx1"/>
-                                    </a:solidFill>
-                                    <a:latin typeface="Cambria Math" panose="02040503050406030204" pitchFamily="18" charset="0"/>
-                                  </a:rPr>
-                                </m:ctrlPr>
-                              </m:naryPr>
-                              <m:sub/>
-                              <m:sup/>
-                              <m:e>
-                                <m:r>
-                                  <a:rPr lang="en-US" i="1">
-                                    <a:solidFill>
-                                      <a:schemeClr val="tx1"/>
-                                    </a:solidFill>
-                                    <a:latin typeface="Cambria Math" panose="02040503050406030204" pitchFamily="18" charset="0"/>
-                                  </a:rPr>
-                                  <m:t>𝑋</m:t>
-                                </m:r>
-                              </m:e>
-                            </m:nary>
-                            <m:r>
-                              <a:rPr lang="en-US" i="1">
-                                <a:solidFill>
-                                  <a:schemeClr val="tx1"/>
-                                </a:solidFill>
-                                <a:latin typeface="Cambria Math" panose="02040503050406030204" pitchFamily="18" charset="0"/>
-                              </a:rPr>
-                              <m:t>ⅆ</m:t>
-                            </m:r>
-                            <m:r>
-                              <a:rPr lang="en-US" i="1">
-                                <a:solidFill>
-                                  <a:schemeClr val="tx1"/>
-                                </a:solidFill>
-                                <a:latin typeface="Cambria Math" panose="02040503050406030204" pitchFamily="18" charset="0"/>
-                              </a:rPr>
-                              <m:t>𝜇</m:t>
-                            </m:r>
-                          </m:e>
-                        </m:func>
-                        <m:r>
-                          <a:rPr lang="en-US" i="1">
-                            <a:solidFill>
-                              <a:schemeClr val="tx1"/>
-                            </a:solidFill>
-                            <a:latin typeface="Cambria Math" panose="02040503050406030204" pitchFamily="18" charset="0"/>
-                          </a:rPr>
-                          <m:t>,</m:t>
-                        </m:r>
-                        <m:func>
-                          <m:funcPr>
-                            <m:ctrlPr>
-                              <a:rPr lang="en-US" i="1">
-                                <a:solidFill>
-                                  <a:schemeClr val="tx1"/>
-                                </a:solidFill>
-                                <a:latin typeface="Cambria Math" panose="02040503050406030204" pitchFamily="18" charset="0"/>
-                              </a:rPr>
-                            </m:ctrlPr>
-                          </m:funcPr>
-                          <m:fName>
-                            <m:limLow>
-                              <m:limLowPr>
-                                <m:ctrlPr>
-                                  <a:rPr lang="en-US" i="1">
-                                    <a:solidFill>
-                                      <a:schemeClr val="tx1"/>
-                                    </a:solidFill>
-                                    <a:latin typeface="Cambria Math" panose="02040503050406030204" pitchFamily="18" charset="0"/>
-                                  </a:rPr>
-                                </m:ctrlPr>
-                              </m:limLowPr>
-                              <m:e>
-                                <m:r>
-                                  <m:rPr>
-                                    <m:sty m:val="p"/>
-                                  </m:rPr>
-                                  <a:rPr lang="en-US">
-                                    <a:solidFill>
-                                      <a:schemeClr val="tx1"/>
-                                    </a:solidFill>
-                                    <a:latin typeface="Cambria Math" panose="02040503050406030204" pitchFamily="18" charset="0"/>
-                                  </a:rPr>
-                                  <m:t>max</m:t>
-                                </m:r>
-                              </m:e>
-                              <m:lim>
-                                <m:r>
-                                  <a:rPr lang="en-US" i="1">
-                                    <a:solidFill>
-                                      <a:schemeClr val="tx1"/>
-                                    </a:solidFill>
-                                    <a:latin typeface="Cambria Math" panose="02040503050406030204" pitchFamily="18" charset="0"/>
-                                  </a:rPr>
-                                  <m:t>𝜇</m:t>
-                                </m:r>
-                                <m:r>
-                                  <a:rPr lang="en-US" i="1">
-                                    <a:solidFill>
-                                      <a:schemeClr val="tx1"/>
-                                    </a:solidFill>
-                                    <a:latin typeface="Cambria Math" panose="02040503050406030204" pitchFamily="18" charset="0"/>
-                                  </a:rPr>
-                                  <m:t>∈</m:t>
-                                </m:r>
-                                <m:r>
-                                  <m:rPr>
-                                    <m:nor/>
-                                  </m:rPr>
-                                  <a:rPr lang="en-US">
-                                    <a:solidFill>
-                                      <a:schemeClr val="tx1"/>
-                                    </a:solidFill>
-                                    <a:latin typeface="Cambria Math" panose="02040503050406030204" pitchFamily="18" charset="0"/>
-                                  </a:rPr>
-                                  <m:t>core</m:t>
-                                </m:r>
-                                <m:d>
-                                  <m:dPr>
-                                    <m:ctrlPr>
-                                      <a:rPr lang="en-US" i="1">
-                                        <a:solidFill>
-                                          <a:schemeClr val="tx1"/>
-                                        </a:solidFill>
-                                        <a:latin typeface="Cambria Math" panose="02040503050406030204" pitchFamily="18" charset="0"/>
-                                      </a:rPr>
-                                    </m:ctrlPr>
-                                  </m:dPr>
-                                  <m:e>
-                                    <m:bar>
-                                      <m:barPr>
-                                        <m:pos m:val="top"/>
-                                        <m:ctrlPr>
-                                          <a:rPr lang="en-US" i="1">
-                                            <a:solidFill>
-                                              <a:schemeClr val="tx1"/>
-                                            </a:solidFill>
-                                            <a:latin typeface="Cambria Math" panose="02040503050406030204" pitchFamily="18" charset="0"/>
-                                          </a:rPr>
-                                        </m:ctrlPr>
-                                      </m:barPr>
-                                      <m:e>
-                                        <m:r>
-                                          <a:rPr lang="en-US" i="1">
-                                            <a:solidFill>
-                                              <a:schemeClr val="tx1"/>
-                                            </a:solidFill>
-                                            <a:latin typeface="Cambria Math" panose="02040503050406030204" pitchFamily="18" charset="0"/>
-                                          </a:rPr>
-                                          <m:t>𝜇</m:t>
-                                        </m:r>
-                                      </m:e>
-                                    </m:bar>
-                                  </m:e>
-                                </m:d>
-                              </m:lim>
-                            </m:limLow>
-                          </m:fName>
-                          <m:e>
-                            <m:nary>
-                              <m:naryPr>
-                                <m:limLoc m:val="undOvr"/>
-                                <m:subHide m:val="on"/>
-                                <m:supHide m:val="on"/>
-                                <m:ctrlPr>
-                                  <a:rPr lang="en-US" i="1">
-                                    <a:solidFill>
-                                      <a:schemeClr val="tx1"/>
-                                    </a:solidFill>
-                                    <a:latin typeface="Cambria Math" panose="02040503050406030204" pitchFamily="18" charset="0"/>
-                                  </a:rPr>
-                                </m:ctrlPr>
-                              </m:naryPr>
-                              <m:sub/>
-                              <m:sup/>
-                              <m:e>
-                                <m:r>
-                                  <a:rPr lang="en-US" i="1">
-                                    <a:solidFill>
-                                      <a:schemeClr val="tx1"/>
-                                    </a:solidFill>
-                                    <a:latin typeface="Cambria Math" panose="02040503050406030204" pitchFamily="18" charset="0"/>
-                                  </a:rPr>
-                                  <m:t>𝑋</m:t>
-                                </m:r>
-                              </m:e>
-                            </m:nary>
-                            <m:r>
-                              <a:rPr lang="en-US" i="1">
-                                <a:solidFill>
-                                  <a:schemeClr val="tx1"/>
-                                </a:solidFill>
-                                <a:latin typeface="Cambria Math" panose="02040503050406030204" pitchFamily="18" charset="0"/>
-                              </a:rPr>
-                              <m:t>ⅆ</m:t>
-                            </m:r>
-                            <m:r>
-                              <a:rPr lang="en-US" i="1">
-                                <a:solidFill>
-                                  <a:schemeClr val="tx1"/>
-                                </a:solidFill>
-                                <a:latin typeface="Cambria Math" panose="02040503050406030204" pitchFamily="18" charset="0"/>
-                              </a:rPr>
-                              <m:t>𝜇</m:t>
-                            </m:r>
-                          </m:e>
-                        </m:func>
-                      </m:e>
-                    </m:d>
-                  </m:oMath>
-                </a14:m>
-                <a:endParaRPr lang="en-US" dirty="0"/>
-              </a:p>
-            </p:txBody>
-          </p:sp>
-        </mc:Choice>
-        <mc:Fallback xmlns="">
-          <p:sp>
-            <p:nvSpPr>
-              <p:cNvPr id="4" name="Content Placeholder 3"/>
-              <p:cNvSpPr>
-                <a:spLocks noGrp="1" noRot="1" noChangeAspect="1" noMove="1" noResize="1" noEditPoints="1" noAdjustHandles="1" noChangeArrowheads="1" noChangeShapeType="1" noTextEdit="1"/>
-              </p:cNvSpPr>
-              <p:nvPr>
-                <p:ph sz="half" idx="2"/>
-              </p:nvPr>
-            </p:nvSpPr>
-            <p:spPr>
-              <a:blipFill rotWithShape="0">
-                <a:blip r:embed="rId2"/>
-                <a:stretch>
-                  <a:fillRect l="-1655" t="-2815" r="-3310"/>
-                </a:stretch>
-              </a:blipFill>
-            </p:spPr>
-            <p:txBody>
-              <a:bodyPr/>
-              <a:lstStyle/>
-              <a:p>
-                <a:r>
-                  <a:rPr lang="en-US">
-                    <a:noFill/>
-                  </a:rPr>
-                  <a:t> </a:t>
-                </a:r>
-              </a:p>
-            </p:txBody>
-          </p:sp>
-        </mc:Fallback>
-      </mc:AlternateContent>
-      <p:sp>
-        <p:nvSpPr>
-          <p:cNvPr id="5" name="Text Placeholder 4"/>
-          <p:cNvSpPr>
-            <a:spLocks noGrp="1"/>
-          </p:cNvSpPr>
-          <p:nvPr>
-            <p:ph type="body" sz="quarter" idx="3"/>
-          </p:nvPr>
-        </p:nvSpPr>
-        <p:spPr/>
-        <p:txBody>
-          <a:bodyPr/>
-          <a:lstStyle/>
-          <a:p>
             <a:r>
               <a:rPr lang="en-US" dirty="0" smtClean="0">
                 <a:solidFill>
-                  <a:srgbClr val="FF0000"/>
+                  <a:schemeClr val="accent2"/>
                 </a:solidFill>
               </a:rPr>
-              <a:t>Quantum</a:t>
+              <a:t>Convex</a:t>
             </a:r>
             <a:r>
               <a:rPr lang="en-US" dirty="0" smtClean="0"/>
               <a:t> </a:t>
-            </a:r>
-            <a:r>
-              <a:rPr lang="en-US" dirty="0"/>
-              <a:t>Interval-Valued Probability Measure </a:t>
-            </a:r>
-            <a:r>
-              <a:rPr lang="en-US" dirty="0" smtClean="0"/>
-              <a:t>(</a:t>
             </a:r>
             <a:r>
               <a:rPr lang="en-US" dirty="0" smtClean="0">
@@ -14945,44 +18428,502 @@
               <a:t>Q</a:t>
             </a:r>
             <a:r>
+              <a:rPr lang="en-US" dirty="0" smtClean="0">
+                <a:solidFill>
+                  <a:schemeClr val="accent2"/>
+                </a:solidFill>
+              </a:rPr>
+              <a:t>I</a:t>
+            </a:r>
+            <a:r>
               <a:rPr lang="en-US" dirty="0" smtClean="0"/>
-              <a:t>IVPM)</a:t>
+              <a:t>PVM Without Consistent State</a:t>
             </a:r>
             <a:endParaRPr lang="en-US" dirty="0"/>
           </a:p>
         </p:txBody>
       </p:sp>
-      <mc:AlternateContent xmlns:mc="http://schemas.openxmlformats.org/markup-compatibility/2006" xmlns:a14="http://schemas.microsoft.com/office/drawing/2010/main">
-        <mc:Choice Requires="a14">
+      <mc:AlternateContent xmlns:mc="http://schemas.openxmlformats.org/markup-compatibility/2006">
+        <mc:Choice xmlns:a14="http://schemas.microsoft.com/office/drawing/2010/main" Requires="a14">
           <p:sp>
             <p:nvSpPr>
-              <p:cNvPr id="6" name="Content Placeholder 5"/>
+              <p:cNvPr id="3" name="Content Placeholder 2"/>
               <p:cNvSpPr>
                 <a:spLocks noGrp="1"/>
               </p:cNvSpPr>
               <p:nvPr>
-                <p:ph sz="quarter" idx="4"/>
+                <p:ph idx="1"/>
               </p:nvPr>
             </p:nvSpPr>
             <p:spPr/>
             <p:txBody>
-              <a:bodyPr>
-                <a:normAutofit fontScale="85000" lnSpcReduction="10000"/>
-              </a:bodyPr>
+              <a:bodyPr/>
               <a:lstStyle/>
               <a:p>
-                <a:pPr>
-                  <a:lnSpc>
-                    <a:spcPct val="100000"/>
-                  </a:lnSpc>
-                </a:pPr>
                 <a:r>
                   <a:rPr lang="en-US" dirty="0" smtClean="0"/>
-                  <a:t>For every convex QIVPM</a:t>
+                  <a:t>Given a 3-dimensional Hilbert space with </a:t>
                 </a:r>
+                <a14:m>
+                  <m:oMath xmlns:m="http://schemas.openxmlformats.org/officeDocument/2006/math">
+                    <m:d>
+                      <m:dPr>
+                        <m:begChr m:val="{"/>
+                        <m:endChr m:val="}"/>
+                        <m:ctrlPr>
+                          <a:rPr lang="en-US" b="0" i="1" smtClean="0">
+                            <a:latin typeface="Cambria Math" panose="02040503050406030204" pitchFamily="18" charset="0"/>
+                          </a:rPr>
+                        </m:ctrlPr>
+                      </m:dPr>
+                      <m:e>
+                        <m:d>
+                          <m:dPr>
+                            <m:begChr m:val="|"/>
+                            <m:endChr m:val="⟩"/>
+                            <m:ctrlPr>
+                              <a:rPr lang="en-US" b="0" i="1" smtClean="0">
+                                <a:latin typeface="Cambria Math" panose="02040503050406030204" pitchFamily="18" charset="0"/>
+                              </a:rPr>
+                            </m:ctrlPr>
+                          </m:dPr>
+                          <m:e>
+                            <m:r>
+                              <a:rPr lang="en-US" b="0" i="1" smtClean="0">
+                                <a:latin typeface="Cambria Math" panose="02040503050406030204" pitchFamily="18" charset="0"/>
+                              </a:rPr>
+                              <m:t>0</m:t>
+                            </m:r>
+                          </m:e>
+                        </m:d>
+                        <m:r>
+                          <a:rPr lang="en-US" b="0" i="1" smtClean="0">
+                            <a:latin typeface="Cambria Math" panose="02040503050406030204" pitchFamily="18" charset="0"/>
+                          </a:rPr>
+                          <m:t>,</m:t>
+                        </m:r>
+                        <m:d>
+                          <m:dPr>
+                            <m:begChr m:val="|"/>
+                            <m:endChr m:val="⟩"/>
+                            <m:ctrlPr>
+                              <a:rPr lang="en-US" i="1">
+                                <a:latin typeface="Cambria Math" panose="02040503050406030204" pitchFamily="18" charset="0"/>
+                              </a:rPr>
+                            </m:ctrlPr>
+                          </m:dPr>
+                          <m:e>
+                            <m:r>
+                              <a:rPr lang="en-US" b="0" i="1" smtClean="0">
+                                <a:latin typeface="Cambria Math" panose="02040503050406030204" pitchFamily="18" charset="0"/>
+                              </a:rPr>
+                              <m:t>1</m:t>
+                            </m:r>
+                          </m:e>
+                        </m:d>
+                        <m:r>
+                          <a:rPr lang="en-US" b="0" i="1" smtClean="0">
+                            <a:latin typeface="Cambria Math" panose="02040503050406030204" pitchFamily="18" charset="0"/>
+                          </a:rPr>
+                          <m:t>,</m:t>
+                        </m:r>
+                        <m:d>
+                          <m:dPr>
+                            <m:begChr m:val="|"/>
+                            <m:endChr m:val="⟩"/>
+                            <m:ctrlPr>
+                              <a:rPr lang="en-US" i="1">
+                                <a:latin typeface="Cambria Math" panose="02040503050406030204" pitchFamily="18" charset="0"/>
+                              </a:rPr>
+                            </m:ctrlPr>
+                          </m:dPr>
+                          <m:e>
+                            <m:r>
+                              <a:rPr lang="en-US" b="0" i="1" smtClean="0">
+                                <a:latin typeface="Cambria Math" panose="02040503050406030204" pitchFamily="18" charset="0"/>
+                              </a:rPr>
+                              <m:t>2</m:t>
+                            </m:r>
+                          </m:e>
+                        </m:d>
+                      </m:e>
+                    </m:d>
+                  </m:oMath>
+                </a14:m>
                 <a:r>
-                  <a:rPr lang="en-US" dirty="0"/>
-                  <a:t> </a:t>
+                  <a:rPr lang="en-US" dirty="0" smtClean="0"/>
+                  <a:t>.</a:t>
+                </a:r>
+              </a:p>
+              <a:p>
+                <a:r>
+                  <a:rPr lang="en-US" dirty="0" smtClean="0"/>
+                  <a:t>Let </a:t>
+                </a:r>
+                <a14:m>
+                  <m:oMath xmlns:m="http://schemas.openxmlformats.org/officeDocument/2006/math">
+                    <m:d>
+                      <m:dPr>
+                        <m:begChr m:val=""/>
+                        <m:endChr m:val=""/>
+                        <m:ctrlPr>
+                          <a:rPr lang="en-US" b="0" i="1" smtClean="0">
+                            <a:solidFill>
+                              <a:schemeClr val="accent2"/>
+                            </a:solidFill>
+                            <a:latin typeface="Cambria Math" panose="02040503050406030204" pitchFamily="18" charset="0"/>
+                          </a:rPr>
+                        </m:ctrlPr>
+                      </m:dPr>
+                      <m:e>
+                        <m:r>
+                          <a:rPr lang="en-US" b="0" i="1" smtClean="0">
+                            <a:solidFill>
+                              <a:schemeClr val="accent2"/>
+                            </a:solidFill>
+                            <a:latin typeface="XITS Math" panose="02000503000000000000" pitchFamily="50" charset="0"/>
+                            <a:ea typeface="XITS Math" panose="02000503000000000000" pitchFamily="50" charset="0"/>
+                            <a:cs typeface="XITS Math" panose="02000503000000000000" pitchFamily="50" charset="0"/>
+                          </a:rPr>
+                          <m:t>ℐ</m:t>
+                        </m:r>
+                      </m:e>
+                    </m:d>
+                    <m:r>
+                      <a:rPr lang="en-US" b="0" i="1" smtClean="0">
+                        <a:latin typeface="Cambria Math" panose="02040503050406030204" pitchFamily="18" charset="0"/>
+                      </a:rPr>
+                      <m:t>=</m:t>
+                    </m:r>
+                    <m:d>
+                      <m:dPr>
+                        <m:begChr m:val="{"/>
+                        <m:endChr m:val="}"/>
+                        <m:ctrlPr>
+                          <a:rPr lang="en-US" b="0" i="1" smtClean="0">
+                            <a:latin typeface="Cambria Math" panose="02040503050406030204" pitchFamily="18" charset="0"/>
+                          </a:rPr>
+                        </m:ctrlPr>
+                      </m:dPr>
+                      <m:e>
+                        <m:d>
+                          <m:dPr>
+                            <m:begChr m:val="["/>
+                            <m:endChr m:val="]"/>
+                            <m:ctrlPr>
+                              <a:rPr lang="en-US" b="0" i="1" smtClean="0">
+                                <a:latin typeface="Cambria Math" panose="02040503050406030204" pitchFamily="18" charset="0"/>
+                              </a:rPr>
+                            </m:ctrlPr>
+                          </m:dPr>
+                          <m:e>
+                            <m:r>
+                              <a:rPr lang="en-US" b="0" i="1" smtClean="0">
+                                <a:latin typeface="Cambria Math" panose="02040503050406030204" pitchFamily="18" charset="0"/>
+                              </a:rPr>
+                              <m:t>0,0</m:t>
+                            </m:r>
+                          </m:e>
+                        </m:d>
+                        <m:r>
+                          <a:rPr lang="en-US" b="0" i="1" smtClean="0">
+                            <a:latin typeface="Cambria Math" panose="02040503050406030204" pitchFamily="18" charset="0"/>
+                          </a:rPr>
+                          <m:t>,</m:t>
+                        </m:r>
+                        <m:d>
+                          <m:dPr>
+                            <m:begChr m:val="["/>
+                            <m:endChr m:val="]"/>
+                            <m:ctrlPr>
+                              <a:rPr lang="en-US" i="1">
+                                <a:latin typeface="Cambria Math" panose="02040503050406030204" pitchFamily="18" charset="0"/>
+                              </a:rPr>
+                            </m:ctrlPr>
+                          </m:dPr>
+                          <m:e>
+                            <m:r>
+                              <a:rPr lang="en-US" b="0" i="1" smtClean="0">
+                                <a:latin typeface="Cambria Math" panose="02040503050406030204" pitchFamily="18" charset="0"/>
+                              </a:rPr>
+                              <m:t>1</m:t>
+                            </m:r>
+                            <m:r>
+                              <a:rPr lang="en-US" i="1">
+                                <a:latin typeface="Cambria Math" panose="02040503050406030204" pitchFamily="18" charset="0"/>
+                              </a:rPr>
+                              <m:t>,</m:t>
+                            </m:r>
+                            <m:r>
+                              <a:rPr lang="en-US" b="0" i="1" smtClean="0">
+                                <a:latin typeface="Cambria Math" panose="02040503050406030204" pitchFamily="18" charset="0"/>
+                              </a:rPr>
+                              <m:t>1</m:t>
+                            </m:r>
+                          </m:e>
+                        </m:d>
+                        <m:r>
+                          <a:rPr lang="en-US" b="0" i="1" smtClean="0">
+                            <a:latin typeface="Cambria Math" panose="02040503050406030204" pitchFamily="18" charset="0"/>
+                          </a:rPr>
+                          <m:t>,</m:t>
+                        </m:r>
+                        <m:d>
+                          <m:dPr>
+                            <m:begChr m:val="["/>
+                            <m:endChr m:val="]"/>
+                            <m:ctrlPr>
+                              <a:rPr lang="en-US" i="1">
+                                <a:latin typeface="Cambria Math" panose="02040503050406030204" pitchFamily="18" charset="0"/>
+                              </a:rPr>
+                            </m:ctrlPr>
+                          </m:dPr>
+                          <m:e>
+                            <m:r>
+                              <a:rPr lang="en-US" i="1">
+                                <a:latin typeface="Cambria Math" panose="02040503050406030204" pitchFamily="18" charset="0"/>
+                              </a:rPr>
+                              <m:t>0,</m:t>
+                            </m:r>
+                            <m:r>
+                              <a:rPr lang="en-US" b="0" i="1" smtClean="0">
+                                <a:latin typeface="Cambria Math" panose="02040503050406030204" pitchFamily="18" charset="0"/>
+                              </a:rPr>
+                              <m:t>1</m:t>
+                            </m:r>
+                          </m:e>
+                        </m:d>
+                      </m:e>
+                    </m:d>
+                  </m:oMath>
+                </a14:m>
+                <a:r>
+                  <a:rPr lang="en-US" dirty="0" smtClean="0"/>
+                  <a:t>, </a:t>
+                </a:r>
+                <a14:m>
+                  <m:oMath xmlns:m="http://schemas.openxmlformats.org/officeDocument/2006/math">
+                    <m:d>
+                      <m:dPr>
+                        <m:begChr m:val="|"/>
+                        <m:endChr m:val="⟩"/>
+                        <m:ctrlPr>
+                          <a:rPr lang="en-US" b="0" i="1" smtClean="0">
+                            <a:latin typeface="Cambria Math" panose="02040503050406030204" pitchFamily="18" charset="0"/>
+                          </a:rPr>
+                        </m:ctrlPr>
+                      </m:dPr>
+                      <m:e>
+                        <m:r>
+                          <a:rPr lang="en-US" b="0" i="1" smtClean="0">
+                            <a:latin typeface="Cambria Math" panose="02040503050406030204" pitchFamily="18" charset="0"/>
+                          </a:rPr>
+                          <m:t>+</m:t>
+                        </m:r>
+                      </m:e>
+                    </m:d>
+                    <m:r>
+                      <a:rPr lang="en-US" b="0" i="1" smtClean="0">
+                        <a:latin typeface="Cambria Math" panose="02040503050406030204" pitchFamily="18" charset="0"/>
+                      </a:rPr>
+                      <m:t>=</m:t>
+                    </m:r>
+                    <m:f>
+                      <m:fPr>
+                        <m:ctrlPr>
+                          <a:rPr lang="en-US" b="0" i="1" smtClean="0">
+                            <a:latin typeface="Cambria Math" panose="02040503050406030204" pitchFamily="18" charset="0"/>
+                          </a:rPr>
+                        </m:ctrlPr>
+                      </m:fPr>
+                      <m:num>
+                        <m:d>
+                          <m:dPr>
+                            <m:begChr m:val="|"/>
+                            <m:endChr m:val="⟩"/>
+                            <m:ctrlPr>
+                              <a:rPr lang="en-US" i="1">
+                                <a:latin typeface="Cambria Math" panose="02040503050406030204" pitchFamily="18" charset="0"/>
+                              </a:rPr>
+                            </m:ctrlPr>
+                          </m:dPr>
+                          <m:e>
+                            <m:r>
+                              <a:rPr lang="en-US" i="1">
+                                <a:latin typeface="Cambria Math" panose="02040503050406030204" pitchFamily="18" charset="0"/>
+                              </a:rPr>
+                              <m:t>0</m:t>
+                            </m:r>
+                          </m:e>
+                        </m:d>
+                        <m:r>
+                          <a:rPr lang="en-US" b="0" i="1" smtClean="0">
+                            <a:latin typeface="Cambria Math" panose="02040503050406030204" pitchFamily="18" charset="0"/>
+                          </a:rPr>
+                          <m:t>+</m:t>
+                        </m:r>
+                        <m:d>
+                          <m:dPr>
+                            <m:begChr m:val="|"/>
+                            <m:endChr m:val="⟩"/>
+                            <m:ctrlPr>
+                              <a:rPr lang="en-US" i="1">
+                                <a:latin typeface="Cambria Math" panose="02040503050406030204" pitchFamily="18" charset="0"/>
+                              </a:rPr>
+                            </m:ctrlPr>
+                          </m:dPr>
+                          <m:e>
+                            <m:r>
+                              <a:rPr lang="en-US" i="1">
+                                <a:latin typeface="Cambria Math" panose="02040503050406030204" pitchFamily="18" charset="0"/>
+                              </a:rPr>
+                              <m:t>1</m:t>
+                            </m:r>
+                          </m:e>
+                        </m:d>
+                      </m:num>
+                      <m:den>
+                        <m:rad>
+                          <m:radPr>
+                            <m:degHide m:val="on"/>
+                            <m:ctrlPr>
+                              <a:rPr lang="en-US" i="1" smtClean="0">
+                                <a:latin typeface="Cambria Math" panose="02040503050406030204" pitchFamily="18" charset="0"/>
+                              </a:rPr>
+                            </m:ctrlPr>
+                          </m:radPr>
+                          <m:deg/>
+                          <m:e>
+                            <m:r>
+                              <a:rPr lang="en-US" b="0" i="1" smtClean="0">
+                                <a:latin typeface="Cambria Math" panose="02040503050406030204" pitchFamily="18" charset="0"/>
+                              </a:rPr>
+                              <m:t>2</m:t>
+                            </m:r>
+                          </m:e>
+                        </m:rad>
+                      </m:den>
+                    </m:f>
+                  </m:oMath>
+                </a14:m>
+                <a:r>
+                  <a:rPr lang="en-US" dirty="0" smtClean="0"/>
+                  <a:t>, </a:t>
+                </a:r>
+                <a14:m>
+                  <m:oMath xmlns:m="http://schemas.openxmlformats.org/officeDocument/2006/math">
+                    <m:d>
+                      <m:dPr>
+                        <m:begChr m:val="|"/>
+                        <m:endChr m:val="⟩"/>
+                        <m:ctrlPr>
+                          <a:rPr lang="en-US" i="1">
+                            <a:latin typeface="Cambria Math" panose="02040503050406030204" pitchFamily="18" charset="0"/>
+                          </a:rPr>
+                        </m:ctrlPr>
+                      </m:dPr>
+                      <m:e>
+                        <m:r>
+                          <a:rPr lang="en-US" i="1">
+                            <a:latin typeface="Cambria Math" panose="02040503050406030204" pitchFamily="18" charset="0"/>
+                          </a:rPr>
+                          <m:t>+</m:t>
+                        </m:r>
+                        <m:r>
+                          <a:rPr lang="en-US" b="0" i="1" smtClean="0">
+                            <a:latin typeface="Cambria Math" panose="02040503050406030204" pitchFamily="18" charset="0"/>
+                          </a:rPr>
+                          <m:t>′</m:t>
+                        </m:r>
+                      </m:e>
+                    </m:d>
+                    <m:r>
+                      <a:rPr lang="en-US" i="1">
+                        <a:latin typeface="Cambria Math" panose="02040503050406030204" pitchFamily="18" charset="0"/>
+                      </a:rPr>
+                      <m:t>=</m:t>
+                    </m:r>
+                    <m:f>
+                      <m:fPr>
+                        <m:ctrlPr>
+                          <a:rPr lang="en-US" i="1">
+                            <a:latin typeface="Cambria Math" panose="02040503050406030204" pitchFamily="18" charset="0"/>
+                          </a:rPr>
+                        </m:ctrlPr>
+                      </m:fPr>
+                      <m:num>
+                        <m:d>
+                          <m:dPr>
+                            <m:begChr m:val="|"/>
+                            <m:endChr m:val="⟩"/>
+                            <m:ctrlPr>
+                              <a:rPr lang="en-US" i="1">
+                                <a:latin typeface="Cambria Math" panose="02040503050406030204" pitchFamily="18" charset="0"/>
+                              </a:rPr>
+                            </m:ctrlPr>
+                          </m:dPr>
+                          <m:e>
+                            <m:r>
+                              <a:rPr lang="en-US" i="1">
+                                <a:latin typeface="Cambria Math" panose="02040503050406030204" pitchFamily="18" charset="0"/>
+                              </a:rPr>
+                              <m:t>0</m:t>
+                            </m:r>
+                          </m:e>
+                        </m:d>
+                        <m:r>
+                          <a:rPr lang="en-US" i="1">
+                            <a:latin typeface="Cambria Math" panose="02040503050406030204" pitchFamily="18" charset="0"/>
+                          </a:rPr>
+                          <m:t>+</m:t>
+                        </m:r>
+                        <m:d>
+                          <m:dPr>
+                            <m:begChr m:val="|"/>
+                            <m:endChr m:val="⟩"/>
+                            <m:ctrlPr>
+                              <a:rPr lang="en-US" i="1">
+                                <a:latin typeface="Cambria Math" panose="02040503050406030204" pitchFamily="18" charset="0"/>
+                              </a:rPr>
+                            </m:ctrlPr>
+                          </m:dPr>
+                          <m:e>
+                            <m:r>
+                              <a:rPr lang="en-US" b="0" i="1" smtClean="0">
+                                <a:latin typeface="Cambria Math" panose="02040503050406030204" pitchFamily="18" charset="0"/>
+                              </a:rPr>
+                              <m:t>2</m:t>
+                            </m:r>
+                          </m:e>
+                        </m:d>
+                      </m:num>
+                      <m:den>
+                        <m:rad>
+                          <m:radPr>
+                            <m:degHide m:val="on"/>
+                            <m:ctrlPr>
+                              <a:rPr lang="en-US" i="1">
+                                <a:latin typeface="Cambria Math" panose="02040503050406030204" pitchFamily="18" charset="0"/>
+                              </a:rPr>
+                            </m:ctrlPr>
+                          </m:radPr>
+                          <m:deg/>
+                          <m:e>
+                            <m:r>
+                              <a:rPr lang="en-US" i="1">
+                                <a:latin typeface="Cambria Math" panose="02040503050406030204" pitchFamily="18" charset="0"/>
+                              </a:rPr>
+                              <m:t>2</m:t>
+                            </m:r>
+                          </m:e>
+                        </m:rad>
+                      </m:den>
+                    </m:f>
+                  </m:oMath>
+                </a14:m>
+                <a:r>
+                  <a:rPr lang="en-US" dirty="0" smtClean="0"/>
+                  <a:t>, and </a:t>
                 </a:r>
                 <a14:m>
                   <m:oMath xmlns:m="http://schemas.openxmlformats.org/officeDocument/2006/math">
@@ -15012,6 +18953,9 @@
                     </m:r>
                     <m:r>
                       <a:rPr lang="en-US" i="1">
+                        <a:solidFill>
+                          <a:srgbClr val="FF0000"/>
+                        </a:solidFill>
                         <a:latin typeface="Cambria Math" panose="02040503050406030204" pitchFamily="18" charset="0"/>
                         <a:ea typeface="Cambria Math" panose="02040503050406030204" pitchFamily="18" charset="0"/>
                       </a:rPr>
@@ -15024,183 +18968,96 @@
                       </a:rPr>
                       <m:t>→</m:t>
                     </m:r>
+                    <m:r>
+                      <m:rPr>
+                        <m:nor/>
+                      </m:rPr>
+                      <a:rPr lang="en-US" dirty="0">
+                        <a:solidFill>
+                          <a:schemeClr val="accent2"/>
+                        </a:solidFill>
+                        <a:latin typeface="XITS Math" panose="02000503000000000000" pitchFamily="50" charset="0"/>
+                        <a:ea typeface="XITS Math" panose="02000503000000000000" pitchFamily="50" charset="0"/>
+                        <a:cs typeface="XITS Math" panose="02000503000000000000" pitchFamily="50" charset="0"/>
+                      </a:rPr>
+                      <m:t>ℐ</m:t>
+                    </m:r>
+                  </m:oMath>
+                </a14:m>
+                <a:r>
+                  <a:rPr lang="en-US" dirty="0" smtClean="0"/>
+                  <a:t> defined by:</a:t>
+                </a:r>
+                <a:br>
+                  <a:rPr lang="en-US" dirty="0" smtClean="0"/>
+                </a:br>
+                <a14:m>
+                  <m:oMath xmlns:m="http://schemas.openxmlformats.org/officeDocument/2006/math">
                     <m:d>
                       <m:dPr>
-                        <m:begChr m:val=""/>
-                        <m:endChr m:val=""/>
+                        <m:begChr m:val="["/>
+                        <m:endChr m:val="]"/>
                         <m:ctrlPr>
-                          <a:rPr lang="en-US" i="1">
-                            <a:latin typeface="Cambria Math" panose="02040503050406030204" pitchFamily="18" charset="0"/>
-                            <a:ea typeface="Cambria Math" panose="02040503050406030204" pitchFamily="18" charset="0"/>
-                            <a:cs typeface="XITS Math" panose="02000503000000000000" pitchFamily="50" charset="0"/>
+                          <a:rPr lang="en-US" b="0" i="1" smtClean="0">
+                            <a:latin typeface="Cambria Math" panose="02040503050406030204" pitchFamily="18" charset="0"/>
                           </a:rPr>
                         </m:ctrlPr>
                       </m:dPr>
                       <m:e>
                         <m:r>
-                          <a:rPr lang="en-US" i="1">
-                            <a:latin typeface="XITS Math" panose="02000503000000000000" pitchFamily="50" charset="0"/>
-                            <a:ea typeface="XITS Math" panose="02000503000000000000" pitchFamily="50" charset="0"/>
-                            <a:cs typeface="XITS Math" panose="02000503000000000000" pitchFamily="50" charset="0"/>
-                          </a:rPr>
-                          <m:t>ℐ</m:t>
+                          <a:rPr lang="en-US" b="0" i="1" smtClean="0">
+                            <a:latin typeface="Cambria Math" panose="02040503050406030204" pitchFamily="18" charset="0"/>
+                          </a:rPr>
+                          <m:t>0,0</m:t>
                         </m:r>
                       </m:e>
                     </m:d>
-                  </m:oMath>
-                </a14:m>
-                <a:r>
-                  <a:rPr lang="en-US" dirty="0"/>
-                  <a:t> and any </a:t>
-                </a:r>
-                <a:r>
-                  <a:rPr lang="en-US" dirty="0" smtClean="0"/>
-                  <a:t>observable</a:t>
-                </a:r>
-                <a:r>
-                  <a:rPr lang="en-US" dirty="0"/>
-                  <a:t> </a:t>
-                </a:r>
-                <a14:m>
-                  <m:oMath xmlns:m="http://schemas.openxmlformats.org/officeDocument/2006/math">
-                    <m:r>
-                      <a:rPr lang="en-US" b="1" i="0" smtClean="0">
-                        <a:latin typeface="Cambria Math" panose="02040503050406030204" pitchFamily="18" charset="0"/>
-                      </a:rPr>
-                      <m:t>𝐎</m:t>
-                    </m:r>
                     <m:r>
                       <a:rPr lang="en-US" b="0" i="1" smtClean="0">
                         <a:latin typeface="Cambria Math" panose="02040503050406030204" pitchFamily="18" charset="0"/>
                       </a:rPr>
                       <m:t>=</m:t>
                     </m:r>
-                    <m:nary>
-                      <m:naryPr>
-                        <m:chr m:val="∑"/>
-                        <m:ctrlPr>
-                          <a:rPr lang="en-US" b="0" i="1" smtClean="0">
-                            <a:latin typeface="Cambria Math" panose="02040503050406030204" pitchFamily="18" charset="0"/>
-                          </a:rPr>
-                        </m:ctrlPr>
-                      </m:naryPr>
-                      <m:sub>
-                        <m:r>
-                          <a:rPr lang="en-US" b="0" i="1" smtClean="0">
-                            <a:latin typeface="Cambria Math" panose="02040503050406030204" pitchFamily="18" charset="0"/>
-                          </a:rPr>
-                          <m:t>𝑖</m:t>
-                        </m:r>
-                        <m:r>
-                          <a:rPr lang="en-US" b="0" i="1" smtClean="0">
-                            <a:latin typeface="Cambria Math" panose="02040503050406030204" pitchFamily="18" charset="0"/>
-                          </a:rPr>
-                          <m:t>=1</m:t>
-                        </m:r>
-                      </m:sub>
-                      <m:sup>
-                        <m:r>
-                          <a:rPr lang="en-US" b="0" i="1" smtClean="0">
-                            <a:latin typeface="Cambria Math" panose="02040503050406030204" pitchFamily="18" charset="0"/>
-                          </a:rPr>
-                          <m:t>𝑁</m:t>
-                        </m:r>
-                      </m:sup>
-                      <m:e>
-                        <m:sSub>
-                          <m:sSubPr>
-                            <m:ctrlPr>
-                              <a:rPr lang="en-US" b="0" i="1" smtClean="0">
-                                <a:latin typeface="Cambria Math" panose="02040503050406030204" pitchFamily="18" charset="0"/>
-                              </a:rPr>
-                            </m:ctrlPr>
-                          </m:sSubPr>
-                          <m:e>
-                            <m:r>
-                              <a:rPr lang="en-US" b="0" i="1" smtClean="0">
-                                <a:latin typeface="Cambria Math" panose="02040503050406030204" pitchFamily="18" charset="0"/>
-                              </a:rPr>
-                              <m:t>𝜆</m:t>
-                            </m:r>
-                          </m:e>
-                          <m:sub>
-                            <m:r>
-                              <a:rPr lang="en-US" b="0" i="1" smtClean="0">
-                                <a:latin typeface="Cambria Math" panose="02040503050406030204" pitchFamily="18" charset="0"/>
-                              </a:rPr>
-                              <m:t>𝑖</m:t>
-                            </m:r>
-                          </m:sub>
-                        </m:sSub>
-                        <m:sSub>
-                          <m:sSubPr>
-                            <m:ctrlPr>
-                              <a:rPr lang="en-US" b="0" i="1" smtClean="0">
-                                <a:latin typeface="Cambria Math" panose="02040503050406030204" pitchFamily="18" charset="0"/>
-                              </a:rPr>
-                            </m:ctrlPr>
-                          </m:sSubPr>
-                          <m:e>
-                            <m:r>
-                              <a:rPr lang="en-US" b="0" i="1" smtClean="0">
-                                <a:latin typeface="Cambria Math" panose="02040503050406030204" pitchFamily="18" charset="0"/>
-                              </a:rPr>
-                              <m:t>𝑃</m:t>
-                            </m:r>
-                          </m:e>
-                          <m:sub>
-                            <m:r>
-                              <a:rPr lang="en-US" b="0" i="1" smtClean="0">
-                                <a:latin typeface="Cambria Math" panose="02040503050406030204" pitchFamily="18" charset="0"/>
-                              </a:rPr>
-                              <m:t>𝑖</m:t>
-                            </m:r>
-                          </m:sub>
-                        </m:sSub>
-                      </m:e>
-                    </m:nary>
-                  </m:oMath>
-                </a14:m>
-                <a:r>
-                  <a:rPr lang="en-US" dirty="0" smtClean="0"/>
-                  <a:t> (spectral decomposition), </a:t>
-                </a:r>
-                <a:r>
-                  <a:rPr lang="en-US" dirty="0"/>
-                  <a:t/>
-                </a:r>
-                <a:br>
-                  <a:rPr lang="en-US" dirty="0"/>
-                </a:br>
-                <a14:m>
-                  <m:oMath xmlns:m="http://schemas.openxmlformats.org/officeDocument/2006/math">
-                    <m:nary>
-                      <m:naryPr>
-                        <m:limLoc m:val="undOvr"/>
-                        <m:subHide m:val="on"/>
-                        <m:supHide m:val="on"/>
+                    <m:bar>
+                      <m:barPr>
+                        <m:pos m:val="top"/>
                         <m:ctrlPr>
                           <a:rPr lang="en-US" i="1">
                             <a:latin typeface="Cambria Math" panose="02040503050406030204" pitchFamily="18" charset="0"/>
                           </a:rPr>
                         </m:ctrlPr>
-                      </m:naryPr>
-                      <m:sub/>
-                      <m:sup/>
+                      </m:barPr>
                       <m:e>
                         <m:r>
                           <a:rPr lang="en-US" i="1">
                             <a:latin typeface="Cambria Math" panose="02040503050406030204" pitchFamily="18" charset="0"/>
                           </a:rPr>
-                          <m:t>𝑋</m:t>
+                          <m:t>𝜇</m:t>
                         </m:r>
                       </m:e>
-                    </m:nary>
+                    </m:bar>
+                    <m:d>
+                      <m:dPr>
+                        <m:ctrlPr>
+                          <a:rPr lang="en-US" b="0" i="1" smtClean="0">
+                            <a:latin typeface="Cambria Math" panose="02040503050406030204" pitchFamily="18" charset="0"/>
+                          </a:rPr>
+                        </m:ctrlPr>
+                      </m:dPr>
+                      <m:e>
+                        <m:r>
+                          <a:rPr lang="en-US" b="0" i="1" smtClean="0">
+                            <a:latin typeface="Cambria Math" panose="02040503050406030204" pitchFamily="18" charset="0"/>
+                          </a:rPr>
+                          <m:t>𝟘</m:t>
+                        </m:r>
+                      </m:e>
+                    </m:d>
                     <m:r>
-                      <a:rPr lang="en-US" i="1">
+                      <a:rPr lang="en-US" b="0" i="1" smtClean="0">
                         <a:latin typeface="Cambria Math" panose="02040503050406030204" pitchFamily="18" charset="0"/>
                       </a:rPr>
-                      <m:t>ⅆ</m:t>
+                      <m:t>=</m:t>
                     </m:r>
                     <m:bar>
                       <m:barPr>
@@ -15220,12 +19077,212 @@
                         </m:r>
                       </m:e>
                     </m:bar>
+                    <m:d>
+                      <m:dPr>
+                        <m:ctrlPr>
+                          <a:rPr lang="en-US" i="1">
+                            <a:latin typeface="Cambria Math" panose="02040503050406030204" pitchFamily="18" charset="0"/>
+                          </a:rPr>
+                        </m:ctrlPr>
+                      </m:dPr>
+                      <m:e>
+                        <m:d>
+                          <m:dPr>
+                            <m:begChr m:val="|"/>
+                            <m:endChr m:val="⟩"/>
+                            <m:ctrlPr>
+                              <a:rPr lang="en-US" i="1">
+                                <a:latin typeface="Cambria Math" panose="02040503050406030204" pitchFamily="18" charset="0"/>
+                              </a:rPr>
+                            </m:ctrlPr>
+                          </m:dPr>
+                          <m:e>
+                            <m:r>
+                              <a:rPr lang="en-US" i="1">
+                                <a:latin typeface="Cambria Math" panose="02040503050406030204" pitchFamily="18" charset="0"/>
+                              </a:rPr>
+                              <m:t>0</m:t>
+                            </m:r>
+                          </m:e>
+                        </m:d>
+                        <m:d>
+                          <m:dPr>
+                            <m:begChr m:val="⟨"/>
+                            <m:endChr m:val="|"/>
+                            <m:ctrlPr>
+                              <a:rPr lang="en-US" b="0" i="1" smtClean="0">
+                                <a:latin typeface="Cambria Math" panose="02040503050406030204" pitchFamily="18" charset="0"/>
+                              </a:rPr>
+                            </m:ctrlPr>
+                          </m:dPr>
+                          <m:e>
+                            <m:r>
+                              <a:rPr lang="en-US" b="0" i="1" smtClean="0">
+                                <a:latin typeface="Cambria Math" panose="02040503050406030204" pitchFamily="18" charset="0"/>
+                              </a:rPr>
+                              <m:t>0</m:t>
+                            </m:r>
+                          </m:e>
+                        </m:d>
+                      </m:e>
+                    </m:d>
                     <m:r>
                       <a:rPr lang="en-US" i="1">
                         <a:latin typeface="Cambria Math" panose="02040503050406030204" pitchFamily="18" charset="0"/>
                       </a:rPr>
                       <m:t>=</m:t>
                     </m:r>
+                    <m:bar>
+                      <m:barPr>
+                        <m:pos m:val="top"/>
+                        <m:ctrlPr>
+                          <a:rPr lang="en-US" i="1">
+                            <a:latin typeface="Cambria Math" panose="02040503050406030204" pitchFamily="18" charset="0"/>
+                          </a:rPr>
+                        </m:ctrlPr>
+                      </m:barPr>
+                      <m:e>
+                        <m:r>
+                          <a:rPr lang="en-US" i="1">
+                            <a:latin typeface="Cambria Math" panose="02040503050406030204" pitchFamily="18" charset="0"/>
+                          </a:rPr>
+                          <m:t>𝜇</m:t>
+                        </m:r>
+                      </m:e>
+                    </m:bar>
+                    <m:d>
+                      <m:dPr>
+                        <m:ctrlPr>
+                          <a:rPr lang="en-US" i="1">
+                            <a:latin typeface="Cambria Math" panose="02040503050406030204" pitchFamily="18" charset="0"/>
+                          </a:rPr>
+                        </m:ctrlPr>
+                      </m:dPr>
+                      <m:e>
+                        <m:d>
+                          <m:dPr>
+                            <m:begChr m:val="|"/>
+                            <m:endChr m:val="⟩"/>
+                            <m:ctrlPr>
+                              <a:rPr lang="en-US" i="1">
+                                <a:latin typeface="Cambria Math" panose="02040503050406030204" pitchFamily="18" charset="0"/>
+                              </a:rPr>
+                            </m:ctrlPr>
+                          </m:dPr>
+                          <m:e>
+                            <m:r>
+                              <a:rPr lang="en-US" b="0" i="1" smtClean="0">
+                                <a:latin typeface="Cambria Math" panose="02040503050406030204" pitchFamily="18" charset="0"/>
+                              </a:rPr>
+                              <m:t>+</m:t>
+                            </m:r>
+                          </m:e>
+                        </m:d>
+                        <m:d>
+                          <m:dPr>
+                            <m:begChr m:val="⟨"/>
+                            <m:endChr m:val="|"/>
+                            <m:ctrlPr>
+                              <a:rPr lang="en-US" i="1">
+                                <a:latin typeface="Cambria Math" panose="02040503050406030204" pitchFamily="18" charset="0"/>
+                              </a:rPr>
+                            </m:ctrlPr>
+                          </m:dPr>
+                          <m:e>
+                            <m:r>
+                              <a:rPr lang="en-US" b="0" i="1" smtClean="0">
+                                <a:latin typeface="Cambria Math" panose="02040503050406030204" pitchFamily="18" charset="0"/>
+                              </a:rPr>
+                              <m:t>+</m:t>
+                            </m:r>
+                          </m:e>
+                        </m:d>
+                      </m:e>
+                    </m:d>
+                    <m:r>
+                      <a:rPr lang="en-US" i="1">
+                        <a:latin typeface="Cambria Math" panose="02040503050406030204" pitchFamily="18" charset="0"/>
+                      </a:rPr>
+                      <m:t>=</m:t>
+                    </m:r>
+                    <m:bar>
+                      <m:barPr>
+                        <m:pos m:val="top"/>
+                        <m:ctrlPr>
+                          <a:rPr lang="en-US" i="1">
+                            <a:latin typeface="Cambria Math" panose="02040503050406030204" pitchFamily="18" charset="0"/>
+                          </a:rPr>
+                        </m:ctrlPr>
+                      </m:barPr>
+                      <m:e>
+                        <m:r>
+                          <a:rPr lang="en-US" i="1">
+                            <a:latin typeface="Cambria Math" panose="02040503050406030204" pitchFamily="18" charset="0"/>
+                          </a:rPr>
+                          <m:t>𝜇</m:t>
+                        </m:r>
+                      </m:e>
+                    </m:bar>
+                    <m:d>
+                      <m:dPr>
+                        <m:ctrlPr>
+                          <a:rPr lang="en-US" i="1">
+                            <a:latin typeface="Cambria Math" panose="02040503050406030204" pitchFamily="18" charset="0"/>
+                          </a:rPr>
+                        </m:ctrlPr>
+                      </m:dPr>
+                      <m:e>
+                        <m:d>
+                          <m:dPr>
+                            <m:begChr m:val="|"/>
+                            <m:endChr m:val="⟩"/>
+                            <m:ctrlPr>
+                              <a:rPr lang="en-US" i="1">
+                                <a:latin typeface="Cambria Math" panose="02040503050406030204" pitchFamily="18" charset="0"/>
+                              </a:rPr>
+                            </m:ctrlPr>
+                          </m:dPr>
+                          <m:e>
+                            <m:r>
+                              <a:rPr lang="en-US" b="0" i="1" smtClean="0">
+                                <a:latin typeface="Cambria Math" panose="02040503050406030204" pitchFamily="18" charset="0"/>
+                              </a:rPr>
+                              <m:t>+′</m:t>
+                            </m:r>
+                          </m:e>
+                        </m:d>
+                        <m:d>
+                          <m:dPr>
+                            <m:begChr m:val="⟨"/>
+                            <m:endChr m:val="|"/>
+                            <m:ctrlPr>
+                              <a:rPr lang="en-US" i="1">
+                                <a:latin typeface="Cambria Math" panose="02040503050406030204" pitchFamily="18" charset="0"/>
+                              </a:rPr>
+                            </m:ctrlPr>
+                          </m:dPr>
+                          <m:e>
+                            <m:r>
+                              <a:rPr lang="en-US" b="0" i="1" smtClean="0">
+                                <a:latin typeface="Cambria Math" panose="02040503050406030204" pitchFamily="18" charset="0"/>
+                              </a:rPr>
+                              <m:t>+′</m:t>
+                            </m:r>
+                          </m:e>
+                        </m:d>
+                      </m:e>
+                    </m:d>
+                  </m:oMath>
+                </a14:m>
+                <a:r>
+                  <a:rPr lang="en-US" dirty="0" smtClean="0"/>
+                  <a:t/>
+                </a:r>
+                <a:br>
+                  <a:rPr lang="en-US" dirty="0" smtClean="0"/>
+                </a:br>
+                <a14:m>
+                  <m:oMath xmlns:m="http://schemas.openxmlformats.org/officeDocument/2006/math">
                     <m:d>
                       <m:dPr>
                         <m:begChr m:val="["/>
@@ -15237,283 +19294,517 @@
                         </m:ctrlPr>
                       </m:dPr>
                       <m:e>
-                        <m:func>
-                          <m:funcPr>
+                        <m:r>
+                          <a:rPr lang="en-US" b="0" i="1" smtClean="0">
+                            <a:latin typeface="Cambria Math" panose="02040503050406030204" pitchFamily="18" charset="0"/>
+                          </a:rPr>
+                          <m:t>1</m:t>
+                        </m:r>
+                        <m:r>
+                          <a:rPr lang="en-US" i="1">
+                            <a:latin typeface="Cambria Math" panose="02040503050406030204" pitchFamily="18" charset="0"/>
+                          </a:rPr>
+                          <m:t>,</m:t>
+                        </m:r>
+                        <m:r>
+                          <a:rPr lang="en-US" b="0" i="1" smtClean="0">
+                            <a:latin typeface="Cambria Math" panose="02040503050406030204" pitchFamily="18" charset="0"/>
+                          </a:rPr>
+                          <m:t>1</m:t>
+                        </m:r>
+                      </m:e>
+                    </m:d>
+                    <m:r>
+                      <a:rPr lang="en-US" i="1">
+                        <a:latin typeface="Cambria Math" panose="02040503050406030204" pitchFamily="18" charset="0"/>
+                      </a:rPr>
+                      <m:t>=</m:t>
+                    </m:r>
+                    <m:bar>
+                      <m:barPr>
+                        <m:pos m:val="top"/>
+                        <m:ctrlPr>
+                          <a:rPr lang="en-US" i="1">
+                            <a:latin typeface="Cambria Math" panose="02040503050406030204" pitchFamily="18" charset="0"/>
+                          </a:rPr>
+                        </m:ctrlPr>
+                      </m:barPr>
+                      <m:e>
+                        <m:r>
+                          <a:rPr lang="en-US" i="1">
+                            <a:latin typeface="Cambria Math" panose="02040503050406030204" pitchFamily="18" charset="0"/>
+                          </a:rPr>
+                          <m:t>𝜇</m:t>
+                        </m:r>
+                      </m:e>
+                    </m:bar>
+                    <m:d>
+                      <m:dPr>
+                        <m:ctrlPr>
+                          <a:rPr lang="en-US" i="1">
+                            <a:latin typeface="Cambria Math" panose="02040503050406030204" pitchFamily="18" charset="0"/>
+                          </a:rPr>
+                        </m:ctrlPr>
+                      </m:dPr>
+                      <m:e>
+                        <m:r>
+                          <a:rPr lang="en-US" b="0" i="1" smtClean="0">
+                            <a:latin typeface="Cambria Math" panose="02040503050406030204" pitchFamily="18" charset="0"/>
+                          </a:rPr>
+                          <m:t>𝟙</m:t>
+                        </m:r>
+                      </m:e>
+                    </m:d>
+                    <m:r>
+                      <a:rPr lang="en-US" i="1">
+                        <a:latin typeface="Cambria Math" panose="02040503050406030204" pitchFamily="18" charset="0"/>
+                      </a:rPr>
+                      <m:t>=</m:t>
+                    </m:r>
+                    <m:bar>
+                      <m:barPr>
+                        <m:pos m:val="top"/>
+                        <m:ctrlPr>
+                          <a:rPr lang="en-US" i="1">
+                            <a:latin typeface="Cambria Math" panose="02040503050406030204" pitchFamily="18" charset="0"/>
+                          </a:rPr>
+                        </m:ctrlPr>
+                      </m:barPr>
+                      <m:e>
+                        <m:r>
+                          <a:rPr lang="en-US" i="1">
+                            <a:latin typeface="Cambria Math" panose="02040503050406030204" pitchFamily="18" charset="0"/>
+                          </a:rPr>
+                          <m:t>𝜇</m:t>
+                        </m:r>
+                      </m:e>
+                    </m:bar>
+                    <m:d>
+                      <m:dPr>
+                        <m:ctrlPr>
+                          <a:rPr lang="en-US" i="1">
+                            <a:latin typeface="Cambria Math" panose="02040503050406030204" pitchFamily="18" charset="0"/>
+                          </a:rPr>
+                        </m:ctrlPr>
+                      </m:dPr>
+                      <m:e>
+                        <m:r>
+                          <a:rPr lang="en-US" i="1">
+                            <a:latin typeface="Cambria Math" panose="02040503050406030204" pitchFamily="18" charset="0"/>
+                          </a:rPr>
+                          <m:t>𝟙</m:t>
+                        </m:r>
+                        <m:r>
+                          <a:rPr lang="en-US" b="0" i="1" smtClean="0">
+                            <a:latin typeface="Cambria Math" panose="02040503050406030204" pitchFamily="18" charset="0"/>
+                          </a:rPr>
+                          <m:t>−</m:t>
+                        </m:r>
+                        <m:d>
+                          <m:dPr>
+                            <m:begChr m:val="|"/>
+                            <m:endChr m:val="⟩"/>
                             <m:ctrlPr>
                               <a:rPr lang="en-US" i="1">
                                 <a:latin typeface="Cambria Math" panose="02040503050406030204" pitchFamily="18" charset="0"/>
                               </a:rPr>
                             </m:ctrlPr>
-                          </m:funcPr>
-                          <m:fName>
-                            <m:limLow>
-                              <m:limLowPr>
-                                <m:ctrlPr>
-                                  <a:rPr lang="en-US" i="1">
-                                    <a:latin typeface="Cambria Math" panose="02040503050406030204" pitchFamily="18" charset="0"/>
-                                  </a:rPr>
-                                </m:ctrlPr>
-                              </m:limLowPr>
-                              <m:e>
-                                <m:r>
-                                  <m:rPr>
-                                    <m:sty m:val="p"/>
-                                  </m:rPr>
-                                  <a:rPr lang="en-US">
-                                    <a:latin typeface="Cambria Math" panose="02040503050406030204" pitchFamily="18" charset="0"/>
-                                  </a:rPr>
-                                  <m:t>min</m:t>
-                                </m:r>
-                              </m:e>
-                              <m:lim>
-                                <m:r>
-                                  <a:rPr lang="en-US" i="1">
-                                    <a:latin typeface="Cambria Math" panose="02040503050406030204" pitchFamily="18" charset="0"/>
-                                  </a:rPr>
-                                  <m:t>𝜇</m:t>
-                                </m:r>
-                                <m:r>
-                                  <a:rPr lang="en-US" i="1">
-                                    <a:latin typeface="Cambria Math" panose="02040503050406030204" pitchFamily="18" charset="0"/>
-                                  </a:rPr>
-                                  <m:t>∈</m:t>
-                                </m:r>
-                                <m:r>
-                                  <m:rPr>
-                                    <m:nor/>
-                                  </m:rPr>
-                                  <a:rPr lang="en-US">
-                                    <a:latin typeface="Cambria Math" panose="02040503050406030204" pitchFamily="18" charset="0"/>
-                                  </a:rPr>
-                                  <m:t>core</m:t>
-                                </m:r>
-                                <m:d>
-                                  <m:dPr>
-                                    <m:ctrlPr>
-                                      <a:rPr lang="en-US" i="1">
-                                        <a:latin typeface="Cambria Math" panose="02040503050406030204" pitchFamily="18" charset="0"/>
-                                      </a:rPr>
-                                    </m:ctrlPr>
-                                  </m:dPr>
-                                  <m:e>
-                                    <m:bar>
-                                      <m:barPr>
-                                        <m:pos m:val="top"/>
-                                        <m:ctrlPr>
-                                          <a:rPr lang="en-US" i="1">
-                                            <a:latin typeface="Cambria Math" panose="02040503050406030204" pitchFamily="18" charset="0"/>
-                                          </a:rPr>
-                                        </m:ctrlPr>
-                                      </m:barPr>
-                                      <m:e>
-                                        <m:r>
-                                          <a:rPr lang="en-US" i="1">
-                                            <a:latin typeface="Cambria Math" panose="02040503050406030204" pitchFamily="18" charset="0"/>
-                                          </a:rPr>
-                                          <m:t>𝜇</m:t>
-                                        </m:r>
-                                      </m:e>
-                                    </m:bar>
-                                  </m:e>
-                                </m:d>
-                              </m:lim>
-                            </m:limLow>
-                          </m:fName>
+                          </m:dPr>
                           <m:e>
-                            <m:nary>
-                              <m:naryPr>
-                                <m:limLoc m:val="undOvr"/>
-                                <m:subHide m:val="on"/>
-                                <m:supHide m:val="on"/>
-                                <m:ctrlPr>
-                                  <a:rPr lang="en-US" i="1">
-                                    <a:latin typeface="Cambria Math" panose="02040503050406030204" pitchFamily="18" charset="0"/>
-                                  </a:rPr>
-                                </m:ctrlPr>
-                              </m:naryPr>
-                              <m:sub/>
-                              <m:sup/>
-                              <m:e>
-                                <m:r>
-                                  <a:rPr lang="en-US" i="1">
-                                    <a:latin typeface="Cambria Math" panose="02040503050406030204" pitchFamily="18" charset="0"/>
-                                  </a:rPr>
-                                  <m:t>𝑋</m:t>
-                                </m:r>
-                              </m:e>
-                            </m:nary>
                             <m:r>
                               <a:rPr lang="en-US" i="1">
                                 <a:latin typeface="Cambria Math" panose="02040503050406030204" pitchFamily="18" charset="0"/>
                               </a:rPr>
-                              <m:t>ⅆ</m:t>
-                            </m:r>
-                            <m:r>
-                              <a:rPr lang="en-US" i="1">
-                                <a:latin typeface="Cambria Math" panose="02040503050406030204" pitchFamily="18" charset="0"/>
-                              </a:rPr>
-                              <m:t>𝜇</m:t>
+                              <m:t>0</m:t>
                             </m:r>
                           </m:e>
-                        </m:func>
-                        <m:r>
-                          <a:rPr lang="en-US" i="1">
-                            <a:latin typeface="Cambria Math" panose="02040503050406030204" pitchFamily="18" charset="0"/>
-                          </a:rPr>
-                          <m:t>,</m:t>
-                        </m:r>
-                        <m:func>
-                          <m:funcPr>
+                        </m:d>
+                        <m:d>
+                          <m:dPr>
+                            <m:begChr m:val="⟨"/>
+                            <m:endChr m:val="|"/>
                             <m:ctrlPr>
                               <a:rPr lang="en-US" i="1">
                                 <a:latin typeface="Cambria Math" panose="02040503050406030204" pitchFamily="18" charset="0"/>
                               </a:rPr>
                             </m:ctrlPr>
-                          </m:funcPr>
-                          <m:fName>
-                            <m:limLow>
-                              <m:limLowPr>
-                                <m:ctrlPr>
-                                  <a:rPr lang="en-US" i="1">
-                                    <a:latin typeface="Cambria Math" panose="02040503050406030204" pitchFamily="18" charset="0"/>
-                                  </a:rPr>
-                                </m:ctrlPr>
-                              </m:limLowPr>
-                              <m:e>
-                                <m:r>
-                                  <m:rPr>
-                                    <m:sty m:val="p"/>
-                                  </m:rPr>
-                                  <a:rPr lang="en-US">
-                                    <a:latin typeface="Cambria Math" panose="02040503050406030204" pitchFamily="18" charset="0"/>
-                                  </a:rPr>
-                                  <m:t>max</m:t>
-                                </m:r>
-                              </m:e>
-                              <m:lim>
-                                <m:r>
-                                  <a:rPr lang="en-US" i="1">
-                                    <a:latin typeface="Cambria Math" panose="02040503050406030204" pitchFamily="18" charset="0"/>
-                                  </a:rPr>
-                                  <m:t>𝜇</m:t>
-                                </m:r>
-                                <m:r>
-                                  <a:rPr lang="en-US" i="1">
-                                    <a:latin typeface="Cambria Math" panose="02040503050406030204" pitchFamily="18" charset="0"/>
-                                  </a:rPr>
-                                  <m:t>∈</m:t>
-                                </m:r>
-                                <m:r>
-                                  <m:rPr>
-                                    <m:nor/>
-                                  </m:rPr>
-                                  <a:rPr lang="en-US">
-                                    <a:latin typeface="Cambria Math" panose="02040503050406030204" pitchFamily="18" charset="0"/>
-                                  </a:rPr>
-                                  <m:t>core</m:t>
-                                </m:r>
-                                <m:d>
-                                  <m:dPr>
-                                    <m:ctrlPr>
-                                      <a:rPr lang="en-US" i="1">
-                                        <a:latin typeface="Cambria Math" panose="02040503050406030204" pitchFamily="18" charset="0"/>
-                                      </a:rPr>
-                                    </m:ctrlPr>
-                                  </m:dPr>
-                                  <m:e>
-                                    <m:bar>
-                                      <m:barPr>
-                                        <m:pos m:val="top"/>
-                                        <m:ctrlPr>
-                                          <a:rPr lang="en-US" i="1">
-                                            <a:latin typeface="Cambria Math" panose="02040503050406030204" pitchFamily="18" charset="0"/>
-                                          </a:rPr>
-                                        </m:ctrlPr>
-                                      </m:barPr>
-                                      <m:e>
-                                        <m:r>
-                                          <a:rPr lang="en-US" i="1">
-                                            <a:latin typeface="Cambria Math" panose="02040503050406030204" pitchFamily="18" charset="0"/>
-                                          </a:rPr>
-                                          <m:t>𝜇</m:t>
-                                        </m:r>
-                                      </m:e>
-                                    </m:bar>
-                                  </m:e>
-                                </m:d>
-                              </m:lim>
-                            </m:limLow>
-                          </m:fName>
+                          </m:dPr>
                           <m:e>
-                            <m:nary>
-                              <m:naryPr>
-                                <m:limLoc m:val="undOvr"/>
-                                <m:subHide m:val="on"/>
-                                <m:supHide m:val="on"/>
-                                <m:ctrlPr>
-                                  <a:rPr lang="en-US" i="1">
-                                    <a:latin typeface="Cambria Math" panose="02040503050406030204" pitchFamily="18" charset="0"/>
-                                  </a:rPr>
-                                </m:ctrlPr>
-                              </m:naryPr>
-                              <m:sub/>
-                              <m:sup/>
-                              <m:e>
-                                <m:r>
-                                  <a:rPr lang="en-US" i="1">
-                                    <a:latin typeface="Cambria Math" panose="02040503050406030204" pitchFamily="18" charset="0"/>
-                                  </a:rPr>
-                                  <m:t>𝑋</m:t>
-                                </m:r>
-                              </m:e>
-                            </m:nary>
                             <m:r>
                               <a:rPr lang="en-US" i="1">
                                 <a:latin typeface="Cambria Math" panose="02040503050406030204" pitchFamily="18" charset="0"/>
                               </a:rPr>
-                              <m:t>ⅆ</m:t>
+                              <m:t>0</m:t>
                             </m:r>
+                          </m:e>
+                        </m:d>
+                      </m:e>
+                    </m:d>
+                    <m:r>
+                      <a:rPr lang="en-US" i="1">
+                        <a:latin typeface="Cambria Math" panose="02040503050406030204" pitchFamily="18" charset="0"/>
+                      </a:rPr>
+                      <m:t>=</m:t>
+                    </m:r>
+                    <m:bar>
+                      <m:barPr>
+                        <m:pos m:val="top"/>
+                        <m:ctrlPr>
+                          <a:rPr lang="en-US" i="1">
+                            <a:latin typeface="Cambria Math" panose="02040503050406030204" pitchFamily="18" charset="0"/>
+                          </a:rPr>
+                        </m:ctrlPr>
+                      </m:barPr>
+                      <m:e>
+                        <m:r>
+                          <a:rPr lang="en-US" i="1">
+                            <a:latin typeface="Cambria Math" panose="02040503050406030204" pitchFamily="18" charset="0"/>
+                          </a:rPr>
+                          <m:t>𝜇</m:t>
+                        </m:r>
+                      </m:e>
+                    </m:bar>
+                    <m:d>
+                      <m:dPr>
+                        <m:ctrlPr>
+                          <a:rPr lang="en-US" i="1">
+                            <a:latin typeface="Cambria Math" panose="02040503050406030204" pitchFamily="18" charset="0"/>
+                          </a:rPr>
+                        </m:ctrlPr>
+                      </m:dPr>
+                      <m:e>
+                        <m:r>
+                          <a:rPr lang="en-US" i="1">
+                            <a:latin typeface="Cambria Math" panose="02040503050406030204" pitchFamily="18" charset="0"/>
+                          </a:rPr>
+                          <m:t>𝟙</m:t>
+                        </m:r>
+                        <m:r>
+                          <a:rPr lang="en-US" b="0" i="1" smtClean="0">
+                            <a:latin typeface="Cambria Math" panose="02040503050406030204" pitchFamily="18" charset="0"/>
+                          </a:rPr>
+                          <m:t>−</m:t>
+                        </m:r>
+                        <m:d>
+                          <m:dPr>
+                            <m:begChr m:val="|"/>
+                            <m:endChr m:val="⟩"/>
+                            <m:ctrlPr>
+                              <a:rPr lang="en-US" i="1">
+                                <a:latin typeface="Cambria Math" panose="02040503050406030204" pitchFamily="18" charset="0"/>
+                              </a:rPr>
+                            </m:ctrlPr>
+                          </m:dPr>
+                          <m:e>
                             <m:r>
                               <a:rPr lang="en-US" i="1">
                                 <a:latin typeface="Cambria Math" panose="02040503050406030204" pitchFamily="18" charset="0"/>
                               </a:rPr>
-                              <m:t>𝜇</m:t>
+                              <m:t>+</m:t>
                             </m:r>
                           </m:e>
-                        </m:func>
+                        </m:d>
+                        <m:d>
+                          <m:dPr>
+                            <m:begChr m:val="⟨"/>
+                            <m:endChr m:val="|"/>
+                            <m:ctrlPr>
+                              <a:rPr lang="en-US" i="1">
+                                <a:latin typeface="Cambria Math" panose="02040503050406030204" pitchFamily="18" charset="0"/>
+                              </a:rPr>
+                            </m:ctrlPr>
+                          </m:dPr>
+                          <m:e>
+                            <m:r>
+                              <a:rPr lang="en-US" i="1">
+                                <a:latin typeface="Cambria Math" panose="02040503050406030204" pitchFamily="18" charset="0"/>
+                              </a:rPr>
+                              <m:t>+</m:t>
+                            </m:r>
+                          </m:e>
+                        </m:d>
                       </m:e>
                     </m:d>
+                    <m:r>
+                      <a:rPr lang="en-US" i="1">
+                        <a:latin typeface="Cambria Math" panose="02040503050406030204" pitchFamily="18" charset="0"/>
+                      </a:rPr>
+                      <m:t>=</m:t>
+                    </m:r>
+                    <m:bar>
+                      <m:barPr>
+                        <m:pos m:val="top"/>
+                        <m:ctrlPr>
+                          <a:rPr lang="en-US" i="1">
+                            <a:latin typeface="Cambria Math" panose="02040503050406030204" pitchFamily="18" charset="0"/>
+                          </a:rPr>
+                        </m:ctrlPr>
+                      </m:barPr>
+                      <m:e>
+                        <m:r>
+                          <a:rPr lang="en-US" i="1">
+                            <a:latin typeface="Cambria Math" panose="02040503050406030204" pitchFamily="18" charset="0"/>
+                          </a:rPr>
+                          <m:t>𝜇</m:t>
+                        </m:r>
+                      </m:e>
+                    </m:bar>
+                    <m:d>
+                      <m:dPr>
+                        <m:ctrlPr>
+                          <a:rPr lang="en-US" i="1">
+                            <a:latin typeface="Cambria Math" panose="02040503050406030204" pitchFamily="18" charset="0"/>
+                          </a:rPr>
+                        </m:ctrlPr>
+                      </m:dPr>
+                      <m:e>
+                        <m:r>
+                          <a:rPr lang="en-US" i="1">
+                            <a:latin typeface="Cambria Math" panose="02040503050406030204" pitchFamily="18" charset="0"/>
+                          </a:rPr>
+                          <m:t>𝟙</m:t>
+                        </m:r>
+                        <m:r>
+                          <a:rPr lang="en-US" b="0" i="1" smtClean="0">
+                            <a:latin typeface="Cambria Math" panose="02040503050406030204" pitchFamily="18" charset="0"/>
+                          </a:rPr>
+                          <m:t>−</m:t>
+                        </m:r>
+                        <m:d>
+                          <m:dPr>
+                            <m:begChr m:val="|"/>
+                            <m:endChr m:val="⟩"/>
+                            <m:ctrlPr>
+                              <a:rPr lang="en-US" i="1">
+                                <a:latin typeface="Cambria Math" panose="02040503050406030204" pitchFamily="18" charset="0"/>
+                              </a:rPr>
+                            </m:ctrlPr>
+                          </m:dPr>
+                          <m:e>
+                            <m:r>
+                              <a:rPr lang="en-US" i="1">
+                                <a:latin typeface="Cambria Math" panose="02040503050406030204" pitchFamily="18" charset="0"/>
+                              </a:rPr>
+                              <m:t>+′</m:t>
+                            </m:r>
+                          </m:e>
+                        </m:d>
+                        <m:d>
+                          <m:dPr>
+                            <m:begChr m:val="⟨"/>
+                            <m:endChr m:val="|"/>
+                            <m:ctrlPr>
+                              <a:rPr lang="en-US" i="1">
+                                <a:latin typeface="Cambria Math" panose="02040503050406030204" pitchFamily="18" charset="0"/>
+                              </a:rPr>
+                            </m:ctrlPr>
+                          </m:dPr>
+                          <m:e>
+                            <m:r>
+                              <a:rPr lang="en-US" i="1">
+                                <a:latin typeface="Cambria Math" panose="02040503050406030204" pitchFamily="18" charset="0"/>
+                              </a:rPr>
+                              <m:t>+′</m:t>
+                            </m:r>
+                          </m:e>
+                        </m:d>
+                      </m:e>
+                    </m:d>
+                  </m:oMath>
+                </a14:m>
+                <a:r>
+                  <a:rPr lang="en-US" dirty="0" smtClean="0"/>
+                  <a:t/>
+                </a:r>
+                <a:br>
+                  <a:rPr lang="en-US" dirty="0" smtClean="0"/>
+                </a:br>
+                <a14:m>
+                  <m:oMath xmlns:m="http://schemas.openxmlformats.org/officeDocument/2006/math">
+                    <m:d>
+                      <m:dPr>
+                        <m:begChr m:val="["/>
+                        <m:endChr m:val="]"/>
+                        <m:ctrlPr>
+                          <a:rPr lang="en-US" b="0" i="1" smtClean="0">
+                            <a:latin typeface="Cambria Math" panose="02040503050406030204" pitchFamily="18" charset="0"/>
+                          </a:rPr>
+                        </m:ctrlPr>
+                      </m:dPr>
+                      <m:e>
+                        <m:r>
+                          <a:rPr lang="en-US" b="0" i="1" smtClean="0">
+                            <a:latin typeface="Cambria Math" panose="02040503050406030204" pitchFamily="18" charset="0"/>
+                          </a:rPr>
+                          <m:t>0,1</m:t>
+                        </m:r>
+                      </m:e>
+                    </m:d>
+                    <m:r>
+                      <a:rPr lang="en-US" b="0" i="1" smtClean="0">
+                        <a:latin typeface="Cambria Math" panose="02040503050406030204" pitchFamily="18" charset="0"/>
+                      </a:rPr>
+                      <m:t>=</m:t>
+                    </m:r>
+                    <m:bar>
+                      <m:barPr>
+                        <m:pos m:val="top"/>
+                        <m:ctrlPr>
+                          <a:rPr lang="en-US" i="1">
+                            <a:latin typeface="Cambria Math" panose="02040503050406030204" pitchFamily="18" charset="0"/>
+                          </a:rPr>
+                        </m:ctrlPr>
+                      </m:barPr>
+                      <m:e>
+                        <m:r>
+                          <a:rPr lang="en-US" i="1">
+                            <a:latin typeface="Cambria Math" panose="02040503050406030204" pitchFamily="18" charset="0"/>
+                          </a:rPr>
+                          <m:t>𝜇</m:t>
+                        </m:r>
+                      </m:e>
+                    </m:bar>
+                    <m:d>
+                      <m:dPr>
+                        <m:ctrlPr>
+                          <a:rPr lang="en-US" i="1">
+                            <a:latin typeface="Cambria Math" panose="02040503050406030204" pitchFamily="18" charset="0"/>
+                          </a:rPr>
+                        </m:ctrlPr>
+                      </m:dPr>
+                      <m:e>
+                        <m:r>
+                          <a:rPr lang="en-US" b="0" i="1" smtClean="0">
+                            <a:latin typeface="Cambria Math" panose="02040503050406030204" pitchFamily="18" charset="0"/>
+                          </a:rPr>
+                          <m:t>𝑃</m:t>
+                        </m:r>
+                      </m:e>
+                    </m:d>
+                    <m:r>
+                      <m:rPr>
+                        <m:nor/>
+                      </m:rPr>
+                      <a:rPr lang="en-US" b="0" i="0" smtClean="0">
+                        <a:latin typeface="Cambria Math" panose="02040503050406030204" pitchFamily="18" charset="0"/>
+                      </a:rPr>
+                      <m:t> , </m:t>
+                    </m:r>
+                    <m:r>
+                      <m:rPr>
+                        <m:nor/>
+                      </m:rPr>
+                      <a:rPr lang="en-US" b="0" i="0" smtClean="0">
+                        <a:latin typeface="Cambria Math" panose="02040503050406030204" pitchFamily="18" charset="0"/>
+                      </a:rPr>
+                      <m:t>otherwise</m:t>
+                    </m:r>
+                    <m:r>
+                      <m:rPr>
+                        <m:nor/>
+                      </m:rPr>
+                      <a:rPr lang="en-US" b="0" i="0" smtClean="0">
+                        <a:latin typeface="Cambria Math" panose="02040503050406030204" pitchFamily="18" charset="0"/>
+                      </a:rPr>
+                      <m:t>.</m:t>
+                    </m:r>
                   </m:oMath>
                 </a14:m>
                 <a:endParaRPr lang="en-US" dirty="0" smtClean="0"/>
               </a:p>
               <a:p>
-                <a:pPr>
-                  <a:lnSpc>
-                    <a:spcPct val="100000"/>
-                  </a:lnSpc>
-                </a:pPr>
+                <a:r>
+                  <a:rPr lang="en-US" dirty="0" smtClean="0"/>
+                  <a:t>It is straightforward to verify that </a:t>
+                </a:r>
+                <a14:m>
+                  <m:oMath xmlns:m="http://schemas.openxmlformats.org/officeDocument/2006/math">
+                    <m:bar>
+                      <m:barPr>
+                        <m:pos m:val="top"/>
+                        <m:ctrlPr>
+                          <a:rPr lang="en-US" i="1">
+                            <a:latin typeface="Cambria Math" panose="02040503050406030204" pitchFamily="18" charset="0"/>
+                          </a:rPr>
+                        </m:ctrlPr>
+                      </m:barPr>
+                      <m:e>
+                        <m:r>
+                          <a:rPr lang="en-US" i="1">
+                            <a:latin typeface="Cambria Math" panose="02040503050406030204" pitchFamily="18" charset="0"/>
+                          </a:rPr>
+                          <m:t>𝜇</m:t>
+                        </m:r>
+                      </m:e>
+                    </m:bar>
+                  </m:oMath>
+                </a14:m>
+                <a:r>
+                  <a:rPr lang="en-US" dirty="0" smtClean="0"/>
+                  <a:t> is a </a:t>
+                </a:r>
+                <a:r>
+                  <a:rPr lang="en-US" dirty="0" smtClean="0">
+                    <a:solidFill>
+                      <a:schemeClr val="accent2"/>
+                    </a:solidFill>
+                  </a:rPr>
+                  <a:t>convex</a:t>
+                </a:r>
+                <a:r>
+                  <a:rPr lang="en-US" dirty="0" smtClean="0"/>
+                  <a:t> </a:t>
+                </a:r>
+                <a:r>
+                  <a:rPr lang="en-US" dirty="0">
+                    <a:solidFill>
+                      <a:srgbClr val="FF0000"/>
+                    </a:solidFill>
+                  </a:rPr>
+                  <a:t>Q</a:t>
+                </a:r>
+                <a:r>
+                  <a:rPr lang="en-US" dirty="0">
+                    <a:solidFill>
+                      <a:schemeClr val="accent2"/>
+                    </a:solidFill>
+                  </a:rPr>
+                  <a:t>I</a:t>
+                </a:r>
+                <a:r>
+                  <a:rPr lang="en-US" dirty="0"/>
+                  <a:t>PVM</a:t>
+                </a:r>
+                <a:r>
+                  <a:rPr lang="en-US" dirty="0" smtClean="0"/>
+                  <a:t>.</a:t>
+                </a:r>
+              </a:p>
+              <a:p>
+                <a:endParaRPr lang="en-US" dirty="0" smtClean="0"/>
+              </a:p>
+              <a:p>
                 <a:endParaRPr lang="en-US" dirty="0"/>
               </a:p>
             </p:txBody>
           </p:sp>
         </mc:Choice>
-        <mc:Fallback xmlns="">
+        <mc:Fallback>
           <p:sp>
             <p:nvSpPr>
-              <p:cNvPr id="6" name="Content Placeholder 5"/>
+              <p:cNvPr id="3" name="Content Placeholder 2"/>
               <p:cNvSpPr>
                 <a:spLocks noGrp="1" noRot="1" noChangeAspect="1" noMove="1" noResize="1" noEditPoints="1" noAdjustHandles="1" noChangeArrowheads="1" noChangeShapeType="1" noTextEdit="1"/>
               </p:cNvSpPr>
               <p:nvPr>
-                <p:ph sz="quarter" idx="4"/>
+                <p:ph idx="1"/>
               </p:nvPr>
             </p:nvSpPr>
             <p:spPr>
               <a:blipFill rotWithShape="0">
-                <a:blip r:embed="rId3"/>
+                <a:blip r:embed="rId2"/>
                 <a:stretch>
-                  <a:fillRect l="-1647" t="-2318" r="-3059"/>
+                  <a:fillRect l="-1043" t="-2241"/>
                 </a:stretch>
               </a:blipFill>
             </p:spPr>
@@ -15535,7 +19826,7 @@
     </p:spTree>
     <p:extLst>
       <p:ext uri="{BB962C8B-B14F-4D97-AF65-F5344CB8AC3E}">
-        <p14:creationId xmlns:p14="http://schemas.microsoft.com/office/powerpoint/2010/main" val="4139383902"/>
+        <p14:creationId xmlns:p14="http://schemas.microsoft.com/office/powerpoint/2010/main" val="719002302"/>
       </p:ext>
     </p:extLst>
   </p:cSld>
@@ -15585,15 +19876,12 @@
           <a:lstStyle/>
           <a:p>
             <a:r>
-              <a:rPr lang="en-US" dirty="0"/>
-              <a:t>Kochen-Specker Theorem</a:t>
+              <a:rPr lang="en-US" dirty="0" smtClean="0"/>
+              <a:t>Expectation </a:t>
             </a:r>
-            <a:br>
-              <a:rPr lang="en-US" dirty="0"/>
-            </a:br>
             <a:r>
               <a:rPr lang="en-US" dirty="0"/>
-              <a:t>with Finite Precision Measurement</a:t>
+              <a:t>Value</a:t>
             </a:r>
           </a:p>
         </p:txBody>
@@ -15615,7 +19903,7 @@
           <a:p>
             <a:r>
               <a:rPr lang="en-US" dirty="0" smtClean="0"/>
-              <a:t>Yes, the Kochen-Specker Theorem still works even consider finite precision measurement modelled by QIVPM.</a:t>
+              <a:t>Yes, a convex QIVPM has an expectation value.</a:t>
             </a:r>
             <a:endParaRPr lang="en-US" dirty="0"/>
           </a:p>
@@ -15624,7 +19912,7 @@
     </p:spTree>
     <p:extLst>
       <p:ext uri="{BB962C8B-B14F-4D97-AF65-F5344CB8AC3E}">
-        <p14:creationId xmlns:p14="http://schemas.microsoft.com/office/powerpoint/2010/main" val="881549114"/>
+        <p14:creationId xmlns:p14="http://schemas.microsoft.com/office/powerpoint/2010/main" val="134585658"/>
       </p:ext>
     </p:extLst>
   </p:cSld>
@@ -15681,8 +19969,8 @@
           </a:p>
         </p:txBody>
       </p:sp>
-      <mc:AlternateContent xmlns:mc="http://schemas.openxmlformats.org/markup-compatibility/2006" xmlns:a14="http://schemas.microsoft.com/office/drawing/2010/main">
-        <mc:Choice Requires="a14">
+      <mc:AlternateContent xmlns:mc="http://schemas.openxmlformats.org/markup-compatibility/2006">
+        <mc:Choice xmlns:a14="http://schemas.microsoft.com/office/drawing/2010/main" Requires="a14">
           <p:graphicFrame>
             <p:nvGraphicFramePr>
               <p:cNvPr id="4" name="Content Placeholder 3"/>
@@ -15693,7 +19981,7 @@
                 <p:ph idx="1"/>
                 <p:extLst>
                   <p:ext uri="{D42A27DB-BD31-4B8C-83A1-F6EECF244321}">
-                    <p14:modId xmlns:p14="http://schemas.microsoft.com/office/powerpoint/2010/main" val="2610708364"/>
+                    <p14:modId xmlns:p14="http://schemas.microsoft.com/office/powerpoint/2010/main" val="365522292"/>
                   </p:ext>
                 </p:extLst>
               </p:nvPr>
@@ -16204,8 +20492,16 @@
                             <a:t> Precise </a:t>
                           </a:r>
                           <a:r>
+                            <a:rPr lang="en-US" dirty="0" smtClean="0">
+                              <a:solidFill>
+                                <a:schemeClr val="accent2"/>
+                              </a:solidFill>
+                            </a:rPr>
+                            <a:t>Real</a:t>
+                          </a:r>
+                          <a:r>
                             <a:rPr lang="en-US" dirty="0" smtClean="0"/>
-                            <a:t>Real-valued</a:t>
+                            <a:t>-valued</a:t>
                           </a:r>
                         </a:p>
                         <a:p>
@@ -17044,8 +21340,16 @@
                             <a:t>-Precision </a:t>
                           </a:r>
                           <a:r>
+                            <a:rPr lang="en-US" dirty="0" smtClean="0">
+                              <a:solidFill>
+                                <a:schemeClr val="accent2"/>
+                              </a:solidFill>
+                            </a:rPr>
+                            <a:t>Interval</a:t>
+                          </a:r>
+                          <a:r>
                             <a:rPr lang="en-US" dirty="0" smtClean="0"/>
-                            <a:t>Interval-valued</a:t>
+                            <a:t>-valued</a:t>
                           </a:r>
                         </a:p>
                         <a:p>
@@ -18146,7 +22450,7 @@
             </a:graphic>
           </p:graphicFrame>
         </mc:Choice>
-        <mc:Fallback xmlns="">
+        <mc:Fallback>
           <p:graphicFrame>
             <p:nvGraphicFramePr>
               <p:cNvPr id="4" name="Content Placeholder 3"/>
@@ -18157,7 +22461,7 @@
                 <p:ph idx="1"/>
                 <p:extLst>
                   <p:ext uri="{D42A27DB-BD31-4B8C-83A1-F6EECF244321}">
-                    <p14:modId xmlns:p14="http://schemas.microsoft.com/office/powerpoint/2010/main" val="2610708364"/>
+                    <p14:modId xmlns:p14="http://schemas.microsoft.com/office/powerpoint/2010/main" val="365522292"/>
                   </p:ext>
                 </p:extLst>
               </p:nvPr>
@@ -18522,6 +22826,1488 @@
           <a:lstStyle/>
           <a:p>
             <a:r>
+              <a:rPr lang="en-US"/>
+              <a:t>Expectation Value</a:t>
+            </a:r>
+            <a:endParaRPr lang="en-US" dirty="0"/>
+          </a:p>
+        </p:txBody>
+      </p:sp>
+      <p:sp>
+        <p:nvSpPr>
+          <p:cNvPr id="3" name="Text Placeholder 2"/>
+          <p:cNvSpPr>
+            <a:spLocks noGrp="1"/>
+          </p:cNvSpPr>
+          <p:nvPr>
+            <p:ph type="body" idx="1"/>
+          </p:nvPr>
+        </p:nvSpPr>
+        <p:spPr/>
+        <p:txBody>
+          <a:bodyPr/>
+          <a:lstStyle/>
+          <a:p>
+            <a:r>
+              <a:rPr lang="en-US" dirty="0">
+                <a:solidFill>
+                  <a:srgbClr val="FF0000"/>
+                </a:solidFill>
+              </a:rPr>
+              <a:t>Classical</a:t>
+            </a:r>
+            <a:r>
+              <a:rPr lang="en-US" dirty="0"/>
+              <a:t> Interval-Valued Probability Measure (</a:t>
+            </a:r>
+            <a:r>
+              <a:rPr lang="en-US" dirty="0">
+                <a:solidFill>
+                  <a:srgbClr val="FF0000"/>
+                </a:solidFill>
+              </a:rPr>
+              <a:t>C</a:t>
+            </a:r>
+            <a:r>
+              <a:rPr lang="en-US" dirty="0"/>
+              <a:t>IVPM</a:t>
+            </a:r>
+            <a:r>
+              <a:rPr lang="en-US" dirty="0" smtClean="0"/>
+              <a:t>)</a:t>
+            </a:r>
+            <a:endParaRPr lang="en-US" dirty="0"/>
+          </a:p>
+        </p:txBody>
+      </p:sp>
+      <mc:AlternateContent xmlns:mc="http://schemas.openxmlformats.org/markup-compatibility/2006" xmlns:a14="http://schemas.microsoft.com/office/drawing/2010/main">
+        <mc:Choice Requires="a14">
+          <p:sp>
+            <p:nvSpPr>
+              <p:cNvPr id="4" name="Content Placeholder 3"/>
+              <p:cNvSpPr>
+                <a:spLocks noGrp="1"/>
+              </p:cNvSpPr>
+              <p:nvPr>
+                <p:ph sz="half" idx="2"/>
+              </p:nvPr>
+            </p:nvSpPr>
+            <p:spPr/>
+            <p:txBody>
+              <a:bodyPr>
+                <a:normAutofit fontScale="85000" lnSpcReduction="10000"/>
+              </a:bodyPr>
+              <a:lstStyle/>
+              <a:p>
+                <a:pPr>
+                  <a:lnSpc>
+                    <a:spcPct val="95000"/>
+                  </a:lnSpc>
+                </a:pPr>
+                <a:r>
+                  <a:rPr lang="en-US" dirty="0" smtClean="0">
+                    <a:solidFill>
+                      <a:schemeClr val="tx1"/>
+                    </a:solidFill>
+                  </a:rPr>
+                  <a:t>For every convex CIVPM</a:t>
+                </a:r>
+                <a:r>
+                  <a:rPr lang="en-US" dirty="0">
+                    <a:solidFill>
+                      <a:schemeClr val="tx1"/>
+                    </a:solidFill>
+                  </a:rPr>
+                  <a:t> </a:t>
+                </a:r>
+                <a14:m>
+                  <m:oMath xmlns:m="http://schemas.openxmlformats.org/officeDocument/2006/math">
+                    <m:bar>
+                      <m:barPr>
+                        <m:pos m:val="top"/>
+                        <m:ctrlPr>
+                          <a:rPr lang="en-US" i="1">
+                            <a:solidFill>
+                              <a:schemeClr val="tx1"/>
+                            </a:solidFill>
+                            <a:latin typeface="Cambria Math" panose="02040503050406030204" pitchFamily="18" charset="0"/>
+                          </a:rPr>
+                        </m:ctrlPr>
+                      </m:barPr>
+                      <m:e>
+                        <m:r>
+                          <a:rPr lang="en-US" i="1">
+                            <a:solidFill>
+                              <a:schemeClr val="tx1"/>
+                            </a:solidFill>
+                            <a:latin typeface="Cambria Math" panose="02040503050406030204" pitchFamily="18" charset="0"/>
+                          </a:rPr>
+                          <m:t>𝜇</m:t>
+                        </m:r>
+                      </m:e>
+                    </m:bar>
+                    <m:r>
+                      <a:rPr lang="en-US" i="1">
+                        <a:solidFill>
+                          <a:schemeClr val="tx1"/>
+                        </a:solidFill>
+                        <a:latin typeface="Cambria Math" panose="02040503050406030204" pitchFamily="18" charset="0"/>
+                      </a:rPr>
+                      <m:t>:</m:t>
+                    </m:r>
+                    <m:r>
+                      <a:rPr lang="en-US" i="1">
+                        <a:latin typeface="Cambria Math" panose="02040503050406030204" pitchFamily="18" charset="0"/>
+                        <a:ea typeface="Cambria Math" panose="02040503050406030204" pitchFamily="18" charset="0"/>
+                      </a:rPr>
+                      <m:t>ℰ</m:t>
+                    </m:r>
+                    <m:r>
+                      <a:rPr lang="en-US">
+                        <a:solidFill>
+                          <a:schemeClr val="tx1"/>
+                        </a:solidFill>
+                        <a:latin typeface="Cambria Math" panose="02040503050406030204" pitchFamily="18" charset="0"/>
+                        <a:ea typeface="Cambria Math" panose="02040503050406030204" pitchFamily="18" charset="0"/>
+                      </a:rPr>
+                      <m:t>→</m:t>
+                    </m:r>
+                    <m:d>
+                      <m:dPr>
+                        <m:begChr m:val=""/>
+                        <m:endChr m:val=""/>
+                        <m:ctrlPr>
+                          <a:rPr lang="en-US" i="1">
+                            <a:solidFill>
+                              <a:schemeClr val="tx1"/>
+                            </a:solidFill>
+                            <a:latin typeface="Cambria Math" panose="02040503050406030204" pitchFamily="18" charset="0"/>
+                            <a:ea typeface="Cambria Math" panose="02040503050406030204" pitchFamily="18" charset="0"/>
+                            <a:cs typeface="XITS Math" panose="02000503000000000000" pitchFamily="50" charset="0"/>
+                          </a:rPr>
+                        </m:ctrlPr>
+                      </m:dPr>
+                      <m:e>
+                        <m:r>
+                          <a:rPr lang="en-US" i="1">
+                            <a:solidFill>
+                              <a:schemeClr val="tx1"/>
+                            </a:solidFill>
+                            <a:latin typeface="XITS Math" panose="02000503000000000000" pitchFamily="50" charset="0"/>
+                            <a:ea typeface="XITS Math" panose="02000503000000000000" pitchFamily="50" charset="0"/>
+                            <a:cs typeface="XITS Math" panose="02000503000000000000" pitchFamily="50" charset="0"/>
+                          </a:rPr>
+                          <m:t>ℐ</m:t>
+                        </m:r>
+                      </m:e>
+                    </m:d>
+                  </m:oMath>
+                </a14:m>
+                <a:r>
+                  <a:rPr lang="en-US" dirty="0">
+                    <a:solidFill>
+                      <a:schemeClr val="tx1"/>
+                    </a:solidFill>
+                  </a:rPr>
+                  <a:t> and any random variable </a:t>
+                </a:r>
+                <a14:m>
+                  <m:oMath xmlns:m="http://schemas.openxmlformats.org/officeDocument/2006/math">
+                    <m:r>
+                      <a:rPr lang="en-US" i="1">
+                        <a:solidFill>
+                          <a:schemeClr val="tx1"/>
+                        </a:solidFill>
+                        <a:latin typeface="Cambria Math" panose="02040503050406030204" pitchFamily="18" charset="0"/>
+                      </a:rPr>
+                      <m:t>𝑋</m:t>
+                    </m:r>
+                    <m:r>
+                      <a:rPr lang="en-US" i="1">
+                        <a:solidFill>
+                          <a:schemeClr val="tx1"/>
+                        </a:solidFill>
+                        <a:latin typeface="Cambria Math" panose="02040503050406030204" pitchFamily="18" charset="0"/>
+                      </a:rPr>
+                      <m:t>:</m:t>
+                    </m:r>
+                    <m:r>
+                      <m:rPr>
+                        <m:sty m:val="p"/>
+                      </m:rPr>
+                      <a:rPr lang="el-GR" i="1">
+                        <a:solidFill>
+                          <a:schemeClr val="tx1"/>
+                        </a:solidFill>
+                        <a:latin typeface="Cambria Math" panose="02040503050406030204" pitchFamily="18" charset="0"/>
+                        <a:ea typeface="Cambria Math" panose="02040503050406030204" pitchFamily="18" charset="0"/>
+                      </a:rPr>
+                      <m:t>Ω</m:t>
+                    </m:r>
+                    <m:r>
+                      <a:rPr lang="en-US">
+                        <a:solidFill>
+                          <a:schemeClr val="tx1"/>
+                        </a:solidFill>
+                        <a:latin typeface="Cambria Math" panose="02040503050406030204" pitchFamily="18" charset="0"/>
+                        <a:ea typeface="Cambria Math" panose="02040503050406030204" pitchFamily="18" charset="0"/>
+                      </a:rPr>
+                      <m:t>→</m:t>
+                    </m:r>
+                    <m:r>
+                      <a:rPr lang="en-US" i="1">
+                        <a:solidFill>
+                          <a:schemeClr val="tx1"/>
+                        </a:solidFill>
+                        <a:latin typeface="Cambria Math" panose="02040503050406030204" pitchFamily="18" charset="0"/>
+                        <a:ea typeface="Cambria Math" panose="02040503050406030204" pitchFamily="18" charset="0"/>
+                      </a:rPr>
+                      <m:t>ℝ</m:t>
+                    </m:r>
+                  </m:oMath>
+                </a14:m>
+                <a:r>
+                  <a:rPr lang="en-US" dirty="0">
+                    <a:solidFill>
+                      <a:schemeClr val="tx1"/>
+                    </a:solidFill>
+                  </a:rPr>
+                  <a:t>, </a:t>
+                </a:r>
+                <a:br>
+                  <a:rPr lang="en-US" dirty="0">
+                    <a:solidFill>
+                      <a:schemeClr val="tx1"/>
+                    </a:solidFill>
+                  </a:rPr>
+                </a:br>
+                <a14:m>
+                  <m:oMath xmlns:m="http://schemas.openxmlformats.org/officeDocument/2006/math">
+                    <m:nary>
+                      <m:naryPr>
+                        <m:limLoc m:val="undOvr"/>
+                        <m:subHide m:val="on"/>
+                        <m:supHide m:val="on"/>
+                        <m:ctrlPr>
+                          <a:rPr lang="en-US" i="1">
+                            <a:solidFill>
+                              <a:schemeClr val="tx1"/>
+                            </a:solidFill>
+                            <a:latin typeface="Cambria Math" panose="02040503050406030204" pitchFamily="18" charset="0"/>
+                          </a:rPr>
+                        </m:ctrlPr>
+                      </m:naryPr>
+                      <m:sub/>
+                      <m:sup/>
+                      <m:e>
+                        <m:r>
+                          <a:rPr lang="en-US" i="1">
+                            <a:solidFill>
+                              <a:schemeClr val="tx1"/>
+                            </a:solidFill>
+                            <a:latin typeface="Cambria Math" panose="02040503050406030204" pitchFamily="18" charset="0"/>
+                          </a:rPr>
+                          <m:t>𝑋</m:t>
+                        </m:r>
+                      </m:e>
+                    </m:nary>
+                    <m:r>
+                      <a:rPr lang="en-US" i="1">
+                        <a:solidFill>
+                          <a:schemeClr val="tx1"/>
+                        </a:solidFill>
+                        <a:latin typeface="Cambria Math" panose="02040503050406030204" pitchFamily="18" charset="0"/>
+                      </a:rPr>
+                      <m:t>ⅆ</m:t>
+                    </m:r>
+                    <m:bar>
+                      <m:barPr>
+                        <m:pos m:val="top"/>
+                        <m:ctrlPr>
+                          <a:rPr lang="en-US" i="1">
+                            <a:solidFill>
+                              <a:schemeClr val="tx1"/>
+                            </a:solidFill>
+                            <a:latin typeface="Cambria Math" panose="02040503050406030204" pitchFamily="18" charset="0"/>
+                          </a:rPr>
+                        </m:ctrlPr>
+                      </m:barPr>
+                      <m:e>
+                        <m:r>
+                          <a:rPr lang="en-US" i="1">
+                            <a:solidFill>
+                              <a:schemeClr val="tx1"/>
+                            </a:solidFill>
+                            <a:latin typeface="Cambria Math" panose="02040503050406030204" pitchFamily="18" charset="0"/>
+                          </a:rPr>
+                          <m:t>𝜇</m:t>
+                        </m:r>
+                      </m:e>
+                    </m:bar>
+                    <m:r>
+                      <a:rPr lang="en-US" i="1">
+                        <a:solidFill>
+                          <a:schemeClr val="tx1"/>
+                        </a:solidFill>
+                        <a:latin typeface="Cambria Math" panose="02040503050406030204" pitchFamily="18" charset="0"/>
+                      </a:rPr>
+                      <m:t>=</m:t>
+                    </m:r>
+                    <m:d>
+                      <m:dPr>
+                        <m:begChr m:val="["/>
+                        <m:endChr m:val="]"/>
+                        <m:ctrlPr>
+                          <a:rPr lang="en-US" i="1">
+                            <a:solidFill>
+                              <a:schemeClr val="tx1"/>
+                            </a:solidFill>
+                            <a:latin typeface="Cambria Math" panose="02040503050406030204" pitchFamily="18" charset="0"/>
+                          </a:rPr>
+                        </m:ctrlPr>
+                      </m:dPr>
+                      <m:e>
+                        <m:func>
+                          <m:funcPr>
+                            <m:ctrlPr>
+                              <a:rPr lang="en-US" i="1">
+                                <a:solidFill>
+                                  <a:schemeClr val="tx1"/>
+                                </a:solidFill>
+                                <a:latin typeface="Cambria Math" panose="02040503050406030204" pitchFamily="18" charset="0"/>
+                              </a:rPr>
+                            </m:ctrlPr>
+                          </m:funcPr>
+                          <m:fName>
+                            <m:limLow>
+                              <m:limLowPr>
+                                <m:ctrlPr>
+                                  <a:rPr lang="en-US" i="1">
+                                    <a:solidFill>
+                                      <a:schemeClr val="tx1"/>
+                                    </a:solidFill>
+                                    <a:latin typeface="Cambria Math" panose="02040503050406030204" pitchFamily="18" charset="0"/>
+                                  </a:rPr>
+                                </m:ctrlPr>
+                              </m:limLowPr>
+                              <m:e>
+                                <m:r>
+                                  <m:rPr>
+                                    <m:sty m:val="p"/>
+                                  </m:rPr>
+                                  <a:rPr lang="en-US">
+                                    <a:solidFill>
+                                      <a:schemeClr val="tx1"/>
+                                    </a:solidFill>
+                                    <a:latin typeface="Cambria Math" panose="02040503050406030204" pitchFamily="18" charset="0"/>
+                                  </a:rPr>
+                                  <m:t>min</m:t>
+                                </m:r>
+                              </m:e>
+                              <m:lim>
+                                <m:r>
+                                  <a:rPr lang="en-US" i="1">
+                                    <a:solidFill>
+                                      <a:schemeClr val="tx1"/>
+                                    </a:solidFill>
+                                    <a:latin typeface="Cambria Math" panose="02040503050406030204" pitchFamily="18" charset="0"/>
+                                  </a:rPr>
+                                  <m:t>𝜇</m:t>
+                                </m:r>
+                                <m:r>
+                                  <a:rPr lang="en-US" i="1">
+                                    <a:solidFill>
+                                      <a:schemeClr val="tx1"/>
+                                    </a:solidFill>
+                                    <a:latin typeface="Cambria Math" panose="02040503050406030204" pitchFamily="18" charset="0"/>
+                                  </a:rPr>
+                                  <m:t>∈</m:t>
+                                </m:r>
+                                <m:r>
+                                  <m:rPr>
+                                    <m:nor/>
+                                  </m:rPr>
+                                  <a:rPr lang="en-US">
+                                    <a:solidFill>
+                                      <a:schemeClr val="tx1"/>
+                                    </a:solidFill>
+                                    <a:latin typeface="Cambria Math" panose="02040503050406030204" pitchFamily="18" charset="0"/>
+                                  </a:rPr>
+                                  <m:t>core</m:t>
+                                </m:r>
+                                <m:d>
+                                  <m:dPr>
+                                    <m:ctrlPr>
+                                      <a:rPr lang="en-US" i="1">
+                                        <a:solidFill>
+                                          <a:schemeClr val="tx1"/>
+                                        </a:solidFill>
+                                        <a:latin typeface="Cambria Math" panose="02040503050406030204" pitchFamily="18" charset="0"/>
+                                      </a:rPr>
+                                    </m:ctrlPr>
+                                  </m:dPr>
+                                  <m:e>
+                                    <m:bar>
+                                      <m:barPr>
+                                        <m:pos m:val="top"/>
+                                        <m:ctrlPr>
+                                          <a:rPr lang="en-US" i="1">
+                                            <a:solidFill>
+                                              <a:schemeClr val="tx1"/>
+                                            </a:solidFill>
+                                            <a:latin typeface="Cambria Math" panose="02040503050406030204" pitchFamily="18" charset="0"/>
+                                          </a:rPr>
+                                        </m:ctrlPr>
+                                      </m:barPr>
+                                      <m:e>
+                                        <m:r>
+                                          <a:rPr lang="en-US" i="1">
+                                            <a:solidFill>
+                                              <a:schemeClr val="tx1"/>
+                                            </a:solidFill>
+                                            <a:latin typeface="Cambria Math" panose="02040503050406030204" pitchFamily="18" charset="0"/>
+                                          </a:rPr>
+                                          <m:t>𝜇</m:t>
+                                        </m:r>
+                                      </m:e>
+                                    </m:bar>
+                                  </m:e>
+                                </m:d>
+                              </m:lim>
+                            </m:limLow>
+                          </m:fName>
+                          <m:e>
+                            <m:nary>
+                              <m:naryPr>
+                                <m:limLoc m:val="undOvr"/>
+                                <m:subHide m:val="on"/>
+                                <m:supHide m:val="on"/>
+                                <m:ctrlPr>
+                                  <a:rPr lang="en-US" i="1">
+                                    <a:solidFill>
+                                      <a:schemeClr val="tx1"/>
+                                    </a:solidFill>
+                                    <a:latin typeface="Cambria Math" panose="02040503050406030204" pitchFamily="18" charset="0"/>
+                                  </a:rPr>
+                                </m:ctrlPr>
+                              </m:naryPr>
+                              <m:sub/>
+                              <m:sup/>
+                              <m:e>
+                                <m:r>
+                                  <a:rPr lang="en-US" i="1">
+                                    <a:solidFill>
+                                      <a:schemeClr val="tx1"/>
+                                    </a:solidFill>
+                                    <a:latin typeface="Cambria Math" panose="02040503050406030204" pitchFamily="18" charset="0"/>
+                                  </a:rPr>
+                                  <m:t>𝑋</m:t>
+                                </m:r>
+                              </m:e>
+                            </m:nary>
+                            <m:r>
+                              <a:rPr lang="en-US" i="1">
+                                <a:solidFill>
+                                  <a:schemeClr val="tx1"/>
+                                </a:solidFill>
+                                <a:latin typeface="Cambria Math" panose="02040503050406030204" pitchFamily="18" charset="0"/>
+                              </a:rPr>
+                              <m:t>ⅆ</m:t>
+                            </m:r>
+                            <m:r>
+                              <a:rPr lang="en-US" i="1">
+                                <a:solidFill>
+                                  <a:schemeClr val="tx1"/>
+                                </a:solidFill>
+                                <a:latin typeface="Cambria Math" panose="02040503050406030204" pitchFamily="18" charset="0"/>
+                              </a:rPr>
+                              <m:t>𝜇</m:t>
+                            </m:r>
+                          </m:e>
+                        </m:func>
+                        <m:r>
+                          <a:rPr lang="en-US" i="1">
+                            <a:solidFill>
+                              <a:schemeClr val="tx1"/>
+                            </a:solidFill>
+                            <a:latin typeface="Cambria Math" panose="02040503050406030204" pitchFamily="18" charset="0"/>
+                          </a:rPr>
+                          <m:t>,</m:t>
+                        </m:r>
+                        <m:func>
+                          <m:funcPr>
+                            <m:ctrlPr>
+                              <a:rPr lang="en-US" i="1">
+                                <a:solidFill>
+                                  <a:schemeClr val="tx1"/>
+                                </a:solidFill>
+                                <a:latin typeface="Cambria Math" panose="02040503050406030204" pitchFamily="18" charset="0"/>
+                              </a:rPr>
+                            </m:ctrlPr>
+                          </m:funcPr>
+                          <m:fName>
+                            <m:limLow>
+                              <m:limLowPr>
+                                <m:ctrlPr>
+                                  <a:rPr lang="en-US" i="1">
+                                    <a:solidFill>
+                                      <a:schemeClr val="tx1"/>
+                                    </a:solidFill>
+                                    <a:latin typeface="Cambria Math" panose="02040503050406030204" pitchFamily="18" charset="0"/>
+                                  </a:rPr>
+                                </m:ctrlPr>
+                              </m:limLowPr>
+                              <m:e>
+                                <m:r>
+                                  <m:rPr>
+                                    <m:sty m:val="p"/>
+                                  </m:rPr>
+                                  <a:rPr lang="en-US">
+                                    <a:solidFill>
+                                      <a:schemeClr val="tx1"/>
+                                    </a:solidFill>
+                                    <a:latin typeface="Cambria Math" panose="02040503050406030204" pitchFamily="18" charset="0"/>
+                                  </a:rPr>
+                                  <m:t>max</m:t>
+                                </m:r>
+                              </m:e>
+                              <m:lim>
+                                <m:r>
+                                  <a:rPr lang="en-US" i="1">
+                                    <a:solidFill>
+                                      <a:schemeClr val="tx1"/>
+                                    </a:solidFill>
+                                    <a:latin typeface="Cambria Math" panose="02040503050406030204" pitchFamily="18" charset="0"/>
+                                  </a:rPr>
+                                  <m:t>𝜇</m:t>
+                                </m:r>
+                                <m:r>
+                                  <a:rPr lang="en-US" i="1">
+                                    <a:solidFill>
+                                      <a:schemeClr val="tx1"/>
+                                    </a:solidFill>
+                                    <a:latin typeface="Cambria Math" panose="02040503050406030204" pitchFamily="18" charset="0"/>
+                                  </a:rPr>
+                                  <m:t>∈</m:t>
+                                </m:r>
+                                <m:r>
+                                  <m:rPr>
+                                    <m:nor/>
+                                  </m:rPr>
+                                  <a:rPr lang="en-US">
+                                    <a:solidFill>
+                                      <a:schemeClr val="tx1"/>
+                                    </a:solidFill>
+                                    <a:latin typeface="Cambria Math" panose="02040503050406030204" pitchFamily="18" charset="0"/>
+                                  </a:rPr>
+                                  <m:t>core</m:t>
+                                </m:r>
+                                <m:d>
+                                  <m:dPr>
+                                    <m:ctrlPr>
+                                      <a:rPr lang="en-US" i="1">
+                                        <a:solidFill>
+                                          <a:schemeClr val="tx1"/>
+                                        </a:solidFill>
+                                        <a:latin typeface="Cambria Math" panose="02040503050406030204" pitchFamily="18" charset="0"/>
+                                      </a:rPr>
+                                    </m:ctrlPr>
+                                  </m:dPr>
+                                  <m:e>
+                                    <m:bar>
+                                      <m:barPr>
+                                        <m:pos m:val="top"/>
+                                        <m:ctrlPr>
+                                          <a:rPr lang="en-US" i="1">
+                                            <a:solidFill>
+                                              <a:schemeClr val="tx1"/>
+                                            </a:solidFill>
+                                            <a:latin typeface="Cambria Math" panose="02040503050406030204" pitchFamily="18" charset="0"/>
+                                          </a:rPr>
+                                        </m:ctrlPr>
+                                      </m:barPr>
+                                      <m:e>
+                                        <m:r>
+                                          <a:rPr lang="en-US" i="1">
+                                            <a:solidFill>
+                                              <a:schemeClr val="tx1"/>
+                                            </a:solidFill>
+                                            <a:latin typeface="Cambria Math" panose="02040503050406030204" pitchFamily="18" charset="0"/>
+                                          </a:rPr>
+                                          <m:t>𝜇</m:t>
+                                        </m:r>
+                                      </m:e>
+                                    </m:bar>
+                                  </m:e>
+                                </m:d>
+                              </m:lim>
+                            </m:limLow>
+                          </m:fName>
+                          <m:e>
+                            <m:nary>
+                              <m:naryPr>
+                                <m:limLoc m:val="undOvr"/>
+                                <m:subHide m:val="on"/>
+                                <m:supHide m:val="on"/>
+                                <m:ctrlPr>
+                                  <a:rPr lang="en-US" i="1">
+                                    <a:solidFill>
+                                      <a:schemeClr val="tx1"/>
+                                    </a:solidFill>
+                                    <a:latin typeface="Cambria Math" panose="02040503050406030204" pitchFamily="18" charset="0"/>
+                                  </a:rPr>
+                                </m:ctrlPr>
+                              </m:naryPr>
+                              <m:sub/>
+                              <m:sup/>
+                              <m:e>
+                                <m:r>
+                                  <a:rPr lang="en-US" i="1">
+                                    <a:solidFill>
+                                      <a:schemeClr val="tx1"/>
+                                    </a:solidFill>
+                                    <a:latin typeface="Cambria Math" panose="02040503050406030204" pitchFamily="18" charset="0"/>
+                                  </a:rPr>
+                                  <m:t>𝑋</m:t>
+                                </m:r>
+                              </m:e>
+                            </m:nary>
+                            <m:r>
+                              <a:rPr lang="en-US" i="1">
+                                <a:solidFill>
+                                  <a:schemeClr val="tx1"/>
+                                </a:solidFill>
+                                <a:latin typeface="Cambria Math" panose="02040503050406030204" pitchFamily="18" charset="0"/>
+                              </a:rPr>
+                              <m:t>ⅆ</m:t>
+                            </m:r>
+                            <m:r>
+                              <a:rPr lang="en-US" i="1">
+                                <a:solidFill>
+                                  <a:schemeClr val="tx1"/>
+                                </a:solidFill>
+                                <a:latin typeface="Cambria Math" panose="02040503050406030204" pitchFamily="18" charset="0"/>
+                              </a:rPr>
+                              <m:t>𝜇</m:t>
+                            </m:r>
+                          </m:e>
+                        </m:func>
+                      </m:e>
+                    </m:d>
+                  </m:oMath>
+                </a14:m>
+                <a:endParaRPr lang="en-US" dirty="0"/>
+              </a:p>
+            </p:txBody>
+          </p:sp>
+        </mc:Choice>
+        <mc:Fallback xmlns="">
+          <p:sp>
+            <p:nvSpPr>
+              <p:cNvPr id="4" name="Content Placeholder 3"/>
+              <p:cNvSpPr>
+                <a:spLocks noGrp="1" noRot="1" noChangeAspect="1" noMove="1" noResize="1" noEditPoints="1" noAdjustHandles="1" noChangeArrowheads="1" noChangeShapeType="1" noTextEdit="1"/>
+              </p:cNvSpPr>
+              <p:nvPr>
+                <p:ph sz="half" idx="2"/>
+              </p:nvPr>
+            </p:nvSpPr>
+            <p:spPr>
+              <a:blipFill rotWithShape="0">
+                <a:blip r:embed="rId2"/>
+                <a:stretch>
+                  <a:fillRect l="-1655" t="-2815" r="-3310"/>
+                </a:stretch>
+              </a:blipFill>
+            </p:spPr>
+            <p:txBody>
+              <a:bodyPr/>
+              <a:lstStyle/>
+              <a:p>
+                <a:r>
+                  <a:rPr lang="en-US">
+                    <a:noFill/>
+                  </a:rPr>
+                  <a:t> </a:t>
+                </a:r>
+              </a:p>
+            </p:txBody>
+          </p:sp>
+        </mc:Fallback>
+      </mc:AlternateContent>
+      <p:sp>
+        <p:nvSpPr>
+          <p:cNvPr id="5" name="Text Placeholder 4"/>
+          <p:cNvSpPr>
+            <a:spLocks noGrp="1"/>
+          </p:cNvSpPr>
+          <p:nvPr>
+            <p:ph type="body" sz="quarter" idx="3"/>
+          </p:nvPr>
+        </p:nvSpPr>
+        <p:spPr/>
+        <p:txBody>
+          <a:bodyPr/>
+          <a:lstStyle/>
+          <a:p>
+            <a:r>
+              <a:rPr lang="en-US" dirty="0" smtClean="0">
+                <a:solidFill>
+                  <a:srgbClr val="FF0000"/>
+                </a:solidFill>
+              </a:rPr>
+              <a:t>Quantum</a:t>
+            </a:r>
+            <a:r>
+              <a:rPr lang="en-US" dirty="0" smtClean="0"/>
+              <a:t> </a:t>
+            </a:r>
+            <a:r>
+              <a:rPr lang="en-US" dirty="0"/>
+              <a:t>Interval-Valued Probability Measure </a:t>
+            </a:r>
+            <a:r>
+              <a:rPr lang="en-US" dirty="0" smtClean="0"/>
+              <a:t>(</a:t>
+            </a:r>
+            <a:r>
+              <a:rPr lang="en-US" dirty="0" smtClean="0">
+                <a:solidFill>
+                  <a:srgbClr val="FF0000"/>
+                </a:solidFill>
+              </a:rPr>
+              <a:t>Q</a:t>
+            </a:r>
+            <a:r>
+              <a:rPr lang="en-US" dirty="0" smtClean="0"/>
+              <a:t>IVPM)</a:t>
+            </a:r>
+            <a:endParaRPr lang="en-US" dirty="0"/>
+          </a:p>
+        </p:txBody>
+      </p:sp>
+      <mc:AlternateContent xmlns:mc="http://schemas.openxmlformats.org/markup-compatibility/2006" xmlns:a14="http://schemas.microsoft.com/office/drawing/2010/main">
+        <mc:Choice Requires="a14">
+          <p:sp>
+            <p:nvSpPr>
+              <p:cNvPr id="6" name="Content Placeholder 5"/>
+              <p:cNvSpPr>
+                <a:spLocks noGrp="1"/>
+              </p:cNvSpPr>
+              <p:nvPr>
+                <p:ph sz="quarter" idx="4"/>
+              </p:nvPr>
+            </p:nvSpPr>
+            <p:spPr/>
+            <p:txBody>
+              <a:bodyPr>
+                <a:normAutofit fontScale="85000" lnSpcReduction="10000"/>
+              </a:bodyPr>
+              <a:lstStyle/>
+              <a:p>
+                <a:pPr>
+                  <a:lnSpc>
+                    <a:spcPct val="100000"/>
+                  </a:lnSpc>
+                </a:pPr>
+                <a:r>
+                  <a:rPr lang="en-US" dirty="0" smtClean="0"/>
+                  <a:t>For every convex QIVPM</a:t>
+                </a:r>
+                <a:r>
+                  <a:rPr lang="en-US" dirty="0"/>
+                  <a:t> </a:t>
+                </a:r>
+                <a14:m>
+                  <m:oMath xmlns:m="http://schemas.openxmlformats.org/officeDocument/2006/math">
+                    <m:bar>
+                      <m:barPr>
+                        <m:pos m:val="top"/>
+                        <m:ctrlPr>
+                          <a:rPr lang="en-US" i="1">
+                            <a:latin typeface="Cambria Math" panose="02040503050406030204" pitchFamily="18" charset="0"/>
+                          </a:rPr>
+                        </m:ctrlPr>
+                      </m:barPr>
+                      <m:e>
+                        <m:r>
+                          <a:rPr lang="en-US" i="1">
+                            <a:latin typeface="Cambria Math" panose="02040503050406030204" pitchFamily="18" charset="0"/>
+                          </a:rPr>
+                          <m:t>𝜇</m:t>
+                        </m:r>
+                      </m:e>
+                    </m:bar>
+                    <m:r>
+                      <a:rPr lang="en-US" i="1">
+                        <a:latin typeface="Cambria Math" panose="02040503050406030204" pitchFamily="18" charset="0"/>
+                      </a:rPr>
+                      <m:t>:</m:t>
+                    </m:r>
+                    <m:r>
+                      <a:rPr lang="en-US" i="1">
+                        <a:latin typeface="Cambria Math" panose="02040503050406030204" pitchFamily="18" charset="0"/>
+                        <a:ea typeface="Cambria Math" panose="02040503050406030204" pitchFamily="18" charset="0"/>
+                      </a:rPr>
+                      <m:t>ℰ</m:t>
+                    </m:r>
+                    <m:r>
+                      <a:rPr lang="en-US">
+                        <a:latin typeface="Cambria Math" panose="02040503050406030204" pitchFamily="18" charset="0"/>
+                        <a:ea typeface="Cambria Math" panose="02040503050406030204" pitchFamily="18" charset="0"/>
+                      </a:rPr>
+                      <m:t>→</m:t>
+                    </m:r>
+                    <m:d>
+                      <m:dPr>
+                        <m:begChr m:val=""/>
+                        <m:endChr m:val=""/>
+                        <m:ctrlPr>
+                          <a:rPr lang="en-US" i="1">
+                            <a:latin typeface="Cambria Math" panose="02040503050406030204" pitchFamily="18" charset="0"/>
+                            <a:ea typeface="Cambria Math" panose="02040503050406030204" pitchFamily="18" charset="0"/>
+                            <a:cs typeface="XITS Math" panose="02000503000000000000" pitchFamily="50" charset="0"/>
+                          </a:rPr>
+                        </m:ctrlPr>
+                      </m:dPr>
+                      <m:e>
+                        <m:r>
+                          <a:rPr lang="en-US" i="1">
+                            <a:latin typeface="XITS Math" panose="02000503000000000000" pitchFamily="50" charset="0"/>
+                            <a:ea typeface="XITS Math" panose="02000503000000000000" pitchFamily="50" charset="0"/>
+                            <a:cs typeface="XITS Math" panose="02000503000000000000" pitchFamily="50" charset="0"/>
+                          </a:rPr>
+                          <m:t>ℐ</m:t>
+                        </m:r>
+                      </m:e>
+                    </m:d>
+                  </m:oMath>
+                </a14:m>
+                <a:r>
+                  <a:rPr lang="en-US" dirty="0"/>
+                  <a:t> and any </a:t>
+                </a:r>
+                <a:r>
+                  <a:rPr lang="en-US" dirty="0" smtClean="0"/>
+                  <a:t>observable</a:t>
+                </a:r>
+                <a:r>
+                  <a:rPr lang="en-US" dirty="0"/>
+                  <a:t> </a:t>
+                </a:r>
+                <a14:m>
+                  <m:oMath xmlns:m="http://schemas.openxmlformats.org/officeDocument/2006/math">
+                    <m:r>
+                      <a:rPr lang="en-US" b="1" i="0" smtClean="0">
+                        <a:latin typeface="Cambria Math" panose="02040503050406030204" pitchFamily="18" charset="0"/>
+                      </a:rPr>
+                      <m:t>𝐎</m:t>
+                    </m:r>
+                    <m:r>
+                      <a:rPr lang="en-US" b="0" i="1" smtClean="0">
+                        <a:latin typeface="Cambria Math" panose="02040503050406030204" pitchFamily="18" charset="0"/>
+                      </a:rPr>
+                      <m:t>=</m:t>
+                    </m:r>
+                    <m:nary>
+                      <m:naryPr>
+                        <m:chr m:val="∑"/>
+                        <m:ctrlPr>
+                          <a:rPr lang="en-US" b="0" i="1" smtClean="0">
+                            <a:latin typeface="Cambria Math" panose="02040503050406030204" pitchFamily="18" charset="0"/>
+                          </a:rPr>
+                        </m:ctrlPr>
+                      </m:naryPr>
+                      <m:sub>
+                        <m:r>
+                          <a:rPr lang="en-US" b="0" i="1" smtClean="0">
+                            <a:latin typeface="Cambria Math" panose="02040503050406030204" pitchFamily="18" charset="0"/>
+                          </a:rPr>
+                          <m:t>𝑖</m:t>
+                        </m:r>
+                        <m:r>
+                          <a:rPr lang="en-US" b="0" i="1" smtClean="0">
+                            <a:latin typeface="Cambria Math" panose="02040503050406030204" pitchFamily="18" charset="0"/>
+                          </a:rPr>
+                          <m:t>=1</m:t>
+                        </m:r>
+                      </m:sub>
+                      <m:sup>
+                        <m:r>
+                          <a:rPr lang="en-US" b="0" i="1" smtClean="0">
+                            <a:latin typeface="Cambria Math" panose="02040503050406030204" pitchFamily="18" charset="0"/>
+                          </a:rPr>
+                          <m:t>𝑁</m:t>
+                        </m:r>
+                      </m:sup>
+                      <m:e>
+                        <m:sSub>
+                          <m:sSubPr>
+                            <m:ctrlPr>
+                              <a:rPr lang="en-US" b="0" i="1" smtClean="0">
+                                <a:latin typeface="Cambria Math" panose="02040503050406030204" pitchFamily="18" charset="0"/>
+                              </a:rPr>
+                            </m:ctrlPr>
+                          </m:sSubPr>
+                          <m:e>
+                            <m:r>
+                              <a:rPr lang="en-US" b="0" i="1" smtClean="0">
+                                <a:latin typeface="Cambria Math" panose="02040503050406030204" pitchFamily="18" charset="0"/>
+                              </a:rPr>
+                              <m:t>𝜆</m:t>
+                            </m:r>
+                          </m:e>
+                          <m:sub>
+                            <m:r>
+                              <a:rPr lang="en-US" b="0" i="1" smtClean="0">
+                                <a:latin typeface="Cambria Math" panose="02040503050406030204" pitchFamily="18" charset="0"/>
+                              </a:rPr>
+                              <m:t>𝑖</m:t>
+                            </m:r>
+                          </m:sub>
+                        </m:sSub>
+                        <m:sSub>
+                          <m:sSubPr>
+                            <m:ctrlPr>
+                              <a:rPr lang="en-US" b="0" i="1" smtClean="0">
+                                <a:latin typeface="Cambria Math" panose="02040503050406030204" pitchFamily="18" charset="0"/>
+                              </a:rPr>
+                            </m:ctrlPr>
+                          </m:sSubPr>
+                          <m:e>
+                            <m:r>
+                              <a:rPr lang="en-US" b="0" i="1" smtClean="0">
+                                <a:latin typeface="Cambria Math" panose="02040503050406030204" pitchFamily="18" charset="0"/>
+                              </a:rPr>
+                              <m:t>𝑃</m:t>
+                            </m:r>
+                          </m:e>
+                          <m:sub>
+                            <m:r>
+                              <a:rPr lang="en-US" b="0" i="1" smtClean="0">
+                                <a:latin typeface="Cambria Math" panose="02040503050406030204" pitchFamily="18" charset="0"/>
+                              </a:rPr>
+                              <m:t>𝑖</m:t>
+                            </m:r>
+                          </m:sub>
+                        </m:sSub>
+                      </m:e>
+                    </m:nary>
+                  </m:oMath>
+                </a14:m>
+                <a:r>
+                  <a:rPr lang="en-US" dirty="0" smtClean="0"/>
+                  <a:t> (spectral decomposition), </a:t>
+                </a:r>
+                <a:r>
+                  <a:rPr lang="en-US" dirty="0"/>
+                  <a:t/>
+                </a:r>
+                <a:br>
+                  <a:rPr lang="en-US" dirty="0"/>
+                </a:br>
+                <a14:m>
+                  <m:oMath xmlns:m="http://schemas.openxmlformats.org/officeDocument/2006/math">
+                    <m:nary>
+                      <m:naryPr>
+                        <m:limLoc m:val="undOvr"/>
+                        <m:subHide m:val="on"/>
+                        <m:supHide m:val="on"/>
+                        <m:ctrlPr>
+                          <a:rPr lang="en-US" i="1">
+                            <a:latin typeface="Cambria Math" panose="02040503050406030204" pitchFamily="18" charset="0"/>
+                          </a:rPr>
+                        </m:ctrlPr>
+                      </m:naryPr>
+                      <m:sub/>
+                      <m:sup/>
+                      <m:e>
+                        <m:r>
+                          <a:rPr lang="en-US" i="1">
+                            <a:latin typeface="Cambria Math" panose="02040503050406030204" pitchFamily="18" charset="0"/>
+                          </a:rPr>
+                          <m:t>𝑋</m:t>
+                        </m:r>
+                      </m:e>
+                    </m:nary>
+                    <m:r>
+                      <a:rPr lang="en-US" i="1">
+                        <a:latin typeface="Cambria Math" panose="02040503050406030204" pitchFamily="18" charset="0"/>
+                      </a:rPr>
+                      <m:t>ⅆ</m:t>
+                    </m:r>
+                    <m:bar>
+                      <m:barPr>
+                        <m:pos m:val="top"/>
+                        <m:ctrlPr>
+                          <a:rPr lang="en-US" i="1">
+                            <a:latin typeface="Cambria Math" panose="02040503050406030204" pitchFamily="18" charset="0"/>
+                          </a:rPr>
+                        </m:ctrlPr>
+                      </m:barPr>
+                      <m:e>
+                        <m:r>
+                          <a:rPr lang="en-US" i="1">
+                            <a:latin typeface="Cambria Math" panose="02040503050406030204" pitchFamily="18" charset="0"/>
+                          </a:rPr>
+                          <m:t>𝜇</m:t>
+                        </m:r>
+                      </m:e>
+                    </m:bar>
+                    <m:r>
+                      <a:rPr lang="en-US" i="1">
+                        <a:latin typeface="Cambria Math" panose="02040503050406030204" pitchFamily="18" charset="0"/>
+                      </a:rPr>
+                      <m:t>=</m:t>
+                    </m:r>
+                    <m:d>
+                      <m:dPr>
+                        <m:begChr m:val="["/>
+                        <m:endChr m:val="]"/>
+                        <m:ctrlPr>
+                          <a:rPr lang="en-US" i="1">
+                            <a:latin typeface="Cambria Math" panose="02040503050406030204" pitchFamily="18" charset="0"/>
+                          </a:rPr>
+                        </m:ctrlPr>
+                      </m:dPr>
+                      <m:e>
+                        <m:func>
+                          <m:funcPr>
+                            <m:ctrlPr>
+                              <a:rPr lang="en-US" i="1">
+                                <a:latin typeface="Cambria Math" panose="02040503050406030204" pitchFamily="18" charset="0"/>
+                              </a:rPr>
+                            </m:ctrlPr>
+                          </m:funcPr>
+                          <m:fName>
+                            <m:limLow>
+                              <m:limLowPr>
+                                <m:ctrlPr>
+                                  <a:rPr lang="en-US" i="1">
+                                    <a:latin typeface="Cambria Math" panose="02040503050406030204" pitchFamily="18" charset="0"/>
+                                  </a:rPr>
+                                </m:ctrlPr>
+                              </m:limLowPr>
+                              <m:e>
+                                <m:r>
+                                  <m:rPr>
+                                    <m:sty m:val="p"/>
+                                  </m:rPr>
+                                  <a:rPr lang="en-US">
+                                    <a:latin typeface="Cambria Math" panose="02040503050406030204" pitchFamily="18" charset="0"/>
+                                  </a:rPr>
+                                  <m:t>min</m:t>
+                                </m:r>
+                              </m:e>
+                              <m:lim>
+                                <m:r>
+                                  <a:rPr lang="en-US" i="1">
+                                    <a:latin typeface="Cambria Math" panose="02040503050406030204" pitchFamily="18" charset="0"/>
+                                  </a:rPr>
+                                  <m:t>𝜇</m:t>
+                                </m:r>
+                                <m:r>
+                                  <a:rPr lang="en-US" i="1">
+                                    <a:latin typeface="Cambria Math" panose="02040503050406030204" pitchFamily="18" charset="0"/>
+                                  </a:rPr>
+                                  <m:t>∈</m:t>
+                                </m:r>
+                                <m:r>
+                                  <m:rPr>
+                                    <m:nor/>
+                                  </m:rPr>
+                                  <a:rPr lang="en-US">
+                                    <a:latin typeface="Cambria Math" panose="02040503050406030204" pitchFamily="18" charset="0"/>
+                                  </a:rPr>
+                                  <m:t>core</m:t>
+                                </m:r>
+                                <m:d>
+                                  <m:dPr>
+                                    <m:ctrlPr>
+                                      <a:rPr lang="en-US" i="1">
+                                        <a:latin typeface="Cambria Math" panose="02040503050406030204" pitchFamily="18" charset="0"/>
+                                      </a:rPr>
+                                    </m:ctrlPr>
+                                  </m:dPr>
+                                  <m:e>
+                                    <m:bar>
+                                      <m:barPr>
+                                        <m:pos m:val="top"/>
+                                        <m:ctrlPr>
+                                          <a:rPr lang="en-US" i="1">
+                                            <a:latin typeface="Cambria Math" panose="02040503050406030204" pitchFamily="18" charset="0"/>
+                                          </a:rPr>
+                                        </m:ctrlPr>
+                                      </m:barPr>
+                                      <m:e>
+                                        <m:r>
+                                          <a:rPr lang="en-US" i="1">
+                                            <a:latin typeface="Cambria Math" panose="02040503050406030204" pitchFamily="18" charset="0"/>
+                                          </a:rPr>
+                                          <m:t>𝜇</m:t>
+                                        </m:r>
+                                      </m:e>
+                                    </m:bar>
+                                  </m:e>
+                                </m:d>
+                              </m:lim>
+                            </m:limLow>
+                          </m:fName>
+                          <m:e>
+                            <m:nary>
+                              <m:naryPr>
+                                <m:limLoc m:val="undOvr"/>
+                                <m:subHide m:val="on"/>
+                                <m:supHide m:val="on"/>
+                                <m:ctrlPr>
+                                  <a:rPr lang="en-US" i="1">
+                                    <a:latin typeface="Cambria Math" panose="02040503050406030204" pitchFamily="18" charset="0"/>
+                                  </a:rPr>
+                                </m:ctrlPr>
+                              </m:naryPr>
+                              <m:sub/>
+                              <m:sup/>
+                              <m:e>
+                                <m:r>
+                                  <a:rPr lang="en-US" i="1">
+                                    <a:latin typeface="Cambria Math" panose="02040503050406030204" pitchFamily="18" charset="0"/>
+                                  </a:rPr>
+                                  <m:t>𝑋</m:t>
+                                </m:r>
+                              </m:e>
+                            </m:nary>
+                            <m:r>
+                              <a:rPr lang="en-US" i="1">
+                                <a:latin typeface="Cambria Math" panose="02040503050406030204" pitchFamily="18" charset="0"/>
+                              </a:rPr>
+                              <m:t>ⅆ</m:t>
+                            </m:r>
+                            <m:r>
+                              <a:rPr lang="en-US" i="1">
+                                <a:latin typeface="Cambria Math" panose="02040503050406030204" pitchFamily="18" charset="0"/>
+                              </a:rPr>
+                              <m:t>𝜇</m:t>
+                            </m:r>
+                          </m:e>
+                        </m:func>
+                        <m:r>
+                          <a:rPr lang="en-US" i="1">
+                            <a:latin typeface="Cambria Math" panose="02040503050406030204" pitchFamily="18" charset="0"/>
+                          </a:rPr>
+                          <m:t>,</m:t>
+                        </m:r>
+                        <m:func>
+                          <m:funcPr>
+                            <m:ctrlPr>
+                              <a:rPr lang="en-US" i="1">
+                                <a:latin typeface="Cambria Math" panose="02040503050406030204" pitchFamily="18" charset="0"/>
+                              </a:rPr>
+                            </m:ctrlPr>
+                          </m:funcPr>
+                          <m:fName>
+                            <m:limLow>
+                              <m:limLowPr>
+                                <m:ctrlPr>
+                                  <a:rPr lang="en-US" i="1">
+                                    <a:latin typeface="Cambria Math" panose="02040503050406030204" pitchFamily="18" charset="0"/>
+                                  </a:rPr>
+                                </m:ctrlPr>
+                              </m:limLowPr>
+                              <m:e>
+                                <m:r>
+                                  <m:rPr>
+                                    <m:sty m:val="p"/>
+                                  </m:rPr>
+                                  <a:rPr lang="en-US">
+                                    <a:latin typeface="Cambria Math" panose="02040503050406030204" pitchFamily="18" charset="0"/>
+                                  </a:rPr>
+                                  <m:t>max</m:t>
+                                </m:r>
+                              </m:e>
+                              <m:lim>
+                                <m:r>
+                                  <a:rPr lang="en-US" i="1">
+                                    <a:latin typeface="Cambria Math" panose="02040503050406030204" pitchFamily="18" charset="0"/>
+                                  </a:rPr>
+                                  <m:t>𝜇</m:t>
+                                </m:r>
+                                <m:r>
+                                  <a:rPr lang="en-US" i="1">
+                                    <a:latin typeface="Cambria Math" panose="02040503050406030204" pitchFamily="18" charset="0"/>
+                                  </a:rPr>
+                                  <m:t>∈</m:t>
+                                </m:r>
+                                <m:r>
+                                  <m:rPr>
+                                    <m:nor/>
+                                  </m:rPr>
+                                  <a:rPr lang="en-US">
+                                    <a:latin typeface="Cambria Math" panose="02040503050406030204" pitchFamily="18" charset="0"/>
+                                  </a:rPr>
+                                  <m:t>core</m:t>
+                                </m:r>
+                                <m:d>
+                                  <m:dPr>
+                                    <m:ctrlPr>
+                                      <a:rPr lang="en-US" i="1">
+                                        <a:latin typeface="Cambria Math" panose="02040503050406030204" pitchFamily="18" charset="0"/>
+                                      </a:rPr>
+                                    </m:ctrlPr>
+                                  </m:dPr>
+                                  <m:e>
+                                    <m:bar>
+                                      <m:barPr>
+                                        <m:pos m:val="top"/>
+                                        <m:ctrlPr>
+                                          <a:rPr lang="en-US" i="1">
+                                            <a:latin typeface="Cambria Math" panose="02040503050406030204" pitchFamily="18" charset="0"/>
+                                          </a:rPr>
+                                        </m:ctrlPr>
+                                      </m:barPr>
+                                      <m:e>
+                                        <m:r>
+                                          <a:rPr lang="en-US" i="1">
+                                            <a:latin typeface="Cambria Math" panose="02040503050406030204" pitchFamily="18" charset="0"/>
+                                          </a:rPr>
+                                          <m:t>𝜇</m:t>
+                                        </m:r>
+                                      </m:e>
+                                    </m:bar>
+                                  </m:e>
+                                </m:d>
+                              </m:lim>
+                            </m:limLow>
+                          </m:fName>
+                          <m:e>
+                            <m:nary>
+                              <m:naryPr>
+                                <m:limLoc m:val="undOvr"/>
+                                <m:subHide m:val="on"/>
+                                <m:supHide m:val="on"/>
+                                <m:ctrlPr>
+                                  <a:rPr lang="en-US" i="1">
+                                    <a:latin typeface="Cambria Math" panose="02040503050406030204" pitchFamily="18" charset="0"/>
+                                  </a:rPr>
+                                </m:ctrlPr>
+                              </m:naryPr>
+                              <m:sub/>
+                              <m:sup/>
+                              <m:e>
+                                <m:r>
+                                  <a:rPr lang="en-US" i="1">
+                                    <a:latin typeface="Cambria Math" panose="02040503050406030204" pitchFamily="18" charset="0"/>
+                                  </a:rPr>
+                                  <m:t>𝑋</m:t>
+                                </m:r>
+                              </m:e>
+                            </m:nary>
+                            <m:r>
+                              <a:rPr lang="en-US" i="1">
+                                <a:latin typeface="Cambria Math" panose="02040503050406030204" pitchFamily="18" charset="0"/>
+                              </a:rPr>
+                              <m:t>ⅆ</m:t>
+                            </m:r>
+                            <m:r>
+                              <a:rPr lang="en-US" i="1">
+                                <a:latin typeface="Cambria Math" panose="02040503050406030204" pitchFamily="18" charset="0"/>
+                              </a:rPr>
+                              <m:t>𝜇</m:t>
+                            </m:r>
+                          </m:e>
+                        </m:func>
+                      </m:e>
+                    </m:d>
+                  </m:oMath>
+                </a14:m>
+                <a:endParaRPr lang="en-US" dirty="0" smtClean="0"/>
+              </a:p>
+              <a:p>
+                <a:pPr>
+                  <a:lnSpc>
+                    <a:spcPct val="100000"/>
+                  </a:lnSpc>
+                </a:pPr>
+                <a:endParaRPr lang="en-US" dirty="0"/>
+              </a:p>
+            </p:txBody>
+          </p:sp>
+        </mc:Choice>
+        <mc:Fallback xmlns="">
+          <p:sp>
+            <p:nvSpPr>
+              <p:cNvPr id="6" name="Content Placeholder 5"/>
+              <p:cNvSpPr>
+                <a:spLocks noGrp="1" noRot="1" noChangeAspect="1" noMove="1" noResize="1" noEditPoints="1" noAdjustHandles="1" noChangeArrowheads="1" noChangeShapeType="1" noTextEdit="1"/>
+              </p:cNvSpPr>
+              <p:nvPr>
+                <p:ph sz="quarter" idx="4"/>
+              </p:nvPr>
+            </p:nvSpPr>
+            <p:spPr>
+              <a:blipFill rotWithShape="0">
+                <a:blip r:embed="rId3"/>
+                <a:stretch>
+                  <a:fillRect l="-1647" t="-2318" r="-3059"/>
+                </a:stretch>
+              </a:blipFill>
+            </p:spPr>
+            <p:txBody>
+              <a:bodyPr/>
+              <a:lstStyle/>
+              <a:p>
+                <a:r>
+                  <a:rPr lang="en-US">
+                    <a:noFill/>
+                  </a:rPr>
+                  <a:t> </a:t>
+                </a:r>
+              </a:p>
+            </p:txBody>
+          </p:sp>
+        </mc:Fallback>
+      </mc:AlternateContent>
+    </p:spTree>
+    <p:extLst>
+      <p:ext uri="{BB962C8B-B14F-4D97-AF65-F5344CB8AC3E}">
+        <p14:creationId xmlns:p14="http://schemas.microsoft.com/office/powerpoint/2010/main" val="4139383902"/>
+      </p:ext>
+    </p:extLst>
+  </p:cSld>
+  <p:clrMapOvr>
+    <a:masterClrMapping/>
+  </p:clrMapOvr>
+  <p:timing>
+    <p:tnLst>
+      <p:par>
+        <p:cTn id="1" dur="indefinite" restart="never" nodeType="tmRoot"/>
+      </p:par>
+    </p:tnLst>
+  </p:timing>
+</p:sld>
+</file>
+
+<file path=ppt/slides/slide21.xml><?xml version="1.0" encoding="utf-8"?>
+<p:sld xmlns:a="http://schemas.openxmlformats.org/drawingml/2006/main" xmlns:r="http://schemas.openxmlformats.org/officeDocument/2006/relationships" xmlns:p="http://schemas.openxmlformats.org/presentationml/2006/main">
+  <p:cSld>
+    <p:spTree>
+      <p:nvGrpSpPr>
+        <p:cNvPr id="1" name=""/>
+        <p:cNvGrpSpPr/>
+        <p:nvPr/>
+      </p:nvGrpSpPr>
+      <p:grpSpPr>
+        <a:xfrm>
+          <a:off x="0" y="0"/>
+          <a:ext cx="0" cy="0"/>
+          <a:chOff x="0" y="0"/>
+          <a:chExt cx="0" cy="0"/>
+        </a:xfrm>
+      </p:grpSpPr>
+      <p:sp>
+        <p:nvSpPr>
+          <p:cNvPr id="2" name="Title 1"/>
+          <p:cNvSpPr>
+            <a:spLocks noGrp="1"/>
+          </p:cNvSpPr>
+          <p:nvPr>
+            <p:ph type="title"/>
+          </p:nvPr>
+        </p:nvSpPr>
+        <p:spPr/>
+        <p:txBody>
+          <a:bodyPr/>
+          <a:lstStyle/>
+          <a:p>
+            <a:r>
+              <a:rPr lang="en-US" dirty="0"/>
+              <a:t>Kochen-Specker Theorem</a:t>
+            </a:r>
+            <a:br>
+              <a:rPr lang="en-US" dirty="0"/>
+            </a:br>
+            <a:r>
+              <a:rPr lang="en-US" dirty="0"/>
+              <a:t>with Finite Precision Measurement</a:t>
+            </a:r>
+          </a:p>
+        </p:txBody>
+      </p:sp>
+      <p:sp>
+        <p:nvSpPr>
+          <p:cNvPr id="3" name="Text Placeholder 2"/>
+          <p:cNvSpPr>
+            <a:spLocks noGrp="1"/>
+          </p:cNvSpPr>
+          <p:nvPr>
+            <p:ph type="body" idx="1"/>
+          </p:nvPr>
+        </p:nvSpPr>
+        <p:spPr/>
+        <p:txBody>
+          <a:bodyPr/>
+          <a:lstStyle/>
+          <a:p>
+            <a:r>
+              <a:rPr lang="en-US" dirty="0" smtClean="0"/>
+              <a:t>Yes, the Kochen-Specker Theorem still works even consider finite precision measurement modelled by QIVPM.</a:t>
+            </a:r>
+            <a:endParaRPr lang="en-US" dirty="0"/>
+          </a:p>
+        </p:txBody>
+      </p:sp>
+    </p:spTree>
+    <p:extLst>
+      <p:ext uri="{BB962C8B-B14F-4D97-AF65-F5344CB8AC3E}">
+        <p14:creationId xmlns:p14="http://schemas.microsoft.com/office/powerpoint/2010/main" val="881549114"/>
+      </p:ext>
+    </p:extLst>
+  </p:cSld>
+  <p:clrMapOvr>
+    <a:masterClrMapping/>
+  </p:clrMapOvr>
+  <p:timing>
+    <p:tnLst>
+      <p:par>
+        <p:cTn id="1" dur="indefinite" restart="never" nodeType="tmRoot"/>
+      </p:par>
+    </p:tnLst>
+  </p:timing>
+</p:sld>
+</file>
+
+<file path=ppt/slides/slide22.xml><?xml version="1.0" encoding="utf-8"?>
+<p:sld xmlns:a="http://schemas.openxmlformats.org/drawingml/2006/main" xmlns:r="http://schemas.openxmlformats.org/officeDocument/2006/relationships" xmlns:p="http://schemas.openxmlformats.org/presentationml/2006/main">
+  <p:cSld>
+    <p:spTree>
+      <p:nvGrpSpPr>
+        <p:cNvPr id="1" name=""/>
+        <p:cNvGrpSpPr/>
+        <p:nvPr/>
+      </p:nvGrpSpPr>
+      <p:grpSpPr>
+        <a:xfrm>
+          <a:off x="0" y="0"/>
+          <a:ext cx="0" cy="0"/>
+          <a:chOff x="0" y="0"/>
+          <a:chExt cx="0" cy="0"/>
+        </a:xfrm>
+      </p:grpSpPr>
+      <p:sp>
+        <p:nvSpPr>
+          <p:cNvPr id="2" name="Title 1"/>
+          <p:cNvSpPr>
+            <a:spLocks noGrp="1"/>
+          </p:cNvSpPr>
+          <p:nvPr>
+            <p:ph type="title"/>
+          </p:nvPr>
+        </p:nvSpPr>
+        <p:spPr/>
+        <p:txBody>
+          <a:bodyPr/>
+          <a:lstStyle/>
+          <a:p>
+            <a:r>
               <a:rPr lang="en-US" dirty="0"/>
               <a:t>Kochen-Specker Theorem</a:t>
             </a:r>
@@ -19078,7 +24864,7 @@
 </p:sld>
 </file>
 
-<file path=ppt/slides/slide21.xml><?xml version="1.0" encoding="utf-8"?>
+<file path=ppt/slides/slide23.xml><?xml version="1.0" encoding="utf-8"?>
 <p:sld xmlns:a="http://schemas.openxmlformats.org/drawingml/2006/main" xmlns:r="http://schemas.openxmlformats.org/officeDocument/2006/relationships" xmlns:p="http://schemas.openxmlformats.org/presentationml/2006/main">
   <p:cSld>
     <p:spTree>
@@ -19933,7 +25719,7 @@
 </p:sld>
 </file>
 
-<file path=ppt/slides/slide22.xml><?xml version="1.0" encoding="utf-8"?>
+<file path=ppt/slides/slide24.xml><?xml version="1.0" encoding="utf-8"?>
 <p:sld xmlns:a="http://schemas.openxmlformats.org/drawingml/2006/main" xmlns:r="http://schemas.openxmlformats.org/officeDocument/2006/relationships" xmlns:p="http://schemas.openxmlformats.org/presentationml/2006/main">
   <p:cSld>
     <p:spTree>
@@ -21023,7 +26809,7 @@
 </p:sld>
 </file>
 
-<file path=ppt/slides/slide23.xml><?xml version="1.0" encoding="utf-8"?>
+<file path=ppt/slides/slide25.xml><?xml version="1.0" encoding="utf-8"?>
 <p:sld xmlns:a="http://schemas.openxmlformats.org/drawingml/2006/main" xmlns:r="http://schemas.openxmlformats.org/officeDocument/2006/relationships" xmlns:p="http://schemas.openxmlformats.org/presentationml/2006/main">
   <p:cSld>
     <p:spTree>
@@ -26521,14 +32307,26 @@
           <a:p>
             <a:r>
               <a:rPr lang="en-US" dirty="0" smtClean="0"/>
-              <a:t>Inclusion and Convexity</a:t>
+              <a:t>Inclusion and </a:t>
             </a:r>
-            <a:endParaRPr lang="en-US" dirty="0"/>
+            <a:r>
+              <a:rPr lang="en-US" dirty="0" smtClean="0">
+                <a:solidFill>
+                  <a:schemeClr val="accent2"/>
+                </a:solidFill>
+              </a:rPr>
+              <a:t>Convexity</a:t>
+            </a:r>
+            <a:endParaRPr lang="en-US" dirty="0">
+              <a:solidFill>
+                <a:schemeClr val="accent2"/>
+              </a:solidFill>
+            </a:endParaRPr>
           </a:p>
         </p:txBody>
       </p:sp>
-      <mc:AlternateContent xmlns:mc="http://schemas.openxmlformats.org/markup-compatibility/2006" xmlns:a14="http://schemas.microsoft.com/office/drawing/2010/main">
-        <mc:Choice Requires="a14">
+      <mc:AlternateContent xmlns:mc="http://schemas.openxmlformats.org/markup-compatibility/2006">
+        <mc:Choice xmlns:a14="http://schemas.microsoft.com/office/drawing/2010/main" Requires="a14">
           <p:graphicFrame>
             <p:nvGraphicFramePr>
               <p:cNvPr id="4" name="Content Placeholder 3"/>
@@ -26539,7 +32337,7 @@
                 <p:ph idx="1"/>
                 <p:extLst>
                   <p:ext uri="{D42A27DB-BD31-4B8C-83A1-F6EECF244321}">
-                    <p14:modId xmlns:p14="http://schemas.microsoft.com/office/powerpoint/2010/main" val="3870195092"/>
+                    <p14:modId xmlns:p14="http://schemas.microsoft.com/office/powerpoint/2010/main" val="2903593506"/>
                   </p:ext>
                 </p:extLst>
               </p:nvPr>
@@ -28472,7 +34270,7 @@
                             <a:t>. This gives the </a:t>
                           </a:r>
                           <a:r>
-                            <a:rPr lang="en-US" sz="2200" i="1" baseline="0" dirty="0" smtClean="0">
+                            <a:rPr lang="en-US" sz="2200" i="0" baseline="0" dirty="0" smtClean="0">
                               <a:solidFill>
                                 <a:schemeClr val="accent2"/>
                               </a:solidFill>
@@ -29010,7 +34808,7 @@
             </a:graphic>
           </p:graphicFrame>
         </mc:Choice>
-        <mc:Fallback xmlns="">
+        <mc:Fallback>
           <p:graphicFrame>
             <p:nvGraphicFramePr>
               <p:cNvPr id="4" name="Content Placeholder 3"/>
@@ -29021,7 +34819,7 @@
                 <p:ph idx="1"/>
                 <p:extLst>
                   <p:ext uri="{D42A27DB-BD31-4B8C-83A1-F6EECF244321}">
-                    <p14:modId xmlns:p14="http://schemas.microsoft.com/office/powerpoint/2010/main" val="3870195092"/>
+                    <p14:modId xmlns:p14="http://schemas.microsoft.com/office/powerpoint/2010/main" val="2903593506"/>
                   </p:ext>
                 </p:extLst>
               </p:nvPr>
@@ -29281,15 +35079,35 @@
           <a:lstStyle/>
           <a:p>
             <a:r>
+              <a:rPr lang="en-US" dirty="0" smtClean="0">
+                <a:solidFill>
+                  <a:schemeClr val="accent2"/>
+                </a:solidFill>
+              </a:rPr>
+              <a:t>Convexity</a:t>
+            </a:r>
+            <a:r>
               <a:rPr lang="en-US" dirty="0" smtClean="0"/>
-              <a:t>Convexity and Core</a:t>
+              <a:t> and </a:t>
             </a:r>
-            <a:endParaRPr lang="en-US" dirty="0"/>
+            <a:r>
+              <a:rPr lang="en-US" dirty="0" smtClean="0">
+                <a:solidFill>
+                  <a:schemeClr val="accent2"/>
+                </a:solidFill>
+              </a:rPr>
+              <a:t>Core</a:t>
+            </a:r>
+            <a:endParaRPr lang="en-US" dirty="0">
+              <a:solidFill>
+                <a:schemeClr val="accent2"/>
+              </a:solidFill>
+            </a:endParaRPr>
           </a:p>
         </p:txBody>
       </p:sp>
-      <mc:AlternateContent xmlns:mc="http://schemas.openxmlformats.org/markup-compatibility/2006" xmlns:a14="http://schemas.microsoft.com/office/drawing/2010/main">
-        <mc:Choice Requires="a14">
+      <mc:AlternateContent xmlns:mc="http://schemas.openxmlformats.org/markup-compatibility/2006">
+        <mc:Choice xmlns:a14="http://schemas.microsoft.com/office/drawing/2010/main" Requires="a14">
           <p:sp>
             <p:nvSpPr>
               <p:cNvPr id="3" name="Content Placeholder 2"/>
@@ -29914,18 +35732,10 @@
                 </a14:m>
                 <a:r>
                   <a:rPr lang="en-US" dirty="0" smtClean="0"/>
-                  <a:t>, we can compute its </a:t>
+                  <a:t>, we can compute its Choquet integral or </a:t>
                 </a:r>
                 <a:r>
-                  <a:rPr lang="en-US" i="1" dirty="0" smtClean="0"/>
-                  <a:t>Choquet integral</a:t>
-                </a:r>
-                <a:r>
-                  <a:rPr lang="en-US" dirty="0" smtClean="0"/>
-                  <a:t> or </a:t>
-                </a:r>
-                <a:r>
-                  <a:rPr lang="en-US" i="1" dirty="0" smtClean="0">
+                  <a:rPr lang="en-US" dirty="0" smtClean="0">
                     <a:solidFill>
                       <a:schemeClr val="accent2"/>
                     </a:solidFill>
@@ -30600,7 +36410,7 @@
             </p:txBody>
           </p:sp>
         </mc:Choice>
-        <mc:Fallback xmlns="">
+        <mc:Fallback>
           <p:sp>
             <p:nvSpPr>
               <p:cNvPr id="3" name="Content Placeholder 2"/>
@@ -32906,15 +38716,35 @@
           <a:lstStyle/>
           <a:p>
             <a:r>
+              <a:rPr lang="en-US" dirty="0" smtClean="0">
+                <a:solidFill>
+                  <a:srgbClr val="FF0000"/>
+                </a:solidFill>
+              </a:rPr>
+              <a:t>Gleason’s Theorem</a:t>
+            </a:r>
+            <a:r>
               <a:rPr lang="en-US" dirty="0" smtClean="0"/>
-              <a:t>Gleason’s Theorem and the Born Rule</a:t>
+              <a:t> and the </a:t>
             </a:r>
-            <a:endParaRPr lang="en-US" dirty="0"/>
+            <a:r>
+              <a:rPr lang="en-US" dirty="0" smtClean="0">
+                <a:solidFill>
+                  <a:srgbClr val="FF0000"/>
+                </a:solidFill>
+              </a:rPr>
+              <a:t>Born Rule</a:t>
+            </a:r>
+            <a:endParaRPr lang="en-US" dirty="0">
+              <a:solidFill>
+                <a:srgbClr val="FF0000"/>
+              </a:solidFill>
+            </a:endParaRPr>
           </a:p>
         </p:txBody>
       </p:sp>
-      <mc:AlternateContent xmlns:mc="http://schemas.openxmlformats.org/markup-compatibility/2006" xmlns:a14="http://schemas.microsoft.com/office/drawing/2010/main">
-        <mc:Choice Requires="a14">
+      <mc:AlternateContent xmlns:mc="http://schemas.openxmlformats.org/markup-compatibility/2006">
+        <mc:Choice xmlns:a14="http://schemas.microsoft.com/office/drawing/2010/main" Requires="a14">
           <p:sp>
             <p:nvSpPr>
               <p:cNvPr id="3" name="Content Placeholder 2"/>
@@ -32952,16 +38782,32 @@
                   <a:buNone/>
                 </a:pPr>
                 <a:r>
-                  <a:rPr lang="en-US" b="1" dirty="0"/>
+                  <a:rPr lang="en-US" b="1" dirty="0">
+                    <a:solidFill>
+                      <a:srgbClr val="FF0000"/>
+                    </a:solidFill>
+                  </a:rPr>
                   <a:t>Theorem</a:t>
                 </a:r>
                 <a:r>
-                  <a:rPr lang="en-US" dirty="0"/>
+                  <a:rPr lang="en-US" dirty="0">
+                    <a:solidFill>
+                      <a:srgbClr val="FF0000"/>
+                    </a:solidFill>
+                  </a:rPr>
                   <a:t> </a:t>
                 </a:r>
                 <a:r>
+                  <a:rPr lang="en-US" dirty="0" smtClean="0">
+                    <a:solidFill>
+                      <a:srgbClr val="FF0000"/>
+                    </a:solidFill>
+                  </a:rPr>
+                  <a:t>(Gleason’s)</a:t>
+                </a:r>
+                <a:r>
                   <a:rPr lang="en-US" dirty="0" smtClean="0"/>
-                  <a:t>(Gleason’s) When dimension</a:t>
+                  <a:t> When dimension</a:t>
                 </a:r>
                 <a:r>
                   <a:rPr lang="en-US" dirty="0"/>
@@ -33199,7 +39045,7 @@
                   <a:t> is called the </a:t>
                 </a:r>
                 <a:r>
-                  <a:rPr lang="en-US" i="1" dirty="0" smtClean="0">
+                  <a:rPr lang="en-US" dirty="0" smtClean="0">
                     <a:solidFill>
                       <a:srgbClr val="FF0000"/>
                     </a:solidFill>
@@ -33498,7 +39344,7 @@
             </p:txBody>
           </p:sp>
         </mc:Choice>
-        <mc:Fallback xmlns="">
+        <mc:Fallback>
           <p:sp>
             <p:nvSpPr>
               <p:cNvPr id="3" name="Content Placeholder 2"/>
